--- a/assets uarm/2023 2 UarmPCrit/Taylor - Era Secular 3 y 5.pptx
+++ b/assets uarm/2023 2 UarmPCrit/Taylor - Era Secular 3 y 5.pptx
@@ -17,10 +17,18 @@
     <p:sldId id="272" r:id="rId11"/>
     <p:sldId id="273" r:id="rId12"/>
     <p:sldId id="274" r:id="rId13"/>
-    <p:sldId id="260" r:id="rId14"/>
-    <p:sldId id="261" r:id="rId15"/>
-    <p:sldId id="262" r:id="rId16"/>
-    <p:sldId id="263" r:id="rId17"/>
+    <p:sldId id="275" r:id="rId14"/>
+    <p:sldId id="260" r:id="rId15"/>
+    <p:sldId id="276" r:id="rId16"/>
+    <p:sldId id="261" r:id="rId17"/>
+    <p:sldId id="277" r:id="rId18"/>
+    <p:sldId id="262" r:id="rId19"/>
+    <p:sldId id="278" r:id="rId20"/>
+    <p:sldId id="279" r:id="rId21"/>
+    <p:sldId id="280" r:id="rId22"/>
+    <p:sldId id="281" r:id="rId23"/>
+    <p:sldId id="263" r:id="rId24"/>
+    <p:sldId id="288" r:id="rId25"/>
   </p:sldIdLst>
   <p:sldSz cx="12192000" cy="6858000"/>
   <p:notesSz cx="6858000" cy="9144000"/>
@@ -258,7 +266,7 @@
           <a:p>
             <a:fld id="{C0E97E01-ED5A-4091-B4B5-A906FD824320}" type="datetimeFigureOut">
               <a:rPr lang="es-PE" smtClean="0"/>
-              <a:t>14/09/2023</a:t>
+              <a:t>18/09/2023</a:t>
             </a:fld>
             <a:endParaRPr lang="es-PE"/>
           </a:p>
@@ -428,7 +436,7 @@
           <a:p>
             <a:fld id="{C0E97E01-ED5A-4091-B4B5-A906FD824320}" type="datetimeFigureOut">
               <a:rPr lang="es-PE" smtClean="0"/>
-              <a:t>14/09/2023</a:t>
+              <a:t>18/09/2023</a:t>
             </a:fld>
             <a:endParaRPr lang="es-PE"/>
           </a:p>
@@ -608,7 +616,7 @@
           <a:p>
             <a:fld id="{C0E97E01-ED5A-4091-B4B5-A906FD824320}" type="datetimeFigureOut">
               <a:rPr lang="es-PE" smtClean="0"/>
-              <a:t>14/09/2023</a:t>
+              <a:t>18/09/2023</a:t>
             </a:fld>
             <a:endParaRPr lang="es-PE"/>
           </a:p>
@@ -778,7 +786,7 @@
           <a:p>
             <a:fld id="{C0E97E01-ED5A-4091-B4B5-A906FD824320}" type="datetimeFigureOut">
               <a:rPr lang="es-PE" smtClean="0"/>
-              <a:t>14/09/2023</a:t>
+              <a:t>18/09/2023</a:t>
             </a:fld>
             <a:endParaRPr lang="es-PE"/>
           </a:p>
@@ -1024,7 +1032,7 @@
           <a:p>
             <a:fld id="{C0E97E01-ED5A-4091-B4B5-A906FD824320}" type="datetimeFigureOut">
               <a:rPr lang="es-PE" smtClean="0"/>
-              <a:t>14/09/2023</a:t>
+              <a:t>18/09/2023</a:t>
             </a:fld>
             <a:endParaRPr lang="es-PE"/>
           </a:p>
@@ -1256,7 +1264,7 @@
           <a:p>
             <a:fld id="{C0E97E01-ED5A-4091-B4B5-A906FD824320}" type="datetimeFigureOut">
               <a:rPr lang="es-PE" smtClean="0"/>
-              <a:t>14/09/2023</a:t>
+              <a:t>18/09/2023</a:t>
             </a:fld>
             <a:endParaRPr lang="es-PE"/>
           </a:p>
@@ -1623,7 +1631,7 @@
           <a:p>
             <a:fld id="{C0E97E01-ED5A-4091-B4B5-A906FD824320}" type="datetimeFigureOut">
               <a:rPr lang="es-PE" smtClean="0"/>
-              <a:t>14/09/2023</a:t>
+              <a:t>18/09/2023</a:t>
             </a:fld>
             <a:endParaRPr lang="es-PE"/>
           </a:p>
@@ -1741,7 +1749,7 @@
           <a:p>
             <a:fld id="{C0E97E01-ED5A-4091-B4B5-A906FD824320}" type="datetimeFigureOut">
               <a:rPr lang="es-PE" smtClean="0"/>
-              <a:t>14/09/2023</a:t>
+              <a:t>18/09/2023</a:t>
             </a:fld>
             <a:endParaRPr lang="es-PE"/>
           </a:p>
@@ -1836,7 +1844,7 @@
           <a:p>
             <a:fld id="{C0E97E01-ED5A-4091-B4B5-A906FD824320}" type="datetimeFigureOut">
               <a:rPr lang="es-PE" smtClean="0"/>
-              <a:t>14/09/2023</a:t>
+              <a:t>18/09/2023</a:t>
             </a:fld>
             <a:endParaRPr lang="es-PE"/>
           </a:p>
@@ -2113,7 +2121,7 @@
           <a:p>
             <a:fld id="{C0E97E01-ED5A-4091-B4B5-A906FD824320}" type="datetimeFigureOut">
               <a:rPr lang="es-PE" smtClean="0"/>
-              <a:t>14/09/2023</a:t>
+              <a:t>18/09/2023</a:t>
             </a:fld>
             <a:endParaRPr lang="es-PE"/>
           </a:p>
@@ -2366,7 +2374,7 @@
           <a:p>
             <a:fld id="{C0E97E01-ED5A-4091-B4B5-A906FD824320}" type="datetimeFigureOut">
               <a:rPr lang="es-PE" smtClean="0"/>
-              <a:t>14/09/2023</a:t>
+              <a:t>18/09/2023</a:t>
             </a:fld>
             <a:endParaRPr lang="es-PE"/>
           </a:p>
@@ -2579,7 +2587,7 @@
           <a:p>
             <a:fld id="{C0E97E01-ED5A-4091-B4B5-A906FD824320}" type="datetimeFigureOut">
               <a:rPr lang="es-PE" smtClean="0"/>
-              <a:t>14/09/2023</a:t>
+              <a:t>18/09/2023</a:t>
             </a:fld>
             <a:endParaRPr lang="es-PE"/>
           </a:p>
@@ -3000,7 +3008,7 @@
         </p:blipFill>
         <p:spPr>
           <a:xfrm>
-            <a:off x="3086661" y="142595"/>
+            <a:off x="658771" y="606585"/>
             <a:ext cx="6272492" cy="3677756"/>
           </a:xfrm>
           <a:prstGeom prst="rect">
@@ -3048,8 +3056,78 @@
         </p:blipFill>
         <p:spPr>
           <a:xfrm>
-            <a:off x="3408550" y="3820351"/>
+            <a:off x="3424315" y="4556973"/>
             <a:ext cx="5950603" cy="1730785"/>
+          </a:xfrm>
+          <a:prstGeom prst="rect">
+            <a:avLst/>
+          </a:prstGeom>
+        </p:spPr>
+      </p:pic>
+      <p:sp>
+        <p:nvSpPr>
+          <p:cNvPr id="2" name="Rectángulo 1"/>
+          <p:cNvSpPr/>
+          <p:nvPr/>
+        </p:nvSpPr>
+        <p:spPr>
+          <a:xfrm>
+            <a:off x="3558535" y="4556973"/>
+            <a:ext cx="5348982" cy="1730785"/>
+          </a:xfrm>
+          <a:prstGeom prst="rect">
+            <a:avLst/>
+          </a:prstGeom>
+          <a:noFill/>
+          <a:ln w="57150">
+            <a:solidFill>
+              <a:srgbClr val="FF0000"/>
+            </a:solidFill>
+          </a:ln>
+        </p:spPr>
+        <p:style>
+          <a:lnRef idx="2">
+            <a:schemeClr val="accent1">
+              <a:shade val="50000"/>
+            </a:schemeClr>
+          </a:lnRef>
+          <a:fillRef idx="1">
+            <a:schemeClr val="accent1"/>
+          </a:fillRef>
+          <a:effectRef idx="0">
+            <a:schemeClr val="accent1"/>
+          </a:effectRef>
+          <a:fontRef idx="minor">
+            <a:schemeClr val="lt1"/>
+          </a:fontRef>
+        </p:style>
+        <p:txBody>
+          <a:bodyPr rtlCol="0" anchor="ctr"/>
+          <a:lstStyle/>
+          <a:p>
+            <a:pPr algn="ctr"/>
+            <a:endParaRPr lang="es-PE"/>
+          </a:p>
+        </p:txBody>
+      </p:sp>
+      <p:pic>
+        <p:nvPicPr>
+          <p:cNvPr id="3" name="Imagen 2"/>
+          <p:cNvPicPr>
+            <a:picLocks noChangeAspect="1"/>
+          </p:cNvPicPr>
+          <p:nvPr/>
+        </p:nvPicPr>
+        <p:blipFill>
+          <a:blip r:embed="rId5"/>
+          <a:stretch>
+            <a:fillRect/>
+          </a:stretch>
+        </p:blipFill>
+        <p:spPr>
+          <a:xfrm>
+            <a:off x="7089879" y="411331"/>
+            <a:ext cx="3091225" cy="3742989"/>
           </a:xfrm>
           <a:prstGeom prst="rect">
             <a:avLst/>
@@ -3152,8 +3230,9 @@
             </a:pPr>
             <a:r>
               <a:rPr lang="es-PE" sz="5400" dirty="0" smtClean="0"/>
-              <a:t>Socialmente:</a:t>
-            </a:r>
+              <a:t>Socialmente</a:t>
+            </a:r>
+            <a:endParaRPr lang="es-PE" sz="5400" dirty="0" smtClean="0"/>
           </a:p>
           <a:p>
             <a:endParaRPr lang="es-PE" sz="5400" dirty="0" smtClean="0"/>
@@ -3236,8 +3315,8 @@
         </p:nvSpPr>
         <p:spPr>
           <a:xfrm>
-            <a:off x="400051" y="1479176"/>
-            <a:ext cx="11315700" cy="5016758"/>
+            <a:off x="400050" y="457191"/>
+            <a:ext cx="11315700" cy="7109639"/>
           </a:xfrm>
           <a:prstGeom prst="rect">
             <a:avLst/>
@@ -3250,76 +3329,76 @@
           </a:bodyPr>
           <a:lstStyle/>
           <a:p>
-            <a:pPr marL="285750" indent="-285750">
+            <a:pPr marL="285750" indent="-285750" algn="just">
               <a:buFontTx/>
               <a:buChar char="-"/>
             </a:pPr>
             <a:r>
-              <a:rPr lang="es-PE" sz="2000" dirty="0" smtClean="0"/>
+              <a:rPr lang="es-PE" sz="2400" dirty="0" smtClean="0"/>
               <a:t>Socialmente:</a:t>
             </a:r>
           </a:p>
           <a:p>
-            <a:pPr marL="742950" lvl="1" indent="-285750">
+            <a:pPr marL="742950" lvl="1" indent="-285750" algn="just">
               <a:buFontTx/>
               <a:buChar char="-"/>
             </a:pPr>
             <a:r>
-              <a:rPr lang="es-PE" sz="2000" dirty="0" smtClean="0"/>
+              <a:rPr lang="es-PE" sz="2400" dirty="0" smtClean="0"/>
               <a:t> “En las sociedades paleolíticas, e incluso en ciertas neolíticas, la vida religiosa está inseparablemente vinculada a la vida social.” p.189. </a:t>
             </a:r>
           </a:p>
           <a:p>
-            <a:pPr marL="742950" lvl="1" indent="-285750">
+            <a:pPr marL="742950" lvl="1" indent="-285750" algn="just">
               <a:buFontTx/>
               <a:buChar char="-"/>
             </a:pPr>
             <a:r>
-              <a:rPr lang="es-PE" sz="2000" dirty="0" smtClean="0"/>
+              <a:rPr lang="es-PE" sz="2400" dirty="0" smtClean="0"/>
               <a:t>“En la religión antigua, nos relacionábamos con Dios fundamentalmente como sociedad.” p. 190.</a:t>
             </a:r>
           </a:p>
           <a:p>
-            <a:pPr marL="742950" lvl="1" indent="-285750">
+            <a:pPr marL="742950" lvl="1" indent="-285750" algn="just">
               <a:buFontTx/>
               <a:buChar char="-"/>
             </a:pPr>
             <a:r>
-              <a:rPr lang="es-PE" sz="2000" dirty="0" smtClean="0"/>
+              <a:rPr lang="es-PE" sz="2400" dirty="0" smtClean="0"/>
               <a:t>“Esta inserción en el ritual generalmente conlleva a (la desigualdad) (…) a menudo requería que ciertos funcionarios (sacerdotes, chamanes (…)) el orden social en el que estos roles se definían solía ser sacrosanto. (…) el aspecto de la vida religiosa que la ilustración radical identificó y menospreció más enfáticamente (…) el afianzamiento de formas de desigualdad, dominación y explotación a través de su identificación con la estructura intocable y sagrada de las cosas. (…) </a:t>
             </a:r>
             <a:r>
-              <a:rPr lang="es-PE" sz="2000" dirty="0" err="1" smtClean="0"/>
+              <a:rPr lang="es-PE" sz="2400" dirty="0" err="1" smtClean="0"/>
               <a:t>Destrás</a:t>
             </a:r>
             <a:r>
-              <a:rPr lang="es-PE" sz="2000" dirty="0" smtClean="0"/>
+              <a:rPr lang="es-PE" sz="2400" dirty="0" smtClean="0"/>
               <a:t> de la cuestión de la desigualdad (…) (está la identidad.) no podían concebirse a sí mismos como potencialmente desconectados de esa matriz social.”  p.191-192.</a:t>
             </a:r>
           </a:p>
           <a:p>
-            <a:pPr marL="742950" lvl="1" indent="-285750">
+            <a:pPr marL="742950" lvl="1" indent="-285750" algn="just">
               <a:buFontTx/>
               <a:buChar char="-"/>
             </a:pPr>
             <a:r>
-              <a:rPr lang="es-PE" sz="2000" dirty="0" smtClean="0"/>
+              <a:rPr lang="es-PE" sz="2400" dirty="0" smtClean="0"/>
               <a:t>“La incapacidad que existía en las sociedades antiguas para imaginar el yo fuera de un contexto particular se extendía al hecho de ser miembros de la sociedad en su orden esencial. El que para nosotros ya no sea así (…) es la medida de nuestra desinserción.” p.192.</a:t>
             </a:r>
           </a:p>
           <a:p>
-            <a:pPr marL="285750" indent="-285750">
+            <a:pPr marL="285750" indent="-285750" algn="just">
               <a:buFontTx/>
               <a:buChar char="-"/>
             </a:pPr>
-            <a:endParaRPr lang="es-PE" sz="2000" dirty="0"/>
-          </a:p>
-          <a:p>
-            <a:pPr marL="285750" indent="-285750">
+            <a:endParaRPr lang="es-PE" sz="2400" dirty="0"/>
+          </a:p>
+          <a:p>
+            <a:pPr marL="285750" indent="-285750" algn="just">
               <a:buFontTx/>
               <a:buChar char="-"/>
             </a:pPr>
-            <a:endParaRPr lang="es-PE" sz="2000" dirty="0"/>
+            <a:endParaRPr lang="es-PE" sz="2400" dirty="0"/>
           </a:p>
         </p:txBody>
       </p:sp>
@@ -3331,7 +3410,7 @@
         </p:nvSpPr>
         <p:spPr>
           <a:xfrm>
-            <a:off x="1409140" y="226359"/>
+            <a:off x="1409139" y="-4474"/>
             <a:ext cx="9297521" cy="461665"/>
           </a:xfrm>
           <a:prstGeom prst="rect">
@@ -3399,8 +3478,8 @@
         </p:nvSpPr>
         <p:spPr>
           <a:xfrm>
-            <a:off x="400051" y="1479176"/>
-            <a:ext cx="11315700" cy="1631216"/>
+            <a:off x="400050" y="2287251"/>
+            <a:ext cx="11315700" cy="2246769"/>
           </a:xfrm>
           <a:prstGeom prst="rect">
             <a:avLst/>
@@ -3413,7 +3492,7 @@
           </a:bodyPr>
           <a:lstStyle/>
           <a:p>
-            <a:pPr marL="285750" indent="-285750">
+            <a:pPr marL="285750" indent="-285750" algn="just">
               <a:buFontTx/>
               <a:buChar char="-"/>
             </a:pPr>
@@ -3423,31 +3502,35 @@
             </a:r>
           </a:p>
           <a:p>
-            <a:pPr marL="742950" lvl="1" indent="-285750">
+            <a:pPr marL="742950" lvl="1" indent="-285750" algn="just">
               <a:buFontTx/>
               <a:buChar char="-"/>
             </a:pPr>
             <a:r>
               <a:rPr lang="es-PE" sz="2000" dirty="0" smtClean="0"/>
-              <a:t>“” p. 192</a:t>
-            </a:r>
-          </a:p>
-          <a:p>
-            <a:pPr marL="742950" lvl="1" indent="-285750">
+              <a:t>“Inserción, pues, en la sociedad. Pero también implica una inserción en el cosmos. Pues en la religión antigua, los espíritus (…) están intrincados en el mundo, (…) insertos en las cosas: reliquias, lugares sagrados. ” </a:t>
+            </a:r>
+            <a:r>
+              <a:rPr lang="es-PE" sz="2000" dirty="0" smtClean="0"/>
+              <a:t>p. 192</a:t>
+            </a:r>
+          </a:p>
+          <a:p>
+            <a:pPr marL="742950" lvl="1" indent="-285750" algn="just">
               <a:buFontTx/>
               <a:buChar char="-"/>
             </a:pPr>
             <a:endParaRPr lang="es-PE" sz="2000" dirty="0" smtClean="0"/>
           </a:p>
           <a:p>
-            <a:pPr marL="742950" lvl="1" indent="-285750">
+            <a:pPr marL="742950" lvl="1" indent="-285750" algn="just">
               <a:buFontTx/>
               <a:buChar char="-"/>
             </a:pPr>
             <a:endParaRPr lang="es-PE" sz="2000" dirty="0"/>
           </a:p>
           <a:p>
-            <a:pPr marL="285750" indent="-285750">
+            <a:pPr marL="285750" indent="-285750" algn="just">
               <a:buFontTx/>
               <a:buChar char="-"/>
             </a:pPr>
@@ -3523,10 +3606,149 @@
           <a:chExt cx="0" cy="0"/>
         </a:xfrm>
       </p:grpSpPr>
+      <p:sp>
+        <p:nvSpPr>
+          <p:cNvPr id="3" name="CuadroTexto 2"/>
+          <p:cNvSpPr txBox="1"/>
+          <p:nvPr/>
+        </p:nvSpPr>
+        <p:spPr>
+          <a:xfrm>
+            <a:off x="0" y="926284"/>
+            <a:ext cx="11845636" cy="7109639"/>
+          </a:xfrm>
+          <a:prstGeom prst="rect">
+            <a:avLst/>
+          </a:prstGeom>
+          <a:noFill/>
+        </p:spPr>
+        <p:txBody>
+          <a:bodyPr wrap="square" rtlCol="0">
+            <a:spAutoFit/>
+          </a:bodyPr>
+          <a:lstStyle/>
+          <a:p>
+            <a:pPr marL="285750" indent="-285750" algn="just">
+              <a:buFontTx/>
+              <a:buChar char="-"/>
+            </a:pPr>
+            <a:r>
+              <a:rPr lang="es-PE" sz="2400" dirty="0" smtClean="0"/>
+              <a:t>Sobre idea del bien: </a:t>
+            </a:r>
+            <a:endParaRPr lang="es-PE" sz="2400" dirty="0" smtClean="0"/>
+          </a:p>
+          <a:p>
+            <a:pPr marL="742950" lvl="1" indent="-285750" algn="just">
+              <a:buFontTx/>
+              <a:buChar char="-"/>
+            </a:pPr>
+            <a:r>
+              <a:rPr lang="es-PE" sz="2400" dirty="0" smtClean="0"/>
+              <a:t>“Lo que las personas piden cuando invocan o apaciguan a las divinidades y los poderes es prosperidad, salud, una vida prolongada, fertilidad; de lo que piden que se les preserve es de la enfermedad, la muerte, la esterilidad, la muerte prematura. Hay aquí cierta concepción de la bienaventuranza humana.” </a:t>
+            </a:r>
+            <a:r>
+              <a:rPr lang="es-PE" sz="2400" dirty="0" smtClean="0"/>
+              <a:t>p. </a:t>
+            </a:r>
+            <a:r>
+              <a:rPr lang="es-PE" sz="2400" dirty="0" smtClean="0"/>
+              <a:t>193</a:t>
+            </a:r>
+          </a:p>
+          <a:p>
+            <a:pPr marL="742950" lvl="1" indent="-285750" algn="just">
+              <a:buFontTx/>
+              <a:buChar char="-"/>
+            </a:pPr>
+            <a:r>
+              <a:rPr lang="es-PE" sz="2400" dirty="0" smtClean="0"/>
+              <a:t>“Los propósitos benignos de la divinidad se definen en términos de la bienaventuranza humana ordinaria. (…) finalmente están al servicio del bienestar.” p. 193</a:t>
+            </a:r>
+          </a:p>
+          <a:p>
+            <a:pPr marL="742950" lvl="1" indent="-285750" algn="just">
+              <a:buFontTx/>
+              <a:buChar char="-"/>
+            </a:pPr>
+            <a:r>
+              <a:rPr lang="es-PE" sz="2400" dirty="0" smtClean="0"/>
+              <a:t>“Con el cristianismo (…) se hace presente una noción del bien que va mas al</a:t>
+            </a:r>
+            <a:r>
+              <a:rPr lang="es-PE" sz="2400" dirty="0" smtClean="0"/>
+              <a:t>lá de la bienaventuranza humana, que podemos adquirir incluso si fracasamos completamente en las escalas de la bienaventuranza humana. (…) La paradoja del cristianismo, con respecto de la religión antigua, es que por un lado parece afirmar la benevolencia incondicional de Dios hacia los hombres, (…) y sin embargo, redefine nuestros fines para llevarnos más allá de la bienaventuranza. “ p. 193-194</a:t>
+            </a:r>
+          </a:p>
+          <a:p>
+            <a:pPr marL="742950" lvl="1" indent="-285750" algn="just">
+              <a:buFontTx/>
+              <a:buChar char="-"/>
+            </a:pPr>
+            <a:r>
+              <a:rPr lang="es-PE" sz="2400" dirty="0" smtClean="0"/>
+              <a:t>“El rasgo sorprendente de las religiones axiales, comparado con lo que sucedía anteriormente (…) es que inician una ruptura en las tres dimensiones de la inserción: el orden social, el cosmos y el bien del hombre.” p.194</a:t>
+            </a:r>
+            <a:endParaRPr lang="es-PE" sz="2400" dirty="0" smtClean="0"/>
+          </a:p>
+          <a:p>
+            <a:pPr marL="742950" lvl="1" indent="-285750" algn="just">
+              <a:buFontTx/>
+              <a:buChar char="-"/>
+            </a:pPr>
+            <a:endParaRPr lang="es-PE" sz="2400" dirty="0" smtClean="0"/>
+          </a:p>
+          <a:p>
+            <a:pPr marL="742950" lvl="1" indent="-285750" algn="just">
+              <a:buFontTx/>
+              <a:buChar char="-"/>
+            </a:pPr>
+            <a:endParaRPr lang="es-PE" sz="2400" dirty="0"/>
+          </a:p>
+          <a:p>
+            <a:pPr marL="285750" indent="-285750" algn="just">
+              <a:buFontTx/>
+              <a:buChar char="-"/>
+            </a:pPr>
+            <a:endParaRPr lang="es-PE" sz="2400" dirty="0"/>
+          </a:p>
+        </p:txBody>
+      </p:sp>
+      <p:sp>
+        <p:nvSpPr>
+          <p:cNvPr id="4" name="CuadroTexto 3"/>
+          <p:cNvSpPr txBox="1"/>
+          <p:nvPr/>
+        </p:nvSpPr>
+        <p:spPr>
+          <a:xfrm>
+            <a:off x="1409140" y="226359"/>
+            <a:ext cx="9297521" cy="461665"/>
+          </a:xfrm>
+          <a:prstGeom prst="rect">
+            <a:avLst/>
+          </a:prstGeom>
+          <a:noFill/>
+        </p:spPr>
+        <p:txBody>
+          <a:bodyPr wrap="square" rtlCol="0">
+            <a:spAutoFit/>
+          </a:bodyPr>
+          <a:lstStyle/>
+          <a:p>
+            <a:pPr algn="ctr"/>
+            <a:r>
+              <a:rPr lang="es-PE" sz="2400" dirty="0" smtClean="0"/>
+              <a:t>3 modos de “inserción” (o enraizamiento) axial del “agente”</a:t>
+            </a:r>
+            <a:endParaRPr lang="es-PE" sz="2400" dirty="0"/>
+          </a:p>
+        </p:txBody>
+      </p:sp>
     </p:spTree>
     <p:extLst>
       <p:ext uri="{BB962C8B-B14F-4D97-AF65-F5344CB8AC3E}">
-        <p14:creationId xmlns:p14="http://schemas.microsoft.com/office/powerpoint/2010/main" val="971113330"/>
+        <p14:creationId xmlns:p14="http://schemas.microsoft.com/office/powerpoint/2010/main" val="2306160914"/>
       </p:ext>
     </p:extLst>
   </p:cSld>
@@ -3560,10 +3782,256 @@
           <a:chExt cx="0" cy="0"/>
         </a:xfrm>
       </p:grpSpPr>
+      <p:pic>
+        <p:nvPicPr>
+          <p:cNvPr id="2" name="Imagen 1"/>
+          <p:cNvPicPr>
+            <a:picLocks noChangeAspect="1"/>
+          </p:cNvPicPr>
+          <p:nvPr/>
+        </p:nvPicPr>
+        <p:blipFill>
+          <a:blip r:embed="rId2"/>
+          <a:stretch>
+            <a:fillRect/>
+          </a:stretch>
+        </p:blipFill>
+        <p:spPr>
+          <a:xfrm>
+            <a:off x="701819" y="1965179"/>
+            <a:ext cx="10887308" cy="2461347"/>
+          </a:xfrm>
+          <a:prstGeom prst="rect">
+            <a:avLst/>
+          </a:prstGeom>
+        </p:spPr>
+      </p:pic>
+      <p:cxnSp>
+        <p:nvCxnSpPr>
+          <p:cNvPr id="4" name="Conector recto 3"/>
+          <p:cNvCxnSpPr/>
+          <p:nvPr/>
+        </p:nvCxnSpPr>
+        <p:spPr>
+          <a:xfrm>
+            <a:off x="914400" y="2412124"/>
+            <a:ext cx="10674727" cy="0"/>
+          </a:xfrm>
+          <a:prstGeom prst="line">
+            <a:avLst/>
+          </a:prstGeom>
+          <a:ln w="38100">
+            <a:solidFill>
+              <a:srgbClr val="FF0000"/>
+            </a:solidFill>
+          </a:ln>
+        </p:spPr>
+        <p:style>
+          <a:lnRef idx="1">
+            <a:schemeClr val="accent1"/>
+          </a:lnRef>
+          <a:fillRef idx="0">
+            <a:schemeClr val="accent1"/>
+          </a:fillRef>
+          <a:effectRef idx="0">
+            <a:schemeClr val="accent1"/>
+          </a:effectRef>
+          <a:fontRef idx="minor">
+            <a:schemeClr val="tx1"/>
+          </a:fontRef>
+        </p:style>
+      </p:cxnSp>
+      <p:cxnSp>
+        <p:nvCxnSpPr>
+          <p:cNvPr id="5" name="Conector recto 4"/>
+          <p:cNvCxnSpPr/>
+          <p:nvPr/>
+        </p:nvCxnSpPr>
+        <p:spPr>
+          <a:xfrm>
+            <a:off x="701819" y="2848303"/>
+            <a:ext cx="2403988" cy="0"/>
+          </a:xfrm>
+          <a:prstGeom prst="line">
+            <a:avLst/>
+          </a:prstGeom>
+          <a:ln w="38100">
+            <a:solidFill>
+              <a:srgbClr val="FF0000"/>
+            </a:solidFill>
+          </a:ln>
+        </p:spPr>
+        <p:style>
+          <a:lnRef idx="1">
+            <a:schemeClr val="accent1"/>
+          </a:lnRef>
+          <a:fillRef idx="0">
+            <a:schemeClr val="accent1"/>
+          </a:fillRef>
+          <a:effectRef idx="0">
+            <a:schemeClr val="accent1"/>
+          </a:effectRef>
+          <a:fontRef idx="minor">
+            <a:schemeClr val="tx1"/>
+          </a:fontRef>
+        </p:style>
+      </p:cxnSp>
+      <p:cxnSp>
+        <p:nvCxnSpPr>
+          <p:cNvPr id="7" name="Conector recto 6"/>
+          <p:cNvCxnSpPr/>
+          <p:nvPr/>
+        </p:nvCxnSpPr>
+        <p:spPr>
+          <a:xfrm>
+            <a:off x="6145473" y="4014951"/>
+            <a:ext cx="2541327" cy="0"/>
+          </a:xfrm>
+          <a:prstGeom prst="line">
+            <a:avLst/>
+          </a:prstGeom>
+          <a:ln w="38100">
+            <a:solidFill>
+              <a:srgbClr val="FF0000"/>
+            </a:solidFill>
+          </a:ln>
+        </p:spPr>
+        <p:style>
+          <a:lnRef idx="1">
+            <a:schemeClr val="accent1"/>
+          </a:lnRef>
+          <a:fillRef idx="0">
+            <a:schemeClr val="accent1"/>
+          </a:fillRef>
+          <a:effectRef idx="0">
+            <a:schemeClr val="accent1"/>
+          </a:effectRef>
+          <a:fontRef idx="minor">
+            <a:schemeClr val="tx1"/>
+          </a:fontRef>
+        </p:style>
+      </p:cxnSp>
+      <p:cxnSp>
+        <p:nvCxnSpPr>
+          <p:cNvPr id="10" name="Conector recto 9"/>
+          <p:cNvCxnSpPr/>
+          <p:nvPr/>
+        </p:nvCxnSpPr>
+        <p:spPr>
+          <a:xfrm>
+            <a:off x="2451087" y="4463311"/>
+            <a:ext cx="6566789" cy="0"/>
+          </a:xfrm>
+          <a:prstGeom prst="line">
+            <a:avLst/>
+          </a:prstGeom>
+          <a:ln w="38100">
+            <a:solidFill>
+              <a:srgbClr val="FF0000"/>
+            </a:solidFill>
+          </a:ln>
+        </p:spPr>
+        <p:style>
+          <a:lnRef idx="1">
+            <a:schemeClr val="accent1"/>
+          </a:lnRef>
+          <a:fillRef idx="0">
+            <a:schemeClr val="accent1"/>
+          </a:fillRef>
+          <a:effectRef idx="0">
+            <a:schemeClr val="accent1"/>
+          </a:effectRef>
+          <a:fontRef idx="minor">
+            <a:schemeClr val="tx1"/>
+          </a:fontRef>
+        </p:style>
+      </p:cxnSp>
+      <p:sp>
+        <p:nvSpPr>
+          <p:cNvPr id="12" name="CuadroTexto 11"/>
+          <p:cNvSpPr txBox="1"/>
+          <p:nvPr/>
+        </p:nvSpPr>
+        <p:spPr>
+          <a:xfrm>
+            <a:off x="10657443" y="6158265"/>
+            <a:ext cx="1105787" cy="369332"/>
+          </a:xfrm>
+          <a:prstGeom prst="rect">
+            <a:avLst/>
+          </a:prstGeom>
+          <a:noFill/>
+        </p:spPr>
+        <p:txBody>
+          <a:bodyPr wrap="square" rtlCol="0">
+            <a:spAutoFit/>
+          </a:bodyPr>
+          <a:lstStyle/>
+          <a:p>
+            <a:r>
+              <a:rPr lang="es-PE" dirty="0" smtClean="0"/>
+              <a:t>p. </a:t>
+            </a:r>
+            <a:r>
+              <a:rPr lang="es-PE" dirty="0" smtClean="0"/>
+              <a:t>195</a:t>
+            </a:r>
+            <a:endParaRPr lang="es-PE" dirty="0"/>
+          </a:p>
+        </p:txBody>
+      </p:sp>
+      <p:sp>
+        <p:nvSpPr>
+          <p:cNvPr id="13" name="Rectángulo 12"/>
+          <p:cNvSpPr/>
+          <p:nvPr/>
+        </p:nvSpPr>
+        <p:spPr>
+          <a:xfrm>
+            <a:off x="9285890" y="4014951"/>
+            <a:ext cx="2303237" cy="411575"/>
+          </a:xfrm>
+          <a:prstGeom prst="rect">
+            <a:avLst/>
+          </a:prstGeom>
+          <a:solidFill>
+            <a:schemeClr val="bg1"/>
+          </a:solidFill>
+          <a:ln>
+            <a:solidFill>
+              <a:schemeClr val="bg1"/>
+            </a:solidFill>
+          </a:ln>
+        </p:spPr>
+        <p:style>
+          <a:lnRef idx="2">
+            <a:schemeClr val="accent1">
+              <a:shade val="50000"/>
+            </a:schemeClr>
+          </a:lnRef>
+          <a:fillRef idx="1">
+            <a:schemeClr val="accent1"/>
+          </a:fillRef>
+          <a:effectRef idx="0">
+            <a:schemeClr val="accent1"/>
+          </a:effectRef>
+          <a:fontRef idx="minor">
+            <a:schemeClr val="lt1"/>
+          </a:fontRef>
+        </p:style>
+        <p:txBody>
+          <a:bodyPr rtlCol="0" anchor="ctr"/>
+          <a:lstStyle/>
+          <a:p>
+            <a:pPr algn="ctr"/>
+            <a:endParaRPr lang="es-PE"/>
+          </a:p>
+        </p:txBody>
+      </p:sp>
     </p:spTree>
     <p:extLst>
       <p:ext uri="{BB962C8B-B14F-4D97-AF65-F5344CB8AC3E}">
-        <p14:creationId xmlns:p14="http://schemas.microsoft.com/office/powerpoint/2010/main" val="4089514407"/>
+        <p14:creationId xmlns:p14="http://schemas.microsoft.com/office/powerpoint/2010/main" val="971113330"/>
       </p:ext>
     </p:extLst>
   </p:cSld>
@@ -3597,10 +4065,221 @@
           <a:chExt cx="0" cy="0"/>
         </a:xfrm>
       </p:grpSpPr>
+      <p:pic>
+        <p:nvPicPr>
+          <p:cNvPr id="3" name="Imagen 2"/>
+          <p:cNvPicPr>
+            <a:picLocks noChangeAspect="1"/>
+          </p:cNvPicPr>
+          <p:nvPr/>
+        </p:nvPicPr>
+        <p:blipFill>
+          <a:blip r:embed="rId2"/>
+          <a:stretch>
+            <a:fillRect/>
+          </a:stretch>
+        </p:blipFill>
+        <p:spPr>
+          <a:xfrm>
+            <a:off x="49044" y="1719399"/>
+            <a:ext cx="11714186" cy="2565796"/>
+          </a:xfrm>
+          <a:prstGeom prst="rect">
+            <a:avLst/>
+          </a:prstGeom>
+        </p:spPr>
+      </p:pic>
+      <p:cxnSp>
+        <p:nvCxnSpPr>
+          <p:cNvPr id="4" name="Conector recto 3"/>
+          <p:cNvCxnSpPr/>
+          <p:nvPr/>
+        </p:nvCxnSpPr>
+        <p:spPr>
+          <a:xfrm>
+            <a:off x="153488" y="2554014"/>
+            <a:ext cx="9605367" cy="0"/>
+          </a:xfrm>
+          <a:prstGeom prst="line">
+            <a:avLst/>
+          </a:prstGeom>
+          <a:ln w="38100">
+            <a:solidFill>
+              <a:srgbClr val="FF0000"/>
+            </a:solidFill>
+          </a:ln>
+        </p:spPr>
+        <p:style>
+          <a:lnRef idx="1">
+            <a:schemeClr val="accent1"/>
+          </a:lnRef>
+          <a:fillRef idx="0">
+            <a:schemeClr val="accent1"/>
+          </a:fillRef>
+          <a:effectRef idx="0">
+            <a:schemeClr val="accent1"/>
+          </a:effectRef>
+          <a:fontRef idx="minor">
+            <a:schemeClr val="tx1"/>
+          </a:fontRef>
+        </p:style>
+      </p:cxnSp>
+      <p:cxnSp>
+        <p:nvCxnSpPr>
+          <p:cNvPr id="5" name="Conector recto 4"/>
+          <p:cNvCxnSpPr/>
+          <p:nvPr/>
+        </p:nvCxnSpPr>
+        <p:spPr>
+          <a:xfrm>
+            <a:off x="10294883" y="2107323"/>
+            <a:ext cx="1468347" cy="0"/>
+          </a:xfrm>
+          <a:prstGeom prst="line">
+            <a:avLst/>
+          </a:prstGeom>
+          <a:ln w="38100">
+            <a:solidFill>
+              <a:srgbClr val="FF0000"/>
+            </a:solidFill>
+          </a:ln>
+        </p:spPr>
+        <p:style>
+          <a:lnRef idx="1">
+            <a:schemeClr val="accent1"/>
+          </a:lnRef>
+          <a:fillRef idx="0">
+            <a:schemeClr val="accent1"/>
+          </a:fillRef>
+          <a:effectRef idx="0">
+            <a:schemeClr val="accent1"/>
+          </a:effectRef>
+          <a:fontRef idx="minor">
+            <a:schemeClr val="tx1"/>
+          </a:fontRef>
+        </p:style>
+      </p:cxnSp>
+      <p:cxnSp>
+        <p:nvCxnSpPr>
+          <p:cNvPr id="7" name="Conector recto 6"/>
+          <p:cNvCxnSpPr/>
+          <p:nvPr/>
+        </p:nvCxnSpPr>
+        <p:spPr>
+          <a:xfrm>
+            <a:off x="753666" y="4285195"/>
+            <a:ext cx="7538996" cy="0"/>
+          </a:xfrm>
+          <a:prstGeom prst="line">
+            <a:avLst/>
+          </a:prstGeom>
+          <a:ln w="38100">
+            <a:solidFill>
+              <a:srgbClr val="FF0000"/>
+            </a:solidFill>
+          </a:ln>
+        </p:spPr>
+        <p:style>
+          <a:lnRef idx="1">
+            <a:schemeClr val="accent1"/>
+          </a:lnRef>
+          <a:fillRef idx="0">
+            <a:schemeClr val="accent1"/>
+          </a:fillRef>
+          <a:effectRef idx="0">
+            <a:schemeClr val="accent1"/>
+          </a:effectRef>
+          <a:fontRef idx="minor">
+            <a:schemeClr val="tx1"/>
+          </a:fontRef>
+        </p:style>
+      </p:cxnSp>
+      <p:sp>
+        <p:nvSpPr>
+          <p:cNvPr id="12" name="CuadroTexto 11"/>
+          <p:cNvSpPr txBox="1"/>
+          <p:nvPr/>
+        </p:nvSpPr>
+        <p:spPr>
+          <a:xfrm>
+            <a:off x="10657443" y="6158265"/>
+            <a:ext cx="1105787" cy="369332"/>
+          </a:xfrm>
+          <a:prstGeom prst="rect">
+            <a:avLst/>
+          </a:prstGeom>
+          <a:noFill/>
+        </p:spPr>
+        <p:txBody>
+          <a:bodyPr wrap="square" rtlCol="0">
+            <a:spAutoFit/>
+          </a:bodyPr>
+          <a:lstStyle/>
+          <a:p>
+            <a:r>
+              <a:rPr lang="es-PE" dirty="0" smtClean="0"/>
+              <a:t>p. </a:t>
+            </a:r>
+            <a:r>
+              <a:rPr lang="es-PE" dirty="0" smtClean="0"/>
+              <a:t>195</a:t>
+            </a:r>
+            <a:endParaRPr lang="es-PE" dirty="0"/>
+          </a:p>
+        </p:txBody>
+      </p:sp>
+      <p:sp>
+        <p:nvSpPr>
+          <p:cNvPr id="9" name="Rectángulo 8"/>
+          <p:cNvSpPr/>
+          <p:nvPr/>
+        </p:nvSpPr>
+        <p:spPr>
+          <a:xfrm>
+            <a:off x="268014" y="1719399"/>
+            <a:ext cx="9869214" cy="387924"/>
+          </a:xfrm>
+          <a:prstGeom prst="rect">
+            <a:avLst/>
+          </a:prstGeom>
+          <a:solidFill>
+            <a:schemeClr val="bg1"/>
+          </a:solidFill>
+          <a:ln>
+            <a:solidFill>
+              <a:schemeClr val="bg1"/>
+            </a:solidFill>
+          </a:ln>
+        </p:spPr>
+        <p:style>
+          <a:lnRef idx="2">
+            <a:schemeClr val="accent1">
+              <a:shade val="50000"/>
+            </a:schemeClr>
+          </a:lnRef>
+          <a:fillRef idx="1">
+            <a:schemeClr val="accent1"/>
+          </a:fillRef>
+          <a:effectRef idx="0">
+            <a:schemeClr val="accent1"/>
+          </a:effectRef>
+          <a:fontRef idx="minor">
+            <a:schemeClr val="lt1"/>
+          </a:fontRef>
+        </p:style>
+        <p:txBody>
+          <a:bodyPr rtlCol="0" anchor="ctr"/>
+          <a:lstStyle/>
+          <a:p>
+            <a:pPr algn="ctr"/>
+            <a:endParaRPr lang="es-PE"/>
+          </a:p>
+        </p:txBody>
+      </p:sp>
     </p:spTree>
     <p:extLst>
       <p:ext uri="{BB962C8B-B14F-4D97-AF65-F5344CB8AC3E}">
-        <p14:creationId xmlns:p14="http://schemas.microsoft.com/office/powerpoint/2010/main" val="867924574"/>
+        <p14:creationId xmlns:p14="http://schemas.microsoft.com/office/powerpoint/2010/main" val="626888550"/>
       </p:ext>
     </p:extLst>
   </p:cSld>
@@ -3634,10 +4313,164 @@
           <a:chExt cx="0" cy="0"/>
         </a:xfrm>
       </p:grpSpPr>
+      <p:pic>
+        <p:nvPicPr>
+          <p:cNvPr id="2" name="Imagen 1"/>
+          <p:cNvPicPr>
+            <a:picLocks noChangeAspect="1"/>
+          </p:cNvPicPr>
+          <p:nvPr/>
+        </p:nvPicPr>
+        <p:blipFill>
+          <a:blip r:embed="rId2"/>
+          <a:stretch>
+            <a:fillRect/>
+          </a:stretch>
+        </p:blipFill>
+        <p:spPr>
+          <a:xfrm>
+            <a:off x="220552" y="2429203"/>
+            <a:ext cx="11715284" cy="1843252"/>
+          </a:xfrm>
+          <a:prstGeom prst="rect">
+            <a:avLst/>
+          </a:prstGeom>
+        </p:spPr>
+      </p:pic>
+      <p:sp>
+        <p:nvSpPr>
+          <p:cNvPr id="3" name="CuadroTexto 2"/>
+          <p:cNvSpPr txBox="1"/>
+          <p:nvPr/>
+        </p:nvSpPr>
+        <p:spPr>
+          <a:xfrm>
+            <a:off x="10657443" y="6158265"/>
+            <a:ext cx="1105787" cy="369332"/>
+          </a:xfrm>
+          <a:prstGeom prst="rect">
+            <a:avLst/>
+          </a:prstGeom>
+          <a:noFill/>
+        </p:spPr>
+        <p:txBody>
+          <a:bodyPr wrap="square" rtlCol="0">
+            <a:spAutoFit/>
+          </a:bodyPr>
+          <a:lstStyle/>
+          <a:p>
+            <a:r>
+              <a:rPr lang="es-PE" dirty="0" smtClean="0"/>
+              <a:t>p. </a:t>
+            </a:r>
+            <a:r>
+              <a:rPr lang="es-PE" dirty="0" smtClean="0"/>
+              <a:t>196</a:t>
+            </a:r>
+            <a:endParaRPr lang="es-PE" dirty="0"/>
+          </a:p>
+        </p:txBody>
+      </p:sp>
+      <p:sp>
+        <p:nvSpPr>
+          <p:cNvPr id="4" name="Rectángulo 3"/>
+          <p:cNvSpPr/>
+          <p:nvPr/>
+        </p:nvSpPr>
+        <p:spPr>
+          <a:xfrm>
+            <a:off x="220552" y="2429203"/>
+            <a:ext cx="8403186" cy="392825"/>
+          </a:xfrm>
+          <a:prstGeom prst="rect">
+            <a:avLst/>
+          </a:prstGeom>
+          <a:solidFill>
+            <a:schemeClr val="bg1"/>
+          </a:solidFill>
+          <a:ln>
+            <a:solidFill>
+              <a:schemeClr val="bg1"/>
+            </a:solidFill>
+          </a:ln>
+        </p:spPr>
+        <p:style>
+          <a:lnRef idx="2">
+            <a:schemeClr val="accent1">
+              <a:shade val="50000"/>
+            </a:schemeClr>
+          </a:lnRef>
+          <a:fillRef idx="1">
+            <a:schemeClr val="accent1"/>
+          </a:fillRef>
+          <a:effectRef idx="0">
+            <a:schemeClr val="accent1"/>
+          </a:effectRef>
+          <a:fontRef idx="minor">
+            <a:schemeClr val="lt1"/>
+          </a:fontRef>
+        </p:style>
+        <p:txBody>
+          <a:bodyPr rtlCol="0" anchor="ctr"/>
+          <a:lstStyle/>
+          <a:p>
+            <a:pPr algn="ctr"/>
+            <a:endParaRPr lang="es-PE"/>
+          </a:p>
+        </p:txBody>
+      </p:sp>
+      <p:sp>
+        <p:nvSpPr>
+          <p:cNvPr id="5" name="Rectángulo 4"/>
+          <p:cNvSpPr/>
+          <p:nvPr/>
+        </p:nvSpPr>
+        <p:spPr>
+          <a:xfrm>
+            <a:off x="2017986" y="3673366"/>
+            <a:ext cx="1056290" cy="599089"/>
+          </a:xfrm>
+          <a:prstGeom prst="rect">
+            <a:avLst/>
+          </a:prstGeom>
+          <a:solidFill>
+            <a:schemeClr val="bg1"/>
+          </a:solidFill>
+          <a:ln>
+            <a:solidFill>
+              <a:schemeClr val="bg1"/>
+            </a:solidFill>
+          </a:ln>
+        </p:spPr>
+        <p:style>
+          <a:lnRef idx="2">
+            <a:schemeClr val="accent1">
+              <a:shade val="50000"/>
+            </a:schemeClr>
+          </a:lnRef>
+          <a:fillRef idx="1">
+            <a:schemeClr val="accent1"/>
+          </a:fillRef>
+          <a:effectRef idx="0">
+            <a:schemeClr val="accent1"/>
+          </a:effectRef>
+          <a:fontRef idx="minor">
+            <a:schemeClr val="lt1"/>
+          </a:fontRef>
+        </p:style>
+        <p:txBody>
+          <a:bodyPr rtlCol="0" anchor="ctr"/>
+          <a:lstStyle/>
+          <a:p>
+            <a:pPr algn="ctr"/>
+            <a:endParaRPr lang="es-PE"/>
+          </a:p>
+        </p:txBody>
+      </p:sp>
     </p:spTree>
     <p:extLst>
       <p:ext uri="{BB962C8B-B14F-4D97-AF65-F5344CB8AC3E}">
-        <p14:creationId xmlns:p14="http://schemas.microsoft.com/office/powerpoint/2010/main" val="3862772079"/>
+        <p14:creationId xmlns:p14="http://schemas.microsoft.com/office/powerpoint/2010/main" val="4089514407"/>
       </p:ext>
     </p:extLst>
   </p:cSld>
@@ -3651,6 +4484,1584 @@
       </p:par>
     </p:tnLst>
   </p:timing>
+</p:sld>
+</file>
+
+<file path=ppt/slides/slide17.xml><?xml version="1.0" encoding="utf-8"?>
+<p:sld xmlns:a="http://schemas.openxmlformats.org/drawingml/2006/main" xmlns:r="http://schemas.openxmlformats.org/officeDocument/2006/relationships" xmlns:p="http://schemas.openxmlformats.org/presentationml/2006/main">
+  <p:cSld>
+    <p:spTree>
+      <p:nvGrpSpPr>
+        <p:cNvPr id="1" name=""/>
+        <p:cNvGrpSpPr/>
+        <p:nvPr/>
+      </p:nvGrpSpPr>
+      <p:grpSpPr>
+        <a:xfrm>
+          <a:off x="0" y="0"/>
+          <a:ext cx="0" cy="0"/>
+          <a:chOff x="0" y="0"/>
+          <a:chExt cx="0" cy="0"/>
+        </a:xfrm>
+      </p:grpSpPr>
+      <p:sp>
+        <p:nvSpPr>
+          <p:cNvPr id="3" name="CuadroTexto 2"/>
+          <p:cNvSpPr txBox="1"/>
+          <p:nvPr/>
+        </p:nvSpPr>
+        <p:spPr>
+          <a:xfrm>
+            <a:off x="10200291" y="6158265"/>
+            <a:ext cx="1562940" cy="369332"/>
+          </a:xfrm>
+          <a:prstGeom prst="rect">
+            <a:avLst/>
+          </a:prstGeom>
+          <a:noFill/>
+        </p:spPr>
+        <p:txBody>
+          <a:bodyPr wrap="square" rtlCol="0">
+            <a:spAutoFit/>
+          </a:bodyPr>
+          <a:lstStyle/>
+          <a:p>
+            <a:r>
+              <a:rPr lang="es-PE" dirty="0" smtClean="0"/>
+              <a:t>p. </a:t>
+            </a:r>
+            <a:r>
+              <a:rPr lang="es-PE" dirty="0" smtClean="0"/>
+              <a:t>196 - 197</a:t>
+            </a:r>
+            <a:endParaRPr lang="es-PE" dirty="0"/>
+          </a:p>
+        </p:txBody>
+      </p:sp>
+      <p:sp>
+        <p:nvSpPr>
+          <p:cNvPr id="5" name="Rectángulo 4"/>
+          <p:cNvSpPr/>
+          <p:nvPr/>
+        </p:nvSpPr>
+        <p:spPr>
+          <a:xfrm>
+            <a:off x="2017986" y="3673366"/>
+            <a:ext cx="1056290" cy="599089"/>
+          </a:xfrm>
+          <a:prstGeom prst="rect">
+            <a:avLst/>
+          </a:prstGeom>
+          <a:solidFill>
+            <a:schemeClr val="bg1"/>
+          </a:solidFill>
+          <a:ln>
+            <a:solidFill>
+              <a:schemeClr val="bg1"/>
+            </a:solidFill>
+          </a:ln>
+        </p:spPr>
+        <p:style>
+          <a:lnRef idx="2">
+            <a:schemeClr val="accent1">
+              <a:shade val="50000"/>
+            </a:schemeClr>
+          </a:lnRef>
+          <a:fillRef idx="1">
+            <a:schemeClr val="accent1"/>
+          </a:fillRef>
+          <a:effectRef idx="0">
+            <a:schemeClr val="accent1"/>
+          </a:effectRef>
+          <a:fontRef idx="minor">
+            <a:schemeClr val="lt1"/>
+          </a:fontRef>
+        </p:style>
+        <p:txBody>
+          <a:bodyPr rtlCol="0" anchor="ctr"/>
+          <a:lstStyle/>
+          <a:p>
+            <a:pPr algn="ctr"/>
+            <a:endParaRPr lang="es-PE"/>
+          </a:p>
+        </p:txBody>
+      </p:sp>
+      <p:pic>
+        <p:nvPicPr>
+          <p:cNvPr id="6" name="Imagen 5"/>
+          <p:cNvPicPr>
+            <a:picLocks noChangeAspect="1"/>
+          </p:cNvPicPr>
+          <p:nvPr/>
+        </p:nvPicPr>
+        <p:blipFill>
+          <a:blip r:embed="rId2"/>
+          <a:stretch>
+            <a:fillRect/>
+          </a:stretch>
+        </p:blipFill>
+        <p:spPr>
+          <a:xfrm>
+            <a:off x="384468" y="612391"/>
+            <a:ext cx="11378762" cy="1279471"/>
+          </a:xfrm>
+          <a:prstGeom prst="rect">
+            <a:avLst/>
+          </a:prstGeom>
+        </p:spPr>
+      </p:pic>
+      <p:sp>
+        <p:nvSpPr>
+          <p:cNvPr id="4" name="Rectángulo 3"/>
+          <p:cNvSpPr/>
+          <p:nvPr/>
+        </p:nvSpPr>
+        <p:spPr>
+          <a:xfrm>
+            <a:off x="5297214" y="1458966"/>
+            <a:ext cx="6466016" cy="432896"/>
+          </a:xfrm>
+          <a:prstGeom prst="rect">
+            <a:avLst/>
+          </a:prstGeom>
+          <a:solidFill>
+            <a:schemeClr val="bg1"/>
+          </a:solidFill>
+          <a:ln>
+            <a:solidFill>
+              <a:schemeClr val="bg1"/>
+            </a:solidFill>
+          </a:ln>
+        </p:spPr>
+        <p:style>
+          <a:lnRef idx="2">
+            <a:schemeClr val="accent1">
+              <a:shade val="50000"/>
+            </a:schemeClr>
+          </a:lnRef>
+          <a:fillRef idx="1">
+            <a:schemeClr val="accent1"/>
+          </a:fillRef>
+          <a:effectRef idx="0">
+            <a:schemeClr val="accent1"/>
+          </a:effectRef>
+          <a:fontRef idx="minor">
+            <a:schemeClr val="lt1"/>
+          </a:fontRef>
+        </p:style>
+        <p:txBody>
+          <a:bodyPr rtlCol="0" anchor="ctr"/>
+          <a:lstStyle/>
+          <a:p>
+            <a:pPr algn="ctr"/>
+            <a:endParaRPr lang="es-PE"/>
+          </a:p>
+        </p:txBody>
+      </p:sp>
+      <p:pic>
+        <p:nvPicPr>
+          <p:cNvPr id="7" name="Imagen 6"/>
+          <p:cNvPicPr>
+            <a:picLocks noChangeAspect="1"/>
+          </p:cNvPicPr>
+          <p:nvPr/>
+        </p:nvPicPr>
+        <p:blipFill>
+          <a:blip r:embed="rId3"/>
+          <a:stretch>
+            <a:fillRect/>
+          </a:stretch>
+        </p:blipFill>
+        <p:spPr>
+          <a:xfrm>
+            <a:off x="1429735" y="2187793"/>
+            <a:ext cx="8644430" cy="3316745"/>
+          </a:xfrm>
+          <a:prstGeom prst="rect">
+            <a:avLst/>
+          </a:prstGeom>
+        </p:spPr>
+      </p:pic>
+      <p:cxnSp>
+        <p:nvCxnSpPr>
+          <p:cNvPr id="9" name="Conector recto 8"/>
+          <p:cNvCxnSpPr/>
+          <p:nvPr/>
+        </p:nvCxnSpPr>
+        <p:spPr>
+          <a:xfrm>
+            <a:off x="2774731" y="2554014"/>
+            <a:ext cx="5218386" cy="0"/>
+          </a:xfrm>
+          <a:prstGeom prst="line">
+            <a:avLst/>
+          </a:prstGeom>
+          <a:ln w="38100">
+            <a:solidFill>
+              <a:srgbClr val="FF0000"/>
+            </a:solidFill>
+          </a:ln>
+        </p:spPr>
+        <p:style>
+          <a:lnRef idx="1">
+            <a:schemeClr val="accent1"/>
+          </a:lnRef>
+          <a:fillRef idx="0">
+            <a:schemeClr val="accent1"/>
+          </a:fillRef>
+          <a:effectRef idx="0">
+            <a:schemeClr val="accent1"/>
+          </a:effectRef>
+          <a:fontRef idx="minor">
+            <a:schemeClr val="tx1"/>
+          </a:fontRef>
+        </p:style>
+      </p:cxnSp>
+      <p:cxnSp>
+        <p:nvCxnSpPr>
+          <p:cNvPr id="10" name="Conector recto 9"/>
+          <p:cNvCxnSpPr/>
+          <p:nvPr/>
+        </p:nvCxnSpPr>
+        <p:spPr>
+          <a:xfrm>
+            <a:off x="1429735" y="3468414"/>
+            <a:ext cx="8502541" cy="10510"/>
+          </a:xfrm>
+          <a:prstGeom prst="line">
+            <a:avLst/>
+          </a:prstGeom>
+          <a:ln w="38100">
+            <a:solidFill>
+              <a:srgbClr val="FF0000"/>
+            </a:solidFill>
+          </a:ln>
+        </p:spPr>
+        <p:style>
+          <a:lnRef idx="1">
+            <a:schemeClr val="accent1"/>
+          </a:lnRef>
+          <a:fillRef idx="0">
+            <a:schemeClr val="accent1"/>
+          </a:fillRef>
+          <a:effectRef idx="0">
+            <a:schemeClr val="accent1"/>
+          </a:effectRef>
+          <a:fontRef idx="minor">
+            <a:schemeClr val="tx1"/>
+          </a:fontRef>
+        </p:style>
+      </p:cxnSp>
+      <p:cxnSp>
+        <p:nvCxnSpPr>
+          <p:cNvPr id="12" name="Conector recto 11"/>
+          <p:cNvCxnSpPr/>
+          <p:nvPr/>
+        </p:nvCxnSpPr>
+        <p:spPr>
+          <a:xfrm>
+            <a:off x="1429735" y="3846165"/>
+            <a:ext cx="8502541" cy="0"/>
+          </a:xfrm>
+          <a:prstGeom prst="line">
+            <a:avLst/>
+          </a:prstGeom>
+          <a:ln w="38100">
+            <a:solidFill>
+              <a:srgbClr val="FF0000"/>
+            </a:solidFill>
+          </a:ln>
+        </p:spPr>
+        <p:style>
+          <a:lnRef idx="1">
+            <a:schemeClr val="accent1"/>
+          </a:lnRef>
+          <a:fillRef idx="0">
+            <a:schemeClr val="accent1"/>
+          </a:fillRef>
+          <a:effectRef idx="0">
+            <a:schemeClr val="accent1"/>
+          </a:effectRef>
+          <a:fontRef idx="minor">
+            <a:schemeClr val="tx1"/>
+          </a:fontRef>
+        </p:style>
+      </p:cxnSp>
+      <p:cxnSp>
+        <p:nvCxnSpPr>
+          <p:cNvPr id="14" name="Conector recto 13"/>
+          <p:cNvCxnSpPr/>
+          <p:nvPr/>
+        </p:nvCxnSpPr>
+        <p:spPr>
+          <a:xfrm>
+            <a:off x="1429735" y="4125311"/>
+            <a:ext cx="5218386" cy="0"/>
+          </a:xfrm>
+          <a:prstGeom prst="line">
+            <a:avLst/>
+          </a:prstGeom>
+          <a:ln w="38100">
+            <a:solidFill>
+              <a:srgbClr val="FF0000"/>
+            </a:solidFill>
+          </a:ln>
+        </p:spPr>
+        <p:style>
+          <a:lnRef idx="1">
+            <a:schemeClr val="accent1"/>
+          </a:lnRef>
+          <a:fillRef idx="0">
+            <a:schemeClr val="accent1"/>
+          </a:fillRef>
+          <a:effectRef idx="0">
+            <a:schemeClr val="accent1"/>
+          </a:effectRef>
+          <a:fontRef idx="minor">
+            <a:schemeClr val="tx1"/>
+          </a:fontRef>
+        </p:style>
+      </p:cxnSp>
+      <p:cxnSp>
+        <p:nvCxnSpPr>
+          <p:cNvPr id="16" name="Conector recto 15"/>
+          <p:cNvCxnSpPr/>
+          <p:nvPr/>
+        </p:nvCxnSpPr>
+        <p:spPr>
+          <a:xfrm flipV="1">
+            <a:off x="2922204" y="4414345"/>
+            <a:ext cx="5070913" cy="21021"/>
+          </a:xfrm>
+          <a:prstGeom prst="line">
+            <a:avLst/>
+          </a:prstGeom>
+          <a:ln w="38100">
+            <a:solidFill>
+              <a:srgbClr val="FF0000"/>
+            </a:solidFill>
+          </a:ln>
+        </p:spPr>
+        <p:style>
+          <a:lnRef idx="1">
+            <a:schemeClr val="accent1"/>
+          </a:lnRef>
+          <a:fillRef idx="0">
+            <a:schemeClr val="accent1"/>
+          </a:fillRef>
+          <a:effectRef idx="0">
+            <a:schemeClr val="accent1"/>
+          </a:effectRef>
+          <a:fontRef idx="minor">
+            <a:schemeClr val="tx1"/>
+          </a:fontRef>
+        </p:style>
+      </p:cxnSp>
+      <p:sp>
+        <p:nvSpPr>
+          <p:cNvPr id="18" name="Rectángulo 17"/>
+          <p:cNvSpPr/>
+          <p:nvPr/>
+        </p:nvSpPr>
+        <p:spPr>
+          <a:xfrm>
+            <a:off x="6763407" y="5139559"/>
+            <a:ext cx="3310758" cy="364979"/>
+          </a:xfrm>
+          <a:prstGeom prst="rect">
+            <a:avLst/>
+          </a:prstGeom>
+          <a:solidFill>
+            <a:schemeClr val="bg1"/>
+          </a:solidFill>
+          <a:ln>
+            <a:solidFill>
+              <a:schemeClr val="bg1"/>
+            </a:solidFill>
+          </a:ln>
+        </p:spPr>
+        <p:style>
+          <a:lnRef idx="2">
+            <a:schemeClr val="accent1">
+              <a:shade val="50000"/>
+            </a:schemeClr>
+          </a:lnRef>
+          <a:fillRef idx="1">
+            <a:schemeClr val="accent1"/>
+          </a:fillRef>
+          <a:effectRef idx="0">
+            <a:schemeClr val="accent1"/>
+          </a:effectRef>
+          <a:fontRef idx="minor">
+            <a:schemeClr val="lt1"/>
+          </a:fontRef>
+        </p:style>
+        <p:txBody>
+          <a:bodyPr rtlCol="0" anchor="ctr"/>
+          <a:lstStyle/>
+          <a:p>
+            <a:pPr algn="ctr"/>
+            <a:endParaRPr lang="es-PE"/>
+          </a:p>
+        </p:txBody>
+      </p:sp>
+    </p:spTree>
+    <p:extLst>
+      <p:ext uri="{BB962C8B-B14F-4D97-AF65-F5344CB8AC3E}">
+        <p14:creationId xmlns:p14="http://schemas.microsoft.com/office/powerpoint/2010/main" val="2905248212"/>
+      </p:ext>
+    </p:extLst>
+  </p:cSld>
+  <p:clrMapOvr>
+    <a:masterClrMapping/>
+  </p:clrMapOvr>
+  <p:timing>
+    <p:tnLst>
+      <p:par>
+        <p:cTn id="1" dur="indefinite" restart="never" nodeType="tmRoot"/>
+      </p:par>
+    </p:tnLst>
+  </p:timing>
+</p:sld>
+</file>
+
+<file path=ppt/slides/slide18.xml><?xml version="1.0" encoding="utf-8"?>
+<p:sld xmlns:a="http://schemas.openxmlformats.org/drawingml/2006/main" xmlns:r="http://schemas.openxmlformats.org/officeDocument/2006/relationships" xmlns:p="http://schemas.openxmlformats.org/presentationml/2006/main">
+  <p:cSld>
+    <p:spTree>
+      <p:nvGrpSpPr>
+        <p:cNvPr id="1" name=""/>
+        <p:cNvGrpSpPr/>
+        <p:nvPr/>
+      </p:nvGrpSpPr>
+      <p:grpSpPr>
+        <a:xfrm>
+          <a:off x="0" y="0"/>
+          <a:ext cx="0" cy="0"/>
+          <a:chOff x="0" y="0"/>
+          <a:chExt cx="0" cy="0"/>
+        </a:xfrm>
+      </p:grpSpPr>
+      <p:pic>
+        <p:nvPicPr>
+          <p:cNvPr id="2" name="Imagen 1"/>
+          <p:cNvPicPr>
+            <a:picLocks noChangeAspect="1"/>
+          </p:cNvPicPr>
+          <p:nvPr/>
+        </p:nvPicPr>
+        <p:blipFill>
+          <a:blip r:embed="rId2"/>
+          <a:stretch>
+            <a:fillRect/>
+          </a:stretch>
+        </p:blipFill>
+        <p:spPr>
+          <a:xfrm>
+            <a:off x="382971" y="576260"/>
+            <a:ext cx="11231364" cy="2025049"/>
+          </a:xfrm>
+          <a:prstGeom prst="rect">
+            <a:avLst/>
+          </a:prstGeom>
+        </p:spPr>
+      </p:pic>
+      <p:sp>
+        <p:nvSpPr>
+          <p:cNvPr id="3" name="Rectángulo 2"/>
+          <p:cNvSpPr/>
+          <p:nvPr/>
+        </p:nvSpPr>
+        <p:spPr>
+          <a:xfrm>
+            <a:off x="382971" y="576260"/>
+            <a:ext cx="2265636" cy="401201"/>
+          </a:xfrm>
+          <a:prstGeom prst="rect">
+            <a:avLst/>
+          </a:prstGeom>
+          <a:solidFill>
+            <a:schemeClr val="bg1"/>
+          </a:solidFill>
+          <a:ln>
+            <a:solidFill>
+              <a:schemeClr val="bg1"/>
+            </a:solidFill>
+          </a:ln>
+        </p:spPr>
+        <p:style>
+          <a:lnRef idx="2">
+            <a:schemeClr val="accent1">
+              <a:shade val="50000"/>
+            </a:schemeClr>
+          </a:lnRef>
+          <a:fillRef idx="1">
+            <a:schemeClr val="accent1"/>
+          </a:fillRef>
+          <a:effectRef idx="0">
+            <a:schemeClr val="accent1"/>
+          </a:effectRef>
+          <a:fontRef idx="minor">
+            <a:schemeClr val="lt1"/>
+          </a:fontRef>
+        </p:style>
+        <p:txBody>
+          <a:bodyPr rtlCol="0" anchor="ctr"/>
+          <a:lstStyle/>
+          <a:p>
+            <a:pPr algn="ctr"/>
+            <a:endParaRPr lang="es-PE"/>
+          </a:p>
+        </p:txBody>
+      </p:sp>
+      <p:sp>
+        <p:nvSpPr>
+          <p:cNvPr id="4" name="Rectángulo 3"/>
+          <p:cNvSpPr/>
+          <p:nvPr/>
+        </p:nvSpPr>
+        <p:spPr>
+          <a:xfrm>
+            <a:off x="4618639" y="2200108"/>
+            <a:ext cx="6995695" cy="401201"/>
+          </a:xfrm>
+          <a:prstGeom prst="rect">
+            <a:avLst/>
+          </a:prstGeom>
+          <a:solidFill>
+            <a:schemeClr val="bg1"/>
+          </a:solidFill>
+          <a:ln>
+            <a:solidFill>
+              <a:schemeClr val="bg1"/>
+            </a:solidFill>
+          </a:ln>
+        </p:spPr>
+        <p:style>
+          <a:lnRef idx="2">
+            <a:schemeClr val="accent1">
+              <a:shade val="50000"/>
+            </a:schemeClr>
+          </a:lnRef>
+          <a:fillRef idx="1">
+            <a:schemeClr val="accent1"/>
+          </a:fillRef>
+          <a:effectRef idx="0">
+            <a:schemeClr val="accent1"/>
+          </a:effectRef>
+          <a:fontRef idx="minor">
+            <a:schemeClr val="lt1"/>
+          </a:fontRef>
+        </p:style>
+        <p:txBody>
+          <a:bodyPr rtlCol="0" anchor="ctr"/>
+          <a:lstStyle/>
+          <a:p>
+            <a:pPr algn="ctr"/>
+            <a:endParaRPr lang="es-PE"/>
+          </a:p>
+        </p:txBody>
+      </p:sp>
+      <p:pic>
+        <p:nvPicPr>
+          <p:cNvPr id="5" name="Imagen 4"/>
+          <p:cNvPicPr>
+            <a:picLocks noChangeAspect="1"/>
+          </p:cNvPicPr>
+          <p:nvPr/>
+        </p:nvPicPr>
+        <p:blipFill>
+          <a:blip r:embed="rId3"/>
+          <a:stretch>
+            <a:fillRect/>
+          </a:stretch>
+        </p:blipFill>
+        <p:spPr>
+          <a:xfrm>
+            <a:off x="509095" y="3183155"/>
+            <a:ext cx="10968201" cy="2322097"/>
+          </a:xfrm>
+          <a:prstGeom prst="rect">
+            <a:avLst/>
+          </a:prstGeom>
+        </p:spPr>
+      </p:pic>
+      <p:sp>
+        <p:nvSpPr>
+          <p:cNvPr id="6" name="CuadroTexto 5"/>
+          <p:cNvSpPr txBox="1"/>
+          <p:nvPr/>
+        </p:nvSpPr>
+        <p:spPr>
+          <a:xfrm>
+            <a:off x="10200291" y="6158265"/>
+            <a:ext cx="1562940" cy="369332"/>
+          </a:xfrm>
+          <a:prstGeom prst="rect">
+            <a:avLst/>
+          </a:prstGeom>
+          <a:noFill/>
+        </p:spPr>
+        <p:txBody>
+          <a:bodyPr wrap="square" rtlCol="0">
+            <a:spAutoFit/>
+          </a:bodyPr>
+          <a:lstStyle/>
+          <a:p>
+            <a:r>
+              <a:rPr lang="es-PE" dirty="0" smtClean="0"/>
+              <a:t>p. </a:t>
+            </a:r>
+            <a:r>
+              <a:rPr lang="es-PE" dirty="0" smtClean="0"/>
+              <a:t>197</a:t>
+            </a:r>
+            <a:endParaRPr lang="es-PE" dirty="0"/>
+          </a:p>
+        </p:txBody>
+      </p:sp>
+      <p:cxnSp>
+        <p:nvCxnSpPr>
+          <p:cNvPr id="8" name="Conector recto 7"/>
+          <p:cNvCxnSpPr/>
+          <p:nvPr/>
+        </p:nvCxnSpPr>
+        <p:spPr>
+          <a:xfrm>
+            <a:off x="2774731" y="977461"/>
+            <a:ext cx="6810703" cy="0"/>
+          </a:xfrm>
+          <a:prstGeom prst="line">
+            <a:avLst/>
+          </a:prstGeom>
+          <a:ln w="38100">
+            <a:solidFill>
+              <a:srgbClr val="FF0000"/>
+            </a:solidFill>
+          </a:ln>
+        </p:spPr>
+        <p:style>
+          <a:lnRef idx="1">
+            <a:schemeClr val="accent1"/>
+          </a:lnRef>
+          <a:fillRef idx="0">
+            <a:schemeClr val="accent1"/>
+          </a:fillRef>
+          <a:effectRef idx="0">
+            <a:schemeClr val="accent1"/>
+          </a:effectRef>
+          <a:fontRef idx="minor">
+            <a:schemeClr val="tx1"/>
+          </a:fontRef>
+        </p:style>
+      </p:cxnSp>
+      <p:cxnSp>
+        <p:nvCxnSpPr>
+          <p:cNvPr id="9" name="Conector recto 8"/>
+          <p:cNvCxnSpPr/>
+          <p:nvPr/>
+        </p:nvCxnSpPr>
+        <p:spPr>
+          <a:xfrm>
+            <a:off x="1571296" y="1366343"/>
+            <a:ext cx="3505201" cy="0"/>
+          </a:xfrm>
+          <a:prstGeom prst="line">
+            <a:avLst/>
+          </a:prstGeom>
+          <a:ln w="38100">
+            <a:solidFill>
+              <a:srgbClr val="FF0000"/>
+            </a:solidFill>
+          </a:ln>
+        </p:spPr>
+        <p:style>
+          <a:lnRef idx="1">
+            <a:schemeClr val="accent1"/>
+          </a:lnRef>
+          <a:fillRef idx="0">
+            <a:schemeClr val="accent1"/>
+          </a:fillRef>
+          <a:effectRef idx="0">
+            <a:schemeClr val="accent1"/>
+          </a:effectRef>
+          <a:fontRef idx="minor">
+            <a:schemeClr val="tx1"/>
+          </a:fontRef>
+        </p:style>
+      </p:cxnSp>
+      <p:cxnSp>
+        <p:nvCxnSpPr>
+          <p:cNvPr id="11" name="Conector recto 10"/>
+          <p:cNvCxnSpPr/>
+          <p:nvPr/>
+        </p:nvCxnSpPr>
+        <p:spPr>
+          <a:xfrm>
+            <a:off x="7283669" y="1366343"/>
+            <a:ext cx="4330665" cy="0"/>
+          </a:xfrm>
+          <a:prstGeom prst="line">
+            <a:avLst/>
+          </a:prstGeom>
+          <a:ln w="38100">
+            <a:solidFill>
+              <a:srgbClr val="FF0000"/>
+            </a:solidFill>
+          </a:ln>
+        </p:spPr>
+        <p:style>
+          <a:lnRef idx="1">
+            <a:schemeClr val="accent1"/>
+          </a:lnRef>
+          <a:fillRef idx="0">
+            <a:schemeClr val="accent1"/>
+          </a:fillRef>
+          <a:effectRef idx="0">
+            <a:schemeClr val="accent1"/>
+          </a:effectRef>
+          <a:fontRef idx="minor">
+            <a:schemeClr val="tx1"/>
+          </a:fontRef>
+        </p:style>
+      </p:cxnSp>
+      <p:cxnSp>
+        <p:nvCxnSpPr>
+          <p:cNvPr id="13" name="Conector recto 12"/>
+          <p:cNvCxnSpPr/>
+          <p:nvPr/>
+        </p:nvCxnSpPr>
+        <p:spPr>
+          <a:xfrm>
+            <a:off x="509095" y="1792012"/>
+            <a:ext cx="8209236" cy="5257"/>
+          </a:xfrm>
+          <a:prstGeom prst="line">
+            <a:avLst/>
+          </a:prstGeom>
+          <a:ln w="38100">
+            <a:solidFill>
+              <a:srgbClr val="FF0000"/>
+            </a:solidFill>
+          </a:ln>
+        </p:spPr>
+        <p:style>
+          <a:lnRef idx="1">
+            <a:schemeClr val="accent1"/>
+          </a:lnRef>
+          <a:fillRef idx="0">
+            <a:schemeClr val="accent1"/>
+          </a:fillRef>
+          <a:effectRef idx="0">
+            <a:schemeClr val="accent1"/>
+          </a:effectRef>
+          <a:fontRef idx="minor">
+            <a:schemeClr val="tx1"/>
+          </a:fontRef>
+        </p:style>
+      </p:cxnSp>
+      <p:cxnSp>
+        <p:nvCxnSpPr>
+          <p:cNvPr id="15" name="Conector recto 14"/>
+          <p:cNvCxnSpPr/>
+          <p:nvPr/>
+        </p:nvCxnSpPr>
+        <p:spPr>
+          <a:xfrm>
+            <a:off x="924910" y="3478923"/>
+            <a:ext cx="10347435" cy="0"/>
+          </a:xfrm>
+          <a:prstGeom prst="line">
+            <a:avLst/>
+          </a:prstGeom>
+          <a:ln w="38100">
+            <a:solidFill>
+              <a:srgbClr val="FF0000"/>
+            </a:solidFill>
+          </a:ln>
+        </p:spPr>
+        <p:style>
+          <a:lnRef idx="1">
+            <a:schemeClr val="accent1"/>
+          </a:lnRef>
+          <a:fillRef idx="0">
+            <a:schemeClr val="accent1"/>
+          </a:fillRef>
+          <a:effectRef idx="0">
+            <a:schemeClr val="accent1"/>
+          </a:effectRef>
+          <a:fontRef idx="minor">
+            <a:schemeClr val="tx1"/>
+          </a:fontRef>
+        </p:style>
+      </p:cxnSp>
+      <p:cxnSp>
+        <p:nvCxnSpPr>
+          <p:cNvPr id="17" name="Conector recto 16"/>
+          <p:cNvCxnSpPr/>
+          <p:nvPr/>
+        </p:nvCxnSpPr>
+        <p:spPr>
+          <a:xfrm>
+            <a:off x="698937" y="3852041"/>
+            <a:ext cx="6695091" cy="0"/>
+          </a:xfrm>
+          <a:prstGeom prst="line">
+            <a:avLst/>
+          </a:prstGeom>
+          <a:ln w="38100">
+            <a:solidFill>
+              <a:srgbClr val="FF0000"/>
+            </a:solidFill>
+          </a:ln>
+        </p:spPr>
+        <p:style>
+          <a:lnRef idx="1">
+            <a:schemeClr val="accent1"/>
+          </a:lnRef>
+          <a:fillRef idx="0">
+            <a:schemeClr val="accent1"/>
+          </a:fillRef>
+          <a:effectRef idx="0">
+            <a:schemeClr val="accent1"/>
+          </a:effectRef>
+          <a:fontRef idx="minor">
+            <a:schemeClr val="tx1"/>
+          </a:fontRef>
+        </p:style>
+      </p:cxnSp>
+      <p:cxnSp>
+        <p:nvCxnSpPr>
+          <p:cNvPr id="19" name="Conector recto 18"/>
+          <p:cNvCxnSpPr/>
+          <p:nvPr/>
+        </p:nvCxnSpPr>
+        <p:spPr>
+          <a:xfrm>
+            <a:off x="4317123" y="5497827"/>
+            <a:ext cx="4401208" cy="0"/>
+          </a:xfrm>
+          <a:prstGeom prst="line">
+            <a:avLst/>
+          </a:prstGeom>
+          <a:ln w="38100">
+            <a:solidFill>
+              <a:srgbClr val="FF0000"/>
+            </a:solidFill>
+          </a:ln>
+        </p:spPr>
+        <p:style>
+          <a:lnRef idx="1">
+            <a:schemeClr val="accent1"/>
+          </a:lnRef>
+          <a:fillRef idx="0">
+            <a:schemeClr val="accent1"/>
+          </a:fillRef>
+          <a:effectRef idx="0">
+            <a:schemeClr val="accent1"/>
+          </a:effectRef>
+          <a:fontRef idx="minor">
+            <a:schemeClr val="tx1"/>
+          </a:fontRef>
+        </p:style>
+      </p:cxnSp>
+    </p:spTree>
+    <p:extLst>
+      <p:ext uri="{BB962C8B-B14F-4D97-AF65-F5344CB8AC3E}">
+        <p14:creationId xmlns:p14="http://schemas.microsoft.com/office/powerpoint/2010/main" val="867924574"/>
+      </p:ext>
+    </p:extLst>
+  </p:cSld>
+  <p:clrMapOvr>
+    <a:masterClrMapping/>
+  </p:clrMapOvr>
+  <p:timing>
+    <p:tnLst>
+      <p:par>
+        <p:cTn id="1" dur="indefinite" restart="never" nodeType="tmRoot"/>
+      </p:par>
+    </p:tnLst>
+  </p:timing>
+</p:sld>
+</file>
+
+<file path=ppt/slides/slide19.xml><?xml version="1.0" encoding="utf-8"?>
+<p:sld xmlns:a="http://schemas.openxmlformats.org/drawingml/2006/main" xmlns:r="http://schemas.openxmlformats.org/officeDocument/2006/relationships" xmlns:p="http://schemas.openxmlformats.org/presentationml/2006/main">
+  <p:cSld>
+    <p:spTree>
+      <p:nvGrpSpPr>
+        <p:cNvPr id="1" name=""/>
+        <p:cNvGrpSpPr/>
+        <p:nvPr/>
+      </p:nvGrpSpPr>
+      <p:grpSpPr>
+        <a:xfrm>
+          <a:off x="0" y="0"/>
+          <a:ext cx="0" cy="0"/>
+          <a:chOff x="0" y="0"/>
+          <a:chExt cx="0" cy="0"/>
+        </a:xfrm>
+      </p:grpSpPr>
+      <p:pic>
+        <p:nvPicPr>
+          <p:cNvPr id="2" name="Imagen 1"/>
+          <p:cNvPicPr>
+            <a:picLocks noChangeAspect="1"/>
+          </p:cNvPicPr>
+          <p:nvPr/>
+        </p:nvPicPr>
+        <p:blipFill>
+          <a:blip r:embed="rId2"/>
+          <a:stretch>
+            <a:fillRect/>
+          </a:stretch>
+        </p:blipFill>
+        <p:spPr>
+          <a:xfrm>
+            <a:off x="154534" y="391017"/>
+            <a:ext cx="11761021" cy="1705797"/>
+          </a:xfrm>
+          <a:prstGeom prst="rect">
+            <a:avLst/>
+          </a:prstGeom>
+        </p:spPr>
+      </p:pic>
+      <p:sp>
+        <p:nvSpPr>
+          <p:cNvPr id="3" name="Rectángulo 2"/>
+          <p:cNvSpPr/>
+          <p:nvPr/>
+        </p:nvSpPr>
+        <p:spPr>
+          <a:xfrm>
+            <a:off x="9522372" y="1639614"/>
+            <a:ext cx="2393183" cy="457200"/>
+          </a:xfrm>
+          <a:prstGeom prst="rect">
+            <a:avLst/>
+          </a:prstGeom>
+          <a:solidFill>
+            <a:schemeClr val="bg1"/>
+          </a:solidFill>
+          <a:ln>
+            <a:solidFill>
+              <a:schemeClr val="bg1"/>
+            </a:solidFill>
+          </a:ln>
+        </p:spPr>
+        <p:style>
+          <a:lnRef idx="2">
+            <a:schemeClr val="accent1">
+              <a:shade val="50000"/>
+            </a:schemeClr>
+          </a:lnRef>
+          <a:fillRef idx="1">
+            <a:schemeClr val="accent1"/>
+          </a:fillRef>
+          <a:effectRef idx="0">
+            <a:schemeClr val="accent1"/>
+          </a:effectRef>
+          <a:fontRef idx="minor">
+            <a:schemeClr val="lt1"/>
+          </a:fontRef>
+        </p:style>
+        <p:txBody>
+          <a:bodyPr rtlCol="0" anchor="ctr"/>
+          <a:lstStyle/>
+          <a:p>
+            <a:pPr algn="ctr"/>
+            <a:endParaRPr lang="es-PE"/>
+          </a:p>
+        </p:txBody>
+      </p:sp>
+      <p:sp>
+        <p:nvSpPr>
+          <p:cNvPr id="4" name="CuadroTexto 3"/>
+          <p:cNvSpPr txBox="1"/>
+          <p:nvPr/>
+        </p:nvSpPr>
+        <p:spPr>
+          <a:xfrm>
+            <a:off x="10200291" y="6158265"/>
+            <a:ext cx="1562940" cy="369332"/>
+          </a:xfrm>
+          <a:prstGeom prst="rect">
+            <a:avLst/>
+          </a:prstGeom>
+          <a:noFill/>
+        </p:spPr>
+        <p:txBody>
+          <a:bodyPr wrap="square" rtlCol="0">
+            <a:spAutoFit/>
+          </a:bodyPr>
+          <a:lstStyle/>
+          <a:p>
+            <a:r>
+              <a:rPr lang="es-PE" dirty="0" smtClean="0"/>
+              <a:t>p. </a:t>
+            </a:r>
+            <a:r>
+              <a:rPr lang="es-PE" dirty="0" smtClean="0"/>
+              <a:t>198</a:t>
+            </a:r>
+            <a:endParaRPr lang="es-PE" dirty="0"/>
+          </a:p>
+        </p:txBody>
+      </p:sp>
+      <p:pic>
+        <p:nvPicPr>
+          <p:cNvPr id="5" name="Imagen 4"/>
+          <p:cNvPicPr>
+            <a:picLocks noChangeAspect="1"/>
+          </p:cNvPicPr>
+          <p:nvPr/>
+        </p:nvPicPr>
+        <p:blipFill>
+          <a:blip r:embed="rId3"/>
+          <a:stretch>
+            <a:fillRect/>
+          </a:stretch>
+        </p:blipFill>
+        <p:spPr>
+          <a:xfrm>
+            <a:off x="580203" y="2586365"/>
+            <a:ext cx="11050400" cy="1181594"/>
+          </a:xfrm>
+          <a:prstGeom prst="rect">
+            <a:avLst/>
+          </a:prstGeom>
+        </p:spPr>
+      </p:pic>
+      <p:sp>
+        <p:nvSpPr>
+          <p:cNvPr id="6" name="Rectángulo 5"/>
+          <p:cNvSpPr/>
+          <p:nvPr/>
+        </p:nvSpPr>
+        <p:spPr>
+          <a:xfrm>
+            <a:off x="10200291" y="3358055"/>
+            <a:ext cx="1277006" cy="409904"/>
+          </a:xfrm>
+          <a:prstGeom prst="rect">
+            <a:avLst/>
+          </a:prstGeom>
+          <a:solidFill>
+            <a:schemeClr val="bg1"/>
+          </a:solidFill>
+          <a:ln>
+            <a:solidFill>
+              <a:schemeClr val="bg1"/>
+            </a:solidFill>
+          </a:ln>
+        </p:spPr>
+        <p:style>
+          <a:lnRef idx="2">
+            <a:schemeClr val="accent1">
+              <a:shade val="50000"/>
+            </a:schemeClr>
+          </a:lnRef>
+          <a:fillRef idx="1">
+            <a:schemeClr val="accent1"/>
+          </a:fillRef>
+          <a:effectRef idx="0">
+            <a:schemeClr val="accent1"/>
+          </a:effectRef>
+          <a:fontRef idx="minor">
+            <a:schemeClr val="lt1"/>
+          </a:fontRef>
+        </p:style>
+        <p:txBody>
+          <a:bodyPr rtlCol="0" anchor="ctr"/>
+          <a:lstStyle/>
+          <a:p>
+            <a:pPr algn="ctr"/>
+            <a:endParaRPr lang="es-PE"/>
+          </a:p>
+        </p:txBody>
+      </p:sp>
+      <p:pic>
+        <p:nvPicPr>
+          <p:cNvPr id="7" name="Imagen 6"/>
+          <p:cNvPicPr>
+            <a:picLocks noChangeAspect="1"/>
+          </p:cNvPicPr>
+          <p:nvPr/>
+        </p:nvPicPr>
+        <p:blipFill>
+          <a:blip r:embed="rId4"/>
+          <a:stretch>
+            <a:fillRect/>
+          </a:stretch>
+        </p:blipFill>
+        <p:spPr>
+          <a:xfrm>
+            <a:off x="611735" y="3959523"/>
+            <a:ext cx="10687379" cy="1160251"/>
+          </a:xfrm>
+          <a:prstGeom prst="rect">
+            <a:avLst/>
+          </a:prstGeom>
+        </p:spPr>
+      </p:pic>
+      <p:sp>
+        <p:nvSpPr>
+          <p:cNvPr id="8" name="Rectángulo 7"/>
+          <p:cNvSpPr/>
+          <p:nvPr/>
+        </p:nvSpPr>
+        <p:spPr>
+          <a:xfrm>
+            <a:off x="611735" y="3798842"/>
+            <a:ext cx="9435250" cy="504496"/>
+          </a:xfrm>
+          <a:prstGeom prst="rect">
+            <a:avLst/>
+          </a:prstGeom>
+          <a:solidFill>
+            <a:schemeClr val="bg1"/>
+          </a:solidFill>
+          <a:ln>
+            <a:solidFill>
+              <a:schemeClr val="bg1"/>
+            </a:solidFill>
+          </a:ln>
+        </p:spPr>
+        <p:style>
+          <a:lnRef idx="2">
+            <a:schemeClr val="accent1">
+              <a:shade val="50000"/>
+            </a:schemeClr>
+          </a:lnRef>
+          <a:fillRef idx="1">
+            <a:schemeClr val="accent1"/>
+          </a:fillRef>
+          <a:effectRef idx="0">
+            <a:schemeClr val="accent1"/>
+          </a:effectRef>
+          <a:fontRef idx="minor">
+            <a:schemeClr val="lt1"/>
+          </a:fontRef>
+        </p:style>
+        <p:txBody>
+          <a:bodyPr rtlCol="0" anchor="ctr"/>
+          <a:lstStyle/>
+          <a:p>
+            <a:pPr algn="ctr"/>
+            <a:endParaRPr lang="es-PE"/>
+          </a:p>
+        </p:txBody>
+      </p:sp>
+      <p:pic>
+        <p:nvPicPr>
+          <p:cNvPr id="9" name="Imagen 8"/>
+          <p:cNvPicPr>
+            <a:picLocks noChangeAspect="1"/>
+          </p:cNvPicPr>
+          <p:nvPr/>
+        </p:nvPicPr>
+        <p:blipFill>
+          <a:blip r:embed="rId5"/>
+          <a:stretch>
+            <a:fillRect/>
+          </a:stretch>
+        </p:blipFill>
+        <p:spPr>
+          <a:xfrm>
+            <a:off x="387733" y="5552549"/>
+            <a:ext cx="9312411" cy="975048"/>
+          </a:xfrm>
+          <a:prstGeom prst="rect">
+            <a:avLst/>
+          </a:prstGeom>
+        </p:spPr>
+      </p:pic>
+      <p:sp>
+        <p:nvSpPr>
+          <p:cNvPr id="10" name="Rectángulo 9"/>
+          <p:cNvSpPr/>
+          <p:nvPr/>
+        </p:nvSpPr>
+        <p:spPr>
+          <a:xfrm>
+            <a:off x="387733" y="5552549"/>
+            <a:ext cx="2576184" cy="249161"/>
+          </a:xfrm>
+          <a:prstGeom prst="rect">
+            <a:avLst/>
+          </a:prstGeom>
+          <a:solidFill>
+            <a:schemeClr val="bg1"/>
+          </a:solidFill>
+          <a:ln>
+            <a:solidFill>
+              <a:schemeClr val="bg1"/>
+            </a:solidFill>
+          </a:ln>
+        </p:spPr>
+        <p:style>
+          <a:lnRef idx="2">
+            <a:schemeClr val="accent1">
+              <a:shade val="50000"/>
+            </a:schemeClr>
+          </a:lnRef>
+          <a:fillRef idx="1">
+            <a:schemeClr val="accent1"/>
+          </a:fillRef>
+          <a:effectRef idx="0">
+            <a:schemeClr val="accent1"/>
+          </a:effectRef>
+          <a:fontRef idx="minor">
+            <a:schemeClr val="lt1"/>
+          </a:fontRef>
+        </p:style>
+        <p:txBody>
+          <a:bodyPr rtlCol="0" anchor="ctr"/>
+          <a:lstStyle/>
+          <a:p>
+            <a:pPr algn="ctr"/>
+            <a:endParaRPr lang="es-PE"/>
+          </a:p>
+        </p:txBody>
+      </p:sp>
+      <p:sp>
+        <p:nvSpPr>
+          <p:cNvPr id="11" name="Rectángulo 10"/>
+          <p:cNvSpPr/>
+          <p:nvPr/>
+        </p:nvSpPr>
+        <p:spPr>
+          <a:xfrm>
+            <a:off x="1675825" y="6158265"/>
+            <a:ext cx="8024319" cy="369332"/>
+          </a:xfrm>
+          <a:prstGeom prst="rect">
+            <a:avLst/>
+          </a:prstGeom>
+          <a:solidFill>
+            <a:schemeClr val="bg1"/>
+          </a:solidFill>
+          <a:ln>
+            <a:solidFill>
+              <a:schemeClr val="bg1"/>
+            </a:solidFill>
+          </a:ln>
+        </p:spPr>
+        <p:style>
+          <a:lnRef idx="2">
+            <a:schemeClr val="accent1">
+              <a:shade val="50000"/>
+            </a:schemeClr>
+          </a:lnRef>
+          <a:fillRef idx="1">
+            <a:schemeClr val="accent1"/>
+          </a:fillRef>
+          <a:effectRef idx="0">
+            <a:schemeClr val="accent1"/>
+          </a:effectRef>
+          <a:fontRef idx="minor">
+            <a:schemeClr val="lt1"/>
+          </a:fontRef>
+        </p:style>
+        <p:txBody>
+          <a:bodyPr rtlCol="0" anchor="ctr"/>
+          <a:lstStyle/>
+          <a:p>
+            <a:pPr algn="ctr"/>
+            <a:endParaRPr lang="es-PE"/>
+          </a:p>
+        </p:txBody>
+      </p:sp>
+      <p:cxnSp>
+        <p:nvCxnSpPr>
+          <p:cNvPr id="13" name="Conector recto 12"/>
+          <p:cNvCxnSpPr/>
+          <p:nvPr/>
+        </p:nvCxnSpPr>
+        <p:spPr>
+          <a:xfrm>
+            <a:off x="2569779" y="1166648"/>
+            <a:ext cx="9345776" cy="0"/>
+          </a:xfrm>
+          <a:prstGeom prst="line">
+            <a:avLst/>
+          </a:prstGeom>
+          <a:ln w="38100">
+            <a:solidFill>
+              <a:srgbClr val="FF0000"/>
+            </a:solidFill>
+          </a:ln>
+        </p:spPr>
+        <p:style>
+          <a:lnRef idx="1">
+            <a:schemeClr val="accent1"/>
+          </a:lnRef>
+          <a:fillRef idx="0">
+            <a:schemeClr val="accent1"/>
+          </a:fillRef>
+          <a:effectRef idx="0">
+            <a:schemeClr val="accent1"/>
+          </a:effectRef>
+          <a:fontRef idx="minor">
+            <a:schemeClr val="tx1"/>
+          </a:fontRef>
+        </p:style>
+      </p:cxnSp>
+      <p:cxnSp>
+        <p:nvCxnSpPr>
+          <p:cNvPr id="14" name="Conector recto 13"/>
+          <p:cNvCxnSpPr/>
+          <p:nvPr/>
+        </p:nvCxnSpPr>
+        <p:spPr>
+          <a:xfrm>
+            <a:off x="176596" y="1639614"/>
+            <a:ext cx="11738959" cy="0"/>
+          </a:xfrm>
+          <a:prstGeom prst="line">
+            <a:avLst/>
+          </a:prstGeom>
+          <a:ln w="38100">
+            <a:solidFill>
+              <a:srgbClr val="FF0000"/>
+            </a:solidFill>
+          </a:ln>
+        </p:spPr>
+        <p:style>
+          <a:lnRef idx="1">
+            <a:schemeClr val="accent1"/>
+          </a:lnRef>
+          <a:fillRef idx="0">
+            <a:schemeClr val="accent1"/>
+          </a:fillRef>
+          <a:effectRef idx="0">
+            <a:schemeClr val="accent1"/>
+          </a:effectRef>
+          <a:fontRef idx="minor">
+            <a:schemeClr val="tx1"/>
+          </a:fontRef>
+        </p:style>
+      </p:cxnSp>
+      <p:cxnSp>
+        <p:nvCxnSpPr>
+          <p:cNvPr id="16" name="Conector recto 15"/>
+          <p:cNvCxnSpPr/>
+          <p:nvPr/>
+        </p:nvCxnSpPr>
+        <p:spPr>
+          <a:xfrm>
+            <a:off x="176596" y="2096814"/>
+            <a:ext cx="9345776" cy="0"/>
+          </a:xfrm>
+          <a:prstGeom prst="line">
+            <a:avLst/>
+          </a:prstGeom>
+          <a:ln w="38100">
+            <a:solidFill>
+              <a:srgbClr val="FF0000"/>
+            </a:solidFill>
+          </a:ln>
+        </p:spPr>
+        <p:style>
+          <a:lnRef idx="1">
+            <a:schemeClr val="accent1"/>
+          </a:lnRef>
+          <a:fillRef idx="0">
+            <a:schemeClr val="accent1"/>
+          </a:fillRef>
+          <a:effectRef idx="0">
+            <a:schemeClr val="accent1"/>
+          </a:effectRef>
+          <a:fontRef idx="minor">
+            <a:schemeClr val="tx1"/>
+          </a:fontRef>
+        </p:style>
+      </p:cxnSp>
+      <p:cxnSp>
+        <p:nvCxnSpPr>
+          <p:cNvPr id="18" name="Conector recto 17"/>
+          <p:cNvCxnSpPr/>
+          <p:nvPr/>
+        </p:nvCxnSpPr>
+        <p:spPr>
+          <a:xfrm>
+            <a:off x="6282559" y="2932796"/>
+            <a:ext cx="4556235" cy="26276"/>
+          </a:xfrm>
+          <a:prstGeom prst="line">
+            <a:avLst/>
+          </a:prstGeom>
+          <a:ln w="38100">
+            <a:solidFill>
+              <a:srgbClr val="FF0000"/>
+            </a:solidFill>
+          </a:ln>
+        </p:spPr>
+        <p:style>
+          <a:lnRef idx="1">
+            <a:schemeClr val="accent1"/>
+          </a:lnRef>
+          <a:fillRef idx="0">
+            <a:schemeClr val="accent1"/>
+          </a:fillRef>
+          <a:effectRef idx="0">
+            <a:schemeClr val="accent1"/>
+          </a:effectRef>
+          <a:fontRef idx="minor">
+            <a:schemeClr val="tx1"/>
+          </a:fontRef>
+        </p:style>
+      </p:cxnSp>
+      <p:cxnSp>
+        <p:nvCxnSpPr>
+          <p:cNvPr id="20" name="Conector recto 19"/>
+          <p:cNvCxnSpPr/>
+          <p:nvPr/>
+        </p:nvCxnSpPr>
+        <p:spPr>
+          <a:xfrm flipV="1">
+            <a:off x="3626069" y="3767959"/>
+            <a:ext cx="6344032" cy="30883"/>
+          </a:xfrm>
+          <a:prstGeom prst="line">
+            <a:avLst/>
+          </a:prstGeom>
+          <a:ln w="38100">
+            <a:solidFill>
+              <a:srgbClr val="FF0000"/>
+            </a:solidFill>
+          </a:ln>
+        </p:spPr>
+        <p:style>
+          <a:lnRef idx="1">
+            <a:schemeClr val="accent1"/>
+          </a:lnRef>
+          <a:fillRef idx="0">
+            <a:schemeClr val="accent1"/>
+          </a:fillRef>
+          <a:effectRef idx="0">
+            <a:schemeClr val="accent1"/>
+          </a:effectRef>
+          <a:fontRef idx="minor">
+            <a:schemeClr val="tx1"/>
+          </a:fontRef>
+        </p:style>
+      </p:cxnSp>
+      <p:cxnSp>
+        <p:nvCxnSpPr>
+          <p:cNvPr id="23" name="Conector recto 22"/>
+          <p:cNvCxnSpPr/>
+          <p:nvPr/>
+        </p:nvCxnSpPr>
+        <p:spPr>
+          <a:xfrm flipV="1">
+            <a:off x="3719231" y="5119774"/>
+            <a:ext cx="4226590" cy="10512"/>
+          </a:xfrm>
+          <a:prstGeom prst="line">
+            <a:avLst/>
+          </a:prstGeom>
+          <a:ln w="38100">
+            <a:solidFill>
+              <a:srgbClr val="FF0000"/>
+            </a:solidFill>
+          </a:ln>
+        </p:spPr>
+        <p:style>
+          <a:lnRef idx="1">
+            <a:schemeClr val="accent1"/>
+          </a:lnRef>
+          <a:fillRef idx="0">
+            <a:schemeClr val="accent1"/>
+          </a:fillRef>
+          <a:effectRef idx="0">
+            <a:schemeClr val="accent1"/>
+          </a:effectRef>
+          <a:fontRef idx="minor">
+            <a:schemeClr val="tx1"/>
+          </a:fontRef>
+        </p:style>
+      </p:cxnSp>
+      <p:cxnSp>
+        <p:nvCxnSpPr>
+          <p:cNvPr id="27" name="Conector recto 26"/>
+          <p:cNvCxnSpPr/>
+          <p:nvPr/>
+        </p:nvCxnSpPr>
+        <p:spPr>
+          <a:xfrm flipV="1">
+            <a:off x="5687984" y="6201054"/>
+            <a:ext cx="3834388" cy="9537"/>
+          </a:xfrm>
+          <a:prstGeom prst="line">
+            <a:avLst/>
+          </a:prstGeom>
+          <a:ln w="38100">
+            <a:solidFill>
+              <a:srgbClr val="FF0000"/>
+            </a:solidFill>
+          </a:ln>
+        </p:spPr>
+        <p:style>
+          <a:lnRef idx="1">
+            <a:schemeClr val="accent1"/>
+          </a:lnRef>
+          <a:fillRef idx="0">
+            <a:schemeClr val="accent1"/>
+          </a:fillRef>
+          <a:effectRef idx="0">
+            <a:schemeClr val="accent1"/>
+          </a:effectRef>
+          <a:fontRef idx="minor">
+            <a:schemeClr val="tx1"/>
+          </a:fontRef>
+        </p:style>
+      </p:cxnSp>
+      <p:cxnSp>
+        <p:nvCxnSpPr>
+          <p:cNvPr id="29" name="Conector recto 28"/>
+          <p:cNvCxnSpPr/>
+          <p:nvPr/>
+        </p:nvCxnSpPr>
+        <p:spPr>
+          <a:xfrm flipV="1">
+            <a:off x="387733" y="6518856"/>
+            <a:ext cx="1288092" cy="3205"/>
+          </a:xfrm>
+          <a:prstGeom prst="line">
+            <a:avLst/>
+          </a:prstGeom>
+          <a:ln w="38100">
+            <a:solidFill>
+              <a:srgbClr val="FF0000"/>
+            </a:solidFill>
+          </a:ln>
+        </p:spPr>
+        <p:style>
+          <a:lnRef idx="1">
+            <a:schemeClr val="accent1"/>
+          </a:lnRef>
+          <a:fillRef idx="0">
+            <a:schemeClr val="accent1"/>
+          </a:fillRef>
+          <a:effectRef idx="0">
+            <a:schemeClr val="accent1"/>
+          </a:effectRef>
+          <a:fontRef idx="minor">
+            <a:schemeClr val="tx1"/>
+          </a:fontRef>
+        </p:style>
+      </p:cxnSp>
+    </p:spTree>
+    <p:extLst>
+      <p:ext uri="{BB962C8B-B14F-4D97-AF65-F5344CB8AC3E}">
+        <p14:creationId xmlns:p14="http://schemas.microsoft.com/office/powerpoint/2010/main" val="2653152101"/>
+      </p:ext>
+    </p:extLst>
+  </p:cSld>
+  <p:clrMapOvr>
+    <a:masterClrMapping/>
+  </p:clrMapOvr>
 </p:sld>
 </file>
 
@@ -4348,6 +6759,1669 @@
     <p:extLst>
       <p:ext uri="{BB962C8B-B14F-4D97-AF65-F5344CB8AC3E}">
         <p14:creationId xmlns:p14="http://schemas.microsoft.com/office/powerpoint/2010/main" val="2984705569"/>
+      </p:ext>
+    </p:extLst>
+  </p:cSld>
+  <p:clrMapOvr>
+    <a:masterClrMapping/>
+  </p:clrMapOvr>
+  <p:timing>
+    <p:tnLst>
+      <p:par>
+        <p:cTn id="1" dur="indefinite" restart="never" nodeType="tmRoot"/>
+      </p:par>
+    </p:tnLst>
+  </p:timing>
+</p:sld>
+</file>
+
+<file path=ppt/slides/slide20.xml><?xml version="1.0" encoding="utf-8"?>
+<p:sld xmlns:a="http://schemas.openxmlformats.org/drawingml/2006/main" xmlns:r="http://schemas.openxmlformats.org/officeDocument/2006/relationships" xmlns:p="http://schemas.openxmlformats.org/presentationml/2006/main">
+  <p:cSld>
+    <p:spTree>
+      <p:nvGrpSpPr>
+        <p:cNvPr id="1" name=""/>
+        <p:cNvGrpSpPr/>
+        <p:nvPr/>
+      </p:nvGrpSpPr>
+      <p:grpSpPr>
+        <a:xfrm>
+          <a:off x="0" y="0"/>
+          <a:ext cx="0" cy="0"/>
+          <a:chOff x="0" y="0"/>
+          <a:chExt cx="0" cy="0"/>
+        </a:xfrm>
+      </p:grpSpPr>
+      <p:pic>
+        <p:nvPicPr>
+          <p:cNvPr id="2" name="Imagen 1"/>
+          <p:cNvPicPr>
+            <a:picLocks noChangeAspect="1"/>
+          </p:cNvPicPr>
+          <p:nvPr/>
+        </p:nvPicPr>
+        <p:blipFill>
+          <a:blip r:embed="rId2"/>
+          <a:stretch>
+            <a:fillRect/>
+          </a:stretch>
+        </p:blipFill>
+        <p:spPr>
+          <a:xfrm>
+            <a:off x="499570" y="309070"/>
+            <a:ext cx="11434122" cy="794516"/>
+          </a:xfrm>
+          <a:prstGeom prst="rect">
+            <a:avLst/>
+          </a:prstGeom>
+        </p:spPr>
+      </p:pic>
+      <p:pic>
+        <p:nvPicPr>
+          <p:cNvPr id="3" name="Imagen 2"/>
+          <p:cNvPicPr>
+            <a:picLocks noChangeAspect="1"/>
+          </p:cNvPicPr>
+          <p:nvPr/>
+        </p:nvPicPr>
+        <p:blipFill>
+          <a:blip r:embed="rId3"/>
+          <a:stretch>
+            <a:fillRect/>
+          </a:stretch>
+        </p:blipFill>
+        <p:spPr>
+          <a:xfrm>
+            <a:off x="499570" y="1103586"/>
+            <a:ext cx="11116167" cy="1631731"/>
+          </a:xfrm>
+          <a:prstGeom prst="rect">
+            <a:avLst/>
+          </a:prstGeom>
+        </p:spPr>
+      </p:pic>
+      <p:sp>
+        <p:nvSpPr>
+          <p:cNvPr id="4" name="Rectángulo 3"/>
+          <p:cNvSpPr/>
+          <p:nvPr/>
+        </p:nvSpPr>
+        <p:spPr>
+          <a:xfrm>
+            <a:off x="499570" y="157654"/>
+            <a:ext cx="8281823" cy="548673"/>
+          </a:xfrm>
+          <a:prstGeom prst="rect">
+            <a:avLst/>
+          </a:prstGeom>
+          <a:solidFill>
+            <a:schemeClr val="bg1"/>
+          </a:solidFill>
+          <a:ln>
+            <a:solidFill>
+              <a:schemeClr val="bg1"/>
+            </a:solidFill>
+          </a:ln>
+        </p:spPr>
+        <p:style>
+          <a:lnRef idx="2">
+            <a:schemeClr val="accent1">
+              <a:shade val="50000"/>
+            </a:schemeClr>
+          </a:lnRef>
+          <a:fillRef idx="1">
+            <a:schemeClr val="accent1"/>
+          </a:fillRef>
+          <a:effectRef idx="0">
+            <a:schemeClr val="accent1"/>
+          </a:effectRef>
+          <a:fontRef idx="minor">
+            <a:schemeClr val="lt1"/>
+          </a:fontRef>
+        </p:style>
+        <p:txBody>
+          <a:bodyPr rtlCol="0" anchor="ctr"/>
+          <a:lstStyle/>
+          <a:p>
+            <a:pPr algn="ctr"/>
+            <a:endParaRPr lang="es-PE"/>
+          </a:p>
+        </p:txBody>
+      </p:sp>
+      <p:sp>
+        <p:nvSpPr>
+          <p:cNvPr id="5" name="Rectángulo 4"/>
+          <p:cNvSpPr/>
+          <p:nvPr/>
+        </p:nvSpPr>
+        <p:spPr>
+          <a:xfrm>
+            <a:off x="7283669" y="2328040"/>
+            <a:ext cx="4491045" cy="548673"/>
+          </a:xfrm>
+          <a:prstGeom prst="rect">
+            <a:avLst/>
+          </a:prstGeom>
+          <a:solidFill>
+            <a:schemeClr val="bg1"/>
+          </a:solidFill>
+          <a:ln>
+            <a:solidFill>
+              <a:schemeClr val="bg1"/>
+            </a:solidFill>
+          </a:ln>
+        </p:spPr>
+        <p:style>
+          <a:lnRef idx="2">
+            <a:schemeClr val="accent1">
+              <a:shade val="50000"/>
+            </a:schemeClr>
+          </a:lnRef>
+          <a:fillRef idx="1">
+            <a:schemeClr val="accent1"/>
+          </a:fillRef>
+          <a:effectRef idx="0">
+            <a:schemeClr val="accent1"/>
+          </a:effectRef>
+          <a:fontRef idx="minor">
+            <a:schemeClr val="lt1"/>
+          </a:fontRef>
+        </p:style>
+        <p:txBody>
+          <a:bodyPr rtlCol="0" anchor="ctr"/>
+          <a:lstStyle/>
+          <a:p>
+            <a:pPr algn="ctr"/>
+            <a:endParaRPr lang="es-PE"/>
+          </a:p>
+        </p:txBody>
+      </p:sp>
+      <p:sp>
+        <p:nvSpPr>
+          <p:cNvPr id="6" name="CuadroTexto 5"/>
+          <p:cNvSpPr txBox="1"/>
+          <p:nvPr/>
+        </p:nvSpPr>
+        <p:spPr>
+          <a:xfrm>
+            <a:off x="10200291" y="6158265"/>
+            <a:ext cx="1562940" cy="369332"/>
+          </a:xfrm>
+          <a:prstGeom prst="rect">
+            <a:avLst/>
+          </a:prstGeom>
+          <a:noFill/>
+        </p:spPr>
+        <p:txBody>
+          <a:bodyPr wrap="square" rtlCol="0">
+            <a:spAutoFit/>
+          </a:bodyPr>
+          <a:lstStyle/>
+          <a:p>
+            <a:r>
+              <a:rPr lang="es-PE" dirty="0" smtClean="0"/>
+              <a:t>p. </a:t>
+            </a:r>
+            <a:r>
+              <a:rPr lang="es-PE" dirty="0" smtClean="0"/>
+              <a:t>199</a:t>
+            </a:r>
+            <a:endParaRPr lang="es-PE" dirty="0"/>
+          </a:p>
+        </p:txBody>
+      </p:sp>
+      <p:pic>
+        <p:nvPicPr>
+          <p:cNvPr id="7" name="Imagen 6"/>
+          <p:cNvPicPr>
+            <a:picLocks noChangeAspect="1"/>
+          </p:cNvPicPr>
+          <p:nvPr/>
+        </p:nvPicPr>
+        <p:blipFill>
+          <a:blip r:embed="rId4"/>
+          <a:stretch>
+            <a:fillRect/>
+          </a:stretch>
+        </p:blipFill>
+        <p:spPr>
+          <a:xfrm>
+            <a:off x="450466" y="2876713"/>
+            <a:ext cx="11312765" cy="1647990"/>
+          </a:xfrm>
+          <a:prstGeom prst="rect">
+            <a:avLst/>
+          </a:prstGeom>
+        </p:spPr>
+      </p:pic>
+      <p:sp>
+        <p:nvSpPr>
+          <p:cNvPr id="8" name="Rectángulo 7"/>
+          <p:cNvSpPr/>
+          <p:nvPr/>
+        </p:nvSpPr>
+        <p:spPr>
+          <a:xfrm>
+            <a:off x="488087" y="2876713"/>
+            <a:ext cx="5885464" cy="285835"/>
+          </a:xfrm>
+          <a:prstGeom prst="rect">
+            <a:avLst/>
+          </a:prstGeom>
+          <a:solidFill>
+            <a:schemeClr val="bg1"/>
+          </a:solidFill>
+          <a:ln>
+            <a:solidFill>
+              <a:schemeClr val="bg1"/>
+            </a:solidFill>
+          </a:ln>
+        </p:spPr>
+        <p:style>
+          <a:lnRef idx="2">
+            <a:schemeClr val="accent1">
+              <a:shade val="50000"/>
+            </a:schemeClr>
+          </a:lnRef>
+          <a:fillRef idx="1">
+            <a:schemeClr val="accent1"/>
+          </a:fillRef>
+          <a:effectRef idx="0">
+            <a:schemeClr val="accent1"/>
+          </a:effectRef>
+          <a:fontRef idx="minor">
+            <a:schemeClr val="lt1"/>
+          </a:fontRef>
+        </p:style>
+        <p:txBody>
+          <a:bodyPr rtlCol="0" anchor="ctr"/>
+          <a:lstStyle/>
+          <a:p>
+            <a:pPr algn="ctr"/>
+            <a:endParaRPr lang="es-PE"/>
+          </a:p>
+        </p:txBody>
+      </p:sp>
+      <p:sp>
+        <p:nvSpPr>
+          <p:cNvPr id="9" name="Rectángulo 8"/>
+          <p:cNvSpPr/>
+          <p:nvPr/>
+        </p:nvSpPr>
+        <p:spPr>
+          <a:xfrm>
+            <a:off x="10547131" y="4477407"/>
+            <a:ext cx="1068606" cy="447755"/>
+          </a:xfrm>
+          <a:prstGeom prst="rect">
+            <a:avLst/>
+          </a:prstGeom>
+          <a:solidFill>
+            <a:schemeClr val="bg1"/>
+          </a:solidFill>
+          <a:ln>
+            <a:solidFill>
+              <a:schemeClr val="bg1"/>
+            </a:solidFill>
+          </a:ln>
+        </p:spPr>
+        <p:style>
+          <a:lnRef idx="2">
+            <a:schemeClr val="accent1">
+              <a:shade val="50000"/>
+            </a:schemeClr>
+          </a:lnRef>
+          <a:fillRef idx="1">
+            <a:schemeClr val="accent1"/>
+          </a:fillRef>
+          <a:effectRef idx="0">
+            <a:schemeClr val="accent1"/>
+          </a:effectRef>
+          <a:fontRef idx="minor">
+            <a:schemeClr val="lt1"/>
+          </a:fontRef>
+        </p:style>
+        <p:txBody>
+          <a:bodyPr rtlCol="0" anchor="ctr"/>
+          <a:lstStyle/>
+          <a:p>
+            <a:pPr algn="ctr"/>
+            <a:endParaRPr lang="es-PE"/>
+          </a:p>
+        </p:txBody>
+      </p:sp>
+      <p:pic>
+        <p:nvPicPr>
+          <p:cNvPr id="10" name="Imagen 9"/>
+          <p:cNvPicPr>
+            <a:picLocks noChangeAspect="1"/>
+          </p:cNvPicPr>
+          <p:nvPr/>
+        </p:nvPicPr>
+        <p:blipFill>
+          <a:blip r:embed="rId5"/>
+          <a:stretch>
+            <a:fillRect/>
+          </a:stretch>
+        </p:blipFill>
+        <p:spPr>
+          <a:xfrm>
+            <a:off x="375897" y="4888145"/>
+            <a:ext cx="9676900" cy="1409685"/>
+          </a:xfrm>
+          <a:prstGeom prst="rect">
+            <a:avLst/>
+          </a:prstGeom>
+        </p:spPr>
+      </p:pic>
+      <p:sp>
+        <p:nvSpPr>
+          <p:cNvPr id="11" name="Rectángulo 10"/>
+          <p:cNvSpPr/>
+          <p:nvPr/>
+        </p:nvSpPr>
+        <p:spPr>
+          <a:xfrm>
+            <a:off x="8387255" y="5943600"/>
+            <a:ext cx="1513490" cy="354230"/>
+          </a:xfrm>
+          <a:prstGeom prst="rect">
+            <a:avLst/>
+          </a:prstGeom>
+          <a:solidFill>
+            <a:schemeClr val="bg1"/>
+          </a:solidFill>
+          <a:ln>
+            <a:solidFill>
+              <a:schemeClr val="bg1"/>
+            </a:solidFill>
+          </a:ln>
+        </p:spPr>
+        <p:style>
+          <a:lnRef idx="2">
+            <a:schemeClr val="accent1">
+              <a:shade val="50000"/>
+            </a:schemeClr>
+          </a:lnRef>
+          <a:fillRef idx="1">
+            <a:schemeClr val="accent1"/>
+          </a:fillRef>
+          <a:effectRef idx="0">
+            <a:schemeClr val="accent1"/>
+          </a:effectRef>
+          <a:fontRef idx="minor">
+            <a:schemeClr val="lt1"/>
+          </a:fontRef>
+        </p:style>
+        <p:txBody>
+          <a:bodyPr rtlCol="0" anchor="ctr"/>
+          <a:lstStyle/>
+          <a:p>
+            <a:pPr algn="ctr"/>
+            <a:endParaRPr lang="es-PE"/>
+          </a:p>
+        </p:txBody>
+      </p:sp>
+      <p:cxnSp>
+        <p:nvCxnSpPr>
+          <p:cNvPr id="12" name="Conector recto 11"/>
+          <p:cNvCxnSpPr/>
+          <p:nvPr/>
+        </p:nvCxnSpPr>
+        <p:spPr>
+          <a:xfrm flipV="1">
+            <a:off x="8387255" y="4035242"/>
+            <a:ext cx="3281383" cy="8161"/>
+          </a:xfrm>
+          <a:prstGeom prst="line">
+            <a:avLst/>
+          </a:prstGeom>
+          <a:ln w="38100">
+            <a:solidFill>
+              <a:srgbClr val="FF0000"/>
+            </a:solidFill>
+          </a:ln>
+        </p:spPr>
+        <p:style>
+          <a:lnRef idx="1">
+            <a:schemeClr val="accent1"/>
+          </a:lnRef>
+          <a:fillRef idx="0">
+            <a:schemeClr val="accent1"/>
+          </a:fillRef>
+          <a:effectRef idx="0">
+            <a:schemeClr val="accent1"/>
+          </a:effectRef>
+          <a:fontRef idx="minor">
+            <a:schemeClr val="tx1"/>
+          </a:fontRef>
+        </p:style>
+      </p:cxnSp>
+      <p:cxnSp>
+        <p:nvCxnSpPr>
+          <p:cNvPr id="14" name="Conector recto 13"/>
+          <p:cNvCxnSpPr/>
+          <p:nvPr/>
+        </p:nvCxnSpPr>
+        <p:spPr>
+          <a:xfrm flipV="1">
+            <a:off x="499570" y="4446341"/>
+            <a:ext cx="9858375" cy="24521"/>
+          </a:xfrm>
+          <a:prstGeom prst="line">
+            <a:avLst/>
+          </a:prstGeom>
+          <a:ln w="38100">
+            <a:solidFill>
+              <a:srgbClr val="FF0000"/>
+            </a:solidFill>
+          </a:ln>
+        </p:spPr>
+        <p:style>
+          <a:lnRef idx="1">
+            <a:schemeClr val="accent1"/>
+          </a:lnRef>
+          <a:fillRef idx="0">
+            <a:schemeClr val="accent1"/>
+          </a:fillRef>
+          <a:effectRef idx="0">
+            <a:schemeClr val="accent1"/>
+          </a:effectRef>
+          <a:fontRef idx="minor">
+            <a:schemeClr val="tx1"/>
+          </a:fontRef>
+        </p:style>
+      </p:cxnSp>
+      <p:sp>
+        <p:nvSpPr>
+          <p:cNvPr id="16" name="Rectángulo 15"/>
+          <p:cNvSpPr/>
+          <p:nvPr/>
+        </p:nvSpPr>
+        <p:spPr>
+          <a:xfrm>
+            <a:off x="10547130" y="4140237"/>
+            <a:ext cx="1138487" cy="384465"/>
+          </a:xfrm>
+          <a:prstGeom prst="rect">
+            <a:avLst/>
+          </a:prstGeom>
+          <a:solidFill>
+            <a:schemeClr val="bg1"/>
+          </a:solidFill>
+          <a:ln>
+            <a:solidFill>
+              <a:schemeClr val="bg1"/>
+            </a:solidFill>
+          </a:ln>
+        </p:spPr>
+        <p:style>
+          <a:lnRef idx="2">
+            <a:schemeClr val="accent1">
+              <a:shade val="50000"/>
+            </a:schemeClr>
+          </a:lnRef>
+          <a:fillRef idx="1">
+            <a:schemeClr val="accent1"/>
+          </a:fillRef>
+          <a:effectRef idx="0">
+            <a:schemeClr val="accent1"/>
+          </a:effectRef>
+          <a:fontRef idx="minor">
+            <a:schemeClr val="lt1"/>
+          </a:fontRef>
+        </p:style>
+        <p:txBody>
+          <a:bodyPr rtlCol="0" anchor="ctr"/>
+          <a:lstStyle/>
+          <a:p>
+            <a:pPr algn="ctr"/>
+            <a:endParaRPr lang="es-PE"/>
+          </a:p>
+        </p:txBody>
+      </p:sp>
+    </p:spTree>
+    <p:extLst>
+      <p:ext uri="{BB962C8B-B14F-4D97-AF65-F5344CB8AC3E}">
+        <p14:creationId xmlns:p14="http://schemas.microsoft.com/office/powerpoint/2010/main" val="3994459412"/>
+      </p:ext>
+    </p:extLst>
+  </p:cSld>
+  <p:clrMapOvr>
+    <a:masterClrMapping/>
+  </p:clrMapOvr>
+</p:sld>
+</file>
+
+<file path=ppt/slides/slide21.xml><?xml version="1.0" encoding="utf-8"?>
+<p:sld xmlns:a="http://schemas.openxmlformats.org/drawingml/2006/main" xmlns:r="http://schemas.openxmlformats.org/officeDocument/2006/relationships" xmlns:p="http://schemas.openxmlformats.org/presentationml/2006/main">
+  <p:cSld>
+    <p:spTree>
+      <p:nvGrpSpPr>
+        <p:cNvPr id="1" name=""/>
+        <p:cNvGrpSpPr/>
+        <p:nvPr/>
+      </p:nvGrpSpPr>
+      <p:grpSpPr>
+        <a:xfrm>
+          <a:off x="0" y="0"/>
+          <a:ext cx="0" cy="0"/>
+          <a:chOff x="0" y="0"/>
+          <a:chExt cx="0" cy="0"/>
+        </a:xfrm>
+      </p:grpSpPr>
+      <p:pic>
+        <p:nvPicPr>
+          <p:cNvPr id="2" name="Imagen 1"/>
+          <p:cNvPicPr>
+            <a:picLocks noChangeAspect="1"/>
+          </p:cNvPicPr>
+          <p:nvPr/>
+        </p:nvPicPr>
+        <p:blipFill>
+          <a:blip r:embed="rId2"/>
+          <a:stretch>
+            <a:fillRect/>
+          </a:stretch>
+        </p:blipFill>
+        <p:spPr>
+          <a:xfrm>
+            <a:off x="996347" y="3909847"/>
+            <a:ext cx="10310651" cy="756745"/>
+          </a:xfrm>
+          <a:prstGeom prst="rect">
+            <a:avLst/>
+          </a:prstGeom>
+        </p:spPr>
+      </p:pic>
+      <p:pic>
+        <p:nvPicPr>
+          <p:cNvPr id="3" name="Imagen 2"/>
+          <p:cNvPicPr>
+            <a:picLocks noChangeAspect="1"/>
+          </p:cNvPicPr>
+          <p:nvPr/>
+        </p:nvPicPr>
+        <p:blipFill>
+          <a:blip r:embed="rId3"/>
+          <a:stretch>
+            <a:fillRect/>
+          </a:stretch>
+        </p:blipFill>
+        <p:spPr>
+          <a:xfrm>
+            <a:off x="996347" y="1717621"/>
+            <a:ext cx="9739971" cy="1793815"/>
+          </a:xfrm>
+          <a:prstGeom prst="rect">
+            <a:avLst/>
+          </a:prstGeom>
+        </p:spPr>
+      </p:pic>
+      <p:sp>
+        <p:nvSpPr>
+          <p:cNvPr id="4" name="Rectángulo 3"/>
+          <p:cNvSpPr/>
+          <p:nvPr/>
+        </p:nvSpPr>
+        <p:spPr>
+          <a:xfrm flipH="1">
+            <a:off x="252247" y="187545"/>
+            <a:ext cx="5155324" cy="503676"/>
+          </a:xfrm>
+          <a:prstGeom prst="rect">
+            <a:avLst/>
+          </a:prstGeom>
+          <a:solidFill>
+            <a:schemeClr val="bg1"/>
+          </a:solidFill>
+          <a:ln>
+            <a:solidFill>
+              <a:schemeClr val="bg1"/>
+            </a:solidFill>
+          </a:ln>
+        </p:spPr>
+        <p:style>
+          <a:lnRef idx="2">
+            <a:schemeClr val="accent1">
+              <a:shade val="50000"/>
+            </a:schemeClr>
+          </a:lnRef>
+          <a:fillRef idx="1">
+            <a:schemeClr val="accent1"/>
+          </a:fillRef>
+          <a:effectRef idx="0">
+            <a:schemeClr val="accent1"/>
+          </a:effectRef>
+          <a:fontRef idx="minor">
+            <a:schemeClr val="lt1"/>
+          </a:fontRef>
+        </p:style>
+        <p:txBody>
+          <a:bodyPr rtlCol="0" anchor="ctr"/>
+          <a:lstStyle/>
+          <a:p>
+            <a:pPr algn="ctr"/>
+            <a:endParaRPr lang="es-PE"/>
+          </a:p>
+        </p:txBody>
+      </p:sp>
+      <p:sp>
+        <p:nvSpPr>
+          <p:cNvPr id="5" name="Rectángulo 4"/>
+          <p:cNvSpPr/>
+          <p:nvPr/>
+        </p:nvSpPr>
+        <p:spPr>
+          <a:xfrm>
+            <a:off x="6148552" y="3184635"/>
+            <a:ext cx="4587766" cy="326801"/>
+          </a:xfrm>
+          <a:prstGeom prst="rect">
+            <a:avLst/>
+          </a:prstGeom>
+          <a:solidFill>
+            <a:schemeClr val="bg1"/>
+          </a:solidFill>
+          <a:ln>
+            <a:solidFill>
+              <a:schemeClr val="bg1"/>
+            </a:solidFill>
+          </a:ln>
+        </p:spPr>
+        <p:style>
+          <a:lnRef idx="2">
+            <a:schemeClr val="accent1">
+              <a:shade val="50000"/>
+            </a:schemeClr>
+          </a:lnRef>
+          <a:fillRef idx="1">
+            <a:schemeClr val="accent1"/>
+          </a:fillRef>
+          <a:effectRef idx="0">
+            <a:schemeClr val="accent1"/>
+          </a:effectRef>
+          <a:fontRef idx="minor">
+            <a:schemeClr val="lt1"/>
+          </a:fontRef>
+        </p:style>
+        <p:txBody>
+          <a:bodyPr rtlCol="0" anchor="ctr"/>
+          <a:lstStyle/>
+          <a:p>
+            <a:pPr algn="ctr"/>
+            <a:endParaRPr lang="es-PE"/>
+          </a:p>
+        </p:txBody>
+      </p:sp>
+      <p:sp>
+        <p:nvSpPr>
+          <p:cNvPr id="6" name="Rectángulo 5"/>
+          <p:cNvSpPr/>
+          <p:nvPr/>
+        </p:nvSpPr>
+        <p:spPr>
+          <a:xfrm>
+            <a:off x="996347" y="3909847"/>
+            <a:ext cx="1510371" cy="299547"/>
+          </a:xfrm>
+          <a:prstGeom prst="rect">
+            <a:avLst/>
+          </a:prstGeom>
+          <a:solidFill>
+            <a:schemeClr val="bg1"/>
+          </a:solidFill>
+          <a:ln>
+            <a:solidFill>
+              <a:schemeClr val="bg1"/>
+            </a:solidFill>
+          </a:ln>
+        </p:spPr>
+        <p:style>
+          <a:lnRef idx="2">
+            <a:schemeClr val="accent1">
+              <a:shade val="50000"/>
+            </a:schemeClr>
+          </a:lnRef>
+          <a:fillRef idx="1">
+            <a:schemeClr val="accent1"/>
+          </a:fillRef>
+          <a:effectRef idx="0">
+            <a:schemeClr val="accent1"/>
+          </a:effectRef>
+          <a:fontRef idx="minor">
+            <a:schemeClr val="lt1"/>
+          </a:fontRef>
+        </p:style>
+        <p:txBody>
+          <a:bodyPr rtlCol="0" anchor="ctr"/>
+          <a:lstStyle/>
+          <a:p>
+            <a:pPr algn="ctr"/>
+            <a:endParaRPr lang="es-PE"/>
+          </a:p>
+        </p:txBody>
+      </p:sp>
+      <p:sp>
+        <p:nvSpPr>
+          <p:cNvPr id="7" name="CuadroTexto 6"/>
+          <p:cNvSpPr txBox="1"/>
+          <p:nvPr/>
+        </p:nvSpPr>
+        <p:spPr>
+          <a:xfrm>
+            <a:off x="10200291" y="6158265"/>
+            <a:ext cx="1562940" cy="369332"/>
+          </a:xfrm>
+          <a:prstGeom prst="rect">
+            <a:avLst/>
+          </a:prstGeom>
+          <a:noFill/>
+        </p:spPr>
+        <p:txBody>
+          <a:bodyPr wrap="square" rtlCol="0">
+            <a:spAutoFit/>
+          </a:bodyPr>
+          <a:lstStyle/>
+          <a:p>
+            <a:r>
+              <a:rPr lang="es-PE" dirty="0" smtClean="0"/>
+              <a:t>p. 200</a:t>
+            </a:r>
+            <a:endParaRPr lang="es-PE" dirty="0"/>
+          </a:p>
+        </p:txBody>
+      </p:sp>
+      <p:sp>
+        <p:nvSpPr>
+          <p:cNvPr id="8" name="Rectángulo 7"/>
+          <p:cNvSpPr/>
+          <p:nvPr/>
+        </p:nvSpPr>
+        <p:spPr>
+          <a:xfrm>
+            <a:off x="996347" y="1717621"/>
+            <a:ext cx="4758067" cy="268834"/>
+          </a:xfrm>
+          <a:prstGeom prst="rect">
+            <a:avLst/>
+          </a:prstGeom>
+          <a:solidFill>
+            <a:schemeClr val="bg1"/>
+          </a:solidFill>
+          <a:ln>
+            <a:solidFill>
+              <a:schemeClr val="bg1"/>
+            </a:solidFill>
+          </a:ln>
+        </p:spPr>
+        <p:style>
+          <a:lnRef idx="2">
+            <a:schemeClr val="accent1">
+              <a:shade val="50000"/>
+            </a:schemeClr>
+          </a:lnRef>
+          <a:fillRef idx="1">
+            <a:schemeClr val="accent1"/>
+          </a:fillRef>
+          <a:effectRef idx="0">
+            <a:schemeClr val="accent1"/>
+          </a:effectRef>
+          <a:fontRef idx="minor">
+            <a:schemeClr val="lt1"/>
+          </a:fontRef>
+        </p:style>
+        <p:txBody>
+          <a:bodyPr rtlCol="0" anchor="ctr"/>
+          <a:lstStyle/>
+          <a:p>
+            <a:pPr algn="ctr"/>
+            <a:endParaRPr lang="es-PE"/>
+          </a:p>
+        </p:txBody>
+      </p:sp>
+      <p:cxnSp>
+        <p:nvCxnSpPr>
+          <p:cNvPr id="10" name="Conector recto 9"/>
+          <p:cNvCxnSpPr/>
+          <p:nvPr/>
+        </p:nvCxnSpPr>
+        <p:spPr>
+          <a:xfrm>
+            <a:off x="2506718" y="4209394"/>
+            <a:ext cx="8671034" cy="0"/>
+          </a:xfrm>
+          <a:prstGeom prst="line">
+            <a:avLst/>
+          </a:prstGeom>
+          <a:ln w="38100">
+            <a:solidFill>
+              <a:srgbClr val="FF0000"/>
+            </a:solidFill>
+          </a:ln>
+        </p:spPr>
+        <p:style>
+          <a:lnRef idx="1">
+            <a:schemeClr val="accent1"/>
+          </a:lnRef>
+          <a:fillRef idx="0">
+            <a:schemeClr val="accent1"/>
+          </a:fillRef>
+          <a:effectRef idx="0">
+            <a:schemeClr val="accent1"/>
+          </a:effectRef>
+          <a:fontRef idx="minor">
+            <a:schemeClr val="tx1"/>
+          </a:fontRef>
+        </p:style>
+      </p:cxnSp>
+      <p:cxnSp>
+        <p:nvCxnSpPr>
+          <p:cNvPr id="11" name="Conector recto 10"/>
+          <p:cNvCxnSpPr/>
+          <p:nvPr/>
+        </p:nvCxnSpPr>
+        <p:spPr>
+          <a:xfrm flipV="1">
+            <a:off x="1110686" y="4607805"/>
+            <a:ext cx="8774293" cy="58787"/>
+          </a:xfrm>
+          <a:prstGeom prst="line">
+            <a:avLst/>
+          </a:prstGeom>
+          <a:ln w="38100">
+            <a:solidFill>
+              <a:srgbClr val="FF0000"/>
+            </a:solidFill>
+          </a:ln>
+        </p:spPr>
+        <p:style>
+          <a:lnRef idx="1">
+            <a:schemeClr val="accent1"/>
+          </a:lnRef>
+          <a:fillRef idx="0">
+            <a:schemeClr val="accent1"/>
+          </a:fillRef>
+          <a:effectRef idx="0">
+            <a:schemeClr val="accent1"/>
+          </a:effectRef>
+          <a:fontRef idx="minor">
+            <a:schemeClr val="tx1"/>
+          </a:fontRef>
+        </p:style>
+      </p:cxnSp>
+    </p:spTree>
+    <p:extLst>
+      <p:ext uri="{BB962C8B-B14F-4D97-AF65-F5344CB8AC3E}">
+        <p14:creationId xmlns:p14="http://schemas.microsoft.com/office/powerpoint/2010/main" val="4154552844"/>
+      </p:ext>
+    </p:extLst>
+  </p:cSld>
+  <p:clrMapOvr>
+    <a:masterClrMapping/>
+  </p:clrMapOvr>
+</p:sld>
+</file>
+
+<file path=ppt/slides/slide22.xml><?xml version="1.0" encoding="utf-8"?>
+<p:sld xmlns:a="http://schemas.openxmlformats.org/drawingml/2006/main" xmlns:r="http://schemas.openxmlformats.org/officeDocument/2006/relationships" xmlns:p="http://schemas.openxmlformats.org/presentationml/2006/main">
+  <p:cSld>
+    <p:spTree>
+      <p:nvGrpSpPr>
+        <p:cNvPr id="1" name=""/>
+        <p:cNvGrpSpPr/>
+        <p:nvPr/>
+      </p:nvGrpSpPr>
+      <p:grpSpPr>
+        <a:xfrm>
+          <a:off x="0" y="0"/>
+          <a:ext cx="0" cy="0"/>
+          <a:chOff x="0" y="0"/>
+          <a:chExt cx="0" cy="0"/>
+        </a:xfrm>
+      </p:grpSpPr>
+      <p:pic>
+        <p:nvPicPr>
+          <p:cNvPr id="2" name="Imagen 1"/>
+          <p:cNvPicPr>
+            <a:picLocks noChangeAspect="1"/>
+          </p:cNvPicPr>
+          <p:nvPr/>
+        </p:nvPicPr>
+        <p:blipFill>
+          <a:blip r:embed="rId2"/>
+          <a:stretch>
+            <a:fillRect/>
+          </a:stretch>
+        </p:blipFill>
+        <p:spPr>
+          <a:xfrm>
+            <a:off x="346677" y="820627"/>
+            <a:ext cx="11147244" cy="1197359"/>
+          </a:xfrm>
+          <a:prstGeom prst="rect">
+            <a:avLst/>
+          </a:prstGeom>
+        </p:spPr>
+      </p:pic>
+      <p:sp>
+        <p:nvSpPr>
+          <p:cNvPr id="3" name="Rectángulo 2"/>
+          <p:cNvSpPr/>
+          <p:nvPr/>
+        </p:nvSpPr>
+        <p:spPr>
+          <a:xfrm>
+            <a:off x="1340069" y="1623848"/>
+            <a:ext cx="10153852" cy="394138"/>
+          </a:xfrm>
+          <a:prstGeom prst="rect">
+            <a:avLst/>
+          </a:prstGeom>
+          <a:solidFill>
+            <a:schemeClr val="bg1"/>
+          </a:solidFill>
+          <a:ln>
+            <a:solidFill>
+              <a:schemeClr val="bg1"/>
+            </a:solidFill>
+          </a:ln>
+        </p:spPr>
+        <p:style>
+          <a:lnRef idx="2">
+            <a:schemeClr val="accent1">
+              <a:shade val="50000"/>
+            </a:schemeClr>
+          </a:lnRef>
+          <a:fillRef idx="1">
+            <a:schemeClr val="accent1"/>
+          </a:fillRef>
+          <a:effectRef idx="0">
+            <a:schemeClr val="accent1"/>
+          </a:effectRef>
+          <a:fontRef idx="minor">
+            <a:schemeClr val="lt1"/>
+          </a:fontRef>
+        </p:style>
+        <p:txBody>
+          <a:bodyPr rtlCol="0" anchor="ctr"/>
+          <a:lstStyle/>
+          <a:p>
+            <a:pPr algn="ctr"/>
+            <a:endParaRPr lang="es-PE"/>
+          </a:p>
+        </p:txBody>
+      </p:sp>
+      <p:sp>
+        <p:nvSpPr>
+          <p:cNvPr id="4" name="CuadroTexto 3"/>
+          <p:cNvSpPr txBox="1"/>
+          <p:nvPr/>
+        </p:nvSpPr>
+        <p:spPr>
+          <a:xfrm>
+            <a:off x="10200291" y="6158265"/>
+            <a:ext cx="1562940" cy="369332"/>
+          </a:xfrm>
+          <a:prstGeom prst="rect">
+            <a:avLst/>
+          </a:prstGeom>
+          <a:noFill/>
+        </p:spPr>
+        <p:txBody>
+          <a:bodyPr wrap="square" rtlCol="0">
+            <a:spAutoFit/>
+          </a:bodyPr>
+          <a:lstStyle/>
+          <a:p>
+            <a:r>
+              <a:rPr lang="es-PE" dirty="0" smtClean="0"/>
+              <a:t>p. 201</a:t>
+            </a:r>
+            <a:endParaRPr lang="es-PE" dirty="0"/>
+          </a:p>
+        </p:txBody>
+      </p:sp>
+      <p:pic>
+        <p:nvPicPr>
+          <p:cNvPr id="5" name="Imagen 4"/>
+          <p:cNvPicPr>
+            <a:picLocks noChangeAspect="1"/>
+          </p:cNvPicPr>
+          <p:nvPr/>
+        </p:nvPicPr>
+        <p:blipFill>
+          <a:blip r:embed="rId3"/>
+          <a:stretch>
+            <a:fillRect/>
+          </a:stretch>
+        </p:blipFill>
+        <p:spPr>
+          <a:xfrm>
+            <a:off x="664971" y="2460242"/>
+            <a:ext cx="10828950" cy="721930"/>
+          </a:xfrm>
+          <a:prstGeom prst="rect">
+            <a:avLst/>
+          </a:prstGeom>
+        </p:spPr>
+      </p:pic>
+      <p:pic>
+        <p:nvPicPr>
+          <p:cNvPr id="6" name="Imagen 5"/>
+          <p:cNvPicPr>
+            <a:picLocks noChangeAspect="1"/>
+          </p:cNvPicPr>
+          <p:nvPr/>
+        </p:nvPicPr>
+        <p:blipFill>
+          <a:blip r:embed="rId4"/>
+          <a:stretch>
+            <a:fillRect/>
+          </a:stretch>
+        </p:blipFill>
+        <p:spPr>
+          <a:xfrm>
+            <a:off x="664971" y="3624428"/>
+            <a:ext cx="10264600" cy="744261"/>
+          </a:xfrm>
+          <a:prstGeom prst="rect">
+            <a:avLst/>
+          </a:prstGeom>
+        </p:spPr>
+      </p:pic>
+      <p:sp>
+        <p:nvSpPr>
+          <p:cNvPr id="7" name="Rectángulo 6"/>
+          <p:cNvSpPr/>
+          <p:nvPr/>
+        </p:nvSpPr>
+        <p:spPr>
+          <a:xfrm>
+            <a:off x="2033752" y="3996558"/>
+            <a:ext cx="8781393" cy="372131"/>
+          </a:xfrm>
+          <a:prstGeom prst="rect">
+            <a:avLst/>
+          </a:prstGeom>
+          <a:solidFill>
+            <a:schemeClr val="bg1"/>
+          </a:solidFill>
+          <a:ln>
+            <a:solidFill>
+              <a:schemeClr val="bg1"/>
+            </a:solidFill>
+          </a:ln>
+        </p:spPr>
+        <p:style>
+          <a:lnRef idx="2">
+            <a:schemeClr val="accent1">
+              <a:shade val="50000"/>
+            </a:schemeClr>
+          </a:lnRef>
+          <a:fillRef idx="1">
+            <a:schemeClr val="accent1"/>
+          </a:fillRef>
+          <a:effectRef idx="0">
+            <a:schemeClr val="accent1"/>
+          </a:effectRef>
+          <a:fontRef idx="minor">
+            <a:schemeClr val="lt1"/>
+          </a:fontRef>
+        </p:style>
+        <p:txBody>
+          <a:bodyPr rtlCol="0" anchor="ctr"/>
+          <a:lstStyle/>
+          <a:p>
+            <a:pPr algn="ctr"/>
+            <a:endParaRPr lang="es-PE"/>
+          </a:p>
+        </p:txBody>
+      </p:sp>
+      <p:pic>
+        <p:nvPicPr>
+          <p:cNvPr id="8" name="Imagen 7"/>
+          <p:cNvPicPr>
+            <a:picLocks noChangeAspect="1"/>
+          </p:cNvPicPr>
+          <p:nvPr/>
+        </p:nvPicPr>
+        <p:blipFill>
+          <a:blip r:embed="rId5"/>
+          <a:stretch>
+            <a:fillRect/>
+          </a:stretch>
+        </p:blipFill>
+        <p:spPr>
+          <a:xfrm>
+            <a:off x="1092673" y="4478560"/>
+            <a:ext cx="9409195" cy="1679705"/>
+          </a:xfrm>
+          <a:prstGeom prst="rect">
+            <a:avLst/>
+          </a:prstGeom>
+        </p:spPr>
+      </p:pic>
+      <p:sp>
+        <p:nvSpPr>
+          <p:cNvPr id="9" name="Rectángulo 8"/>
+          <p:cNvSpPr/>
+          <p:nvPr/>
+        </p:nvSpPr>
+        <p:spPr>
+          <a:xfrm>
+            <a:off x="1092673" y="4478560"/>
+            <a:ext cx="4173010" cy="332385"/>
+          </a:xfrm>
+          <a:prstGeom prst="rect">
+            <a:avLst/>
+          </a:prstGeom>
+          <a:solidFill>
+            <a:schemeClr val="bg1"/>
+          </a:solidFill>
+          <a:ln>
+            <a:solidFill>
+              <a:schemeClr val="bg1"/>
+            </a:solidFill>
+          </a:ln>
+        </p:spPr>
+        <p:style>
+          <a:lnRef idx="2">
+            <a:schemeClr val="accent1">
+              <a:shade val="50000"/>
+            </a:schemeClr>
+          </a:lnRef>
+          <a:fillRef idx="1">
+            <a:schemeClr val="accent1"/>
+          </a:fillRef>
+          <a:effectRef idx="0">
+            <a:schemeClr val="accent1"/>
+          </a:effectRef>
+          <a:fontRef idx="minor">
+            <a:schemeClr val="lt1"/>
+          </a:fontRef>
+        </p:style>
+        <p:txBody>
+          <a:bodyPr rtlCol="0" anchor="ctr"/>
+          <a:lstStyle/>
+          <a:p>
+            <a:pPr algn="ctr"/>
+            <a:endParaRPr lang="es-PE"/>
+          </a:p>
+        </p:txBody>
+      </p:sp>
+      <p:cxnSp>
+        <p:nvCxnSpPr>
+          <p:cNvPr id="10" name="Conector recto 9"/>
+          <p:cNvCxnSpPr/>
+          <p:nvPr/>
+        </p:nvCxnSpPr>
+        <p:spPr>
+          <a:xfrm>
+            <a:off x="2806263" y="1181592"/>
+            <a:ext cx="8687658" cy="0"/>
+          </a:xfrm>
+          <a:prstGeom prst="line">
+            <a:avLst/>
+          </a:prstGeom>
+          <a:ln w="38100">
+            <a:solidFill>
+              <a:srgbClr val="FF0000"/>
+            </a:solidFill>
+          </a:ln>
+        </p:spPr>
+        <p:style>
+          <a:lnRef idx="1">
+            <a:schemeClr val="accent1"/>
+          </a:lnRef>
+          <a:fillRef idx="0">
+            <a:schemeClr val="accent1"/>
+          </a:fillRef>
+          <a:effectRef idx="0">
+            <a:schemeClr val="accent1"/>
+          </a:effectRef>
+          <a:fontRef idx="minor">
+            <a:schemeClr val="tx1"/>
+          </a:fontRef>
+        </p:style>
+      </p:cxnSp>
+      <p:cxnSp>
+        <p:nvCxnSpPr>
+          <p:cNvPr id="13" name="Conector recto 12"/>
+          <p:cNvCxnSpPr/>
+          <p:nvPr/>
+        </p:nvCxnSpPr>
+        <p:spPr>
+          <a:xfrm>
+            <a:off x="499242" y="1623848"/>
+            <a:ext cx="10994679" cy="0"/>
+          </a:xfrm>
+          <a:prstGeom prst="line">
+            <a:avLst/>
+          </a:prstGeom>
+          <a:ln w="38100">
+            <a:solidFill>
+              <a:srgbClr val="FF0000"/>
+            </a:solidFill>
+          </a:ln>
+        </p:spPr>
+        <p:style>
+          <a:lnRef idx="1">
+            <a:schemeClr val="accent1"/>
+          </a:lnRef>
+          <a:fillRef idx="0">
+            <a:schemeClr val="accent1"/>
+          </a:fillRef>
+          <a:effectRef idx="0">
+            <a:schemeClr val="accent1"/>
+          </a:effectRef>
+          <a:fontRef idx="minor">
+            <a:schemeClr val="tx1"/>
+          </a:fontRef>
+        </p:style>
+      </p:cxnSp>
+      <p:cxnSp>
+        <p:nvCxnSpPr>
+          <p:cNvPr id="15" name="Conector recto 14"/>
+          <p:cNvCxnSpPr/>
+          <p:nvPr/>
+        </p:nvCxnSpPr>
+        <p:spPr>
+          <a:xfrm>
+            <a:off x="499241" y="2017986"/>
+            <a:ext cx="840828" cy="0"/>
+          </a:xfrm>
+          <a:prstGeom prst="line">
+            <a:avLst/>
+          </a:prstGeom>
+          <a:ln w="38100">
+            <a:solidFill>
+              <a:srgbClr val="FF0000"/>
+            </a:solidFill>
+          </a:ln>
+        </p:spPr>
+        <p:style>
+          <a:lnRef idx="1">
+            <a:schemeClr val="accent1"/>
+          </a:lnRef>
+          <a:fillRef idx="0">
+            <a:schemeClr val="accent1"/>
+          </a:fillRef>
+          <a:effectRef idx="0">
+            <a:schemeClr val="accent1"/>
+          </a:effectRef>
+          <a:fontRef idx="minor">
+            <a:schemeClr val="tx1"/>
+          </a:fontRef>
+        </p:style>
+      </p:cxnSp>
+      <p:cxnSp>
+        <p:nvCxnSpPr>
+          <p:cNvPr id="17" name="Conector recto 16"/>
+          <p:cNvCxnSpPr/>
+          <p:nvPr/>
+        </p:nvCxnSpPr>
+        <p:spPr>
+          <a:xfrm>
+            <a:off x="2979683" y="2821207"/>
+            <a:ext cx="4382814" cy="0"/>
+          </a:xfrm>
+          <a:prstGeom prst="line">
+            <a:avLst/>
+          </a:prstGeom>
+          <a:ln w="38100">
+            <a:solidFill>
+              <a:srgbClr val="FF0000"/>
+            </a:solidFill>
+          </a:ln>
+        </p:spPr>
+        <p:style>
+          <a:lnRef idx="1">
+            <a:schemeClr val="accent1"/>
+          </a:lnRef>
+          <a:fillRef idx="0">
+            <a:schemeClr val="accent1"/>
+          </a:fillRef>
+          <a:effectRef idx="0">
+            <a:schemeClr val="accent1"/>
+          </a:effectRef>
+          <a:fontRef idx="minor">
+            <a:schemeClr val="tx1"/>
+          </a:fontRef>
+        </p:style>
+      </p:cxnSp>
+      <p:cxnSp>
+        <p:nvCxnSpPr>
+          <p:cNvPr id="20" name="Conector recto 19"/>
+          <p:cNvCxnSpPr/>
+          <p:nvPr/>
+        </p:nvCxnSpPr>
+        <p:spPr>
+          <a:xfrm>
+            <a:off x="788276" y="3958951"/>
+            <a:ext cx="8970579" cy="37607"/>
+          </a:xfrm>
+          <a:prstGeom prst="line">
+            <a:avLst/>
+          </a:prstGeom>
+          <a:ln w="38100">
+            <a:solidFill>
+              <a:srgbClr val="FF0000"/>
+            </a:solidFill>
+          </a:ln>
+        </p:spPr>
+        <p:style>
+          <a:lnRef idx="1">
+            <a:schemeClr val="accent1"/>
+          </a:lnRef>
+          <a:fillRef idx="0">
+            <a:schemeClr val="accent1"/>
+          </a:fillRef>
+          <a:effectRef idx="0">
+            <a:schemeClr val="accent1"/>
+          </a:effectRef>
+          <a:fontRef idx="minor">
+            <a:schemeClr val="tx1"/>
+          </a:fontRef>
+        </p:style>
+      </p:cxnSp>
+      <p:cxnSp>
+        <p:nvCxnSpPr>
+          <p:cNvPr id="22" name="Conector recto 21"/>
+          <p:cNvCxnSpPr/>
+          <p:nvPr/>
+        </p:nvCxnSpPr>
+        <p:spPr>
+          <a:xfrm>
+            <a:off x="2767278" y="5842931"/>
+            <a:ext cx="6991577" cy="21841"/>
+          </a:xfrm>
+          <a:prstGeom prst="line">
+            <a:avLst/>
+          </a:prstGeom>
+          <a:ln w="38100">
+            <a:solidFill>
+              <a:srgbClr val="FF0000"/>
+            </a:solidFill>
+          </a:ln>
+        </p:spPr>
+        <p:style>
+          <a:lnRef idx="1">
+            <a:schemeClr val="accent1"/>
+          </a:lnRef>
+          <a:fillRef idx="0">
+            <a:schemeClr val="accent1"/>
+          </a:fillRef>
+          <a:effectRef idx="0">
+            <a:schemeClr val="accent1"/>
+          </a:effectRef>
+          <a:fontRef idx="minor">
+            <a:schemeClr val="tx1"/>
+          </a:fontRef>
+        </p:style>
+      </p:cxnSp>
+    </p:spTree>
+    <p:extLst>
+      <p:ext uri="{BB962C8B-B14F-4D97-AF65-F5344CB8AC3E}">
+        <p14:creationId xmlns:p14="http://schemas.microsoft.com/office/powerpoint/2010/main" val="1020972502"/>
+      </p:ext>
+    </p:extLst>
+  </p:cSld>
+  <p:clrMapOvr>
+    <a:masterClrMapping/>
+  </p:clrMapOvr>
+</p:sld>
+</file>
+
+<file path=ppt/slides/slide23.xml><?xml version="1.0" encoding="utf-8"?>
+<p:sld xmlns:a="http://schemas.openxmlformats.org/drawingml/2006/main" xmlns:r="http://schemas.openxmlformats.org/officeDocument/2006/relationships" xmlns:p="http://schemas.openxmlformats.org/presentationml/2006/main">
+  <p:cSld>
+    <p:spTree>
+      <p:nvGrpSpPr>
+        <p:cNvPr id="1" name=""/>
+        <p:cNvGrpSpPr/>
+        <p:nvPr/>
+      </p:nvGrpSpPr>
+      <p:grpSpPr>
+        <a:xfrm>
+          <a:off x="0" y="0"/>
+          <a:ext cx="0" cy="0"/>
+          <a:chOff x="0" y="0"/>
+          <a:chExt cx="0" cy="0"/>
+        </a:xfrm>
+      </p:grpSpPr>
+      <p:pic>
+        <p:nvPicPr>
+          <p:cNvPr id="2" name="Imagen 1"/>
+          <p:cNvPicPr>
+            <a:picLocks noChangeAspect="1"/>
+          </p:cNvPicPr>
+          <p:nvPr/>
+        </p:nvPicPr>
+        <p:blipFill>
+          <a:blip r:embed="rId2"/>
+          <a:stretch>
+            <a:fillRect/>
+          </a:stretch>
+        </p:blipFill>
+        <p:spPr>
+          <a:xfrm>
+            <a:off x="1182249" y="3009735"/>
+            <a:ext cx="9516417" cy="647865"/>
+          </a:xfrm>
+          <a:prstGeom prst="rect">
+            <a:avLst/>
+          </a:prstGeom>
+        </p:spPr>
+      </p:pic>
+      <p:sp>
+        <p:nvSpPr>
+          <p:cNvPr id="3" name="CuadroTexto 2"/>
+          <p:cNvSpPr txBox="1"/>
+          <p:nvPr/>
+        </p:nvSpPr>
+        <p:spPr>
+          <a:xfrm>
+            <a:off x="10200291" y="6158265"/>
+            <a:ext cx="1562940" cy="369332"/>
+          </a:xfrm>
+          <a:prstGeom prst="rect">
+            <a:avLst/>
+          </a:prstGeom>
+          <a:noFill/>
+        </p:spPr>
+        <p:txBody>
+          <a:bodyPr wrap="square" rtlCol="0">
+            <a:spAutoFit/>
+          </a:bodyPr>
+          <a:lstStyle/>
+          <a:p>
+            <a:r>
+              <a:rPr lang="es-PE" dirty="0" smtClean="0"/>
+              <a:t>p. 202</a:t>
+            </a:r>
+            <a:endParaRPr lang="es-PE" dirty="0"/>
+          </a:p>
+        </p:txBody>
+      </p:sp>
+      <p:cxnSp>
+        <p:nvCxnSpPr>
+          <p:cNvPr id="4" name="Conector recto 3"/>
+          <p:cNvCxnSpPr/>
+          <p:nvPr/>
+        </p:nvCxnSpPr>
+        <p:spPr>
+          <a:xfrm>
+            <a:off x="1308538" y="3657600"/>
+            <a:ext cx="1702676" cy="0"/>
+          </a:xfrm>
+          <a:prstGeom prst="line">
+            <a:avLst/>
+          </a:prstGeom>
+          <a:ln w="38100">
+            <a:solidFill>
+              <a:srgbClr val="FF0000"/>
+            </a:solidFill>
+          </a:ln>
+        </p:spPr>
+        <p:style>
+          <a:lnRef idx="1">
+            <a:schemeClr val="accent1"/>
+          </a:lnRef>
+          <a:fillRef idx="0">
+            <a:schemeClr val="accent1"/>
+          </a:fillRef>
+          <a:effectRef idx="0">
+            <a:schemeClr val="accent1"/>
+          </a:effectRef>
+          <a:fontRef idx="minor">
+            <a:schemeClr val="tx1"/>
+          </a:fontRef>
+        </p:style>
+      </p:cxnSp>
+    </p:spTree>
+    <p:extLst>
+      <p:ext uri="{BB962C8B-B14F-4D97-AF65-F5344CB8AC3E}">
+        <p14:creationId xmlns:p14="http://schemas.microsoft.com/office/powerpoint/2010/main" val="3862772079"/>
+      </p:ext>
+    </p:extLst>
+  </p:cSld>
+  <p:clrMapOvr>
+    <a:masterClrMapping/>
+  </p:clrMapOvr>
+  <p:timing>
+    <p:tnLst>
+      <p:par>
+        <p:cTn id="1" dur="indefinite" restart="never" nodeType="tmRoot"/>
+      </p:par>
+    </p:tnLst>
+  </p:timing>
+</p:sld>
+</file>
+
+<file path=ppt/slides/slide24.xml><?xml version="1.0" encoding="utf-8"?>
+<p:sld xmlns:a="http://schemas.openxmlformats.org/drawingml/2006/main" xmlns:r="http://schemas.openxmlformats.org/officeDocument/2006/relationships" xmlns:p="http://schemas.openxmlformats.org/presentationml/2006/main">
+  <p:cSld>
+    <p:spTree>
+      <p:nvGrpSpPr>
+        <p:cNvPr id="1" name=""/>
+        <p:cNvGrpSpPr/>
+        <p:nvPr/>
+      </p:nvGrpSpPr>
+      <p:grpSpPr>
+        <a:xfrm>
+          <a:off x="0" y="0"/>
+          <a:ext cx="0" cy="0"/>
+          <a:chOff x="0" y="0"/>
+          <a:chExt cx="0" cy="0"/>
+        </a:xfrm>
+      </p:grpSpPr>
+      <p:pic>
+        <p:nvPicPr>
+          <p:cNvPr id="5" name="Imagen 4"/>
+          <p:cNvPicPr>
+            <a:picLocks noChangeAspect="1"/>
+          </p:cNvPicPr>
+          <p:nvPr/>
+        </p:nvPicPr>
+        <p:blipFill>
+          <a:blip r:embed="rId2"/>
+          <a:stretch>
+            <a:fillRect/>
+          </a:stretch>
+        </p:blipFill>
+        <p:spPr>
+          <a:xfrm>
+            <a:off x="10181104" y="6287758"/>
+            <a:ext cx="1777813" cy="570242"/>
+          </a:xfrm>
+          <a:prstGeom prst="rect">
+            <a:avLst/>
+          </a:prstGeom>
+        </p:spPr>
+      </p:pic>
+      <p:pic>
+        <p:nvPicPr>
+          <p:cNvPr id="7" name="Imagen 6"/>
+          <p:cNvPicPr>
+            <a:picLocks noChangeAspect="1"/>
+          </p:cNvPicPr>
+          <p:nvPr/>
+        </p:nvPicPr>
+        <p:blipFill>
+          <a:blip r:embed="rId3"/>
+          <a:stretch>
+            <a:fillRect/>
+          </a:stretch>
+        </p:blipFill>
+        <p:spPr>
+          <a:xfrm>
+            <a:off x="2795221" y="3708281"/>
+            <a:ext cx="6855372" cy="1550620"/>
+          </a:xfrm>
+          <a:prstGeom prst="rect">
+            <a:avLst/>
+          </a:prstGeom>
+        </p:spPr>
+      </p:pic>
+      <p:sp>
+        <p:nvSpPr>
+          <p:cNvPr id="8" name="CuadroTexto 7"/>
+          <p:cNvSpPr txBox="1"/>
+          <p:nvPr/>
+        </p:nvSpPr>
+        <p:spPr>
+          <a:xfrm>
+            <a:off x="10181104" y="5918426"/>
+            <a:ext cx="1562940" cy="369332"/>
+          </a:xfrm>
+          <a:prstGeom prst="rect">
+            <a:avLst/>
+          </a:prstGeom>
+          <a:noFill/>
+        </p:spPr>
+        <p:txBody>
+          <a:bodyPr wrap="square" rtlCol="0">
+            <a:spAutoFit/>
+          </a:bodyPr>
+          <a:lstStyle/>
+          <a:p>
+            <a:r>
+              <a:rPr lang="es-PE" dirty="0" smtClean="0"/>
+              <a:t>p. 269</a:t>
+            </a:r>
+            <a:endParaRPr lang="es-PE" dirty="0"/>
+          </a:p>
+        </p:txBody>
+      </p:sp>
+      <p:pic>
+        <p:nvPicPr>
+          <p:cNvPr id="2" name="Imagen 1"/>
+          <p:cNvPicPr>
+            <a:picLocks noChangeAspect="1"/>
+          </p:cNvPicPr>
+          <p:nvPr/>
+        </p:nvPicPr>
+        <p:blipFill>
+          <a:blip r:embed="rId4"/>
+          <a:stretch>
+            <a:fillRect/>
+          </a:stretch>
+        </p:blipFill>
+        <p:spPr>
+          <a:xfrm>
+            <a:off x="4334328" y="1172072"/>
+            <a:ext cx="3438070" cy="2042272"/>
+          </a:xfrm>
+          <a:prstGeom prst="rect">
+            <a:avLst/>
+          </a:prstGeom>
+        </p:spPr>
+      </p:pic>
+    </p:spTree>
+    <p:extLst>
+      <p:ext uri="{BB962C8B-B14F-4D97-AF65-F5344CB8AC3E}">
+        <p14:creationId xmlns:p14="http://schemas.microsoft.com/office/powerpoint/2010/main" val="3479496903"/>
       </p:ext>
     </p:extLst>
   </p:cSld>
@@ -4507,11 +8581,6 @@
               </a:rPr>
               <a:t>Política</a:t>
             </a:r>
-            <a:endParaRPr lang="es-PE" sz="2000" dirty="0">
-              <a:solidFill>
-                <a:schemeClr val="bg1"/>
-              </a:solidFill>
-            </a:endParaRPr>
           </a:p>
         </p:txBody>
       </p:sp>
@@ -4567,11 +8636,6 @@
               </a:rPr>
               <a:t>Ética</a:t>
             </a:r>
-            <a:endParaRPr lang="es-PE" sz="2000" dirty="0">
-              <a:solidFill>
-                <a:schemeClr val="bg1"/>
-              </a:solidFill>
-            </a:endParaRPr>
           </a:p>
         </p:txBody>
       </p:sp>
@@ -4627,11 +8691,6 @@
               </a:rPr>
               <a:t>Ciencia</a:t>
             </a:r>
-            <a:endParaRPr lang="es-PE" sz="2000" dirty="0">
-              <a:solidFill>
-                <a:schemeClr val="bg1"/>
-              </a:solidFill>
-            </a:endParaRPr>
           </a:p>
         </p:txBody>
       </p:sp>
@@ -4687,11 +8746,6 @@
               </a:rPr>
               <a:t>Educación</a:t>
             </a:r>
-            <a:endParaRPr lang="es-PE" sz="2000" dirty="0">
-              <a:solidFill>
-                <a:schemeClr val="bg1"/>
-              </a:solidFill>
-            </a:endParaRPr>
           </a:p>
         </p:txBody>
       </p:sp>
@@ -4747,11 +8801,6 @@
               </a:rPr>
               <a:t>Arte</a:t>
             </a:r>
-            <a:endParaRPr lang="es-PE" sz="2000" dirty="0">
-              <a:solidFill>
-                <a:schemeClr val="bg1"/>
-              </a:solidFill>
-            </a:endParaRPr>
           </a:p>
         </p:txBody>
       </p:sp>
@@ -4807,11 +8856,6 @@
               </a:rPr>
               <a:t>Justicia</a:t>
             </a:r>
-            <a:endParaRPr lang="es-PE" sz="2000" dirty="0">
-              <a:solidFill>
-                <a:schemeClr val="bg1"/>
-              </a:solidFill>
-            </a:endParaRPr>
           </a:p>
         </p:txBody>
       </p:sp>
@@ -4867,11 +8911,6 @@
               </a:rPr>
               <a:t>Social</a:t>
             </a:r>
-            <a:endParaRPr lang="es-PE" sz="2000" dirty="0">
-              <a:solidFill>
-                <a:schemeClr val="bg1"/>
-              </a:solidFill>
-            </a:endParaRPr>
           </a:p>
         </p:txBody>
       </p:sp>
@@ -4927,11 +8966,6 @@
               </a:rPr>
               <a:t>Antropología</a:t>
             </a:r>
-            <a:endParaRPr lang="es-PE" sz="2000" dirty="0">
-              <a:solidFill>
-                <a:schemeClr val="bg1"/>
-              </a:solidFill>
-            </a:endParaRPr>
           </a:p>
         </p:txBody>
       </p:sp>
@@ -4987,11 +9021,6 @@
               </a:rPr>
               <a:t>Religión</a:t>
             </a:r>
-            <a:endParaRPr lang="es-PE" dirty="0">
-              <a:solidFill>
-                <a:schemeClr val="bg1"/>
-              </a:solidFill>
-            </a:endParaRPr>
           </a:p>
         </p:txBody>
       </p:sp>
@@ -5795,6 +9824,26 @@
               <a:rPr lang="en-US" dirty="0"/>
               <a:t>. </a:t>
             </a:r>
+            <a:r>
+              <a:rPr lang="en-US" dirty="0" smtClean="0"/>
+              <a:t>(</a:t>
+            </a:r>
+            <a:r>
+              <a:rPr lang="en-US" dirty="0" err="1" smtClean="0"/>
+              <a:t>diferenciación</a:t>
+            </a:r>
+            <a:r>
+              <a:rPr lang="en-US" dirty="0" smtClean="0"/>
+              <a:t> + </a:t>
+            </a:r>
+            <a:r>
+              <a:rPr lang="en-US" dirty="0" err="1" smtClean="0"/>
+              <a:t>substracción</a:t>
+            </a:r>
+            <a:r>
+              <a:rPr lang="en-US" dirty="0" smtClean="0"/>
+              <a:t>)</a:t>
+            </a:r>
             <a:endParaRPr lang="en-US" dirty="0" smtClean="0"/>
           </a:p>
           <a:p>
@@ -6682,8 +10731,8 @@
         </p:nvCxnSpPr>
         <p:spPr>
           <a:xfrm>
-            <a:off x="6472517" y="4545106"/>
-            <a:ext cx="4881283" cy="0"/>
+            <a:off x="5981700" y="4545106"/>
+            <a:ext cx="5372100" cy="0"/>
           </a:xfrm>
           <a:prstGeom prst="straightConnector1">
             <a:avLst/>
@@ -6718,8 +10767,8 @@
         </p:nvCxnSpPr>
         <p:spPr>
           <a:xfrm flipH="1">
-            <a:off x="609600" y="4545106"/>
-            <a:ext cx="5056094" cy="0"/>
+            <a:off x="609602" y="4545106"/>
+            <a:ext cx="2342231" cy="0"/>
           </a:xfrm>
           <a:prstGeom prst="straightConnector1">
             <a:avLst/>
@@ -6754,7 +10803,7 @@
         </p:nvSpPr>
         <p:spPr>
           <a:xfrm>
-            <a:off x="3173506" y="4644084"/>
+            <a:off x="1058039" y="4656744"/>
             <a:ext cx="3299011" cy="646331"/>
           </a:xfrm>
           <a:prstGeom prst="rect">
@@ -6909,7 +10958,7 @@
         </p:nvSpPr>
         <p:spPr>
           <a:xfrm>
-            <a:off x="4823011" y="4101449"/>
+            <a:off x="3317042" y="4340633"/>
             <a:ext cx="2810435" cy="369332"/>
           </a:xfrm>
           <a:prstGeom prst="rect">
@@ -6936,6 +10985,66 @@
                 <a:srgbClr val="FF0000"/>
               </a:solidFill>
             </a:endParaRPr>
+          </a:p>
+        </p:txBody>
+      </p:sp>
+      <p:sp>
+        <p:nvSpPr>
+          <p:cNvPr id="4" name="CuadroTexto 3"/>
+          <p:cNvSpPr txBox="1"/>
+          <p:nvPr/>
+        </p:nvSpPr>
+        <p:spPr>
+          <a:xfrm>
+            <a:off x="2014817" y="55554"/>
+            <a:ext cx="9412941" cy="369332"/>
+          </a:xfrm>
+          <a:prstGeom prst="rect">
+            <a:avLst/>
+          </a:prstGeom>
+          <a:noFill/>
+        </p:spPr>
+        <p:txBody>
+          <a:bodyPr wrap="square" rtlCol="0">
+            <a:spAutoFit/>
+          </a:bodyPr>
+          <a:lstStyle/>
+          <a:p>
+            <a:r>
+              <a:rPr lang="es-PE" dirty="0" smtClean="0"/>
+              <a:t>*Notar imposibilidad de plasmar linealmente un proceso cronológicamente irregular.</a:t>
+            </a:r>
+            <a:endParaRPr lang="es-PE" dirty="0"/>
+          </a:p>
+        </p:txBody>
+      </p:sp>
+      <p:sp>
+        <p:nvSpPr>
+          <p:cNvPr id="34" name="CuadroTexto 33"/>
+          <p:cNvSpPr txBox="1"/>
+          <p:nvPr/>
+        </p:nvSpPr>
+        <p:spPr>
+          <a:xfrm>
+            <a:off x="10483103" y="3791531"/>
+            <a:ext cx="1741394" cy="646331"/>
+          </a:xfrm>
+          <a:prstGeom prst="rect">
+            <a:avLst/>
+          </a:prstGeom>
+          <a:noFill/>
+        </p:spPr>
+        <p:txBody>
+          <a:bodyPr wrap="square" rtlCol="0">
+            <a:spAutoFit/>
+          </a:bodyPr>
+          <a:lstStyle/>
+          <a:p>
+            <a:r>
+              <a:rPr lang="es-PE" dirty="0" smtClean="0"/>
+              <a:t>Intentos de Re-Encantamiento</a:t>
+            </a:r>
+            <a:endParaRPr lang="es-PE" dirty="0"/>
           </a:p>
         </p:txBody>
       </p:sp>
@@ -6992,7 +11101,7 @@
         </p:blipFill>
         <p:spPr>
           <a:xfrm>
-            <a:off x="808746" y="2748751"/>
+            <a:off x="808745" y="1770556"/>
             <a:ext cx="10401591" cy="789195"/>
           </a:xfrm>
           <a:prstGeom prst="rect">
@@ -7016,7 +11125,7 @@
         </p:blipFill>
         <p:spPr>
           <a:xfrm>
-            <a:off x="1150571" y="4505362"/>
+            <a:off x="959184" y="3673520"/>
             <a:ext cx="10251152" cy="685487"/>
           </a:xfrm>
           <a:prstGeom prst="rect">
@@ -7072,30 +11181,6 @@
           </a:p>
         </p:txBody>
       </p:sp>
-      <p:pic>
-        <p:nvPicPr>
-          <p:cNvPr id="7" name="Imagen 6"/>
-          <p:cNvPicPr>
-            <a:picLocks noChangeAspect="1"/>
-          </p:cNvPicPr>
-          <p:nvPr/>
-        </p:nvPicPr>
-        <p:blipFill>
-          <a:blip r:embed="rId4"/>
-          <a:stretch>
-            <a:fillRect/>
-          </a:stretch>
-        </p:blipFill>
-        <p:spPr>
-          <a:xfrm>
-            <a:off x="989363" y="804418"/>
-            <a:ext cx="10412360" cy="1088177"/>
-          </a:xfrm>
-          <a:prstGeom prst="rect">
-            <a:avLst/>
-          </a:prstGeom>
-        </p:spPr>
-      </p:pic>
       <p:sp>
         <p:nvSpPr>
           <p:cNvPr id="8" name="CuadroTexto 7"/>
@@ -7123,6 +11208,126 @@
               <a:t>p. 188</a:t>
             </a:r>
             <a:endParaRPr lang="es-PE" dirty="0"/>
+          </a:p>
+        </p:txBody>
+      </p:sp>
+      <p:cxnSp>
+        <p:nvCxnSpPr>
+          <p:cNvPr id="6" name="Conector recto 5"/>
+          <p:cNvCxnSpPr>
+            <a:endCxn id="4" idx="3"/>
+          </p:cNvCxnSpPr>
+          <p:nvPr/>
+        </p:nvCxnSpPr>
+        <p:spPr>
+          <a:xfrm>
+            <a:off x="5485566" y="4016263"/>
+            <a:ext cx="5724770" cy="1"/>
+          </a:xfrm>
+          <a:prstGeom prst="line">
+            <a:avLst/>
+          </a:prstGeom>
+          <a:ln w="38100">
+            <a:solidFill>
+              <a:srgbClr val="FF0000"/>
+            </a:solidFill>
+          </a:ln>
+        </p:spPr>
+        <p:style>
+          <a:lnRef idx="1">
+            <a:schemeClr val="accent1"/>
+          </a:lnRef>
+          <a:fillRef idx="0">
+            <a:schemeClr val="accent1"/>
+          </a:fillRef>
+          <a:effectRef idx="0">
+            <a:schemeClr val="accent1"/>
+          </a:effectRef>
+          <a:fontRef idx="minor">
+            <a:schemeClr val="tx1"/>
+          </a:fontRef>
+        </p:style>
+      </p:cxnSp>
+      <p:cxnSp>
+        <p:nvCxnSpPr>
+          <p:cNvPr id="9" name="Conector recto 8"/>
+          <p:cNvCxnSpPr/>
+          <p:nvPr/>
+        </p:nvCxnSpPr>
+        <p:spPr>
+          <a:xfrm>
+            <a:off x="959184" y="4376290"/>
+            <a:ext cx="2996128" cy="22858"/>
+          </a:xfrm>
+          <a:prstGeom prst="line">
+            <a:avLst/>
+          </a:prstGeom>
+          <a:ln w="38100">
+            <a:solidFill>
+              <a:srgbClr val="FF0000"/>
+            </a:solidFill>
+          </a:ln>
+        </p:spPr>
+        <p:style>
+          <a:lnRef idx="1">
+            <a:schemeClr val="accent1"/>
+          </a:lnRef>
+          <a:fillRef idx="0">
+            <a:schemeClr val="accent1"/>
+          </a:fillRef>
+          <a:effectRef idx="0">
+            <a:schemeClr val="accent1"/>
+          </a:effectRef>
+          <a:fontRef idx="minor">
+            <a:schemeClr val="tx1"/>
+          </a:fontRef>
+        </p:style>
+      </p:cxnSp>
+      <p:sp>
+        <p:nvSpPr>
+          <p:cNvPr id="11" name="Rectángulo 10"/>
+          <p:cNvSpPr/>
+          <p:nvPr/>
+        </p:nvSpPr>
+        <p:spPr>
+          <a:xfrm>
+            <a:off x="959184" y="3673520"/>
+            <a:ext cx="4274968" cy="342743"/>
+          </a:xfrm>
+          <a:prstGeom prst="rect">
+            <a:avLst/>
+          </a:prstGeom>
+          <a:solidFill>
+            <a:schemeClr val="bg1"/>
+          </a:solidFill>
+          <a:ln>
+            <a:solidFill>
+              <a:schemeClr val="bg1"/>
+            </a:solidFill>
+          </a:ln>
+        </p:spPr>
+        <p:style>
+          <a:lnRef idx="2">
+            <a:schemeClr val="accent1">
+              <a:shade val="50000"/>
+            </a:schemeClr>
+          </a:lnRef>
+          <a:fillRef idx="1">
+            <a:schemeClr val="accent1"/>
+          </a:fillRef>
+          <a:effectRef idx="0">
+            <a:schemeClr val="accent1"/>
+          </a:effectRef>
+          <a:fontRef idx="minor">
+            <a:schemeClr val="lt1"/>
+          </a:fontRef>
+        </p:style>
+        <p:txBody>
+          <a:bodyPr rtlCol="0" anchor="ctr"/>
+          <a:lstStyle/>
+          <a:p>
+            <a:pPr algn="ctr"/>
+            <a:endParaRPr lang="es-PE"/>
           </a:p>
         </p:txBody>
       </p:sp>
@@ -7792,6 +11997,31 @@
         </a:fontRef>
       </a:style>
     </a:spDef>
+    <a:lnDef>
+      <a:spPr>
+        <a:ln w="38100">
+          <a:solidFill>
+            <a:srgbClr val="FF0000"/>
+          </a:solidFill>
+        </a:ln>
+      </a:spPr>
+      <a:bodyPr/>
+      <a:lstStyle/>
+      <a:style>
+        <a:lnRef idx="1">
+          <a:schemeClr val="accent1"/>
+        </a:lnRef>
+        <a:fillRef idx="0">
+          <a:schemeClr val="accent1"/>
+        </a:fillRef>
+        <a:effectRef idx="0">
+          <a:schemeClr val="accent1"/>
+        </a:effectRef>
+        <a:fontRef idx="minor">
+          <a:schemeClr val="tx1"/>
+        </a:fontRef>
+      </a:style>
+    </a:lnDef>
   </a:objectDefaults>
   <a:extraClrSchemeLst/>
   <a:extLst>

--- a/assets uarm/2023 2 UarmPCrit/Taylor - Era Secular 3 y 5.pptx
+++ b/assets uarm/2023 2 UarmPCrit/Taylor - Era Secular 3 y 5.pptx
@@ -268,7 +268,7 @@
           <a:p>
             <a:fld id="{C0E97E01-ED5A-4091-B4B5-A906FD824320}" type="datetimeFigureOut">
               <a:rPr lang="es-PE" smtClean="0"/>
-              <a:t>21/09/2023</a:t>
+              <a:t>25/09/2023</a:t>
             </a:fld>
             <a:endParaRPr lang="es-PE"/>
           </a:p>
@@ -438,7 +438,7 @@
           <a:p>
             <a:fld id="{C0E97E01-ED5A-4091-B4B5-A906FD824320}" type="datetimeFigureOut">
               <a:rPr lang="es-PE" smtClean="0"/>
-              <a:t>21/09/2023</a:t>
+              <a:t>25/09/2023</a:t>
             </a:fld>
             <a:endParaRPr lang="es-PE"/>
           </a:p>
@@ -618,7 +618,7 @@
           <a:p>
             <a:fld id="{C0E97E01-ED5A-4091-B4B5-A906FD824320}" type="datetimeFigureOut">
               <a:rPr lang="es-PE" smtClean="0"/>
-              <a:t>21/09/2023</a:t>
+              <a:t>25/09/2023</a:t>
             </a:fld>
             <a:endParaRPr lang="es-PE"/>
           </a:p>
@@ -788,7 +788,7 @@
           <a:p>
             <a:fld id="{C0E97E01-ED5A-4091-B4B5-A906FD824320}" type="datetimeFigureOut">
               <a:rPr lang="es-PE" smtClean="0"/>
-              <a:t>21/09/2023</a:t>
+              <a:t>25/09/2023</a:t>
             </a:fld>
             <a:endParaRPr lang="es-PE"/>
           </a:p>
@@ -1034,7 +1034,7 @@
           <a:p>
             <a:fld id="{C0E97E01-ED5A-4091-B4B5-A906FD824320}" type="datetimeFigureOut">
               <a:rPr lang="es-PE" smtClean="0"/>
-              <a:t>21/09/2023</a:t>
+              <a:t>25/09/2023</a:t>
             </a:fld>
             <a:endParaRPr lang="es-PE"/>
           </a:p>
@@ -1266,7 +1266,7 @@
           <a:p>
             <a:fld id="{C0E97E01-ED5A-4091-B4B5-A906FD824320}" type="datetimeFigureOut">
               <a:rPr lang="es-PE" smtClean="0"/>
-              <a:t>21/09/2023</a:t>
+              <a:t>25/09/2023</a:t>
             </a:fld>
             <a:endParaRPr lang="es-PE"/>
           </a:p>
@@ -1633,7 +1633,7 @@
           <a:p>
             <a:fld id="{C0E97E01-ED5A-4091-B4B5-A906FD824320}" type="datetimeFigureOut">
               <a:rPr lang="es-PE" smtClean="0"/>
-              <a:t>21/09/2023</a:t>
+              <a:t>25/09/2023</a:t>
             </a:fld>
             <a:endParaRPr lang="es-PE"/>
           </a:p>
@@ -1751,7 +1751,7 @@
           <a:p>
             <a:fld id="{C0E97E01-ED5A-4091-B4B5-A906FD824320}" type="datetimeFigureOut">
               <a:rPr lang="es-PE" smtClean="0"/>
-              <a:t>21/09/2023</a:t>
+              <a:t>25/09/2023</a:t>
             </a:fld>
             <a:endParaRPr lang="es-PE"/>
           </a:p>
@@ -1846,7 +1846,7 @@
           <a:p>
             <a:fld id="{C0E97E01-ED5A-4091-B4B5-A906FD824320}" type="datetimeFigureOut">
               <a:rPr lang="es-PE" smtClean="0"/>
-              <a:t>21/09/2023</a:t>
+              <a:t>25/09/2023</a:t>
             </a:fld>
             <a:endParaRPr lang="es-PE"/>
           </a:p>
@@ -2123,7 +2123,7 @@
           <a:p>
             <a:fld id="{C0E97E01-ED5A-4091-B4B5-A906FD824320}" type="datetimeFigureOut">
               <a:rPr lang="es-PE" smtClean="0"/>
-              <a:t>21/09/2023</a:t>
+              <a:t>25/09/2023</a:t>
             </a:fld>
             <a:endParaRPr lang="es-PE"/>
           </a:p>
@@ -2376,7 +2376,7 @@
           <a:p>
             <a:fld id="{C0E97E01-ED5A-4091-B4B5-A906FD824320}" type="datetimeFigureOut">
               <a:rPr lang="es-PE" smtClean="0"/>
-              <a:t>21/09/2023</a:t>
+              <a:t>25/09/2023</a:t>
             </a:fld>
             <a:endParaRPr lang="es-PE"/>
           </a:p>
@@ -2589,7 +2589,7 @@
           <a:p>
             <a:fld id="{C0E97E01-ED5A-4091-B4B5-A906FD824320}" type="datetimeFigureOut">
               <a:rPr lang="es-PE" smtClean="0"/>
-              <a:t>21/09/2023</a:t>
+              <a:t>25/09/2023</a:t>
             </a:fld>
             <a:endParaRPr lang="es-PE"/>
           </a:p>
@@ -3010,7 +3010,7 @@
         </p:blipFill>
         <p:spPr>
           <a:xfrm>
-            <a:off x="515080" y="0"/>
+            <a:off x="422289" y="0"/>
             <a:ext cx="6272492" cy="3677756"/>
           </a:xfrm>
           <a:prstGeom prst="rect">
@@ -3152,7 +3152,7 @@
         </p:blipFill>
         <p:spPr>
           <a:xfrm>
-            <a:off x="1558285" y="2964997"/>
+            <a:off x="1424065" y="2982431"/>
             <a:ext cx="4000500" cy="1390650"/>
           </a:xfrm>
           <a:prstGeom prst="rect">
@@ -3213,7 +3213,7 @@
         </p:blipFill>
         <p:spPr>
           <a:xfrm>
-            <a:off x="808745" y="1770556"/>
+            <a:off x="808745" y="414722"/>
             <a:ext cx="10401591" cy="789195"/>
           </a:xfrm>
           <a:prstGeom prst="rect">
@@ -3237,7 +3237,7 @@
         </p:blipFill>
         <p:spPr>
           <a:xfrm>
-            <a:off x="959184" y="3673520"/>
+            <a:off x="959184" y="5265837"/>
             <a:ext cx="10251152" cy="685487"/>
           </a:xfrm>
           <a:prstGeom prst="rect">
@@ -3253,7 +3253,7 @@
         </p:nvSpPr>
         <p:spPr>
           <a:xfrm>
-            <a:off x="1150571" y="4505362"/>
+            <a:off x="1150571" y="6097679"/>
             <a:ext cx="4334995" cy="276787"/>
           </a:xfrm>
           <a:prstGeom prst="rect">
@@ -3333,7 +3333,7 @@
         </p:nvCxnSpPr>
         <p:spPr>
           <a:xfrm>
-            <a:off x="5485566" y="4016263"/>
+            <a:off x="5485566" y="5608580"/>
             <a:ext cx="5724770" cy="1"/>
           </a:xfrm>
           <a:prstGeom prst="line">
@@ -3368,7 +3368,7 @@
         </p:nvCxnSpPr>
         <p:spPr>
           <a:xfrm>
-            <a:off x="959184" y="4376290"/>
+            <a:off x="959184" y="5968607"/>
             <a:ext cx="2996128" cy="22858"/>
           </a:xfrm>
           <a:prstGeom prst="line">
@@ -3403,7 +3403,7 @@
         </p:nvSpPr>
         <p:spPr>
           <a:xfrm>
-            <a:off x="959184" y="3673520"/>
+            <a:off x="959184" y="5265837"/>
             <a:ext cx="4274968" cy="342743"/>
           </a:xfrm>
           <a:prstGeom prst="rect">
@@ -3443,6 +3443,30 @@
           </a:p>
         </p:txBody>
       </p:sp>
+      <p:pic>
+        <p:nvPicPr>
+          <p:cNvPr id="2" name="Imagen 1"/>
+          <p:cNvPicPr>
+            <a:picLocks noChangeAspect="1"/>
+          </p:cNvPicPr>
+          <p:nvPr/>
+        </p:nvPicPr>
+        <p:blipFill>
+          <a:blip r:embed="rId4"/>
+          <a:stretch>
+            <a:fillRect/>
+          </a:stretch>
+        </p:blipFill>
+        <p:spPr>
+          <a:xfrm>
+            <a:off x="3033467" y="1546660"/>
+            <a:ext cx="6063236" cy="3363380"/>
+          </a:xfrm>
+          <a:prstGeom prst="rect">
+            <a:avLst/>
+          </a:prstGeom>
+        </p:spPr>
+      </p:pic>
     </p:spTree>
     <p:extLst>
       <p:ext uri="{BB962C8B-B14F-4D97-AF65-F5344CB8AC3E}">
@@ -3803,6 +3827,95 @@
           </a:fontRef>
         </p:style>
       </p:cxnSp>
+      <p:sp>
+        <p:nvSpPr>
+          <p:cNvPr id="5" name="CuadroTexto 4"/>
+          <p:cNvSpPr txBox="1"/>
+          <p:nvPr/>
+        </p:nvSpPr>
+        <p:spPr>
+          <a:xfrm>
+            <a:off x="1686910" y="5990897"/>
+            <a:ext cx="8481849" cy="461665"/>
+          </a:xfrm>
+          <a:prstGeom prst="rect">
+            <a:avLst/>
+          </a:prstGeom>
+          <a:noFill/>
+        </p:spPr>
+        <p:txBody>
+          <a:bodyPr wrap="square" rtlCol="0">
+            <a:spAutoFit/>
+          </a:bodyPr>
+          <a:lstStyle/>
+          <a:p>
+            <a:pPr algn="ctr"/>
+            <a:r>
+              <a:rPr lang="es-PE" sz="2400" dirty="0" smtClean="0">
+                <a:solidFill>
+                  <a:schemeClr val="bg1">
+                    <a:lumMod val="75000"/>
+                  </a:schemeClr>
+                </a:solidFill>
+              </a:rPr>
+              <a:t>Desinserción de lo encantado: Razón y Libertad</a:t>
+            </a:r>
+            <a:endParaRPr lang="es-PE" sz="2400" dirty="0">
+              <a:solidFill>
+                <a:schemeClr val="bg1">
+                  <a:lumMod val="75000"/>
+                </a:schemeClr>
+              </a:solidFill>
+            </a:endParaRPr>
+          </a:p>
+        </p:txBody>
+      </p:sp>
+      <p:sp>
+        <p:nvSpPr>
+          <p:cNvPr id="7" name="Rectángulo 6"/>
+          <p:cNvSpPr/>
+          <p:nvPr/>
+        </p:nvSpPr>
+        <p:spPr>
+          <a:xfrm>
+            <a:off x="6164317" y="2538248"/>
+            <a:ext cx="3862552" cy="442413"/>
+          </a:xfrm>
+          <a:prstGeom prst="rect">
+            <a:avLst/>
+          </a:prstGeom>
+          <a:noFill/>
+          <a:ln>
+            <a:solidFill>
+              <a:srgbClr val="FF0000"/>
+            </a:solidFill>
+          </a:ln>
+        </p:spPr>
+        <p:style>
+          <a:lnRef idx="2">
+            <a:schemeClr val="accent1">
+              <a:shade val="50000"/>
+            </a:schemeClr>
+          </a:lnRef>
+          <a:fillRef idx="1">
+            <a:schemeClr val="accent1"/>
+          </a:fillRef>
+          <a:effectRef idx="0">
+            <a:schemeClr val="accent1"/>
+          </a:effectRef>
+          <a:fontRef idx="minor">
+            <a:schemeClr val="lt1"/>
+          </a:fontRef>
+        </p:style>
+        <p:txBody>
+          <a:bodyPr rtlCol="0" anchor="ctr"/>
+          <a:lstStyle/>
+          <a:p>
+            <a:pPr algn="ctr"/>
+            <a:endParaRPr lang="es-PE"/>
+          </a:p>
+        </p:txBody>
+      </p:sp>
     </p:spTree>
     <p:extLst>
       <p:ext uri="{BB962C8B-B14F-4D97-AF65-F5344CB8AC3E}">
@@ -3848,7 +3961,7 @@
         </p:nvSpPr>
         <p:spPr>
           <a:xfrm>
-            <a:off x="1409140" y="500679"/>
+            <a:off x="1298781" y="138072"/>
             <a:ext cx="9297521" cy="461665"/>
           </a:xfrm>
           <a:prstGeom prst="rect">
@@ -3879,8 +3992,8 @@
         </p:nvSpPr>
         <p:spPr>
           <a:xfrm>
-            <a:off x="400051" y="1479176"/>
-            <a:ext cx="11315700" cy="5078313"/>
+            <a:off x="258161" y="1274224"/>
+            <a:ext cx="4644915" cy="5909310"/>
           </a:xfrm>
           <a:prstGeom prst="rect">
             <a:avLst/>
@@ -3935,6 +4048,539 @@
               <a:buChar char="-"/>
             </a:pPr>
             <a:endParaRPr lang="es-PE" sz="5400" dirty="0"/>
+          </a:p>
+        </p:txBody>
+      </p:sp>
+      <p:sp>
+        <p:nvSpPr>
+          <p:cNvPr id="4" name="CuadroTexto 3"/>
+          <p:cNvSpPr txBox="1"/>
+          <p:nvPr/>
+        </p:nvSpPr>
+        <p:spPr>
+          <a:xfrm>
+            <a:off x="5046840" y="962344"/>
+            <a:ext cx="7145160" cy="6247864"/>
+          </a:xfrm>
+          <a:prstGeom prst="rect">
+            <a:avLst/>
+          </a:prstGeom>
+          <a:noFill/>
+        </p:spPr>
+        <p:txBody>
+          <a:bodyPr wrap="square" rtlCol="0">
+            <a:spAutoFit/>
+          </a:bodyPr>
+          <a:lstStyle/>
+          <a:p>
+            <a:r>
+              <a:rPr lang="en-US" sz="1600" dirty="0" smtClean="0"/>
+              <a:t>Karl Jaspers; "The </a:t>
+            </a:r>
+            <a:r>
+              <a:rPr lang="en-US" sz="1600" dirty="0"/>
+              <a:t>Origin and Goal of History," </a:t>
+            </a:r>
+            <a:r>
+              <a:rPr lang="en-US" sz="1600" dirty="0" smtClean="0"/>
+              <a:t>1949. </a:t>
+            </a:r>
+            <a:r>
+              <a:rPr lang="en-US" sz="1600" dirty="0" smtClean="0">
+                <a:solidFill>
+                  <a:schemeClr val="bg1">
+                    <a:lumMod val="75000"/>
+                  </a:schemeClr>
+                </a:solidFill>
+              </a:rPr>
+              <a:t>(Fuente: </a:t>
+            </a:r>
+            <a:r>
+              <a:rPr lang="en-US" sz="1600" dirty="0" err="1" smtClean="0">
+                <a:solidFill>
+                  <a:schemeClr val="bg1">
+                    <a:lumMod val="75000"/>
+                  </a:schemeClr>
+                </a:solidFill>
+              </a:rPr>
+              <a:t>ChatGPT</a:t>
+            </a:r>
+            <a:r>
+              <a:rPr lang="en-US" sz="1600" dirty="0" smtClean="0"/>
+              <a:t>)</a:t>
+            </a:r>
+          </a:p>
+          <a:p>
+            <a:endParaRPr lang="en-US" sz="1600" dirty="0"/>
+          </a:p>
+          <a:p>
+            <a:r>
+              <a:rPr lang="en-US" sz="1600" dirty="0" smtClean="0"/>
+              <a:t>The </a:t>
+            </a:r>
+            <a:r>
+              <a:rPr lang="en-US" sz="1600" dirty="0">
+                <a:solidFill>
+                  <a:srgbClr val="FF0000"/>
+                </a:solidFill>
+              </a:rPr>
+              <a:t>Axial Age </a:t>
+            </a:r>
+            <a:r>
+              <a:rPr lang="en-US" sz="1600" dirty="0" smtClean="0"/>
+              <a:t>= a </a:t>
+            </a:r>
+            <a:r>
+              <a:rPr lang="en-US" sz="1600" dirty="0"/>
+              <a:t>pivotal period in human </a:t>
+            </a:r>
+            <a:r>
+              <a:rPr lang="en-US" sz="1600" dirty="0" smtClean="0"/>
+              <a:t>history </a:t>
+            </a:r>
+            <a:r>
+              <a:rPr lang="en-US" sz="1600" dirty="0" smtClean="0">
+                <a:solidFill>
+                  <a:schemeClr val="bg1">
+                    <a:lumMod val="75000"/>
+                  </a:schemeClr>
+                </a:solidFill>
+              </a:rPr>
+              <a:t>(Axial =&gt; Axis = “</a:t>
+            </a:r>
+            <a:r>
+              <a:rPr lang="en-US" sz="1600" dirty="0" err="1" smtClean="0">
+                <a:solidFill>
+                  <a:schemeClr val="bg1">
+                    <a:lumMod val="75000"/>
+                  </a:schemeClr>
+                </a:solidFill>
+              </a:rPr>
+              <a:t>Eje</a:t>
+            </a:r>
+            <a:r>
+              <a:rPr lang="en-US" sz="1600" dirty="0" smtClean="0">
+                <a:solidFill>
+                  <a:schemeClr val="bg1">
+                    <a:lumMod val="75000"/>
+                  </a:schemeClr>
+                </a:solidFill>
+              </a:rPr>
+              <a:t>”)</a:t>
+            </a:r>
+          </a:p>
+          <a:p>
+            <a:endParaRPr lang="en-US" sz="1600" dirty="0"/>
+          </a:p>
+          <a:p>
+            <a:r>
+              <a:rPr lang="en-US" sz="1600" dirty="0" smtClean="0">
+                <a:solidFill>
+                  <a:srgbClr val="FF0000"/>
+                </a:solidFill>
+              </a:rPr>
+              <a:t>Spiritual </a:t>
+            </a:r>
+            <a:r>
+              <a:rPr lang="en-US" sz="1600" dirty="0">
+                <a:solidFill>
+                  <a:srgbClr val="FF0000"/>
+                </a:solidFill>
+              </a:rPr>
+              <a:t>Transformation</a:t>
+            </a:r>
+            <a:r>
+              <a:rPr lang="en-US" sz="1600" dirty="0"/>
+              <a:t>: </a:t>
+            </a:r>
+            <a:r>
+              <a:rPr lang="en-US" sz="1600" dirty="0" smtClean="0"/>
+              <a:t>remarkable </a:t>
+            </a:r>
+            <a:r>
+              <a:rPr lang="en-US" sz="1600" dirty="0"/>
+              <a:t>and simultaneous emergence of profound philosophical and religious thought in different parts of the world. </a:t>
+            </a:r>
+            <a:r>
+              <a:rPr lang="en-US" sz="1600" dirty="0" smtClean="0"/>
+              <a:t>Significant </a:t>
+            </a:r>
+            <a:r>
+              <a:rPr lang="en-US" sz="1600" dirty="0"/>
+              <a:t>transformation of human consciousness and spirituality.</a:t>
+            </a:r>
+          </a:p>
+          <a:p>
+            <a:endParaRPr lang="en-US" sz="1600" dirty="0" smtClean="0"/>
+          </a:p>
+          <a:p>
+            <a:r>
+              <a:rPr lang="en-US" sz="1600" dirty="0" smtClean="0">
+                <a:solidFill>
+                  <a:srgbClr val="FF0000"/>
+                </a:solidFill>
+              </a:rPr>
+              <a:t>Multiple </a:t>
+            </a:r>
+            <a:r>
+              <a:rPr lang="en-US" sz="1600" dirty="0">
+                <a:solidFill>
+                  <a:srgbClr val="FF0000"/>
+                </a:solidFill>
+              </a:rPr>
+              <a:t>Cultural Centers</a:t>
+            </a:r>
+            <a:r>
+              <a:rPr lang="en-US" sz="1600" dirty="0"/>
+              <a:t>: The Axial Age was not limited to a single cultural or geographical region. </a:t>
+            </a:r>
+            <a:r>
+              <a:rPr lang="en-US" sz="1600" dirty="0" smtClean="0"/>
+              <a:t>Ancient </a:t>
+            </a:r>
+            <a:r>
+              <a:rPr lang="en-US" sz="1600" dirty="0"/>
+              <a:t>Greece, China, India, the Middle East </a:t>
+            </a:r>
+            <a:r>
+              <a:rPr lang="en-US" sz="1600" dirty="0" smtClean="0"/>
+              <a:t>(Judaism</a:t>
+            </a:r>
+            <a:r>
+              <a:rPr lang="en-US" sz="1600" dirty="0"/>
+              <a:t>, Christianity, and Islam), </a:t>
+            </a:r>
+            <a:r>
+              <a:rPr lang="en-US" sz="1600" dirty="0" smtClean="0"/>
+              <a:t>parts </a:t>
+            </a:r>
+            <a:r>
+              <a:rPr lang="en-US" sz="1600" dirty="0"/>
+              <a:t>of Asia.</a:t>
+            </a:r>
+          </a:p>
+          <a:p>
+            <a:endParaRPr lang="en-US" sz="1600" dirty="0" smtClean="0"/>
+          </a:p>
+          <a:p>
+            <a:r>
+              <a:rPr lang="en-US" sz="1600" dirty="0" smtClean="0">
+                <a:solidFill>
+                  <a:srgbClr val="FF0000"/>
+                </a:solidFill>
+              </a:rPr>
+              <a:t>Key Thinkers: </a:t>
+            </a:r>
+            <a:r>
+              <a:rPr lang="en-US" sz="1600" dirty="0" smtClean="0"/>
+              <a:t>Confucius, Laozi, Buddha, Zoroaster, Socrates</a:t>
+            </a:r>
+            <a:r>
+              <a:rPr lang="en-US" sz="1600" dirty="0"/>
+              <a:t>, Plato, and Aristotle.</a:t>
+            </a:r>
+          </a:p>
+          <a:p>
+            <a:endParaRPr lang="en-US" sz="1600" dirty="0" smtClean="0"/>
+          </a:p>
+          <a:p>
+            <a:r>
+              <a:rPr lang="en-US" sz="1600" dirty="0" smtClean="0">
+                <a:solidFill>
+                  <a:srgbClr val="FF0000"/>
+                </a:solidFill>
+              </a:rPr>
+              <a:t>New </a:t>
+            </a:r>
+            <a:r>
+              <a:rPr lang="en-US" sz="1600" dirty="0">
+                <a:solidFill>
+                  <a:srgbClr val="FF0000"/>
+                </a:solidFill>
+              </a:rPr>
+              <a:t>Worldviews</a:t>
+            </a:r>
+            <a:r>
+              <a:rPr lang="en-US" sz="1600" dirty="0"/>
+              <a:t>: </a:t>
+            </a:r>
+            <a:r>
+              <a:rPr lang="en-US" sz="1600" dirty="0" smtClean="0"/>
+              <a:t>moral </a:t>
+            </a:r>
+            <a:r>
+              <a:rPr lang="en-US" sz="1600" dirty="0"/>
+              <a:t>and ethical systems, </a:t>
+            </a:r>
+            <a:r>
+              <a:rPr lang="en-US" sz="1600" dirty="0" smtClean="0"/>
+              <a:t>religious tradition, </a:t>
+            </a:r>
+            <a:r>
+              <a:rPr lang="en-US" sz="1600" dirty="0"/>
+              <a:t>philosophical schools of thought that continue to influence the world today.</a:t>
+            </a:r>
+          </a:p>
+          <a:p>
+            <a:endParaRPr lang="en-US" sz="1600" dirty="0" smtClean="0"/>
+          </a:p>
+          <a:p>
+            <a:r>
+              <a:rPr lang="en-US" sz="1600" dirty="0" smtClean="0">
+                <a:solidFill>
+                  <a:srgbClr val="FF0000"/>
+                </a:solidFill>
+              </a:rPr>
+              <a:t>Emphasis </a:t>
+            </a:r>
+            <a:r>
+              <a:rPr lang="en-US" sz="1600" dirty="0">
+                <a:solidFill>
+                  <a:srgbClr val="FF0000"/>
+                </a:solidFill>
+              </a:rPr>
+              <a:t>on Individual Transformation</a:t>
+            </a:r>
+            <a:r>
+              <a:rPr lang="en-US" sz="1600" dirty="0"/>
+              <a:t>: </a:t>
+            </a:r>
+            <a:r>
+              <a:rPr lang="en-US" sz="1600" dirty="0" smtClean="0"/>
+              <a:t>strong </a:t>
+            </a:r>
+            <a:r>
+              <a:rPr lang="en-US" sz="1600" dirty="0"/>
+              <a:t>emphasis on individual spiritual and ethical </a:t>
+            </a:r>
+            <a:r>
+              <a:rPr lang="en-US" sz="1600" dirty="0" smtClean="0"/>
+              <a:t>transformation; Self-awareness</a:t>
+            </a:r>
+            <a:r>
+              <a:rPr lang="en-US" sz="1600" dirty="0"/>
+              <a:t>, moral reflection, and the pursuit of higher truths.</a:t>
+            </a:r>
+          </a:p>
+          <a:p>
+            <a:endParaRPr lang="en-US" sz="1600" dirty="0" smtClean="0"/>
+          </a:p>
+          <a:p>
+            <a:r>
+              <a:rPr lang="en-US" sz="1600" dirty="0" smtClean="0">
+                <a:solidFill>
+                  <a:srgbClr val="FF0000"/>
+                </a:solidFill>
+              </a:rPr>
+              <a:t>Transition </a:t>
+            </a:r>
+            <a:r>
+              <a:rPr lang="en-US" sz="1600" dirty="0">
+                <a:solidFill>
+                  <a:srgbClr val="FF0000"/>
+                </a:solidFill>
+              </a:rPr>
+              <a:t>to Universal Values: </a:t>
+            </a:r>
+            <a:r>
+              <a:rPr lang="en-US" sz="1600" dirty="0" smtClean="0"/>
+              <a:t>groundwork </a:t>
+            </a:r>
+            <a:r>
+              <a:rPr lang="en-US" sz="1600" dirty="0"/>
+              <a:t>for the development of universal ethical and moral principles that transcended specific cultural and religious boundaries. These principles continue to shape human thought and behavior.</a:t>
+            </a:r>
+          </a:p>
+          <a:p>
+            <a:endParaRPr lang="es-PE" sz="1600" dirty="0"/>
+          </a:p>
+        </p:txBody>
+      </p:sp>
+      <p:sp>
+        <p:nvSpPr>
+          <p:cNvPr id="5" name="Flecha abajo 4"/>
+          <p:cNvSpPr/>
+          <p:nvPr/>
+        </p:nvSpPr>
+        <p:spPr>
+          <a:xfrm>
+            <a:off x="7472855" y="599737"/>
+            <a:ext cx="630621" cy="362607"/>
+          </a:xfrm>
+          <a:prstGeom prst="downArrow">
+            <a:avLst/>
+          </a:prstGeom>
+          <a:solidFill>
+            <a:srgbClr val="FF0000"/>
+          </a:solidFill>
+          <a:ln>
+            <a:solidFill>
+              <a:schemeClr val="bg1"/>
+            </a:solidFill>
+          </a:ln>
+        </p:spPr>
+        <p:style>
+          <a:lnRef idx="2">
+            <a:schemeClr val="accent1">
+              <a:shade val="50000"/>
+            </a:schemeClr>
+          </a:lnRef>
+          <a:fillRef idx="1">
+            <a:schemeClr val="accent1"/>
+          </a:fillRef>
+          <a:effectRef idx="0">
+            <a:schemeClr val="accent1"/>
+          </a:effectRef>
+          <a:fontRef idx="minor">
+            <a:schemeClr val="lt1"/>
+          </a:fontRef>
+        </p:style>
+        <p:txBody>
+          <a:bodyPr rtlCol="0" anchor="ctr"/>
+          <a:lstStyle/>
+          <a:p>
+            <a:pPr algn="ctr"/>
+            <a:endParaRPr lang="es-PE"/>
+          </a:p>
+        </p:txBody>
+      </p:sp>
+      <p:sp>
+        <p:nvSpPr>
+          <p:cNvPr id="6" name="Flecha abajo 5"/>
+          <p:cNvSpPr/>
+          <p:nvPr/>
+        </p:nvSpPr>
+        <p:spPr>
+          <a:xfrm rot="1855751">
+            <a:off x="3086992" y="718868"/>
+            <a:ext cx="630621" cy="626707"/>
+          </a:xfrm>
+          <a:prstGeom prst="downArrow">
+            <a:avLst/>
+          </a:prstGeom>
+          <a:solidFill>
+            <a:srgbClr val="FF0000"/>
+          </a:solidFill>
+          <a:ln>
+            <a:solidFill>
+              <a:schemeClr val="bg1"/>
+            </a:solidFill>
+          </a:ln>
+        </p:spPr>
+        <p:style>
+          <a:lnRef idx="2">
+            <a:schemeClr val="accent1">
+              <a:shade val="50000"/>
+            </a:schemeClr>
+          </a:lnRef>
+          <a:fillRef idx="1">
+            <a:schemeClr val="accent1"/>
+          </a:fillRef>
+          <a:effectRef idx="0">
+            <a:schemeClr val="accent1"/>
+          </a:effectRef>
+          <a:fontRef idx="minor">
+            <a:schemeClr val="lt1"/>
+          </a:fontRef>
+        </p:style>
+        <p:txBody>
+          <a:bodyPr rtlCol="0" anchor="ctr"/>
+          <a:lstStyle/>
+          <a:p>
+            <a:pPr algn="ctr"/>
+            <a:endParaRPr lang="es-PE"/>
+          </a:p>
+        </p:txBody>
+      </p:sp>
+      <p:sp>
+        <p:nvSpPr>
+          <p:cNvPr id="7" name="Rectángulo 6"/>
+          <p:cNvSpPr/>
+          <p:nvPr/>
+        </p:nvSpPr>
+        <p:spPr>
+          <a:xfrm>
+            <a:off x="2096814" y="138072"/>
+            <a:ext cx="3105807" cy="461665"/>
+          </a:xfrm>
+          <a:prstGeom prst="rect">
+            <a:avLst/>
+          </a:prstGeom>
+          <a:noFill/>
+          <a:ln>
+            <a:solidFill>
+              <a:srgbClr val="FF0000"/>
+            </a:solidFill>
+          </a:ln>
+        </p:spPr>
+        <p:style>
+          <a:lnRef idx="2">
+            <a:schemeClr val="accent1">
+              <a:shade val="50000"/>
+            </a:schemeClr>
+          </a:lnRef>
+          <a:fillRef idx="1">
+            <a:schemeClr val="accent1"/>
+          </a:fillRef>
+          <a:effectRef idx="0">
+            <a:schemeClr val="accent1"/>
+          </a:effectRef>
+          <a:fontRef idx="minor">
+            <a:schemeClr val="lt1"/>
+          </a:fontRef>
+        </p:style>
+        <p:txBody>
+          <a:bodyPr rtlCol="0" anchor="ctr"/>
+          <a:lstStyle/>
+          <a:p>
+            <a:pPr algn="ctr"/>
+            <a:endParaRPr lang="es-PE"/>
+          </a:p>
+        </p:txBody>
+      </p:sp>
+      <p:sp>
+        <p:nvSpPr>
+          <p:cNvPr id="8" name="Rectángulo 7"/>
+          <p:cNvSpPr/>
+          <p:nvPr/>
+        </p:nvSpPr>
+        <p:spPr>
+          <a:xfrm>
+            <a:off x="7457084" y="218807"/>
+            <a:ext cx="646391" cy="380929"/>
+          </a:xfrm>
+          <a:prstGeom prst="rect">
+            <a:avLst/>
+          </a:prstGeom>
+          <a:noFill/>
+          <a:ln>
+            <a:solidFill>
+              <a:srgbClr val="FF0000"/>
+            </a:solidFill>
+          </a:ln>
+        </p:spPr>
+        <p:style>
+          <a:lnRef idx="2">
+            <a:schemeClr val="accent1">
+              <a:shade val="50000"/>
+            </a:schemeClr>
+          </a:lnRef>
+          <a:fillRef idx="1">
+            <a:schemeClr val="accent1"/>
+          </a:fillRef>
+          <a:effectRef idx="0">
+            <a:schemeClr val="accent1"/>
+          </a:effectRef>
+          <a:fontRef idx="minor">
+            <a:schemeClr val="lt1"/>
+          </a:fontRef>
+        </p:style>
+        <p:txBody>
+          <a:bodyPr rtlCol="0" anchor="ctr"/>
+          <a:lstStyle/>
+          <a:p>
+            <a:pPr algn="ctr"/>
+            <a:endParaRPr lang="es-PE"/>
           </a:p>
         </p:txBody>
       </p:sp>
@@ -4002,8 +4648,16 @@
               <a:buChar char="-"/>
             </a:pPr>
             <a:r>
+              <a:rPr lang="es-PE" sz="2400" dirty="0" smtClean="0">
+                <a:solidFill>
+                  <a:srgbClr val="FF0000"/>
+                </a:solidFill>
+              </a:rPr>
+              <a:t>Socialmente</a:t>
+            </a:r>
+            <a:r>
               <a:rPr lang="es-PE" sz="2400" dirty="0" smtClean="0"/>
-              <a:t>Socialmente:</a:t>
+              <a:t>:</a:t>
             </a:r>
           </a:p>
           <a:p>
@@ -4013,7 +4667,19 @@
             </a:pPr>
             <a:r>
               <a:rPr lang="es-PE" sz="2400" dirty="0" smtClean="0"/>
-              <a:t> “En las sociedades paleolíticas, e incluso en ciertas neolíticas, la vida religiosa está inseparablemente vinculada a la vida social.” p.189. </a:t>
+              <a:t> “En las sociedades paleolíticas, e incluso en ciertas neolíticas, </a:t>
+            </a:r>
+            <a:r>
+              <a:rPr lang="es-PE" sz="2400" dirty="0" smtClean="0">
+                <a:solidFill>
+                  <a:srgbClr val="FF0000"/>
+                </a:solidFill>
+              </a:rPr>
+              <a:t>la vida religiosa está inseparablemente vinculada a la vida social</a:t>
+            </a:r>
+            <a:r>
+              <a:rPr lang="es-PE" sz="2400" dirty="0" smtClean="0"/>
+              <a:t>.” p.189. </a:t>
             </a:r>
           </a:p>
           <a:p>
@@ -4033,15 +4699,55 @@
             </a:pPr>
             <a:r>
               <a:rPr lang="es-PE" sz="2400" dirty="0" smtClean="0"/>
-              <a:t>“Esta inserción en el ritual generalmente conlleva a (la desigualdad) (…) a menudo requería que ciertos funcionarios (sacerdotes, chamanes (…)) el orden social en el que estos roles se definían solía ser sacrosanto. (…) el aspecto de la vida religiosa que la ilustración radical identificó y menospreció más enfáticamente (…) el afianzamiento de formas de desigualdad, dominación y explotación a través de su identificación con la estructura intocable y sagrada de las cosas. (…) </a:t>
+              <a:t>“Esta inserción en el ritual generalmente </a:t>
+            </a:r>
+            <a:r>
+              <a:rPr lang="es-PE" sz="2400" dirty="0" smtClean="0">
+                <a:solidFill>
+                  <a:srgbClr val="FF0000"/>
+                </a:solidFill>
+              </a:rPr>
+              <a:t>conlleva a (la desigualdad) </a:t>
             </a:r>
             <a:r>
               <a:rPr lang="es-PE" sz="2400" dirty="0" smtClean="0"/>
-              <a:t>Detrás </a:t>
+              <a:t>(…) a menudo requería que ciertos funcionarios (</a:t>
+            </a:r>
+            <a:r>
+              <a:rPr lang="es-PE" sz="2400" dirty="0" smtClean="0">
+                <a:solidFill>
+                  <a:srgbClr val="FF0000"/>
+                </a:solidFill>
+              </a:rPr>
+              <a:t>sacerdotes, chamanes </a:t>
             </a:r>
             <a:r>
               <a:rPr lang="es-PE" sz="2400" dirty="0" smtClean="0"/>
-              <a:t>de la cuestión de la desigualdad (…) (está la identidad.) no podían concebirse a sí mismos como potencialmente desconectados de esa matriz social.”  p.191-192.</a:t>
+              <a:t>(…)) el orden social en el que estos roles se definían solía ser sacrosanto. (…) el aspecto de la vida religiosa que la ilustración radical identificó y menospreció más enfáticamente (…) el afianzamiento de formas de desigualdad, dominación y explotación a través de su identificación con la estructura intocable y sagrada de las cosas. (…) </a:t>
+            </a:r>
+            <a:r>
+              <a:rPr lang="es-PE" sz="2400" dirty="0" smtClean="0">
+                <a:solidFill>
+                  <a:srgbClr val="FF0000"/>
+                </a:solidFill>
+              </a:rPr>
+              <a:t>Detrás de la cuestión de la desigualdad (…) (está la identidad.)</a:t>
+            </a:r>
+            <a:r>
+              <a:rPr lang="es-PE" sz="2400" dirty="0" smtClean="0"/>
+              <a:t> </a:t>
+            </a:r>
+            <a:r>
+              <a:rPr lang="es-PE" sz="2400" dirty="0" smtClean="0">
+                <a:solidFill>
+                  <a:srgbClr val="FF0000"/>
+                </a:solidFill>
+              </a:rPr>
+              <a:t>no podían concebirse a sí mismos como potencialmente desconectados de esa matriz social</a:t>
+            </a:r>
+            <a:r>
+              <a:rPr lang="es-PE" sz="2400" dirty="0" smtClean="0"/>
+              <a:t>.”  p.191-192.</a:t>
             </a:r>
           </a:p>
           <a:p>
@@ -4051,7 +4757,19 @@
             </a:pPr>
             <a:r>
               <a:rPr lang="es-PE" sz="2400" dirty="0" smtClean="0"/>
-              <a:t>“La incapacidad que existía en las sociedades antiguas para imaginar el yo fuera de un contexto particular se extendía al hecho de ser miembros de la sociedad en su orden esencial. El que para nosotros ya no sea así (…) es la medida de nuestra desinserción.” p.192.</a:t>
+              <a:t>“La incapacidad que existía en las sociedades antiguas para imaginar el yo fuera de un contexto particular se extendía al hecho de ser miembros de la sociedad en su orden esencial. </a:t>
+            </a:r>
+            <a:r>
+              <a:rPr lang="es-PE" sz="2400" dirty="0" smtClean="0">
+                <a:solidFill>
+                  <a:srgbClr val="FF0000"/>
+                </a:solidFill>
+              </a:rPr>
+              <a:t>El que para nosotros ya no sea así (…) es la medida de nuestra desinserción</a:t>
+            </a:r>
+            <a:r>
+              <a:rPr lang="es-PE" sz="2400" dirty="0" smtClean="0"/>
+              <a:t>.” p.192.</a:t>
             </a:r>
           </a:p>
           <a:p>
@@ -4146,7 +4864,7 @@
         </p:nvSpPr>
         <p:spPr>
           <a:xfrm>
-            <a:off x="400050" y="2287251"/>
+            <a:off x="400050" y="1562038"/>
             <a:ext cx="11315700" cy="2246769"/>
           </a:xfrm>
           <a:prstGeom prst="rect">
@@ -4176,7 +4894,19 @@
             </a:pPr>
             <a:r>
               <a:rPr lang="es-PE" sz="2000" dirty="0" smtClean="0"/>
-              <a:t>“Inserción, pues, en la sociedad. Pero también implica una inserción en el cosmos. Pues en la religión antigua, los espíritus (…) están intrincados en el mundo, (…) insertos en las cosas: reliquias, lugares sagrados. ” p. 192</a:t>
+              <a:t>“Inserción, pues, en la sociedad. Pero </a:t>
+            </a:r>
+            <a:r>
+              <a:rPr lang="es-PE" sz="2000" dirty="0" smtClean="0">
+                <a:solidFill>
+                  <a:srgbClr val="FF0000"/>
+                </a:solidFill>
+              </a:rPr>
+              <a:t>también implica una inserción en el cosmos</a:t>
+            </a:r>
+            <a:r>
+              <a:rPr lang="es-PE" sz="2000" dirty="0" smtClean="0"/>
+              <a:t>. Pues en la religión antigua, los espíritus (…) están intrincados en el mundo, (…) insertos en las cosas: reliquias, lugares sagrados. ” p. 192</a:t>
             </a:r>
           </a:p>
           <a:p>
@@ -4230,6 +4960,381 @@
               <a:t>3 modos de “inserción” (o enraizamiento) axial del “agente”</a:t>
             </a:r>
             <a:endParaRPr lang="es-PE" sz="2400" dirty="0"/>
+          </a:p>
+        </p:txBody>
+      </p:sp>
+      <p:pic>
+        <p:nvPicPr>
+          <p:cNvPr id="2" name="Imagen 1"/>
+          <p:cNvPicPr>
+            <a:picLocks noChangeAspect="1"/>
+          </p:cNvPicPr>
+          <p:nvPr/>
+        </p:nvPicPr>
+        <p:blipFill>
+          <a:blip r:embed="rId2"/>
+          <a:stretch>
+            <a:fillRect/>
+          </a:stretch>
+        </p:blipFill>
+        <p:spPr>
+          <a:xfrm>
+            <a:off x="3049805" y="3353126"/>
+            <a:ext cx="5810415" cy="3334673"/>
+          </a:xfrm>
+          <a:prstGeom prst="rect">
+            <a:avLst/>
+          </a:prstGeom>
+        </p:spPr>
+      </p:pic>
+      <p:sp>
+        <p:nvSpPr>
+          <p:cNvPr id="5" name="Rectángulo 4"/>
+          <p:cNvSpPr/>
+          <p:nvPr/>
+        </p:nvSpPr>
+        <p:spPr>
+          <a:xfrm>
+            <a:off x="2743200" y="3305830"/>
+            <a:ext cx="3211813" cy="667079"/>
+          </a:xfrm>
+          <a:prstGeom prst="rect">
+            <a:avLst/>
+          </a:prstGeom>
+          <a:solidFill>
+            <a:schemeClr val="bg1"/>
+          </a:solidFill>
+          <a:ln>
+            <a:solidFill>
+              <a:schemeClr val="bg1"/>
+            </a:solidFill>
+          </a:ln>
+        </p:spPr>
+        <p:style>
+          <a:lnRef idx="2">
+            <a:schemeClr val="accent1">
+              <a:shade val="50000"/>
+            </a:schemeClr>
+          </a:lnRef>
+          <a:fillRef idx="1">
+            <a:schemeClr val="accent1"/>
+          </a:fillRef>
+          <a:effectRef idx="0">
+            <a:schemeClr val="accent1"/>
+          </a:effectRef>
+          <a:fontRef idx="minor">
+            <a:schemeClr val="lt1"/>
+          </a:fontRef>
+        </p:style>
+        <p:txBody>
+          <a:bodyPr rtlCol="0" anchor="ctr"/>
+          <a:lstStyle/>
+          <a:p>
+            <a:pPr algn="ctr"/>
+            <a:endParaRPr lang="es-PE"/>
+          </a:p>
+        </p:txBody>
+      </p:sp>
+      <p:sp>
+        <p:nvSpPr>
+          <p:cNvPr id="6" name="Rectángulo 5"/>
+          <p:cNvSpPr/>
+          <p:nvPr/>
+        </p:nvSpPr>
+        <p:spPr>
+          <a:xfrm>
+            <a:off x="5817476" y="2916621"/>
+            <a:ext cx="3184634" cy="520262"/>
+          </a:xfrm>
+          <a:prstGeom prst="rect">
+            <a:avLst/>
+          </a:prstGeom>
+          <a:solidFill>
+            <a:schemeClr val="bg1"/>
+          </a:solidFill>
+          <a:ln>
+            <a:solidFill>
+              <a:schemeClr val="bg1"/>
+            </a:solidFill>
+          </a:ln>
+        </p:spPr>
+        <p:style>
+          <a:lnRef idx="2">
+            <a:schemeClr val="accent1">
+              <a:shade val="50000"/>
+            </a:schemeClr>
+          </a:lnRef>
+          <a:fillRef idx="1">
+            <a:schemeClr val="accent1"/>
+          </a:fillRef>
+          <a:effectRef idx="0">
+            <a:schemeClr val="accent1"/>
+          </a:effectRef>
+          <a:fontRef idx="minor">
+            <a:schemeClr val="lt1"/>
+          </a:fontRef>
+        </p:style>
+        <p:txBody>
+          <a:bodyPr rtlCol="0" anchor="ctr"/>
+          <a:lstStyle/>
+          <a:p>
+            <a:pPr algn="ctr"/>
+            <a:endParaRPr lang="es-PE"/>
+          </a:p>
+        </p:txBody>
+      </p:sp>
+      <p:sp>
+        <p:nvSpPr>
+          <p:cNvPr id="7" name="Rectángulo 6"/>
+          <p:cNvSpPr/>
+          <p:nvPr/>
+        </p:nvSpPr>
+        <p:spPr>
+          <a:xfrm>
+            <a:off x="7756634" y="5376041"/>
+            <a:ext cx="1103586" cy="1311758"/>
+          </a:xfrm>
+          <a:prstGeom prst="rect">
+            <a:avLst/>
+          </a:prstGeom>
+          <a:solidFill>
+            <a:schemeClr val="accent1">
+              <a:lumMod val="40000"/>
+              <a:lumOff val="60000"/>
+            </a:schemeClr>
+          </a:solidFill>
+          <a:ln>
+            <a:solidFill>
+              <a:schemeClr val="bg1"/>
+            </a:solidFill>
+          </a:ln>
+        </p:spPr>
+        <p:style>
+          <a:lnRef idx="2">
+            <a:schemeClr val="accent1">
+              <a:shade val="50000"/>
+            </a:schemeClr>
+          </a:lnRef>
+          <a:fillRef idx="1">
+            <a:schemeClr val="accent1"/>
+          </a:fillRef>
+          <a:effectRef idx="0">
+            <a:schemeClr val="accent1"/>
+          </a:effectRef>
+          <a:fontRef idx="minor">
+            <a:schemeClr val="lt1"/>
+          </a:fontRef>
+        </p:style>
+        <p:txBody>
+          <a:bodyPr rtlCol="0" anchor="ctr"/>
+          <a:lstStyle/>
+          <a:p>
+            <a:pPr algn="ctr"/>
+            <a:endParaRPr lang="es-PE"/>
+          </a:p>
+        </p:txBody>
+      </p:sp>
+      <p:sp>
+        <p:nvSpPr>
+          <p:cNvPr id="8" name="Rectángulo 7"/>
+          <p:cNvSpPr/>
+          <p:nvPr/>
+        </p:nvSpPr>
+        <p:spPr>
+          <a:xfrm>
+            <a:off x="6495393" y="5650328"/>
+            <a:ext cx="1261241" cy="1037471"/>
+          </a:xfrm>
+          <a:prstGeom prst="rect">
+            <a:avLst/>
+          </a:prstGeom>
+          <a:solidFill>
+            <a:schemeClr val="accent1">
+              <a:lumMod val="40000"/>
+              <a:lumOff val="60000"/>
+            </a:schemeClr>
+          </a:solidFill>
+          <a:ln>
+            <a:solidFill>
+              <a:schemeClr val="bg1"/>
+            </a:solidFill>
+          </a:ln>
+        </p:spPr>
+        <p:style>
+          <a:lnRef idx="2">
+            <a:schemeClr val="accent1">
+              <a:shade val="50000"/>
+            </a:schemeClr>
+          </a:lnRef>
+          <a:fillRef idx="1">
+            <a:schemeClr val="accent1"/>
+          </a:fillRef>
+          <a:effectRef idx="0">
+            <a:schemeClr val="accent1"/>
+          </a:effectRef>
+          <a:fontRef idx="minor">
+            <a:schemeClr val="lt1"/>
+          </a:fontRef>
+        </p:style>
+        <p:txBody>
+          <a:bodyPr rtlCol="0" anchor="ctr"/>
+          <a:lstStyle/>
+          <a:p>
+            <a:pPr algn="ctr"/>
+            <a:endParaRPr lang="es-PE"/>
+          </a:p>
+        </p:txBody>
+      </p:sp>
+      <p:sp>
+        <p:nvSpPr>
+          <p:cNvPr id="9" name="Rectángulo 8"/>
+          <p:cNvSpPr/>
+          <p:nvPr/>
+        </p:nvSpPr>
+        <p:spPr>
+          <a:xfrm>
+            <a:off x="5234152" y="5924616"/>
+            <a:ext cx="1261241" cy="763184"/>
+          </a:xfrm>
+          <a:prstGeom prst="rect">
+            <a:avLst/>
+          </a:prstGeom>
+          <a:solidFill>
+            <a:schemeClr val="accent1">
+              <a:lumMod val="40000"/>
+              <a:lumOff val="60000"/>
+            </a:schemeClr>
+          </a:solidFill>
+          <a:ln>
+            <a:solidFill>
+              <a:schemeClr val="bg1"/>
+            </a:solidFill>
+          </a:ln>
+        </p:spPr>
+        <p:style>
+          <a:lnRef idx="2">
+            <a:schemeClr val="accent1">
+              <a:shade val="50000"/>
+            </a:schemeClr>
+          </a:lnRef>
+          <a:fillRef idx="1">
+            <a:schemeClr val="accent1"/>
+          </a:fillRef>
+          <a:effectRef idx="0">
+            <a:schemeClr val="accent1"/>
+          </a:effectRef>
+          <a:fontRef idx="minor">
+            <a:schemeClr val="lt1"/>
+          </a:fontRef>
+        </p:style>
+        <p:txBody>
+          <a:bodyPr rtlCol="0" anchor="ctr"/>
+          <a:lstStyle/>
+          <a:p>
+            <a:pPr algn="ctr"/>
+            <a:endParaRPr lang="es-PE"/>
+          </a:p>
+        </p:txBody>
+      </p:sp>
+      <p:sp>
+        <p:nvSpPr>
+          <p:cNvPr id="10" name="Rectángulo 9"/>
+          <p:cNvSpPr/>
+          <p:nvPr/>
+        </p:nvSpPr>
+        <p:spPr>
+          <a:xfrm>
+            <a:off x="4035973" y="6306207"/>
+            <a:ext cx="1198179" cy="428888"/>
+          </a:xfrm>
+          <a:prstGeom prst="rect">
+            <a:avLst/>
+          </a:prstGeom>
+          <a:solidFill>
+            <a:schemeClr val="accent1">
+              <a:lumMod val="40000"/>
+              <a:lumOff val="60000"/>
+            </a:schemeClr>
+          </a:solidFill>
+          <a:ln>
+            <a:solidFill>
+              <a:schemeClr val="bg1"/>
+            </a:solidFill>
+          </a:ln>
+        </p:spPr>
+        <p:style>
+          <a:lnRef idx="2">
+            <a:schemeClr val="accent1">
+              <a:shade val="50000"/>
+            </a:schemeClr>
+          </a:lnRef>
+          <a:fillRef idx="1">
+            <a:schemeClr val="accent1"/>
+          </a:fillRef>
+          <a:effectRef idx="0">
+            <a:schemeClr val="accent1"/>
+          </a:effectRef>
+          <a:fontRef idx="minor">
+            <a:schemeClr val="lt1"/>
+          </a:fontRef>
+        </p:style>
+        <p:txBody>
+          <a:bodyPr rtlCol="0" anchor="ctr"/>
+          <a:lstStyle/>
+          <a:p>
+            <a:pPr algn="ctr"/>
+            <a:endParaRPr lang="es-PE"/>
+          </a:p>
+        </p:txBody>
+      </p:sp>
+      <p:sp>
+        <p:nvSpPr>
+          <p:cNvPr id="11" name="Rectángulo 10"/>
+          <p:cNvSpPr/>
+          <p:nvPr/>
+        </p:nvSpPr>
+        <p:spPr>
+          <a:xfrm>
+            <a:off x="2932387" y="6574220"/>
+            <a:ext cx="1085849" cy="195625"/>
+          </a:xfrm>
+          <a:prstGeom prst="rect">
+            <a:avLst/>
+          </a:prstGeom>
+          <a:solidFill>
+            <a:schemeClr val="accent1">
+              <a:lumMod val="40000"/>
+              <a:lumOff val="60000"/>
+            </a:schemeClr>
+          </a:solidFill>
+          <a:ln>
+            <a:solidFill>
+              <a:schemeClr val="bg1"/>
+            </a:solidFill>
+          </a:ln>
+        </p:spPr>
+        <p:style>
+          <a:lnRef idx="2">
+            <a:schemeClr val="accent1">
+              <a:shade val="50000"/>
+            </a:schemeClr>
+          </a:lnRef>
+          <a:fillRef idx="1">
+            <a:schemeClr val="accent1"/>
+          </a:fillRef>
+          <a:effectRef idx="0">
+            <a:schemeClr val="accent1"/>
+          </a:effectRef>
+          <a:fontRef idx="minor">
+            <a:schemeClr val="lt1"/>
+          </a:fontRef>
+        </p:style>
+        <p:txBody>
+          <a:bodyPr rtlCol="0" anchor="ctr"/>
+          <a:lstStyle/>
+          <a:p>
+            <a:pPr algn="ctr"/>
+            <a:endParaRPr lang="es-PE"/>
           </a:p>
         </p:txBody>
       </p:sp>
@@ -4297,8 +5402,16 @@
               <a:buChar char="-"/>
             </a:pPr>
             <a:r>
+              <a:rPr lang="es-PE" sz="2400" dirty="0" smtClean="0">
+                <a:solidFill>
+                  <a:srgbClr val="FF0000"/>
+                </a:solidFill>
+              </a:rPr>
+              <a:t>Sobre idea del bien</a:t>
+            </a:r>
+            <a:r>
               <a:rPr lang="es-PE" sz="2400" dirty="0" smtClean="0"/>
-              <a:t>Sobre idea del bien: </a:t>
+              <a:t>: </a:t>
             </a:r>
           </a:p>
           <a:p>
@@ -4308,7 +5421,19 @@
             </a:pPr>
             <a:r>
               <a:rPr lang="es-PE" sz="2400" dirty="0" smtClean="0"/>
-              <a:t>“Lo que las personas piden cuando invocan o apaciguan a las divinidades y los poderes es prosperidad, salud, una vida prolongada, fertilidad; de lo que piden que se les preserve es de la enfermedad, la muerte, la esterilidad, la muerte prematura. Hay aquí cierta concepción de la bienaventuranza humana.” p. 193</a:t>
+              <a:t>“Lo que las personas piden cuando invocan o apaciguan a las divinidades y los poderes es prosperidad, salud, una vida prolongada, fertilidad; de lo que piden que se les preserve es de la enfermedad, la muerte, la esterilidad, la muerte prematura. Hay aquí </a:t>
+            </a:r>
+            <a:r>
+              <a:rPr lang="es-PE" sz="2400" dirty="0" smtClean="0">
+                <a:solidFill>
+                  <a:srgbClr val="FF0000"/>
+                </a:solidFill>
+              </a:rPr>
+              <a:t>cierta concepción de la bienaventuranza humana</a:t>
+            </a:r>
+            <a:r>
+              <a:rPr lang="es-PE" sz="2400" dirty="0" smtClean="0"/>
+              <a:t>.” p. 193</a:t>
             </a:r>
           </a:p>
           <a:p>
@@ -4318,7 +5443,31 @@
             </a:pPr>
             <a:r>
               <a:rPr lang="es-PE" sz="2400" dirty="0" smtClean="0"/>
-              <a:t>“Los propósitos benignos de la divinidad se definen en términos de la bienaventuranza humana ordinaria. (…) finalmente están al servicio del bienestar.” p. 193</a:t>
+              <a:t>“Los propósitos benignos de la divinidad se definen en términos de la bienaventuranza </a:t>
+            </a:r>
+            <a:r>
+              <a:rPr lang="es-PE" sz="2400" dirty="0" smtClean="0">
+                <a:solidFill>
+                  <a:srgbClr val="FF0000"/>
+                </a:solidFill>
+              </a:rPr>
+              <a:t>humana ordinaria</a:t>
+            </a:r>
+            <a:r>
+              <a:rPr lang="es-PE" sz="2400" dirty="0" smtClean="0"/>
+              <a:t>. (…) finalmente están al servicio del </a:t>
+            </a:r>
+            <a:r>
+              <a:rPr lang="es-PE" sz="2400" dirty="0" smtClean="0">
+                <a:solidFill>
+                  <a:srgbClr val="FF0000"/>
+                </a:solidFill>
+              </a:rPr>
+              <a:t>bienestar</a:t>
+            </a:r>
+            <a:r>
+              <a:rPr lang="es-PE" sz="2400" dirty="0" smtClean="0"/>
+              <a:t>.” p. 193</a:t>
             </a:r>
           </a:p>
           <a:p>
@@ -4328,7 +5477,31 @@
             </a:pPr>
             <a:r>
               <a:rPr lang="es-PE" sz="2400" dirty="0" smtClean="0"/>
-              <a:t>“Con el cristianismo (…) se hace presente una noción del bien que va mas allá de la bienaventuranza humana, que podemos adquirir incluso si fracasamos completamente en las escalas de la bienaventuranza humana. (…) La paradoja del cristianismo, con respecto de la religión antigua, es que por un lado parece afirmar la benevolencia incondicional de Dios hacia los hombres, (…) y sin embargo, redefine nuestros fines para llevarnos más allá de la bienaventuranza. “ p. 193-194</a:t>
+              <a:t>“Con </a:t>
+            </a:r>
+            <a:r>
+              <a:rPr lang="es-PE" sz="2400" dirty="0" smtClean="0">
+                <a:solidFill>
+                  <a:srgbClr val="FF0000"/>
+                </a:solidFill>
+              </a:rPr>
+              <a:t>el cristianismo </a:t>
+            </a:r>
+            <a:r>
+              <a:rPr lang="es-PE" sz="2400" dirty="0" smtClean="0"/>
+              <a:t>(…) se hace presente una noción del bien que va mas allá de la bienaventuranza humana, que podemos adquirir incluso si fracasamos completamente en las escalas de la bienaventuranza humana. (…) La paradoja del cristianismo, con respecto de la religión antigua, es que por un lado parece afirmar la benevolencia incondicional de Dios hacia los hombres, (…) y sin embargo, </a:t>
+            </a:r>
+            <a:r>
+              <a:rPr lang="es-PE" sz="2400" dirty="0" smtClean="0">
+                <a:solidFill>
+                  <a:srgbClr val="FF0000"/>
+                </a:solidFill>
+              </a:rPr>
+              <a:t>redefine nuestros fines para llevarnos más allá de la bienaventuranza</a:t>
+            </a:r>
+            <a:r>
+              <a:rPr lang="es-PE" sz="2400" dirty="0" smtClean="0"/>
+              <a:t>. “ p. 193-194</a:t>
             </a:r>
           </a:p>
           <a:p>
@@ -4338,7 +5511,31 @@
             </a:pPr>
             <a:r>
               <a:rPr lang="es-PE" sz="2400" dirty="0" smtClean="0"/>
-              <a:t>“El rasgo sorprendente de las religiones axiales, comparado con lo que sucedía anteriormente (…) es que inician una ruptura en las tres dimensiones de la inserción: el orden social, el cosmos y el bien del hombre.” p.194</a:t>
+              <a:t>“El rasgo sorprendente de </a:t>
+            </a:r>
+            <a:r>
+              <a:rPr lang="es-PE" sz="2400" dirty="0" smtClean="0">
+                <a:solidFill>
+                  <a:srgbClr val="FF0000"/>
+                </a:solidFill>
+              </a:rPr>
+              <a:t>las religiones axiales</a:t>
+            </a:r>
+            <a:r>
+              <a:rPr lang="es-PE" sz="2400" dirty="0" smtClean="0"/>
+              <a:t>, comparado con lo que sucedía anteriormente (…) es que </a:t>
+            </a:r>
+            <a:r>
+              <a:rPr lang="es-PE" sz="2400" dirty="0" smtClean="0">
+                <a:solidFill>
+                  <a:srgbClr val="FF0000"/>
+                </a:solidFill>
+              </a:rPr>
+              <a:t>inician una ruptura en las tres dimensiones de la inserción: el orden social, el cosmos y el bien del hombre</a:t>
+            </a:r>
+            <a:r>
+              <a:rPr lang="es-PE" sz="2400" dirty="0" smtClean="0"/>
+              <a:t>.” p.194</a:t>
             </a:r>
           </a:p>
           <a:p>
@@ -5249,6 +6446,98 @@
           </a:prstGeom>
         </p:spPr>
       </p:pic>
+      <p:sp>
+        <p:nvSpPr>
+          <p:cNvPr id="8" name="Rectángulo 7"/>
+          <p:cNvSpPr/>
+          <p:nvPr/>
+        </p:nvSpPr>
+        <p:spPr>
+          <a:xfrm>
+            <a:off x="2648607" y="2822028"/>
+            <a:ext cx="993227" cy="488731"/>
+          </a:xfrm>
+          <a:prstGeom prst="rect">
+            <a:avLst/>
+          </a:prstGeom>
+          <a:noFill/>
+          <a:ln>
+            <a:solidFill>
+              <a:srgbClr val="FF0000"/>
+            </a:solidFill>
+          </a:ln>
+        </p:spPr>
+        <p:style>
+          <a:lnRef idx="2">
+            <a:schemeClr val="accent1">
+              <a:shade val="50000"/>
+            </a:schemeClr>
+          </a:lnRef>
+          <a:fillRef idx="1">
+            <a:schemeClr val="accent1"/>
+          </a:fillRef>
+          <a:effectRef idx="0">
+            <a:schemeClr val="accent1"/>
+          </a:effectRef>
+          <a:fontRef idx="minor">
+            <a:schemeClr val="lt1"/>
+          </a:fontRef>
+        </p:style>
+        <p:txBody>
+          <a:bodyPr rtlCol="0" anchor="ctr"/>
+          <a:lstStyle/>
+          <a:p>
+            <a:pPr algn="ctr"/>
+            <a:endParaRPr lang="es-PE"/>
+          </a:p>
+        </p:txBody>
+      </p:sp>
+      <p:sp>
+        <p:nvSpPr>
+          <p:cNvPr id="9" name="Rectángulo 8"/>
+          <p:cNvSpPr/>
+          <p:nvPr/>
+        </p:nvSpPr>
+        <p:spPr>
+          <a:xfrm>
+            <a:off x="220552" y="3783724"/>
+            <a:ext cx="1797434" cy="488731"/>
+          </a:xfrm>
+          <a:prstGeom prst="rect">
+            <a:avLst/>
+          </a:prstGeom>
+          <a:noFill/>
+          <a:ln>
+            <a:solidFill>
+              <a:srgbClr val="FF0000"/>
+            </a:solidFill>
+          </a:ln>
+        </p:spPr>
+        <p:style>
+          <a:lnRef idx="2">
+            <a:schemeClr val="accent1">
+              <a:shade val="50000"/>
+            </a:schemeClr>
+          </a:lnRef>
+          <a:fillRef idx="1">
+            <a:schemeClr val="accent1"/>
+          </a:fillRef>
+          <a:effectRef idx="0">
+            <a:schemeClr val="accent1"/>
+          </a:effectRef>
+          <a:fontRef idx="minor">
+            <a:schemeClr val="lt1"/>
+          </a:fontRef>
+        </p:style>
+        <p:txBody>
+          <a:bodyPr rtlCol="0" anchor="ctr"/>
+          <a:lstStyle/>
+          <a:p>
+            <a:pPr algn="ctr"/>
+            <a:endParaRPr lang="es-PE"/>
+          </a:p>
+        </p:txBody>
+      </p:sp>
     </p:spTree>
     <p:extLst>
       <p:ext uri="{BB962C8B-B14F-4D97-AF65-F5344CB8AC3E}">
@@ -7715,6 +9004,52 @@
           </a:fontRef>
         </p:style>
       </p:cxnSp>
+      <p:sp>
+        <p:nvSpPr>
+          <p:cNvPr id="12" name="Rectángulo 11"/>
+          <p:cNvSpPr/>
+          <p:nvPr/>
+        </p:nvSpPr>
+        <p:spPr>
+          <a:xfrm>
+            <a:off x="10046985" y="740979"/>
+            <a:ext cx="1868570" cy="425669"/>
+          </a:xfrm>
+          <a:prstGeom prst="rect">
+            <a:avLst/>
+          </a:prstGeom>
+          <a:noFill/>
+          <a:ln>
+            <a:solidFill>
+              <a:srgbClr val="FF0000"/>
+            </a:solidFill>
+          </a:ln>
+        </p:spPr>
+        <p:style>
+          <a:lnRef idx="2">
+            <a:schemeClr val="accent1">
+              <a:shade val="50000"/>
+            </a:schemeClr>
+          </a:lnRef>
+          <a:fillRef idx="1">
+            <a:schemeClr val="accent1"/>
+          </a:fillRef>
+          <a:effectRef idx="0">
+            <a:schemeClr val="accent1"/>
+          </a:effectRef>
+          <a:fontRef idx="minor">
+            <a:schemeClr val="lt1"/>
+          </a:fontRef>
+        </p:style>
+        <p:txBody>
+          <a:bodyPr rtlCol="0" anchor="ctr"/>
+          <a:lstStyle/>
+          <a:p>
+            <a:pPr algn="ctr"/>
+            <a:endParaRPr lang="es-PE"/>
+          </a:p>
+        </p:txBody>
+      </p:sp>
     </p:spTree>
     <p:extLst>
       <p:ext uri="{BB962C8B-B14F-4D97-AF65-F5344CB8AC3E}">
@@ -8264,6 +9599,86 @@
           </a:fontRef>
         </p:style>
       </p:cxnSp>
+      <p:sp>
+        <p:nvSpPr>
+          <p:cNvPr id="13" name="CuadroTexto 12"/>
+          <p:cNvSpPr txBox="1"/>
+          <p:nvPr/>
+        </p:nvSpPr>
+        <p:spPr>
+          <a:xfrm>
+            <a:off x="7213802" y="2349636"/>
+            <a:ext cx="3767959" cy="369332"/>
+          </a:xfrm>
+          <a:prstGeom prst="rect">
+            <a:avLst/>
+          </a:prstGeom>
+          <a:noFill/>
+        </p:spPr>
+        <p:txBody>
+          <a:bodyPr wrap="square" rtlCol="0">
+            <a:spAutoFit/>
+          </a:bodyPr>
+          <a:lstStyle/>
+          <a:p>
+            <a:r>
+              <a:rPr lang="es-PE" dirty="0"/>
+              <a:t>(</a:t>
+            </a:r>
+            <a:r>
+              <a:rPr lang="es-PE" dirty="0" smtClean="0"/>
+              <a:t>Cultivar virtud + autarquía + ataraxia)</a:t>
+            </a:r>
+            <a:endParaRPr lang="es-PE" dirty="0"/>
+          </a:p>
+        </p:txBody>
+      </p:sp>
+      <p:sp>
+        <p:nvSpPr>
+          <p:cNvPr id="17" name="Rectángulo 16"/>
+          <p:cNvSpPr/>
+          <p:nvPr/>
+        </p:nvSpPr>
+        <p:spPr>
+          <a:xfrm>
+            <a:off x="375897" y="4729655"/>
+            <a:ext cx="9754514" cy="1797942"/>
+          </a:xfrm>
+          <a:prstGeom prst="rect">
+            <a:avLst/>
+          </a:prstGeom>
+          <a:noFill/>
+          <a:ln>
+            <a:solidFill>
+              <a:srgbClr val="FF0000"/>
+            </a:solidFill>
+          </a:ln>
+        </p:spPr>
+        <p:style>
+          <a:lnRef idx="2">
+            <a:schemeClr val="accent1">
+              <a:shade val="50000"/>
+            </a:schemeClr>
+          </a:lnRef>
+          <a:fillRef idx="1">
+            <a:schemeClr val="accent1"/>
+          </a:fillRef>
+          <a:effectRef idx="0">
+            <a:schemeClr val="accent1"/>
+          </a:effectRef>
+          <a:fontRef idx="minor">
+            <a:schemeClr val="lt1"/>
+          </a:fontRef>
+        </p:style>
+        <p:txBody>
+          <a:bodyPr rtlCol="0" anchor="ctr"/>
+          <a:lstStyle/>
+          <a:p>
+            <a:pPr algn="ctr"/>
+            <a:endParaRPr lang="es-PE"/>
+          </a:p>
+        </p:txBody>
+      </p:sp>
     </p:spTree>
     <p:extLst>
       <p:ext uri="{BB962C8B-B14F-4D97-AF65-F5344CB8AC3E}">
@@ -10436,6 +11851,60 @@
           </a:fontRef>
         </p:style>
       </p:cxnSp>
+      <p:pic>
+        <p:nvPicPr>
+          <p:cNvPr id="30" name="Imagen 29"/>
+          <p:cNvPicPr>
+            <a:picLocks noChangeAspect="1"/>
+          </p:cNvPicPr>
+          <p:nvPr/>
+        </p:nvPicPr>
+        <p:blipFill>
+          <a:blip r:embed="rId6"/>
+          <a:stretch>
+            <a:fillRect/>
+          </a:stretch>
+        </p:blipFill>
+        <p:spPr>
+          <a:xfrm>
+            <a:off x="10738164" y="0"/>
+            <a:ext cx="1466850" cy="1943100"/>
+          </a:xfrm>
+          <a:prstGeom prst="rect">
+            <a:avLst/>
+          </a:prstGeom>
+        </p:spPr>
+      </p:pic>
+      <p:sp>
+        <p:nvSpPr>
+          <p:cNvPr id="32" name="CuadroTexto 31"/>
+          <p:cNvSpPr txBox="1"/>
+          <p:nvPr/>
+        </p:nvSpPr>
+        <p:spPr>
+          <a:xfrm>
+            <a:off x="9332299" y="-32757"/>
+            <a:ext cx="1703293" cy="646331"/>
+          </a:xfrm>
+          <a:prstGeom prst="rect">
+            <a:avLst/>
+          </a:prstGeom>
+          <a:noFill/>
+        </p:spPr>
+        <p:txBody>
+          <a:bodyPr wrap="square" rtlCol="0">
+            <a:spAutoFit/>
+          </a:bodyPr>
+          <a:lstStyle/>
+          <a:p>
+            <a:r>
+              <a:rPr lang="es-PE" dirty="0" smtClean="0"/>
+              <a:t>(Modelo de K. Jaspers)</a:t>
+            </a:r>
+            <a:endParaRPr lang="es-PE" dirty="0"/>
+          </a:p>
+        </p:txBody>
+      </p:sp>
     </p:spTree>
     <p:extLst>
       <p:ext uri="{BB962C8B-B14F-4D97-AF65-F5344CB8AC3E}">
@@ -10489,7 +11958,7 @@
         </p:blipFill>
         <p:spPr>
           <a:xfrm>
-            <a:off x="923108" y="1987323"/>
+            <a:off x="923108" y="4147198"/>
             <a:ext cx="10394939" cy="1500460"/>
           </a:xfrm>
           <a:prstGeom prst="rect">
@@ -10497,6 +11966,174 @@
           </a:prstGeom>
         </p:spPr>
       </p:pic>
+      <p:pic>
+        <p:nvPicPr>
+          <p:cNvPr id="3" name="Imagen 2"/>
+          <p:cNvPicPr>
+            <a:picLocks noChangeAspect="1"/>
+          </p:cNvPicPr>
+          <p:nvPr/>
+        </p:nvPicPr>
+        <p:blipFill>
+          <a:blip r:embed="rId3"/>
+          <a:stretch>
+            <a:fillRect/>
+          </a:stretch>
+        </p:blipFill>
+        <p:spPr>
+          <a:xfrm>
+            <a:off x="4237190" y="256517"/>
+            <a:ext cx="3267196" cy="3505203"/>
+          </a:xfrm>
+          <a:prstGeom prst="rect">
+            <a:avLst/>
+          </a:prstGeom>
+        </p:spPr>
+      </p:pic>
+      <p:sp>
+        <p:nvSpPr>
+          <p:cNvPr id="2" name="Rectángulo 1"/>
+          <p:cNvSpPr/>
+          <p:nvPr/>
+        </p:nvSpPr>
+        <p:spPr>
+          <a:xfrm>
+            <a:off x="1150883" y="4147198"/>
+            <a:ext cx="3547241" cy="345974"/>
+          </a:xfrm>
+          <a:prstGeom prst="rect">
+            <a:avLst/>
+          </a:prstGeom>
+          <a:solidFill>
+            <a:schemeClr val="bg1"/>
+          </a:solidFill>
+          <a:ln>
+            <a:solidFill>
+              <a:schemeClr val="bg1"/>
+            </a:solidFill>
+          </a:ln>
+        </p:spPr>
+        <p:style>
+          <a:lnRef idx="2">
+            <a:schemeClr val="accent1">
+              <a:shade val="50000"/>
+            </a:schemeClr>
+          </a:lnRef>
+          <a:fillRef idx="1">
+            <a:schemeClr val="accent1"/>
+          </a:fillRef>
+          <a:effectRef idx="0">
+            <a:schemeClr val="accent1"/>
+          </a:effectRef>
+          <a:fontRef idx="minor">
+            <a:schemeClr val="lt1"/>
+          </a:fontRef>
+        </p:style>
+        <p:txBody>
+          <a:bodyPr rtlCol="0" anchor="ctr"/>
+          <a:lstStyle/>
+          <a:p>
+            <a:pPr algn="ctr"/>
+            <a:endParaRPr lang="es-PE"/>
+          </a:p>
+        </p:txBody>
+      </p:sp>
+      <p:sp>
+        <p:nvSpPr>
+          <p:cNvPr id="5" name="Rectángulo 4"/>
+          <p:cNvSpPr/>
+          <p:nvPr/>
+        </p:nvSpPr>
+        <p:spPr>
+          <a:xfrm>
+            <a:off x="5659821" y="4855779"/>
+            <a:ext cx="5658226" cy="362607"/>
+          </a:xfrm>
+          <a:prstGeom prst="rect">
+            <a:avLst/>
+          </a:prstGeom>
+          <a:solidFill>
+            <a:schemeClr val="bg1"/>
+          </a:solidFill>
+          <a:ln>
+            <a:solidFill>
+              <a:schemeClr val="bg1"/>
+            </a:solidFill>
+          </a:ln>
+        </p:spPr>
+        <p:style>
+          <a:lnRef idx="2">
+            <a:schemeClr val="accent1">
+              <a:shade val="50000"/>
+            </a:schemeClr>
+          </a:lnRef>
+          <a:fillRef idx="1">
+            <a:schemeClr val="accent1"/>
+          </a:fillRef>
+          <a:effectRef idx="0">
+            <a:schemeClr val="accent1"/>
+          </a:effectRef>
+          <a:fontRef idx="minor">
+            <a:schemeClr val="lt1"/>
+          </a:fontRef>
+        </p:style>
+        <p:txBody>
+          <a:bodyPr rtlCol="0" anchor="ctr"/>
+          <a:lstStyle/>
+          <a:p>
+            <a:pPr algn="ctr"/>
+            <a:endParaRPr lang="es-PE"/>
+          </a:p>
+        </p:txBody>
+      </p:sp>
+      <p:sp>
+        <p:nvSpPr>
+          <p:cNvPr id="6" name="Rectángulo 5"/>
+          <p:cNvSpPr/>
+          <p:nvPr/>
+        </p:nvSpPr>
+        <p:spPr>
+          <a:xfrm>
+            <a:off x="1150883" y="5281448"/>
+            <a:ext cx="10167164" cy="751688"/>
+          </a:xfrm>
+          <a:prstGeom prst="rect">
+            <a:avLst/>
+          </a:prstGeom>
+          <a:solidFill>
+            <a:schemeClr val="bg1"/>
+          </a:solidFill>
+          <a:ln>
+            <a:solidFill>
+              <a:schemeClr val="bg1"/>
+            </a:solidFill>
+          </a:ln>
+        </p:spPr>
+        <p:style>
+          <a:lnRef idx="2">
+            <a:schemeClr val="accent1">
+              <a:shade val="50000"/>
+            </a:schemeClr>
+          </a:lnRef>
+          <a:fillRef idx="1">
+            <a:schemeClr val="accent1"/>
+          </a:fillRef>
+          <a:effectRef idx="0">
+            <a:schemeClr val="accent1"/>
+          </a:effectRef>
+          <a:fontRef idx="minor">
+            <a:schemeClr val="lt1"/>
+          </a:fontRef>
+        </p:style>
+        <p:txBody>
+          <a:bodyPr rtlCol="0" anchor="ctr"/>
+          <a:lstStyle/>
+          <a:p>
+            <a:pPr algn="ctr"/>
+            <a:endParaRPr lang="es-PE"/>
+          </a:p>
+        </p:txBody>
+      </p:sp>
     </p:spTree>
     <p:extLst>
       <p:ext uri="{BB962C8B-B14F-4D97-AF65-F5344CB8AC3E}">
@@ -10620,10 +12257,9 @@
           <a:p>
             <a:pPr algn="ctr"/>
             <a:r>
-              <a:rPr lang="es-PE" sz="2800"/>
+              <a:rPr lang="es-PE" sz="2800" dirty="0"/>
               <a:t>Secularización</a:t>
             </a:r>
-            <a:endParaRPr lang="es-PE" sz="2800" dirty="0"/>
           </a:p>
         </p:txBody>
       </p:sp>
@@ -11239,7 +12875,12 @@
             <p:ph type="title"/>
           </p:nvPr>
         </p:nvSpPr>
-        <p:spPr/>
+        <p:spPr>
+          <a:xfrm>
+            <a:off x="838200" y="157656"/>
+            <a:ext cx="10515600" cy="758018"/>
+          </a:xfrm>
+        </p:spPr>
         <p:txBody>
           <a:bodyPr/>
           <a:lstStyle/>
@@ -11263,7 +12904,12 @@
             <p:ph idx="1"/>
           </p:nvPr>
         </p:nvSpPr>
-        <p:spPr/>
+        <p:spPr>
+          <a:xfrm>
+            <a:off x="838200" y="1050311"/>
+            <a:ext cx="10515600" cy="4351338"/>
+          </a:xfrm>
+        </p:spPr>
         <p:txBody>
           <a:bodyPr>
             <a:normAutofit/>
@@ -11307,7 +12953,11 @@
               <a:t> se </a:t>
             </a:r>
             <a:r>
-              <a:rPr lang="en-US" sz="2400" dirty="0" err="1" smtClean="0"/>
+              <a:rPr lang="en-US" sz="2400" dirty="0" err="1" smtClean="0">
+                <a:solidFill>
+                  <a:srgbClr val="FF0000"/>
+                </a:solidFill>
+              </a:rPr>
               <a:t>modernizan</a:t>
             </a:r>
             <a:r>
@@ -11602,7 +13252,7 @@
         </p:blipFill>
         <p:spPr>
           <a:xfrm>
-            <a:off x="1754369" y="4668202"/>
+            <a:off x="2038149" y="3958754"/>
             <a:ext cx="8207273" cy="1743893"/>
           </a:xfrm>
           <a:prstGeom prst="rect">
@@ -11618,7 +13268,7 @@
         </p:nvSpPr>
         <p:spPr>
           <a:xfrm>
-            <a:off x="8501769" y="6135096"/>
+            <a:off x="8785549" y="5425648"/>
             <a:ext cx="587829" cy="276999"/>
           </a:xfrm>
           <a:prstGeom prst="rect">
@@ -11647,7 +13297,7 @@
         </p:nvCxnSpPr>
         <p:spPr>
           <a:xfrm>
-            <a:off x="6648994" y="4937760"/>
+            <a:off x="6932774" y="4228312"/>
             <a:ext cx="1711235" cy="0"/>
           </a:xfrm>
           <a:prstGeom prst="line">
@@ -11682,7 +13332,7 @@
         </p:nvCxnSpPr>
         <p:spPr>
           <a:xfrm>
-            <a:off x="3762103" y="6412095"/>
+            <a:off x="4045883" y="5702647"/>
             <a:ext cx="1214846" cy="0"/>
           </a:xfrm>
           <a:prstGeom prst="line">
@@ -11717,7 +13367,7 @@
         </p:nvCxnSpPr>
         <p:spPr>
           <a:xfrm>
-            <a:off x="2926080" y="6135096"/>
+            <a:off x="3209860" y="5425648"/>
             <a:ext cx="7035562" cy="0"/>
           </a:xfrm>
           <a:prstGeom prst="line">
@@ -11752,7 +13402,7 @@
         </p:nvCxnSpPr>
         <p:spPr>
           <a:xfrm>
-            <a:off x="2495006" y="5225143"/>
+            <a:off x="2778786" y="4515695"/>
             <a:ext cx="5865223" cy="0"/>
           </a:xfrm>
           <a:prstGeom prst="line">
@@ -11795,7 +13445,7 @@
         </p:blipFill>
         <p:spPr>
           <a:xfrm rot="16200000">
-            <a:off x="493634" y="5388229"/>
+            <a:off x="777414" y="4678781"/>
             <a:ext cx="1995010" cy="303838"/>
           </a:xfrm>
           <a:prstGeom prst="rect">
@@ -11803,6 +13453,48 @@
           </a:prstGeom>
         </p:spPr>
       </p:pic>
+      <p:sp>
+        <p:nvSpPr>
+          <p:cNvPr id="6" name="CuadroTexto 5"/>
+          <p:cNvSpPr txBox="1"/>
+          <p:nvPr/>
+        </p:nvSpPr>
+        <p:spPr>
+          <a:xfrm>
+            <a:off x="1538150" y="6115587"/>
+            <a:ext cx="9115700" cy="646331"/>
+          </a:xfrm>
+          <a:prstGeom prst="rect">
+            <a:avLst/>
+          </a:prstGeom>
+          <a:noFill/>
+        </p:spPr>
+        <p:txBody>
+          <a:bodyPr wrap="square" rtlCol="0">
+            <a:spAutoFit/>
+          </a:bodyPr>
+          <a:lstStyle/>
+          <a:p>
+            <a:r>
+              <a:rPr lang="es-PE" dirty="0" smtClean="0">
+                <a:solidFill>
+                  <a:schemeClr val="bg1">
+                    <a:lumMod val="75000"/>
+                  </a:schemeClr>
+                </a:solidFill>
+              </a:rPr>
+              <a:t>Secularidad como “estructura trascendental kantiana”, o como “condición de posibilidad”, o como “una forma antes de la experiencia”.</a:t>
+            </a:r>
+            <a:endParaRPr lang="es-PE" dirty="0">
+              <a:solidFill>
+                <a:schemeClr val="bg1">
+                  <a:lumMod val="75000"/>
+                </a:schemeClr>
+              </a:solidFill>
+            </a:endParaRPr>
+          </a:p>
+        </p:txBody>
+      </p:sp>
     </p:spTree>
     <p:extLst>
       <p:ext uri="{BB962C8B-B14F-4D97-AF65-F5344CB8AC3E}">
@@ -11863,7 +13555,15 @@
             <a:pPr algn="ctr"/>
             <a:r>
               <a:rPr lang="es-PE" dirty="0" smtClean="0"/>
-              <a:t>3 tipos de secularización</a:t>
+              <a:t>Otros </a:t>
+            </a:r>
+            <a:r>
+              <a:rPr lang="es-PE" dirty="0" smtClean="0"/>
+              <a:t>3 sentidos </a:t>
+            </a:r>
+            <a:r>
+              <a:rPr lang="es-PE" dirty="0" smtClean="0"/>
+              <a:t>de secularización</a:t>
             </a:r>
             <a:endParaRPr lang="es-PE" dirty="0"/>
           </a:p>
@@ -13643,10 +15343,22 @@
           <a:lstStyle/>
           <a:p>
             <a:r>
-              <a:rPr lang="es-PE" dirty="0" smtClean="0"/>
+              <a:rPr lang="es-PE" dirty="0" smtClean="0">
+                <a:solidFill>
+                  <a:schemeClr val="bg1">
+                    <a:lumMod val="75000"/>
+                  </a:schemeClr>
+                </a:solidFill>
+              </a:rPr>
               <a:t>*Notar imposibilidad de plasmar linealmente un proceso cronológicamente irregular.</a:t>
             </a:r>
-            <a:endParaRPr lang="es-PE" dirty="0"/>
+            <a:endParaRPr lang="es-PE" dirty="0">
+              <a:solidFill>
+                <a:schemeClr val="bg1">
+                  <a:lumMod val="75000"/>
+                </a:schemeClr>
+              </a:solidFill>
+            </a:endParaRPr>
           </a:p>
         </p:txBody>
       </p:sp>
@@ -13673,88 +15385,18 @@
           <a:lstStyle/>
           <a:p>
             <a:r>
-              <a:rPr lang="es-PE" dirty="0" smtClean="0"/>
+              <a:rPr lang="es-PE" dirty="0" smtClean="0">
+                <a:solidFill>
+                  <a:schemeClr val="accent6"/>
+                </a:solidFill>
+              </a:rPr>
               <a:t>Intentos de Re-Encantamiento</a:t>
             </a:r>
-            <a:endParaRPr lang="es-PE" dirty="0"/>
-          </a:p>
-        </p:txBody>
-      </p:sp>
-      <p:pic>
-        <p:nvPicPr>
-          <p:cNvPr id="32" name="Imagen 31"/>
-          <p:cNvPicPr>
-            <a:picLocks noChangeAspect="1"/>
-          </p:cNvPicPr>
-          <p:nvPr/>
-        </p:nvPicPr>
-        <p:blipFill>
-          <a:blip r:embed="rId3"/>
-          <a:stretch>
-            <a:fillRect/>
-          </a:stretch>
-        </p:blipFill>
-        <p:spPr>
-          <a:xfrm>
-            <a:off x="5302623" y="451238"/>
-            <a:ext cx="5369306" cy="775034"/>
-          </a:xfrm>
-          <a:prstGeom prst="rect">
-            <a:avLst/>
-          </a:prstGeom>
-        </p:spPr>
-      </p:pic>
-      <p:pic>
-        <p:nvPicPr>
-          <p:cNvPr id="2" name="Imagen 1"/>
-          <p:cNvPicPr>
-            <a:picLocks noChangeAspect="1"/>
-          </p:cNvPicPr>
-          <p:nvPr/>
-        </p:nvPicPr>
-        <p:blipFill>
-          <a:blip r:embed="rId4"/>
-          <a:stretch>
-            <a:fillRect/>
-          </a:stretch>
-        </p:blipFill>
-        <p:spPr>
-          <a:xfrm>
-            <a:off x="5365376" y="1179302"/>
-            <a:ext cx="4162425" cy="238125"/>
-          </a:xfrm>
-          <a:prstGeom prst="rect">
-            <a:avLst/>
-          </a:prstGeom>
-        </p:spPr>
-      </p:pic>
-      <p:sp>
-        <p:nvSpPr>
-          <p:cNvPr id="37" name="CuadroTexto 36"/>
-          <p:cNvSpPr txBox="1"/>
-          <p:nvPr/>
-        </p:nvSpPr>
-        <p:spPr>
-          <a:xfrm>
-            <a:off x="9587224" y="1175238"/>
-            <a:ext cx="640993" cy="369332"/>
-          </a:xfrm>
-          <a:prstGeom prst="rect">
-            <a:avLst/>
-          </a:prstGeom>
-          <a:noFill/>
-        </p:spPr>
-        <p:txBody>
-          <a:bodyPr wrap="square" rtlCol="0">
-            <a:spAutoFit/>
-          </a:bodyPr>
-          <a:lstStyle/>
-          <a:p>
-            <a:r>
-              <a:rPr lang="es-PE" dirty="0" smtClean="0"/>
-              <a:t>p.46</a:t>
-            </a:r>
-            <a:endParaRPr lang="es-PE" dirty="0"/>
+            <a:endParaRPr lang="es-PE" dirty="0">
+              <a:solidFill>
+                <a:schemeClr val="accent6"/>
+              </a:solidFill>
+            </a:endParaRPr>
           </a:p>
         </p:txBody>
       </p:sp>

--- a/assets uarm/2023 2 UarmPCrit/Taylor - Era Secular 3 y 5.pptx
+++ b/assets uarm/2023 2 UarmPCrit/Taylor - Era Secular 3 y 5.pptx
@@ -33,6 +33,32 @@
     <p:sldId id="263" r:id="rId27"/>
     <p:sldId id="288" r:id="rId28"/>
     <p:sldId id="292" r:id="rId29"/>
+    <p:sldId id="293" r:id="rId30"/>
+    <p:sldId id="294" r:id="rId31"/>
+    <p:sldId id="295" r:id="rId32"/>
+    <p:sldId id="296" r:id="rId33"/>
+    <p:sldId id="297" r:id="rId34"/>
+    <p:sldId id="299" r:id="rId35"/>
+    <p:sldId id="300" r:id="rId36"/>
+    <p:sldId id="301" r:id="rId37"/>
+    <p:sldId id="302" r:id="rId38"/>
+    <p:sldId id="303" r:id="rId39"/>
+    <p:sldId id="304" r:id="rId40"/>
+    <p:sldId id="305" r:id="rId41"/>
+    <p:sldId id="306" r:id="rId42"/>
+    <p:sldId id="307" r:id="rId43"/>
+    <p:sldId id="308" r:id="rId44"/>
+    <p:sldId id="309" r:id="rId45"/>
+    <p:sldId id="310" r:id="rId46"/>
+    <p:sldId id="311" r:id="rId47"/>
+    <p:sldId id="312" r:id="rId48"/>
+    <p:sldId id="313" r:id="rId49"/>
+    <p:sldId id="314" r:id="rId50"/>
+    <p:sldId id="315" r:id="rId51"/>
+    <p:sldId id="316" r:id="rId52"/>
+    <p:sldId id="317" r:id="rId53"/>
+    <p:sldId id="318" r:id="rId54"/>
+    <p:sldId id="319" r:id="rId55"/>
   </p:sldIdLst>
   <p:sldSz cx="12192000" cy="6858000"/>
   <p:notesSz cx="6858000" cy="9144000"/>
@@ -270,7 +296,7 @@
           <a:p>
             <a:fld id="{C0E97E01-ED5A-4091-B4B5-A906FD824320}" type="datetimeFigureOut">
               <a:rPr lang="es-PE" smtClean="0"/>
-              <a:t>26/09/2023</a:t>
+              <a:t>28/09/2023</a:t>
             </a:fld>
             <a:endParaRPr lang="es-PE"/>
           </a:p>
@@ -440,7 +466,7 @@
           <a:p>
             <a:fld id="{C0E97E01-ED5A-4091-B4B5-A906FD824320}" type="datetimeFigureOut">
               <a:rPr lang="es-PE" smtClean="0"/>
-              <a:t>26/09/2023</a:t>
+              <a:t>28/09/2023</a:t>
             </a:fld>
             <a:endParaRPr lang="es-PE"/>
           </a:p>
@@ -620,7 +646,7 @@
           <a:p>
             <a:fld id="{C0E97E01-ED5A-4091-B4B5-A906FD824320}" type="datetimeFigureOut">
               <a:rPr lang="es-PE" smtClean="0"/>
-              <a:t>26/09/2023</a:t>
+              <a:t>28/09/2023</a:t>
             </a:fld>
             <a:endParaRPr lang="es-PE"/>
           </a:p>
@@ -790,7 +816,7 @@
           <a:p>
             <a:fld id="{C0E97E01-ED5A-4091-B4B5-A906FD824320}" type="datetimeFigureOut">
               <a:rPr lang="es-PE" smtClean="0"/>
-              <a:t>26/09/2023</a:t>
+              <a:t>28/09/2023</a:t>
             </a:fld>
             <a:endParaRPr lang="es-PE"/>
           </a:p>
@@ -1036,7 +1062,7 @@
           <a:p>
             <a:fld id="{C0E97E01-ED5A-4091-B4B5-A906FD824320}" type="datetimeFigureOut">
               <a:rPr lang="es-PE" smtClean="0"/>
-              <a:t>26/09/2023</a:t>
+              <a:t>28/09/2023</a:t>
             </a:fld>
             <a:endParaRPr lang="es-PE"/>
           </a:p>
@@ -1268,7 +1294,7 @@
           <a:p>
             <a:fld id="{C0E97E01-ED5A-4091-B4B5-A906FD824320}" type="datetimeFigureOut">
               <a:rPr lang="es-PE" smtClean="0"/>
-              <a:t>26/09/2023</a:t>
+              <a:t>28/09/2023</a:t>
             </a:fld>
             <a:endParaRPr lang="es-PE"/>
           </a:p>
@@ -1635,7 +1661,7 @@
           <a:p>
             <a:fld id="{C0E97E01-ED5A-4091-B4B5-A906FD824320}" type="datetimeFigureOut">
               <a:rPr lang="es-PE" smtClean="0"/>
-              <a:t>26/09/2023</a:t>
+              <a:t>28/09/2023</a:t>
             </a:fld>
             <a:endParaRPr lang="es-PE"/>
           </a:p>
@@ -1753,7 +1779,7 @@
           <a:p>
             <a:fld id="{C0E97E01-ED5A-4091-B4B5-A906FD824320}" type="datetimeFigureOut">
               <a:rPr lang="es-PE" smtClean="0"/>
-              <a:t>26/09/2023</a:t>
+              <a:t>28/09/2023</a:t>
             </a:fld>
             <a:endParaRPr lang="es-PE"/>
           </a:p>
@@ -1848,7 +1874,7 @@
           <a:p>
             <a:fld id="{C0E97E01-ED5A-4091-B4B5-A906FD824320}" type="datetimeFigureOut">
               <a:rPr lang="es-PE" smtClean="0"/>
-              <a:t>26/09/2023</a:t>
+              <a:t>28/09/2023</a:t>
             </a:fld>
             <a:endParaRPr lang="es-PE"/>
           </a:p>
@@ -2125,7 +2151,7 @@
           <a:p>
             <a:fld id="{C0E97E01-ED5A-4091-B4B5-A906FD824320}" type="datetimeFigureOut">
               <a:rPr lang="es-PE" smtClean="0"/>
-              <a:t>26/09/2023</a:t>
+              <a:t>28/09/2023</a:t>
             </a:fld>
             <a:endParaRPr lang="es-PE"/>
           </a:p>
@@ -2378,7 +2404,7 @@
           <a:p>
             <a:fld id="{C0E97E01-ED5A-4091-B4B5-A906FD824320}" type="datetimeFigureOut">
               <a:rPr lang="es-PE" smtClean="0"/>
-              <a:t>26/09/2023</a:t>
+              <a:t>28/09/2023</a:t>
             </a:fld>
             <a:endParaRPr lang="es-PE"/>
           </a:p>
@@ -2591,7 +2617,7 @@
           <a:p>
             <a:fld id="{C0E97E01-ED5A-4091-B4B5-A906FD824320}" type="datetimeFigureOut">
               <a:rPr lang="es-PE" smtClean="0"/>
-              <a:t>26/09/2023</a:t>
+              <a:t>28/09/2023</a:t>
             </a:fld>
             <a:endParaRPr lang="es-PE"/>
           </a:p>
@@ -13002,6 +13028,209 @@
 </p:sld>
 </file>
 
+<file path=ppt/slides/slide29.xml><?xml version="1.0" encoding="utf-8"?>
+<p:sld xmlns:a="http://schemas.openxmlformats.org/drawingml/2006/main" xmlns:r="http://schemas.openxmlformats.org/officeDocument/2006/relationships" xmlns:p="http://schemas.openxmlformats.org/presentationml/2006/main">
+  <p:cSld>
+    <p:spTree>
+      <p:nvGrpSpPr>
+        <p:cNvPr id="1" name=""/>
+        <p:cNvGrpSpPr/>
+        <p:nvPr/>
+      </p:nvGrpSpPr>
+      <p:grpSpPr>
+        <a:xfrm>
+          <a:off x="0" y="0"/>
+          <a:ext cx="0" cy="0"/>
+          <a:chOff x="0" y="0"/>
+          <a:chExt cx="0" cy="0"/>
+        </a:xfrm>
+      </p:grpSpPr>
+      <p:pic>
+        <p:nvPicPr>
+          <p:cNvPr id="4" name="Imagen 3"/>
+          <p:cNvPicPr>
+            <a:picLocks noChangeAspect="1"/>
+          </p:cNvPicPr>
+          <p:nvPr/>
+        </p:nvPicPr>
+        <p:blipFill>
+          <a:blip r:embed="rId2"/>
+          <a:stretch>
+            <a:fillRect/>
+          </a:stretch>
+        </p:blipFill>
+        <p:spPr>
+          <a:xfrm>
+            <a:off x="422289" y="0"/>
+            <a:ext cx="6272492" cy="3677756"/>
+          </a:xfrm>
+          <a:prstGeom prst="rect">
+            <a:avLst/>
+          </a:prstGeom>
+        </p:spPr>
+      </p:pic>
+      <p:pic>
+        <p:nvPicPr>
+          <p:cNvPr id="5" name="Imagen 4"/>
+          <p:cNvPicPr>
+            <a:picLocks noChangeAspect="1"/>
+          </p:cNvPicPr>
+          <p:nvPr/>
+        </p:nvPicPr>
+        <p:blipFill>
+          <a:blip r:embed="rId3"/>
+          <a:stretch>
+            <a:fillRect/>
+          </a:stretch>
+        </p:blipFill>
+        <p:spPr>
+          <a:xfrm>
+            <a:off x="10181104" y="6287758"/>
+            <a:ext cx="1777813" cy="570242"/>
+          </a:xfrm>
+          <a:prstGeom prst="rect">
+            <a:avLst/>
+          </a:prstGeom>
+        </p:spPr>
+      </p:pic>
+      <p:sp>
+        <p:nvSpPr>
+          <p:cNvPr id="2" name="Rectángulo 1"/>
+          <p:cNvSpPr/>
+          <p:nvPr/>
+        </p:nvSpPr>
+        <p:spPr>
+          <a:xfrm>
+            <a:off x="2805340" y="4556973"/>
+            <a:ext cx="6855371" cy="1730785"/>
+          </a:xfrm>
+          <a:prstGeom prst="rect">
+            <a:avLst/>
+          </a:prstGeom>
+          <a:noFill/>
+          <a:ln w="57150">
+            <a:solidFill>
+              <a:srgbClr val="FF0000"/>
+            </a:solidFill>
+          </a:ln>
+        </p:spPr>
+        <p:style>
+          <a:lnRef idx="2">
+            <a:schemeClr val="accent1">
+              <a:shade val="50000"/>
+            </a:schemeClr>
+          </a:lnRef>
+          <a:fillRef idx="1">
+            <a:schemeClr val="accent1"/>
+          </a:fillRef>
+          <a:effectRef idx="0">
+            <a:schemeClr val="accent1"/>
+          </a:effectRef>
+          <a:fontRef idx="minor">
+            <a:schemeClr val="lt1"/>
+          </a:fontRef>
+        </p:style>
+        <p:txBody>
+          <a:bodyPr rtlCol="0" anchor="ctr"/>
+          <a:lstStyle/>
+          <a:p>
+            <a:pPr algn="ctr"/>
+            <a:endParaRPr lang="es-PE"/>
+          </a:p>
+        </p:txBody>
+      </p:sp>
+      <p:pic>
+        <p:nvPicPr>
+          <p:cNvPr id="7" name="Imagen 6"/>
+          <p:cNvPicPr>
+            <a:picLocks noChangeAspect="1"/>
+          </p:cNvPicPr>
+          <p:nvPr/>
+        </p:nvPicPr>
+        <p:blipFill>
+          <a:blip r:embed="rId4"/>
+          <a:stretch>
+            <a:fillRect/>
+          </a:stretch>
+        </p:blipFill>
+        <p:spPr>
+          <a:xfrm>
+            <a:off x="1424065" y="2982431"/>
+            <a:ext cx="4000500" cy="1390650"/>
+          </a:xfrm>
+          <a:prstGeom prst="rect">
+            <a:avLst/>
+          </a:prstGeom>
+        </p:spPr>
+      </p:pic>
+      <p:pic>
+        <p:nvPicPr>
+          <p:cNvPr id="8" name="Imagen 7"/>
+          <p:cNvPicPr>
+            <a:picLocks noChangeAspect="1"/>
+          </p:cNvPicPr>
+          <p:nvPr/>
+        </p:nvPicPr>
+        <p:blipFill>
+          <a:blip r:embed="rId5"/>
+          <a:stretch>
+            <a:fillRect/>
+          </a:stretch>
+        </p:blipFill>
+        <p:spPr>
+          <a:xfrm>
+            <a:off x="2916620" y="4647055"/>
+            <a:ext cx="6589987" cy="1550620"/>
+          </a:xfrm>
+          <a:prstGeom prst="rect">
+            <a:avLst/>
+          </a:prstGeom>
+        </p:spPr>
+      </p:pic>
+      <p:pic>
+        <p:nvPicPr>
+          <p:cNvPr id="9" name="Imagen 8"/>
+          <p:cNvPicPr>
+            <a:picLocks noChangeAspect="1"/>
+          </p:cNvPicPr>
+          <p:nvPr/>
+        </p:nvPicPr>
+        <p:blipFill>
+          <a:blip r:embed="rId6"/>
+          <a:stretch>
+            <a:fillRect/>
+          </a:stretch>
+        </p:blipFill>
+        <p:spPr>
+          <a:xfrm>
+            <a:off x="7372698" y="310857"/>
+            <a:ext cx="2965930" cy="3954573"/>
+          </a:xfrm>
+          <a:prstGeom prst="rect">
+            <a:avLst/>
+          </a:prstGeom>
+        </p:spPr>
+      </p:pic>
+    </p:spTree>
+    <p:extLst>
+      <p:ext uri="{BB962C8B-B14F-4D97-AF65-F5344CB8AC3E}">
+        <p14:creationId xmlns:p14="http://schemas.microsoft.com/office/powerpoint/2010/main" val="718779837"/>
+      </p:ext>
+    </p:extLst>
+  </p:cSld>
+  <p:clrMapOvr>
+    <a:masterClrMapping/>
+  </p:clrMapOvr>
+  <p:timing>
+    <p:tnLst>
+      <p:par>
+        <p:cTn id="1" dur="indefinite" restart="never" nodeType="tmRoot"/>
+      </p:par>
+    </p:tnLst>
+  </p:timing>
+</p:sld>
+</file>
+
 <file path=ppt/slides/slide3.xml><?xml version="1.0" encoding="utf-8"?>
 <p:sld xmlns:a="http://schemas.openxmlformats.org/drawingml/2006/main" xmlns:r="http://schemas.openxmlformats.org/officeDocument/2006/relationships" xmlns:p="http://schemas.openxmlformats.org/presentationml/2006/main">
   <p:cSld>
@@ -13212,6 +13441,964 @@
     <p:extLst>
       <p:ext uri="{BB962C8B-B14F-4D97-AF65-F5344CB8AC3E}">
         <p14:creationId xmlns:p14="http://schemas.microsoft.com/office/powerpoint/2010/main" val="2870750047"/>
+      </p:ext>
+    </p:extLst>
+  </p:cSld>
+  <p:clrMapOvr>
+    <a:masterClrMapping/>
+  </p:clrMapOvr>
+</p:sld>
+</file>
+
+<file path=ppt/slides/slide30.xml><?xml version="1.0" encoding="utf-8"?>
+<p:sld xmlns:a="http://schemas.openxmlformats.org/drawingml/2006/main" xmlns:r="http://schemas.openxmlformats.org/officeDocument/2006/relationships" xmlns:p="http://schemas.openxmlformats.org/presentationml/2006/main">
+  <p:cSld>
+    <p:spTree>
+      <p:nvGrpSpPr>
+        <p:cNvPr id="1" name=""/>
+        <p:cNvGrpSpPr/>
+        <p:nvPr/>
+      </p:nvGrpSpPr>
+      <p:grpSpPr>
+        <a:xfrm>
+          <a:off x="0" y="0"/>
+          <a:ext cx="0" cy="0"/>
+          <a:chOff x="0" y="0"/>
+          <a:chExt cx="0" cy="0"/>
+        </a:xfrm>
+      </p:grpSpPr>
+      <p:pic>
+        <p:nvPicPr>
+          <p:cNvPr id="4" name="Imagen 3"/>
+          <p:cNvPicPr>
+            <a:picLocks noChangeAspect="1"/>
+          </p:cNvPicPr>
+          <p:nvPr/>
+        </p:nvPicPr>
+        <p:blipFill>
+          <a:blip r:embed="rId2"/>
+          <a:stretch>
+            <a:fillRect/>
+          </a:stretch>
+        </p:blipFill>
+        <p:spPr>
+          <a:xfrm>
+            <a:off x="650469" y="825210"/>
+            <a:ext cx="10765411" cy="3696913"/>
+          </a:xfrm>
+          <a:prstGeom prst="rect">
+            <a:avLst/>
+          </a:prstGeom>
+        </p:spPr>
+      </p:pic>
+      <p:sp>
+        <p:nvSpPr>
+          <p:cNvPr id="5" name="CuadroTexto 4"/>
+          <p:cNvSpPr txBox="1"/>
+          <p:nvPr/>
+        </p:nvSpPr>
+        <p:spPr>
+          <a:xfrm>
+            <a:off x="11415880" y="6467302"/>
+            <a:ext cx="776120" cy="369332"/>
+          </a:xfrm>
+          <a:prstGeom prst="rect">
+            <a:avLst/>
+          </a:prstGeom>
+          <a:noFill/>
+        </p:spPr>
+        <p:txBody>
+          <a:bodyPr wrap="square" rtlCol="0">
+            <a:spAutoFit/>
+          </a:bodyPr>
+          <a:lstStyle/>
+          <a:p>
+            <a:r>
+              <a:rPr lang="es-PE" dirty="0" smtClean="0"/>
+              <a:t>p. </a:t>
+            </a:r>
+            <a:r>
+              <a:rPr lang="es-PE" dirty="0" smtClean="0"/>
+              <a:t>269</a:t>
+            </a:r>
+            <a:endParaRPr lang="es-PE" dirty="0"/>
+          </a:p>
+        </p:txBody>
+      </p:sp>
+    </p:spTree>
+    <p:extLst>
+      <p:ext uri="{BB962C8B-B14F-4D97-AF65-F5344CB8AC3E}">
+        <p14:creationId xmlns:p14="http://schemas.microsoft.com/office/powerpoint/2010/main" val="2622022177"/>
+      </p:ext>
+    </p:extLst>
+  </p:cSld>
+  <p:clrMapOvr>
+    <a:masterClrMapping/>
+  </p:clrMapOvr>
+</p:sld>
+</file>
+
+<file path=ppt/slides/slide31.xml><?xml version="1.0" encoding="utf-8"?>
+<p:sld xmlns:a="http://schemas.openxmlformats.org/drawingml/2006/main" xmlns:r="http://schemas.openxmlformats.org/officeDocument/2006/relationships" xmlns:p="http://schemas.openxmlformats.org/presentationml/2006/main">
+  <p:cSld>
+    <p:spTree>
+      <p:nvGrpSpPr>
+        <p:cNvPr id="1" name=""/>
+        <p:cNvGrpSpPr/>
+        <p:nvPr/>
+      </p:nvGrpSpPr>
+      <p:grpSpPr>
+        <a:xfrm>
+          <a:off x="0" y="0"/>
+          <a:ext cx="0" cy="0"/>
+          <a:chOff x="0" y="0"/>
+          <a:chExt cx="0" cy="0"/>
+        </a:xfrm>
+      </p:grpSpPr>
+      <p:sp>
+        <p:nvSpPr>
+          <p:cNvPr id="5" name="CuadroTexto 4"/>
+          <p:cNvSpPr txBox="1"/>
+          <p:nvPr/>
+        </p:nvSpPr>
+        <p:spPr>
+          <a:xfrm>
+            <a:off x="11415880" y="6467302"/>
+            <a:ext cx="776120" cy="369332"/>
+          </a:xfrm>
+          <a:prstGeom prst="rect">
+            <a:avLst/>
+          </a:prstGeom>
+          <a:noFill/>
+        </p:spPr>
+        <p:txBody>
+          <a:bodyPr wrap="square" rtlCol="0">
+            <a:spAutoFit/>
+          </a:bodyPr>
+          <a:lstStyle/>
+          <a:p>
+            <a:r>
+              <a:rPr lang="es-PE" dirty="0" smtClean="0"/>
+              <a:t>p. </a:t>
+            </a:r>
+            <a:r>
+              <a:rPr lang="es-PE" dirty="0" smtClean="0"/>
+              <a:t>269</a:t>
+            </a:r>
+            <a:endParaRPr lang="es-PE" dirty="0"/>
+          </a:p>
+        </p:txBody>
+      </p:sp>
+      <p:pic>
+        <p:nvPicPr>
+          <p:cNvPr id="2" name="Imagen 1"/>
+          <p:cNvPicPr>
+            <a:picLocks noChangeAspect="1"/>
+          </p:cNvPicPr>
+          <p:nvPr/>
+        </p:nvPicPr>
+        <p:blipFill>
+          <a:blip r:embed="rId2"/>
+          <a:stretch>
+            <a:fillRect/>
+          </a:stretch>
+        </p:blipFill>
+        <p:spPr>
+          <a:xfrm>
+            <a:off x="275099" y="838979"/>
+            <a:ext cx="11385352" cy="4464541"/>
+          </a:xfrm>
+          <a:prstGeom prst="rect">
+            <a:avLst/>
+          </a:prstGeom>
+        </p:spPr>
+      </p:pic>
+    </p:spTree>
+    <p:extLst>
+      <p:ext uri="{BB962C8B-B14F-4D97-AF65-F5344CB8AC3E}">
+        <p14:creationId xmlns:p14="http://schemas.microsoft.com/office/powerpoint/2010/main" val="2080611182"/>
+      </p:ext>
+    </p:extLst>
+  </p:cSld>
+  <p:clrMapOvr>
+    <a:masterClrMapping/>
+  </p:clrMapOvr>
+</p:sld>
+</file>
+
+<file path=ppt/slides/slide32.xml><?xml version="1.0" encoding="utf-8"?>
+<p:sld xmlns:a="http://schemas.openxmlformats.org/drawingml/2006/main" xmlns:r="http://schemas.openxmlformats.org/officeDocument/2006/relationships" xmlns:p="http://schemas.openxmlformats.org/presentationml/2006/main">
+  <p:cSld>
+    <p:spTree>
+      <p:nvGrpSpPr>
+        <p:cNvPr id="1" name=""/>
+        <p:cNvGrpSpPr/>
+        <p:nvPr/>
+      </p:nvGrpSpPr>
+      <p:grpSpPr>
+        <a:xfrm>
+          <a:off x="0" y="0"/>
+          <a:ext cx="0" cy="0"/>
+          <a:chOff x="0" y="0"/>
+          <a:chExt cx="0" cy="0"/>
+        </a:xfrm>
+      </p:grpSpPr>
+      <p:sp>
+        <p:nvSpPr>
+          <p:cNvPr id="5" name="CuadroTexto 4"/>
+          <p:cNvSpPr txBox="1"/>
+          <p:nvPr/>
+        </p:nvSpPr>
+        <p:spPr>
+          <a:xfrm>
+            <a:off x="10939549" y="6467302"/>
+            <a:ext cx="1252451" cy="369332"/>
+          </a:xfrm>
+          <a:prstGeom prst="rect">
+            <a:avLst/>
+          </a:prstGeom>
+          <a:noFill/>
+        </p:spPr>
+        <p:txBody>
+          <a:bodyPr wrap="square" rtlCol="0">
+            <a:spAutoFit/>
+          </a:bodyPr>
+          <a:lstStyle/>
+          <a:p>
+            <a:r>
+              <a:rPr lang="es-PE" dirty="0" smtClean="0"/>
+              <a:t>p. </a:t>
+            </a:r>
+            <a:r>
+              <a:rPr lang="es-PE" dirty="0" smtClean="0"/>
+              <a:t>269-270</a:t>
+            </a:r>
+            <a:endParaRPr lang="es-PE" dirty="0"/>
+          </a:p>
+        </p:txBody>
+      </p:sp>
+      <p:pic>
+        <p:nvPicPr>
+          <p:cNvPr id="3" name="Imagen 2"/>
+          <p:cNvPicPr>
+            <a:picLocks noChangeAspect="1"/>
+          </p:cNvPicPr>
+          <p:nvPr/>
+        </p:nvPicPr>
+        <p:blipFill>
+          <a:blip r:embed="rId2"/>
+          <a:stretch>
+            <a:fillRect/>
+          </a:stretch>
+        </p:blipFill>
+        <p:spPr>
+          <a:xfrm>
+            <a:off x="308523" y="363768"/>
+            <a:ext cx="11075586" cy="1731039"/>
+          </a:xfrm>
+          <a:prstGeom prst="rect">
+            <a:avLst/>
+          </a:prstGeom>
+        </p:spPr>
+      </p:pic>
+      <p:pic>
+        <p:nvPicPr>
+          <p:cNvPr id="4" name="Imagen 3"/>
+          <p:cNvPicPr>
+            <a:picLocks noChangeAspect="1"/>
+          </p:cNvPicPr>
+          <p:nvPr/>
+        </p:nvPicPr>
+        <p:blipFill>
+          <a:blip r:embed="rId3"/>
+          <a:stretch>
+            <a:fillRect/>
+          </a:stretch>
+        </p:blipFill>
+        <p:spPr>
+          <a:xfrm>
+            <a:off x="308523" y="2094806"/>
+            <a:ext cx="11172308" cy="2793077"/>
+          </a:xfrm>
+          <a:prstGeom prst="rect">
+            <a:avLst/>
+          </a:prstGeom>
+        </p:spPr>
+      </p:pic>
+    </p:spTree>
+    <p:extLst>
+      <p:ext uri="{BB962C8B-B14F-4D97-AF65-F5344CB8AC3E}">
+        <p14:creationId xmlns:p14="http://schemas.microsoft.com/office/powerpoint/2010/main" val="3236113242"/>
+      </p:ext>
+    </p:extLst>
+  </p:cSld>
+  <p:clrMapOvr>
+    <a:masterClrMapping/>
+  </p:clrMapOvr>
+</p:sld>
+</file>
+
+<file path=ppt/slides/slide33.xml><?xml version="1.0" encoding="utf-8"?>
+<p:sld xmlns:a="http://schemas.openxmlformats.org/drawingml/2006/main" xmlns:r="http://schemas.openxmlformats.org/officeDocument/2006/relationships" xmlns:p="http://schemas.openxmlformats.org/presentationml/2006/main">
+  <p:cSld>
+    <p:spTree>
+      <p:nvGrpSpPr>
+        <p:cNvPr id="1" name=""/>
+        <p:cNvGrpSpPr/>
+        <p:nvPr/>
+      </p:nvGrpSpPr>
+      <p:grpSpPr>
+        <a:xfrm>
+          <a:off x="0" y="0"/>
+          <a:ext cx="0" cy="0"/>
+          <a:chOff x="0" y="0"/>
+          <a:chExt cx="0" cy="0"/>
+        </a:xfrm>
+      </p:grpSpPr>
+      <p:sp>
+        <p:nvSpPr>
+          <p:cNvPr id="5" name="CuadroTexto 4"/>
+          <p:cNvSpPr txBox="1"/>
+          <p:nvPr/>
+        </p:nvSpPr>
+        <p:spPr>
+          <a:xfrm>
+            <a:off x="10939549" y="6467302"/>
+            <a:ext cx="1252451" cy="369332"/>
+          </a:xfrm>
+          <a:prstGeom prst="rect">
+            <a:avLst/>
+          </a:prstGeom>
+          <a:noFill/>
+        </p:spPr>
+        <p:txBody>
+          <a:bodyPr wrap="square" rtlCol="0">
+            <a:spAutoFit/>
+          </a:bodyPr>
+          <a:lstStyle/>
+          <a:p>
+            <a:r>
+              <a:rPr lang="es-PE" dirty="0" smtClean="0"/>
+              <a:t>p. </a:t>
+            </a:r>
+            <a:r>
+              <a:rPr lang="es-PE" dirty="0" smtClean="0"/>
+              <a:t>270</a:t>
+            </a:r>
+            <a:endParaRPr lang="es-PE" dirty="0"/>
+          </a:p>
+        </p:txBody>
+      </p:sp>
+      <p:pic>
+        <p:nvPicPr>
+          <p:cNvPr id="2" name="Imagen 1"/>
+          <p:cNvPicPr>
+            <a:picLocks noChangeAspect="1"/>
+          </p:cNvPicPr>
+          <p:nvPr/>
+        </p:nvPicPr>
+        <p:blipFill>
+          <a:blip r:embed="rId2"/>
+          <a:stretch>
+            <a:fillRect/>
+          </a:stretch>
+        </p:blipFill>
+        <p:spPr>
+          <a:xfrm>
+            <a:off x="296400" y="610985"/>
+            <a:ext cx="11548498" cy="4476403"/>
+          </a:xfrm>
+          <a:prstGeom prst="rect">
+            <a:avLst/>
+          </a:prstGeom>
+        </p:spPr>
+      </p:pic>
+    </p:spTree>
+    <p:extLst>
+      <p:ext uri="{BB962C8B-B14F-4D97-AF65-F5344CB8AC3E}">
+        <p14:creationId xmlns:p14="http://schemas.microsoft.com/office/powerpoint/2010/main" val="3880239648"/>
+      </p:ext>
+    </p:extLst>
+  </p:cSld>
+  <p:clrMapOvr>
+    <a:masterClrMapping/>
+  </p:clrMapOvr>
+</p:sld>
+</file>
+
+<file path=ppt/slides/slide34.xml><?xml version="1.0" encoding="utf-8"?>
+<p:sld xmlns:a="http://schemas.openxmlformats.org/drawingml/2006/main" xmlns:r="http://schemas.openxmlformats.org/officeDocument/2006/relationships" xmlns:p="http://schemas.openxmlformats.org/presentationml/2006/main">
+  <p:cSld>
+    <p:spTree>
+      <p:nvGrpSpPr>
+        <p:cNvPr id="1" name=""/>
+        <p:cNvGrpSpPr/>
+        <p:nvPr/>
+      </p:nvGrpSpPr>
+      <p:grpSpPr>
+        <a:xfrm>
+          <a:off x="0" y="0"/>
+          <a:ext cx="0" cy="0"/>
+          <a:chOff x="0" y="0"/>
+          <a:chExt cx="0" cy="0"/>
+        </a:xfrm>
+      </p:grpSpPr>
+      <p:sp>
+        <p:nvSpPr>
+          <p:cNvPr id="5" name="CuadroTexto 4"/>
+          <p:cNvSpPr txBox="1"/>
+          <p:nvPr/>
+        </p:nvSpPr>
+        <p:spPr>
+          <a:xfrm>
+            <a:off x="10939549" y="6467302"/>
+            <a:ext cx="1252451" cy="369332"/>
+          </a:xfrm>
+          <a:prstGeom prst="rect">
+            <a:avLst/>
+          </a:prstGeom>
+          <a:noFill/>
+        </p:spPr>
+        <p:txBody>
+          <a:bodyPr wrap="square" rtlCol="0">
+            <a:spAutoFit/>
+          </a:bodyPr>
+          <a:lstStyle/>
+          <a:p>
+            <a:r>
+              <a:rPr lang="es-PE" dirty="0" smtClean="0"/>
+              <a:t>p. </a:t>
+            </a:r>
+            <a:r>
+              <a:rPr lang="es-PE" dirty="0" smtClean="0"/>
+              <a:t>270</a:t>
+            </a:r>
+            <a:endParaRPr lang="es-PE" dirty="0"/>
+          </a:p>
+        </p:txBody>
+      </p:sp>
+      <p:pic>
+        <p:nvPicPr>
+          <p:cNvPr id="3" name="Imagen 2"/>
+          <p:cNvPicPr>
+            <a:picLocks noChangeAspect="1"/>
+          </p:cNvPicPr>
+          <p:nvPr/>
+        </p:nvPicPr>
+        <p:blipFill>
+          <a:blip r:embed="rId2"/>
+          <a:stretch>
+            <a:fillRect/>
+          </a:stretch>
+        </p:blipFill>
+        <p:spPr>
+          <a:xfrm>
+            <a:off x="449038" y="797676"/>
+            <a:ext cx="10490511" cy="5071110"/>
+          </a:xfrm>
+          <a:prstGeom prst="rect">
+            <a:avLst/>
+          </a:prstGeom>
+        </p:spPr>
+      </p:pic>
+      <p:sp>
+        <p:nvSpPr>
+          <p:cNvPr id="4" name="CuadroTexto 3"/>
+          <p:cNvSpPr txBox="1"/>
+          <p:nvPr/>
+        </p:nvSpPr>
+        <p:spPr>
+          <a:xfrm>
+            <a:off x="3208713" y="6168044"/>
+            <a:ext cx="2593571" cy="369332"/>
+          </a:xfrm>
+          <a:prstGeom prst="rect">
+            <a:avLst/>
+          </a:prstGeom>
+          <a:noFill/>
+        </p:spPr>
+        <p:txBody>
+          <a:bodyPr wrap="square" rtlCol="0">
+            <a:spAutoFit/>
+          </a:bodyPr>
+          <a:lstStyle/>
+          <a:p>
+            <a:r>
+              <a:rPr lang="es-PE" dirty="0" err="1" smtClean="0"/>
+              <a:t>aqmq</a:t>
+            </a:r>
+            <a:endParaRPr lang="es-PE" dirty="0"/>
+          </a:p>
+        </p:txBody>
+      </p:sp>
+    </p:spTree>
+    <p:extLst>
+      <p:ext uri="{BB962C8B-B14F-4D97-AF65-F5344CB8AC3E}">
+        <p14:creationId xmlns:p14="http://schemas.microsoft.com/office/powerpoint/2010/main" val="2779693551"/>
+      </p:ext>
+    </p:extLst>
+  </p:cSld>
+  <p:clrMapOvr>
+    <a:masterClrMapping/>
+  </p:clrMapOvr>
+</p:sld>
+</file>
+
+<file path=ppt/slides/slide35.xml><?xml version="1.0" encoding="utf-8"?>
+<p:sld xmlns:a="http://schemas.openxmlformats.org/drawingml/2006/main" xmlns:r="http://schemas.openxmlformats.org/officeDocument/2006/relationships" xmlns:p="http://schemas.openxmlformats.org/presentationml/2006/main">
+  <p:cSld>
+    <p:spTree>
+      <p:nvGrpSpPr>
+        <p:cNvPr id="1" name=""/>
+        <p:cNvGrpSpPr/>
+        <p:nvPr/>
+      </p:nvGrpSpPr>
+      <p:grpSpPr>
+        <a:xfrm>
+          <a:off x="0" y="0"/>
+          <a:ext cx="0" cy="0"/>
+          <a:chOff x="0" y="0"/>
+          <a:chExt cx="0" cy="0"/>
+        </a:xfrm>
+      </p:grpSpPr>
+      <p:sp>
+        <p:nvSpPr>
+          <p:cNvPr id="5" name="CuadroTexto 4"/>
+          <p:cNvSpPr txBox="1"/>
+          <p:nvPr/>
+        </p:nvSpPr>
+        <p:spPr>
+          <a:xfrm>
+            <a:off x="10939549" y="6467302"/>
+            <a:ext cx="1252451" cy="369332"/>
+          </a:xfrm>
+          <a:prstGeom prst="rect">
+            <a:avLst/>
+          </a:prstGeom>
+          <a:noFill/>
+        </p:spPr>
+        <p:txBody>
+          <a:bodyPr wrap="square" rtlCol="0">
+            <a:spAutoFit/>
+          </a:bodyPr>
+          <a:lstStyle/>
+          <a:p>
+            <a:r>
+              <a:rPr lang="es-PE" dirty="0" smtClean="0"/>
+              <a:t>p. </a:t>
+            </a:r>
+            <a:r>
+              <a:rPr lang="es-PE" dirty="0" smtClean="0"/>
+              <a:t>270</a:t>
+            </a:r>
+            <a:endParaRPr lang="es-PE" dirty="0"/>
+          </a:p>
+        </p:txBody>
+      </p:sp>
+      <p:pic>
+        <p:nvPicPr>
+          <p:cNvPr id="2" name="Imagen 1"/>
+          <p:cNvPicPr>
+            <a:picLocks noChangeAspect="1"/>
+          </p:cNvPicPr>
+          <p:nvPr/>
+        </p:nvPicPr>
+        <p:blipFill>
+          <a:blip r:embed="rId2"/>
+          <a:stretch>
+            <a:fillRect/>
+          </a:stretch>
+        </p:blipFill>
+        <p:spPr>
+          <a:xfrm>
+            <a:off x="2528887" y="1647825"/>
+            <a:ext cx="7134225" cy="3562350"/>
+          </a:xfrm>
+          <a:prstGeom prst="rect">
+            <a:avLst/>
+          </a:prstGeom>
+        </p:spPr>
+      </p:pic>
+    </p:spTree>
+    <p:extLst>
+      <p:ext uri="{BB962C8B-B14F-4D97-AF65-F5344CB8AC3E}">
+        <p14:creationId xmlns:p14="http://schemas.microsoft.com/office/powerpoint/2010/main" val="3221992300"/>
+      </p:ext>
+    </p:extLst>
+  </p:cSld>
+  <p:clrMapOvr>
+    <a:masterClrMapping/>
+  </p:clrMapOvr>
+</p:sld>
+</file>
+
+<file path=ppt/slides/slide36.xml><?xml version="1.0" encoding="utf-8"?>
+<p:sld xmlns:a="http://schemas.openxmlformats.org/drawingml/2006/main" xmlns:r="http://schemas.openxmlformats.org/officeDocument/2006/relationships" xmlns:p="http://schemas.openxmlformats.org/presentationml/2006/main">
+  <p:cSld>
+    <p:spTree>
+      <p:nvGrpSpPr>
+        <p:cNvPr id="1" name=""/>
+        <p:cNvGrpSpPr/>
+        <p:nvPr/>
+      </p:nvGrpSpPr>
+      <p:grpSpPr>
+        <a:xfrm>
+          <a:off x="0" y="0"/>
+          <a:ext cx="0" cy="0"/>
+          <a:chOff x="0" y="0"/>
+          <a:chExt cx="0" cy="0"/>
+        </a:xfrm>
+      </p:grpSpPr>
+      <p:sp>
+        <p:nvSpPr>
+          <p:cNvPr id="5" name="CuadroTexto 4"/>
+          <p:cNvSpPr txBox="1"/>
+          <p:nvPr/>
+        </p:nvSpPr>
+        <p:spPr>
+          <a:xfrm>
+            <a:off x="10939549" y="6467302"/>
+            <a:ext cx="1252451" cy="369332"/>
+          </a:xfrm>
+          <a:prstGeom prst="rect">
+            <a:avLst/>
+          </a:prstGeom>
+          <a:noFill/>
+        </p:spPr>
+        <p:txBody>
+          <a:bodyPr wrap="square" rtlCol="0">
+            <a:spAutoFit/>
+          </a:bodyPr>
+          <a:lstStyle/>
+          <a:p>
+            <a:r>
+              <a:rPr lang="es-PE" dirty="0" smtClean="0"/>
+              <a:t>p. </a:t>
+            </a:r>
+            <a:r>
+              <a:rPr lang="es-PE" dirty="0" smtClean="0"/>
+              <a:t>270</a:t>
+            </a:r>
+            <a:endParaRPr lang="es-PE" dirty="0"/>
+          </a:p>
+        </p:txBody>
+      </p:sp>
+      <p:pic>
+        <p:nvPicPr>
+          <p:cNvPr id="3" name="Imagen 2"/>
+          <p:cNvPicPr>
+            <a:picLocks noChangeAspect="1"/>
+          </p:cNvPicPr>
+          <p:nvPr/>
+        </p:nvPicPr>
+        <p:blipFill>
+          <a:blip r:embed="rId2"/>
+          <a:stretch>
+            <a:fillRect/>
+          </a:stretch>
+        </p:blipFill>
+        <p:spPr>
+          <a:xfrm>
+            <a:off x="2652626" y="691255"/>
+            <a:ext cx="6953250" cy="1285875"/>
+          </a:xfrm>
+          <a:prstGeom prst="rect">
+            <a:avLst/>
+          </a:prstGeom>
+        </p:spPr>
+      </p:pic>
+      <p:pic>
+        <p:nvPicPr>
+          <p:cNvPr id="4" name="Imagen 3"/>
+          <p:cNvPicPr>
+            <a:picLocks noChangeAspect="1"/>
+          </p:cNvPicPr>
+          <p:nvPr/>
+        </p:nvPicPr>
+        <p:blipFill>
+          <a:blip r:embed="rId3"/>
+          <a:stretch>
+            <a:fillRect/>
+          </a:stretch>
+        </p:blipFill>
+        <p:spPr>
+          <a:xfrm>
+            <a:off x="2605087" y="2652712"/>
+            <a:ext cx="6981825" cy="1552575"/>
+          </a:xfrm>
+          <a:prstGeom prst="rect">
+            <a:avLst/>
+          </a:prstGeom>
+        </p:spPr>
+      </p:pic>
+    </p:spTree>
+    <p:extLst>
+      <p:ext uri="{BB962C8B-B14F-4D97-AF65-F5344CB8AC3E}">
+        <p14:creationId xmlns:p14="http://schemas.microsoft.com/office/powerpoint/2010/main" val="1250397596"/>
+      </p:ext>
+    </p:extLst>
+  </p:cSld>
+  <p:clrMapOvr>
+    <a:masterClrMapping/>
+  </p:clrMapOvr>
+</p:sld>
+</file>
+
+<file path=ppt/slides/slide37.xml><?xml version="1.0" encoding="utf-8"?>
+<p:sld xmlns:a="http://schemas.openxmlformats.org/drawingml/2006/main" xmlns:r="http://schemas.openxmlformats.org/officeDocument/2006/relationships" xmlns:p="http://schemas.openxmlformats.org/presentationml/2006/main">
+  <p:cSld>
+    <p:spTree>
+      <p:nvGrpSpPr>
+        <p:cNvPr id="1" name=""/>
+        <p:cNvGrpSpPr/>
+        <p:nvPr/>
+      </p:nvGrpSpPr>
+      <p:grpSpPr>
+        <a:xfrm>
+          <a:off x="0" y="0"/>
+          <a:ext cx="0" cy="0"/>
+          <a:chOff x="0" y="0"/>
+          <a:chExt cx="0" cy="0"/>
+        </a:xfrm>
+      </p:grpSpPr>
+      <p:sp>
+        <p:nvSpPr>
+          <p:cNvPr id="5" name="CuadroTexto 4"/>
+          <p:cNvSpPr txBox="1"/>
+          <p:nvPr/>
+        </p:nvSpPr>
+        <p:spPr>
+          <a:xfrm>
+            <a:off x="10939549" y="6467302"/>
+            <a:ext cx="1252451" cy="369332"/>
+          </a:xfrm>
+          <a:prstGeom prst="rect">
+            <a:avLst/>
+          </a:prstGeom>
+          <a:noFill/>
+        </p:spPr>
+        <p:txBody>
+          <a:bodyPr wrap="square" rtlCol="0">
+            <a:spAutoFit/>
+          </a:bodyPr>
+          <a:lstStyle/>
+          <a:p>
+            <a:r>
+              <a:rPr lang="es-PE" dirty="0" smtClean="0"/>
+              <a:t>p. </a:t>
+            </a:r>
+            <a:r>
+              <a:rPr lang="es-PE" dirty="0" smtClean="0"/>
+              <a:t>270-271</a:t>
+            </a:r>
+            <a:endParaRPr lang="es-PE" dirty="0"/>
+          </a:p>
+        </p:txBody>
+      </p:sp>
+      <p:pic>
+        <p:nvPicPr>
+          <p:cNvPr id="2" name="Imagen 1"/>
+          <p:cNvPicPr>
+            <a:picLocks noChangeAspect="1"/>
+          </p:cNvPicPr>
+          <p:nvPr/>
+        </p:nvPicPr>
+        <p:blipFill>
+          <a:blip r:embed="rId2"/>
+          <a:stretch>
+            <a:fillRect/>
+          </a:stretch>
+        </p:blipFill>
+        <p:spPr>
+          <a:xfrm>
+            <a:off x="2528887" y="1885950"/>
+            <a:ext cx="7134225" cy="3086100"/>
+          </a:xfrm>
+          <a:prstGeom prst="rect">
+            <a:avLst/>
+          </a:prstGeom>
+        </p:spPr>
+      </p:pic>
+    </p:spTree>
+    <p:extLst>
+      <p:ext uri="{BB962C8B-B14F-4D97-AF65-F5344CB8AC3E}">
+        <p14:creationId xmlns:p14="http://schemas.microsoft.com/office/powerpoint/2010/main" val="3969832122"/>
+      </p:ext>
+    </p:extLst>
+  </p:cSld>
+  <p:clrMapOvr>
+    <a:masterClrMapping/>
+  </p:clrMapOvr>
+</p:sld>
+</file>
+
+<file path=ppt/slides/slide38.xml><?xml version="1.0" encoding="utf-8"?>
+<p:sld xmlns:a="http://schemas.openxmlformats.org/drawingml/2006/main" xmlns:r="http://schemas.openxmlformats.org/officeDocument/2006/relationships" xmlns:p="http://schemas.openxmlformats.org/presentationml/2006/main">
+  <p:cSld>
+    <p:spTree>
+      <p:nvGrpSpPr>
+        <p:cNvPr id="1" name=""/>
+        <p:cNvGrpSpPr/>
+        <p:nvPr/>
+      </p:nvGrpSpPr>
+      <p:grpSpPr>
+        <a:xfrm>
+          <a:off x="0" y="0"/>
+          <a:ext cx="0" cy="0"/>
+          <a:chOff x="0" y="0"/>
+          <a:chExt cx="0" cy="0"/>
+        </a:xfrm>
+      </p:grpSpPr>
+      <p:sp>
+        <p:nvSpPr>
+          <p:cNvPr id="5" name="CuadroTexto 4"/>
+          <p:cNvSpPr txBox="1"/>
+          <p:nvPr/>
+        </p:nvSpPr>
+        <p:spPr>
+          <a:xfrm>
+            <a:off x="10939549" y="6467302"/>
+            <a:ext cx="1252451" cy="369332"/>
+          </a:xfrm>
+          <a:prstGeom prst="rect">
+            <a:avLst/>
+          </a:prstGeom>
+          <a:noFill/>
+        </p:spPr>
+        <p:txBody>
+          <a:bodyPr wrap="square" rtlCol="0">
+            <a:spAutoFit/>
+          </a:bodyPr>
+          <a:lstStyle/>
+          <a:p>
+            <a:r>
+              <a:rPr lang="es-PE" dirty="0" smtClean="0"/>
+              <a:t>p. </a:t>
+            </a:r>
+            <a:r>
+              <a:rPr lang="es-PE" dirty="0" smtClean="0"/>
+              <a:t>271</a:t>
+            </a:r>
+            <a:endParaRPr lang="es-PE" dirty="0"/>
+          </a:p>
+        </p:txBody>
+      </p:sp>
+      <p:pic>
+        <p:nvPicPr>
+          <p:cNvPr id="2" name="Imagen 1"/>
+          <p:cNvPicPr>
+            <a:picLocks noChangeAspect="1"/>
+          </p:cNvPicPr>
+          <p:nvPr/>
+        </p:nvPicPr>
+        <p:blipFill>
+          <a:blip r:embed="rId2"/>
+          <a:stretch>
+            <a:fillRect/>
+          </a:stretch>
+        </p:blipFill>
+        <p:spPr>
+          <a:xfrm>
+            <a:off x="2528887" y="1885950"/>
+            <a:ext cx="7134225" cy="3086100"/>
+          </a:xfrm>
+          <a:prstGeom prst="rect">
+            <a:avLst/>
+          </a:prstGeom>
+        </p:spPr>
+      </p:pic>
+    </p:spTree>
+    <p:extLst>
+      <p:ext uri="{BB962C8B-B14F-4D97-AF65-F5344CB8AC3E}">
+        <p14:creationId xmlns:p14="http://schemas.microsoft.com/office/powerpoint/2010/main" val="889008361"/>
+      </p:ext>
+    </p:extLst>
+  </p:cSld>
+  <p:clrMapOvr>
+    <a:masterClrMapping/>
+  </p:clrMapOvr>
+</p:sld>
+</file>
+
+<file path=ppt/slides/slide39.xml><?xml version="1.0" encoding="utf-8"?>
+<p:sld xmlns:a="http://schemas.openxmlformats.org/drawingml/2006/main" xmlns:r="http://schemas.openxmlformats.org/officeDocument/2006/relationships" xmlns:p="http://schemas.openxmlformats.org/presentationml/2006/main">
+  <p:cSld>
+    <p:spTree>
+      <p:nvGrpSpPr>
+        <p:cNvPr id="1" name=""/>
+        <p:cNvGrpSpPr/>
+        <p:nvPr/>
+      </p:nvGrpSpPr>
+      <p:grpSpPr>
+        <a:xfrm>
+          <a:off x="0" y="0"/>
+          <a:ext cx="0" cy="0"/>
+          <a:chOff x="0" y="0"/>
+          <a:chExt cx="0" cy="0"/>
+        </a:xfrm>
+      </p:grpSpPr>
+      <p:sp>
+        <p:nvSpPr>
+          <p:cNvPr id="5" name="CuadroTexto 4"/>
+          <p:cNvSpPr txBox="1"/>
+          <p:nvPr/>
+        </p:nvSpPr>
+        <p:spPr>
+          <a:xfrm>
+            <a:off x="10939549" y="6467302"/>
+            <a:ext cx="1252451" cy="369332"/>
+          </a:xfrm>
+          <a:prstGeom prst="rect">
+            <a:avLst/>
+          </a:prstGeom>
+          <a:noFill/>
+        </p:spPr>
+        <p:txBody>
+          <a:bodyPr wrap="square" rtlCol="0">
+            <a:spAutoFit/>
+          </a:bodyPr>
+          <a:lstStyle/>
+          <a:p>
+            <a:r>
+              <a:rPr lang="es-PE" dirty="0" smtClean="0"/>
+              <a:t>p. </a:t>
+            </a:r>
+            <a:r>
+              <a:rPr lang="es-PE" dirty="0" smtClean="0"/>
+              <a:t>271</a:t>
+            </a:r>
+            <a:endParaRPr lang="es-PE" dirty="0"/>
+          </a:p>
+        </p:txBody>
+      </p:sp>
+      <p:pic>
+        <p:nvPicPr>
+          <p:cNvPr id="3" name="Imagen 2"/>
+          <p:cNvPicPr>
+            <a:picLocks noChangeAspect="1"/>
+          </p:cNvPicPr>
+          <p:nvPr/>
+        </p:nvPicPr>
+        <p:blipFill>
+          <a:blip r:embed="rId2"/>
+          <a:stretch>
+            <a:fillRect/>
+          </a:stretch>
+        </p:blipFill>
+        <p:spPr>
+          <a:xfrm>
+            <a:off x="2189364" y="1548073"/>
+            <a:ext cx="7048500" cy="3562350"/>
+          </a:xfrm>
+          <a:prstGeom prst="rect">
+            <a:avLst/>
+          </a:prstGeom>
+        </p:spPr>
+      </p:pic>
+    </p:spTree>
+    <p:extLst>
+      <p:ext uri="{BB962C8B-B14F-4D97-AF65-F5344CB8AC3E}">
+        <p14:creationId xmlns:p14="http://schemas.microsoft.com/office/powerpoint/2010/main" val="2238402498"/>
       </p:ext>
     </p:extLst>
   </p:cSld>
@@ -14372,6 +15559,958 @@
 </p:sld>
 </file>
 
+<file path=ppt/slides/slide40.xml><?xml version="1.0" encoding="utf-8"?>
+<p:sld xmlns:a="http://schemas.openxmlformats.org/drawingml/2006/main" xmlns:r="http://schemas.openxmlformats.org/officeDocument/2006/relationships" xmlns:p="http://schemas.openxmlformats.org/presentationml/2006/main">
+  <p:cSld>
+    <p:spTree>
+      <p:nvGrpSpPr>
+        <p:cNvPr id="1" name=""/>
+        <p:cNvGrpSpPr/>
+        <p:nvPr/>
+      </p:nvGrpSpPr>
+      <p:grpSpPr>
+        <a:xfrm>
+          <a:off x="0" y="0"/>
+          <a:ext cx="0" cy="0"/>
+          <a:chOff x="0" y="0"/>
+          <a:chExt cx="0" cy="0"/>
+        </a:xfrm>
+      </p:grpSpPr>
+      <p:sp>
+        <p:nvSpPr>
+          <p:cNvPr id="5" name="CuadroTexto 4"/>
+          <p:cNvSpPr txBox="1"/>
+          <p:nvPr/>
+        </p:nvSpPr>
+        <p:spPr>
+          <a:xfrm>
+            <a:off x="10939549" y="6467302"/>
+            <a:ext cx="1252451" cy="369332"/>
+          </a:xfrm>
+          <a:prstGeom prst="rect">
+            <a:avLst/>
+          </a:prstGeom>
+          <a:noFill/>
+        </p:spPr>
+        <p:txBody>
+          <a:bodyPr wrap="square" rtlCol="0">
+            <a:spAutoFit/>
+          </a:bodyPr>
+          <a:lstStyle/>
+          <a:p>
+            <a:r>
+              <a:rPr lang="es-PE" dirty="0" smtClean="0"/>
+              <a:t>p. </a:t>
+            </a:r>
+            <a:r>
+              <a:rPr lang="es-PE" dirty="0" smtClean="0"/>
+              <a:t>271</a:t>
+            </a:r>
+            <a:endParaRPr lang="es-PE" dirty="0"/>
+          </a:p>
+        </p:txBody>
+      </p:sp>
+      <p:pic>
+        <p:nvPicPr>
+          <p:cNvPr id="2" name="Imagen 1"/>
+          <p:cNvPicPr>
+            <a:picLocks noChangeAspect="1"/>
+          </p:cNvPicPr>
+          <p:nvPr/>
+        </p:nvPicPr>
+        <p:blipFill>
+          <a:blip r:embed="rId2"/>
+          <a:stretch>
+            <a:fillRect/>
+          </a:stretch>
+        </p:blipFill>
+        <p:spPr>
+          <a:xfrm>
+            <a:off x="2284528" y="1059700"/>
+            <a:ext cx="6924675" cy="1047750"/>
+          </a:xfrm>
+          <a:prstGeom prst="rect">
+            <a:avLst/>
+          </a:prstGeom>
+        </p:spPr>
+      </p:pic>
+      <p:pic>
+        <p:nvPicPr>
+          <p:cNvPr id="4" name="Imagen 3"/>
+          <p:cNvPicPr>
+            <a:picLocks noChangeAspect="1"/>
+          </p:cNvPicPr>
+          <p:nvPr/>
+        </p:nvPicPr>
+        <p:blipFill>
+          <a:blip r:embed="rId3"/>
+          <a:stretch>
+            <a:fillRect/>
+          </a:stretch>
+        </p:blipFill>
+        <p:spPr>
+          <a:xfrm>
+            <a:off x="2714625" y="3281362"/>
+            <a:ext cx="6762750" cy="295275"/>
+          </a:xfrm>
+          <a:prstGeom prst="rect">
+            <a:avLst/>
+          </a:prstGeom>
+        </p:spPr>
+      </p:pic>
+    </p:spTree>
+    <p:extLst>
+      <p:ext uri="{BB962C8B-B14F-4D97-AF65-F5344CB8AC3E}">
+        <p14:creationId xmlns:p14="http://schemas.microsoft.com/office/powerpoint/2010/main" val="3558063921"/>
+      </p:ext>
+    </p:extLst>
+  </p:cSld>
+  <p:clrMapOvr>
+    <a:masterClrMapping/>
+  </p:clrMapOvr>
+</p:sld>
+</file>
+
+<file path=ppt/slides/slide41.xml><?xml version="1.0" encoding="utf-8"?>
+<p:sld xmlns:a="http://schemas.openxmlformats.org/drawingml/2006/main" xmlns:r="http://schemas.openxmlformats.org/officeDocument/2006/relationships" xmlns:p="http://schemas.openxmlformats.org/presentationml/2006/main">
+  <p:cSld>
+    <p:spTree>
+      <p:nvGrpSpPr>
+        <p:cNvPr id="1" name=""/>
+        <p:cNvGrpSpPr/>
+        <p:nvPr/>
+      </p:nvGrpSpPr>
+      <p:grpSpPr>
+        <a:xfrm>
+          <a:off x="0" y="0"/>
+          <a:ext cx="0" cy="0"/>
+          <a:chOff x="0" y="0"/>
+          <a:chExt cx="0" cy="0"/>
+        </a:xfrm>
+      </p:grpSpPr>
+      <p:sp>
+        <p:nvSpPr>
+          <p:cNvPr id="5" name="CuadroTexto 4"/>
+          <p:cNvSpPr txBox="1"/>
+          <p:nvPr/>
+        </p:nvSpPr>
+        <p:spPr>
+          <a:xfrm>
+            <a:off x="10939549" y="6467302"/>
+            <a:ext cx="1252451" cy="369332"/>
+          </a:xfrm>
+          <a:prstGeom prst="rect">
+            <a:avLst/>
+          </a:prstGeom>
+          <a:noFill/>
+        </p:spPr>
+        <p:txBody>
+          <a:bodyPr wrap="square" rtlCol="0">
+            <a:spAutoFit/>
+          </a:bodyPr>
+          <a:lstStyle/>
+          <a:p>
+            <a:r>
+              <a:rPr lang="es-PE" dirty="0" smtClean="0"/>
+              <a:t>p. </a:t>
+            </a:r>
+            <a:r>
+              <a:rPr lang="es-PE" dirty="0" smtClean="0"/>
+              <a:t>272</a:t>
+            </a:r>
+            <a:endParaRPr lang="es-PE" dirty="0"/>
+          </a:p>
+        </p:txBody>
+      </p:sp>
+      <p:pic>
+        <p:nvPicPr>
+          <p:cNvPr id="3" name="Imagen 2"/>
+          <p:cNvPicPr>
+            <a:picLocks noChangeAspect="1"/>
+          </p:cNvPicPr>
+          <p:nvPr/>
+        </p:nvPicPr>
+        <p:blipFill>
+          <a:blip r:embed="rId2"/>
+          <a:stretch>
+            <a:fillRect/>
+          </a:stretch>
+        </p:blipFill>
+        <p:spPr>
+          <a:xfrm>
+            <a:off x="2498494" y="1774421"/>
+            <a:ext cx="6972300" cy="3009900"/>
+          </a:xfrm>
+          <a:prstGeom prst="rect">
+            <a:avLst/>
+          </a:prstGeom>
+        </p:spPr>
+      </p:pic>
+    </p:spTree>
+    <p:extLst>
+      <p:ext uri="{BB962C8B-B14F-4D97-AF65-F5344CB8AC3E}">
+        <p14:creationId xmlns:p14="http://schemas.microsoft.com/office/powerpoint/2010/main" val="2592694613"/>
+      </p:ext>
+    </p:extLst>
+  </p:cSld>
+  <p:clrMapOvr>
+    <a:masterClrMapping/>
+  </p:clrMapOvr>
+</p:sld>
+</file>
+
+<file path=ppt/slides/slide42.xml><?xml version="1.0" encoding="utf-8"?>
+<p:sld xmlns:a="http://schemas.openxmlformats.org/drawingml/2006/main" xmlns:r="http://schemas.openxmlformats.org/officeDocument/2006/relationships" xmlns:p="http://schemas.openxmlformats.org/presentationml/2006/main">
+  <p:cSld>
+    <p:spTree>
+      <p:nvGrpSpPr>
+        <p:cNvPr id="1" name=""/>
+        <p:cNvGrpSpPr/>
+        <p:nvPr/>
+      </p:nvGrpSpPr>
+      <p:grpSpPr>
+        <a:xfrm>
+          <a:off x="0" y="0"/>
+          <a:ext cx="0" cy="0"/>
+          <a:chOff x="0" y="0"/>
+          <a:chExt cx="0" cy="0"/>
+        </a:xfrm>
+      </p:grpSpPr>
+      <p:sp>
+        <p:nvSpPr>
+          <p:cNvPr id="5" name="CuadroTexto 4"/>
+          <p:cNvSpPr txBox="1"/>
+          <p:nvPr/>
+        </p:nvSpPr>
+        <p:spPr>
+          <a:xfrm>
+            <a:off x="10939549" y="6467302"/>
+            <a:ext cx="1252451" cy="369332"/>
+          </a:xfrm>
+          <a:prstGeom prst="rect">
+            <a:avLst/>
+          </a:prstGeom>
+          <a:noFill/>
+        </p:spPr>
+        <p:txBody>
+          <a:bodyPr wrap="square" rtlCol="0">
+            <a:spAutoFit/>
+          </a:bodyPr>
+          <a:lstStyle/>
+          <a:p>
+            <a:r>
+              <a:rPr lang="es-PE" dirty="0" smtClean="0"/>
+              <a:t>p. </a:t>
+            </a:r>
+            <a:r>
+              <a:rPr lang="es-PE" dirty="0" smtClean="0"/>
+              <a:t>272</a:t>
+            </a:r>
+            <a:endParaRPr lang="es-PE" dirty="0"/>
+          </a:p>
+        </p:txBody>
+      </p:sp>
+      <p:pic>
+        <p:nvPicPr>
+          <p:cNvPr id="2" name="Imagen 1"/>
+          <p:cNvPicPr>
+            <a:picLocks noChangeAspect="1"/>
+          </p:cNvPicPr>
+          <p:nvPr/>
+        </p:nvPicPr>
+        <p:blipFill>
+          <a:blip r:embed="rId2"/>
+          <a:stretch>
+            <a:fillRect/>
+          </a:stretch>
+        </p:blipFill>
+        <p:spPr>
+          <a:xfrm>
+            <a:off x="2595562" y="2795587"/>
+            <a:ext cx="7000875" cy="1266825"/>
+          </a:xfrm>
+          <a:prstGeom prst="rect">
+            <a:avLst/>
+          </a:prstGeom>
+        </p:spPr>
+      </p:pic>
+    </p:spTree>
+    <p:extLst>
+      <p:ext uri="{BB962C8B-B14F-4D97-AF65-F5344CB8AC3E}">
+        <p14:creationId xmlns:p14="http://schemas.microsoft.com/office/powerpoint/2010/main" val="1113352935"/>
+      </p:ext>
+    </p:extLst>
+  </p:cSld>
+  <p:clrMapOvr>
+    <a:masterClrMapping/>
+  </p:clrMapOvr>
+</p:sld>
+</file>
+
+<file path=ppt/slides/slide43.xml><?xml version="1.0" encoding="utf-8"?>
+<p:sld xmlns:a="http://schemas.openxmlformats.org/drawingml/2006/main" xmlns:r="http://schemas.openxmlformats.org/officeDocument/2006/relationships" xmlns:p="http://schemas.openxmlformats.org/presentationml/2006/main">
+  <p:cSld>
+    <p:spTree>
+      <p:nvGrpSpPr>
+        <p:cNvPr id="1" name=""/>
+        <p:cNvGrpSpPr/>
+        <p:nvPr/>
+      </p:nvGrpSpPr>
+      <p:grpSpPr>
+        <a:xfrm>
+          <a:off x="0" y="0"/>
+          <a:ext cx="0" cy="0"/>
+          <a:chOff x="0" y="0"/>
+          <a:chExt cx="0" cy="0"/>
+        </a:xfrm>
+      </p:grpSpPr>
+      <p:sp>
+        <p:nvSpPr>
+          <p:cNvPr id="5" name="CuadroTexto 4"/>
+          <p:cNvSpPr txBox="1"/>
+          <p:nvPr/>
+        </p:nvSpPr>
+        <p:spPr>
+          <a:xfrm>
+            <a:off x="10939549" y="6467302"/>
+            <a:ext cx="1252451" cy="369332"/>
+          </a:xfrm>
+          <a:prstGeom prst="rect">
+            <a:avLst/>
+          </a:prstGeom>
+          <a:noFill/>
+        </p:spPr>
+        <p:txBody>
+          <a:bodyPr wrap="square" rtlCol="0">
+            <a:spAutoFit/>
+          </a:bodyPr>
+          <a:lstStyle/>
+          <a:p>
+            <a:r>
+              <a:rPr lang="es-PE" dirty="0" smtClean="0"/>
+              <a:t>p. </a:t>
+            </a:r>
+            <a:r>
+              <a:rPr lang="es-PE" dirty="0" smtClean="0"/>
+              <a:t>272</a:t>
+            </a:r>
+            <a:endParaRPr lang="es-PE" dirty="0"/>
+          </a:p>
+        </p:txBody>
+      </p:sp>
+      <p:pic>
+        <p:nvPicPr>
+          <p:cNvPr id="3" name="Imagen 2"/>
+          <p:cNvPicPr>
+            <a:picLocks noChangeAspect="1"/>
+          </p:cNvPicPr>
+          <p:nvPr/>
+        </p:nvPicPr>
+        <p:blipFill>
+          <a:blip r:embed="rId2"/>
+          <a:stretch>
+            <a:fillRect/>
+          </a:stretch>
+        </p:blipFill>
+        <p:spPr>
+          <a:xfrm>
+            <a:off x="2547937" y="1252537"/>
+            <a:ext cx="7096125" cy="4352925"/>
+          </a:xfrm>
+          <a:prstGeom prst="rect">
+            <a:avLst/>
+          </a:prstGeom>
+        </p:spPr>
+      </p:pic>
+    </p:spTree>
+    <p:extLst>
+      <p:ext uri="{BB962C8B-B14F-4D97-AF65-F5344CB8AC3E}">
+        <p14:creationId xmlns:p14="http://schemas.microsoft.com/office/powerpoint/2010/main" val="148239015"/>
+      </p:ext>
+    </p:extLst>
+  </p:cSld>
+  <p:clrMapOvr>
+    <a:masterClrMapping/>
+  </p:clrMapOvr>
+</p:sld>
+</file>
+
+<file path=ppt/slides/slide44.xml><?xml version="1.0" encoding="utf-8"?>
+<p:sld xmlns:a="http://schemas.openxmlformats.org/drawingml/2006/main" xmlns:r="http://schemas.openxmlformats.org/officeDocument/2006/relationships" xmlns:p="http://schemas.openxmlformats.org/presentationml/2006/main">
+  <p:cSld>
+    <p:spTree>
+      <p:nvGrpSpPr>
+        <p:cNvPr id="1" name=""/>
+        <p:cNvGrpSpPr/>
+        <p:nvPr/>
+      </p:nvGrpSpPr>
+      <p:grpSpPr>
+        <a:xfrm>
+          <a:off x="0" y="0"/>
+          <a:ext cx="0" cy="0"/>
+          <a:chOff x="0" y="0"/>
+          <a:chExt cx="0" cy="0"/>
+        </a:xfrm>
+      </p:grpSpPr>
+      <p:sp>
+        <p:nvSpPr>
+          <p:cNvPr id="5" name="CuadroTexto 4"/>
+          <p:cNvSpPr txBox="1"/>
+          <p:nvPr/>
+        </p:nvSpPr>
+        <p:spPr>
+          <a:xfrm>
+            <a:off x="10939549" y="6467302"/>
+            <a:ext cx="1252451" cy="369332"/>
+          </a:xfrm>
+          <a:prstGeom prst="rect">
+            <a:avLst/>
+          </a:prstGeom>
+          <a:noFill/>
+        </p:spPr>
+        <p:txBody>
+          <a:bodyPr wrap="square" rtlCol="0">
+            <a:spAutoFit/>
+          </a:bodyPr>
+          <a:lstStyle/>
+          <a:p>
+            <a:r>
+              <a:rPr lang="es-PE" dirty="0" smtClean="0"/>
+              <a:t>p. </a:t>
+            </a:r>
+            <a:r>
+              <a:rPr lang="es-PE" dirty="0" smtClean="0"/>
+              <a:t>272-273</a:t>
+            </a:r>
+            <a:endParaRPr lang="es-PE" dirty="0"/>
+          </a:p>
+        </p:txBody>
+      </p:sp>
+      <p:pic>
+        <p:nvPicPr>
+          <p:cNvPr id="4" name="Imagen 3"/>
+          <p:cNvPicPr>
+            <a:picLocks noChangeAspect="1"/>
+          </p:cNvPicPr>
+          <p:nvPr/>
+        </p:nvPicPr>
+        <p:blipFill>
+          <a:blip r:embed="rId2"/>
+          <a:stretch>
+            <a:fillRect/>
+          </a:stretch>
+        </p:blipFill>
+        <p:spPr>
+          <a:xfrm>
+            <a:off x="2486371" y="352598"/>
+            <a:ext cx="6953250" cy="533400"/>
+          </a:xfrm>
+          <a:prstGeom prst="rect">
+            <a:avLst/>
+          </a:prstGeom>
+        </p:spPr>
+      </p:pic>
+      <p:pic>
+        <p:nvPicPr>
+          <p:cNvPr id="2" name="Imagen 1"/>
+          <p:cNvPicPr>
+            <a:picLocks noChangeAspect="1"/>
+          </p:cNvPicPr>
+          <p:nvPr/>
+        </p:nvPicPr>
+        <p:blipFill>
+          <a:blip r:embed="rId3"/>
+          <a:stretch>
+            <a:fillRect/>
+          </a:stretch>
+        </p:blipFill>
+        <p:spPr>
+          <a:xfrm>
+            <a:off x="2662237" y="1662112"/>
+            <a:ext cx="6867525" cy="3533775"/>
+          </a:xfrm>
+          <a:prstGeom prst="rect">
+            <a:avLst/>
+          </a:prstGeom>
+        </p:spPr>
+      </p:pic>
+    </p:spTree>
+    <p:extLst>
+      <p:ext uri="{BB962C8B-B14F-4D97-AF65-F5344CB8AC3E}">
+        <p14:creationId xmlns:p14="http://schemas.microsoft.com/office/powerpoint/2010/main" val="2727336076"/>
+      </p:ext>
+    </p:extLst>
+  </p:cSld>
+  <p:clrMapOvr>
+    <a:masterClrMapping/>
+  </p:clrMapOvr>
+</p:sld>
+</file>
+
+<file path=ppt/slides/slide45.xml><?xml version="1.0" encoding="utf-8"?>
+<p:sld xmlns:a="http://schemas.openxmlformats.org/drawingml/2006/main" xmlns:r="http://schemas.openxmlformats.org/officeDocument/2006/relationships" xmlns:p="http://schemas.openxmlformats.org/presentationml/2006/main">
+  <p:cSld>
+    <p:spTree>
+      <p:nvGrpSpPr>
+        <p:cNvPr id="1" name=""/>
+        <p:cNvGrpSpPr/>
+        <p:nvPr/>
+      </p:nvGrpSpPr>
+      <p:grpSpPr>
+        <a:xfrm>
+          <a:off x="0" y="0"/>
+          <a:ext cx="0" cy="0"/>
+          <a:chOff x="0" y="0"/>
+          <a:chExt cx="0" cy="0"/>
+        </a:xfrm>
+      </p:grpSpPr>
+      <p:sp>
+        <p:nvSpPr>
+          <p:cNvPr id="5" name="CuadroTexto 4"/>
+          <p:cNvSpPr txBox="1"/>
+          <p:nvPr/>
+        </p:nvSpPr>
+        <p:spPr>
+          <a:xfrm>
+            <a:off x="10939549" y="6467302"/>
+            <a:ext cx="1252451" cy="369332"/>
+          </a:xfrm>
+          <a:prstGeom prst="rect">
+            <a:avLst/>
+          </a:prstGeom>
+          <a:noFill/>
+        </p:spPr>
+        <p:txBody>
+          <a:bodyPr wrap="square" rtlCol="0">
+            <a:spAutoFit/>
+          </a:bodyPr>
+          <a:lstStyle/>
+          <a:p>
+            <a:r>
+              <a:rPr lang="es-PE" dirty="0" smtClean="0"/>
+              <a:t>p. </a:t>
+            </a:r>
+            <a:r>
+              <a:rPr lang="es-PE" dirty="0" smtClean="0"/>
+              <a:t>273</a:t>
+            </a:r>
+            <a:endParaRPr lang="es-PE" dirty="0"/>
+          </a:p>
+        </p:txBody>
+      </p:sp>
+      <p:pic>
+        <p:nvPicPr>
+          <p:cNvPr id="3" name="Imagen 2"/>
+          <p:cNvPicPr>
+            <a:picLocks noChangeAspect="1"/>
+          </p:cNvPicPr>
+          <p:nvPr/>
+        </p:nvPicPr>
+        <p:blipFill>
+          <a:blip r:embed="rId2"/>
+          <a:stretch>
+            <a:fillRect/>
+          </a:stretch>
+        </p:blipFill>
+        <p:spPr>
+          <a:xfrm>
+            <a:off x="2566987" y="2314575"/>
+            <a:ext cx="7058025" cy="2228850"/>
+          </a:xfrm>
+          <a:prstGeom prst="rect">
+            <a:avLst/>
+          </a:prstGeom>
+        </p:spPr>
+      </p:pic>
+    </p:spTree>
+    <p:extLst>
+      <p:ext uri="{BB962C8B-B14F-4D97-AF65-F5344CB8AC3E}">
+        <p14:creationId xmlns:p14="http://schemas.microsoft.com/office/powerpoint/2010/main" val="3161204201"/>
+      </p:ext>
+    </p:extLst>
+  </p:cSld>
+  <p:clrMapOvr>
+    <a:masterClrMapping/>
+  </p:clrMapOvr>
+</p:sld>
+</file>
+
+<file path=ppt/slides/slide46.xml><?xml version="1.0" encoding="utf-8"?>
+<p:sld xmlns:a="http://schemas.openxmlformats.org/drawingml/2006/main" xmlns:r="http://schemas.openxmlformats.org/officeDocument/2006/relationships" xmlns:p="http://schemas.openxmlformats.org/presentationml/2006/main">
+  <p:cSld>
+    <p:spTree>
+      <p:nvGrpSpPr>
+        <p:cNvPr id="1" name=""/>
+        <p:cNvGrpSpPr/>
+        <p:nvPr/>
+      </p:nvGrpSpPr>
+      <p:grpSpPr>
+        <a:xfrm>
+          <a:off x="0" y="0"/>
+          <a:ext cx="0" cy="0"/>
+          <a:chOff x="0" y="0"/>
+          <a:chExt cx="0" cy="0"/>
+        </a:xfrm>
+      </p:grpSpPr>
+      <p:sp>
+        <p:nvSpPr>
+          <p:cNvPr id="5" name="CuadroTexto 4"/>
+          <p:cNvSpPr txBox="1"/>
+          <p:nvPr/>
+        </p:nvSpPr>
+        <p:spPr>
+          <a:xfrm>
+            <a:off x="10939549" y="6467302"/>
+            <a:ext cx="1252451" cy="369332"/>
+          </a:xfrm>
+          <a:prstGeom prst="rect">
+            <a:avLst/>
+          </a:prstGeom>
+          <a:noFill/>
+        </p:spPr>
+        <p:txBody>
+          <a:bodyPr wrap="square" rtlCol="0">
+            <a:spAutoFit/>
+          </a:bodyPr>
+          <a:lstStyle/>
+          <a:p>
+            <a:r>
+              <a:rPr lang="es-PE" dirty="0" smtClean="0"/>
+              <a:t>p. </a:t>
+            </a:r>
+            <a:r>
+              <a:rPr lang="es-PE" dirty="0" smtClean="0"/>
+              <a:t>273</a:t>
+            </a:r>
+            <a:endParaRPr lang="es-PE" dirty="0"/>
+          </a:p>
+        </p:txBody>
+      </p:sp>
+      <p:pic>
+        <p:nvPicPr>
+          <p:cNvPr id="2" name="Imagen 1"/>
+          <p:cNvPicPr>
+            <a:picLocks noChangeAspect="1"/>
+          </p:cNvPicPr>
+          <p:nvPr/>
+        </p:nvPicPr>
+        <p:blipFill>
+          <a:blip r:embed="rId2"/>
+          <a:stretch>
+            <a:fillRect/>
+          </a:stretch>
+        </p:blipFill>
+        <p:spPr>
+          <a:xfrm>
+            <a:off x="2621885" y="505691"/>
+            <a:ext cx="6953250" cy="3352800"/>
+          </a:xfrm>
+          <a:prstGeom prst="rect">
+            <a:avLst/>
+          </a:prstGeom>
+        </p:spPr>
+      </p:pic>
+      <p:pic>
+        <p:nvPicPr>
+          <p:cNvPr id="4" name="Imagen 3"/>
+          <p:cNvPicPr>
+            <a:picLocks noChangeAspect="1"/>
+          </p:cNvPicPr>
+          <p:nvPr/>
+        </p:nvPicPr>
+        <p:blipFill>
+          <a:blip r:embed="rId3"/>
+          <a:stretch>
+            <a:fillRect/>
+          </a:stretch>
+        </p:blipFill>
+        <p:spPr>
+          <a:xfrm>
+            <a:off x="3097184" y="4228927"/>
+            <a:ext cx="4800600" cy="361950"/>
+          </a:xfrm>
+          <a:prstGeom prst="rect">
+            <a:avLst/>
+          </a:prstGeom>
+        </p:spPr>
+      </p:pic>
+    </p:spTree>
+    <p:extLst>
+      <p:ext uri="{BB962C8B-B14F-4D97-AF65-F5344CB8AC3E}">
+        <p14:creationId xmlns:p14="http://schemas.microsoft.com/office/powerpoint/2010/main" val="2740624032"/>
+      </p:ext>
+    </p:extLst>
+  </p:cSld>
+  <p:clrMapOvr>
+    <a:masterClrMapping/>
+  </p:clrMapOvr>
+</p:sld>
+</file>
+
+<file path=ppt/slides/slide47.xml><?xml version="1.0" encoding="utf-8"?>
+<p:sld xmlns:a="http://schemas.openxmlformats.org/drawingml/2006/main" xmlns:r="http://schemas.openxmlformats.org/officeDocument/2006/relationships" xmlns:p="http://schemas.openxmlformats.org/presentationml/2006/main">
+  <p:cSld>
+    <p:spTree>
+      <p:nvGrpSpPr>
+        <p:cNvPr id="1" name=""/>
+        <p:cNvGrpSpPr/>
+        <p:nvPr/>
+      </p:nvGrpSpPr>
+      <p:grpSpPr>
+        <a:xfrm>
+          <a:off x="0" y="0"/>
+          <a:ext cx="0" cy="0"/>
+          <a:chOff x="0" y="0"/>
+          <a:chExt cx="0" cy="0"/>
+        </a:xfrm>
+      </p:grpSpPr>
+      <p:sp>
+        <p:nvSpPr>
+          <p:cNvPr id="5" name="CuadroTexto 4"/>
+          <p:cNvSpPr txBox="1"/>
+          <p:nvPr/>
+        </p:nvSpPr>
+        <p:spPr>
+          <a:xfrm>
+            <a:off x="10939549" y="6467302"/>
+            <a:ext cx="1252451" cy="369332"/>
+          </a:xfrm>
+          <a:prstGeom prst="rect">
+            <a:avLst/>
+          </a:prstGeom>
+          <a:noFill/>
+        </p:spPr>
+        <p:txBody>
+          <a:bodyPr wrap="square" rtlCol="0">
+            <a:spAutoFit/>
+          </a:bodyPr>
+          <a:lstStyle/>
+          <a:p>
+            <a:r>
+              <a:rPr lang="es-PE" dirty="0" smtClean="0"/>
+              <a:t>p. </a:t>
+            </a:r>
+            <a:r>
+              <a:rPr lang="es-PE" dirty="0" smtClean="0"/>
+              <a:t>274</a:t>
+            </a:r>
+            <a:endParaRPr lang="es-PE" dirty="0"/>
+          </a:p>
+        </p:txBody>
+      </p:sp>
+      <p:pic>
+        <p:nvPicPr>
+          <p:cNvPr id="3" name="Imagen 2"/>
+          <p:cNvPicPr>
+            <a:picLocks noChangeAspect="1"/>
+          </p:cNvPicPr>
+          <p:nvPr/>
+        </p:nvPicPr>
+        <p:blipFill>
+          <a:blip r:embed="rId2"/>
+          <a:stretch>
+            <a:fillRect/>
+          </a:stretch>
+        </p:blipFill>
+        <p:spPr>
+          <a:xfrm>
+            <a:off x="2552700" y="1262062"/>
+            <a:ext cx="7086600" cy="4333875"/>
+          </a:xfrm>
+          <a:prstGeom prst="rect">
+            <a:avLst/>
+          </a:prstGeom>
+        </p:spPr>
+      </p:pic>
+    </p:spTree>
+    <p:extLst>
+      <p:ext uri="{BB962C8B-B14F-4D97-AF65-F5344CB8AC3E}">
+        <p14:creationId xmlns:p14="http://schemas.microsoft.com/office/powerpoint/2010/main" val="1836900919"/>
+      </p:ext>
+    </p:extLst>
+  </p:cSld>
+  <p:clrMapOvr>
+    <a:masterClrMapping/>
+  </p:clrMapOvr>
+</p:sld>
+</file>
+
+<file path=ppt/slides/slide48.xml><?xml version="1.0" encoding="utf-8"?>
+<p:sld xmlns:a="http://schemas.openxmlformats.org/drawingml/2006/main" xmlns:r="http://schemas.openxmlformats.org/officeDocument/2006/relationships" xmlns:p="http://schemas.openxmlformats.org/presentationml/2006/main">
+  <p:cSld>
+    <p:spTree>
+      <p:nvGrpSpPr>
+        <p:cNvPr id="1" name=""/>
+        <p:cNvGrpSpPr/>
+        <p:nvPr/>
+      </p:nvGrpSpPr>
+      <p:grpSpPr>
+        <a:xfrm>
+          <a:off x="0" y="0"/>
+          <a:ext cx="0" cy="0"/>
+          <a:chOff x="0" y="0"/>
+          <a:chExt cx="0" cy="0"/>
+        </a:xfrm>
+      </p:grpSpPr>
+      <p:sp>
+        <p:nvSpPr>
+          <p:cNvPr id="5" name="CuadroTexto 4"/>
+          <p:cNvSpPr txBox="1"/>
+          <p:nvPr/>
+        </p:nvSpPr>
+        <p:spPr>
+          <a:xfrm>
+            <a:off x="10939549" y="6467302"/>
+            <a:ext cx="1252451" cy="369332"/>
+          </a:xfrm>
+          <a:prstGeom prst="rect">
+            <a:avLst/>
+          </a:prstGeom>
+          <a:noFill/>
+        </p:spPr>
+        <p:txBody>
+          <a:bodyPr wrap="square" rtlCol="0">
+            <a:spAutoFit/>
+          </a:bodyPr>
+          <a:lstStyle/>
+          <a:p>
+            <a:r>
+              <a:rPr lang="es-PE" dirty="0" smtClean="0"/>
+              <a:t>p. </a:t>
+            </a:r>
+            <a:r>
+              <a:rPr lang="es-PE" dirty="0" smtClean="0"/>
+              <a:t>274</a:t>
+            </a:r>
+            <a:endParaRPr lang="es-PE" dirty="0"/>
+          </a:p>
+        </p:txBody>
+      </p:sp>
+      <p:pic>
+        <p:nvPicPr>
+          <p:cNvPr id="2" name="Imagen 1"/>
+          <p:cNvPicPr>
+            <a:picLocks noChangeAspect="1"/>
+          </p:cNvPicPr>
+          <p:nvPr/>
+        </p:nvPicPr>
+        <p:blipFill>
+          <a:blip r:embed="rId2"/>
+          <a:stretch>
+            <a:fillRect/>
+          </a:stretch>
+        </p:blipFill>
+        <p:spPr>
+          <a:xfrm>
+            <a:off x="2241406" y="912581"/>
+            <a:ext cx="7210425" cy="4600575"/>
+          </a:xfrm>
+          <a:prstGeom prst="rect">
+            <a:avLst/>
+          </a:prstGeom>
+        </p:spPr>
+      </p:pic>
+    </p:spTree>
+    <p:extLst>
+      <p:ext uri="{BB962C8B-B14F-4D97-AF65-F5344CB8AC3E}">
+        <p14:creationId xmlns:p14="http://schemas.microsoft.com/office/powerpoint/2010/main" val="1063202972"/>
+      </p:ext>
+    </p:extLst>
+  </p:cSld>
+  <p:clrMapOvr>
+    <a:masterClrMapping/>
+  </p:clrMapOvr>
+</p:sld>
+</file>
+
+<file path=ppt/slides/slide49.xml><?xml version="1.0" encoding="utf-8"?>
+<p:sld xmlns:a="http://schemas.openxmlformats.org/drawingml/2006/main" xmlns:r="http://schemas.openxmlformats.org/officeDocument/2006/relationships" xmlns:p="http://schemas.openxmlformats.org/presentationml/2006/main">
+  <p:cSld>
+    <p:spTree>
+      <p:nvGrpSpPr>
+        <p:cNvPr id="1" name=""/>
+        <p:cNvGrpSpPr/>
+        <p:nvPr/>
+      </p:nvGrpSpPr>
+      <p:grpSpPr>
+        <a:xfrm>
+          <a:off x="0" y="0"/>
+          <a:ext cx="0" cy="0"/>
+          <a:chOff x="0" y="0"/>
+          <a:chExt cx="0" cy="0"/>
+        </a:xfrm>
+      </p:grpSpPr>
+      <p:sp>
+        <p:nvSpPr>
+          <p:cNvPr id="5" name="CuadroTexto 4"/>
+          <p:cNvSpPr txBox="1"/>
+          <p:nvPr/>
+        </p:nvSpPr>
+        <p:spPr>
+          <a:xfrm>
+            <a:off x="10939549" y="6467302"/>
+            <a:ext cx="1252451" cy="369332"/>
+          </a:xfrm>
+          <a:prstGeom prst="rect">
+            <a:avLst/>
+          </a:prstGeom>
+          <a:noFill/>
+        </p:spPr>
+        <p:txBody>
+          <a:bodyPr wrap="square" rtlCol="0">
+            <a:spAutoFit/>
+          </a:bodyPr>
+          <a:lstStyle/>
+          <a:p>
+            <a:r>
+              <a:rPr lang="es-PE" dirty="0" smtClean="0"/>
+              <a:t>p. </a:t>
+            </a:r>
+            <a:r>
+              <a:rPr lang="es-PE" dirty="0" smtClean="0"/>
+              <a:t>275</a:t>
+            </a:r>
+            <a:endParaRPr lang="es-PE" dirty="0"/>
+          </a:p>
+        </p:txBody>
+      </p:sp>
+      <p:pic>
+        <p:nvPicPr>
+          <p:cNvPr id="3" name="Imagen 2"/>
+          <p:cNvPicPr>
+            <a:picLocks noChangeAspect="1"/>
+          </p:cNvPicPr>
+          <p:nvPr/>
+        </p:nvPicPr>
+        <p:blipFill>
+          <a:blip r:embed="rId2"/>
+          <a:stretch>
+            <a:fillRect/>
+          </a:stretch>
+        </p:blipFill>
+        <p:spPr>
+          <a:xfrm>
+            <a:off x="2614612" y="1143000"/>
+            <a:ext cx="6962775" cy="4572000"/>
+          </a:xfrm>
+          <a:prstGeom prst="rect">
+            <a:avLst/>
+          </a:prstGeom>
+        </p:spPr>
+      </p:pic>
+    </p:spTree>
+    <p:extLst>
+      <p:ext uri="{BB962C8B-B14F-4D97-AF65-F5344CB8AC3E}">
+        <p14:creationId xmlns:p14="http://schemas.microsoft.com/office/powerpoint/2010/main" val="1503701812"/>
+      </p:ext>
+    </p:extLst>
+  </p:cSld>
+  <p:clrMapOvr>
+    <a:masterClrMapping/>
+  </p:clrMapOvr>
+</p:sld>
+</file>
+
 <file path=ppt/slides/slide5.xml><?xml version="1.0" encoding="utf-8"?>
 <p:sld xmlns:a="http://schemas.openxmlformats.org/drawingml/2006/main" xmlns:r="http://schemas.openxmlformats.org/officeDocument/2006/relationships" xmlns:p="http://schemas.openxmlformats.org/presentationml/2006/main">
   <p:cSld>
@@ -14585,6 +16724,470 @@
     <p:extLst>
       <p:ext uri="{BB962C8B-B14F-4D97-AF65-F5344CB8AC3E}">
         <p14:creationId xmlns:p14="http://schemas.microsoft.com/office/powerpoint/2010/main" val="1697796974"/>
+      </p:ext>
+    </p:extLst>
+  </p:cSld>
+  <p:clrMapOvr>
+    <a:masterClrMapping/>
+  </p:clrMapOvr>
+</p:sld>
+</file>
+
+<file path=ppt/slides/slide50.xml><?xml version="1.0" encoding="utf-8"?>
+<p:sld xmlns:a="http://schemas.openxmlformats.org/drawingml/2006/main" xmlns:r="http://schemas.openxmlformats.org/officeDocument/2006/relationships" xmlns:p="http://schemas.openxmlformats.org/presentationml/2006/main">
+  <p:cSld>
+    <p:spTree>
+      <p:nvGrpSpPr>
+        <p:cNvPr id="1" name=""/>
+        <p:cNvGrpSpPr/>
+        <p:nvPr/>
+      </p:nvGrpSpPr>
+      <p:grpSpPr>
+        <a:xfrm>
+          <a:off x="0" y="0"/>
+          <a:ext cx="0" cy="0"/>
+          <a:chOff x="0" y="0"/>
+          <a:chExt cx="0" cy="0"/>
+        </a:xfrm>
+      </p:grpSpPr>
+      <p:sp>
+        <p:nvSpPr>
+          <p:cNvPr id="5" name="CuadroTexto 4"/>
+          <p:cNvSpPr txBox="1"/>
+          <p:nvPr/>
+        </p:nvSpPr>
+        <p:spPr>
+          <a:xfrm>
+            <a:off x="10939549" y="6467302"/>
+            <a:ext cx="1252451" cy="369332"/>
+          </a:xfrm>
+          <a:prstGeom prst="rect">
+            <a:avLst/>
+          </a:prstGeom>
+          <a:noFill/>
+        </p:spPr>
+        <p:txBody>
+          <a:bodyPr wrap="square" rtlCol="0">
+            <a:spAutoFit/>
+          </a:bodyPr>
+          <a:lstStyle/>
+          <a:p>
+            <a:r>
+              <a:rPr lang="es-PE" dirty="0" smtClean="0"/>
+              <a:t>p. </a:t>
+            </a:r>
+            <a:r>
+              <a:rPr lang="es-PE" dirty="0" smtClean="0"/>
+              <a:t>275</a:t>
+            </a:r>
+            <a:endParaRPr lang="es-PE" dirty="0"/>
+          </a:p>
+        </p:txBody>
+      </p:sp>
+      <p:pic>
+        <p:nvPicPr>
+          <p:cNvPr id="2" name="Imagen 1"/>
+          <p:cNvPicPr>
+            <a:picLocks noChangeAspect="1"/>
+          </p:cNvPicPr>
+          <p:nvPr/>
+        </p:nvPicPr>
+        <p:blipFill>
+          <a:blip r:embed="rId2"/>
+          <a:stretch>
+            <a:fillRect/>
+          </a:stretch>
+        </p:blipFill>
+        <p:spPr>
+          <a:xfrm>
+            <a:off x="2742854" y="1350557"/>
+            <a:ext cx="6972300" cy="3857625"/>
+          </a:xfrm>
+          <a:prstGeom prst="rect">
+            <a:avLst/>
+          </a:prstGeom>
+        </p:spPr>
+      </p:pic>
+    </p:spTree>
+    <p:extLst>
+      <p:ext uri="{BB962C8B-B14F-4D97-AF65-F5344CB8AC3E}">
+        <p14:creationId xmlns:p14="http://schemas.microsoft.com/office/powerpoint/2010/main" val="1731943403"/>
+      </p:ext>
+    </p:extLst>
+  </p:cSld>
+  <p:clrMapOvr>
+    <a:masterClrMapping/>
+  </p:clrMapOvr>
+</p:sld>
+</file>
+
+<file path=ppt/slides/slide51.xml><?xml version="1.0" encoding="utf-8"?>
+<p:sld xmlns:a="http://schemas.openxmlformats.org/drawingml/2006/main" xmlns:r="http://schemas.openxmlformats.org/officeDocument/2006/relationships" xmlns:p="http://schemas.openxmlformats.org/presentationml/2006/main">
+  <p:cSld>
+    <p:spTree>
+      <p:nvGrpSpPr>
+        <p:cNvPr id="1" name=""/>
+        <p:cNvGrpSpPr/>
+        <p:nvPr/>
+      </p:nvGrpSpPr>
+      <p:grpSpPr>
+        <a:xfrm>
+          <a:off x="0" y="0"/>
+          <a:ext cx="0" cy="0"/>
+          <a:chOff x="0" y="0"/>
+          <a:chExt cx="0" cy="0"/>
+        </a:xfrm>
+      </p:grpSpPr>
+      <p:sp>
+        <p:nvSpPr>
+          <p:cNvPr id="5" name="CuadroTexto 4"/>
+          <p:cNvSpPr txBox="1"/>
+          <p:nvPr/>
+        </p:nvSpPr>
+        <p:spPr>
+          <a:xfrm>
+            <a:off x="10939549" y="6467302"/>
+            <a:ext cx="1252451" cy="369332"/>
+          </a:xfrm>
+          <a:prstGeom prst="rect">
+            <a:avLst/>
+          </a:prstGeom>
+          <a:noFill/>
+        </p:spPr>
+        <p:txBody>
+          <a:bodyPr wrap="square" rtlCol="0">
+            <a:spAutoFit/>
+          </a:bodyPr>
+          <a:lstStyle/>
+          <a:p>
+            <a:r>
+              <a:rPr lang="es-PE" dirty="0" smtClean="0"/>
+              <a:t>p. </a:t>
+            </a:r>
+            <a:r>
+              <a:rPr lang="es-PE" dirty="0" smtClean="0"/>
+              <a:t>275-276</a:t>
+            </a:r>
+            <a:endParaRPr lang="es-PE" dirty="0"/>
+          </a:p>
+        </p:txBody>
+      </p:sp>
+      <p:pic>
+        <p:nvPicPr>
+          <p:cNvPr id="3" name="Imagen 2"/>
+          <p:cNvPicPr>
+            <a:picLocks noChangeAspect="1"/>
+          </p:cNvPicPr>
+          <p:nvPr/>
+        </p:nvPicPr>
+        <p:blipFill>
+          <a:blip r:embed="rId2"/>
+          <a:stretch>
+            <a:fillRect/>
+          </a:stretch>
+        </p:blipFill>
+        <p:spPr>
+          <a:xfrm>
+            <a:off x="2555384" y="777153"/>
+            <a:ext cx="6848475" cy="981075"/>
+          </a:xfrm>
+          <a:prstGeom prst="rect">
+            <a:avLst/>
+          </a:prstGeom>
+        </p:spPr>
+      </p:pic>
+      <p:pic>
+        <p:nvPicPr>
+          <p:cNvPr id="4" name="Imagen 3"/>
+          <p:cNvPicPr>
+            <a:picLocks noChangeAspect="1"/>
+          </p:cNvPicPr>
+          <p:nvPr/>
+        </p:nvPicPr>
+        <p:blipFill>
+          <a:blip r:embed="rId3"/>
+          <a:stretch>
+            <a:fillRect/>
+          </a:stretch>
+        </p:blipFill>
+        <p:spPr>
+          <a:xfrm>
+            <a:off x="2638425" y="2128837"/>
+            <a:ext cx="6915150" cy="2600325"/>
+          </a:xfrm>
+          <a:prstGeom prst="rect">
+            <a:avLst/>
+          </a:prstGeom>
+        </p:spPr>
+      </p:pic>
+    </p:spTree>
+    <p:extLst>
+      <p:ext uri="{BB962C8B-B14F-4D97-AF65-F5344CB8AC3E}">
+        <p14:creationId xmlns:p14="http://schemas.microsoft.com/office/powerpoint/2010/main" val="622320601"/>
+      </p:ext>
+    </p:extLst>
+  </p:cSld>
+  <p:clrMapOvr>
+    <a:masterClrMapping/>
+  </p:clrMapOvr>
+</p:sld>
+</file>
+
+<file path=ppt/slides/slide52.xml><?xml version="1.0" encoding="utf-8"?>
+<p:sld xmlns:a="http://schemas.openxmlformats.org/drawingml/2006/main" xmlns:r="http://schemas.openxmlformats.org/officeDocument/2006/relationships" xmlns:p="http://schemas.openxmlformats.org/presentationml/2006/main">
+  <p:cSld>
+    <p:spTree>
+      <p:nvGrpSpPr>
+        <p:cNvPr id="1" name=""/>
+        <p:cNvGrpSpPr/>
+        <p:nvPr/>
+      </p:nvGrpSpPr>
+      <p:grpSpPr>
+        <a:xfrm>
+          <a:off x="0" y="0"/>
+          <a:ext cx="0" cy="0"/>
+          <a:chOff x="0" y="0"/>
+          <a:chExt cx="0" cy="0"/>
+        </a:xfrm>
+      </p:grpSpPr>
+      <p:sp>
+        <p:nvSpPr>
+          <p:cNvPr id="5" name="CuadroTexto 4"/>
+          <p:cNvSpPr txBox="1"/>
+          <p:nvPr/>
+        </p:nvSpPr>
+        <p:spPr>
+          <a:xfrm>
+            <a:off x="10939549" y="6467302"/>
+            <a:ext cx="1252451" cy="369332"/>
+          </a:xfrm>
+          <a:prstGeom prst="rect">
+            <a:avLst/>
+          </a:prstGeom>
+          <a:noFill/>
+        </p:spPr>
+        <p:txBody>
+          <a:bodyPr wrap="square" rtlCol="0">
+            <a:spAutoFit/>
+          </a:bodyPr>
+          <a:lstStyle/>
+          <a:p>
+            <a:r>
+              <a:rPr lang="es-PE" dirty="0" smtClean="0"/>
+              <a:t>p. </a:t>
+            </a:r>
+            <a:r>
+              <a:rPr lang="es-PE" dirty="0" smtClean="0"/>
+              <a:t>276</a:t>
+            </a:r>
+            <a:endParaRPr lang="es-PE" dirty="0"/>
+          </a:p>
+        </p:txBody>
+      </p:sp>
+      <p:pic>
+        <p:nvPicPr>
+          <p:cNvPr id="2" name="Imagen 1"/>
+          <p:cNvPicPr>
+            <a:picLocks noChangeAspect="1"/>
+          </p:cNvPicPr>
+          <p:nvPr/>
+        </p:nvPicPr>
+        <p:blipFill>
+          <a:blip r:embed="rId2"/>
+          <a:stretch>
+            <a:fillRect/>
+          </a:stretch>
+        </p:blipFill>
+        <p:spPr>
+          <a:xfrm>
+            <a:off x="2638425" y="2924175"/>
+            <a:ext cx="6915150" cy="1009650"/>
+          </a:xfrm>
+          <a:prstGeom prst="rect">
+            <a:avLst/>
+          </a:prstGeom>
+        </p:spPr>
+      </p:pic>
+    </p:spTree>
+    <p:extLst>
+      <p:ext uri="{BB962C8B-B14F-4D97-AF65-F5344CB8AC3E}">
+        <p14:creationId xmlns:p14="http://schemas.microsoft.com/office/powerpoint/2010/main" val="2638062311"/>
+      </p:ext>
+    </p:extLst>
+  </p:cSld>
+  <p:clrMapOvr>
+    <a:masterClrMapping/>
+  </p:clrMapOvr>
+</p:sld>
+</file>
+
+<file path=ppt/slides/slide53.xml><?xml version="1.0" encoding="utf-8"?>
+<p:sld xmlns:a="http://schemas.openxmlformats.org/drawingml/2006/main" xmlns:r="http://schemas.openxmlformats.org/officeDocument/2006/relationships" xmlns:p="http://schemas.openxmlformats.org/presentationml/2006/main">
+  <p:cSld>
+    <p:spTree>
+      <p:nvGrpSpPr>
+        <p:cNvPr id="1" name=""/>
+        <p:cNvGrpSpPr/>
+        <p:nvPr/>
+      </p:nvGrpSpPr>
+      <p:grpSpPr>
+        <a:xfrm>
+          <a:off x="0" y="0"/>
+          <a:ext cx="0" cy="0"/>
+          <a:chOff x="0" y="0"/>
+          <a:chExt cx="0" cy="0"/>
+        </a:xfrm>
+      </p:grpSpPr>
+      <p:sp>
+        <p:nvSpPr>
+          <p:cNvPr id="5" name="CuadroTexto 4"/>
+          <p:cNvSpPr txBox="1"/>
+          <p:nvPr/>
+        </p:nvSpPr>
+        <p:spPr>
+          <a:xfrm>
+            <a:off x="10939549" y="6467302"/>
+            <a:ext cx="1252451" cy="369332"/>
+          </a:xfrm>
+          <a:prstGeom prst="rect">
+            <a:avLst/>
+          </a:prstGeom>
+          <a:noFill/>
+        </p:spPr>
+        <p:txBody>
+          <a:bodyPr wrap="square" rtlCol="0">
+            <a:spAutoFit/>
+          </a:bodyPr>
+          <a:lstStyle/>
+          <a:p>
+            <a:r>
+              <a:rPr lang="es-PE" dirty="0" smtClean="0"/>
+              <a:t>p. </a:t>
+            </a:r>
+            <a:r>
+              <a:rPr lang="es-PE" dirty="0" smtClean="0"/>
+              <a:t>276</a:t>
+            </a:r>
+            <a:endParaRPr lang="es-PE" dirty="0"/>
+          </a:p>
+        </p:txBody>
+      </p:sp>
+      <p:pic>
+        <p:nvPicPr>
+          <p:cNvPr id="3" name="Imagen 2"/>
+          <p:cNvPicPr>
+            <a:picLocks noChangeAspect="1"/>
+          </p:cNvPicPr>
+          <p:nvPr/>
+        </p:nvPicPr>
+        <p:blipFill>
+          <a:blip r:embed="rId2"/>
+          <a:stretch>
+            <a:fillRect/>
+          </a:stretch>
+        </p:blipFill>
+        <p:spPr>
+          <a:xfrm>
+            <a:off x="2619375" y="1171575"/>
+            <a:ext cx="6953250" cy="4514850"/>
+          </a:xfrm>
+          <a:prstGeom prst="rect">
+            <a:avLst/>
+          </a:prstGeom>
+        </p:spPr>
+      </p:pic>
+    </p:spTree>
+    <p:extLst>
+      <p:ext uri="{BB962C8B-B14F-4D97-AF65-F5344CB8AC3E}">
+        <p14:creationId xmlns:p14="http://schemas.microsoft.com/office/powerpoint/2010/main" val="3842103043"/>
+      </p:ext>
+    </p:extLst>
+  </p:cSld>
+  <p:clrMapOvr>
+    <a:masterClrMapping/>
+  </p:clrMapOvr>
+</p:sld>
+</file>
+
+<file path=ppt/slides/slide54.xml><?xml version="1.0" encoding="utf-8"?>
+<p:sld xmlns:a="http://schemas.openxmlformats.org/drawingml/2006/main" xmlns:r="http://schemas.openxmlformats.org/officeDocument/2006/relationships" xmlns:p="http://schemas.openxmlformats.org/presentationml/2006/main">
+  <p:cSld>
+    <p:spTree>
+      <p:nvGrpSpPr>
+        <p:cNvPr id="1" name=""/>
+        <p:cNvGrpSpPr/>
+        <p:nvPr/>
+      </p:nvGrpSpPr>
+      <p:grpSpPr>
+        <a:xfrm>
+          <a:off x="0" y="0"/>
+          <a:ext cx="0" cy="0"/>
+          <a:chOff x="0" y="0"/>
+          <a:chExt cx="0" cy="0"/>
+        </a:xfrm>
+      </p:grpSpPr>
+      <p:sp>
+        <p:nvSpPr>
+          <p:cNvPr id="5" name="CuadroTexto 4"/>
+          <p:cNvSpPr txBox="1"/>
+          <p:nvPr/>
+        </p:nvSpPr>
+        <p:spPr>
+          <a:xfrm>
+            <a:off x="10939549" y="6467302"/>
+            <a:ext cx="1252451" cy="369332"/>
+          </a:xfrm>
+          <a:prstGeom prst="rect">
+            <a:avLst/>
+          </a:prstGeom>
+          <a:noFill/>
+        </p:spPr>
+        <p:txBody>
+          <a:bodyPr wrap="square" rtlCol="0">
+            <a:spAutoFit/>
+          </a:bodyPr>
+          <a:lstStyle/>
+          <a:p>
+            <a:r>
+              <a:rPr lang="es-PE" dirty="0" smtClean="0"/>
+              <a:t>p. </a:t>
+            </a:r>
+            <a:r>
+              <a:rPr lang="es-PE" dirty="0" smtClean="0"/>
+              <a:t>276</a:t>
+            </a:r>
+            <a:endParaRPr lang="es-PE" dirty="0"/>
+          </a:p>
+        </p:txBody>
+      </p:sp>
+      <p:pic>
+        <p:nvPicPr>
+          <p:cNvPr id="3" name="Imagen 2"/>
+          <p:cNvPicPr>
+            <a:picLocks noChangeAspect="1"/>
+          </p:cNvPicPr>
+          <p:nvPr/>
+        </p:nvPicPr>
+        <p:blipFill>
+          <a:blip r:embed="rId2"/>
+          <a:stretch>
+            <a:fillRect/>
+          </a:stretch>
+        </p:blipFill>
+        <p:spPr>
+          <a:xfrm>
+            <a:off x="2619375" y="1171575"/>
+            <a:ext cx="6953250" cy="4514850"/>
+          </a:xfrm>
+          <a:prstGeom prst="rect">
+            <a:avLst/>
+          </a:prstGeom>
+        </p:spPr>
+      </p:pic>
+    </p:spTree>
+    <p:extLst>
+      <p:ext uri="{BB962C8B-B14F-4D97-AF65-F5344CB8AC3E}">
+        <p14:creationId xmlns:p14="http://schemas.microsoft.com/office/powerpoint/2010/main" val="2807710322"/>
       </p:ext>
     </p:extLst>
   </p:cSld>
@@ -15100,13 +17703,8 @@
           <a:p>
             <a:r>
               <a:rPr lang="es-PE" dirty="0" smtClean="0"/>
-              <a:t>2 alejamiento de ritos o </a:t>
-            </a:r>
-            <a:r>
-              <a:rPr lang="es-PE" dirty="0" smtClean="0"/>
-              <a:t>prácticas; pérdida o declinación de fe</a:t>
-            </a:r>
-            <a:endParaRPr lang="es-PE" dirty="0" smtClean="0"/>
+              <a:t>2 alejamiento de ritos o prácticas; pérdida o declinación de fe</a:t>
+            </a:r>
           </a:p>
           <a:p>
             <a:r>
@@ -16106,11 +18704,7 @@
             </a:r>
             <a:r>
               <a:rPr lang="en-US" dirty="0" smtClean="0"/>
-              <a:t> </a:t>
-            </a:r>
-            <a:r>
-              <a:rPr lang="en-US" dirty="0" smtClean="0"/>
-              <a:t>del </a:t>
+              <a:t> del </a:t>
             </a:r>
             <a:r>
               <a:rPr lang="en-US" dirty="0" err="1" smtClean="0"/>
@@ -16128,7 +18722,6 @@
               <a:rPr lang="en-US" dirty="0" smtClean="0"/>
               <a:t>. </a:t>
             </a:r>
-            <a:endParaRPr lang="en-US" dirty="0" smtClean="0"/>
           </a:p>
           <a:p>
             <a:endParaRPr lang="en-US" dirty="0" smtClean="0"/>

--- a/assets uarm/2023 2 UarmPCrit/Taylor - Era Secular 3 y 5.pptx
+++ b/assets uarm/2023 2 UarmPCrit/Taylor - Era Secular 3 y 5.pptx
@@ -39,26 +39,20 @@
     <p:sldId id="296" r:id="rId33"/>
     <p:sldId id="297" r:id="rId34"/>
     <p:sldId id="299" r:id="rId35"/>
-    <p:sldId id="300" r:id="rId36"/>
-    <p:sldId id="301" r:id="rId37"/>
-    <p:sldId id="302" r:id="rId38"/>
-    <p:sldId id="303" r:id="rId39"/>
-    <p:sldId id="304" r:id="rId40"/>
-    <p:sldId id="305" r:id="rId41"/>
-    <p:sldId id="306" r:id="rId42"/>
-    <p:sldId id="307" r:id="rId43"/>
-    <p:sldId id="308" r:id="rId44"/>
-    <p:sldId id="309" r:id="rId45"/>
-    <p:sldId id="310" r:id="rId46"/>
-    <p:sldId id="311" r:id="rId47"/>
-    <p:sldId id="312" r:id="rId48"/>
-    <p:sldId id="313" r:id="rId49"/>
-    <p:sldId id="314" r:id="rId50"/>
-    <p:sldId id="315" r:id="rId51"/>
-    <p:sldId id="316" r:id="rId52"/>
-    <p:sldId id="317" r:id="rId53"/>
-    <p:sldId id="318" r:id="rId54"/>
-    <p:sldId id="319" r:id="rId55"/>
+    <p:sldId id="301" r:id="rId36"/>
+    <p:sldId id="302" r:id="rId37"/>
+    <p:sldId id="304" r:id="rId38"/>
+    <p:sldId id="306" r:id="rId39"/>
+    <p:sldId id="308" r:id="rId40"/>
+    <p:sldId id="309" r:id="rId41"/>
+    <p:sldId id="310" r:id="rId42"/>
+    <p:sldId id="311" r:id="rId43"/>
+    <p:sldId id="312" r:id="rId44"/>
+    <p:sldId id="313" r:id="rId45"/>
+    <p:sldId id="314" r:id="rId46"/>
+    <p:sldId id="316" r:id="rId47"/>
+    <p:sldId id="318" r:id="rId48"/>
+    <p:sldId id="320" r:id="rId49"/>
   </p:sldIdLst>
   <p:sldSz cx="12192000" cy="6858000"/>
   <p:notesSz cx="6858000" cy="9144000"/>
@@ -296,7 +290,7 @@
           <a:p>
             <a:fld id="{C0E97E01-ED5A-4091-B4B5-A906FD824320}" type="datetimeFigureOut">
               <a:rPr lang="es-PE" smtClean="0"/>
-              <a:t>28/09/2023</a:t>
+              <a:t>30/09/2023</a:t>
             </a:fld>
             <a:endParaRPr lang="es-PE"/>
           </a:p>
@@ -466,7 +460,7 @@
           <a:p>
             <a:fld id="{C0E97E01-ED5A-4091-B4B5-A906FD824320}" type="datetimeFigureOut">
               <a:rPr lang="es-PE" smtClean="0"/>
-              <a:t>28/09/2023</a:t>
+              <a:t>30/09/2023</a:t>
             </a:fld>
             <a:endParaRPr lang="es-PE"/>
           </a:p>
@@ -646,7 +640,7 @@
           <a:p>
             <a:fld id="{C0E97E01-ED5A-4091-B4B5-A906FD824320}" type="datetimeFigureOut">
               <a:rPr lang="es-PE" smtClean="0"/>
-              <a:t>28/09/2023</a:t>
+              <a:t>30/09/2023</a:t>
             </a:fld>
             <a:endParaRPr lang="es-PE"/>
           </a:p>
@@ -816,7 +810,7 @@
           <a:p>
             <a:fld id="{C0E97E01-ED5A-4091-B4B5-A906FD824320}" type="datetimeFigureOut">
               <a:rPr lang="es-PE" smtClean="0"/>
-              <a:t>28/09/2023</a:t>
+              <a:t>30/09/2023</a:t>
             </a:fld>
             <a:endParaRPr lang="es-PE"/>
           </a:p>
@@ -1062,7 +1056,7 @@
           <a:p>
             <a:fld id="{C0E97E01-ED5A-4091-B4B5-A906FD824320}" type="datetimeFigureOut">
               <a:rPr lang="es-PE" smtClean="0"/>
-              <a:t>28/09/2023</a:t>
+              <a:t>30/09/2023</a:t>
             </a:fld>
             <a:endParaRPr lang="es-PE"/>
           </a:p>
@@ -1294,7 +1288,7 @@
           <a:p>
             <a:fld id="{C0E97E01-ED5A-4091-B4B5-A906FD824320}" type="datetimeFigureOut">
               <a:rPr lang="es-PE" smtClean="0"/>
-              <a:t>28/09/2023</a:t>
+              <a:t>30/09/2023</a:t>
             </a:fld>
             <a:endParaRPr lang="es-PE"/>
           </a:p>
@@ -1661,7 +1655,7 @@
           <a:p>
             <a:fld id="{C0E97E01-ED5A-4091-B4B5-A906FD824320}" type="datetimeFigureOut">
               <a:rPr lang="es-PE" smtClean="0"/>
-              <a:t>28/09/2023</a:t>
+              <a:t>30/09/2023</a:t>
             </a:fld>
             <a:endParaRPr lang="es-PE"/>
           </a:p>
@@ -1779,7 +1773,7 @@
           <a:p>
             <a:fld id="{C0E97E01-ED5A-4091-B4B5-A906FD824320}" type="datetimeFigureOut">
               <a:rPr lang="es-PE" smtClean="0"/>
-              <a:t>28/09/2023</a:t>
+              <a:t>30/09/2023</a:t>
             </a:fld>
             <a:endParaRPr lang="es-PE"/>
           </a:p>
@@ -1874,7 +1868,7 @@
           <a:p>
             <a:fld id="{C0E97E01-ED5A-4091-B4B5-A906FD824320}" type="datetimeFigureOut">
               <a:rPr lang="es-PE" smtClean="0"/>
-              <a:t>28/09/2023</a:t>
+              <a:t>30/09/2023</a:t>
             </a:fld>
             <a:endParaRPr lang="es-PE"/>
           </a:p>
@@ -2151,7 +2145,7 @@
           <a:p>
             <a:fld id="{C0E97E01-ED5A-4091-B4B5-A906FD824320}" type="datetimeFigureOut">
               <a:rPr lang="es-PE" smtClean="0"/>
-              <a:t>28/09/2023</a:t>
+              <a:t>30/09/2023</a:t>
             </a:fld>
             <a:endParaRPr lang="es-PE"/>
           </a:p>
@@ -2404,7 +2398,7 @@
           <a:p>
             <a:fld id="{C0E97E01-ED5A-4091-B4B5-A906FD824320}" type="datetimeFigureOut">
               <a:rPr lang="es-PE" smtClean="0"/>
-              <a:t>28/09/2023</a:t>
+              <a:t>30/09/2023</a:t>
             </a:fld>
             <a:endParaRPr lang="es-PE"/>
           </a:p>
@@ -2617,7 +2611,7 @@
           <a:p>
             <a:fld id="{C0E97E01-ED5A-4091-B4B5-A906FD824320}" type="datetimeFigureOut">
               <a:rPr lang="es-PE" smtClean="0"/>
-              <a:t>28/09/2023</a:t>
+              <a:t>30/09/2023</a:t>
             </a:fld>
             <a:endParaRPr lang="es-PE"/>
           </a:p>
@@ -13515,11 +13509,247 @@
           <a:p>
             <a:r>
               <a:rPr lang="es-PE" dirty="0" smtClean="0"/>
-              <a:t>p. </a:t>
-            </a:r>
+              <a:t>p. 269</a:t>
+            </a:r>
+            <a:endParaRPr lang="es-PE" dirty="0"/>
+          </a:p>
+        </p:txBody>
+      </p:sp>
+      <p:cxnSp>
+        <p:nvCxnSpPr>
+          <p:cNvPr id="3" name="Conector recto 2"/>
+          <p:cNvCxnSpPr/>
+          <p:nvPr/>
+        </p:nvCxnSpPr>
+        <p:spPr>
+          <a:xfrm>
+            <a:off x="10842171" y="1371600"/>
+            <a:ext cx="573709" cy="0"/>
+          </a:xfrm>
+          <a:prstGeom prst="line">
+            <a:avLst/>
+          </a:prstGeom>
+          <a:ln w="38100">
+            <a:solidFill>
+              <a:srgbClr val="FF0000"/>
+            </a:solidFill>
+          </a:ln>
+        </p:spPr>
+        <p:style>
+          <a:lnRef idx="1">
+            <a:schemeClr val="accent1"/>
+          </a:lnRef>
+          <a:fillRef idx="0">
+            <a:schemeClr val="accent1"/>
+          </a:fillRef>
+          <a:effectRef idx="0">
+            <a:schemeClr val="accent1"/>
+          </a:effectRef>
+          <a:fontRef idx="minor">
+            <a:schemeClr val="tx1"/>
+          </a:fontRef>
+        </p:style>
+      </p:cxnSp>
+      <p:cxnSp>
+        <p:nvCxnSpPr>
+          <p:cNvPr id="7" name="Conector recto 6"/>
+          <p:cNvCxnSpPr/>
+          <p:nvPr/>
+        </p:nvCxnSpPr>
+        <p:spPr>
+          <a:xfrm>
+            <a:off x="836023" y="1750423"/>
+            <a:ext cx="10579857" cy="0"/>
+          </a:xfrm>
+          <a:prstGeom prst="line">
+            <a:avLst/>
+          </a:prstGeom>
+          <a:ln w="38100">
+            <a:solidFill>
+              <a:srgbClr val="FF0000"/>
+            </a:solidFill>
+          </a:ln>
+        </p:spPr>
+        <p:style>
+          <a:lnRef idx="1">
+            <a:schemeClr val="accent1"/>
+          </a:lnRef>
+          <a:fillRef idx="0">
+            <a:schemeClr val="accent1"/>
+          </a:fillRef>
+          <a:effectRef idx="0">
+            <a:schemeClr val="accent1"/>
+          </a:effectRef>
+          <a:fontRef idx="minor">
+            <a:schemeClr val="tx1"/>
+          </a:fontRef>
+        </p:style>
+      </p:cxnSp>
+      <p:cxnSp>
+        <p:nvCxnSpPr>
+          <p:cNvPr id="9" name="Conector recto 8"/>
+          <p:cNvCxnSpPr/>
+          <p:nvPr/>
+        </p:nvCxnSpPr>
+        <p:spPr>
+          <a:xfrm>
+            <a:off x="770709" y="2194560"/>
+            <a:ext cx="2455817" cy="0"/>
+          </a:xfrm>
+          <a:prstGeom prst="line">
+            <a:avLst/>
+          </a:prstGeom>
+          <a:ln w="38100">
+            <a:solidFill>
+              <a:srgbClr val="FF0000"/>
+            </a:solidFill>
+          </a:ln>
+        </p:spPr>
+        <p:style>
+          <a:lnRef idx="1">
+            <a:schemeClr val="accent1"/>
+          </a:lnRef>
+          <a:fillRef idx="0">
+            <a:schemeClr val="accent1"/>
+          </a:fillRef>
+          <a:effectRef idx="0">
+            <a:schemeClr val="accent1"/>
+          </a:effectRef>
+          <a:fontRef idx="minor">
+            <a:schemeClr val="tx1"/>
+          </a:fontRef>
+        </p:style>
+      </p:cxnSp>
+      <p:cxnSp>
+        <p:nvCxnSpPr>
+          <p:cNvPr id="11" name="Conector recto 10"/>
+          <p:cNvCxnSpPr/>
+          <p:nvPr/>
+        </p:nvCxnSpPr>
+        <p:spPr>
+          <a:xfrm>
+            <a:off x="7942217" y="2142309"/>
+            <a:ext cx="1397726" cy="0"/>
+          </a:xfrm>
+          <a:prstGeom prst="line">
+            <a:avLst/>
+          </a:prstGeom>
+          <a:ln w="38100">
+            <a:solidFill>
+              <a:srgbClr val="FF0000"/>
+            </a:solidFill>
+          </a:ln>
+        </p:spPr>
+        <p:style>
+          <a:lnRef idx="1">
+            <a:schemeClr val="accent1"/>
+          </a:lnRef>
+          <a:fillRef idx="0">
+            <a:schemeClr val="accent1"/>
+          </a:fillRef>
+          <a:effectRef idx="0">
+            <a:schemeClr val="accent1"/>
+          </a:effectRef>
+          <a:fontRef idx="minor">
+            <a:schemeClr val="tx1"/>
+          </a:fontRef>
+        </p:style>
+      </p:cxnSp>
+      <p:cxnSp>
+        <p:nvCxnSpPr>
+          <p:cNvPr id="13" name="Conector recto 12"/>
+          <p:cNvCxnSpPr/>
+          <p:nvPr/>
+        </p:nvCxnSpPr>
+        <p:spPr>
+          <a:xfrm>
+            <a:off x="3579223" y="2886891"/>
+            <a:ext cx="2416628" cy="0"/>
+          </a:xfrm>
+          <a:prstGeom prst="line">
+            <a:avLst/>
+          </a:prstGeom>
+          <a:ln w="38100">
+            <a:solidFill>
+              <a:srgbClr val="FF0000"/>
+            </a:solidFill>
+          </a:ln>
+        </p:spPr>
+        <p:style>
+          <a:lnRef idx="1">
+            <a:schemeClr val="accent1"/>
+          </a:lnRef>
+          <a:fillRef idx="0">
+            <a:schemeClr val="accent1"/>
+          </a:fillRef>
+          <a:effectRef idx="0">
+            <a:schemeClr val="accent1"/>
+          </a:effectRef>
+          <a:fontRef idx="minor">
+            <a:schemeClr val="tx1"/>
+          </a:fontRef>
+        </p:style>
+      </p:cxnSp>
+      <p:cxnSp>
+        <p:nvCxnSpPr>
+          <p:cNvPr id="15" name="Conector recto 14"/>
+          <p:cNvCxnSpPr/>
+          <p:nvPr/>
+        </p:nvCxnSpPr>
+        <p:spPr>
+          <a:xfrm>
+            <a:off x="3344091" y="4522123"/>
+            <a:ext cx="1580606" cy="0"/>
+          </a:xfrm>
+          <a:prstGeom prst="line">
+            <a:avLst/>
+          </a:prstGeom>
+          <a:ln w="38100">
+            <a:solidFill>
+              <a:srgbClr val="FF0000"/>
+            </a:solidFill>
+          </a:ln>
+        </p:spPr>
+        <p:style>
+          <a:lnRef idx="1">
+            <a:schemeClr val="accent1"/>
+          </a:lnRef>
+          <a:fillRef idx="0">
+            <a:schemeClr val="accent1"/>
+          </a:fillRef>
+          <a:effectRef idx="0">
+            <a:schemeClr val="accent1"/>
+          </a:effectRef>
+          <a:fontRef idx="minor">
+            <a:schemeClr val="tx1"/>
+          </a:fontRef>
+        </p:style>
+      </p:cxnSp>
+      <p:sp>
+        <p:nvSpPr>
+          <p:cNvPr id="16" name="CuadroTexto 15"/>
+          <p:cNvSpPr txBox="1"/>
+          <p:nvPr/>
+        </p:nvSpPr>
+        <p:spPr>
+          <a:xfrm>
+            <a:off x="3814355" y="6097970"/>
+            <a:ext cx="5029200" cy="369332"/>
+          </a:xfrm>
+          <a:prstGeom prst="rect">
+            <a:avLst/>
+          </a:prstGeom>
+          <a:noFill/>
+        </p:spPr>
+        <p:txBody>
+          <a:bodyPr wrap="square" rtlCol="0">
+            <a:spAutoFit/>
+          </a:bodyPr>
+          <a:lstStyle/>
+          <a:p>
             <a:r>
               <a:rPr lang="es-PE" dirty="0" smtClean="0"/>
-              <a:t>269</a:t>
+              <a:t>Idealismo vs materialismo: falsa dicotomía</a:t>
             </a:r>
             <a:endParaRPr lang="es-PE" dirty="0"/>
           </a:p>
@@ -13579,11 +13809,7 @@
           <a:p>
             <a:r>
               <a:rPr lang="es-PE" dirty="0" smtClean="0"/>
-              <a:t>p. </a:t>
-            </a:r>
-            <a:r>
-              <a:rPr lang="es-PE" dirty="0" smtClean="0"/>
-              <a:t>269</a:t>
+              <a:t>p. 269</a:t>
             </a:r>
             <a:endParaRPr lang="es-PE" dirty="0"/>
           </a:p>
@@ -13613,6 +13839,246 @@
           </a:prstGeom>
         </p:spPr>
       </p:pic>
+      <p:cxnSp>
+        <p:nvCxnSpPr>
+          <p:cNvPr id="4" name="Conector recto 3"/>
+          <p:cNvCxnSpPr/>
+          <p:nvPr/>
+        </p:nvCxnSpPr>
+        <p:spPr>
+          <a:xfrm>
+            <a:off x="535577" y="1554480"/>
+            <a:ext cx="10880303" cy="0"/>
+          </a:xfrm>
+          <a:prstGeom prst="line">
+            <a:avLst/>
+          </a:prstGeom>
+          <a:ln w="38100">
+            <a:solidFill>
+              <a:srgbClr val="FF0000"/>
+            </a:solidFill>
+          </a:ln>
+        </p:spPr>
+        <p:style>
+          <a:lnRef idx="1">
+            <a:schemeClr val="accent1"/>
+          </a:lnRef>
+          <a:fillRef idx="0">
+            <a:schemeClr val="accent1"/>
+          </a:fillRef>
+          <a:effectRef idx="0">
+            <a:schemeClr val="accent1"/>
+          </a:effectRef>
+          <a:fontRef idx="minor">
+            <a:schemeClr val="tx1"/>
+          </a:fontRef>
+        </p:style>
+      </p:cxnSp>
+      <p:cxnSp>
+        <p:nvCxnSpPr>
+          <p:cNvPr id="7" name="Conector recto 6"/>
+          <p:cNvCxnSpPr/>
+          <p:nvPr/>
+        </p:nvCxnSpPr>
+        <p:spPr>
+          <a:xfrm>
+            <a:off x="8647611" y="1175657"/>
+            <a:ext cx="1920240" cy="0"/>
+          </a:xfrm>
+          <a:prstGeom prst="line">
+            <a:avLst/>
+          </a:prstGeom>
+          <a:ln w="38100">
+            <a:solidFill>
+              <a:srgbClr val="FF0000"/>
+            </a:solidFill>
+          </a:ln>
+        </p:spPr>
+        <p:style>
+          <a:lnRef idx="1">
+            <a:schemeClr val="accent1"/>
+          </a:lnRef>
+          <a:fillRef idx="0">
+            <a:schemeClr val="accent1"/>
+          </a:fillRef>
+          <a:effectRef idx="0">
+            <a:schemeClr val="accent1"/>
+          </a:effectRef>
+          <a:fontRef idx="minor">
+            <a:schemeClr val="tx1"/>
+          </a:fontRef>
+        </p:style>
+      </p:cxnSp>
+      <p:cxnSp>
+        <p:nvCxnSpPr>
+          <p:cNvPr id="9" name="Conector recto 8"/>
+          <p:cNvCxnSpPr/>
+          <p:nvPr/>
+        </p:nvCxnSpPr>
+        <p:spPr>
+          <a:xfrm>
+            <a:off x="8242663" y="3213463"/>
+            <a:ext cx="2821577" cy="0"/>
+          </a:xfrm>
+          <a:prstGeom prst="line">
+            <a:avLst/>
+          </a:prstGeom>
+          <a:ln w="38100">
+            <a:solidFill>
+              <a:srgbClr val="FF0000"/>
+            </a:solidFill>
+          </a:ln>
+        </p:spPr>
+        <p:style>
+          <a:lnRef idx="1">
+            <a:schemeClr val="accent1"/>
+          </a:lnRef>
+          <a:fillRef idx="0">
+            <a:schemeClr val="accent1"/>
+          </a:fillRef>
+          <a:effectRef idx="0">
+            <a:schemeClr val="accent1"/>
+          </a:effectRef>
+          <a:fontRef idx="minor">
+            <a:schemeClr val="tx1"/>
+          </a:fontRef>
+        </p:style>
+      </p:cxnSp>
+      <p:cxnSp>
+        <p:nvCxnSpPr>
+          <p:cNvPr id="11" name="Conector recto 10"/>
+          <p:cNvCxnSpPr/>
+          <p:nvPr/>
+        </p:nvCxnSpPr>
+        <p:spPr>
+          <a:xfrm>
+            <a:off x="7067006" y="4415246"/>
+            <a:ext cx="4454434" cy="0"/>
+          </a:xfrm>
+          <a:prstGeom prst="line">
+            <a:avLst/>
+          </a:prstGeom>
+          <a:ln w="38100">
+            <a:solidFill>
+              <a:srgbClr val="FF0000"/>
+            </a:solidFill>
+          </a:ln>
+        </p:spPr>
+        <p:style>
+          <a:lnRef idx="1">
+            <a:schemeClr val="accent1"/>
+          </a:lnRef>
+          <a:fillRef idx="0">
+            <a:schemeClr val="accent1"/>
+          </a:fillRef>
+          <a:effectRef idx="0">
+            <a:schemeClr val="accent1"/>
+          </a:effectRef>
+          <a:fontRef idx="minor">
+            <a:schemeClr val="tx1"/>
+          </a:fontRef>
+        </p:style>
+      </p:cxnSp>
+      <p:cxnSp>
+        <p:nvCxnSpPr>
+          <p:cNvPr id="13" name="Conector recto 12"/>
+          <p:cNvCxnSpPr/>
+          <p:nvPr/>
+        </p:nvCxnSpPr>
+        <p:spPr>
+          <a:xfrm flipH="1" flipV="1">
+            <a:off x="535577" y="4859383"/>
+            <a:ext cx="10880304" cy="39188"/>
+          </a:xfrm>
+          <a:prstGeom prst="line">
+            <a:avLst/>
+          </a:prstGeom>
+          <a:ln w="38100">
+            <a:solidFill>
+              <a:srgbClr val="FF0000"/>
+            </a:solidFill>
+          </a:ln>
+        </p:spPr>
+        <p:style>
+          <a:lnRef idx="1">
+            <a:schemeClr val="accent1"/>
+          </a:lnRef>
+          <a:fillRef idx="0">
+            <a:schemeClr val="accent1"/>
+          </a:fillRef>
+          <a:effectRef idx="0">
+            <a:schemeClr val="accent1"/>
+          </a:effectRef>
+          <a:fontRef idx="minor">
+            <a:schemeClr val="tx1"/>
+          </a:fontRef>
+        </p:style>
+      </p:cxnSp>
+      <p:cxnSp>
+        <p:nvCxnSpPr>
+          <p:cNvPr id="17" name="Conector recto 16"/>
+          <p:cNvCxnSpPr/>
+          <p:nvPr/>
+        </p:nvCxnSpPr>
+        <p:spPr>
+          <a:xfrm>
+            <a:off x="535577" y="5303520"/>
+            <a:ext cx="6897189" cy="0"/>
+          </a:xfrm>
+          <a:prstGeom prst="line">
+            <a:avLst/>
+          </a:prstGeom>
+          <a:ln w="38100">
+            <a:solidFill>
+              <a:srgbClr val="FF0000"/>
+            </a:solidFill>
+          </a:ln>
+        </p:spPr>
+        <p:style>
+          <a:lnRef idx="1">
+            <a:schemeClr val="accent1"/>
+          </a:lnRef>
+          <a:fillRef idx="0">
+            <a:schemeClr val="accent1"/>
+          </a:fillRef>
+          <a:effectRef idx="0">
+            <a:schemeClr val="accent1"/>
+          </a:effectRef>
+          <a:fontRef idx="minor">
+            <a:schemeClr val="tx1"/>
+          </a:fontRef>
+        </p:style>
+      </p:cxnSp>
+      <p:sp>
+        <p:nvSpPr>
+          <p:cNvPr id="18" name="CuadroTexto 17"/>
+          <p:cNvSpPr txBox="1"/>
+          <p:nvPr/>
+        </p:nvSpPr>
+        <p:spPr>
+          <a:xfrm>
+            <a:off x="3814355" y="6097970"/>
+            <a:ext cx="6570616" cy="369332"/>
+          </a:xfrm>
+          <a:prstGeom prst="rect">
+            <a:avLst/>
+          </a:prstGeom>
+          <a:noFill/>
+        </p:spPr>
+        <p:txBody>
+          <a:bodyPr wrap="square" rtlCol="0">
+            <a:spAutoFit/>
+          </a:bodyPr>
+          <a:lstStyle/>
+          <a:p>
+            <a:r>
+              <a:rPr lang="es-PE" dirty="0" smtClean="0"/>
+              <a:t>Idealismo vs materialismo: simultáneos, inseparables, simbióticos</a:t>
+            </a:r>
+            <a:endParaRPr lang="es-PE" dirty="0"/>
+          </a:p>
+        </p:txBody>
+      </p:sp>
     </p:spTree>
     <p:extLst>
       <p:ext uri="{BB962C8B-B14F-4D97-AF65-F5344CB8AC3E}">
@@ -13667,11 +14133,7 @@
           <a:p>
             <a:r>
               <a:rPr lang="es-PE" dirty="0" smtClean="0"/>
-              <a:t>p. </a:t>
-            </a:r>
-            <a:r>
-              <a:rPr lang="es-PE" dirty="0" smtClean="0"/>
-              <a:t>269-270</a:t>
+              <a:t>p. 269-270</a:t>
             </a:r>
             <a:endParaRPr lang="es-PE" dirty="0"/>
           </a:p>
@@ -13725,6 +14187,257 @@
           </a:prstGeom>
         </p:spPr>
       </p:pic>
+      <p:cxnSp>
+        <p:nvCxnSpPr>
+          <p:cNvPr id="6" name="Conector recto 5"/>
+          <p:cNvCxnSpPr/>
+          <p:nvPr/>
+        </p:nvCxnSpPr>
+        <p:spPr>
+          <a:xfrm>
+            <a:off x="627017" y="692331"/>
+            <a:ext cx="10757092" cy="13063"/>
+          </a:xfrm>
+          <a:prstGeom prst="line">
+            <a:avLst/>
+          </a:prstGeom>
+          <a:ln w="38100">
+            <a:solidFill>
+              <a:srgbClr val="FF0000"/>
+            </a:solidFill>
+          </a:ln>
+        </p:spPr>
+        <p:style>
+          <a:lnRef idx="1">
+            <a:schemeClr val="accent1"/>
+          </a:lnRef>
+          <a:fillRef idx="0">
+            <a:schemeClr val="accent1"/>
+          </a:fillRef>
+          <a:effectRef idx="0">
+            <a:schemeClr val="accent1"/>
+          </a:effectRef>
+          <a:fontRef idx="minor">
+            <a:schemeClr val="tx1"/>
+          </a:fontRef>
+        </p:style>
+      </p:cxnSp>
+      <p:sp>
+        <p:nvSpPr>
+          <p:cNvPr id="7" name="Rectángulo 6"/>
+          <p:cNvSpPr/>
+          <p:nvPr/>
+        </p:nvSpPr>
+        <p:spPr>
+          <a:xfrm>
+            <a:off x="2181497" y="757646"/>
+            <a:ext cx="1672046" cy="431074"/>
+          </a:xfrm>
+          <a:prstGeom prst="rect">
+            <a:avLst/>
+          </a:prstGeom>
+          <a:noFill/>
+          <a:ln w="38100">
+            <a:solidFill>
+              <a:srgbClr val="FF0000"/>
+            </a:solidFill>
+          </a:ln>
+        </p:spPr>
+        <p:style>
+          <a:lnRef idx="2">
+            <a:schemeClr val="accent1">
+              <a:shade val="50000"/>
+            </a:schemeClr>
+          </a:lnRef>
+          <a:fillRef idx="1">
+            <a:schemeClr val="accent1"/>
+          </a:fillRef>
+          <a:effectRef idx="0">
+            <a:schemeClr val="accent1"/>
+          </a:effectRef>
+          <a:fontRef idx="minor">
+            <a:schemeClr val="lt1"/>
+          </a:fontRef>
+        </p:style>
+        <p:txBody>
+          <a:bodyPr rtlCol="0" anchor="ctr"/>
+          <a:lstStyle/>
+          <a:p>
+            <a:pPr algn="ctr"/>
+            <a:endParaRPr lang="es-PE"/>
+          </a:p>
+        </p:txBody>
+      </p:sp>
+      <p:cxnSp>
+        <p:nvCxnSpPr>
+          <p:cNvPr id="9" name="Conector recto 8"/>
+          <p:cNvCxnSpPr/>
+          <p:nvPr/>
+        </p:nvCxnSpPr>
+        <p:spPr>
+          <a:xfrm>
+            <a:off x="4532811" y="1580606"/>
+            <a:ext cx="6948020" cy="26125"/>
+          </a:xfrm>
+          <a:prstGeom prst="line">
+            <a:avLst/>
+          </a:prstGeom>
+          <a:ln w="38100">
+            <a:solidFill>
+              <a:srgbClr val="FF0000"/>
+            </a:solidFill>
+          </a:ln>
+        </p:spPr>
+        <p:style>
+          <a:lnRef idx="1">
+            <a:schemeClr val="accent1"/>
+          </a:lnRef>
+          <a:fillRef idx="0">
+            <a:schemeClr val="accent1"/>
+          </a:fillRef>
+          <a:effectRef idx="0">
+            <a:schemeClr val="accent1"/>
+          </a:effectRef>
+          <a:fontRef idx="minor">
+            <a:schemeClr val="tx1"/>
+          </a:fontRef>
+        </p:style>
+      </p:cxnSp>
+      <p:cxnSp>
+        <p:nvCxnSpPr>
+          <p:cNvPr id="11" name="Conector recto 10"/>
+          <p:cNvCxnSpPr/>
+          <p:nvPr/>
+        </p:nvCxnSpPr>
+        <p:spPr>
+          <a:xfrm>
+            <a:off x="483326" y="1996241"/>
+            <a:ext cx="5362990" cy="1"/>
+          </a:xfrm>
+          <a:prstGeom prst="line">
+            <a:avLst/>
+          </a:prstGeom>
+          <a:ln w="38100">
+            <a:solidFill>
+              <a:srgbClr val="FF0000"/>
+            </a:solidFill>
+          </a:ln>
+        </p:spPr>
+        <p:style>
+          <a:lnRef idx="1">
+            <a:schemeClr val="accent1"/>
+          </a:lnRef>
+          <a:fillRef idx="0">
+            <a:schemeClr val="accent1"/>
+          </a:fillRef>
+          <a:effectRef idx="0">
+            <a:schemeClr val="accent1"/>
+          </a:effectRef>
+          <a:fontRef idx="minor">
+            <a:schemeClr val="tx1"/>
+          </a:fontRef>
+        </p:style>
+      </p:cxnSp>
+      <p:cxnSp>
+        <p:nvCxnSpPr>
+          <p:cNvPr id="13" name="Conector recto 12"/>
+          <p:cNvCxnSpPr/>
+          <p:nvPr/>
+        </p:nvCxnSpPr>
+        <p:spPr>
+          <a:xfrm>
+            <a:off x="3164821" y="3213463"/>
+            <a:ext cx="8056173" cy="0"/>
+          </a:xfrm>
+          <a:prstGeom prst="line">
+            <a:avLst/>
+          </a:prstGeom>
+          <a:ln w="38100">
+            <a:solidFill>
+              <a:srgbClr val="FF0000"/>
+            </a:solidFill>
+          </a:ln>
+        </p:spPr>
+        <p:style>
+          <a:lnRef idx="1">
+            <a:schemeClr val="accent1"/>
+          </a:lnRef>
+          <a:fillRef idx="0">
+            <a:schemeClr val="accent1"/>
+          </a:fillRef>
+          <a:effectRef idx="0">
+            <a:schemeClr val="accent1"/>
+          </a:effectRef>
+          <a:fontRef idx="minor">
+            <a:schemeClr val="tx1"/>
+          </a:fontRef>
+        </p:style>
+      </p:cxnSp>
+      <p:cxnSp>
+        <p:nvCxnSpPr>
+          <p:cNvPr id="15" name="Conector recto 14"/>
+          <p:cNvCxnSpPr/>
+          <p:nvPr/>
+        </p:nvCxnSpPr>
+        <p:spPr>
+          <a:xfrm flipH="1">
+            <a:off x="483326" y="3628715"/>
+            <a:ext cx="2991394" cy="0"/>
+          </a:xfrm>
+          <a:prstGeom prst="line">
+            <a:avLst/>
+          </a:prstGeom>
+          <a:ln w="38100">
+            <a:solidFill>
+              <a:srgbClr val="FF0000"/>
+            </a:solidFill>
+          </a:ln>
+        </p:spPr>
+        <p:style>
+          <a:lnRef idx="1">
+            <a:schemeClr val="accent1"/>
+          </a:lnRef>
+          <a:fillRef idx="0">
+            <a:schemeClr val="accent1"/>
+          </a:fillRef>
+          <a:effectRef idx="0">
+            <a:schemeClr val="accent1"/>
+          </a:effectRef>
+          <a:fontRef idx="minor">
+            <a:schemeClr val="tx1"/>
+          </a:fontRef>
+        </p:style>
+      </p:cxnSp>
+      <p:sp>
+        <p:nvSpPr>
+          <p:cNvPr id="18" name="CuadroTexto 17"/>
+          <p:cNvSpPr txBox="1"/>
+          <p:nvPr/>
+        </p:nvSpPr>
+        <p:spPr>
+          <a:xfrm>
+            <a:off x="744583" y="5577840"/>
+            <a:ext cx="11116491" cy="369332"/>
+          </a:xfrm>
+          <a:prstGeom prst="rect">
+            <a:avLst/>
+          </a:prstGeom>
+          <a:noFill/>
+        </p:spPr>
+        <p:txBody>
+          <a:bodyPr wrap="square" rtlCol="0">
+            <a:spAutoFit/>
+          </a:bodyPr>
+          <a:lstStyle/>
+          <a:p>
+            <a:r>
+              <a:rPr lang="es-PE" dirty="0" smtClean="0"/>
+              <a:t>Cohen: Materialismo como primacía de lo material sin negar lo ideal, jurídico, horizonte del imaginario o consenso</a:t>
+            </a:r>
+            <a:endParaRPr lang="es-PE" dirty="0"/>
+          </a:p>
+        </p:txBody>
+      </p:sp>
     </p:spTree>
     <p:extLst>
       <p:ext uri="{BB962C8B-B14F-4D97-AF65-F5344CB8AC3E}">
@@ -13779,11 +14492,7 @@
           <a:p>
             <a:r>
               <a:rPr lang="es-PE" dirty="0" smtClean="0"/>
-              <a:t>p. </a:t>
-            </a:r>
-            <a:r>
-              <a:rPr lang="es-PE" dirty="0" smtClean="0"/>
-              <a:t>270</a:t>
+              <a:t>p. 270</a:t>
             </a:r>
             <a:endParaRPr lang="es-PE" dirty="0"/>
           </a:p>
@@ -13813,6 +14522,176 @@
           </a:prstGeom>
         </p:spPr>
       </p:pic>
+      <p:cxnSp>
+        <p:nvCxnSpPr>
+          <p:cNvPr id="4" name="Conector recto 3"/>
+          <p:cNvCxnSpPr/>
+          <p:nvPr/>
+        </p:nvCxnSpPr>
+        <p:spPr>
+          <a:xfrm flipV="1">
+            <a:off x="561703" y="1345474"/>
+            <a:ext cx="4781006" cy="13063"/>
+          </a:xfrm>
+          <a:prstGeom prst="line">
+            <a:avLst/>
+          </a:prstGeom>
+          <a:ln w="38100">
+            <a:solidFill>
+              <a:srgbClr val="FF0000"/>
+            </a:solidFill>
+          </a:ln>
+        </p:spPr>
+        <p:style>
+          <a:lnRef idx="1">
+            <a:schemeClr val="accent1"/>
+          </a:lnRef>
+          <a:fillRef idx="0">
+            <a:schemeClr val="accent1"/>
+          </a:fillRef>
+          <a:effectRef idx="0">
+            <a:schemeClr val="accent1"/>
+          </a:effectRef>
+          <a:fontRef idx="minor">
+            <a:schemeClr val="tx1"/>
+          </a:fontRef>
+        </p:style>
+      </p:cxnSp>
+      <p:cxnSp>
+        <p:nvCxnSpPr>
+          <p:cNvPr id="7" name="Conector recto 6"/>
+          <p:cNvCxnSpPr/>
+          <p:nvPr/>
+        </p:nvCxnSpPr>
+        <p:spPr>
+          <a:xfrm flipV="1">
+            <a:off x="6635931" y="1345474"/>
+            <a:ext cx="4872446" cy="26126"/>
+          </a:xfrm>
+          <a:prstGeom prst="line">
+            <a:avLst/>
+          </a:prstGeom>
+          <a:ln w="38100">
+            <a:solidFill>
+              <a:srgbClr val="FF0000"/>
+            </a:solidFill>
+          </a:ln>
+        </p:spPr>
+        <p:style>
+          <a:lnRef idx="1">
+            <a:schemeClr val="accent1"/>
+          </a:lnRef>
+          <a:fillRef idx="0">
+            <a:schemeClr val="accent1"/>
+          </a:fillRef>
+          <a:effectRef idx="0">
+            <a:schemeClr val="accent1"/>
+          </a:effectRef>
+          <a:fontRef idx="minor">
+            <a:schemeClr val="tx1"/>
+          </a:fontRef>
+        </p:style>
+      </p:cxnSp>
+      <p:cxnSp>
+        <p:nvCxnSpPr>
+          <p:cNvPr id="9" name="Conector recto 8"/>
+          <p:cNvCxnSpPr/>
+          <p:nvPr/>
+        </p:nvCxnSpPr>
+        <p:spPr>
+          <a:xfrm>
+            <a:off x="5055326" y="2573383"/>
+            <a:ext cx="3213463" cy="13063"/>
+          </a:xfrm>
+          <a:prstGeom prst="line">
+            <a:avLst/>
+          </a:prstGeom>
+          <a:ln w="38100">
+            <a:solidFill>
+              <a:srgbClr val="FF0000"/>
+            </a:solidFill>
+          </a:ln>
+        </p:spPr>
+        <p:style>
+          <a:lnRef idx="1">
+            <a:schemeClr val="accent1"/>
+          </a:lnRef>
+          <a:fillRef idx="0">
+            <a:schemeClr val="accent1"/>
+          </a:fillRef>
+          <a:effectRef idx="0">
+            <a:schemeClr val="accent1"/>
+          </a:effectRef>
+          <a:fontRef idx="minor">
+            <a:schemeClr val="tx1"/>
+          </a:fontRef>
+        </p:style>
+      </p:cxnSp>
+      <p:cxnSp>
+        <p:nvCxnSpPr>
+          <p:cNvPr id="11" name="Conector recto 10"/>
+          <p:cNvCxnSpPr/>
+          <p:nvPr/>
+        </p:nvCxnSpPr>
+        <p:spPr>
+          <a:xfrm flipH="1">
+            <a:off x="4663440" y="4598126"/>
+            <a:ext cx="4493624" cy="26125"/>
+          </a:xfrm>
+          <a:prstGeom prst="line">
+            <a:avLst/>
+          </a:prstGeom>
+          <a:ln w="38100">
+            <a:solidFill>
+              <a:srgbClr val="FF0000"/>
+            </a:solidFill>
+          </a:ln>
+        </p:spPr>
+        <p:style>
+          <a:lnRef idx="1">
+            <a:schemeClr val="accent1"/>
+          </a:lnRef>
+          <a:fillRef idx="0">
+            <a:schemeClr val="accent1"/>
+          </a:fillRef>
+          <a:effectRef idx="0">
+            <a:schemeClr val="accent1"/>
+          </a:effectRef>
+          <a:fontRef idx="minor">
+            <a:schemeClr val="tx1"/>
+          </a:fontRef>
+        </p:style>
+      </p:cxnSp>
+      <p:sp>
+        <p:nvSpPr>
+          <p:cNvPr id="14" name="CuadroTexto 13"/>
+          <p:cNvSpPr txBox="1"/>
+          <p:nvPr/>
+        </p:nvSpPr>
+        <p:spPr>
+          <a:xfrm>
+            <a:off x="754532" y="5723896"/>
+            <a:ext cx="11090366" cy="369332"/>
+          </a:xfrm>
+          <a:prstGeom prst="rect">
+            <a:avLst/>
+          </a:prstGeom>
+          <a:noFill/>
+        </p:spPr>
+        <p:txBody>
+          <a:bodyPr wrap="square" rtlCol="0">
+            <a:spAutoFit/>
+          </a:bodyPr>
+          <a:lstStyle/>
+          <a:p>
+            <a:r>
+              <a:rPr lang="es-PE" dirty="0" smtClean="0"/>
+              <a:t>Cohen: Materialismo: modos de producción como factor explicativo, imaginario de ideas como una teleología.</a:t>
+            </a:r>
+            <a:endParaRPr lang="es-PE" dirty="0"/>
+          </a:p>
+        </p:txBody>
+      </p:sp>
     </p:spTree>
     <p:extLst>
       <p:ext uri="{BB962C8B-B14F-4D97-AF65-F5344CB8AC3E}">
@@ -13867,11 +14746,7 @@
           <a:p>
             <a:r>
               <a:rPr lang="es-PE" dirty="0" smtClean="0"/>
-              <a:t>p. </a:t>
-            </a:r>
-            <a:r>
-              <a:rPr lang="es-PE" dirty="0" smtClean="0"/>
-              <a:t>270</a:t>
+              <a:t>p. 270</a:t>
             </a:r>
             <a:endParaRPr lang="es-PE" dirty="0"/>
           </a:p>
@@ -13901,16 +14776,297 @@
           </a:prstGeom>
         </p:spPr>
       </p:pic>
-      <p:sp>
-        <p:nvSpPr>
-          <p:cNvPr id="4" name="CuadroTexto 3"/>
+      <p:cxnSp>
+        <p:nvCxnSpPr>
+          <p:cNvPr id="6" name="Conector recto 5"/>
+          <p:cNvCxnSpPr/>
+          <p:nvPr/>
+        </p:nvCxnSpPr>
+        <p:spPr>
+          <a:xfrm>
+            <a:off x="7707086" y="1058091"/>
+            <a:ext cx="2991394" cy="0"/>
+          </a:xfrm>
+          <a:prstGeom prst="line">
+            <a:avLst/>
+          </a:prstGeom>
+          <a:ln w="38100">
+            <a:solidFill>
+              <a:srgbClr val="FF0000"/>
+            </a:solidFill>
+          </a:ln>
+        </p:spPr>
+        <p:style>
+          <a:lnRef idx="1">
+            <a:schemeClr val="accent1"/>
+          </a:lnRef>
+          <a:fillRef idx="0">
+            <a:schemeClr val="accent1"/>
+          </a:fillRef>
+          <a:effectRef idx="0">
+            <a:schemeClr val="accent1"/>
+          </a:effectRef>
+          <a:fontRef idx="minor">
+            <a:schemeClr val="tx1"/>
+          </a:fontRef>
+        </p:style>
+      </p:cxnSp>
+      <p:cxnSp>
+        <p:nvCxnSpPr>
+          <p:cNvPr id="8" name="Conector recto 7"/>
+          <p:cNvCxnSpPr/>
+          <p:nvPr/>
+        </p:nvCxnSpPr>
+        <p:spPr>
+          <a:xfrm>
+            <a:off x="849086" y="1397726"/>
+            <a:ext cx="5421085" cy="0"/>
+          </a:xfrm>
+          <a:prstGeom prst="line">
+            <a:avLst/>
+          </a:prstGeom>
+          <a:ln w="38100">
+            <a:solidFill>
+              <a:srgbClr val="FF0000"/>
+            </a:solidFill>
+          </a:ln>
+        </p:spPr>
+        <p:style>
+          <a:lnRef idx="1">
+            <a:schemeClr val="accent1"/>
+          </a:lnRef>
+          <a:fillRef idx="0">
+            <a:schemeClr val="accent1"/>
+          </a:fillRef>
+          <a:effectRef idx="0">
+            <a:schemeClr val="accent1"/>
+          </a:effectRef>
+          <a:fontRef idx="minor">
+            <a:schemeClr val="tx1"/>
+          </a:fontRef>
+        </p:style>
+      </p:cxnSp>
+      <p:cxnSp>
+        <p:nvCxnSpPr>
+          <p:cNvPr id="10" name="Conector recto de flecha 9"/>
+          <p:cNvCxnSpPr/>
+          <p:nvPr/>
+        </p:nvCxnSpPr>
+        <p:spPr>
+          <a:xfrm>
+            <a:off x="1685109" y="1058091"/>
+            <a:ext cx="3148148" cy="0"/>
+          </a:xfrm>
+          <a:prstGeom prst="straightConnector1">
+            <a:avLst/>
+          </a:prstGeom>
+          <a:ln w="38100">
+            <a:solidFill>
+              <a:srgbClr val="FF0000"/>
+            </a:solidFill>
+            <a:tailEnd type="triangle"/>
+          </a:ln>
+        </p:spPr>
+        <p:style>
+          <a:lnRef idx="1">
+            <a:schemeClr val="accent1"/>
+          </a:lnRef>
+          <a:fillRef idx="0">
+            <a:schemeClr val="accent1"/>
+          </a:fillRef>
+          <a:effectRef idx="0">
+            <a:schemeClr val="accent1"/>
+          </a:effectRef>
+          <a:fontRef idx="minor">
+            <a:schemeClr val="tx1"/>
+          </a:fontRef>
+        </p:style>
+      </p:cxnSp>
+      <p:cxnSp>
+        <p:nvCxnSpPr>
+          <p:cNvPr id="12" name="Conector recto 11"/>
+          <p:cNvCxnSpPr/>
+          <p:nvPr/>
+        </p:nvCxnSpPr>
+        <p:spPr>
+          <a:xfrm>
+            <a:off x="9757954" y="3304903"/>
+            <a:ext cx="940526" cy="0"/>
+          </a:xfrm>
+          <a:prstGeom prst="line">
+            <a:avLst/>
+          </a:prstGeom>
+          <a:ln w="38100">
+            <a:solidFill>
+              <a:srgbClr val="FF0000"/>
+            </a:solidFill>
+          </a:ln>
+        </p:spPr>
+        <p:style>
+          <a:lnRef idx="1">
+            <a:schemeClr val="accent1"/>
+          </a:lnRef>
+          <a:fillRef idx="0">
+            <a:schemeClr val="accent1"/>
+          </a:fillRef>
+          <a:effectRef idx="0">
+            <a:schemeClr val="accent1"/>
+          </a:effectRef>
+          <a:fontRef idx="minor">
+            <a:schemeClr val="tx1"/>
+          </a:fontRef>
+        </p:style>
+      </p:cxnSp>
+      <p:cxnSp>
+        <p:nvCxnSpPr>
+          <p:cNvPr id="14" name="Conector recto 13"/>
+          <p:cNvCxnSpPr/>
+          <p:nvPr/>
+        </p:nvCxnSpPr>
+        <p:spPr>
+          <a:xfrm>
+            <a:off x="849086" y="3631474"/>
+            <a:ext cx="9849394" cy="0"/>
+          </a:xfrm>
+          <a:prstGeom prst="line">
+            <a:avLst/>
+          </a:prstGeom>
+          <a:ln w="38100">
+            <a:solidFill>
+              <a:srgbClr val="FF0000"/>
+            </a:solidFill>
+          </a:ln>
+        </p:spPr>
+        <p:style>
+          <a:lnRef idx="1">
+            <a:schemeClr val="accent1"/>
+          </a:lnRef>
+          <a:fillRef idx="0">
+            <a:schemeClr val="accent1"/>
+          </a:fillRef>
+          <a:effectRef idx="0">
+            <a:schemeClr val="accent1"/>
+          </a:effectRef>
+          <a:fontRef idx="minor">
+            <a:schemeClr val="tx1"/>
+          </a:fontRef>
+        </p:style>
+      </p:cxnSp>
+      <p:cxnSp>
+        <p:nvCxnSpPr>
+          <p:cNvPr id="16" name="Conector recto 15"/>
+          <p:cNvCxnSpPr/>
+          <p:nvPr/>
+        </p:nvCxnSpPr>
+        <p:spPr>
+          <a:xfrm>
+            <a:off x="849086" y="3997234"/>
+            <a:ext cx="4558937" cy="0"/>
+          </a:xfrm>
+          <a:prstGeom prst="line">
+            <a:avLst/>
+          </a:prstGeom>
+          <a:ln w="38100">
+            <a:solidFill>
+              <a:srgbClr val="FF0000"/>
+            </a:solidFill>
+          </a:ln>
+        </p:spPr>
+        <p:style>
+          <a:lnRef idx="1">
+            <a:schemeClr val="accent1"/>
+          </a:lnRef>
+          <a:fillRef idx="0">
+            <a:schemeClr val="accent1"/>
+          </a:fillRef>
+          <a:effectRef idx="0">
+            <a:schemeClr val="accent1"/>
+          </a:effectRef>
+          <a:fontRef idx="minor">
+            <a:schemeClr val="tx1"/>
+          </a:fontRef>
+        </p:style>
+      </p:cxnSp>
+      <p:cxnSp>
+        <p:nvCxnSpPr>
+          <p:cNvPr id="18" name="Conector recto 17"/>
+          <p:cNvCxnSpPr/>
+          <p:nvPr/>
+        </p:nvCxnSpPr>
+        <p:spPr>
+          <a:xfrm>
+            <a:off x="5786846" y="3997234"/>
+            <a:ext cx="5152703" cy="0"/>
+          </a:xfrm>
+          <a:prstGeom prst="line">
+            <a:avLst/>
+          </a:prstGeom>
+          <a:ln w="38100">
+            <a:solidFill>
+              <a:srgbClr val="FF0000"/>
+            </a:solidFill>
+          </a:ln>
+        </p:spPr>
+        <p:style>
+          <a:lnRef idx="1">
+            <a:schemeClr val="accent1"/>
+          </a:lnRef>
+          <a:fillRef idx="0">
+            <a:schemeClr val="accent1"/>
+          </a:fillRef>
+          <a:effectRef idx="0">
+            <a:schemeClr val="accent1"/>
+          </a:effectRef>
+          <a:fontRef idx="minor">
+            <a:schemeClr val="tx1"/>
+          </a:fontRef>
+        </p:style>
+      </p:cxnSp>
+      <p:cxnSp>
+        <p:nvCxnSpPr>
+          <p:cNvPr id="20" name="Conector recto 19"/>
+          <p:cNvCxnSpPr/>
+          <p:nvPr/>
+        </p:nvCxnSpPr>
+        <p:spPr>
+          <a:xfrm>
+            <a:off x="849086" y="4402183"/>
+            <a:ext cx="3239588" cy="0"/>
+          </a:xfrm>
+          <a:prstGeom prst="line">
+            <a:avLst/>
+          </a:prstGeom>
+          <a:ln w="38100">
+            <a:solidFill>
+              <a:srgbClr val="FF0000"/>
+            </a:solidFill>
+          </a:ln>
+        </p:spPr>
+        <p:style>
+          <a:lnRef idx="1">
+            <a:schemeClr val="accent1"/>
+          </a:lnRef>
+          <a:fillRef idx="0">
+            <a:schemeClr val="accent1"/>
+          </a:fillRef>
+          <a:effectRef idx="0">
+            <a:schemeClr val="accent1"/>
+          </a:effectRef>
+          <a:fontRef idx="minor">
+            <a:schemeClr val="tx1"/>
+          </a:fontRef>
+        </p:style>
+      </p:cxnSp>
+      <p:sp>
+        <p:nvSpPr>
+          <p:cNvPr id="21" name="CuadroTexto 20"/>
           <p:cNvSpPr txBox="1"/>
           <p:nvPr/>
         </p:nvSpPr>
         <p:spPr>
           <a:xfrm>
-            <a:off x="3208713" y="6168044"/>
-            <a:ext cx="2593571" cy="369332"/>
+            <a:off x="2704011" y="6182640"/>
+            <a:ext cx="7132320" cy="369332"/>
           </a:xfrm>
           <a:prstGeom prst="rect">
             <a:avLst/>
@@ -13924,8 +15080,8 @@
           <a:lstStyle/>
           <a:p>
             <a:r>
-              <a:rPr lang="es-PE" dirty="0" err="1" smtClean="0"/>
-              <a:t>aqmq</a:t>
+              <a:rPr lang="es-PE" dirty="0" smtClean="0"/>
+              <a:t>Vs Cohen: materialismo inverosímil. Taylor: no hay explicaciones absolutas.</a:t>
             </a:r>
             <a:endParaRPr lang="es-PE" dirty="0"/>
           </a:p>
@@ -13985,11 +15141,7 @@
           <a:p>
             <a:r>
               <a:rPr lang="es-PE" dirty="0" smtClean="0"/>
-              <a:t>p. </a:t>
-            </a:r>
-            <a:r>
-              <a:rPr lang="es-PE" dirty="0" smtClean="0"/>
-              <a:t>270</a:t>
+              <a:t>p. 270</a:t>
             </a:r>
             <a:endParaRPr lang="es-PE" dirty="0"/>
           </a:p>
@@ -13997,7 +15149,7 @@
       </p:sp>
       <p:pic>
         <p:nvPicPr>
-          <p:cNvPr id="2" name="Imagen 1"/>
+          <p:cNvPr id="3" name="Imagen 2"/>
           <p:cNvPicPr>
             <a:picLocks noChangeAspect="1"/>
           </p:cNvPicPr>
@@ -14011,18 +15163,211 @@
         </p:blipFill>
         <p:spPr>
           <a:xfrm>
-            <a:off x="2528887" y="1647825"/>
-            <a:ext cx="7134225" cy="3562350"/>
+            <a:off x="810762" y="562802"/>
+            <a:ext cx="10877173" cy="2011532"/>
           </a:xfrm>
           <a:prstGeom prst="rect">
             <a:avLst/>
           </a:prstGeom>
         </p:spPr>
       </p:pic>
+      <p:pic>
+        <p:nvPicPr>
+          <p:cNvPr id="4" name="Imagen 3"/>
+          <p:cNvPicPr>
+            <a:picLocks noChangeAspect="1"/>
+          </p:cNvPicPr>
+          <p:nvPr/>
+        </p:nvPicPr>
+        <p:blipFill>
+          <a:blip r:embed="rId3"/>
+          <a:stretch>
+            <a:fillRect/>
+          </a:stretch>
+        </p:blipFill>
+        <p:spPr>
+          <a:xfrm>
+            <a:off x="908981" y="2574334"/>
+            <a:ext cx="10921876" cy="2428739"/>
+          </a:xfrm>
+          <a:prstGeom prst="rect">
+            <a:avLst/>
+          </a:prstGeom>
+        </p:spPr>
+      </p:pic>
+      <p:cxnSp>
+        <p:nvCxnSpPr>
+          <p:cNvPr id="6" name="Conector recto 5"/>
+          <p:cNvCxnSpPr/>
+          <p:nvPr/>
+        </p:nvCxnSpPr>
+        <p:spPr>
+          <a:xfrm flipH="1" flipV="1">
+            <a:off x="6688183" y="940526"/>
+            <a:ext cx="4877592" cy="26125"/>
+          </a:xfrm>
+          <a:prstGeom prst="line">
+            <a:avLst/>
+          </a:prstGeom>
+          <a:ln w="38100">
+            <a:solidFill>
+              <a:srgbClr val="FF0000"/>
+            </a:solidFill>
+          </a:ln>
+        </p:spPr>
+        <p:style>
+          <a:lnRef idx="1">
+            <a:schemeClr val="accent1"/>
+          </a:lnRef>
+          <a:fillRef idx="0">
+            <a:schemeClr val="accent1"/>
+          </a:fillRef>
+          <a:effectRef idx="0">
+            <a:schemeClr val="accent1"/>
+          </a:effectRef>
+          <a:fontRef idx="minor">
+            <a:schemeClr val="tx1"/>
+          </a:fontRef>
+        </p:style>
+      </p:cxnSp>
+      <p:cxnSp>
+        <p:nvCxnSpPr>
+          <p:cNvPr id="10" name="Conector recto 9"/>
+          <p:cNvCxnSpPr/>
+          <p:nvPr/>
+        </p:nvCxnSpPr>
+        <p:spPr>
+          <a:xfrm>
+            <a:off x="908981" y="1280160"/>
+            <a:ext cx="5460938" cy="26126"/>
+          </a:xfrm>
+          <a:prstGeom prst="line">
+            <a:avLst/>
+          </a:prstGeom>
+          <a:ln w="38100">
+            <a:solidFill>
+              <a:srgbClr val="FF0000"/>
+            </a:solidFill>
+          </a:ln>
+        </p:spPr>
+        <p:style>
+          <a:lnRef idx="1">
+            <a:schemeClr val="accent1"/>
+          </a:lnRef>
+          <a:fillRef idx="0">
+            <a:schemeClr val="accent1"/>
+          </a:fillRef>
+          <a:effectRef idx="0">
+            <a:schemeClr val="accent1"/>
+          </a:effectRef>
+          <a:fontRef idx="minor">
+            <a:schemeClr val="tx1"/>
+          </a:fontRef>
+        </p:style>
+      </p:cxnSp>
+      <p:cxnSp>
+        <p:nvCxnSpPr>
+          <p:cNvPr id="12" name="Conector recto 11"/>
+          <p:cNvCxnSpPr/>
+          <p:nvPr/>
+        </p:nvCxnSpPr>
+        <p:spPr>
+          <a:xfrm>
+            <a:off x="10541726" y="2063931"/>
+            <a:ext cx="1024048" cy="0"/>
+          </a:xfrm>
+          <a:prstGeom prst="line">
+            <a:avLst/>
+          </a:prstGeom>
+          <a:ln w="38100">
+            <a:solidFill>
+              <a:srgbClr val="FF0000"/>
+            </a:solidFill>
+          </a:ln>
+        </p:spPr>
+        <p:style>
+          <a:lnRef idx="1">
+            <a:schemeClr val="accent1"/>
+          </a:lnRef>
+          <a:fillRef idx="0">
+            <a:schemeClr val="accent1"/>
+          </a:fillRef>
+          <a:effectRef idx="0">
+            <a:schemeClr val="accent1"/>
+          </a:effectRef>
+          <a:fontRef idx="minor">
+            <a:schemeClr val="tx1"/>
+          </a:fontRef>
+        </p:style>
+      </p:cxnSp>
+      <p:cxnSp>
+        <p:nvCxnSpPr>
+          <p:cNvPr id="14" name="Conector recto 13"/>
+          <p:cNvCxnSpPr/>
+          <p:nvPr/>
+        </p:nvCxnSpPr>
+        <p:spPr>
+          <a:xfrm flipV="1">
+            <a:off x="908981" y="2442754"/>
+            <a:ext cx="5460938" cy="13063"/>
+          </a:xfrm>
+          <a:prstGeom prst="line">
+            <a:avLst/>
+          </a:prstGeom>
+          <a:ln w="38100">
+            <a:solidFill>
+              <a:srgbClr val="FF0000"/>
+            </a:solidFill>
+          </a:ln>
+        </p:spPr>
+        <p:style>
+          <a:lnRef idx="1">
+            <a:schemeClr val="accent1"/>
+          </a:lnRef>
+          <a:fillRef idx="0">
+            <a:schemeClr val="accent1"/>
+          </a:fillRef>
+          <a:effectRef idx="0">
+            <a:schemeClr val="accent1"/>
+          </a:effectRef>
+          <a:fontRef idx="minor">
+            <a:schemeClr val="tx1"/>
+          </a:fontRef>
+        </p:style>
+      </p:cxnSp>
+      <p:sp>
+        <p:nvSpPr>
+          <p:cNvPr id="15" name="CuadroTexto 14"/>
+          <p:cNvSpPr txBox="1"/>
+          <p:nvPr/>
+        </p:nvSpPr>
+        <p:spPr>
+          <a:xfrm>
+            <a:off x="3277549" y="5624790"/>
+            <a:ext cx="6596742" cy="369332"/>
+          </a:xfrm>
+          <a:prstGeom prst="rect">
+            <a:avLst/>
+          </a:prstGeom>
+          <a:noFill/>
+        </p:spPr>
+        <p:txBody>
+          <a:bodyPr wrap="square" rtlCol="0">
+            <a:spAutoFit/>
+          </a:bodyPr>
+          <a:lstStyle/>
+          <a:p>
+            <a:r>
+              <a:rPr lang="es-PE" dirty="0" smtClean="0"/>
+              <a:t>Practicas sociales &gt; condiciones materiales &gt; condiciones ideales</a:t>
+            </a:r>
+          </a:p>
+        </p:txBody>
+      </p:sp>
     </p:spTree>
     <p:extLst>
       <p:ext uri="{BB962C8B-B14F-4D97-AF65-F5344CB8AC3E}">
-        <p14:creationId xmlns:p14="http://schemas.microsoft.com/office/powerpoint/2010/main" val="3221992300"/>
+        <p14:creationId xmlns:p14="http://schemas.microsoft.com/office/powerpoint/2010/main" val="1250397596"/>
       </p:ext>
     </p:extLst>
   </p:cSld>
@@ -14073,11 +15418,7 @@
           <a:p>
             <a:r>
               <a:rPr lang="es-PE" dirty="0" smtClean="0"/>
-              <a:t>p. </a:t>
-            </a:r>
-            <a:r>
-              <a:rPr lang="es-PE" dirty="0" smtClean="0"/>
-              <a:t>270</a:t>
+              <a:t>p. 270-271</a:t>
             </a:r>
             <a:endParaRPr lang="es-PE" dirty="0"/>
           </a:p>
@@ -14085,7 +15426,7 @@
       </p:sp>
       <p:pic>
         <p:nvPicPr>
-          <p:cNvPr id="3" name="Imagen 2"/>
+          <p:cNvPr id="2" name="Imagen 1"/>
           <p:cNvPicPr>
             <a:picLocks noChangeAspect="1"/>
           </p:cNvPicPr>
@@ -14099,42 +15440,269 @@
         </p:blipFill>
         <p:spPr>
           <a:xfrm>
-            <a:off x="2652626" y="691255"/>
-            <a:ext cx="6953250" cy="1285875"/>
+            <a:off x="530270" y="762544"/>
+            <a:ext cx="10409279" cy="4502812"/>
           </a:xfrm>
           <a:prstGeom prst="rect">
             <a:avLst/>
           </a:prstGeom>
         </p:spPr>
       </p:pic>
-      <p:pic>
-        <p:nvPicPr>
-          <p:cNvPr id="4" name="Imagen 3"/>
-          <p:cNvPicPr>
-            <a:picLocks noChangeAspect="1"/>
-          </p:cNvPicPr>
-          <p:nvPr/>
-        </p:nvPicPr>
-        <p:blipFill>
-          <a:blip r:embed="rId3"/>
-          <a:stretch>
-            <a:fillRect/>
-          </a:stretch>
-        </p:blipFill>
-        <p:spPr>
-          <a:xfrm>
-            <a:off x="2605087" y="2652712"/>
-            <a:ext cx="6981825" cy="1552575"/>
-          </a:xfrm>
-          <a:prstGeom prst="rect">
-            <a:avLst/>
-          </a:prstGeom>
-        </p:spPr>
-      </p:pic>
+      <p:cxnSp>
+        <p:nvCxnSpPr>
+          <p:cNvPr id="4" name="Conector recto 3"/>
+          <p:cNvCxnSpPr/>
+          <p:nvPr/>
+        </p:nvCxnSpPr>
+        <p:spPr>
+          <a:xfrm>
+            <a:off x="1084217" y="3013950"/>
+            <a:ext cx="9692640" cy="0"/>
+          </a:xfrm>
+          <a:prstGeom prst="line">
+            <a:avLst/>
+          </a:prstGeom>
+          <a:ln w="38100">
+            <a:solidFill>
+              <a:srgbClr val="FF0000"/>
+            </a:solidFill>
+          </a:ln>
+        </p:spPr>
+        <p:style>
+          <a:lnRef idx="1">
+            <a:schemeClr val="accent1"/>
+          </a:lnRef>
+          <a:fillRef idx="0">
+            <a:schemeClr val="accent1"/>
+          </a:fillRef>
+          <a:effectRef idx="0">
+            <a:schemeClr val="accent1"/>
+          </a:effectRef>
+          <a:fontRef idx="minor">
+            <a:schemeClr val="tx1"/>
+          </a:fontRef>
+        </p:style>
+      </p:cxnSp>
+      <p:cxnSp>
+        <p:nvCxnSpPr>
+          <p:cNvPr id="7" name="Conector recto 6"/>
+          <p:cNvCxnSpPr/>
+          <p:nvPr/>
+        </p:nvCxnSpPr>
+        <p:spPr>
+          <a:xfrm>
+            <a:off x="862149" y="3357154"/>
+            <a:ext cx="10077400" cy="0"/>
+          </a:xfrm>
+          <a:prstGeom prst="line">
+            <a:avLst/>
+          </a:prstGeom>
+          <a:ln w="38100">
+            <a:solidFill>
+              <a:srgbClr val="FF0000"/>
+            </a:solidFill>
+          </a:ln>
+        </p:spPr>
+        <p:style>
+          <a:lnRef idx="1">
+            <a:schemeClr val="accent1"/>
+          </a:lnRef>
+          <a:fillRef idx="0">
+            <a:schemeClr val="accent1"/>
+          </a:fillRef>
+          <a:effectRef idx="0">
+            <a:schemeClr val="accent1"/>
+          </a:effectRef>
+          <a:fontRef idx="minor">
+            <a:schemeClr val="tx1"/>
+          </a:fontRef>
+        </p:style>
+      </p:cxnSp>
+      <p:cxnSp>
+        <p:nvCxnSpPr>
+          <p:cNvPr id="9" name="Conector recto 8"/>
+          <p:cNvCxnSpPr/>
+          <p:nvPr/>
+        </p:nvCxnSpPr>
+        <p:spPr>
+          <a:xfrm>
+            <a:off x="822960" y="3749040"/>
+            <a:ext cx="9953897" cy="0"/>
+          </a:xfrm>
+          <a:prstGeom prst="line">
+            <a:avLst/>
+          </a:prstGeom>
+          <a:ln w="38100">
+            <a:solidFill>
+              <a:srgbClr val="FF0000"/>
+            </a:solidFill>
+          </a:ln>
+        </p:spPr>
+        <p:style>
+          <a:lnRef idx="1">
+            <a:schemeClr val="accent1"/>
+          </a:lnRef>
+          <a:fillRef idx="0">
+            <a:schemeClr val="accent1"/>
+          </a:fillRef>
+          <a:effectRef idx="0">
+            <a:schemeClr val="accent1"/>
+          </a:effectRef>
+          <a:fontRef idx="minor">
+            <a:schemeClr val="tx1"/>
+          </a:fontRef>
+        </p:style>
+      </p:cxnSp>
+      <p:cxnSp>
+        <p:nvCxnSpPr>
+          <p:cNvPr id="11" name="Conector recto 10"/>
+          <p:cNvCxnSpPr/>
+          <p:nvPr/>
+        </p:nvCxnSpPr>
+        <p:spPr>
+          <a:xfrm>
+            <a:off x="862149" y="4088674"/>
+            <a:ext cx="9914708" cy="0"/>
+          </a:xfrm>
+          <a:prstGeom prst="line">
+            <a:avLst/>
+          </a:prstGeom>
+          <a:ln w="38100">
+            <a:solidFill>
+              <a:srgbClr val="FF0000"/>
+            </a:solidFill>
+          </a:ln>
+        </p:spPr>
+        <p:style>
+          <a:lnRef idx="1">
+            <a:schemeClr val="accent1"/>
+          </a:lnRef>
+          <a:fillRef idx="0">
+            <a:schemeClr val="accent1"/>
+          </a:fillRef>
+          <a:effectRef idx="0">
+            <a:schemeClr val="accent1"/>
+          </a:effectRef>
+          <a:fontRef idx="minor">
+            <a:schemeClr val="tx1"/>
+          </a:fontRef>
+        </p:style>
+      </p:cxnSp>
+      <p:cxnSp>
+        <p:nvCxnSpPr>
+          <p:cNvPr id="13" name="Conector recto 12"/>
+          <p:cNvCxnSpPr/>
+          <p:nvPr/>
+        </p:nvCxnSpPr>
+        <p:spPr>
+          <a:xfrm>
+            <a:off x="822960" y="4506686"/>
+            <a:ext cx="9953897" cy="0"/>
+          </a:xfrm>
+          <a:prstGeom prst="line">
+            <a:avLst/>
+          </a:prstGeom>
+          <a:ln w="38100">
+            <a:solidFill>
+              <a:srgbClr val="FF0000"/>
+            </a:solidFill>
+          </a:ln>
+        </p:spPr>
+        <p:style>
+          <a:lnRef idx="1">
+            <a:schemeClr val="accent1"/>
+          </a:lnRef>
+          <a:fillRef idx="0">
+            <a:schemeClr val="accent1"/>
+          </a:fillRef>
+          <a:effectRef idx="0">
+            <a:schemeClr val="accent1"/>
+          </a:effectRef>
+          <a:fontRef idx="minor">
+            <a:schemeClr val="tx1"/>
+          </a:fontRef>
+        </p:style>
+      </p:cxnSp>
+      <p:cxnSp>
+        <p:nvCxnSpPr>
+          <p:cNvPr id="15" name="Conector recto 14"/>
+          <p:cNvCxnSpPr/>
+          <p:nvPr/>
+        </p:nvCxnSpPr>
+        <p:spPr>
+          <a:xfrm>
+            <a:off x="822960" y="4872446"/>
+            <a:ext cx="4976948" cy="0"/>
+          </a:xfrm>
+          <a:prstGeom prst="line">
+            <a:avLst/>
+          </a:prstGeom>
+          <a:ln w="38100">
+            <a:solidFill>
+              <a:srgbClr val="FF0000"/>
+            </a:solidFill>
+          </a:ln>
+        </p:spPr>
+        <p:style>
+          <a:lnRef idx="1">
+            <a:schemeClr val="accent1"/>
+          </a:lnRef>
+          <a:fillRef idx="0">
+            <a:schemeClr val="accent1"/>
+          </a:fillRef>
+          <a:effectRef idx="0">
+            <a:schemeClr val="accent1"/>
+          </a:effectRef>
+          <a:fontRef idx="minor">
+            <a:schemeClr val="tx1"/>
+          </a:fontRef>
+        </p:style>
+      </p:cxnSp>
+      <p:sp>
+        <p:nvSpPr>
+          <p:cNvPr id="16" name="CuadroTexto 15"/>
+          <p:cNvSpPr txBox="1"/>
+          <p:nvPr/>
+        </p:nvSpPr>
+        <p:spPr>
+          <a:xfrm>
+            <a:off x="2950977" y="5624790"/>
+            <a:ext cx="6596742" cy="369332"/>
+          </a:xfrm>
+          <a:prstGeom prst="rect">
+            <a:avLst/>
+          </a:prstGeom>
+          <a:noFill/>
+        </p:spPr>
+        <p:txBody>
+          <a:bodyPr wrap="square" rtlCol="0">
+            <a:spAutoFit/>
+          </a:bodyPr>
+          <a:lstStyle/>
+          <a:p>
+            <a:r>
+              <a:rPr lang="es-PE" dirty="0" smtClean="0"/>
+              <a:t>Practicas </a:t>
+            </a:r>
+            <a:r>
+              <a:rPr lang="es-PE" dirty="0"/>
+              <a:t>sociales &gt; </a:t>
+            </a:r>
+            <a:r>
+              <a:rPr lang="es-PE" dirty="0" smtClean="0"/>
+              <a:t>condiciones ideales &gt; </a:t>
+            </a:r>
+            <a:r>
+              <a:rPr lang="es-PE" dirty="0"/>
+              <a:t>condiciones materiales</a:t>
+            </a:r>
+          </a:p>
+        </p:txBody>
+      </p:sp>
     </p:spTree>
     <p:extLst>
       <p:ext uri="{BB962C8B-B14F-4D97-AF65-F5344CB8AC3E}">
-        <p14:creationId xmlns:p14="http://schemas.microsoft.com/office/powerpoint/2010/main" val="1250397596"/>
+        <p14:creationId xmlns:p14="http://schemas.microsoft.com/office/powerpoint/2010/main" val="3969832122"/>
       </p:ext>
     </p:extLst>
   </p:cSld>
@@ -14185,11 +15753,7 @@
           <a:p>
             <a:r>
               <a:rPr lang="es-PE" dirty="0" smtClean="0"/>
-              <a:t>p. </a:t>
-            </a:r>
-            <a:r>
-              <a:rPr lang="es-PE" dirty="0" smtClean="0"/>
-              <a:t>270-271</a:t>
+              <a:t>p. 271</a:t>
             </a:r>
             <a:endParaRPr lang="es-PE" dirty="0"/>
           </a:p>
@@ -14197,7 +15761,7 @@
       </p:sp>
       <p:pic>
         <p:nvPicPr>
-          <p:cNvPr id="2" name="Imagen 1"/>
+          <p:cNvPr id="3" name="Imagen 2"/>
           <p:cNvPicPr>
             <a:picLocks noChangeAspect="1"/>
           </p:cNvPicPr>
@@ -14211,18 +15775,188 @@
         </p:blipFill>
         <p:spPr>
           <a:xfrm>
-            <a:off x="2528887" y="1885950"/>
-            <a:ext cx="7134225" cy="3086100"/>
+            <a:off x="870016" y="659799"/>
+            <a:ext cx="9899716" cy="5003370"/>
           </a:xfrm>
           <a:prstGeom prst="rect">
             <a:avLst/>
           </a:prstGeom>
         </p:spPr>
       </p:pic>
+      <p:cxnSp>
+        <p:nvCxnSpPr>
+          <p:cNvPr id="4" name="Conector recto 3"/>
+          <p:cNvCxnSpPr/>
+          <p:nvPr/>
+        </p:nvCxnSpPr>
+        <p:spPr>
+          <a:xfrm flipV="1">
+            <a:off x="1371600" y="979714"/>
+            <a:ext cx="9130937" cy="13063"/>
+          </a:xfrm>
+          <a:prstGeom prst="line">
+            <a:avLst/>
+          </a:prstGeom>
+          <a:ln w="38100">
+            <a:solidFill>
+              <a:srgbClr val="FF0000"/>
+            </a:solidFill>
+          </a:ln>
+        </p:spPr>
+        <p:style>
+          <a:lnRef idx="1">
+            <a:schemeClr val="accent1"/>
+          </a:lnRef>
+          <a:fillRef idx="0">
+            <a:schemeClr val="accent1"/>
+          </a:fillRef>
+          <a:effectRef idx="0">
+            <a:schemeClr val="accent1"/>
+          </a:effectRef>
+          <a:fontRef idx="minor">
+            <a:schemeClr val="tx1"/>
+          </a:fontRef>
+        </p:style>
+      </p:cxnSp>
+      <p:cxnSp>
+        <p:nvCxnSpPr>
+          <p:cNvPr id="7" name="Conector recto 6"/>
+          <p:cNvCxnSpPr/>
+          <p:nvPr/>
+        </p:nvCxnSpPr>
+        <p:spPr>
+          <a:xfrm flipV="1">
+            <a:off x="1162594" y="1306286"/>
+            <a:ext cx="8255726" cy="13063"/>
+          </a:xfrm>
+          <a:prstGeom prst="line">
+            <a:avLst/>
+          </a:prstGeom>
+          <a:ln w="38100">
+            <a:solidFill>
+              <a:srgbClr val="FF0000"/>
+            </a:solidFill>
+          </a:ln>
+        </p:spPr>
+        <p:style>
+          <a:lnRef idx="1">
+            <a:schemeClr val="accent1"/>
+          </a:lnRef>
+          <a:fillRef idx="0">
+            <a:schemeClr val="accent1"/>
+          </a:fillRef>
+          <a:effectRef idx="0">
+            <a:schemeClr val="accent1"/>
+          </a:effectRef>
+          <a:fontRef idx="minor">
+            <a:schemeClr val="tx1"/>
+          </a:fontRef>
+        </p:style>
+      </p:cxnSp>
+      <p:cxnSp>
+        <p:nvCxnSpPr>
+          <p:cNvPr id="9" name="Conector recto 8"/>
+          <p:cNvCxnSpPr/>
+          <p:nvPr/>
+        </p:nvCxnSpPr>
+        <p:spPr>
+          <a:xfrm>
+            <a:off x="2168434" y="5199017"/>
+            <a:ext cx="8334103" cy="39189"/>
+          </a:xfrm>
+          <a:prstGeom prst="line">
+            <a:avLst/>
+          </a:prstGeom>
+          <a:ln w="38100">
+            <a:solidFill>
+              <a:srgbClr val="FF0000"/>
+            </a:solidFill>
+          </a:ln>
+        </p:spPr>
+        <p:style>
+          <a:lnRef idx="1">
+            <a:schemeClr val="accent1"/>
+          </a:lnRef>
+          <a:fillRef idx="0">
+            <a:schemeClr val="accent1"/>
+          </a:fillRef>
+          <a:effectRef idx="0">
+            <a:schemeClr val="accent1"/>
+          </a:effectRef>
+          <a:fontRef idx="minor">
+            <a:schemeClr val="tx1"/>
+          </a:fontRef>
+        </p:style>
+      </p:cxnSp>
+      <p:cxnSp>
+        <p:nvCxnSpPr>
+          <p:cNvPr id="11" name="Conector recto 10"/>
+          <p:cNvCxnSpPr/>
+          <p:nvPr/>
+        </p:nvCxnSpPr>
+        <p:spPr>
+          <a:xfrm>
+            <a:off x="1071154" y="5571729"/>
+            <a:ext cx="2403566" cy="0"/>
+          </a:xfrm>
+          <a:prstGeom prst="line">
+            <a:avLst/>
+          </a:prstGeom>
+          <a:ln w="38100">
+            <a:solidFill>
+              <a:srgbClr val="FF0000"/>
+            </a:solidFill>
+          </a:ln>
+        </p:spPr>
+        <p:style>
+          <a:lnRef idx="1">
+            <a:schemeClr val="accent1"/>
+          </a:lnRef>
+          <a:fillRef idx="0">
+            <a:schemeClr val="accent1"/>
+          </a:fillRef>
+          <a:effectRef idx="0">
+            <a:schemeClr val="accent1"/>
+          </a:effectRef>
+          <a:fontRef idx="minor">
+            <a:schemeClr val="tx1"/>
+          </a:fontRef>
+        </p:style>
+      </p:cxnSp>
+      <p:sp>
+        <p:nvSpPr>
+          <p:cNvPr id="12" name="CuadroTexto 11"/>
+          <p:cNvSpPr txBox="1"/>
+          <p:nvPr/>
+        </p:nvSpPr>
+        <p:spPr>
+          <a:xfrm>
+            <a:off x="870016" y="5913304"/>
+            <a:ext cx="9737024" cy="646331"/>
+          </a:xfrm>
+          <a:prstGeom prst="rect">
+            <a:avLst/>
+          </a:prstGeom>
+          <a:noFill/>
+        </p:spPr>
+        <p:txBody>
+          <a:bodyPr wrap="square" rtlCol="0">
+            <a:spAutoFit/>
+          </a:bodyPr>
+          <a:lstStyle/>
+          <a:p>
+            <a:r>
+              <a:rPr lang="es-PE" dirty="0" smtClean="0"/>
+              <a:t>Prácticas = condiciones materiales + ideales. No hay forma pura, antes de la experiencia, para tomar exclusivamente una, como norma total.</a:t>
+            </a:r>
+            <a:endParaRPr lang="es-PE" dirty="0"/>
+          </a:p>
+        </p:txBody>
+      </p:sp>
     </p:spTree>
     <p:extLst>
       <p:ext uri="{BB962C8B-B14F-4D97-AF65-F5344CB8AC3E}">
-        <p14:creationId xmlns:p14="http://schemas.microsoft.com/office/powerpoint/2010/main" val="3969832122"/>
+        <p14:creationId xmlns:p14="http://schemas.microsoft.com/office/powerpoint/2010/main" val="2238402498"/>
       </p:ext>
     </p:extLst>
   </p:cSld>
@@ -14273,11 +16007,7 @@
           <a:p>
             <a:r>
               <a:rPr lang="es-PE" dirty="0" smtClean="0"/>
-              <a:t>p. </a:t>
-            </a:r>
-            <a:r>
-              <a:rPr lang="es-PE" dirty="0" smtClean="0"/>
-              <a:t>271</a:t>
+              <a:t>p. 272</a:t>
             </a:r>
             <a:endParaRPr lang="es-PE" dirty="0"/>
           </a:p>
@@ -14285,7 +16015,7 @@
       </p:sp>
       <p:pic>
         <p:nvPicPr>
-          <p:cNvPr id="2" name="Imagen 1"/>
+          <p:cNvPr id="3" name="Imagen 2"/>
           <p:cNvPicPr>
             <a:picLocks noChangeAspect="1"/>
           </p:cNvPicPr>
@@ -14299,18 +16029,570 @@
         </p:blipFill>
         <p:spPr>
           <a:xfrm>
-            <a:off x="2528887" y="1885950"/>
-            <a:ext cx="7134225" cy="3086100"/>
+            <a:off x="499876" y="376694"/>
+            <a:ext cx="10928619" cy="4717819"/>
           </a:xfrm>
           <a:prstGeom prst="rect">
             <a:avLst/>
           </a:prstGeom>
         </p:spPr>
       </p:pic>
+      <p:cxnSp>
+        <p:nvCxnSpPr>
+          <p:cNvPr id="4" name="Conector recto 3"/>
+          <p:cNvCxnSpPr/>
+          <p:nvPr/>
+        </p:nvCxnSpPr>
+        <p:spPr>
+          <a:xfrm flipV="1">
+            <a:off x="7563394" y="679269"/>
+            <a:ext cx="3865101" cy="39188"/>
+          </a:xfrm>
+          <a:prstGeom prst="line">
+            <a:avLst/>
+          </a:prstGeom>
+          <a:ln w="38100">
+            <a:solidFill>
+              <a:srgbClr val="FF0000"/>
+            </a:solidFill>
+          </a:ln>
+        </p:spPr>
+        <p:style>
+          <a:lnRef idx="1">
+            <a:schemeClr val="accent1"/>
+          </a:lnRef>
+          <a:fillRef idx="0">
+            <a:schemeClr val="accent1"/>
+          </a:fillRef>
+          <a:effectRef idx="0">
+            <a:schemeClr val="accent1"/>
+          </a:effectRef>
+          <a:fontRef idx="minor">
+            <a:schemeClr val="tx1"/>
+          </a:fontRef>
+        </p:style>
+      </p:cxnSp>
+      <p:cxnSp>
+        <p:nvCxnSpPr>
+          <p:cNvPr id="7" name="Conector recto 6"/>
+          <p:cNvCxnSpPr/>
+          <p:nvPr/>
+        </p:nvCxnSpPr>
+        <p:spPr>
+          <a:xfrm>
+            <a:off x="705394" y="1071154"/>
+            <a:ext cx="2272937" cy="13063"/>
+          </a:xfrm>
+          <a:prstGeom prst="line">
+            <a:avLst/>
+          </a:prstGeom>
+          <a:ln w="38100">
+            <a:solidFill>
+              <a:srgbClr val="FF0000"/>
+            </a:solidFill>
+          </a:ln>
+        </p:spPr>
+        <p:style>
+          <a:lnRef idx="1">
+            <a:schemeClr val="accent1"/>
+          </a:lnRef>
+          <a:fillRef idx="0">
+            <a:schemeClr val="accent1"/>
+          </a:fillRef>
+          <a:effectRef idx="0">
+            <a:schemeClr val="accent1"/>
+          </a:effectRef>
+          <a:fontRef idx="minor">
+            <a:schemeClr val="tx1"/>
+          </a:fontRef>
+        </p:style>
+      </p:cxnSp>
+      <p:cxnSp>
+        <p:nvCxnSpPr>
+          <p:cNvPr id="9" name="Conector recto 8"/>
+          <p:cNvCxnSpPr/>
+          <p:nvPr/>
+        </p:nvCxnSpPr>
+        <p:spPr>
+          <a:xfrm>
+            <a:off x="3370217" y="1123406"/>
+            <a:ext cx="7916092" cy="0"/>
+          </a:xfrm>
+          <a:prstGeom prst="line">
+            <a:avLst/>
+          </a:prstGeom>
+          <a:ln w="38100">
+            <a:solidFill>
+              <a:srgbClr val="FF0000"/>
+            </a:solidFill>
+          </a:ln>
+        </p:spPr>
+        <p:style>
+          <a:lnRef idx="1">
+            <a:schemeClr val="accent1"/>
+          </a:lnRef>
+          <a:fillRef idx="0">
+            <a:schemeClr val="accent1"/>
+          </a:fillRef>
+          <a:effectRef idx="0">
+            <a:schemeClr val="accent1"/>
+          </a:effectRef>
+          <a:fontRef idx="minor">
+            <a:schemeClr val="tx1"/>
+          </a:fontRef>
+        </p:style>
+      </p:cxnSp>
+      <p:cxnSp>
+        <p:nvCxnSpPr>
+          <p:cNvPr id="11" name="Conector recto 10"/>
+          <p:cNvCxnSpPr/>
+          <p:nvPr/>
+        </p:nvCxnSpPr>
+        <p:spPr>
+          <a:xfrm flipV="1">
+            <a:off x="705394" y="1489166"/>
+            <a:ext cx="10580915" cy="39188"/>
+          </a:xfrm>
+          <a:prstGeom prst="line">
+            <a:avLst/>
+          </a:prstGeom>
+          <a:ln w="38100">
+            <a:solidFill>
+              <a:srgbClr val="FF0000"/>
+            </a:solidFill>
+          </a:ln>
+        </p:spPr>
+        <p:style>
+          <a:lnRef idx="1">
+            <a:schemeClr val="accent1"/>
+          </a:lnRef>
+          <a:fillRef idx="0">
+            <a:schemeClr val="accent1"/>
+          </a:fillRef>
+          <a:effectRef idx="0">
+            <a:schemeClr val="accent1"/>
+          </a:effectRef>
+          <a:fontRef idx="minor">
+            <a:schemeClr val="tx1"/>
+          </a:fontRef>
+        </p:style>
+      </p:cxnSp>
+      <p:cxnSp>
+        <p:nvCxnSpPr>
+          <p:cNvPr id="13" name="Conector recto 12"/>
+          <p:cNvCxnSpPr/>
+          <p:nvPr/>
+        </p:nvCxnSpPr>
+        <p:spPr>
+          <a:xfrm>
+            <a:off x="705394" y="1870119"/>
+            <a:ext cx="7432766" cy="0"/>
+          </a:xfrm>
+          <a:prstGeom prst="line">
+            <a:avLst/>
+          </a:prstGeom>
+          <a:ln w="38100">
+            <a:solidFill>
+              <a:srgbClr val="FF0000"/>
+            </a:solidFill>
+          </a:ln>
+        </p:spPr>
+        <p:style>
+          <a:lnRef idx="1">
+            <a:schemeClr val="accent1"/>
+          </a:lnRef>
+          <a:fillRef idx="0">
+            <a:schemeClr val="accent1"/>
+          </a:fillRef>
+          <a:effectRef idx="0">
+            <a:schemeClr val="accent1"/>
+          </a:effectRef>
+          <a:fontRef idx="minor">
+            <a:schemeClr val="tx1"/>
+          </a:fontRef>
+        </p:style>
+      </p:cxnSp>
+      <p:cxnSp>
+        <p:nvCxnSpPr>
+          <p:cNvPr id="15" name="Conector recto 14"/>
+          <p:cNvCxnSpPr/>
+          <p:nvPr/>
+        </p:nvCxnSpPr>
+        <p:spPr>
+          <a:xfrm>
+            <a:off x="2677886" y="2272937"/>
+            <a:ext cx="8608423" cy="39189"/>
+          </a:xfrm>
+          <a:prstGeom prst="line">
+            <a:avLst/>
+          </a:prstGeom>
+          <a:ln w="38100">
+            <a:solidFill>
+              <a:srgbClr val="FF0000"/>
+            </a:solidFill>
+          </a:ln>
+        </p:spPr>
+        <p:style>
+          <a:lnRef idx="1">
+            <a:schemeClr val="accent1"/>
+          </a:lnRef>
+          <a:fillRef idx="0">
+            <a:schemeClr val="accent1"/>
+          </a:fillRef>
+          <a:effectRef idx="0">
+            <a:schemeClr val="accent1"/>
+          </a:effectRef>
+          <a:fontRef idx="minor">
+            <a:schemeClr val="tx1"/>
+          </a:fontRef>
+        </p:style>
+      </p:cxnSp>
+      <p:cxnSp>
+        <p:nvCxnSpPr>
+          <p:cNvPr id="17" name="Conector recto 16"/>
+          <p:cNvCxnSpPr/>
+          <p:nvPr/>
+        </p:nvCxnSpPr>
+        <p:spPr>
+          <a:xfrm>
+            <a:off x="705394" y="2640826"/>
+            <a:ext cx="2390503" cy="0"/>
+          </a:xfrm>
+          <a:prstGeom prst="line">
+            <a:avLst/>
+          </a:prstGeom>
+          <a:ln w="38100">
+            <a:solidFill>
+              <a:srgbClr val="FF0000"/>
+            </a:solidFill>
+          </a:ln>
+        </p:spPr>
+        <p:style>
+          <a:lnRef idx="1">
+            <a:schemeClr val="accent1"/>
+          </a:lnRef>
+          <a:fillRef idx="0">
+            <a:schemeClr val="accent1"/>
+          </a:fillRef>
+          <a:effectRef idx="0">
+            <a:schemeClr val="accent1"/>
+          </a:effectRef>
+          <a:fontRef idx="minor">
+            <a:schemeClr val="tx1"/>
+          </a:fontRef>
+        </p:style>
+      </p:cxnSp>
+      <p:cxnSp>
+        <p:nvCxnSpPr>
+          <p:cNvPr id="19" name="Conector recto 18"/>
+          <p:cNvCxnSpPr/>
+          <p:nvPr/>
+        </p:nvCxnSpPr>
+        <p:spPr>
+          <a:xfrm>
+            <a:off x="1528354" y="3082834"/>
+            <a:ext cx="4297680" cy="0"/>
+          </a:xfrm>
+          <a:prstGeom prst="line">
+            <a:avLst/>
+          </a:prstGeom>
+          <a:ln w="38100">
+            <a:solidFill>
+              <a:srgbClr val="FF0000"/>
+            </a:solidFill>
+          </a:ln>
+        </p:spPr>
+        <p:style>
+          <a:lnRef idx="1">
+            <a:schemeClr val="accent1"/>
+          </a:lnRef>
+          <a:fillRef idx="0">
+            <a:schemeClr val="accent1"/>
+          </a:fillRef>
+          <a:effectRef idx="0">
+            <a:schemeClr val="accent1"/>
+          </a:effectRef>
+          <a:fontRef idx="minor">
+            <a:schemeClr val="tx1"/>
+          </a:fontRef>
+        </p:style>
+      </p:cxnSp>
+      <p:cxnSp>
+        <p:nvCxnSpPr>
+          <p:cNvPr id="21" name="Conector recto 20"/>
+          <p:cNvCxnSpPr/>
+          <p:nvPr/>
+        </p:nvCxnSpPr>
+        <p:spPr>
+          <a:xfrm>
+            <a:off x="9326880" y="3082834"/>
+            <a:ext cx="2101615" cy="0"/>
+          </a:xfrm>
+          <a:prstGeom prst="line">
+            <a:avLst/>
+          </a:prstGeom>
+          <a:ln w="38100">
+            <a:solidFill>
+              <a:srgbClr val="FF0000"/>
+            </a:solidFill>
+          </a:ln>
+        </p:spPr>
+        <p:style>
+          <a:lnRef idx="1">
+            <a:schemeClr val="accent1"/>
+          </a:lnRef>
+          <a:fillRef idx="0">
+            <a:schemeClr val="accent1"/>
+          </a:fillRef>
+          <a:effectRef idx="0">
+            <a:schemeClr val="accent1"/>
+          </a:effectRef>
+          <a:fontRef idx="minor">
+            <a:schemeClr val="tx1"/>
+          </a:fontRef>
+        </p:style>
+      </p:cxnSp>
+      <p:cxnSp>
+        <p:nvCxnSpPr>
+          <p:cNvPr id="23" name="Conector recto 22"/>
+          <p:cNvCxnSpPr/>
+          <p:nvPr/>
+        </p:nvCxnSpPr>
+        <p:spPr>
+          <a:xfrm>
+            <a:off x="7380514" y="4232367"/>
+            <a:ext cx="3905795" cy="2130"/>
+          </a:xfrm>
+          <a:prstGeom prst="line">
+            <a:avLst/>
+          </a:prstGeom>
+          <a:ln w="38100">
+            <a:solidFill>
+              <a:srgbClr val="FF0000"/>
+            </a:solidFill>
+          </a:ln>
+        </p:spPr>
+        <p:style>
+          <a:lnRef idx="1">
+            <a:schemeClr val="accent1"/>
+          </a:lnRef>
+          <a:fillRef idx="0">
+            <a:schemeClr val="accent1"/>
+          </a:fillRef>
+          <a:effectRef idx="0">
+            <a:schemeClr val="accent1"/>
+          </a:effectRef>
+          <a:fontRef idx="minor">
+            <a:schemeClr val="tx1"/>
+          </a:fontRef>
+        </p:style>
+      </p:cxnSp>
+      <p:cxnSp>
+        <p:nvCxnSpPr>
+          <p:cNvPr id="27" name="Conector recto 26"/>
+          <p:cNvCxnSpPr/>
+          <p:nvPr/>
+        </p:nvCxnSpPr>
+        <p:spPr>
+          <a:xfrm>
+            <a:off x="705394" y="4663440"/>
+            <a:ext cx="3788229" cy="13063"/>
+          </a:xfrm>
+          <a:prstGeom prst="line">
+            <a:avLst/>
+          </a:prstGeom>
+          <a:ln w="38100">
+            <a:solidFill>
+              <a:srgbClr val="FF0000"/>
+            </a:solidFill>
+          </a:ln>
+        </p:spPr>
+        <p:style>
+          <a:lnRef idx="1">
+            <a:schemeClr val="accent1"/>
+          </a:lnRef>
+          <a:fillRef idx="0">
+            <a:schemeClr val="accent1"/>
+          </a:fillRef>
+          <a:effectRef idx="0">
+            <a:schemeClr val="accent1"/>
+          </a:effectRef>
+          <a:fontRef idx="minor">
+            <a:schemeClr val="tx1"/>
+          </a:fontRef>
+        </p:style>
+      </p:cxnSp>
+      <p:cxnSp>
+        <p:nvCxnSpPr>
+          <p:cNvPr id="29" name="Conector recto 28"/>
+          <p:cNvCxnSpPr/>
+          <p:nvPr/>
+        </p:nvCxnSpPr>
+        <p:spPr>
+          <a:xfrm>
+            <a:off x="1894114" y="5094513"/>
+            <a:ext cx="5839097" cy="0"/>
+          </a:xfrm>
+          <a:prstGeom prst="line">
+            <a:avLst/>
+          </a:prstGeom>
+          <a:ln w="38100">
+            <a:solidFill>
+              <a:srgbClr val="FF0000"/>
+            </a:solidFill>
+          </a:ln>
+        </p:spPr>
+        <p:style>
+          <a:lnRef idx="1">
+            <a:schemeClr val="accent1"/>
+          </a:lnRef>
+          <a:fillRef idx="0">
+            <a:schemeClr val="accent1"/>
+          </a:fillRef>
+          <a:effectRef idx="0">
+            <a:schemeClr val="accent1"/>
+          </a:effectRef>
+          <a:fontRef idx="minor">
+            <a:schemeClr val="tx1"/>
+          </a:fontRef>
+        </p:style>
+      </p:cxnSp>
+      <p:sp>
+        <p:nvSpPr>
+          <p:cNvPr id="30" name="Rectángulo 29"/>
+          <p:cNvSpPr/>
+          <p:nvPr/>
+        </p:nvSpPr>
+        <p:spPr>
+          <a:xfrm>
+            <a:off x="576271" y="3170014"/>
+            <a:ext cx="2519626" cy="280711"/>
+          </a:xfrm>
+          <a:prstGeom prst="rect">
+            <a:avLst/>
+          </a:prstGeom>
+          <a:noFill/>
+          <a:ln w="38100">
+            <a:solidFill>
+              <a:srgbClr val="00B050"/>
+            </a:solidFill>
+          </a:ln>
+        </p:spPr>
+        <p:style>
+          <a:lnRef idx="2">
+            <a:schemeClr val="accent1">
+              <a:shade val="50000"/>
+            </a:schemeClr>
+          </a:lnRef>
+          <a:fillRef idx="1">
+            <a:schemeClr val="accent1"/>
+          </a:fillRef>
+          <a:effectRef idx="0">
+            <a:schemeClr val="accent1"/>
+          </a:effectRef>
+          <a:fontRef idx="minor">
+            <a:schemeClr val="lt1"/>
+          </a:fontRef>
+        </p:style>
+        <p:txBody>
+          <a:bodyPr rot="0" spcFirstLastPara="0" vertOverflow="overflow" horzOverflow="overflow" vert="horz" wrap="square" lIns="91440" tIns="45720" rIns="91440" bIns="45720" numCol="1" spcCol="0" rtlCol="0" fromWordArt="0" anchor="ctr" anchorCtr="0" forceAA="0" compatLnSpc="1">
+            <a:prstTxWarp prst="textNoShape">
+              <a:avLst/>
+            </a:prstTxWarp>
+            <a:noAutofit/>
+          </a:bodyPr>
+          <a:lstStyle/>
+          <a:p>
+            <a:pPr algn="ctr"/>
+            <a:endParaRPr lang="es-PE"/>
+          </a:p>
+        </p:txBody>
+      </p:sp>
+      <p:sp>
+        <p:nvSpPr>
+          <p:cNvPr id="31" name="Rectángulo 30"/>
+          <p:cNvSpPr/>
+          <p:nvPr/>
+        </p:nvSpPr>
+        <p:spPr>
+          <a:xfrm>
+            <a:off x="1763486" y="4794069"/>
+            <a:ext cx="5969725" cy="300444"/>
+          </a:xfrm>
+          <a:prstGeom prst="rect">
+            <a:avLst/>
+          </a:prstGeom>
+          <a:noFill/>
+          <a:ln w="38100">
+            <a:solidFill>
+              <a:srgbClr val="00B050"/>
+            </a:solidFill>
+          </a:ln>
+        </p:spPr>
+        <p:style>
+          <a:lnRef idx="2">
+            <a:schemeClr val="accent1">
+              <a:shade val="50000"/>
+            </a:schemeClr>
+          </a:lnRef>
+          <a:fillRef idx="1">
+            <a:schemeClr val="accent1"/>
+          </a:fillRef>
+          <a:effectRef idx="0">
+            <a:schemeClr val="accent1"/>
+          </a:effectRef>
+          <a:fontRef idx="minor">
+            <a:schemeClr val="lt1"/>
+          </a:fontRef>
+        </p:style>
+        <p:txBody>
+          <a:bodyPr rot="0" spcFirstLastPara="0" vertOverflow="overflow" horzOverflow="overflow" vert="horz" wrap="square" lIns="91440" tIns="45720" rIns="91440" bIns="45720" numCol="1" spcCol="0" rtlCol="0" fromWordArt="0" anchor="ctr" anchorCtr="0" forceAA="0" compatLnSpc="1">
+            <a:prstTxWarp prst="textNoShape">
+              <a:avLst/>
+            </a:prstTxWarp>
+            <a:noAutofit/>
+          </a:bodyPr>
+          <a:lstStyle/>
+          <a:p>
+            <a:pPr algn="ctr"/>
+            <a:endParaRPr lang="es-PE"/>
+          </a:p>
+        </p:txBody>
+      </p:sp>
+      <p:sp>
+        <p:nvSpPr>
+          <p:cNvPr id="32" name="CuadroTexto 31"/>
+          <p:cNvSpPr txBox="1"/>
+          <p:nvPr/>
+        </p:nvSpPr>
+        <p:spPr>
+          <a:xfrm>
+            <a:off x="2795450" y="5773783"/>
+            <a:ext cx="7511143" cy="369332"/>
+          </a:xfrm>
+          <a:prstGeom prst="rect">
+            <a:avLst/>
+          </a:prstGeom>
+          <a:noFill/>
+        </p:spPr>
+        <p:txBody>
+          <a:bodyPr wrap="square" rtlCol="0">
+            <a:spAutoFit/>
+          </a:bodyPr>
+          <a:lstStyle/>
+          <a:p>
+            <a:r>
+              <a:rPr lang="es-PE" dirty="0" smtClean="0"/>
+              <a:t>Transformación feudal post guerras religiosas: de caballeros a cortesanos</a:t>
+            </a:r>
+            <a:endParaRPr lang="es-PE" dirty="0"/>
+          </a:p>
+        </p:txBody>
+      </p:sp>
     </p:spTree>
     <p:extLst>
       <p:ext uri="{BB962C8B-B14F-4D97-AF65-F5344CB8AC3E}">
-        <p14:creationId xmlns:p14="http://schemas.microsoft.com/office/powerpoint/2010/main" val="889008361"/>
+        <p14:creationId xmlns:p14="http://schemas.microsoft.com/office/powerpoint/2010/main" val="2592694613"/>
       </p:ext>
     </p:extLst>
   </p:cSld>
@@ -14361,11 +16643,7 @@
           <a:p>
             <a:r>
               <a:rPr lang="es-PE" dirty="0" smtClean="0"/>
-              <a:t>p. </a:t>
-            </a:r>
-            <a:r>
-              <a:rPr lang="es-PE" dirty="0" smtClean="0"/>
-              <a:t>271</a:t>
+              <a:t>p. 272</a:t>
             </a:r>
             <a:endParaRPr lang="es-PE" dirty="0"/>
           </a:p>
@@ -14387,18 +16665,258 @@
         </p:blipFill>
         <p:spPr>
           <a:xfrm>
-            <a:off x="2189364" y="1548073"/>
-            <a:ext cx="7048500" cy="3562350"/>
+            <a:off x="1359216" y="442640"/>
+            <a:ext cx="9051881" cy="5552630"/>
           </a:xfrm>
           <a:prstGeom prst="rect">
             <a:avLst/>
           </a:prstGeom>
         </p:spPr>
       </p:pic>
+      <p:cxnSp>
+        <p:nvCxnSpPr>
+          <p:cNvPr id="4" name="Conector recto 3"/>
+          <p:cNvCxnSpPr/>
+          <p:nvPr/>
+        </p:nvCxnSpPr>
+        <p:spPr>
+          <a:xfrm>
+            <a:off x="2312126" y="783771"/>
+            <a:ext cx="7837714" cy="0"/>
+          </a:xfrm>
+          <a:prstGeom prst="line">
+            <a:avLst/>
+          </a:prstGeom>
+          <a:ln w="38100">
+            <a:solidFill>
+              <a:srgbClr val="FF0000"/>
+            </a:solidFill>
+          </a:ln>
+        </p:spPr>
+        <p:style>
+          <a:lnRef idx="1">
+            <a:schemeClr val="accent1"/>
+          </a:lnRef>
+          <a:fillRef idx="0">
+            <a:schemeClr val="accent1"/>
+          </a:fillRef>
+          <a:effectRef idx="0">
+            <a:schemeClr val="accent1"/>
+          </a:effectRef>
+          <a:fontRef idx="minor">
+            <a:schemeClr val="tx1"/>
+          </a:fontRef>
+        </p:style>
+      </p:cxnSp>
+      <p:cxnSp>
+        <p:nvCxnSpPr>
+          <p:cNvPr id="7" name="Conector recto 6"/>
+          <p:cNvCxnSpPr/>
+          <p:nvPr/>
+        </p:nvCxnSpPr>
+        <p:spPr>
+          <a:xfrm flipV="1">
+            <a:off x="1567543" y="1084217"/>
+            <a:ext cx="5917474" cy="13063"/>
+          </a:xfrm>
+          <a:prstGeom prst="line">
+            <a:avLst/>
+          </a:prstGeom>
+          <a:ln w="38100">
+            <a:solidFill>
+              <a:srgbClr val="FF0000"/>
+            </a:solidFill>
+          </a:ln>
+        </p:spPr>
+        <p:style>
+          <a:lnRef idx="1">
+            <a:schemeClr val="accent1"/>
+          </a:lnRef>
+          <a:fillRef idx="0">
+            <a:schemeClr val="accent1"/>
+          </a:fillRef>
+          <a:effectRef idx="0">
+            <a:schemeClr val="accent1"/>
+          </a:effectRef>
+          <a:fontRef idx="minor">
+            <a:schemeClr val="tx1"/>
+          </a:fontRef>
+        </p:style>
+      </p:cxnSp>
+      <p:cxnSp>
+        <p:nvCxnSpPr>
+          <p:cNvPr id="9" name="Conector recto 8"/>
+          <p:cNvCxnSpPr/>
+          <p:nvPr/>
+        </p:nvCxnSpPr>
+        <p:spPr>
+          <a:xfrm>
+            <a:off x="4323806" y="1371600"/>
+            <a:ext cx="4741817" cy="0"/>
+          </a:xfrm>
+          <a:prstGeom prst="line">
+            <a:avLst/>
+          </a:prstGeom>
+          <a:ln w="38100">
+            <a:solidFill>
+              <a:srgbClr val="FF0000"/>
+            </a:solidFill>
+          </a:ln>
+        </p:spPr>
+        <p:style>
+          <a:lnRef idx="1">
+            <a:schemeClr val="accent1"/>
+          </a:lnRef>
+          <a:fillRef idx="0">
+            <a:schemeClr val="accent1"/>
+          </a:fillRef>
+          <a:effectRef idx="0">
+            <a:schemeClr val="accent1"/>
+          </a:effectRef>
+          <a:fontRef idx="minor">
+            <a:schemeClr val="tx1"/>
+          </a:fontRef>
+        </p:style>
+      </p:cxnSp>
+      <p:cxnSp>
+        <p:nvCxnSpPr>
+          <p:cNvPr id="11" name="Conector recto 10"/>
+          <p:cNvCxnSpPr/>
+          <p:nvPr/>
+        </p:nvCxnSpPr>
+        <p:spPr>
+          <a:xfrm>
+            <a:off x="5133703" y="2651760"/>
+            <a:ext cx="5159828" cy="13063"/>
+          </a:xfrm>
+          <a:prstGeom prst="line">
+            <a:avLst/>
+          </a:prstGeom>
+          <a:ln w="38100">
+            <a:solidFill>
+              <a:srgbClr val="FF0000"/>
+            </a:solidFill>
+          </a:ln>
+        </p:spPr>
+        <p:style>
+          <a:lnRef idx="1">
+            <a:schemeClr val="accent1"/>
+          </a:lnRef>
+          <a:fillRef idx="0">
+            <a:schemeClr val="accent1"/>
+          </a:fillRef>
+          <a:effectRef idx="0">
+            <a:schemeClr val="accent1"/>
+          </a:effectRef>
+          <a:fontRef idx="minor">
+            <a:schemeClr val="tx1"/>
+          </a:fontRef>
+        </p:style>
+      </p:cxnSp>
+      <p:cxnSp>
+        <p:nvCxnSpPr>
+          <p:cNvPr id="13" name="Conector recto 12"/>
+          <p:cNvCxnSpPr/>
+          <p:nvPr/>
+        </p:nvCxnSpPr>
+        <p:spPr>
+          <a:xfrm>
+            <a:off x="1567543" y="3089075"/>
+            <a:ext cx="8712926" cy="0"/>
+          </a:xfrm>
+          <a:prstGeom prst="line">
+            <a:avLst/>
+          </a:prstGeom>
+          <a:ln w="38100">
+            <a:solidFill>
+              <a:srgbClr val="FF0000"/>
+            </a:solidFill>
+          </a:ln>
+        </p:spPr>
+        <p:style>
+          <a:lnRef idx="1">
+            <a:schemeClr val="accent1"/>
+          </a:lnRef>
+          <a:fillRef idx="0">
+            <a:schemeClr val="accent1"/>
+          </a:fillRef>
+          <a:effectRef idx="0">
+            <a:schemeClr val="accent1"/>
+          </a:effectRef>
+          <a:fontRef idx="minor">
+            <a:schemeClr val="tx1"/>
+          </a:fontRef>
+        </p:style>
+      </p:cxnSp>
+      <p:cxnSp>
+        <p:nvCxnSpPr>
+          <p:cNvPr id="15" name="Conector recto 14"/>
+          <p:cNvCxnSpPr/>
+          <p:nvPr/>
+        </p:nvCxnSpPr>
+        <p:spPr>
+          <a:xfrm flipV="1">
+            <a:off x="1567543" y="3357154"/>
+            <a:ext cx="1894114" cy="13063"/>
+          </a:xfrm>
+          <a:prstGeom prst="line">
+            <a:avLst/>
+          </a:prstGeom>
+          <a:ln w="38100">
+            <a:solidFill>
+              <a:srgbClr val="FF0000"/>
+            </a:solidFill>
+          </a:ln>
+        </p:spPr>
+        <p:style>
+          <a:lnRef idx="1">
+            <a:schemeClr val="accent1"/>
+          </a:lnRef>
+          <a:fillRef idx="0">
+            <a:schemeClr val="accent1"/>
+          </a:fillRef>
+          <a:effectRef idx="0">
+            <a:schemeClr val="accent1"/>
+          </a:effectRef>
+          <a:fontRef idx="minor">
+            <a:schemeClr val="tx1"/>
+          </a:fontRef>
+        </p:style>
+      </p:cxnSp>
+      <p:sp>
+        <p:nvSpPr>
+          <p:cNvPr id="17" name="CuadroTexto 16"/>
+          <p:cNvSpPr txBox="1"/>
+          <p:nvPr/>
+        </p:nvSpPr>
+        <p:spPr>
+          <a:xfrm>
+            <a:off x="1933302" y="6283234"/>
+            <a:ext cx="7733211" cy="369332"/>
+          </a:xfrm>
+          <a:prstGeom prst="rect">
+            <a:avLst/>
+          </a:prstGeom>
+          <a:noFill/>
+        </p:spPr>
+        <p:txBody>
+          <a:bodyPr wrap="square" rtlCol="0">
+            <a:spAutoFit/>
+          </a:bodyPr>
+          <a:lstStyle/>
+          <a:p>
+            <a:r>
+              <a:rPr lang="es-PE" dirty="0" smtClean="0"/>
+              <a:t>Autopercepción e identidad: del código de honor a un sentido civil y humanista</a:t>
+            </a:r>
+            <a:endParaRPr lang="es-PE" dirty="0"/>
+          </a:p>
+        </p:txBody>
+      </p:sp>
     </p:spTree>
     <p:extLst>
       <p:ext uri="{BB962C8B-B14F-4D97-AF65-F5344CB8AC3E}">
-        <p14:creationId xmlns:p14="http://schemas.microsoft.com/office/powerpoint/2010/main" val="2238402498"/>
+        <p14:creationId xmlns:p14="http://schemas.microsoft.com/office/powerpoint/2010/main" val="148239015"/>
       </p:ext>
     </p:extLst>
   </p:cSld>
@@ -15600,11 +18118,7 @@
           <a:p>
             <a:r>
               <a:rPr lang="es-PE" dirty="0" smtClean="0"/>
-              <a:t>p. </a:t>
-            </a:r>
-            <a:r>
-              <a:rPr lang="es-PE" dirty="0" smtClean="0"/>
-              <a:t>271</a:t>
+              <a:t>p. 272-273</a:t>
             </a:r>
             <a:endParaRPr lang="es-PE" dirty="0"/>
           </a:p>
@@ -15612,7 +18126,7 @@
       </p:sp>
       <p:pic>
         <p:nvPicPr>
-          <p:cNvPr id="2" name="Imagen 1"/>
+          <p:cNvPr id="4" name="Imagen 3"/>
           <p:cNvPicPr>
             <a:picLocks noChangeAspect="1"/>
           </p:cNvPicPr>
@@ -15626,8 +18140,8 @@
         </p:blipFill>
         <p:spPr>
           <a:xfrm>
-            <a:off x="2284528" y="1059700"/>
-            <a:ext cx="6924675" cy="1047750"/>
+            <a:off x="1963856" y="473223"/>
+            <a:ext cx="8380635" cy="642898"/>
           </a:xfrm>
           <a:prstGeom prst="rect">
             <a:avLst/>
@@ -15636,7 +18150,7 @@
       </p:pic>
       <p:pic>
         <p:nvPicPr>
-          <p:cNvPr id="4" name="Imagen 3"/>
+          <p:cNvPr id="2" name="Imagen 1"/>
           <p:cNvPicPr>
             <a:picLocks noChangeAspect="1"/>
           </p:cNvPicPr>
@@ -15650,18 +18164,404 @@
         </p:blipFill>
         <p:spPr>
           <a:xfrm>
-            <a:off x="2714625" y="3281362"/>
-            <a:ext cx="6762750" cy="295275"/>
+            <a:off x="2067179" y="1116121"/>
+            <a:ext cx="8277312" cy="4259199"/>
           </a:xfrm>
           <a:prstGeom prst="rect">
             <a:avLst/>
           </a:prstGeom>
         </p:spPr>
       </p:pic>
+      <p:cxnSp>
+        <p:nvCxnSpPr>
+          <p:cNvPr id="6" name="Conector recto 5"/>
+          <p:cNvCxnSpPr/>
+          <p:nvPr/>
+        </p:nvCxnSpPr>
+        <p:spPr>
+          <a:xfrm>
+            <a:off x="2913017" y="731520"/>
+            <a:ext cx="6413863" cy="0"/>
+          </a:xfrm>
+          <a:prstGeom prst="line">
+            <a:avLst/>
+          </a:prstGeom>
+          <a:ln w="38100">
+            <a:solidFill>
+              <a:srgbClr val="FF0000"/>
+            </a:solidFill>
+          </a:ln>
+        </p:spPr>
+        <p:style>
+          <a:lnRef idx="1">
+            <a:schemeClr val="accent1"/>
+          </a:lnRef>
+          <a:fillRef idx="0">
+            <a:schemeClr val="accent1"/>
+          </a:fillRef>
+          <a:effectRef idx="0">
+            <a:schemeClr val="accent1"/>
+          </a:effectRef>
+          <a:fontRef idx="minor">
+            <a:schemeClr val="tx1"/>
+          </a:fontRef>
+        </p:style>
+      </p:cxnSp>
+      <p:cxnSp>
+        <p:nvCxnSpPr>
+          <p:cNvPr id="8" name="Conector recto 7"/>
+          <p:cNvCxnSpPr/>
+          <p:nvPr/>
+        </p:nvCxnSpPr>
+        <p:spPr>
+          <a:xfrm>
+            <a:off x="8869680" y="1685109"/>
+            <a:ext cx="1371600" cy="13062"/>
+          </a:xfrm>
+          <a:prstGeom prst="line">
+            <a:avLst/>
+          </a:prstGeom>
+          <a:ln w="38100">
+            <a:solidFill>
+              <a:srgbClr val="FF0000"/>
+            </a:solidFill>
+          </a:ln>
+        </p:spPr>
+        <p:style>
+          <a:lnRef idx="1">
+            <a:schemeClr val="accent1"/>
+          </a:lnRef>
+          <a:fillRef idx="0">
+            <a:schemeClr val="accent1"/>
+          </a:fillRef>
+          <a:effectRef idx="0">
+            <a:schemeClr val="accent1"/>
+          </a:effectRef>
+          <a:fontRef idx="minor">
+            <a:schemeClr val="tx1"/>
+          </a:fontRef>
+        </p:style>
+      </p:cxnSp>
+      <p:cxnSp>
+        <p:nvCxnSpPr>
+          <p:cNvPr id="10" name="Conector recto 9"/>
+          <p:cNvCxnSpPr/>
+          <p:nvPr/>
+        </p:nvCxnSpPr>
+        <p:spPr>
+          <a:xfrm flipV="1">
+            <a:off x="2067179" y="2011680"/>
+            <a:ext cx="4411998" cy="13063"/>
+          </a:xfrm>
+          <a:prstGeom prst="line">
+            <a:avLst/>
+          </a:prstGeom>
+          <a:ln w="38100">
+            <a:solidFill>
+              <a:srgbClr val="FF0000"/>
+            </a:solidFill>
+          </a:ln>
+        </p:spPr>
+        <p:style>
+          <a:lnRef idx="1">
+            <a:schemeClr val="accent1"/>
+          </a:lnRef>
+          <a:fillRef idx="0">
+            <a:schemeClr val="accent1"/>
+          </a:fillRef>
+          <a:effectRef idx="0">
+            <a:schemeClr val="accent1"/>
+          </a:effectRef>
+          <a:fontRef idx="minor">
+            <a:schemeClr val="tx1"/>
+          </a:fontRef>
+        </p:style>
+      </p:cxnSp>
+      <p:cxnSp>
+        <p:nvCxnSpPr>
+          <p:cNvPr id="12" name="Conector recto 11"/>
+          <p:cNvCxnSpPr/>
+          <p:nvPr/>
+        </p:nvCxnSpPr>
+        <p:spPr>
+          <a:xfrm>
+            <a:off x="4754880" y="2625634"/>
+            <a:ext cx="5394960" cy="13063"/>
+          </a:xfrm>
+          <a:prstGeom prst="line">
+            <a:avLst/>
+          </a:prstGeom>
+          <a:ln w="38100">
+            <a:solidFill>
+              <a:srgbClr val="FF0000"/>
+            </a:solidFill>
+          </a:ln>
+        </p:spPr>
+        <p:style>
+          <a:lnRef idx="1">
+            <a:schemeClr val="accent1"/>
+          </a:lnRef>
+          <a:fillRef idx="0">
+            <a:schemeClr val="accent1"/>
+          </a:fillRef>
+          <a:effectRef idx="0">
+            <a:schemeClr val="accent1"/>
+          </a:effectRef>
+          <a:fontRef idx="minor">
+            <a:schemeClr val="tx1"/>
+          </a:fontRef>
+        </p:style>
+      </p:cxnSp>
+      <p:cxnSp>
+        <p:nvCxnSpPr>
+          <p:cNvPr id="14" name="Conector recto 13"/>
+          <p:cNvCxnSpPr/>
+          <p:nvPr/>
+        </p:nvCxnSpPr>
+        <p:spPr>
+          <a:xfrm>
+            <a:off x="8582297" y="2272937"/>
+            <a:ext cx="1254034" cy="13063"/>
+          </a:xfrm>
+          <a:prstGeom prst="line">
+            <a:avLst/>
+          </a:prstGeom>
+          <a:ln w="38100">
+            <a:solidFill>
+              <a:srgbClr val="FF0000"/>
+            </a:solidFill>
+          </a:ln>
+        </p:spPr>
+        <p:style>
+          <a:lnRef idx="1">
+            <a:schemeClr val="accent1"/>
+          </a:lnRef>
+          <a:fillRef idx="0">
+            <a:schemeClr val="accent1"/>
+          </a:fillRef>
+          <a:effectRef idx="0">
+            <a:schemeClr val="accent1"/>
+          </a:effectRef>
+          <a:fontRef idx="minor">
+            <a:schemeClr val="tx1"/>
+          </a:fontRef>
+        </p:style>
+      </p:cxnSp>
+      <p:cxnSp>
+        <p:nvCxnSpPr>
+          <p:cNvPr id="16" name="Conector recto 15"/>
+          <p:cNvCxnSpPr/>
+          <p:nvPr/>
+        </p:nvCxnSpPr>
+        <p:spPr>
+          <a:xfrm>
+            <a:off x="4741817" y="2926080"/>
+            <a:ext cx="4585063" cy="0"/>
+          </a:xfrm>
+          <a:prstGeom prst="line">
+            <a:avLst/>
+          </a:prstGeom>
+          <a:ln w="38100">
+            <a:solidFill>
+              <a:srgbClr val="FF0000"/>
+            </a:solidFill>
+          </a:ln>
+        </p:spPr>
+        <p:style>
+          <a:lnRef idx="1">
+            <a:schemeClr val="accent1"/>
+          </a:lnRef>
+          <a:fillRef idx="0">
+            <a:schemeClr val="accent1"/>
+          </a:fillRef>
+          <a:effectRef idx="0">
+            <a:schemeClr val="accent1"/>
+          </a:effectRef>
+          <a:fontRef idx="minor">
+            <a:schemeClr val="tx1"/>
+          </a:fontRef>
+        </p:style>
+      </p:cxnSp>
+      <p:cxnSp>
+        <p:nvCxnSpPr>
+          <p:cNvPr id="18" name="Conector recto 17"/>
+          <p:cNvCxnSpPr/>
+          <p:nvPr/>
+        </p:nvCxnSpPr>
+        <p:spPr>
+          <a:xfrm>
+            <a:off x="4754880" y="3239589"/>
+            <a:ext cx="1907177" cy="13062"/>
+          </a:xfrm>
+          <a:prstGeom prst="line">
+            <a:avLst/>
+          </a:prstGeom>
+          <a:ln w="38100">
+            <a:solidFill>
+              <a:srgbClr val="FF0000"/>
+            </a:solidFill>
+          </a:ln>
+        </p:spPr>
+        <p:style>
+          <a:lnRef idx="1">
+            <a:schemeClr val="accent1"/>
+          </a:lnRef>
+          <a:fillRef idx="0">
+            <a:schemeClr val="accent1"/>
+          </a:fillRef>
+          <a:effectRef idx="0">
+            <a:schemeClr val="accent1"/>
+          </a:effectRef>
+          <a:fontRef idx="minor">
+            <a:schemeClr val="tx1"/>
+          </a:fontRef>
+        </p:style>
+      </p:cxnSp>
+      <p:cxnSp>
+        <p:nvCxnSpPr>
+          <p:cNvPr id="22" name="Conector recto 21"/>
+          <p:cNvCxnSpPr/>
+          <p:nvPr/>
+        </p:nvCxnSpPr>
+        <p:spPr>
+          <a:xfrm>
+            <a:off x="5956663" y="4754880"/>
+            <a:ext cx="4284617" cy="0"/>
+          </a:xfrm>
+          <a:prstGeom prst="line">
+            <a:avLst/>
+          </a:prstGeom>
+          <a:ln w="38100">
+            <a:solidFill>
+              <a:srgbClr val="FF0000"/>
+            </a:solidFill>
+          </a:ln>
+        </p:spPr>
+        <p:style>
+          <a:lnRef idx="1">
+            <a:schemeClr val="accent1"/>
+          </a:lnRef>
+          <a:fillRef idx="0">
+            <a:schemeClr val="accent1"/>
+          </a:fillRef>
+          <a:effectRef idx="0">
+            <a:schemeClr val="accent1"/>
+          </a:effectRef>
+          <a:fontRef idx="minor">
+            <a:schemeClr val="tx1"/>
+          </a:fontRef>
+        </p:style>
+      </p:cxnSp>
+      <p:cxnSp>
+        <p:nvCxnSpPr>
+          <p:cNvPr id="24" name="Conector recto 23"/>
+          <p:cNvCxnSpPr/>
+          <p:nvPr/>
+        </p:nvCxnSpPr>
+        <p:spPr>
+          <a:xfrm>
+            <a:off x="2067179" y="5055326"/>
+            <a:ext cx="8174101" cy="26125"/>
+          </a:xfrm>
+          <a:prstGeom prst="line">
+            <a:avLst/>
+          </a:prstGeom>
+          <a:ln w="38100">
+            <a:solidFill>
+              <a:srgbClr val="FF0000"/>
+            </a:solidFill>
+          </a:ln>
+        </p:spPr>
+        <p:style>
+          <a:lnRef idx="1">
+            <a:schemeClr val="accent1"/>
+          </a:lnRef>
+          <a:fillRef idx="0">
+            <a:schemeClr val="accent1"/>
+          </a:fillRef>
+          <a:effectRef idx="0">
+            <a:schemeClr val="accent1"/>
+          </a:effectRef>
+          <a:fontRef idx="minor">
+            <a:schemeClr val="tx1"/>
+          </a:fontRef>
+        </p:style>
+      </p:cxnSp>
+      <p:cxnSp>
+        <p:nvCxnSpPr>
+          <p:cNvPr id="26" name="Conector recto 25"/>
+          <p:cNvCxnSpPr/>
+          <p:nvPr/>
+        </p:nvCxnSpPr>
+        <p:spPr>
+          <a:xfrm>
+            <a:off x="2067179" y="5375320"/>
+            <a:ext cx="5914227" cy="0"/>
+          </a:xfrm>
+          <a:prstGeom prst="line">
+            <a:avLst/>
+          </a:prstGeom>
+          <a:ln w="38100">
+            <a:solidFill>
+              <a:srgbClr val="FF0000"/>
+            </a:solidFill>
+          </a:ln>
+        </p:spPr>
+        <p:style>
+          <a:lnRef idx="1">
+            <a:schemeClr val="accent1"/>
+          </a:lnRef>
+          <a:fillRef idx="0">
+            <a:schemeClr val="accent1"/>
+          </a:fillRef>
+          <a:effectRef idx="0">
+            <a:schemeClr val="accent1"/>
+          </a:effectRef>
+          <a:fontRef idx="minor">
+            <a:schemeClr val="tx1"/>
+          </a:fontRef>
+        </p:style>
+      </p:cxnSp>
+      <p:sp>
+        <p:nvSpPr>
+          <p:cNvPr id="27" name="CuadroTexto 26"/>
+          <p:cNvSpPr txBox="1"/>
+          <p:nvPr/>
+        </p:nvSpPr>
+        <p:spPr>
+          <a:xfrm>
+            <a:off x="3931920" y="5885805"/>
+            <a:ext cx="4650377" cy="646331"/>
+          </a:xfrm>
+          <a:prstGeom prst="rect">
+            <a:avLst/>
+          </a:prstGeom>
+          <a:noFill/>
+        </p:spPr>
+        <p:txBody>
+          <a:bodyPr wrap="square" rtlCol="0">
+            <a:spAutoFit/>
+          </a:bodyPr>
+          <a:lstStyle/>
+          <a:p>
+            <a:r>
+              <a:rPr lang="es-PE" dirty="0" smtClean="0"/>
+              <a:t>Nuevo contexto: de las armas a la persuasión. </a:t>
+            </a:r>
+          </a:p>
+          <a:p>
+            <a:r>
+              <a:rPr lang="es-PE" dirty="0" smtClean="0"/>
+              <a:t>Kant: Razón pública y republicanismo</a:t>
+            </a:r>
+            <a:endParaRPr lang="es-PE" dirty="0"/>
+          </a:p>
+        </p:txBody>
+      </p:sp>
     </p:spTree>
     <p:extLst>
       <p:ext uri="{BB962C8B-B14F-4D97-AF65-F5344CB8AC3E}">
-        <p14:creationId xmlns:p14="http://schemas.microsoft.com/office/powerpoint/2010/main" val="3558063921"/>
+        <p14:creationId xmlns:p14="http://schemas.microsoft.com/office/powerpoint/2010/main" val="2727336076"/>
       </p:ext>
     </p:extLst>
   </p:cSld>
@@ -15712,11 +18612,7 @@
           <a:p>
             <a:r>
               <a:rPr lang="es-PE" dirty="0" smtClean="0"/>
-              <a:t>p. </a:t>
-            </a:r>
-            <a:r>
-              <a:rPr lang="es-PE" dirty="0" smtClean="0"/>
-              <a:t>272</a:t>
+              <a:t>p. 273</a:t>
             </a:r>
             <a:endParaRPr lang="es-PE" dirty="0"/>
           </a:p>
@@ -15738,18 +18634,126 @@
         </p:blipFill>
         <p:spPr>
           <a:xfrm>
-            <a:off x="2498494" y="1774421"/>
-            <a:ext cx="6972300" cy="3009900"/>
+            <a:off x="712061" y="1178105"/>
+            <a:ext cx="10623233" cy="3354705"/>
           </a:xfrm>
           <a:prstGeom prst="rect">
             <a:avLst/>
           </a:prstGeom>
         </p:spPr>
       </p:pic>
+      <p:cxnSp>
+        <p:nvCxnSpPr>
+          <p:cNvPr id="4" name="Conector recto 3"/>
+          <p:cNvCxnSpPr/>
+          <p:nvPr/>
+        </p:nvCxnSpPr>
+        <p:spPr>
+          <a:xfrm>
+            <a:off x="1293223" y="1489166"/>
+            <a:ext cx="9091748" cy="0"/>
+          </a:xfrm>
+          <a:prstGeom prst="line">
+            <a:avLst/>
+          </a:prstGeom>
+          <a:ln w="38100">
+            <a:solidFill>
+              <a:srgbClr val="FF0000"/>
+            </a:solidFill>
+          </a:ln>
+        </p:spPr>
+        <p:style>
+          <a:lnRef idx="1">
+            <a:schemeClr val="accent1"/>
+          </a:lnRef>
+          <a:fillRef idx="0">
+            <a:schemeClr val="accent1"/>
+          </a:fillRef>
+          <a:effectRef idx="0">
+            <a:schemeClr val="accent1"/>
+          </a:effectRef>
+          <a:fontRef idx="minor">
+            <a:schemeClr val="tx1"/>
+          </a:fontRef>
+        </p:style>
+      </p:cxnSp>
+      <p:cxnSp>
+        <p:nvCxnSpPr>
+          <p:cNvPr id="7" name="Conector recto 6"/>
+          <p:cNvCxnSpPr/>
+          <p:nvPr/>
+        </p:nvCxnSpPr>
+        <p:spPr>
+          <a:xfrm>
+            <a:off x="1502229" y="2599509"/>
+            <a:ext cx="3017520" cy="0"/>
+          </a:xfrm>
+          <a:prstGeom prst="line">
+            <a:avLst/>
+          </a:prstGeom>
+          <a:ln w="38100">
+            <a:solidFill>
+              <a:srgbClr val="FF0000"/>
+            </a:solidFill>
+          </a:ln>
+        </p:spPr>
+        <p:style>
+          <a:lnRef idx="1">
+            <a:schemeClr val="accent1"/>
+          </a:lnRef>
+          <a:fillRef idx="0">
+            <a:schemeClr val="accent1"/>
+          </a:fillRef>
+          <a:effectRef idx="0">
+            <a:schemeClr val="accent1"/>
+          </a:effectRef>
+          <a:fontRef idx="minor">
+            <a:schemeClr val="tx1"/>
+          </a:fontRef>
+        </p:style>
+      </p:cxnSp>
+      <p:sp>
+        <p:nvSpPr>
+          <p:cNvPr id="8" name="CuadroTexto 7"/>
+          <p:cNvSpPr txBox="1"/>
+          <p:nvPr/>
+        </p:nvSpPr>
+        <p:spPr>
+          <a:xfrm>
+            <a:off x="3344092" y="5869965"/>
+            <a:ext cx="5682342" cy="369332"/>
+          </a:xfrm>
+          <a:prstGeom prst="rect">
+            <a:avLst/>
+          </a:prstGeom>
+          <a:noFill/>
+        </p:spPr>
+        <p:txBody>
+          <a:bodyPr wrap="square" rtlCol="0">
+            <a:spAutoFit/>
+          </a:bodyPr>
+          <a:lstStyle/>
+          <a:p>
+            <a:r>
+              <a:rPr lang="es-PE" dirty="0" smtClean="0"/>
+              <a:t>Cortesano: ciudadano de razones; </a:t>
+            </a:r>
+            <a:r>
+              <a:rPr lang="es-PE" dirty="0" err="1" smtClean="0"/>
+              <a:t>co</a:t>
+            </a:r>
+            <a:r>
+              <a:rPr lang="es-PE" dirty="0" smtClean="0"/>
+              <a:t>-legislador</a:t>
+            </a:r>
+            <a:endParaRPr lang="es-PE" dirty="0"/>
+          </a:p>
+        </p:txBody>
+      </p:sp>
     </p:spTree>
     <p:extLst>
       <p:ext uri="{BB962C8B-B14F-4D97-AF65-F5344CB8AC3E}">
-        <p14:creationId xmlns:p14="http://schemas.microsoft.com/office/powerpoint/2010/main" val="2592694613"/>
+        <p14:creationId xmlns:p14="http://schemas.microsoft.com/office/powerpoint/2010/main" val="3161204201"/>
       </p:ext>
     </p:extLst>
   </p:cSld>
@@ -15800,11 +18804,7 @@
           <a:p>
             <a:r>
               <a:rPr lang="es-PE" dirty="0" smtClean="0"/>
-              <a:t>p. </a:t>
-            </a:r>
-            <a:r>
-              <a:rPr lang="es-PE" dirty="0" smtClean="0"/>
-              <a:t>272</a:t>
+              <a:t>p. 273</a:t>
             </a:r>
             <a:endParaRPr lang="es-PE" dirty="0"/>
           </a:p>
@@ -15826,18 +18826,352 @@
         </p:blipFill>
         <p:spPr>
           <a:xfrm>
-            <a:off x="2595562" y="2795587"/>
-            <a:ext cx="7000875" cy="1266825"/>
+            <a:off x="1545560" y="701632"/>
+            <a:ext cx="8598170" cy="4145967"/>
           </a:xfrm>
           <a:prstGeom prst="rect">
             <a:avLst/>
           </a:prstGeom>
         </p:spPr>
       </p:pic>
+      <p:pic>
+        <p:nvPicPr>
+          <p:cNvPr id="4" name="Imagen 3"/>
+          <p:cNvPicPr>
+            <a:picLocks noChangeAspect="1"/>
+          </p:cNvPicPr>
+          <p:nvPr/>
+        </p:nvPicPr>
+        <p:blipFill>
+          <a:blip r:embed="rId3"/>
+          <a:stretch>
+            <a:fillRect/>
+          </a:stretch>
+        </p:blipFill>
+        <p:spPr>
+          <a:xfrm>
+            <a:off x="1545560" y="4847599"/>
+            <a:ext cx="5936271" cy="447576"/>
+          </a:xfrm>
+          <a:prstGeom prst="rect">
+            <a:avLst/>
+          </a:prstGeom>
+        </p:spPr>
+      </p:pic>
+      <p:cxnSp>
+        <p:nvCxnSpPr>
+          <p:cNvPr id="6" name="Conector recto 5"/>
+          <p:cNvCxnSpPr/>
+          <p:nvPr/>
+        </p:nvCxnSpPr>
+        <p:spPr>
+          <a:xfrm>
+            <a:off x="4245429" y="992777"/>
+            <a:ext cx="4349931" cy="0"/>
+          </a:xfrm>
+          <a:prstGeom prst="line">
+            <a:avLst/>
+          </a:prstGeom>
+          <a:ln w="38100">
+            <a:solidFill>
+              <a:srgbClr val="FF0000"/>
+            </a:solidFill>
+          </a:ln>
+        </p:spPr>
+        <p:style>
+          <a:lnRef idx="1">
+            <a:schemeClr val="accent1"/>
+          </a:lnRef>
+          <a:fillRef idx="0">
+            <a:schemeClr val="accent1"/>
+          </a:fillRef>
+          <a:effectRef idx="0">
+            <a:schemeClr val="accent1"/>
+          </a:effectRef>
+          <a:fontRef idx="minor">
+            <a:schemeClr val="tx1"/>
+          </a:fontRef>
+        </p:style>
+      </p:cxnSp>
+      <p:cxnSp>
+        <p:nvCxnSpPr>
+          <p:cNvPr id="8" name="Conector recto 7"/>
+          <p:cNvCxnSpPr/>
+          <p:nvPr/>
+        </p:nvCxnSpPr>
+        <p:spPr>
+          <a:xfrm>
+            <a:off x="1685109" y="3553097"/>
+            <a:ext cx="8458621" cy="0"/>
+          </a:xfrm>
+          <a:prstGeom prst="line">
+            <a:avLst/>
+          </a:prstGeom>
+          <a:ln w="38100">
+            <a:solidFill>
+              <a:srgbClr val="FF0000"/>
+            </a:solidFill>
+          </a:ln>
+        </p:spPr>
+        <p:style>
+          <a:lnRef idx="1">
+            <a:schemeClr val="accent1"/>
+          </a:lnRef>
+          <a:fillRef idx="0">
+            <a:schemeClr val="accent1"/>
+          </a:fillRef>
+          <a:effectRef idx="0">
+            <a:schemeClr val="accent1"/>
+          </a:effectRef>
+          <a:fontRef idx="minor">
+            <a:schemeClr val="tx1"/>
+          </a:fontRef>
+        </p:style>
+      </p:cxnSp>
+      <p:cxnSp>
+        <p:nvCxnSpPr>
+          <p:cNvPr id="10" name="Conector recto 9"/>
+          <p:cNvCxnSpPr/>
+          <p:nvPr/>
+        </p:nvCxnSpPr>
+        <p:spPr>
+          <a:xfrm>
+            <a:off x="1685109" y="3892731"/>
+            <a:ext cx="8360228" cy="0"/>
+          </a:xfrm>
+          <a:prstGeom prst="line">
+            <a:avLst/>
+          </a:prstGeom>
+          <a:ln w="38100">
+            <a:solidFill>
+              <a:srgbClr val="FF0000"/>
+            </a:solidFill>
+          </a:ln>
+        </p:spPr>
+        <p:style>
+          <a:lnRef idx="1">
+            <a:schemeClr val="accent1"/>
+          </a:lnRef>
+          <a:fillRef idx="0">
+            <a:schemeClr val="accent1"/>
+          </a:fillRef>
+          <a:effectRef idx="0">
+            <a:schemeClr val="accent1"/>
+          </a:effectRef>
+          <a:fontRef idx="minor">
+            <a:schemeClr val="tx1"/>
+          </a:fontRef>
+        </p:style>
+      </p:cxnSp>
+      <p:cxnSp>
+        <p:nvCxnSpPr>
+          <p:cNvPr id="12" name="Conector recto 11"/>
+          <p:cNvCxnSpPr/>
+          <p:nvPr/>
+        </p:nvCxnSpPr>
+        <p:spPr>
+          <a:xfrm>
+            <a:off x="1685109" y="4232366"/>
+            <a:ext cx="3918857" cy="0"/>
+          </a:xfrm>
+          <a:prstGeom prst="line">
+            <a:avLst/>
+          </a:prstGeom>
+          <a:ln w="38100">
+            <a:solidFill>
+              <a:srgbClr val="FF0000"/>
+            </a:solidFill>
+          </a:ln>
+        </p:spPr>
+        <p:style>
+          <a:lnRef idx="1">
+            <a:schemeClr val="accent1"/>
+          </a:lnRef>
+          <a:fillRef idx="0">
+            <a:schemeClr val="accent1"/>
+          </a:fillRef>
+          <a:effectRef idx="0">
+            <a:schemeClr val="accent1"/>
+          </a:effectRef>
+          <a:fontRef idx="minor">
+            <a:schemeClr val="tx1"/>
+          </a:fontRef>
+        </p:style>
+      </p:cxnSp>
+      <p:cxnSp>
+        <p:nvCxnSpPr>
+          <p:cNvPr id="14" name="Conector recto 13"/>
+          <p:cNvCxnSpPr/>
+          <p:nvPr/>
+        </p:nvCxnSpPr>
+        <p:spPr>
+          <a:xfrm>
+            <a:off x="6204857" y="4232366"/>
+            <a:ext cx="3840480" cy="0"/>
+          </a:xfrm>
+          <a:prstGeom prst="line">
+            <a:avLst/>
+          </a:prstGeom>
+          <a:ln w="38100">
+            <a:solidFill>
+              <a:srgbClr val="FF0000"/>
+            </a:solidFill>
+          </a:ln>
+        </p:spPr>
+        <p:style>
+          <a:lnRef idx="1">
+            <a:schemeClr val="accent1"/>
+          </a:lnRef>
+          <a:fillRef idx="0">
+            <a:schemeClr val="accent1"/>
+          </a:fillRef>
+          <a:effectRef idx="0">
+            <a:schemeClr val="accent1"/>
+          </a:effectRef>
+          <a:fontRef idx="minor">
+            <a:schemeClr val="tx1"/>
+          </a:fontRef>
+        </p:style>
+      </p:cxnSp>
+      <p:cxnSp>
+        <p:nvCxnSpPr>
+          <p:cNvPr id="16" name="Conector recto 15"/>
+          <p:cNvCxnSpPr/>
+          <p:nvPr/>
+        </p:nvCxnSpPr>
+        <p:spPr>
+          <a:xfrm>
+            <a:off x="1685109" y="4480560"/>
+            <a:ext cx="8360228" cy="13063"/>
+          </a:xfrm>
+          <a:prstGeom prst="line">
+            <a:avLst/>
+          </a:prstGeom>
+          <a:ln w="38100">
+            <a:solidFill>
+              <a:srgbClr val="FF0000"/>
+            </a:solidFill>
+          </a:ln>
+        </p:spPr>
+        <p:style>
+          <a:lnRef idx="1">
+            <a:schemeClr val="accent1"/>
+          </a:lnRef>
+          <a:fillRef idx="0">
+            <a:schemeClr val="accent1"/>
+          </a:fillRef>
+          <a:effectRef idx="0">
+            <a:schemeClr val="accent1"/>
+          </a:effectRef>
+          <a:fontRef idx="minor">
+            <a:schemeClr val="tx1"/>
+          </a:fontRef>
+        </p:style>
+      </p:cxnSp>
+      <p:cxnSp>
+        <p:nvCxnSpPr>
+          <p:cNvPr id="18" name="Conector recto 17"/>
+          <p:cNvCxnSpPr/>
+          <p:nvPr/>
+        </p:nvCxnSpPr>
+        <p:spPr>
+          <a:xfrm>
+            <a:off x="1685109" y="4847599"/>
+            <a:ext cx="8360228" cy="0"/>
+          </a:xfrm>
+          <a:prstGeom prst="line">
+            <a:avLst/>
+          </a:prstGeom>
+          <a:ln w="38100">
+            <a:solidFill>
+              <a:srgbClr val="FF0000"/>
+            </a:solidFill>
+          </a:ln>
+        </p:spPr>
+        <p:style>
+          <a:lnRef idx="1">
+            <a:schemeClr val="accent1"/>
+          </a:lnRef>
+          <a:fillRef idx="0">
+            <a:schemeClr val="accent1"/>
+          </a:fillRef>
+          <a:effectRef idx="0">
+            <a:schemeClr val="accent1"/>
+          </a:effectRef>
+          <a:fontRef idx="minor">
+            <a:schemeClr val="tx1"/>
+          </a:fontRef>
+        </p:style>
+      </p:cxnSp>
+      <p:cxnSp>
+        <p:nvCxnSpPr>
+          <p:cNvPr id="20" name="Conector recto 19"/>
+          <p:cNvCxnSpPr/>
+          <p:nvPr/>
+        </p:nvCxnSpPr>
+        <p:spPr>
+          <a:xfrm>
+            <a:off x="1685109" y="5295175"/>
+            <a:ext cx="5473337" cy="0"/>
+          </a:xfrm>
+          <a:prstGeom prst="line">
+            <a:avLst/>
+          </a:prstGeom>
+          <a:ln w="38100">
+            <a:solidFill>
+              <a:srgbClr val="FF0000"/>
+            </a:solidFill>
+          </a:ln>
+        </p:spPr>
+        <p:style>
+          <a:lnRef idx="1">
+            <a:schemeClr val="accent1"/>
+          </a:lnRef>
+          <a:fillRef idx="0">
+            <a:schemeClr val="accent1"/>
+          </a:fillRef>
+          <a:effectRef idx="0">
+            <a:schemeClr val="accent1"/>
+          </a:effectRef>
+          <a:fontRef idx="minor">
+            <a:schemeClr val="tx1"/>
+          </a:fontRef>
+        </p:style>
+      </p:cxnSp>
+      <p:sp>
+        <p:nvSpPr>
+          <p:cNvPr id="21" name="CuadroTexto 20"/>
+          <p:cNvSpPr txBox="1"/>
+          <p:nvPr/>
+        </p:nvSpPr>
+        <p:spPr>
+          <a:xfrm>
+            <a:off x="2704012" y="6035231"/>
+            <a:ext cx="6675120" cy="369332"/>
+          </a:xfrm>
+          <a:prstGeom prst="rect">
+            <a:avLst/>
+          </a:prstGeom>
+          <a:noFill/>
+        </p:spPr>
+        <p:txBody>
+          <a:bodyPr wrap="square" rtlCol="0">
+            <a:spAutoFit/>
+          </a:bodyPr>
+          <a:lstStyle/>
+          <a:p>
+            <a:r>
+              <a:rPr lang="es-PE" dirty="0" smtClean="0"/>
+              <a:t>Cortesía, civilidad y humanidad: promueven armonía y paz general</a:t>
+            </a:r>
+            <a:endParaRPr lang="es-PE" dirty="0"/>
+          </a:p>
+        </p:txBody>
+      </p:sp>
     </p:spTree>
     <p:extLst>
       <p:ext uri="{BB962C8B-B14F-4D97-AF65-F5344CB8AC3E}">
-        <p14:creationId xmlns:p14="http://schemas.microsoft.com/office/powerpoint/2010/main" val="1113352935"/>
+        <p14:creationId xmlns:p14="http://schemas.microsoft.com/office/powerpoint/2010/main" val="2740624032"/>
       </p:ext>
     </p:extLst>
   </p:cSld>
@@ -15888,11 +19222,7 @@
           <a:p>
             <a:r>
               <a:rPr lang="es-PE" dirty="0" smtClean="0"/>
-              <a:t>p. </a:t>
-            </a:r>
-            <a:r>
-              <a:rPr lang="es-PE" dirty="0" smtClean="0"/>
-              <a:t>272</a:t>
+              <a:t>p. 274</a:t>
             </a:r>
             <a:endParaRPr lang="es-PE" dirty="0"/>
           </a:p>
@@ -15914,18 +19244,678 @@
         </p:blipFill>
         <p:spPr>
           <a:xfrm>
-            <a:off x="2547937" y="1252537"/>
-            <a:ext cx="7096125" cy="4352925"/>
+            <a:off x="1716677" y="608920"/>
+            <a:ext cx="8602980" cy="5261231"/>
           </a:xfrm>
           <a:prstGeom prst="rect">
             <a:avLst/>
           </a:prstGeom>
         </p:spPr>
       </p:pic>
+      <p:cxnSp>
+        <p:nvCxnSpPr>
+          <p:cNvPr id="4" name="Conector recto 3"/>
+          <p:cNvCxnSpPr/>
+          <p:nvPr/>
+        </p:nvCxnSpPr>
+        <p:spPr>
+          <a:xfrm>
+            <a:off x="4127863" y="849086"/>
+            <a:ext cx="822960" cy="0"/>
+          </a:xfrm>
+          <a:prstGeom prst="line">
+            <a:avLst/>
+          </a:prstGeom>
+          <a:ln w="38100">
+            <a:solidFill>
+              <a:srgbClr val="FF0000"/>
+            </a:solidFill>
+          </a:ln>
+        </p:spPr>
+        <p:style>
+          <a:lnRef idx="1">
+            <a:schemeClr val="accent1"/>
+          </a:lnRef>
+          <a:fillRef idx="0">
+            <a:schemeClr val="accent1"/>
+          </a:fillRef>
+          <a:effectRef idx="0">
+            <a:schemeClr val="accent1"/>
+          </a:effectRef>
+          <a:fontRef idx="minor">
+            <a:schemeClr val="tx1"/>
+          </a:fontRef>
+        </p:style>
+      </p:cxnSp>
+      <p:cxnSp>
+        <p:nvCxnSpPr>
+          <p:cNvPr id="7" name="Conector recto 6"/>
+          <p:cNvCxnSpPr/>
+          <p:nvPr/>
+        </p:nvCxnSpPr>
+        <p:spPr>
+          <a:xfrm>
+            <a:off x="8242663" y="849086"/>
+            <a:ext cx="1959428" cy="0"/>
+          </a:xfrm>
+          <a:prstGeom prst="line">
+            <a:avLst/>
+          </a:prstGeom>
+          <a:ln w="38100">
+            <a:solidFill>
+              <a:srgbClr val="FF0000"/>
+            </a:solidFill>
+          </a:ln>
+        </p:spPr>
+        <p:style>
+          <a:lnRef idx="1">
+            <a:schemeClr val="accent1"/>
+          </a:lnRef>
+          <a:fillRef idx="0">
+            <a:schemeClr val="accent1"/>
+          </a:fillRef>
+          <a:effectRef idx="0">
+            <a:schemeClr val="accent1"/>
+          </a:effectRef>
+          <a:fontRef idx="minor">
+            <a:schemeClr val="tx1"/>
+          </a:fontRef>
+        </p:style>
+      </p:cxnSp>
+      <p:cxnSp>
+        <p:nvCxnSpPr>
+          <p:cNvPr id="9" name="Conector recto 8"/>
+          <p:cNvCxnSpPr/>
+          <p:nvPr/>
+        </p:nvCxnSpPr>
+        <p:spPr>
+          <a:xfrm>
+            <a:off x="1959429" y="1149531"/>
+            <a:ext cx="940525" cy="0"/>
+          </a:xfrm>
+          <a:prstGeom prst="line">
+            <a:avLst/>
+          </a:prstGeom>
+          <a:ln w="38100">
+            <a:solidFill>
+              <a:srgbClr val="FF0000"/>
+            </a:solidFill>
+          </a:ln>
+        </p:spPr>
+        <p:style>
+          <a:lnRef idx="1">
+            <a:schemeClr val="accent1"/>
+          </a:lnRef>
+          <a:fillRef idx="0">
+            <a:schemeClr val="accent1"/>
+          </a:fillRef>
+          <a:effectRef idx="0">
+            <a:schemeClr val="accent1"/>
+          </a:effectRef>
+          <a:fontRef idx="minor">
+            <a:schemeClr val="tx1"/>
+          </a:fontRef>
+        </p:style>
+      </p:cxnSp>
+      <p:cxnSp>
+        <p:nvCxnSpPr>
+          <p:cNvPr id="12" name="Conector recto 11"/>
+          <p:cNvCxnSpPr/>
+          <p:nvPr/>
+        </p:nvCxnSpPr>
+        <p:spPr>
+          <a:xfrm>
+            <a:off x="3122023" y="1149531"/>
+            <a:ext cx="5760720" cy="0"/>
+          </a:xfrm>
+          <a:prstGeom prst="line">
+            <a:avLst/>
+          </a:prstGeom>
+          <a:ln w="38100">
+            <a:solidFill>
+              <a:srgbClr val="FF0000"/>
+            </a:solidFill>
+          </a:ln>
+        </p:spPr>
+        <p:style>
+          <a:lnRef idx="1">
+            <a:schemeClr val="accent1"/>
+          </a:lnRef>
+          <a:fillRef idx="0">
+            <a:schemeClr val="accent1"/>
+          </a:fillRef>
+          <a:effectRef idx="0">
+            <a:schemeClr val="accent1"/>
+          </a:effectRef>
+          <a:fontRef idx="minor">
+            <a:schemeClr val="tx1"/>
+          </a:fontRef>
+        </p:style>
+      </p:cxnSp>
+      <p:cxnSp>
+        <p:nvCxnSpPr>
+          <p:cNvPr id="14" name="Conector recto 13"/>
+          <p:cNvCxnSpPr/>
+          <p:nvPr/>
+        </p:nvCxnSpPr>
+        <p:spPr>
+          <a:xfrm>
+            <a:off x="4010297" y="1449977"/>
+            <a:ext cx="3931920" cy="0"/>
+          </a:xfrm>
+          <a:prstGeom prst="line">
+            <a:avLst/>
+          </a:prstGeom>
+          <a:ln w="38100">
+            <a:solidFill>
+              <a:srgbClr val="FF0000"/>
+            </a:solidFill>
+          </a:ln>
+        </p:spPr>
+        <p:style>
+          <a:lnRef idx="1">
+            <a:schemeClr val="accent1"/>
+          </a:lnRef>
+          <a:fillRef idx="0">
+            <a:schemeClr val="accent1"/>
+          </a:fillRef>
+          <a:effectRef idx="0">
+            <a:schemeClr val="accent1"/>
+          </a:effectRef>
+          <a:fontRef idx="minor">
+            <a:schemeClr val="tx1"/>
+          </a:fontRef>
+        </p:style>
+      </p:cxnSp>
+      <p:cxnSp>
+        <p:nvCxnSpPr>
+          <p:cNvPr id="16" name="Conector recto 15"/>
+          <p:cNvCxnSpPr/>
+          <p:nvPr/>
+        </p:nvCxnSpPr>
+        <p:spPr>
+          <a:xfrm>
+            <a:off x="8098971" y="1449977"/>
+            <a:ext cx="2103120" cy="0"/>
+          </a:xfrm>
+          <a:prstGeom prst="line">
+            <a:avLst/>
+          </a:prstGeom>
+          <a:ln w="38100">
+            <a:solidFill>
+              <a:srgbClr val="FF0000"/>
+            </a:solidFill>
+          </a:ln>
+        </p:spPr>
+        <p:style>
+          <a:lnRef idx="1">
+            <a:schemeClr val="accent1"/>
+          </a:lnRef>
+          <a:fillRef idx="0">
+            <a:schemeClr val="accent1"/>
+          </a:fillRef>
+          <a:effectRef idx="0">
+            <a:schemeClr val="accent1"/>
+          </a:effectRef>
+          <a:fontRef idx="minor">
+            <a:schemeClr val="tx1"/>
+          </a:fontRef>
+        </p:style>
+      </p:cxnSp>
+      <p:cxnSp>
+        <p:nvCxnSpPr>
+          <p:cNvPr id="18" name="Conector recto 17"/>
+          <p:cNvCxnSpPr/>
+          <p:nvPr/>
+        </p:nvCxnSpPr>
+        <p:spPr>
+          <a:xfrm flipV="1">
+            <a:off x="1867989" y="1750423"/>
+            <a:ext cx="1854925" cy="13063"/>
+          </a:xfrm>
+          <a:prstGeom prst="line">
+            <a:avLst/>
+          </a:prstGeom>
+          <a:ln w="38100">
+            <a:solidFill>
+              <a:srgbClr val="FF0000"/>
+            </a:solidFill>
+          </a:ln>
+        </p:spPr>
+        <p:style>
+          <a:lnRef idx="1">
+            <a:schemeClr val="accent1"/>
+          </a:lnRef>
+          <a:fillRef idx="0">
+            <a:schemeClr val="accent1"/>
+          </a:fillRef>
+          <a:effectRef idx="0">
+            <a:schemeClr val="accent1"/>
+          </a:effectRef>
+          <a:fontRef idx="minor">
+            <a:schemeClr val="tx1"/>
+          </a:fontRef>
+        </p:style>
+      </p:cxnSp>
+      <p:cxnSp>
+        <p:nvCxnSpPr>
+          <p:cNvPr id="20" name="Conector recto 19"/>
+          <p:cNvCxnSpPr/>
+          <p:nvPr/>
+        </p:nvCxnSpPr>
+        <p:spPr>
+          <a:xfrm>
+            <a:off x="4010297" y="1750423"/>
+            <a:ext cx="6191794" cy="0"/>
+          </a:xfrm>
+          <a:prstGeom prst="line">
+            <a:avLst/>
+          </a:prstGeom>
+          <a:ln w="38100">
+            <a:solidFill>
+              <a:srgbClr val="FF0000"/>
+            </a:solidFill>
+          </a:ln>
+        </p:spPr>
+        <p:style>
+          <a:lnRef idx="1">
+            <a:schemeClr val="accent1"/>
+          </a:lnRef>
+          <a:fillRef idx="0">
+            <a:schemeClr val="accent1"/>
+          </a:fillRef>
+          <a:effectRef idx="0">
+            <a:schemeClr val="accent1"/>
+          </a:effectRef>
+          <a:fontRef idx="minor">
+            <a:schemeClr val="tx1"/>
+          </a:fontRef>
+        </p:style>
+      </p:cxnSp>
+      <p:cxnSp>
+        <p:nvCxnSpPr>
+          <p:cNvPr id="22" name="Conector recto 21"/>
+          <p:cNvCxnSpPr/>
+          <p:nvPr/>
+        </p:nvCxnSpPr>
+        <p:spPr>
+          <a:xfrm>
+            <a:off x="1959429" y="2129246"/>
+            <a:ext cx="1449977" cy="0"/>
+          </a:xfrm>
+          <a:prstGeom prst="line">
+            <a:avLst/>
+          </a:prstGeom>
+          <a:ln w="38100">
+            <a:solidFill>
+              <a:srgbClr val="FF0000"/>
+            </a:solidFill>
+          </a:ln>
+        </p:spPr>
+        <p:style>
+          <a:lnRef idx="1">
+            <a:schemeClr val="accent1"/>
+          </a:lnRef>
+          <a:fillRef idx="0">
+            <a:schemeClr val="accent1"/>
+          </a:fillRef>
+          <a:effectRef idx="0">
+            <a:schemeClr val="accent1"/>
+          </a:effectRef>
+          <a:fontRef idx="minor">
+            <a:schemeClr val="tx1"/>
+          </a:fontRef>
+        </p:style>
+      </p:cxnSp>
+      <p:cxnSp>
+        <p:nvCxnSpPr>
+          <p:cNvPr id="25" name="Conector recto 24"/>
+          <p:cNvCxnSpPr/>
+          <p:nvPr/>
+        </p:nvCxnSpPr>
+        <p:spPr>
+          <a:xfrm>
+            <a:off x="5643154" y="2481943"/>
+            <a:ext cx="1881052" cy="13063"/>
+          </a:xfrm>
+          <a:prstGeom prst="line">
+            <a:avLst/>
+          </a:prstGeom>
+          <a:ln w="38100">
+            <a:solidFill>
+              <a:srgbClr val="FF0000"/>
+            </a:solidFill>
+          </a:ln>
+        </p:spPr>
+        <p:style>
+          <a:lnRef idx="1">
+            <a:schemeClr val="accent1"/>
+          </a:lnRef>
+          <a:fillRef idx="0">
+            <a:schemeClr val="accent1"/>
+          </a:fillRef>
+          <a:effectRef idx="0">
+            <a:schemeClr val="accent1"/>
+          </a:effectRef>
+          <a:fontRef idx="minor">
+            <a:schemeClr val="tx1"/>
+          </a:fontRef>
+        </p:style>
+      </p:cxnSp>
+      <p:cxnSp>
+        <p:nvCxnSpPr>
+          <p:cNvPr id="27" name="Conector recto 26"/>
+          <p:cNvCxnSpPr/>
+          <p:nvPr/>
+        </p:nvCxnSpPr>
+        <p:spPr>
+          <a:xfrm>
+            <a:off x="7942217" y="2756263"/>
+            <a:ext cx="2168434" cy="13063"/>
+          </a:xfrm>
+          <a:prstGeom prst="line">
+            <a:avLst/>
+          </a:prstGeom>
+          <a:ln w="38100">
+            <a:solidFill>
+              <a:srgbClr val="FF0000"/>
+            </a:solidFill>
+          </a:ln>
+        </p:spPr>
+        <p:style>
+          <a:lnRef idx="1">
+            <a:schemeClr val="accent1"/>
+          </a:lnRef>
+          <a:fillRef idx="0">
+            <a:schemeClr val="accent1"/>
+          </a:fillRef>
+          <a:effectRef idx="0">
+            <a:schemeClr val="accent1"/>
+          </a:effectRef>
+          <a:fontRef idx="minor">
+            <a:schemeClr val="tx1"/>
+          </a:fontRef>
+        </p:style>
+      </p:cxnSp>
+      <p:cxnSp>
+        <p:nvCxnSpPr>
+          <p:cNvPr id="29" name="Conector recto 28"/>
+          <p:cNvCxnSpPr/>
+          <p:nvPr/>
+        </p:nvCxnSpPr>
+        <p:spPr>
+          <a:xfrm>
+            <a:off x="1959429" y="3082834"/>
+            <a:ext cx="8242662" cy="0"/>
+          </a:xfrm>
+          <a:prstGeom prst="line">
+            <a:avLst/>
+          </a:prstGeom>
+          <a:ln w="38100">
+            <a:solidFill>
+              <a:srgbClr val="FF0000"/>
+            </a:solidFill>
+          </a:ln>
+        </p:spPr>
+        <p:style>
+          <a:lnRef idx="1">
+            <a:schemeClr val="accent1"/>
+          </a:lnRef>
+          <a:fillRef idx="0">
+            <a:schemeClr val="accent1"/>
+          </a:fillRef>
+          <a:effectRef idx="0">
+            <a:schemeClr val="accent1"/>
+          </a:effectRef>
+          <a:fontRef idx="minor">
+            <a:schemeClr val="tx1"/>
+          </a:fontRef>
+        </p:style>
+      </p:cxnSp>
+      <p:cxnSp>
+        <p:nvCxnSpPr>
+          <p:cNvPr id="31" name="Conector recto 30"/>
+          <p:cNvCxnSpPr/>
+          <p:nvPr/>
+        </p:nvCxnSpPr>
+        <p:spPr>
+          <a:xfrm>
+            <a:off x="1959429" y="3383280"/>
+            <a:ext cx="4506685" cy="0"/>
+          </a:xfrm>
+          <a:prstGeom prst="line">
+            <a:avLst/>
+          </a:prstGeom>
+          <a:ln w="38100">
+            <a:solidFill>
+              <a:srgbClr val="FF0000"/>
+            </a:solidFill>
+          </a:ln>
+        </p:spPr>
+        <p:style>
+          <a:lnRef idx="1">
+            <a:schemeClr val="accent1"/>
+          </a:lnRef>
+          <a:fillRef idx="0">
+            <a:schemeClr val="accent1"/>
+          </a:fillRef>
+          <a:effectRef idx="0">
+            <a:schemeClr val="accent1"/>
+          </a:effectRef>
+          <a:fontRef idx="minor">
+            <a:schemeClr val="tx1"/>
+          </a:fontRef>
+        </p:style>
+      </p:cxnSp>
+      <p:cxnSp>
+        <p:nvCxnSpPr>
+          <p:cNvPr id="33" name="Conector recto 32"/>
+          <p:cNvCxnSpPr/>
+          <p:nvPr/>
+        </p:nvCxnSpPr>
+        <p:spPr>
+          <a:xfrm flipV="1">
+            <a:off x="7106194" y="3683726"/>
+            <a:ext cx="914400" cy="13063"/>
+          </a:xfrm>
+          <a:prstGeom prst="line">
+            <a:avLst/>
+          </a:prstGeom>
+          <a:ln w="38100">
+            <a:solidFill>
+              <a:srgbClr val="FF0000"/>
+            </a:solidFill>
+          </a:ln>
+        </p:spPr>
+        <p:style>
+          <a:lnRef idx="1">
+            <a:schemeClr val="accent1"/>
+          </a:lnRef>
+          <a:fillRef idx="0">
+            <a:schemeClr val="accent1"/>
+          </a:fillRef>
+          <a:effectRef idx="0">
+            <a:schemeClr val="accent1"/>
+          </a:effectRef>
+          <a:fontRef idx="minor">
+            <a:schemeClr val="tx1"/>
+          </a:fontRef>
+        </p:style>
+      </p:cxnSp>
+      <p:cxnSp>
+        <p:nvCxnSpPr>
+          <p:cNvPr id="35" name="Conector recto 34"/>
+          <p:cNvCxnSpPr/>
+          <p:nvPr/>
+        </p:nvCxnSpPr>
+        <p:spPr>
+          <a:xfrm>
+            <a:off x="8647611" y="3683726"/>
+            <a:ext cx="235132" cy="0"/>
+          </a:xfrm>
+          <a:prstGeom prst="line">
+            <a:avLst/>
+          </a:prstGeom>
+          <a:ln w="38100">
+            <a:solidFill>
+              <a:srgbClr val="FF0000"/>
+            </a:solidFill>
+          </a:ln>
+        </p:spPr>
+        <p:style>
+          <a:lnRef idx="1">
+            <a:schemeClr val="accent1"/>
+          </a:lnRef>
+          <a:fillRef idx="0">
+            <a:schemeClr val="accent1"/>
+          </a:fillRef>
+          <a:effectRef idx="0">
+            <a:schemeClr val="accent1"/>
+          </a:effectRef>
+          <a:fontRef idx="minor">
+            <a:schemeClr val="tx1"/>
+          </a:fontRef>
+        </p:style>
+      </p:cxnSp>
+      <p:cxnSp>
+        <p:nvCxnSpPr>
+          <p:cNvPr id="37" name="Conector recto 36"/>
+          <p:cNvCxnSpPr/>
+          <p:nvPr/>
+        </p:nvCxnSpPr>
+        <p:spPr>
+          <a:xfrm>
+            <a:off x="2194560" y="3997234"/>
+            <a:ext cx="1933303" cy="13063"/>
+          </a:xfrm>
+          <a:prstGeom prst="line">
+            <a:avLst/>
+          </a:prstGeom>
+          <a:ln w="38100">
+            <a:solidFill>
+              <a:srgbClr val="FF0000"/>
+            </a:solidFill>
+          </a:ln>
+        </p:spPr>
+        <p:style>
+          <a:lnRef idx="1">
+            <a:schemeClr val="accent1"/>
+          </a:lnRef>
+          <a:fillRef idx="0">
+            <a:schemeClr val="accent1"/>
+          </a:fillRef>
+          <a:effectRef idx="0">
+            <a:schemeClr val="accent1"/>
+          </a:effectRef>
+          <a:fontRef idx="minor">
+            <a:schemeClr val="tx1"/>
+          </a:fontRef>
+        </p:style>
+      </p:cxnSp>
+      <p:cxnSp>
+        <p:nvCxnSpPr>
+          <p:cNvPr id="39" name="Conector recto 38"/>
+          <p:cNvCxnSpPr/>
+          <p:nvPr/>
+        </p:nvCxnSpPr>
+        <p:spPr>
+          <a:xfrm>
+            <a:off x="1959429" y="4271554"/>
+            <a:ext cx="4820194" cy="0"/>
+          </a:xfrm>
+          <a:prstGeom prst="line">
+            <a:avLst/>
+          </a:prstGeom>
+          <a:ln w="38100">
+            <a:solidFill>
+              <a:srgbClr val="FF0000"/>
+            </a:solidFill>
+          </a:ln>
+        </p:spPr>
+        <p:style>
+          <a:lnRef idx="1">
+            <a:schemeClr val="accent1"/>
+          </a:lnRef>
+          <a:fillRef idx="0">
+            <a:schemeClr val="accent1"/>
+          </a:fillRef>
+          <a:effectRef idx="0">
+            <a:schemeClr val="accent1"/>
+          </a:effectRef>
+          <a:fontRef idx="minor">
+            <a:schemeClr val="tx1"/>
+          </a:fontRef>
+        </p:style>
+      </p:cxnSp>
+      <p:cxnSp>
+        <p:nvCxnSpPr>
+          <p:cNvPr id="41" name="Conector recto 40"/>
+          <p:cNvCxnSpPr/>
+          <p:nvPr/>
+        </p:nvCxnSpPr>
+        <p:spPr>
+          <a:xfrm>
+            <a:off x="3017520" y="4585063"/>
+            <a:ext cx="2756263" cy="0"/>
+          </a:xfrm>
+          <a:prstGeom prst="line">
+            <a:avLst/>
+          </a:prstGeom>
+          <a:ln w="38100">
+            <a:solidFill>
+              <a:srgbClr val="FF0000"/>
+            </a:solidFill>
+          </a:ln>
+        </p:spPr>
+        <p:style>
+          <a:lnRef idx="1">
+            <a:schemeClr val="accent1"/>
+          </a:lnRef>
+          <a:fillRef idx="0">
+            <a:schemeClr val="accent1"/>
+          </a:fillRef>
+          <a:effectRef idx="0">
+            <a:schemeClr val="accent1"/>
+          </a:effectRef>
+          <a:fontRef idx="minor">
+            <a:schemeClr val="tx1"/>
+          </a:fontRef>
+        </p:style>
+      </p:cxnSp>
+      <p:sp>
+        <p:nvSpPr>
+          <p:cNvPr id="42" name="CuadroTexto 41"/>
+          <p:cNvSpPr txBox="1"/>
+          <p:nvPr/>
+        </p:nvSpPr>
+        <p:spPr>
+          <a:xfrm>
+            <a:off x="3657600" y="6131408"/>
+            <a:ext cx="5225143" cy="646331"/>
+          </a:xfrm>
+          <a:prstGeom prst="rect">
+            <a:avLst/>
+          </a:prstGeom>
+          <a:noFill/>
+        </p:spPr>
+        <p:txBody>
+          <a:bodyPr wrap="square" rtlCol="0">
+            <a:spAutoFit/>
+          </a:bodyPr>
+          <a:lstStyle/>
+          <a:p>
+            <a:r>
+              <a:rPr lang="es-PE" dirty="0" smtClean="0"/>
+              <a:t>Nueva civilidad moderna: nueva disciplina social. Reforma y afán de poder económico/militar</a:t>
+            </a:r>
+            <a:endParaRPr lang="es-PE" dirty="0"/>
+          </a:p>
+        </p:txBody>
+      </p:sp>
     </p:spTree>
     <p:extLst>
       <p:ext uri="{BB962C8B-B14F-4D97-AF65-F5344CB8AC3E}">
-        <p14:creationId xmlns:p14="http://schemas.microsoft.com/office/powerpoint/2010/main" val="148239015"/>
+        <p14:creationId xmlns:p14="http://schemas.microsoft.com/office/powerpoint/2010/main" val="1836900919"/>
       </p:ext>
     </p:extLst>
   </p:cSld>
@@ -15976,11 +19966,7 @@
           <a:p>
             <a:r>
               <a:rPr lang="es-PE" dirty="0" smtClean="0"/>
-              <a:t>p. </a:t>
-            </a:r>
-            <a:r>
-              <a:rPr lang="es-PE" dirty="0" smtClean="0"/>
-              <a:t>272-273</a:t>
+              <a:t>p. 274</a:t>
             </a:r>
             <a:endParaRPr lang="es-PE" dirty="0"/>
           </a:p>
@@ -15988,7 +19974,7 @@
       </p:sp>
       <p:pic>
         <p:nvPicPr>
-          <p:cNvPr id="4" name="Imagen 3"/>
+          <p:cNvPr id="2" name="Imagen 1"/>
           <p:cNvPicPr>
             <a:picLocks noChangeAspect="1"/>
           </p:cNvPicPr>
@@ -16002,42 +19988,296 @@
         </p:blipFill>
         <p:spPr>
           <a:xfrm>
-            <a:off x="2486371" y="352598"/>
-            <a:ext cx="6953250" cy="533400"/>
+            <a:off x="1627452" y="546820"/>
+            <a:ext cx="8522389" cy="5437667"/>
           </a:xfrm>
           <a:prstGeom prst="rect">
             <a:avLst/>
           </a:prstGeom>
         </p:spPr>
       </p:pic>
-      <p:pic>
-        <p:nvPicPr>
-          <p:cNvPr id="2" name="Imagen 1"/>
-          <p:cNvPicPr>
-            <a:picLocks noChangeAspect="1"/>
-          </p:cNvPicPr>
-          <p:nvPr/>
-        </p:nvPicPr>
-        <p:blipFill>
-          <a:blip r:embed="rId3"/>
-          <a:stretch>
-            <a:fillRect/>
-          </a:stretch>
-        </p:blipFill>
-        <p:spPr>
-          <a:xfrm>
-            <a:off x="2662237" y="1662112"/>
-            <a:ext cx="6867525" cy="3533775"/>
-          </a:xfrm>
-          <a:prstGeom prst="rect">
-            <a:avLst/>
-          </a:prstGeom>
-        </p:spPr>
-      </p:pic>
+      <p:cxnSp>
+        <p:nvCxnSpPr>
+          <p:cNvPr id="4" name="Conector recto 3"/>
+          <p:cNvCxnSpPr/>
+          <p:nvPr/>
+        </p:nvCxnSpPr>
+        <p:spPr>
+          <a:xfrm>
+            <a:off x="8595360" y="901337"/>
+            <a:ext cx="888274" cy="0"/>
+          </a:xfrm>
+          <a:prstGeom prst="line">
+            <a:avLst/>
+          </a:prstGeom>
+          <a:ln w="38100">
+            <a:solidFill>
+              <a:srgbClr val="FF0000"/>
+            </a:solidFill>
+          </a:ln>
+        </p:spPr>
+        <p:style>
+          <a:lnRef idx="1">
+            <a:schemeClr val="accent1"/>
+          </a:lnRef>
+          <a:fillRef idx="0">
+            <a:schemeClr val="accent1"/>
+          </a:fillRef>
+          <a:effectRef idx="0">
+            <a:schemeClr val="accent1"/>
+          </a:effectRef>
+          <a:fontRef idx="minor">
+            <a:schemeClr val="tx1"/>
+          </a:fontRef>
+        </p:style>
+      </p:cxnSp>
+      <p:cxnSp>
+        <p:nvCxnSpPr>
+          <p:cNvPr id="7" name="Conector recto 6"/>
+          <p:cNvCxnSpPr/>
+          <p:nvPr/>
+        </p:nvCxnSpPr>
+        <p:spPr>
+          <a:xfrm>
+            <a:off x="1789611" y="1149531"/>
+            <a:ext cx="2194560" cy="13063"/>
+          </a:xfrm>
+          <a:prstGeom prst="line">
+            <a:avLst/>
+          </a:prstGeom>
+          <a:ln w="38100">
+            <a:solidFill>
+              <a:srgbClr val="FF0000"/>
+            </a:solidFill>
+          </a:ln>
+        </p:spPr>
+        <p:style>
+          <a:lnRef idx="1">
+            <a:schemeClr val="accent1"/>
+          </a:lnRef>
+          <a:fillRef idx="0">
+            <a:schemeClr val="accent1"/>
+          </a:fillRef>
+          <a:effectRef idx="0">
+            <a:schemeClr val="accent1"/>
+          </a:effectRef>
+          <a:fontRef idx="minor">
+            <a:schemeClr val="tx1"/>
+          </a:fontRef>
+        </p:style>
+      </p:cxnSp>
+      <p:cxnSp>
+        <p:nvCxnSpPr>
+          <p:cNvPr id="9" name="Conector recto 8"/>
+          <p:cNvCxnSpPr/>
+          <p:nvPr/>
+        </p:nvCxnSpPr>
+        <p:spPr>
+          <a:xfrm>
+            <a:off x="7746274" y="1162594"/>
+            <a:ext cx="2168435" cy="0"/>
+          </a:xfrm>
+          <a:prstGeom prst="line">
+            <a:avLst/>
+          </a:prstGeom>
+          <a:ln w="38100">
+            <a:solidFill>
+              <a:srgbClr val="FF0000"/>
+            </a:solidFill>
+          </a:ln>
+        </p:spPr>
+        <p:style>
+          <a:lnRef idx="1">
+            <a:schemeClr val="accent1"/>
+          </a:lnRef>
+          <a:fillRef idx="0">
+            <a:schemeClr val="accent1"/>
+          </a:fillRef>
+          <a:effectRef idx="0">
+            <a:schemeClr val="accent1"/>
+          </a:effectRef>
+          <a:fontRef idx="minor">
+            <a:schemeClr val="tx1"/>
+          </a:fontRef>
+        </p:style>
+      </p:cxnSp>
+      <p:cxnSp>
+        <p:nvCxnSpPr>
+          <p:cNvPr id="11" name="Conector recto 10"/>
+          <p:cNvCxnSpPr/>
+          <p:nvPr/>
+        </p:nvCxnSpPr>
+        <p:spPr>
+          <a:xfrm flipV="1">
+            <a:off x="1972491" y="2664823"/>
+            <a:ext cx="1815738" cy="13063"/>
+          </a:xfrm>
+          <a:prstGeom prst="line">
+            <a:avLst/>
+          </a:prstGeom>
+          <a:ln w="38100">
+            <a:solidFill>
+              <a:srgbClr val="FF0000"/>
+            </a:solidFill>
+          </a:ln>
+        </p:spPr>
+        <p:style>
+          <a:lnRef idx="1">
+            <a:schemeClr val="accent1"/>
+          </a:lnRef>
+          <a:fillRef idx="0">
+            <a:schemeClr val="accent1"/>
+          </a:fillRef>
+          <a:effectRef idx="0">
+            <a:schemeClr val="accent1"/>
+          </a:effectRef>
+          <a:fontRef idx="minor">
+            <a:schemeClr val="tx1"/>
+          </a:fontRef>
+        </p:style>
+      </p:cxnSp>
+      <p:cxnSp>
+        <p:nvCxnSpPr>
+          <p:cNvPr id="13" name="Conector recto 12"/>
+          <p:cNvCxnSpPr/>
+          <p:nvPr/>
+        </p:nvCxnSpPr>
+        <p:spPr>
+          <a:xfrm>
+            <a:off x="2377440" y="2952206"/>
+            <a:ext cx="5486400" cy="13063"/>
+          </a:xfrm>
+          <a:prstGeom prst="line">
+            <a:avLst/>
+          </a:prstGeom>
+          <a:ln w="38100">
+            <a:solidFill>
+              <a:srgbClr val="FF0000"/>
+            </a:solidFill>
+          </a:ln>
+        </p:spPr>
+        <p:style>
+          <a:lnRef idx="1">
+            <a:schemeClr val="accent1"/>
+          </a:lnRef>
+          <a:fillRef idx="0">
+            <a:schemeClr val="accent1"/>
+          </a:fillRef>
+          <a:effectRef idx="0">
+            <a:schemeClr val="accent1"/>
+          </a:effectRef>
+          <a:fontRef idx="minor">
+            <a:schemeClr val="tx1"/>
+          </a:fontRef>
+        </p:style>
+      </p:cxnSp>
+      <p:cxnSp>
+        <p:nvCxnSpPr>
+          <p:cNvPr id="15" name="Conector recto de flecha 14"/>
+          <p:cNvCxnSpPr/>
+          <p:nvPr/>
+        </p:nvCxnSpPr>
+        <p:spPr>
+          <a:xfrm flipH="1">
+            <a:off x="7903029" y="2664823"/>
+            <a:ext cx="1358537" cy="0"/>
+          </a:xfrm>
+          <a:prstGeom prst="straightConnector1">
+            <a:avLst/>
+          </a:prstGeom>
+          <a:ln w="38100">
+            <a:solidFill>
+              <a:srgbClr val="FF0000"/>
+            </a:solidFill>
+            <a:tailEnd type="triangle"/>
+          </a:ln>
+        </p:spPr>
+        <p:style>
+          <a:lnRef idx="1">
+            <a:schemeClr val="accent1"/>
+          </a:lnRef>
+          <a:fillRef idx="0">
+            <a:schemeClr val="accent1"/>
+          </a:fillRef>
+          <a:effectRef idx="0">
+            <a:schemeClr val="accent1"/>
+          </a:effectRef>
+          <a:fontRef idx="minor">
+            <a:schemeClr val="tx1"/>
+          </a:fontRef>
+        </p:style>
+      </p:cxnSp>
+      <p:cxnSp>
+        <p:nvCxnSpPr>
+          <p:cNvPr id="17" name="Conector recto 16"/>
+          <p:cNvCxnSpPr/>
+          <p:nvPr/>
+        </p:nvCxnSpPr>
+        <p:spPr>
+          <a:xfrm>
+            <a:off x="1789611" y="3566160"/>
+            <a:ext cx="7955280" cy="13063"/>
+          </a:xfrm>
+          <a:prstGeom prst="line">
+            <a:avLst/>
+          </a:prstGeom>
+          <a:ln w="38100">
+            <a:solidFill>
+              <a:srgbClr val="FF0000"/>
+            </a:solidFill>
+          </a:ln>
+        </p:spPr>
+        <p:style>
+          <a:lnRef idx="1">
+            <a:schemeClr val="accent1"/>
+          </a:lnRef>
+          <a:fillRef idx="0">
+            <a:schemeClr val="accent1"/>
+          </a:fillRef>
+          <a:effectRef idx="0">
+            <a:schemeClr val="accent1"/>
+          </a:effectRef>
+          <a:fontRef idx="minor">
+            <a:schemeClr val="tx1"/>
+          </a:fontRef>
+        </p:style>
+      </p:cxnSp>
+      <p:sp>
+        <p:nvSpPr>
+          <p:cNvPr id="18" name="CuadroTexto 17"/>
+          <p:cNvSpPr txBox="1"/>
+          <p:nvPr/>
+        </p:nvSpPr>
+        <p:spPr>
+          <a:xfrm>
+            <a:off x="3158509" y="6211669"/>
+            <a:ext cx="5460274" cy="646331"/>
+          </a:xfrm>
+          <a:prstGeom prst="rect">
+            <a:avLst/>
+          </a:prstGeom>
+          <a:noFill/>
+        </p:spPr>
+        <p:txBody>
+          <a:bodyPr wrap="square" rtlCol="0">
+            <a:spAutoFit/>
+          </a:bodyPr>
+          <a:lstStyle/>
+          <a:p>
+            <a:r>
+              <a:rPr lang="es-PE" dirty="0" smtClean="0"/>
+              <a:t>Cortesía, civilidad y reforma no sólo como idealismo</a:t>
+            </a:r>
+          </a:p>
+          <a:p>
+            <a:endParaRPr lang="es-PE" dirty="0"/>
+          </a:p>
+        </p:txBody>
+      </p:sp>
     </p:spTree>
     <p:extLst>
       <p:ext uri="{BB962C8B-B14F-4D97-AF65-F5344CB8AC3E}">
-        <p14:creationId xmlns:p14="http://schemas.microsoft.com/office/powerpoint/2010/main" val="2727336076"/>
+        <p14:creationId xmlns:p14="http://schemas.microsoft.com/office/powerpoint/2010/main" val="1063202972"/>
       </p:ext>
     </p:extLst>
   </p:cSld>
@@ -16088,11 +20328,7 @@
           <a:p>
             <a:r>
               <a:rPr lang="es-PE" dirty="0" smtClean="0"/>
-              <a:t>p. </a:t>
-            </a:r>
-            <a:r>
-              <a:rPr lang="es-PE" dirty="0" smtClean="0"/>
-              <a:t>273</a:t>
+              <a:t>p. 275</a:t>
             </a:r>
             <a:endParaRPr lang="es-PE" dirty="0"/>
           </a:p>
@@ -16114,18 +20350,258 @@
         </p:blipFill>
         <p:spPr>
           <a:xfrm>
-            <a:off x="2566987" y="2314575"/>
-            <a:ext cx="7058025" cy="2228850"/>
+            <a:off x="1700213" y="241662"/>
+            <a:ext cx="8919890" cy="5857110"/>
           </a:xfrm>
           <a:prstGeom prst="rect">
             <a:avLst/>
           </a:prstGeom>
         </p:spPr>
       </p:pic>
+      <p:cxnSp>
+        <p:nvCxnSpPr>
+          <p:cNvPr id="4" name="Conector recto 3"/>
+          <p:cNvCxnSpPr/>
+          <p:nvPr/>
+        </p:nvCxnSpPr>
+        <p:spPr>
+          <a:xfrm>
+            <a:off x="4493623" y="574766"/>
+            <a:ext cx="6126480" cy="0"/>
+          </a:xfrm>
+          <a:prstGeom prst="line">
+            <a:avLst/>
+          </a:prstGeom>
+          <a:ln w="38100">
+            <a:solidFill>
+              <a:srgbClr val="FF0000"/>
+            </a:solidFill>
+          </a:ln>
+        </p:spPr>
+        <p:style>
+          <a:lnRef idx="1">
+            <a:schemeClr val="accent1"/>
+          </a:lnRef>
+          <a:fillRef idx="0">
+            <a:schemeClr val="accent1"/>
+          </a:fillRef>
+          <a:effectRef idx="0">
+            <a:schemeClr val="accent1"/>
+          </a:effectRef>
+          <a:fontRef idx="minor">
+            <a:schemeClr val="tx1"/>
+          </a:fontRef>
+        </p:style>
+      </p:cxnSp>
+      <p:cxnSp>
+        <p:nvCxnSpPr>
+          <p:cNvPr id="8" name="Conector recto 7"/>
+          <p:cNvCxnSpPr/>
+          <p:nvPr/>
+        </p:nvCxnSpPr>
+        <p:spPr>
+          <a:xfrm>
+            <a:off x="1802674" y="862149"/>
+            <a:ext cx="1567543" cy="0"/>
+          </a:xfrm>
+          <a:prstGeom prst="line">
+            <a:avLst/>
+          </a:prstGeom>
+          <a:ln w="38100">
+            <a:solidFill>
+              <a:srgbClr val="FF0000"/>
+            </a:solidFill>
+          </a:ln>
+        </p:spPr>
+        <p:style>
+          <a:lnRef idx="1">
+            <a:schemeClr val="accent1"/>
+          </a:lnRef>
+          <a:fillRef idx="0">
+            <a:schemeClr val="accent1"/>
+          </a:fillRef>
+          <a:effectRef idx="0">
+            <a:schemeClr val="accent1"/>
+          </a:effectRef>
+          <a:fontRef idx="minor">
+            <a:schemeClr val="tx1"/>
+          </a:fontRef>
+        </p:style>
+      </p:cxnSp>
+      <p:cxnSp>
+        <p:nvCxnSpPr>
+          <p:cNvPr id="10" name="Conector recto 9"/>
+          <p:cNvCxnSpPr/>
+          <p:nvPr/>
+        </p:nvCxnSpPr>
+        <p:spPr>
+          <a:xfrm>
+            <a:off x="2534194" y="2481943"/>
+            <a:ext cx="3122023" cy="13063"/>
+          </a:xfrm>
+          <a:prstGeom prst="line">
+            <a:avLst/>
+          </a:prstGeom>
+          <a:ln w="38100">
+            <a:solidFill>
+              <a:srgbClr val="FF0000"/>
+            </a:solidFill>
+          </a:ln>
+        </p:spPr>
+        <p:style>
+          <a:lnRef idx="1">
+            <a:schemeClr val="accent1"/>
+          </a:lnRef>
+          <a:fillRef idx="0">
+            <a:schemeClr val="accent1"/>
+          </a:fillRef>
+          <a:effectRef idx="0">
+            <a:schemeClr val="accent1"/>
+          </a:effectRef>
+          <a:fontRef idx="minor">
+            <a:schemeClr val="tx1"/>
+          </a:fontRef>
+        </p:style>
+      </p:cxnSp>
+      <p:cxnSp>
+        <p:nvCxnSpPr>
+          <p:cNvPr id="12" name="Conector recto 11"/>
+          <p:cNvCxnSpPr/>
+          <p:nvPr/>
+        </p:nvCxnSpPr>
+        <p:spPr>
+          <a:xfrm>
+            <a:off x="6688183" y="1802674"/>
+            <a:ext cx="2103120" cy="13063"/>
+          </a:xfrm>
+          <a:prstGeom prst="line">
+            <a:avLst/>
+          </a:prstGeom>
+          <a:ln w="38100">
+            <a:solidFill>
+              <a:srgbClr val="FF0000"/>
+            </a:solidFill>
+          </a:ln>
+        </p:spPr>
+        <p:style>
+          <a:lnRef idx="1">
+            <a:schemeClr val="accent1"/>
+          </a:lnRef>
+          <a:fillRef idx="0">
+            <a:schemeClr val="accent1"/>
+          </a:fillRef>
+          <a:effectRef idx="0">
+            <a:schemeClr val="accent1"/>
+          </a:effectRef>
+          <a:fontRef idx="minor">
+            <a:schemeClr val="tx1"/>
+          </a:fontRef>
+        </p:style>
+      </p:cxnSp>
+      <p:cxnSp>
+        <p:nvCxnSpPr>
+          <p:cNvPr id="14" name="Conector recto 13"/>
+          <p:cNvCxnSpPr/>
+          <p:nvPr/>
+        </p:nvCxnSpPr>
+        <p:spPr>
+          <a:xfrm flipV="1">
+            <a:off x="1802674" y="2834640"/>
+            <a:ext cx="7707086" cy="13063"/>
+          </a:xfrm>
+          <a:prstGeom prst="line">
+            <a:avLst/>
+          </a:prstGeom>
+          <a:ln w="38100">
+            <a:solidFill>
+              <a:srgbClr val="FF0000"/>
+            </a:solidFill>
+          </a:ln>
+        </p:spPr>
+        <p:style>
+          <a:lnRef idx="1">
+            <a:schemeClr val="accent1"/>
+          </a:lnRef>
+          <a:fillRef idx="0">
+            <a:schemeClr val="accent1"/>
+          </a:fillRef>
+          <a:effectRef idx="0">
+            <a:schemeClr val="accent1"/>
+          </a:effectRef>
+          <a:fontRef idx="minor">
+            <a:schemeClr val="tx1"/>
+          </a:fontRef>
+        </p:style>
+      </p:cxnSp>
+      <p:cxnSp>
+        <p:nvCxnSpPr>
+          <p:cNvPr id="16" name="Conector recto 15"/>
+          <p:cNvCxnSpPr/>
+          <p:nvPr/>
+        </p:nvCxnSpPr>
+        <p:spPr>
+          <a:xfrm>
+            <a:off x="3030583" y="5760720"/>
+            <a:ext cx="7145383" cy="13063"/>
+          </a:xfrm>
+          <a:prstGeom prst="line">
+            <a:avLst/>
+          </a:prstGeom>
+          <a:ln w="38100">
+            <a:solidFill>
+              <a:srgbClr val="FF0000"/>
+            </a:solidFill>
+          </a:ln>
+        </p:spPr>
+        <p:style>
+          <a:lnRef idx="1">
+            <a:schemeClr val="accent1"/>
+          </a:lnRef>
+          <a:fillRef idx="0">
+            <a:schemeClr val="accent1"/>
+          </a:fillRef>
+          <a:effectRef idx="0">
+            <a:schemeClr val="accent1"/>
+          </a:effectRef>
+          <a:fontRef idx="minor">
+            <a:schemeClr val="tx1"/>
+          </a:fontRef>
+        </p:style>
+      </p:cxnSp>
+      <p:sp>
+        <p:nvSpPr>
+          <p:cNvPr id="19" name="CuadroTexto 18"/>
+          <p:cNvSpPr txBox="1"/>
+          <p:nvPr/>
+        </p:nvSpPr>
+        <p:spPr>
+          <a:xfrm>
+            <a:off x="2071484" y="6234274"/>
+            <a:ext cx="9063580" cy="646331"/>
+          </a:xfrm>
+          <a:prstGeom prst="rect">
+            <a:avLst/>
+          </a:prstGeom>
+          <a:noFill/>
+        </p:spPr>
+        <p:txBody>
+          <a:bodyPr wrap="square" rtlCol="0">
+            <a:spAutoFit/>
+          </a:bodyPr>
+          <a:lstStyle/>
+          <a:p>
+            <a:r>
+              <a:rPr lang="es-PE" dirty="0" smtClean="0"/>
+              <a:t>Ideal moderno: razón privada y pública. (Kant) Legitimidad social en el intercambio e interdependencia de justificaciones. (Contrato social moderno)</a:t>
+            </a:r>
+            <a:endParaRPr lang="es-PE" dirty="0"/>
+          </a:p>
+        </p:txBody>
+      </p:sp>
     </p:spTree>
     <p:extLst>
       <p:ext uri="{BB962C8B-B14F-4D97-AF65-F5344CB8AC3E}">
-        <p14:creationId xmlns:p14="http://schemas.microsoft.com/office/powerpoint/2010/main" val="3161204201"/>
+        <p14:creationId xmlns:p14="http://schemas.microsoft.com/office/powerpoint/2010/main" val="1503701812"/>
       </p:ext>
     </p:extLst>
   </p:cSld>
@@ -16176,11 +20652,7 @@
           <a:p>
             <a:r>
               <a:rPr lang="es-PE" dirty="0" smtClean="0"/>
-              <a:t>p. </a:t>
-            </a:r>
-            <a:r>
-              <a:rPr lang="es-PE" dirty="0" smtClean="0"/>
-              <a:t>273</a:t>
+              <a:t>p. 275-276</a:t>
             </a:r>
             <a:endParaRPr lang="es-PE" dirty="0"/>
           </a:p>
@@ -16188,7 +20660,7 @@
       </p:sp>
       <p:pic>
         <p:nvPicPr>
-          <p:cNvPr id="2" name="Imagen 1"/>
+          <p:cNvPr id="3" name="Imagen 2"/>
           <p:cNvPicPr>
             <a:picLocks noChangeAspect="1"/>
           </p:cNvPicPr>
@@ -16202,8 +20674,8 @@
         </p:blipFill>
         <p:spPr>
           <a:xfrm>
-            <a:off x="2621885" y="505691"/>
-            <a:ext cx="6953250" cy="3352800"/>
+            <a:off x="1013966" y="306890"/>
+            <a:ext cx="9803139" cy="1404344"/>
           </a:xfrm>
           <a:prstGeom prst="rect">
             <a:avLst/>
@@ -16226,18 +20698,308 @@
         </p:blipFill>
         <p:spPr>
           <a:xfrm>
-            <a:off x="3097184" y="4228927"/>
-            <a:ext cx="4800600" cy="361950"/>
+            <a:off x="918526" y="1711234"/>
+            <a:ext cx="9898579" cy="3722193"/>
           </a:xfrm>
           <a:prstGeom prst="rect">
             <a:avLst/>
           </a:prstGeom>
         </p:spPr>
       </p:pic>
+      <p:cxnSp>
+        <p:nvCxnSpPr>
+          <p:cNvPr id="6" name="Conector recto 5"/>
+          <p:cNvCxnSpPr/>
+          <p:nvPr/>
+        </p:nvCxnSpPr>
+        <p:spPr>
+          <a:xfrm>
+            <a:off x="2612571" y="1009062"/>
+            <a:ext cx="6191795" cy="0"/>
+          </a:xfrm>
+          <a:prstGeom prst="line">
+            <a:avLst/>
+          </a:prstGeom>
+          <a:ln w="38100">
+            <a:solidFill>
+              <a:srgbClr val="FF0000"/>
+            </a:solidFill>
+          </a:ln>
+        </p:spPr>
+        <p:style>
+          <a:lnRef idx="1">
+            <a:schemeClr val="accent1"/>
+          </a:lnRef>
+          <a:fillRef idx="0">
+            <a:schemeClr val="accent1"/>
+          </a:fillRef>
+          <a:effectRef idx="0">
+            <a:schemeClr val="accent1"/>
+          </a:effectRef>
+          <a:fontRef idx="minor">
+            <a:schemeClr val="tx1"/>
+          </a:fontRef>
+        </p:style>
+      </p:cxnSp>
+      <p:cxnSp>
+        <p:nvCxnSpPr>
+          <p:cNvPr id="8" name="Conector recto 7"/>
+          <p:cNvCxnSpPr/>
+          <p:nvPr/>
+        </p:nvCxnSpPr>
+        <p:spPr>
+          <a:xfrm>
+            <a:off x="1013966" y="1319349"/>
+            <a:ext cx="7333200" cy="26125"/>
+          </a:xfrm>
+          <a:prstGeom prst="line">
+            <a:avLst/>
+          </a:prstGeom>
+          <a:ln w="38100">
+            <a:solidFill>
+              <a:srgbClr val="FF0000"/>
+            </a:solidFill>
+          </a:ln>
+        </p:spPr>
+        <p:style>
+          <a:lnRef idx="1">
+            <a:schemeClr val="accent1"/>
+          </a:lnRef>
+          <a:fillRef idx="0">
+            <a:schemeClr val="accent1"/>
+          </a:fillRef>
+          <a:effectRef idx="0">
+            <a:schemeClr val="accent1"/>
+          </a:effectRef>
+          <a:fontRef idx="minor">
+            <a:schemeClr val="tx1"/>
+          </a:fontRef>
+        </p:style>
+      </p:cxnSp>
+      <p:cxnSp>
+        <p:nvCxnSpPr>
+          <p:cNvPr id="10" name="Conector recto 9"/>
+          <p:cNvCxnSpPr/>
+          <p:nvPr/>
+        </p:nvCxnSpPr>
+        <p:spPr>
+          <a:xfrm>
+            <a:off x="2573382" y="2099897"/>
+            <a:ext cx="3918858" cy="0"/>
+          </a:xfrm>
+          <a:prstGeom prst="line">
+            <a:avLst/>
+          </a:prstGeom>
+          <a:ln w="38100">
+            <a:solidFill>
+              <a:srgbClr val="FF0000"/>
+            </a:solidFill>
+          </a:ln>
+        </p:spPr>
+        <p:style>
+          <a:lnRef idx="1">
+            <a:schemeClr val="accent1"/>
+          </a:lnRef>
+          <a:fillRef idx="0">
+            <a:schemeClr val="accent1"/>
+          </a:fillRef>
+          <a:effectRef idx="0">
+            <a:schemeClr val="accent1"/>
+          </a:effectRef>
+          <a:fontRef idx="minor">
+            <a:schemeClr val="tx1"/>
+          </a:fontRef>
+        </p:style>
+      </p:cxnSp>
+      <p:cxnSp>
+        <p:nvCxnSpPr>
+          <p:cNvPr id="12" name="Conector recto 11"/>
+          <p:cNvCxnSpPr/>
+          <p:nvPr/>
+        </p:nvCxnSpPr>
+        <p:spPr>
+          <a:xfrm flipH="1">
+            <a:off x="2403566" y="2465658"/>
+            <a:ext cx="5643155" cy="0"/>
+          </a:xfrm>
+          <a:prstGeom prst="line">
+            <a:avLst/>
+          </a:prstGeom>
+          <a:ln w="38100">
+            <a:solidFill>
+              <a:srgbClr val="FF0000"/>
+            </a:solidFill>
+          </a:ln>
+        </p:spPr>
+        <p:style>
+          <a:lnRef idx="1">
+            <a:schemeClr val="accent1"/>
+          </a:lnRef>
+          <a:fillRef idx="0">
+            <a:schemeClr val="accent1"/>
+          </a:fillRef>
+          <a:effectRef idx="0">
+            <a:schemeClr val="accent1"/>
+          </a:effectRef>
+          <a:fontRef idx="minor">
+            <a:schemeClr val="tx1"/>
+          </a:fontRef>
+        </p:style>
+      </p:cxnSp>
+      <p:cxnSp>
+        <p:nvCxnSpPr>
+          <p:cNvPr id="16" name="Conector recto 15"/>
+          <p:cNvCxnSpPr/>
+          <p:nvPr/>
+        </p:nvCxnSpPr>
+        <p:spPr>
+          <a:xfrm flipV="1">
+            <a:off x="4049486" y="2808514"/>
+            <a:ext cx="5512525" cy="26126"/>
+          </a:xfrm>
+          <a:prstGeom prst="line">
+            <a:avLst/>
+          </a:prstGeom>
+          <a:ln w="38100">
+            <a:solidFill>
+              <a:srgbClr val="FF0000"/>
+            </a:solidFill>
+          </a:ln>
+        </p:spPr>
+        <p:style>
+          <a:lnRef idx="1">
+            <a:schemeClr val="accent1"/>
+          </a:lnRef>
+          <a:fillRef idx="0">
+            <a:schemeClr val="accent1"/>
+          </a:fillRef>
+          <a:effectRef idx="0">
+            <a:schemeClr val="accent1"/>
+          </a:effectRef>
+          <a:fontRef idx="minor">
+            <a:schemeClr val="tx1"/>
+          </a:fontRef>
+        </p:style>
+      </p:cxnSp>
+      <p:cxnSp>
+        <p:nvCxnSpPr>
+          <p:cNvPr id="18" name="Conector recto 17"/>
+          <p:cNvCxnSpPr/>
+          <p:nvPr/>
+        </p:nvCxnSpPr>
+        <p:spPr>
+          <a:xfrm>
+            <a:off x="7458891" y="4040983"/>
+            <a:ext cx="3148149" cy="0"/>
+          </a:xfrm>
+          <a:prstGeom prst="line">
+            <a:avLst/>
+          </a:prstGeom>
+          <a:ln w="38100">
+            <a:solidFill>
+              <a:srgbClr val="FF0000"/>
+            </a:solidFill>
+          </a:ln>
+        </p:spPr>
+        <p:style>
+          <a:lnRef idx="1">
+            <a:schemeClr val="accent1"/>
+          </a:lnRef>
+          <a:fillRef idx="0">
+            <a:schemeClr val="accent1"/>
+          </a:fillRef>
+          <a:effectRef idx="0">
+            <a:schemeClr val="accent1"/>
+          </a:effectRef>
+          <a:fontRef idx="minor">
+            <a:schemeClr val="tx1"/>
+          </a:fontRef>
+        </p:style>
+      </p:cxnSp>
+      <p:cxnSp>
+        <p:nvCxnSpPr>
+          <p:cNvPr id="20" name="Conector recto 19"/>
+          <p:cNvCxnSpPr/>
+          <p:nvPr/>
+        </p:nvCxnSpPr>
+        <p:spPr>
+          <a:xfrm flipH="1">
+            <a:off x="1013966" y="4349931"/>
+            <a:ext cx="2134184" cy="26126"/>
+          </a:xfrm>
+          <a:prstGeom prst="line">
+            <a:avLst/>
+          </a:prstGeom>
+          <a:ln w="38100">
+            <a:solidFill>
+              <a:srgbClr val="FF0000"/>
+            </a:solidFill>
+          </a:ln>
+        </p:spPr>
+        <p:style>
+          <a:lnRef idx="1">
+            <a:schemeClr val="accent1"/>
+          </a:lnRef>
+          <a:fillRef idx="0">
+            <a:schemeClr val="accent1"/>
+          </a:fillRef>
+          <a:effectRef idx="0">
+            <a:schemeClr val="accent1"/>
+          </a:effectRef>
+          <a:fontRef idx="minor">
+            <a:schemeClr val="tx1"/>
+          </a:fontRef>
+        </p:style>
+      </p:cxnSp>
+      <p:sp>
+        <p:nvSpPr>
+          <p:cNvPr id="23" name="CuadroTexto 22"/>
+          <p:cNvSpPr txBox="1"/>
+          <p:nvPr/>
+        </p:nvSpPr>
+        <p:spPr>
+          <a:xfrm>
+            <a:off x="3722915" y="5776282"/>
+            <a:ext cx="4754880" cy="923330"/>
+          </a:xfrm>
+          <a:prstGeom prst="rect">
+            <a:avLst/>
+          </a:prstGeom>
+          <a:noFill/>
+        </p:spPr>
+        <p:txBody>
+          <a:bodyPr wrap="square" rtlCol="0">
+            <a:spAutoFit/>
+          </a:bodyPr>
+          <a:lstStyle/>
+          <a:p>
+            <a:pPr algn="ctr"/>
+            <a:r>
+              <a:rPr lang="es-PE" dirty="0" smtClean="0"/>
+              <a:t>Criterio para inclusión ampliado para la armonía </a:t>
+            </a:r>
+          </a:p>
+          <a:p>
+            <a:pPr algn="ctr"/>
+            <a:r>
+              <a:rPr lang="es-PE" dirty="0" smtClean="0"/>
+              <a:t>Nuevas clases sociales</a:t>
+            </a:r>
+          </a:p>
+          <a:p>
+            <a:pPr algn="ctr"/>
+            <a:r>
+              <a:rPr lang="es-PE" dirty="0" smtClean="0"/>
+              <a:t>Razón pública</a:t>
+            </a:r>
+            <a:endParaRPr lang="es-PE" dirty="0"/>
+          </a:p>
+        </p:txBody>
+      </p:sp>
     </p:spTree>
     <p:extLst>
       <p:ext uri="{BB962C8B-B14F-4D97-AF65-F5344CB8AC3E}">
-        <p14:creationId xmlns:p14="http://schemas.microsoft.com/office/powerpoint/2010/main" val="2740624032"/>
+        <p14:creationId xmlns:p14="http://schemas.microsoft.com/office/powerpoint/2010/main" val="622320601"/>
       </p:ext>
     </p:extLst>
   </p:cSld>
@@ -16288,11 +21050,7 @@
           <a:p>
             <a:r>
               <a:rPr lang="es-PE" dirty="0" smtClean="0"/>
-              <a:t>p. </a:t>
-            </a:r>
-            <a:r>
-              <a:rPr lang="es-PE" dirty="0" smtClean="0"/>
-              <a:t>274</a:t>
+              <a:t>p. 276</a:t>
             </a:r>
             <a:endParaRPr lang="es-PE" dirty="0"/>
           </a:p>
@@ -16314,18 +21072,258 @@
         </p:blipFill>
         <p:spPr>
           <a:xfrm>
-            <a:off x="2552700" y="1262062"/>
-            <a:ext cx="7086600" cy="4333875"/>
+            <a:off x="1613534" y="413928"/>
+            <a:ext cx="8693059" cy="5644534"/>
           </a:xfrm>
           <a:prstGeom prst="rect">
             <a:avLst/>
           </a:prstGeom>
         </p:spPr>
       </p:pic>
+      <p:cxnSp>
+        <p:nvCxnSpPr>
+          <p:cNvPr id="4" name="Conector recto 3"/>
+          <p:cNvCxnSpPr/>
+          <p:nvPr/>
+        </p:nvCxnSpPr>
+        <p:spPr>
+          <a:xfrm>
+            <a:off x="4140926" y="1005840"/>
+            <a:ext cx="5982788" cy="39189"/>
+          </a:xfrm>
+          <a:prstGeom prst="line">
+            <a:avLst/>
+          </a:prstGeom>
+          <a:ln w="38100">
+            <a:solidFill>
+              <a:srgbClr val="FF0000"/>
+            </a:solidFill>
+          </a:ln>
+        </p:spPr>
+        <p:style>
+          <a:lnRef idx="1">
+            <a:schemeClr val="accent1"/>
+          </a:lnRef>
+          <a:fillRef idx="0">
+            <a:schemeClr val="accent1"/>
+          </a:fillRef>
+          <a:effectRef idx="0">
+            <a:schemeClr val="accent1"/>
+          </a:effectRef>
+          <a:fontRef idx="minor">
+            <a:schemeClr val="tx1"/>
+          </a:fontRef>
+        </p:style>
+      </p:cxnSp>
+      <p:cxnSp>
+        <p:nvCxnSpPr>
+          <p:cNvPr id="7" name="Conector recto 6"/>
+          <p:cNvCxnSpPr/>
+          <p:nvPr/>
+        </p:nvCxnSpPr>
+        <p:spPr>
+          <a:xfrm>
+            <a:off x="1789611" y="1332411"/>
+            <a:ext cx="5486400" cy="13063"/>
+          </a:xfrm>
+          <a:prstGeom prst="line">
+            <a:avLst/>
+          </a:prstGeom>
+          <a:ln w="38100">
+            <a:solidFill>
+              <a:srgbClr val="FF0000"/>
+            </a:solidFill>
+          </a:ln>
+        </p:spPr>
+        <p:style>
+          <a:lnRef idx="1">
+            <a:schemeClr val="accent1"/>
+          </a:lnRef>
+          <a:fillRef idx="0">
+            <a:schemeClr val="accent1"/>
+          </a:fillRef>
+          <a:effectRef idx="0">
+            <a:schemeClr val="accent1"/>
+          </a:effectRef>
+          <a:fontRef idx="minor">
+            <a:schemeClr val="tx1"/>
+          </a:fontRef>
+        </p:style>
+      </p:cxnSp>
+      <p:cxnSp>
+        <p:nvCxnSpPr>
+          <p:cNvPr id="9" name="Conector recto 8"/>
+          <p:cNvCxnSpPr/>
+          <p:nvPr/>
+        </p:nvCxnSpPr>
+        <p:spPr>
+          <a:xfrm flipV="1">
+            <a:off x="1789611" y="1972491"/>
+            <a:ext cx="3971109" cy="13063"/>
+          </a:xfrm>
+          <a:prstGeom prst="line">
+            <a:avLst/>
+          </a:prstGeom>
+          <a:ln w="38100">
+            <a:solidFill>
+              <a:srgbClr val="FF0000"/>
+            </a:solidFill>
+          </a:ln>
+        </p:spPr>
+        <p:style>
+          <a:lnRef idx="1">
+            <a:schemeClr val="accent1"/>
+          </a:lnRef>
+          <a:fillRef idx="0">
+            <a:schemeClr val="accent1"/>
+          </a:fillRef>
+          <a:effectRef idx="0">
+            <a:schemeClr val="accent1"/>
+          </a:effectRef>
+          <a:fontRef idx="minor">
+            <a:schemeClr val="tx1"/>
+          </a:fontRef>
+        </p:style>
+      </p:cxnSp>
+      <p:cxnSp>
+        <p:nvCxnSpPr>
+          <p:cNvPr id="11" name="Conector recto 10"/>
+          <p:cNvCxnSpPr/>
+          <p:nvPr/>
+        </p:nvCxnSpPr>
+        <p:spPr>
+          <a:xfrm>
+            <a:off x="5852160" y="4219303"/>
+            <a:ext cx="1162594" cy="13063"/>
+          </a:xfrm>
+          <a:prstGeom prst="line">
+            <a:avLst/>
+          </a:prstGeom>
+          <a:ln w="38100">
+            <a:solidFill>
+              <a:srgbClr val="FF0000"/>
+            </a:solidFill>
+          </a:ln>
+        </p:spPr>
+        <p:style>
+          <a:lnRef idx="1">
+            <a:schemeClr val="accent1"/>
+          </a:lnRef>
+          <a:fillRef idx="0">
+            <a:schemeClr val="accent1"/>
+          </a:fillRef>
+          <a:effectRef idx="0">
+            <a:schemeClr val="accent1"/>
+          </a:effectRef>
+          <a:fontRef idx="minor">
+            <a:schemeClr val="tx1"/>
+          </a:fontRef>
+        </p:style>
+      </p:cxnSp>
+      <p:cxnSp>
+        <p:nvCxnSpPr>
+          <p:cNvPr id="13" name="Conector recto 12"/>
+          <p:cNvCxnSpPr/>
+          <p:nvPr/>
+        </p:nvCxnSpPr>
+        <p:spPr>
+          <a:xfrm>
+            <a:off x="2743200" y="4532811"/>
+            <a:ext cx="4389120" cy="13063"/>
+          </a:xfrm>
+          <a:prstGeom prst="line">
+            <a:avLst/>
+          </a:prstGeom>
+          <a:ln w="38100">
+            <a:solidFill>
+              <a:srgbClr val="FF0000"/>
+            </a:solidFill>
+          </a:ln>
+        </p:spPr>
+        <p:style>
+          <a:lnRef idx="1">
+            <a:schemeClr val="accent1"/>
+          </a:lnRef>
+          <a:fillRef idx="0">
+            <a:schemeClr val="accent1"/>
+          </a:fillRef>
+          <a:effectRef idx="0">
+            <a:schemeClr val="accent1"/>
+          </a:effectRef>
+          <a:fontRef idx="minor">
+            <a:schemeClr val="tx1"/>
+          </a:fontRef>
+        </p:style>
+      </p:cxnSp>
+      <p:cxnSp>
+        <p:nvCxnSpPr>
+          <p:cNvPr id="15" name="Conector recto 14"/>
+          <p:cNvCxnSpPr/>
+          <p:nvPr/>
+        </p:nvCxnSpPr>
+        <p:spPr>
+          <a:xfrm>
+            <a:off x="1789611" y="6058462"/>
+            <a:ext cx="4323806" cy="0"/>
+          </a:xfrm>
+          <a:prstGeom prst="line">
+            <a:avLst/>
+          </a:prstGeom>
+          <a:ln w="38100">
+            <a:solidFill>
+              <a:srgbClr val="FF0000"/>
+            </a:solidFill>
+          </a:ln>
+        </p:spPr>
+        <p:style>
+          <a:lnRef idx="1">
+            <a:schemeClr val="accent1"/>
+          </a:lnRef>
+          <a:fillRef idx="0">
+            <a:schemeClr val="accent1"/>
+          </a:fillRef>
+          <a:effectRef idx="0">
+            <a:schemeClr val="accent1"/>
+          </a:effectRef>
+          <a:fontRef idx="minor">
+            <a:schemeClr val="tx1"/>
+          </a:fontRef>
+        </p:style>
+      </p:cxnSp>
+      <p:sp>
+        <p:nvSpPr>
+          <p:cNvPr id="16" name="CuadroTexto 15"/>
+          <p:cNvSpPr txBox="1"/>
+          <p:nvPr/>
+        </p:nvSpPr>
+        <p:spPr>
+          <a:xfrm>
+            <a:off x="2103122" y="6340323"/>
+            <a:ext cx="8294914" cy="369332"/>
+          </a:xfrm>
+          <a:prstGeom prst="rect">
+            <a:avLst/>
+          </a:prstGeom>
+          <a:noFill/>
+        </p:spPr>
+        <p:txBody>
+          <a:bodyPr wrap="square" rtlCol="0">
+            <a:spAutoFit/>
+          </a:bodyPr>
+          <a:lstStyle/>
+          <a:p>
+            <a:r>
+              <a:rPr lang="es-PE" dirty="0" smtClean="0"/>
+              <a:t>Sociedad de la cortesía: nueva identidad y autopercepción; de la guerra al comercio.</a:t>
+            </a:r>
+            <a:endParaRPr lang="es-PE" dirty="0"/>
+          </a:p>
+        </p:txBody>
+      </p:sp>
     </p:spTree>
     <p:extLst>
       <p:ext uri="{BB962C8B-B14F-4D97-AF65-F5344CB8AC3E}">
-        <p14:creationId xmlns:p14="http://schemas.microsoft.com/office/powerpoint/2010/main" val="1836900919"/>
+        <p14:creationId xmlns:p14="http://schemas.microsoft.com/office/powerpoint/2010/main" val="3842103043"/>
       </p:ext>
     </p:extLst>
   </p:cSld>
@@ -16352,43 +21350,9 @@
           <a:chExt cx="0" cy="0"/>
         </a:xfrm>
       </p:grpSpPr>
-      <p:sp>
-        <p:nvSpPr>
-          <p:cNvPr id="5" name="CuadroTexto 4"/>
-          <p:cNvSpPr txBox="1"/>
-          <p:nvPr/>
-        </p:nvSpPr>
-        <p:spPr>
-          <a:xfrm>
-            <a:off x="10939549" y="6467302"/>
-            <a:ext cx="1252451" cy="369332"/>
-          </a:xfrm>
-          <a:prstGeom prst="rect">
-            <a:avLst/>
-          </a:prstGeom>
-          <a:noFill/>
-        </p:spPr>
-        <p:txBody>
-          <a:bodyPr wrap="square" rtlCol="0">
-            <a:spAutoFit/>
-          </a:bodyPr>
-          <a:lstStyle/>
-          <a:p>
-            <a:r>
-              <a:rPr lang="es-PE" dirty="0" smtClean="0"/>
-              <a:t>p. </a:t>
-            </a:r>
-            <a:r>
-              <a:rPr lang="es-PE" dirty="0" smtClean="0"/>
-              <a:t>274</a:t>
-            </a:r>
-            <a:endParaRPr lang="es-PE" dirty="0"/>
-          </a:p>
-        </p:txBody>
-      </p:sp>
       <p:pic>
         <p:nvPicPr>
-          <p:cNvPr id="2" name="Imagen 1"/>
+          <p:cNvPr id="4" name="Imagen 3"/>
           <p:cNvPicPr>
             <a:picLocks noChangeAspect="1"/>
           </p:cNvPicPr>
@@ -16402,8 +21366,128 @@
         </p:blipFill>
         <p:spPr>
           <a:xfrm>
-            <a:off x="2241406" y="912581"/>
-            <a:ext cx="7210425" cy="4600575"/>
+            <a:off x="422289" y="0"/>
+            <a:ext cx="6272492" cy="3677756"/>
+          </a:xfrm>
+          <a:prstGeom prst="rect">
+            <a:avLst/>
+          </a:prstGeom>
+        </p:spPr>
+      </p:pic>
+      <p:pic>
+        <p:nvPicPr>
+          <p:cNvPr id="5" name="Imagen 4"/>
+          <p:cNvPicPr>
+            <a:picLocks noChangeAspect="1"/>
+          </p:cNvPicPr>
+          <p:nvPr/>
+        </p:nvPicPr>
+        <p:blipFill>
+          <a:blip r:embed="rId3"/>
+          <a:stretch>
+            <a:fillRect/>
+          </a:stretch>
+        </p:blipFill>
+        <p:spPr>
+          <a:xfrm>
+            <a:off x="10181104" y="6287758"/>
+            <a:ext cx="1777813" cy="570242"/>
+          </a:xfrm>
+          <a:prstGeom prst="rect">
+            <a:avLst/>
+          </a:prstGeom>
+        </p:spPr>
+      </p:pic>
+      <p:pic>
+        <p:nvPicPr>
+          <p:cNvPr id="7" name="Imagen 6"/>
+          <p:cNvPicPr>
+            <a:picLocks noChangeAspect="1"/>
+          </p:cNvPicPr>
+          <p:nvPr/>
+        </p:nvPicPr>
+        <p:blipFill>
+          <a:blip r:embed="rId4"/>
+          <a:stretch>
+            <a:fillRect/>
+          </a:stretch>
+        </p:blipFill>
+        <p:spPr>
+          <a:xfrm>
+            <a:off x="1424065" y="2982431"/>
+            <a:ext cx="4000500" cy="1390650"/>
+          </a:xfrm>
+          <a:prstGeom prst="rect">
+            <a:avLst/>
+          </a:prstGeom>
+        </p:spPr>
+      </p:pic>
+      <p:pic>
+        <p:nvPicPr>
+          <p:cNvPr id="8" name="Imagen 7"/>
+          <p:cNvPicPr>
+            <a:picLocks noChangeAspect="1"/>
+          </p:cNvPicPr>
+          <p:nvPr/>
+        </p:nvPicPr>
+        <p:blipFill>
+          <a:blip r:embed="rId5"/>
+          <a:stretch>
+            <a:fillRect/>
+          </a:stretch>
+        </p:blipFill>
+        <p:spPr>
+          <a:xfrm>
+            <a:off x="1543102" y="5189350"/>
+            <a:ext cx="3762425" cy="885296"/>
+          </a:xfrm>
+          <a:prstGeom prst="rect">
+            <a:avLst/>
+          </a:prstGeom>
+        </p:spPr>
+      </p:pic>
+      <p:pic>
+        <p:nvPicPr>
+          <p:cNvPr id="9" name="Imagen 8"/>
+          <p:cNvPicPr>
+            <a:picLocks noChangeAspect="1"/>
+          </p:cNvPicPr>
+          <p:nvPr/>
+        </p:nvPicPr>
+        <p:blipFill>
+          <a:blip r:embed="rId6"/>
+          <a:stretch>
+            <a:fillRect/>
+          </a:stretch>
+        </p:blipFill>
+        <p:spPr>
+          <a:xfrm>
+            <a:off x="6648856" y="179774"/>
+            <a:ext cx="4421154" cy="5894872"/>
+          </a:xfrm>
+          <a:prstGeom prst="rect">
+            <a:avLst/>
+          </a:prstGeom>
+        </p:spPr>
+      </p:pic>
+      <p:pic>
+        <p:nvPicPr>
+          <p:cNvPr id="10" name="Imagen 9"/>
+          <p:cNvPicPr>
+            <a:picLocks noChangeAspect="1"/>
+          </p:cNvPicPr>
+          <p:nvPr/>
+        </p:nvPicPr>
+        <p:blipFill>
+          <a:blip r:embed="rId7"/>
+          <a:stretch>
+            <a:fillRect/>
+          </a:stretch>
+        </p:blipFill>
+        <p:spPr>
+          <a:xfrm>
+            <a:off x="1633918" y="4125199"/>
+            <a:ext cx="3849233" cy="1119583"/>
           </a:xfrm>
           <a:prstGeom prst="rect">
             <a:avLst/>
@@ -16413,101 +21497,20 @@
     </p:spTree>
     <p:extLst>
       <p:ext uri="{BB962C8B-B14F-4D97-AF65-F5344CB8AC3E}">
-        <p14:creationId xmlns:p14="http://schemas.microsoft.com/office/powerpoint/2010/main" val="1063202972"/>
+        <p14:creationId xmlns:p14="http://schemas.microsoft.com/office/powerpoint/2010/main" val="1345490357"/>
       </p:ext>
     </p:extLst>
   </p:cSld>
   <p:clrMapOvr>
     <a:masterClrMapping/>
   </p:clrMapOvr>
-</p:sld>
-</file>
-
-<file path=ppt/slides/slide49.xml><?xml version="1.0" encoding="utf-8"?>
-<p:sld xmlns:a="http://schemas.openxmlformats.org/drawingml/2006/main" xmlns:r="http://schemas.openxmlformats.org/officeDocument/2006/relationships" xmlns:p="http://schemas.openxmlformats.org/presentationml/2006/main">
-  <p:cSld>
-    <p:spTree>
-      <p:nvGrpSpPr>
-        <p:cNvPr id="1" name=""/>
-        <p:cNvGrpSpPr/>
-        <p:nvPr/>
-      </p:nvGrpSpPr>
-      <p:grpSpPr>
-        <a:xfrm>
-          <a:off x="0" y="0"/>
-          <a:ext cx="0" cy="0"/>
-          <a:chOff x="0" y="0"/>
-          <a:chExt cx="0" cy="0"/>
-        </a:xfrm>
-      </p:grpSpPr>
-      <p:sp>
-        <p:nvSpPr>
-          <p:cNvPr id="5" name="CuadroTexto 4"/>
-          <p:cNvSpPr txBox="1"/>
-          <p:nvPr/>
-        </p:nvSpPr>
-        <p:spPr>
-          <a:xfrm>
-            <a:off x="10939549" y="6467302"/>
-            <a:ext cx="1252451" cy="369332"/>
-          </a:xfrm>
-          <a:prstGeom prst="rect">
-            <a:avLst/>
-          </a:prstGeom>
-          <a:noFill/>
-        </p:spPr>
-        <p:txBody>
-          <a:bodyPr wrap="square" rtlCol="0">
-            <a:spAutoFit/>
-          </a:bodyPr>
-          <a:lstStyle/>
-          <a:p>
-            <a:r>
-              <a:rPr lang="es-PE" dirty="0" smtClean="0"/>
-              <a:t>p. </a:t>
-            </a:r>
-            <a:r>
-              <a:rPr lang="es-PE" dirty="0" smtClean="0"/>
-              <a:t>275</a:t>
-            </a:r>
-            <a:endParaRPr lang="es-PE" dirty="0"/>
-          </a:p>
-        </p:txBody>
-      </p:sp>
-      <p:pic>
-        <p:nvPicPr>
-          <p:cNvPr id="3" name="Imagen 2"/>
-          <p:cNvPicPr>
-            <a:picLocks noChangeAspect="1"/>
-          </p:cNvPicPr>
-          <p:nvPr/>
-        </p:nvPicPr>
-        <p:blipFill>
-          <a:blip r:embed="rId2"/>
-          <a:stretch>
-            <a:fillRect/>
-          </a:stretch>
-        </p:blipFill>
-        <p:spPr>
-          <a:xfrm>
-            <a:off x="2614612" y="1143000"/>
-            <a:ext cx="6962775" cy="4572000"/>
-          </a:xfrm>
-          <a:prstGeom prst="rect">
-            <a:avLst/>
-          </a:prstGeom>
-        </p:spPr>
-      </p:pic>
-    </p:spTree>
-    <p:extLst>
-      <p:ext uri="{BB962C8B-B14F-4D97-AF65-F5344CB8AC3E}">
-        <p14:creationId xmlns:p14="http://schemas.microsoft.com/office/powerpoint/2010/main" val="1503701812"/>
-      </p:ext>
-    </p:extLst>
-  </p:cSld>
-  <p:clrMapOvr>
-    <a:masterClrMapping/>
-  </p:clrMapOvr>
+  <p:timing>
+    <p:tnLst>
+      <p:par>
+        <p:cTn id="1" dur="indefinite" restart="never" nodeType="tmRoot"/>
+      </p:par>
+    </p:tnLst>
+  </p:timing>
 </p:sld>
 </file>
 
@@ -16724,470 +21727,6 @@
     <p:extLst>
       <p:ext uri="{BB962C8B-B14F-4D97-AF65-F5344CB8AC3E}">
         <p14:creationId xmlns:p14="http://schemas.microsoft.com/office/powerpoint/2010/main" val="1697796974"/>
-      </p:ext>
-    </p:extLst>
-  </p:cSld>
-  <p:clrMapOvr>
-    <a:masterClrMapping/>
-  </p:clrMapOvr>
-</p:sld>
-</file>
-
-<file path=ppt/slides/slide50.xml><?xml version="1.0" encoding="utf-8"?>
-<p:sld xmlns:a="http://schemas.openxmlformats.org/drawingml/2006/main" xmlns:r="http://schemas.openxmlformats.org/officeDocument/2006/relationships" xmlns:p="http://schemas.openxmlformats.org/presentationml/2006/main">
-  <p:cSld>
-    <p:spTree>
-      <p:nvGrpSpPr>
-        <p:cNvPr id="1" name=""/>
-        <p:cNvGrpSpPr/>
-        <p:nvPr/>
-      </p:nvGrpSpPr>
-      <p:grpSpPr>
-        <a:xfrm>
-          <a:off x="0" y="0"/>
-          <a:ext cx="0" cy="0"/>
-          <a:chOff x="0" y="0"/>
-          <a:chExt cx="0" cy="0"/>
-        </a:xfrm>
-      </p:grpSpPr>
-      <p:sp>
-        <p:nvSpPr>
-          <p:cNvPr id="5" name="CuadroTexto 4"/>
-          <p:cNvSpPr txBox="1"/>
-          <p:nvPr/>
-        </p:nvSpPr>
-        <p:spPr>
-          <a:xfrm>
-            <a:off x="10939549" y="6467302"/>
-            <a:ext cx="1252451" cy="369332"/>
-          </a:xfrm>
-          <a:prstGeom prst="rect">
-            <a:avLst/>
-          </a:prstGeom>
-          <a:noFill/>
-        </p:spPr>
-        <p:txBody>
-          <a:bodyPr wrap="square" rtlCol="0">
-            <a:spAutoFit/>
-          </a:bodyPr>
-          <a:lstStyle/>
-          <a:p>
-            <a:r>
-              <a:rPr lang="es-PE" dirty="0" smtClean="0"/>
-              <a:t>p. </a:t>
-            </a:r>
-            <a:r>
-              <a:rPr lang="es-PE" dirty="0" smtClean="0"/>
-              <a:t>275</a:t>
-            </a:r>
-            <a:endParaRPr lang="es-PE" dirty="0"/>
-          </a:p>
-        </p:txBody>
-      </p:sp>
-      <p:pic>
-        <p:nvPicPr>
-          <p:cNvPr id="2" name="Imagen 1"/>
-          <p:cNvPicPr>
-            <a:picLocks noChangeAspect="1"/>
-          </p:cNvPicPr>
-          <p:nvPr/>
-        </p:nvPicPr>
-        <p:blipFill>
-          <a:blip r:embed="rId2"/>
-          <a:stretch>
-            <a:fillRect/>
-          </a:stretch>
-        </p:blipFill>
-        <p:spPr>
-          <a:xfrm>
-            <a:off x="2742854" y="1350557"/>
-            <a:ext cx="6972300" cy="3857625"/>
-          </a:xfrm>
-          <a:prstGeom prst="rect">
-            <a:avLst/>
-          </a:prstGeom>
-        </p:spPr>
-      </p:pic>
-    </p:spTree>
-    <p:extLst>
-      <p:ext uri="{BB962C8B-B14F-4D97-AF65-F5344CB8AC3E}">
-        <p14:creationId xmlns:p14="http://schemas.microsoft.com/office/powerpoint/2010/main" val="1731943403"/>
-      </p:ext>
-    </p:extLst>
-  </p:cSld>
-  <p:clrMapOvr>
-    <a:masterClrMapping/>
-  </p:clrMapOvr>
-</p:sld>
-</file>
-
-<file path=ppt/slides/slide51.xml><?xml version="1.0" encoding="utf-8"?>
-<p:sld xmlns:a="http://schemas.openxmlformats.org/drawingml/2006/main" xmlns:r="http://schemas.openxmlformats.org/officeDocument/2006/relationships" xmlns:p="http://schemas.openxmlformats.org/presentationml/2006/main">
-  <p:cSld>
-    <p:spTree>
-      <p:nvGrpSpPr>
-        <p:cNvPr id="1" name=""/>
-        <p:cNvGrpSpPr/>
-        <p:nvPr/>
-      </p:nvGrpSpPr>
-      <p:grpSpPr>
-        <a:xfrm>
-          <a:off x="0" y="0"/>
-          <a:ext cx="0" cy="0"/>
-          <a:chOff x="0" y="0"/>
-          <a:chExt cx="0" cy="0"/>
-        </a:xfrm>
-      </p:grpSpPr>
-      <p:sp>
-        <p:nvSpPr>
-          <p:cNvPr id="5" name="CuadroTexto 4"/>
-          <p:cNvSpPr txBox="1"/>
-          <p:nvPr/>
-        </p:nvSpPr>
-        <p:spPr>
-          <a:xfrm>
-            <a:off x="10939549" y="6467302"/>
-            <a:ext cx="1252451" cy="369332"/>
-          </a:xfrm>
-          <a:prstGeom prst="rect">
-            <a:avLst/>
-          </a:prstGeom>
-          <a:noFill/>
-        </p:spPr>
-        <p:txBody>
-          <a:bodyPr wrap="square" rtlCol="0">
-            <a:spAutoFit/>
-          </a:bodyPr>
-          <a:lstStyle/>
-          <a:p>
-            <a:r>
-              <a:rPr lang="es-PE" dirty="0" smtClean="0"/>
-              <a:t>p. </a:t>
-            </a:r>
-            <a:r>
-              <a:rPr lang="es-PE" dirty="0" smtClean="0"/>
-              <a:t>275-276</a:t>
-            </a:r>
-            <a:endParaRPr lang="es-PE" dirty="0"/>
-          </a:p>
-        </p:txBody>
-      </p:sp>
-      <p:pic>
-        <p:nvPicPr>
-          <p:cNvPr id="3" name="Imagen 2"/>
-          <p:cNvPicPr>
-            <a:picLocks noChangeAspect="1"/>
-          </p:cNvPicPr>
-          <p:nvPr/>
-        </p:nvPicPr>
-        <p:blipFill>
-          <a:blip r:embed="rId2"/>
-          <a:stretch>
-            <a:fillRect/>
-          </a:stretch>
-        </p:blipFill>
-        <p:spPr>
-          <a:xfrm>
-            <a:off x="2555384" y="777153"/>
-            <a:ext cx="6848475" cy="981075"/>
-          </a:xfrm>
-          <a:prstGeom prst="rect">
-            <a:avLst/>
-          </a:prstGeom>
-        </p:spPr>
-      </p:pic>
-      <p:pic>
-        <p:nvPicPr>
-          <p:cNvPr id="4" name="Imagen 3"/>
-          <p:cNvPicPr>
-            <a:picLocks noChangeAspect="1"/>
-          </p:cNvPicPr>
-          <p:nvPr/>
-        </p:nvPicPr>
-        <p:blipFill>
-          <a:blip r:embed="rId3"/>
-          <a:stretch>
-            <a:fillRect/>
-          </a:stretch>
-        </p:blipFill>
-        <p:spPr>
-          <a:xfrm>
-            <a:off x="2638425" y="2128837"/>
-            <a:ext cx="6915150" cy="2600325"/>
-          </a:xfrm>
-          <a:prstGeom prst="rect">
-            <a:avLst/>
-          </a:prstGeom>
-        </p:spPr>
-      </p:pic>
-    </p:spTree>
-    <p:extLst>
-      <p:ext uri="{BB962C8B-B14F-4D97-AF65-F5344CB8AC3E}">
-        <p14:creationId xmlns:p14="http://schemas.microsoft.com/office/powerpoint/2010/main" val="622320601"/>
-      </p:ext>
-    </p:extLst>
-  </p:cSld>
-  <p:clrMapOvr>
-    <a:masterClrMapping/>
-  </p:clrMapOvr>
-</p:sld>
-</file>
-
-<file path=ppt/slides/slide52.xml><?xml version="1.0" encoding="utf-8"?>
-<p:sld xmlns:a="http://schemas.openxmlformats.org/drawingml/2006/main" xmlns:r="http://schemas.openxmlformats.org/officeDocument/2006/relationships" xmlns:p="http://schemas.openxmlformats.org/presentationml/2006/main">
-  <p:cSld>
-    <p:spTree>
-      <p:nvGrpSpPr>
-        <p:cNvPr id="1" name=""/>
-        <p:cNvGrpSpPr/>
-        <p:nvPr/>
-      </p:nvGrpSpPr>
-      <p:grpSpPr>
-        <a:xfrm>
-          <a:off x="0" y="0"/>
-          <a:ext cx="0" cy="0"/>
-          <a:chOff x="0" y="0"/>
-          <a:chExt cx="0" cy="0"/>
-        </a:xfrm>
-      </p:grpSpPr>
-      <p:sp>
-        <p:nvSpPr>
-          <p:cNvPr id="5" name="CuadroTexto 4"/>
-          <p:cNvSpPr txBox="1"/>
-          <p:nvPr/>
-        </p:nvSpPr>
-        <p:spPr>
-          <a:xfrm>
-            <a:off x="10939549" y="6467302"/>
-            <a:ext cx="1252451" cy="369332"/>
-          </a:xfrm>
-          <a:prstGeom prst="rect">
-            <a:avLst/>
-          </a:prstGeom>
-          <a:noFill/>
-        </p:spPr>
-        <p:txBody>
-          <a:bodyPr wrap="square" rtlCol="0">
-            <a:spAutoFit/>
-          </a:bodyPr>
-          <a:lstStyle/>
-          <a:p>
-            <a:r>
-              <a:rPr lang="es-PE" dirty="0" smtClean="0"/>
-              <a:t>p. </a:t>
-            </a:r>
-            <a:r>
-              <a:rPr lang="es-PE" dirty="0" smtClean="0"/>
-              <a:t>276</a:t>
-            </a:r>
-            <a:endParaRPr lang="es-PE" dirty="0"/>
-          </a:p>
-        </p:txBody>
-      </p:sp>
-      <p:pic>
-        <p:nvPicPr>
-          <p:cNvPr id="2" name="Imagen 1"/>
-          <p:cNvPicPr>
-            <a:picLocks noChangeAspect="1"/>
-          </p:cNvPicPr>
-          <p:nvPr/>
-        </p:nvPicPr>
-        <p:blipFill>
-          <a:blip r:embed="rId2"/>
-          <a:stretch>
-            <a:fillRect/>
-          </a:stretch>
-        </p:blipFill>
-        <p:spPr>
-          <a:xfrm>
-            <a:off x="2638425" y="2924175"/>
-            <a:ext cx="6915150" cy="1009650"/>
-          </a:xfrm>
-          <a:prstGeom prst="rect">
-            <a:avLst/>
-          </a:prstGeom>
-        </p:spPr>
-      </p:pic>
-    </p:spTree>
-    <p:extLst>
-      <p:ext uri="{BB962C8B-B14F-4D97-AF65-F5344CB8AC3E}">
-        <p14:creationId xmlns:p14="http://schemas.microsoft.com/office/powerpoint/2010/main" val="2638062311"/>
-      </p:ext>
-    </p:extLst>
-  </p:cSld>
-  <p:clrMapOvr>
-    <a:masterClrMapping/>
-  </p:clrMapOvr>
-</p:sld>
-</file>
-
-<file path=ppt/slides/slide53.xml><?xml version="1.0" encoding="utf-8"?>
-<p:sld xmlns:a="http://schemas.openxmlformats.org/drawingml/2006/main" xmlns:r="http://schemas.openxmlformats.org/officeDocument/2006/relationships" xmlns:p="http://schemas.openxmlformats.org/presentationml/2006/main">
-  <p:cSld>
-    <p:spTree>
-      <p:nvGrpSpPr>
-        <p:cNvPr id="1" name=""/>
-        <p:cNvGrpSpPr/>
-        <p:nvPr/>
-      </p:nvGrpSpPr>
-      <p:grpSpPr>
-        <a:xfrm>
-          <a:off x="0" y="0"/>
-          <a:ext cx="0" cy="0"/>
-          <a:chOff x="0" y="0"/>
-          <a:chExt cx="0" cy="0"/>
-        </a:xfrm>
-      </p:grpSpPr>
-      <p:sp>
-        <p:nvSpPr>
-          <p:cNvPr id="5" name="CuadroTexto 4"/>
-          <p:cNvSpPr txBox="1"/>
-          <p:nvPr/>
-        </p:nvSpPr>
-        <p:spPr>
-          <a:xfrm>
-            <a:off x="10939549" y="6467302"/>
-            <a:ext cx="1252451" cy="369332"/>
-          </a:xfrm>
-          <a:prstGeom prst="rect">
-            <a:avLst/>
-          </a:prstGeom>
-          <a:noFill/>
-        </p:spPr>
-        <p:txBody>
-          <a:bodyPr wrap="square" rtlCol="0">
-            <a:spAutoFit/>
-          </a:bodyPr>
-          <a:lstStyle/>
-          <a:p>
-            <a:r>
-              <a:rPr lang="es-PE" dirty="0" smtClean="0"/>
-              <a:t>p. </a:t>
-            </a:r>
-            <a:r>
-              <a:rPr lang="es-PE" dirty="0" smtClean="0"/>
-              <a:t>276</a:t>
-            </a:r>
-            <a:endParaRPr lang="es-PE" dirty="0"/>
-          </a:p>
-        </p:txBody>
-      </p:sp>
-      <p:pic>
-        <p:nvPicPr>
-          <p:cNvPr id="3" name="Imagen 2"/>
-          <p:cNvPicPr>
-            <a:picLocks noChangeAspect="1"/>
-          </p:cNvPicPr>
-          <p:nvPr/>
-        </p:nvPicPr>
-        <p:blipFill>
-          <a:blip r:embed="rId2"/>
-          <a:stretch>
-            <a:fillRect/>
-          </a:stretch>
-        </p:blipFill>
-        <p:spPr>
-          <a:xfrm>
-            <a:off x="2619375" y="1171575"/>
-            <a:ext cx="6953250" cy="4514850"/>
-          </a:xfrm>
-          <a:prstGeom prst="rect">
-            <a:avLst/>
-          </a:prstGeom>
-        </p:spPr>
-      </p:pic>
-    </p:spTree>
-    <p:extLst>
-      <p:ext uri="{BB962C8B-B14F-4D97-AF65-F5344CB8AC3E}">
-        <p14:creationId xmlns:p14="http://schemas.microsoft.com/office/powerpoint/2010/main" val="3842103043"/>
-      </p:ext>
-    </p:extLst>
-  </p:cSld>
-  <p:clrMapOvr>
-    <a:masterClrMapping/>
-  </p:clrMapOvr>
-</p:sld>
-</file>
-
-<file path=ppt/slides/slide54.xml><?xml version="1.0" encoding="utf-8"?>
-<p:sld xmlns:a="http://schemas.openxmlformats.org/drawingml/2006/main" xmlns:r="http://schemas.openxmlformats.org/officeDocument/2006/relationships" xmlns:p="http://schemas.openxmlformats.org/presentationml/2006/main">
-  <p:cSld>
-    <p:spTree>
-      <p:nvGrpSpPr>
-        <p:cNvPr id="1" name=""/>
-        <p:cNvGrpSpPr/>
-        <p:nvPr/>
-      </p:nvGrpSpPr>
-      <p:grpSpPr>
-        <a:xfrm>
-          <a:off x="0" y="0"/>
-          <a:ext cx="0" cy="0"/>
-          <a:chOff x="0" y="0"/>
-          <a:chExt cx="0" cy="0"/>
-        </a:xfrm>
-      </p:grpSpPr>
-      <p:sp>
-        <p:nvSpPr>
-          <p:cNvPr id="5" name="CuadroTexto 4"/>
-          <p:cNvSpPr txBox="1"/>
-          <p:nvPr/>
-        </p:nvSpPr>
-        <p:spPr>
-          <a:xfrm>
-            <a:off x="10939549" y="6467302"/>
-            <a:ext cx="1252451" cy="369332"/>
-          </a:xfrm>
-          <a:prstGeom prst="rect">
-            <a:avLst/>
-          </a:prstGeom>
-          <a:noFill/>
-        </p:spPr>
-        <p:txBody>
-          <a:bodyPr wrap="square" rtlCol="0">
-            <a:spAutoFit/>
-          </a:bodyPr>
-          <a:lstStyle/>
-          <a:p>
-            <a:r>
-              <a:rPr lang="es-PE" dirty="0" smtClean="0"/>
-              <a:t>p. </a:t>
-            </a:r>
-            <a:r>
-              <a:rPr lang="es-PE" dirty="0" smtClean="0"/>
-              <a:t>276</a:t>
-            </a:r>
-            <a:endParaRPr lang="es-PE" dirty="0"/>
-          </a:p>
-        </p:txBody>
-      </p:sp>
-      <p:pic>
-        <p:nvPicPr>
-          <p:cNvPr id="3" name="Imagen 2"/>
-          <p:cNvPicPr>
-            <a:picLocks noChangeAspect="1"/>
-          </p:cNvPicPr>
-          <p:nvPr/>
-        </p:nvPicPr>
-        <p:blipFill>
-          <a:blip r:embed="rId2"/>
-          <a:stretch>
-            <a:fillRect/>
-          </a:stretch>
-        </p:blipFill>
-        <p:spPr>
-          <a:xfrm>
-            <a:off x="2619375" y="1171575"/>
-            <a:ext cx="6953250" cy="4514850"/>
-          </a:xfrm>
-          <a:prstGeom prst="rect">
-            <a:avLst/>
-          </a:prstGeom>
-        </p:spPr>
-      </p:pic>
-    </p:spTree>
-    <p:extLst>
-      <p:ext uri="{BB962C8B-B14F-4D97-AF65-F5344CB8AC3E}">
-        <p14:creationId xmlns:p14="http://schemas.microsoft.com/office/powerpoint/2010/main" val="2807710322"/>
       </p:ext>
     </p:extLst>
   </p:cSld>
@@ -19697,12 +24236,10 @@
   <a:objectDefaults>
     <a:spDef>
       <a:spPr>
-        <a:solidFill>
-          <a:schemeClr val="bg1"/>
-        </a:solidFill>
-        <a:ln>
+        <a:noFill/>
+        <a:ln w="38100">
           <a:solidFill>
-            <a:schemeClr val="bg1"/>
+            <a:srgbClr val="FF0000"/>
           </a:solidFill>
         </a:ln>
       </a:spPr>

--- a/assets uarm/2023 2 UarmPCrit/Taylor - Era Secular 3 y 5.pptx
+++ b/assets uarm/2023 2 UarmPCrit/Taylor - Era Secular 3 y 5.pptx
@@ -31,27 +31,27 @@
     <p:sldId id="280" r:id="rId25"/>
     <p:sldId id="281" r:id="rId26"/>
     <p:sldId id="263" r:id="rId27"/>
-    <p:sldId id="288" r:id="rId28"/>
-    <p:sldId id="292" r:id="rId29"/>
-    <p:sldId id="293" r:id="rId30"/>
-    <p:sldId id="294" r:id="rId31"/>
-    <p:sldId id="295" r:id="rId32"/>
-    <p:sldId id="296" r:id="rId33"/>
-    <p:sldId id="297" r:id="rId34"/>
-    <p:sldId id="299" r:id="rId35"/>
-    <p:sldId id="301" r:id="rId36"/>
-    <p:sldId id="302" r:id="rId37"/>
-    <p:sldId id="304" r:id="rId38"/>
-    <p:sldId id="306" r:id="rId39"/>
-    <p:sldId id="308" r:id="rId40"/>
-    <p:sldId id="309" r:id="rId41"/>
-    <p:sldId id="310" r:id="rId42"/>
-    <p:sldId id="311" r:id="rId43"/>
-    <p:sldId id="312" r:id="rId44"/>
-    <p:sldId id="313" r:id="rId45"/>
-    <p:sldId id="314" r:id="rId46"/>
-    <p:sldId id="316" r:id="rId47"/>
-    <p:sldId id="318" r:id="rId48"/>
+    <p:sldId id="293" r:id="rId28"/>
+    <p:sldId id="294" r:id="rId29"/>
+    <p:sldId id="295" r:id="rId30"/>
+    <p:sldId id="296" r:id="rId31"/>
+    <p:sldId id="297" r:id="rId32"/>
+    <p:sldId id="299" r:id="rId33"/>
+    <p:sldId id="301" r:id="rId34"/>
+    <p:sldId id="302" r:id="rId35"/>
+    <p:sldId id="304" r:id="rId36"/>
+    <p:sldId id="321" r:id="rId37"/>
+    <p:sldId id="306" r:id="rId38"/>
+    <p:sldId id="308" r:id="rId39"/>
+    <p:sldId id="309" r:id="rId40"/>
+    <p:sldId id="310" r:id="rId41"/>
+    <p:sldId id="311" r:id="rId42"/>
+    <p:sldId id="312" r:id="rId43"/>
+    <p:sldId id="313" r:id="rId44"/>
+    <p:sldId id="314" r:id="rId45"/>
+    <p:sldId id="316" r:id="rId46"/>
+    <p:sldId id="318" r:id="rId47"/>
+    <p:sldId id="322" r:id="rId48"/>
     <p:sldId id="320" r:id="rId49"/>
   </p:sldIdLst>
   <p:sldSz cx="12192000" cy="6858000"/>
@@ -290,7 +290,7 @@
           <a:p>
             <a:fld id="{C0E97E01-ED5A-4091-B4B5-A906FD824320}" type="datetimeFigureOut">
               <a:rPr lang="es-PE" smtClean="0"/>
-              <a:t>30/09/2023</a:t>
+              <a:t>4/10/2023</a:t>
             </a:fld>
             <a:endParaRPr lang="es-PE"/>
           </a:p>
@@ -460,7 +460,7 @@
           <a:p>
             <a:fld id="{C0E97E01-ED5A-4091-B4B5-A906FD824320}" type="datetimeFigureOut">
               <a:rPr lang="es-PE" smtClean="0"/>
-              <a:t>30/09/2023</a:t>
+              <a:t>4/10/2023</a:t>
             </a:fld>
             <a:endParaRPr lang="es-PE"/>
           </a:p>
@@ -640,7 +640,7 @@
           <a:p>
             <a:fld id="{C0E97E01-ED5A-4091-B4B5-A906FD824320}" type="datetimeFigureOut">
               <a:rPr lang="es-PE" smtClean="0"/>
-              <a:t>30/09/2023</a:t>
+              <a:t>4/10/2023</a:t>
             </a:fld>
             <a:endParaRPr lang="es-PE"/>
           </a:p>
@@ -810,7 +810,7 @@
           <a:p>
             <a:fld id="{C0E97E01-ED5A-4091-B4B5-A906FD824320}" type="datetimeFigureOut">
               <a:rPr lang="es-PE" smtClean="0"/>
-              <a:t>30/09/2023</a:t>
+              <a:t>4/10/2023</a:t>
             </a:fld>
             <a:endParaRPr lang="es-PE"/>
           </a:p>
@@ -1056,7 +1056,7 @@
           <a:p>
             <a:fld id="{C0E97E01-ED5A-4091-B4B5-A906FD824320}" type="datetimeFigureOut">
               <a:rPr lang="es-PE" smtClean="0"/>
-              <a:t>30/09/2023</a:t>
+              <a:t>4/10/2023</a:t>
             </a:fld>
             <a:endParaRPr lang="es-PE"/>
           </a:p>
@@ -1288,7 +1288,7 @@
           <a:p>
             <a:fld id="{C0E97E01-ED5A-4091-B4B5-A906FD824320}" type="datetimeFigureOut">
               <a:rPr lang="es-PE" smtClean="0"/>
-              <a:t>30/09/2023</a:t>
+              <a:t>4/10/2023</a:t>
             </a:fld>
             <a:endParaRPr lang="es-PE"/>
           </a:p>
@@ -1655,7 +1655,7 @@
           <a:p>
             <a:fld id="{C0E97E01-ED5A-4091-B4B5-A906FD824320}" type="datetimeFigureOut">
               <a:rPr lang="es-PE" smtClean="0"/>
-              <a:t>30/09/2023</a:t>
+              <a:t>4/10/2023</a:t>
             </a:fld>
             <a:endParaRPr lang="es-PE"/>
           </a:p>
@@ -1773,7 +1773,7 @@
           <a:p>
             <a:fld id="{C0E97E01-ED5A-4091-B4B5-A906FD824320}" type="datetimeFigureOut">
               <a:rPr lang="es-PE" smtClean="0"/>
-              <a:t>30/09/2023</a:t>
+              <a:t>4/10/2023</a:t>
             </a:fld>
             <a:endParaRPr lang="es-PE"/>
           </a:p>
@@ -1868,7 +1868,7 @@
           <a:p>
             <a:fld id="{C0E97E01-ED5A-4091-B4B5-A906FD824320}" type="datetimeFigureOut">
               <a:rPr lang="es-PE" smtClean="0"/>
-              <a:t>30/09/2023</a:t>
+              <a:t>4/10/2023</a:t>
             </a:fld>
             <a:endParaRPr lang="es-PE"/>
           </a:p>
@@ -2145,7 +2145,7 @@
           <a:p>
             <a:fld id="{C0E97E01-ED5A-4091-B4B5-A906FD824320}" type="datetimeFigureOut">
               <a:rPr lang="es-PE" smtClean="0"/>
-              <a:t>30/09/2023</a:t>
+              <a:t>4/10/2023</a:t>
             </a:fld>
             <a:endParaRPr lang="es-PE"/>
           </a:p>
@@ -2398,7 +2398,7 @@
           <a:p>
             <a:fld id="{C0E97E01-ED5A-4091-B4B5-A906FD824320}" type="datetimeFigureOut">
               <a:rPr lang="es-PE" smtClean="0"/>
-              <a:t>30/09/2023</a:t>
+              <a:t>4/10/2023</a:t>
             </a:fld>
             <a:endParaRPr lang="es-PE"/>
           </a:p>
@@ -2611,7 +2611,7 @@
           <a:p>
             <a:fld id="{C0E97E01-ED5A-4091-B4B5-A906FD824320}" type="datetimeFigureOut">
               <a:rPr lang="es-PE" smtClean="0"/>
-              <a:t>30/09/2023</a:t>
+              <a:t>4/10/2023</a:t>
             </a:fld>
             <a:endParaRPr lang="es-PE"/>
           </a:p>
@@ -11179,6 +11179,52 @@
           </a:fontRef>
         </p:style>
       </p:cxnSp>
+      <p:sp>
+        <p:nvSpPr>
+          <p:cNvPr id="9" name="Rectángulo 8"/>
+          <p:cNvSpPr/>
+          <p:nvPr/>
+        </p:nvSpPr>
+        <p:spPr>
+          <a:xfrm>
+            <a:off x="581891" y="691221"/>
+            <a:ext cx="11055927" cy="4894932"/>
+          </a:xfrm>
+          <a:prstGeom prst="rect">
+            <a:avLst/>
+          </a:prstGeom>
+          <a:noFill/>
+          <a:ln w="38100">
+            <a:solidFill>
+              <a:srgbClr val="FF0000"/>
+            </a:solidFill>
+          </a:ln>
+        </p:spPr>
+        <p:style>
+          <a:lnRef idx="2">
+            <a:schemeClr val="accent1">
+              <a:shade val="50000"/>
+            </a:schemeClr>
+          </a:lnRef>
+          <a:fillRef idx="1">
+            <a:schemeClr val="accent1"/>
+          </a:fillRef>
+          <a:effectRef idx="0">
+            <a:schemeClr val="accent1"/>
+          </a:effectRef>
+          <a:fontRef idx="minor">
+            <a:schemeClr val="lt1"/>
+          </a:fontRef>
+        </p:style>
+        <p:txBody>
+          <a:bodyPr rtlCol="0" anchor="ctr"/>
+          <a:lstStyle/>
+          <a:p>
+            <a:pPr algn="ctr"/>
+            <a:endParaRPr lang="es-PE"/>
+          </a:p>
+        </p:txBody>
+      </p:sp>
     </p:spTree>
     <p:extLst>
       <p:ext uri="{BB962C8B-B14F-4D97-AF65-F5344CB8AC3E}">
@@ -11847,7 +11893,7 @@
       </p:grpSpPr>
       <p:pic>
         <p:nvPicPr>
-          <p:cNvPr id="5" name="Imagen 4"/>
+          <p:cNvPr id="4" name="Imagen 3"/>
           <p:cNvPicPr>
             <a:picLocks noChangeAspect="1"/>
           </p:cNvPicPr>
@@ -11861,8 +11907,8 @@
         </p:blipFill>
         <p:spPr>
           <a:xfrm>
-            <a:off x="10181104" y="6287758"/>
-            <a:ext cx="1777813" cy="570242"/>
+            <a:off x="422289" y="0"/>
+            <a:ext cx="6272492" cy="3677756"/>
           </a:xfrm>
           <a:prstGeom prst="rect">
             <a:avLst/>
@@ -11871,7 +11917,7 @@
       </p:pic>
       <p:pic>
         <p:nvPicPr>
-          <p:cNvPr id="7" name="Imagen 6"/>
+          <p:cNvPr id="5" name="Imagen 4"/>
           <p:cNvPicPr>
             <a:picLocks noChangeAspect="1"/>
           </p:cNvPicPr>
@@ -11885,8 +11931,8 @@
         </p:blipFill>
         <p:spPr>
           <a:xfrm>
-            <a:off x="2795221" y="3708281"/>
-            <a:ext cx="6855372" cy="1550620"/>
+            <a:off x="10181104" y="6287758"/>
+            <a:ext cx="1777813" cy="570242"/>
           </a:xfrm>
           <a:prstGeom prst="rect">
             <a:avLst/>
@@ -11895,37 +11941,53 @@
       </p:pic>
       <p:sp>
         <p:nvSpPr>
-          <p:cNvPr id="8" name="CuadroTexto 7"/>
-          <p:cNvSpPr txBox="1"/>
-          <p:nvPr/>
-        </p:nvSpPr>
-        <p:spPr>
-          <a:xfrm>
-            <a:off x="10181104" y="5918426"/>
-            <a:ext cx="1562940" cy="369332"/>
+          <p:cNvPr id="2" name="Rectángulo 1"/>
+          <p:cNvSpPr/>
+          <p:nvPr/>
+        </p:nvSpPr>
+        <p:spPr>
+          <a:xfrm>
+            <a:off x="2805340" y="4556973"/>
+            <a:ext cx="6855371" cy="1730785"/>
           </a:xfrm>
           <a:prstGeom prst="rect">
             <a:avLst/>
           </a:prstGeom>
           <a:noFill/>
-        </p:spPr>
-        <p:txBody>
-          <a:bodyPr wrap="square" rtlCol="0">
-            <a:spAutoFit/>
-          </a:bodyPr>
+          <a:ln w="57150">
+            <a:solidFill>
+              <a:srgbClr val="FF0000"/>
+            </a:solidFill>
+          </a:ln>
+        </p:spPr>
+        <p:style>
+          <a:lnRef idx="2">
+            <a:schemeClr val="accent1">
+              <a:shade val="50000"/>
+            </a:schemeClr>
+          </a:lnRef>
+          <a:fillRef idx="1">
+            <a:schemeClr val="accent1"/>
+          </a:fillRef>
+          <a:effectRef idx="0">
+            <a:schemeClr val="accent1"/>
+          </a:effectRef>
+          <a:fontRef idx="minor">
+            <a:schemeClr val="lt1"/>
+          </a:fontRef>
+        </p:style>
+        <p:txBody>
+          <a:bodyPr rtlCol="0" anchor="ctr"/>
           <a:lstStyle/>
           <a:p>
-            <a:r>
-              <a:rPr lang="es-PE" dirty="0" smtClean="0"/>
-              <a:t>p. 269</a:t>
-            </a:r>
-            <a:endParaRPr lang="es-PE" dirty="0"/>
+            <a:pPr algn="ctr"/>
+            <a:endParaRPr lang="es-PE"/>
           </a:p>
         </p:txBody>
       </p:sp>
       <p:pic>
         <p:nvPicPr>
-          <p:cNvPr id="2" name="Imagen 1"/>
+          <p:cNvPr id="7" name="Imagen 6"/>
           <p:cNvPicPr>
             <a:picLocks noChangeAspect="1"/>
           </p:cNvPicPr>
@@ -11939,8 +12001,56 @@
         </p:blipFill>
         <p:spPr>
           <a:xfrm>
-            <a:off x="4334328" y="1172072"/>
-            <a:ext cx="3438070" cy="2042272"/>
+            <a:off x="1424065" y="2982431"/>
+            <a:ext cx="4000500" cy="1390650"/>
+          </a:xfrm>
+          <a:prstGeom prst="rect">
+            <a:avLst/>
+          </a:prstGeom>
+        </p:spPr>
+      </p:pic>
+      <p:pic>
+        <p:nvPicPr>
+          <p:cNvPr id="8" name="Imagen 7"/>
+          <p:cNvPicPr>
+            <a:picLocks noChangeAspect="1"/>
+          </p:cNvPicPr>
+          <p:nvPr/>
+        </p:nvPicPr>
+        <p:blipFill>
+          <a:blip r:embed="rId5"/>
+          <a:stretch>
+            <a:fillRect/>
+          </a:stretch>
+        </p:blipFill>
+        <p:spPr>
+          <a:xfrm>
+            <a:off x="2916620" y="4647055"/>
+            <a:ext cx="6589987" cy="1550620"/>
+          </a:xfrm>
+          <a:prstGeom prst="rect">
+            <a:avLst/>
+          </a:prstGeom>
+        </p:spPr>
+      </p:pic>
+      <p:pic>
+        <p:nvPicPr>
+          <p:cNvPr id="9" name="Imagen 8"/>
+          <p:cNvPicPr>
+            <a:picLocks noChangeAspect="1"/>
+          </p:cNvPicPr>
+          <p:nvPr/>
+        </p:nvPicPr>
+        <p:blipFill>
+          <a:blip r:embed="rId6"/>
+          <a:stretch>
+            <a:fillRect/>
+          </a:stretch>
+        </p:blipFill>
+        <p:spPr>
+          <a:xfrm>
+            <a:off x="7372698" y="310857"/>
+            <a:ext cx="2965930" cy="3954573"/>
           </a:xfrm>
           <a:prstGeom prst="rect">
             <a:avLst/>
@@ -11950,7 +12060,7 @@
     </p:spTree>
     <p:extLst>
       <p:ext uri="{BB962C8B-B14F-4D97-AF65-F5344CB8AC3E}">
-        <p14:creationId xmlns:p14="http://schemas.microsoft.com/office/powerpoint/2010/main" val="3479496903"/>
+        <p14:creationId xmlns:p14="http://schemas.microsoft.com/office/powerpoint/2010/main" val="718779837"/>
       </p:ext>
     </p:extLst>
   </p:cSld>
@@ -11984,826 +12094,9 @@
           <a:chExt cx="0" cy="0"/>
         </a:xfrm>
       </p:grpSpPr>
-      <p:cxnSp>
-        <p:nvCxnSpPr>
-          <p:cNvPr id="5" name="Conector recto de flecha 4"/>
-          <p:cNvCxnSpPr/>
-          <p:nvPr/>
-        </p:nvCxnSpPr>
-        <p:spPr>
-          <a:xfrm>
-            <a:off x="609600" y="3083859"/>
-            <a:ext cx="10744200" cy="0"/>
-          </a:xfrm>
-          <a:prstGeom prst="straightConnector1">
-            <a:avLst/>
-          </a:prstGeom>
-          <a:ln w="76200">
-            <a:solidFill>
-              <a:schemeClr val="tx1"/>
-            </a:solidFill>
-            <a:tailEnd type="triangle"/>
-          </a:ln>
-        </p:spPr>
-        <p:style>
-          <a:lnRef idx="1">
-            <a:schemeClr val="accent1"/>
-          </a:lnRef>
-          <a:fillRef idx="0">
-            <a:schemeClr val="accent1"/>
-          </a:fillRef>
-          <a:effectRef idx="0">
-            <a:schemeClr val="accent1"/>
-          </a:effectRef>
-          <a:fontRef idx="minor">
-            <a:schemeClr val="tx1"/>
-          </a:fontRef>
-        </p:style>
-      </p:cxnSp>
-      <p:sp>
-        <p:nvSpPr>
-          <p:cNvPr id="7" name="CuadroTexto 6"/>
-          <p:cNvSpPr txBox="1"/>
-          <p:nvPr/>
-        </p:nvSpPr>
-        <p:spPr>
-          <a:xfrm>
-            <a:off x="1940859" y="3459837"/>
-            <a:ext cx="3424517" cy="369332"/>
-          </a:xfrm>
-          <a:prstGeom prst="rect">
-            <a:avLst/>
-          </a:prstGeom>
-          <a:noFill/>
-        </p:spPr>
-        <p:txBody>
-          <a:bodyPr wrap="square" rtlCol="0">
-            <a:spAutoFit/>
-          </a:bodyPr>
-          <a:lstStyle/>
-          <a:p>
-            <a:r>
-              <a:rPr lang="es-PE" dirty="0" smtClean="0"/>
-              <a:t>circa 800 - 300 BCE</a:t>
-            </a:r>
-            <a:endParaRPr lang="es-PE" dirty="0"/>
-          </a:p>
-        </p:txBody>
-      </p:sp>
-      <p:sp>
-        <p:nvSpPr>
-          <p:cNvPr id="8" name="CuadroTexto 7"/>
-          <p:cNvSpPr txBox="1"/>
-          <p:nvPr/>
-        </p:nvSpPr>
-        <p:spPr>
-          <a:xfrm>
-            <a:off x="5029200" y="3463970"/>
-            <a:ext cx="493059" cy="369332"/>
-          </a:xfrm>
-          <a:prstGeom prst="rect">
-            <a:avLst/>
-          </a:prstGeom>
-          <a:noFill/>
-        </p:spPr>
-        <p:txBody>
-          <a:bodyPr wrap="square" rtlCol="0">
-            <a:spAutoFit/>
-          </a:bodyPr>
-          <a:lstStyle/>
-          <a:p>
-            <a:r>
-              <a:rPr lang="es-PE" dirty="0" smtClean="0"/>
-              <a:t>0</a:t>
-            </a:r>
-            <a:endParaRPr lang="es-PE" dirty="0"/>
-          </a:p>
-        </p:txBody>
-      </p:sp>
-      <p:sp>
-        <p:nvSpPr>
-          <p:cNvPr id="9" name="CuadroTexto 8"/>
-          <p:cNvSpPr txBox="1"/>
-          <p:nvPr/>
-        </p:nvSpPr>
-        <p:spPr>
-          <a:xfrm>
-            <a:off x="7171765" y="3463970"/>
-            <a:ext cx="941293" cy="373465"/>
-          </a:xfrm>
-          <a:prstGeom prst="rect">
-            <a:avLst/>
-          </a:prstGeom>
-          <a:noFill/>
-        </p:spPr>
-        <p:txBody>
-          <a:bodyPr wrap="square" rtlCol="0">
-            <a:spAutoFit/>
-          </a:bodyPr>
-          <a:lstStyle/>
-          <a:p>
-            <a:r>
-              <a:rPr lang="es-PE" dirty="0" smtClean="0"/>
-              <a:t>s XVI</a:t>
-            </a:r>
-          </a:p>
-        </p:txBody>
-      </p:sp>
-      <p:sp>
-        <p:nvSpPr>
-          <p:cNvPr id="10" name="CuadroTexto 9"/>
-          <p:cNvSpPr txBox="1"/>
-          <p:nvPr/>
-        </p:nvSpPr>
-        <p:spPr>
-          <a:xfrm>
-            <a:off x="8821271" y="3459837"/>
-            <a:ext cx="1649505" cy="369332"/>
-          </a:xfrm>
-          <a:prstGeom prst="rect">
-            <a:avLst/>
-          </a:prstGeom>
-          <a:noFill/>
-        </p:spPr>
-        <p:txBody>
-          <a:bodyPr wrap="square" rtlCol="0">
-            <a:spAutoFit/>
-          </a:bodyPr>
-          <a:lstStyle/>
-          <a:p>
-            <a:r>
-              <a:rPr lang="es-PE" dirty="0"/>
-              <a:t>s</a:t>
-            </a:r>
-            <a:r>
-              <a:rPr lang="es-PE" dirty="0" smtClean="0"/>
-              <a:t> XVII - XVIII</a:t>
-            </a:r>
-            <a:endParaRPr lang="es-PE" dirty="0"/>
-          </a:p>
-        </p:txBody>
-      </p:sp>
-      <p:sp>
-        <p:nvSpPr>
-          <p:cNvPr id="11" name="CuadroTexto 10"/>
-          <p:cNvSpPr txBox="1"/>
-          <p:nvPr/>
-        </p:nvSpPr>
-        <p:spPr>
-          <a:xfrm>
-            <a:off x="461683" y="1689029"/>
-            <a:ext cx="1479176" cy="923330"/>
-          </a:xfrm>
-          <a:prstGeom prst="rect">
-            <a:avLst/>
-          </a:prstGeom>
-          <a:noFill/>
-        </p:spPr>
-        <p:txBody>
-          <a:bodyPr wrap="square" rtlCol="0">
-            <a:spAutoFit/>
-          </a:bodyPr>
-          <a:lstStyle/>
-          <a:p>
-            <a:pPr algn="ctr"/>
-            <a:r>
-              <a:rPr lang="es-PE" dirty="0" smtClean="0"/>
-              <a:t>Religiones</a:t>
-            </a:r>
-          </a:p>
-          <a:p>
-            <a:pPr algn="ctr"/>
-            <a:r>
-              <a:rPr lang="es-PE" dirty="0" smtClean="0"/>
-              <a:t>Antiguas o Arcaicas</a:t>
-            </a:r>
-            <a:endParaRPr lang="es-PE" dirty="0"/>
-          </a:p>
-        </p:txBody>
-      </p:sp>
-      <p:sp>
-        <p:nvSpPr>
-          <p:cNvPr id="12" name="CuadroTexto 11"/>
-          <p:cNvSpPr txBox="1"/>
-          <p:nvPr/>
-        </p:nvSpPr>
-        <p:spPr>
-          <a:xfrm>
-            <a:off x="2173941" y="2249602"/>
-            <a:ext cx="1479176" cy="369332"/>
-          </a:xfrm>
-          <a:prstGeom prst="rect">
-            <a:avLst/>
-          </a:prstGeom>
-          <a:noFill/>
-        </p:spPr>
-        <p:txBody>
-          <a:bodyPr wrap="square" rtlCol="0">
-            <a:spAutoFit/>
-          </a:bodyPr>
-          <a:lstStyle/>
-          <a:p>
-            <a:pPr algn="ctr"/>
-            <a:r>
-              <a:rPr lang="es-PE" dirty="0" smtClean="0"/>
-              <a:t>Era Axial</a:t>
-            </a:r>
-            <a:endParaRPr lang="es-PE" dirty="0"/>
-          </a:p>
-        </p:txBody>
-      </p:sp>
-      <p:sp>
-        <p:nvSpPr>
-          <p:cNvPr id="13" name="CuadroTexto 12"/>
-          <p:cNvSpPr txBox="1"/>
-          <p:nvPr/>
-        </p:nvSpPr>
-        <p:spPr>
-          <a:xfrm>
-            <a:off x="3653117" y="2244213"/>
-            <a:ext cx="1479176" cy="369332"/>
-          </a:xfrm>
-          <a:prstGeom prst="rect">
-            <a:avLst/>
-          </a:prstGeom>
-          <a:noFill/>
-        </p:spPr>
-        <p:txBody>
-          <a:bodyPr wrap="square" rtlCol="0">
-            <a:spAutoFit/>
-          </a:bodyPr>
-          <a:lstStyle/>
-          <a:p>
-            <a:pPr algn="ctr"/>
-            <a:r>
-              <a:rPr lang="es-PE" dirty="0" smtClean="0"/>
-              <a:t>Era Post Axial</a:t>
-            </a:r>
-            <a:endParaRPr lang="es-PE" dirty="0"/>
-          </a:p>
-        </p:txBody>
-      </p:sp>
-      <p:sp>
-        <p:nvSpPr>
-          <p:cNvPr id="14" name="CuadroTexto 13"/>
-          <p:cNvSpPr txBox="1"/>
-          <p:nvPr/>
-        </p:nvSpPr>
-        <p:spPr>
-          <a:xfrm>
-            <a:off x="5132293" y="2242175"/>
-            <a:ext cx="1479176" cy="369332"/>
-          </a:xfrm>
-          <a:prstGeom prst="rect">
-            <a:avLst/>
-          </a:prstGeom>
-          <a:noFill/>
-        </p:spPr>
-        <p:txBody>
-          <a:bodyPr wrap="square" rtlCol="0">
-            <a:spAutoFit/>
-          </a:bodyPr>
-          <a:lstStyle/>
-          <a:p>
-            <a:pPr algn="ctr"/>
-            <a:r>
-              <a:rPr lang="es-PE" dirty="0" smtClean="0"/>
-              <a:t>Cristianismo</a:t>
-            </a:r>
-            <a:endParaRPr lang="es-PE" dirty="0"/>
-          </a:p>
-        </p:txBody>
-      </p:sp>
-      <p:sp>
-        <p:nvSpPr>
-          <p:cNvPr id="15" name="CuadroTexto 14"/>
-          <p:cNvSpPr txBox="1"/>
-          <p:nvPr/>
-        </p:nvSpPr>
-        <p:spPr>
-          <a:xfrm>
-            <a:off x="6633882" y="2070798"/>
-            <a:ext cx="1479176" cy="646331"/>
-          </a:xfrm>
-          <a:prstGeom prst="rect">
-            <a:avLst/>
-          </a:prstGeom>
-          <a:noFill/>
-        </p:spPr>
-        <p:txBody>
-          <a:bodyPr wrap="square" rtlCol="0">
-            <a:spAutoFit/>
-          </a:bodyPr>
-          <a:lstStyle/>
-          <a:p>
-            <a:pPr algn="ctr"/>
-            <a:r>
-              <a:rPr lang="es-PE" dirty="0" smtClean="0"/>
-              <a:t>Reformas</a:t>
-            </a:r>
-          </a:p>
-          <a:p>
-            <a:pPr algn="ctr"/>
-            <a:r>
-              <a:rPr lang="es-PE" dirty="0" smtClean="0"/>
-              <a:t>Protestantes</a:t>
-            </a:r>
-            <a:endParaRPr lang="es-PE" dirty="0"/>
-          </a:p>
-        </p:txBody>
-      </p:sp>
-      <p:sp>
-        <p:nvSpPr>
-          <p:cNvPr id="16" name="CuadroTexto 15"/>
-          <p:cNvSpPr txBox="1"/>
-          <p:nvPr/>
-        </p:nvSpPr>
-        <p:spPr>
-          <a:xfrm>
-            <a:off x="7812741" y="1534540"/>
-            <a:ext cx="1479176" cy="369332"/>
-          </a:xfrm>
-          <a:prstGeom prst="rect">
-            <a:avLst/>
-          </a:prstGeom>
-          <a:noFill/>
-        </p:spPr>
-        <p:txBody>
-          <a:bodyPr wrap="square" rtlCol="0">
-            <a:spAutoFit/>
-          </a:bodyPr>
-          <a:lstStyle/>
-          <a:p>
-            <a:pPr algn="ctr"/>
-            <a:r>
-              <a:rPr lang="es-PE" dirty="0" smtClean="0"/>
-              <a:t>Humanismo</a:t>
-            </a:r>
-            <a:endParaRPr lang="es-PE" dirty="0"/>
-          </a:p>
-        </p:txBody>
-      </p:sp>
-      <p:sp>
-        <p:nvSpPr>
-          <p:cNvPr id="17" name="CuadroTexto 16"/>
-          <p:cNvSpPr txBox="1"/>
-          <p:nvPr/>
-        </p:nvSpPr>
-        <p:spPr>
-          <a:xfrm>
-            <a:off x="5981700" y="1534990"/>
-            <a:ext cx="1479176" cy="369332"/>
-          </a:xfrm>
-          <a:prstGeom prst="rect">
-            <a:avLst/>
-          </a:prstGeom>
-          <a:noFill/>
-        </p:spPr>
-        <p:txBody>
-          <a:bodyPr wrap="square" rtlCol="0">
-            <a:spAutoFit/>
-          </a:bodyPr>
-          <a:lstStyle/>
-          <a:p>
-            <a:pPr algn="ctr"/>
-            <a:r>
-              <a:rPr lang="es-PE" dirty="0" smtClean="0"/>
-              <a:t>Renacimiento</a:t>
-            </a:r>
-            <a:endParaRPr lang="es-PE" dirty="0"/>
-          </a:p>
-        </p:txBody>
-      </p:sp>
-      <p:sp>
-        <p:nvSpPr>
-          <p:cNvPr id="18" name="CuadroTexto 17"/>
-          <p:cNvSpPr txBox="1"/>
-          <p:nvPr/>
-        </p:nvSpPr>
-        <p:spPr>
-          <a:xfrm>
-            <a:off x="8552329" y="2155613"/>
-            <a:ext cx="1479176" cy="646331"/>
-          </a:xfrm>
-          <a:prstGeom prst="rect">
-            <a:avLst/>
-          </a:prstGeom>
-          <a:noFill/>
-        </p:spPr>
-        <p:txBody>
-          <a:bodyPr wrap="square" rtlCol="0">
-            <a:spAutoFit/>
-          </a:bodyPr>
-          <a:lstStyle/>
-          <a:p>
-            <a:pPr algn="ctr"/>
-            <a:r>
-              <a:rPr lang="es-PE" dirty="0" smtClean="0"/>
-              <a:t>Plenitud Moderna</a:t>
-            </a:r>
-            <a:endParaRPr lang="es-PE" dirty="0"/>
-          </a:p>
-        </p:txBody>
-      </p:sp>
-      <p:cxnSp>
-        <p:nvCxnSpPr>
-          <p:cNvPr id="20" name="Conector recto de flecha 19"/>
-          <p:cNvCxnSpPr/>
-          <p:nvPr/>
-        </p:nvCxnSpPr>
-        <p:spPr>
-          <a:xfrm>
-            <a:off x="2868706" y="2750006"/>
-            <a:ext cx="0" cy="709831"/>
-          </a:xfrm>
-          <a:prstGeom prst="straightConnector1">
-            <a:avLst/>
-          </a:prstGeom>
-          <a:ln w="57150">
-            <a:solidFill>
-              <a:schemeClr val="tx1"/>
-            </a:solidFill>
-            <a:tailEnd type="triangle"/>
-          </a:ln>
-        </p:spPr>
-        <p:style>
-          <a:lnRef idx="1">
-            <a:schemeClr val="accent1"/>
-          </a:lnRef>
-          <a:fillRef idx="0">
-            <a:schemeClr val="accent1"/>
-          </a:fillRef>
-          <a:effectRef idx="0">
-            <a:schemeClr val="accent1"/>
-          </a:effectRef>
-          <a:fontRef idx="minor">
-            <a:schemeClr val="tx1"/>
-          </a:fontRef>
-        </p:style>
-      </p:cxnSp>
-      <p:cxnSp>
-        <p:nvCxnSpPr>
-          <p:cNvPr id="21" name="Conector recto de flecha 20"/>
-          <p:cNvCxnSpPr/>
-          <p:nvPr/>
-        </p:nvCxnSpPr>
-        <p:spPr>
-          <a:xfrm flipH="1">
-            <a:off x="174813" y="2801944"/>
-            <a:ext cx="981634" cy="516665"/>
-          </a:xfrm>
-          <a:prstGeom prst="straightConnector1">
-            <a:avLst/>
-          </a:prstGeom>
-          <a:ln w="57150">
-            <a:solidFill>
-              <a:schemeClr val="tx1"/>
-            </a:solidFill>
-            <a:tailEnd type="triangle"/>
-          </a:ln>
-        </p:spPr>
-        <p:style>
-          <a:lnRef idx="1">
-            <a:schemeClr val="accent1"/>
-          </a:lnRef>
-          <a:fillRef idx="0">
-            <a:schemeClr val="accent1"/>
-          </a:fillRef>
-          <a:effectRef idx="0">
-            <a:schemeClr val="accent1"/>
-          </a:effectRef>
-          <a:fontRef idx="minor">
-            <a:schemeClr val="tx1"/>
-          </a:fontRef>
-        </p:style>
-      </p:cxnSp>
-      <p:cxnSp>
-        <p:nvCxnSpPr>
-          <p:cNvPr id="23" name="Conector recto de flecha 22"/>
-          <p:cNvCxnSpPr/>
-          <p:nvPr/>
-        </p:nvCxnSpPr>
-        <p:spPr>
-          <a:xfrm>
-            <a:off x="5302623" y="2728943"/>
-            <a:ext cx="0" cy="709831"/>
-          </a:xfrm>
-          <a:prstGeom prst="straightConnector1">
-            <a:avLst/>
-          </a:prstGeom>
-          <a:ln w="57150">
-            <a:solidFill>
-              <a:schemeClr val="tx1"/>
-            </a:solidFill>
-            <a:tailEnd type="triangle"/>
-          </a:ln>
-        </p:spPr>
-        <p:style>
-          <a:lnRef idx="1">
-            <a:schemeClr val="accent1"/>
-          </a:lnRef>
-          <a:fillRef idx="0">
-            <a:schemeClr val="accent1"/>
-          </a:fillRef>
-          <a:effectRef idx="0">
-            <a:schemeClr val="accent1"/>
-          </a:effectRef>
-          <a:fontRef idx="minor">
-            <a:schemeClr val="tx1"/>
-          </a:fontRef>
-        </p:style>
-      </p:cxnSp>
-      <p:cxnSp>
-        <p:nvCxnSpPr>
-          <p:cNvPr id="24" name="Conector recto de flecha 23"/>
-          <p:cNvCxnSpPr/>
-          <p:nvPr/>
-        </p:nvCxnSpPr>
-        <p:spPr>
-          <a:xfrm>
-            <a:off x="7451911" y="2750006"/>
-            <a:ext cx="0" cy="709831"/>
-          </a:xfrm>
-          <a:prstGeom prst="straightConnector1">
-            <a:avLst/>
-          </a:prstGeom>
-          <a:ln w="57150">
-            <a:solidFill>
-              <a:schemeClr val="tx1"/>
-            </a:solidFill>
-            <a:tailEnd type="triangle"/>
-          </a:ln>
-        </p:spPr>
-        <p:style>
-          <a:lnRef idx="1">
-            <a:schemeClr val="accent1"/>
-          </a:lnRef>
-          <a:fillRef idx="0">
-            <a:schemeClr val="accent1"/>
-          </a:fillRef>
-          <a:effectRef idx="0">
-            <a:schemeClr val="accent1"/>
-          </a:effectRef>
-          <a:fontRef idx="minor">
-            <a:schemeClr val="tx1"/>
-          </a:fontRef>
-        </p:style>
-      </p:cxnSp>
-      <p:cxnSp>
-        <p:nvCxnSpPr>
-          <p:cNvPr id="25" name="Conector recto de flecha 24"/>
-          <p:cNvCxnSpPr/>
-          <p:nvPr/>
-        </p:nvCxnSpPr>
-        <p:spPr>
-          <a:xfrm>
-            <a:off x="9300882" y="2801944"/>
-            <a:ext cx="0" cy="709831"/>
-          </a:xfrm>
-          <a:prstGeom prst="straightConnector1">
-            <a:avLst/>
-          </a:prstGeom>
-          <a:ln w="57150">
-            <a:solidFill>
-              <a:schemeClr val="tx1"/>
-            </a:solidFill>
-            <a:tailEnd type="triangle"/>
-          </a:ln>
-        </p:spPr>
-        <p:style>
-          <a:lnRef idx="1">
-            <a:schemeClr val="accent1"/>
-          </a:lnRef>
-          <a:fillRef idx="0">
-            <a:schemeClr val="accent1"/>
-          </a:fillRef>
-          <a:effectRef idx="0">
-            <a:schemeClr val="accent1"/>
-          </a:effectRef>
-          <a:fontRef idx="minor">
-            <a:schemeClr val="tx1"/>
-          </a:fontRef>
-        </p:style>
-      </p:cxnSp>
-      <p:cxnSp>
-        <p:nvCxnSpPr>
-          <p:cNvPr id="26" name="Conector recto de flecha 25"/>
-          <p:cNvCxnSpPr/>
-          <p:nvPr/>
-        </p:nvCxnSpPr>
-        <p:spPr>
-          <a:xfrm>
-            <a:off x="6633882" y="2196972"/>
-            <a:ext cx="0" cy="709831"/>
-          </a:xfrm>
-          <a:prstGeom prst="straightConnector1">
-            <a:avLst/>
-          </a:prstGeom>
-          <a:ln w="57150">
-            <a:solidFill>
-              <a:schemeClr val="tx1"/>
-            </a:solidFill>
-            <a:tailEnd type="triangle"/>
-          </a:ln>
-        </p:spPr>
-        <p:style>
-          <a:lnRef idx="1">
-            <a:schemeClr val="accent1"/>
-          </a:lnRef>
-          <a:fillRef idx="0">
-            <a:schemeClr val="accent1"/>
-          </a:fillRef>
-          <a:effectRef idx="0">
-            <a:schemeClr val="accent1"/>
-          </a:effectRef>
-          <a:fontRef idx="minor">
-            <a:schemeClr val="tx1"/>
-          </a:fontRef>
-        </p:style>
-      </p:cxnSp>
-      <p:cxnSp>
-        <p:nvCxnSpPr>
-          <p:cNvPr id="27" name="Conector recto de flecha 26"/>
-          <p:cNvCxnSpPr/>
-          <p:nvPr/>
-        </p:nvCxnSpPr>
-        <p:spPr>
-          <a:xfrm>
-            <a:off x="8328212" y="2155613"/>
-            <a:ext cx="0" cy="709831"/>
-          </a:xfrm>
-          <a:prstGeom prst="straightConnector1">
-            <a:avLst/>
-          </a:prstGeom>
-          <a:ln w="57150">
-            <a:solidFill>
-              <a:schemeClr val="tx1"/>
-            </a:solidFill>
-            <a:tailEnd type="triangle"/>
-          </a:ln>
-        </p:spPr>
-        <p:style>
-          <a:lnRef idx="1">
-            <a:schemeClr val="accent1"/>
-          </a:lnRef>
-          <a:fillRef idx="0">
-            <a:schemeClr val="accent1"/>
-          </a:fillRef>
-          <a:effectRef idx="0">
-            <a:schemeClr val="accent1"/>
-          </a:effectRef>
-          <a:fontRef idx="minor">
-            <a:schemeClr val="tx1"/>
-          </a:fontRef>
-        </p:style>
-      </p:cxnSp>
-      <p:cxnSp>
-        <p:nvCxnSpPr>
-          <p:cNvPr id="31" name="Conector recto de flecha 30"/>
-          <p:cNvCxnSpPr/>
-          <p:nvPr/>
-        </p:nvCxnSpPr>
-        <p:spPr>
-          <a:xfrm>
-            <a:off x="5981700" y="4545106"/>
-            <a:ext cx="5372100" cy="0"/>
-          </a:xfrm>
-          <a:prstGeom prst="straightConnector1">
-            <a:avLst/>
-          </a:prstGeom>
-          <a:ln w="76200">
-            <a:solidFill>
-              <a:schemeClr val="tx1"/>
-            </a:solidFill>
-            <a:tailEnd type="triangle"/>
-          </a:ln>
-        </p:spPr>
-        <p:style>
-          <a:lnRef idx="1">
-            <a:schemeClr val="accent1"/>
-          </a:lnRef>
-          <a:fillRef idx="0">
-            <a:schemeClr val="accent1"/>
-          </a:fillRef>
-          <a:effectRef idx="0">
-            <a:schemeClr val="accent1"/>
-          </a:effectRef>
-          <a:fontRef idx="minor">
-            <a:schemeClr val="tx1"/>
-          </a:fontRef>
-        </p:style>
-      </p:cxnSp>
-      <p:cxnSp>
-        <p:nvCxnSpPr>
-          <p:cNvPr id="33" name="Conector recto de flecha 32"/>
-          <p:cNvCxnSpPr/>
-          <p:nvPr/>
-        </p:nvCxnSpPr>
-        <p:spPr>
-          <a:xfrm flipH="1">
-            <a:off x="609602" y="4545106"/>
-            <a:ext cx="2342231" cy="0"/>
-          </a:xfrm>
-          <a:prstGeom prst="straightConnector1">
-            <a:avLst/>
-          </a:prstGeom>
-          <a:ln w="76200">
-            <a:solidFill>
-              <a:schemeClr val="tx1"/>
-            </a:solidFill>
-            <a:tailEnd type="triangle"/>
-          </a:ln>
-        </p:spPr>
-        <p:style>
-          <a:lnRef idx="1">
-            <a:schemeClr val="accent1"/>
-          </a:lnRef>
-          <a:fillRef idx="0">
-            <a:schemeClr val="accent1"/>
-          </a:fillRef>
-          <a:effectRef idx="0">
-            <a:schemeClr val="accent1"/>
-          </a:effectRef>
-          <a:fontRef idx="minor">
-            <a:schemeClr val="tx1"/>
-          </a:fontRef>
-        </p:style>
-      </p:cxnSp>
-      <p:sp>
-        <p:nvSpPr>
-          <p:cNvPr id="35" name="CuadroTexto 34"/>
-          <p:cNvSpPr txBox="1"/>
-          <p:nvPr/>
-        </p:nvSpPr>
-        <p:spPr>
-          <a:xfrm>
-            <a:off x="1058039" y="4656744"/>
-            <a:ext cx="3299011" cy="646331"/>
-          </a:xfrm>
-          <a:prstGeom prst="rect">
-            <a:avLst/>
-          </a:prstGeom>
-          <a:noFill/>
-        </p:spPr>
-        <p:txBody>
-          <a:bodyPr wrap="square" rtlCol="0">
-            <a:spAutoFit/>
-          </a:bodyPr>
-          <a:lstStyle/>
-          <a:p>
-            <a:r>
-              <a:rPr lang="es-PE" dirty="0" smtClean="0"/>
-              <a:t>Encantamiento</a:t>
-            </a:r>
-          </a:p>
-          <a:p>
-            <a:r>
-              <a:rPr lang="es-PE" dirty="0" smtClean="0"/>
-              <a:t>Yo Poroso/vulnerable</a:t>
-            </a:r>
-            <a:endParaRPr lang="es-PE" dirty="0"/>
-          </a:p>
-        </p:txBody>
-      </p:sp>
-      <p:sp>
-        <p:nvSpPr>
-          <p:cNvPr id="36" name="CuadroTexto 35"/>
-          <p:cNvSpPr txBox="1"/>
-          <p:nvPr/>
-        </p:nvSpPr>
-        <p:spPr>
-          <a:xfrm>
-            <a:off x="7642411" y="4652350"/>
-            <a:ext cx="3299011" cy="646331"/>
-          </a:xfrm>
-          <a:prstGeom prst="rect">
-            <a:avLst/>
-          </a:prstGeom>
-          <a:noFill/>
-        </p:spPr>
-        <p:txBody>
-          <a:bodyPr wrap="square" rtlCol="0">
-            <a:spAutoFit/>
-          </a:bodyPr>
-          <a:lstStyle/>
-          <a:p>
-            <a:r>
-              <a:rPr lang="es-PE" dirty="0" smtClean="0"/>
-              <a:t>Des - Encantamiento</a:t>
-            </a:r>
-          </a:p>
-          <a:p>
-            <a:r>
-              <a:rPr lang="es-PE" dirty="0" smtClean="0"/>
-              <a:t>Yo Blindado / impermeable</a:t>
-            </a:r>
-            <a:endParaRPr lang="es-PE" dirty="0"/>
-          </a:p>
-        </p:txBody>
-      </p:sp>
       <p:pic>
         <p:nvPicPr>
-          <p:cNvPr id="40" name="Imagen 39"/>
+          <p:cNvPr id="4" name="Imagen 3"/>
           <p:cNvPicPr>
             <a:picLocks noChangeAspect="1"/>
           </p:cNvPicPr>
@@ -12817,8 +12110,8 @@
         </p:blipFill>
         <p:spPr>
           <a:xfrm>
-            <a:off x="2263417" y="6006353"/>
-            <a:ext cx="7436566" cy="573741"/>
+            <a:off x="650469" y="825210"/>
+            <a:ext cx="10765411" cy="3696913"/>
           </a:xfrm>
           <a:prstGeom prst="rect">
             <a:avLst/>
@@ -12827,73 +12120,14 @@
       </p:pic>
       <p:sp>
         <p:nvSpPr>
-          <p:cNvPr id="41" name="Rectángulo 40"/>
-          <p:cNvSpPr/>
-          <p:nvPr/>
-        </p:nvSpPr>
-        <p:spPr>
-          <a:xfrm>
-            <a:off x="7023848" y="6293223"/>
-            <a:ext cx="2676135" cy="286871"/>
-          </a:xfrm>
-          <a:prstGeom prst="rect">
-            <a:avLst/>
-          </a:prstGeom>
-          <a:solidFill>
-            <a:schemeClr val="bg1"/>
-          </a:solidFill>
-          <a:ln>
-            <a:solidFill>
-              <a:schemeClr val="bg1"/>
-            </a:solidFill>
-          </a:ln>
-        </p:spPr>
-        <p:style>
-          <a:lnRef idx="2">
-            <a:schemeClr val="accent1">
-              <a:shade val="50000"/>
-            </a:schemeClr>
-          </a:lnRef>
-          <a:fillRef idx="1">
-            <a:schemeClr val="accent1"/>
-          </a:fillRef>
-          <a:effectRef idx="0">
-            <a:schemeClr val="accent1"/>
-          </a:effectRef>
-          <a:fontRef idx="minor">
-            <a:schemeClr val="lt1"/>
-          </a:fontRef>
-        </p:style>
-        <p:txBody>
-          <a:bodyPr rtlCol="0" anchor="ctr"/>
-          <a:lstStyle/>
-          <a:p>
-            <a:r>
-              <a:rPr lang="es-PE" dirty="0" smtClean="0">
-                <a:solidFill>
-                  <a:schemeClr val="tx1"/>
-                </a:solidFill>
-              </a:rPr>
-              <a:t>p. 188</a:t>
-            </a:r>
-            <a:endParaRPr lang="es-PE" dirty="0">
-              <a:solidFill>
-                <a:schemeClr val="tx1"/>
-              </a:solidFill>
-            </a:endParaRPr>
-          </a:p>
-        </p:txBody>
-      </p:sp>
-      <p:sp>
-        <p:nvSpPr>
-          <p:cNvPr id="42" name="CuadroTexto 41"/>
+          <p:cNvPr id="5" name="CuadroTexto 4"/>
           <p:cNvSpPr txBox="1"/>
           <p:nvPr/>
         </p:nvSpPr>
         <p:spPr>
           <a:xfrm>
-            <a:off x="3317042" y="4340633"/>
-            <a:ext cx="2810435" cy="369332"/>
+            <a:off x="11415880" y="6467302"/>
+            <a:ext cx="776120" cy="369332"/>
           </a:xfrm>
           <a:prstGeom prst="rect">
             <a:avLst/>
@@ -12907,31 +12141,233 @@
           <a:lstStyle/>
           <a:p>
             <a:r>
-              <a:rPr lang="es-PE" dirty="0" smtClean="0">
-                <a:solidFill>
-                  <a:srgbClr val="FF0000"/>
-                </a:solidFill>
-              </a:rPr>
-              <a:t>Proceso de desinserción</a:t>
-            </a:r>
-            <a:endParaRPr lang="es-PE" dirty="0">
-              <a:solidFill>
-                <a:srgbClr val="FF0000"/>
-              </a:solidFill>
-            </a:endParaRPr>
-          </a:p>
-        </p:txBody>
-      </p:sp>
-      <p:sp>
-        <p:nvSpPr>
-          <p:cNvPr id="4" name="CuadroTexto 3"/>
+              <a:rPr lang="es-PE" dirty="0" smtClean="0"/>
+              <a:t>p. 269</a:t>
+            </a:r>
+            <a:endParaRPr lang="es-PE" dirty="0"/>
+          </a:p>
+        </p:txBody>
+      </p:sp>
+      <p:cxnSp>
+        <p:nvCxnSpPr>
+          <p:cNvPr id="3" name="Conector recto 2"/>
+          <p:cNvCxnSpPr/>
+          <p:nvPr/>
+        </p:nvCxnSpPr>
+        <p:spPr>
+          <a:xfrm>
+            <a:off x="10842171" y="1371600"/>
+            <a:ext cx="573709" cy="0"/>
+          </a:xfrm>
+          <a:prstGeom prst="line">
+            <a:avLst/>
+          </a:prstGeom>
+          <a:ln w="38100">
+            <a:solidFill>
+              <a:srgbClr val="FF0000"/>
+            </a:solidFill>
+          </a:ln>
+        </p:spPr>
+        <p:style>
+          <a:lnRef idx="1">
+            <a:schemeClr val="accent1"/>
+          </a:lnRef>
+          <a:fillRef idx="0">
+            <a:schemeClr val="accent1"/>
+          </a:fillRef>
+          <a:effectRef idx="0">
+            <a:schemeClr val="accent1"/>
+          </a:effectRef>
+          <a:fontRef idx="minor">
+            <a:schemeClr val="tx1"/>
+          </a:fontRef>
+        </p:style>
+      </p:cxnSp>
+      <p:cxnSp>
+        <p:nvCxnSpPr>
+          <p:cNvPr id="7" name="Conector recto 6"/>
+          <p:cNvCxnSpPr/>
+          <p:nvPr/>
+        </p:nvCxnSpPr>
+        <p:spPr>
+          <a:xfrm>
+            <a:off x="836023" y="1750423"/>
+            <a:ext cx="10579857" cy="0"/>
+          </a:xfrm>
+          <a:prstGeom prst="line">
+            <a:avLst/>
+          </a:prstGeom>
+          <a:ln w="38100">
+            <a:solidFill>
+              <a:srgbClr val="FF0000"/>
+            </a:solidFill>
+          </a:ln>
+        </p:spPr>
+        <p:style>
+          <a:lnRef idx="1">
+            <a:schemeClr val="accent1"/>
+          </a:lnRef>
+          <a:fillRef idx="0">
+            <a:schemeClr val="accent1"/>
+          </a:fillRef>
+          <a:effectRef idx="0">
+            <a:schemeClr val="accent1"/>
+          </a:effectRef>
+          <a:fontRef idx="minor">
+            <a:schemeClr val="tx1"/>
+          </a:fontRef>
+        </p:style>
+      </p:cxnSp>
+      <p:cxnSp>
+        <p:nvCxnSpPr>
+          <p:cNvPr id="9" name="Conector recto 8"/>
+          <p:cNvCxnSpPr/>
+          <p:nvPr/>
+        </p:nvCxnSpPr>
+        <p:spPr>
+          <a:xfrm>
+            <a:off x="770709" y="2194560"/>
+            <a:ext cx="2455817" cy="0"/>
+          </a:xfrm>
+          <a:prstGeom prst="line">
+            <a:avLst/>
+          </a:prstGeom>
+          <a:ln w="38100">
+            <a:solidFill>
+              <a:srgbClr val="FF0000"/>
+            </a:solidFill>
+          </a:ln>
+        </p:spPr>
+        <p:style>
+          <a:lnRef idx="1">
+            <a:schemeClr val="accent1"/>
+          </a:lnRef>
+          <a:fillRef idx="0">
+            <a:schemeClr val="accent1"/>
+          </a:fillRef>
+          <a:effectRef idx="0">
+            <a:schemeClr val="accent1"/>
+          </a:effectRef>
+          <a:fontRef idx="minor">
+            <a:schemeClr val="tx1"/>
+          </a:fontRef>
+        </p:style>
+      </p:cxnSp>
+      <p:cxnSp>
+        <p:nvCxnSpPr>
+          <p:cNvPr id="11" name="Conector recto 10"/>
+          <p:cNvCxnSpPr/>
+          <p:nvPr/>
+        </p:nvCxnSpPr>
+        <p:spPr>
+          <a:xfrm>
+            <a:off x="7942217" y="2142309"/>
+            <a:ext cx="1397726" cy="0"/>
+          </a:xfrm>
+          <a:prstGeom prst="line">
+            <a:avLst/>
+          </a:prstGeom>
+          <a:ln w="38100">
+            <a:solidFill>
+              <a:srgbClr val="FF0000"/>
+            </a:solidFill>
+          </a:ln>
+        </p:spPr>
+        <p:style>
+          <a:lnRef idx="1">
+            <a:schemeClr val="accent1"/>
+          </a:lnRef>
+          <a:fillRef idx="0">
+            <a:schemeClr val="accent1"/>
+          </a:fillRef>
+          <a:effectRef idx="0">
+            <a:schemeClr val="accent1"/>
+          </a:effectRef>
+          <a:fontRef idx="minor">
+            <a:schemeClr val="tx1"/>
+          </a:fontRef>
+        </p:style>
+      </p:cxnSp>
+      <p:cxnSp>
+        <p:nvCxnSpPr>
+          <p:cNvPr id="13" name="Conector recto 12"/>
+          <p:cNvCxnSpPr/>
+          <p:nvPr/>
+        </p:nvCxnSpPr>
+        <p:spPr>
+          <a:xfrm>
+            <a:off x="3579223" y="2886891"/>
+            <a:ext cx="2416628" cy="0"/>
+          </a:xfrm>
+          <a:prstGeom prst="line">
+            <a:avLst/>
+          </a:prstGeom>
+          <a:ln w="38100">
+            <a:solidFill>
+              <a:srgbClr val="FF0000"/>
+            </a:solidFill>
+          </a:ln>
+        </p:spPr>
+        <p:style>
+          <a:lnRef idx="1">
+            <a:schemeClr val="accent1"/>
+          </a:lnRef>
+          <a:fillRef idx="0">
+            <a:schemeClr val="accent1"/>
+          </a:fillRef>
+          <a:effectRef idx="0">
+            <a:schemeClr val="accent1"/>
+          </a:effectRef>
+          <a:fontRef idx="minor">
+            <a:schemeClr val="tx1"/>
+          </a:fontRef>
+        </p:style>
+      </p:cxnSp>
+      <p:cxnSp>
+        <p:nvCxnSpPr>
+          <p:cNvPr id="15" name="Conector recto 14"/>
+          <p:cNvCxnSpPr/>
+          <p:nvPr/>
+        </p:nvCxnSpPr>
+        <p:spPr>
+          <a:xfrm>
+            <a:off x="3344091" y="4522123"/>
+            <a:ext cx="1580606" cy="0"/>
+          </a:xfrm>
+          <a:prstGeom prst="line">
+            <a:avLst/>
+          </a:prstGeom>
+          <a:ln w="38100">
+            <a:solidFill>
+              <a:srgbClr val="FF0000"/>
+            </a:solidFill>
+          </a:ln>
+        </p:spPr>
+        <p:style>
+          <a:lnRef idx="1">
+            <a:schemeClr val="accent1"/>
+          </a:lnRef>
+          <a:fillRef idx="0">
+            <a:schemeClr val="accent1"/>
+          </a:fillRef>
+          <a:effectRef idx="0">
+            <a:schemeClr val="accent1"/>
+          </a:effectRef>
+          <a:fontRef idx="minor">
+            <a:schemeClr val="tx1"/>
+          </a:fontRef>
+        </p:style>
+      </p:cxnSp>
+      <p:sp>
+        <p:nvSpPr>
+          <p:cNvPr id="16" name="CuadroTexto 15"/>
           <p:cNvSpPr txBox="1"/>
           <p:nvPr/>
         </p:nvSpPr>
         <p:spPr>
           <a:xfrm>
-            <a:off x="2014817" y="55554"/>
-            <a:ext cx="9412941" cy="369332"/>
+            <a:off x="3814355" y="6097970"/>
+            <a:ext cx="5029200" cy="369332"/>
           </a:xfrm>
           <a:prstGeom prst="rect">
             <a:avLst/>
@@ -12945,80 +12381,23 @@
           <a:lstStyle/>
           <a:p>
             <a:r>
-              <a:rPr lang="es-PE" dirty="0" smtClean="0">
-                <a:solidFill>
-                  <a:schemeClr val="bg1">
-                    <a:lumMod val="75000"/>
-                  </a:schemeClr>
-                </a:solidFill>
-              </a:rPr>
-              <a:t>*Notar imposibilidad de plasmar linealmente un proceso cronológicamente irregular.</a:t>
-            </a:r>
-            <a:endParaRPr lang="es-PE" dirty="0">
-              <a:solidFill>
-                <a:schemeClr val="bg1">
-                  <a:lumMod val="75000"/>
-                </a:schemeClr>
-              </a:solidFill>
-            </a:endParaRPr>
-          </a:p>
-        </p:txBody>
-      </p:sp>
-      <p:sp>
-        <p:nvSpPr>
-          <p:cNvPr id="34" name="CuadroTexto 33"/>
-          <p:cNvSpPr txBox="1"/>
-          <p:nvPr/>
-        </p:nvSpPr>
-        <p:spPr>
-          <a:xfrm>
-            <a:off x="10483103" y="3791531"/>
-            <a:ext cx="1741394" cy="646331"/>
-          </a:xfrm>
-          <a:prstGeom prst="rect">
-            <a:avLst/>
-          </a:prstGeom>
-          <a:noFill/>
-        </p:spPr>
-        <p:txBody>
-          <a:bodyPr wrap="square" rtlCol="0">
-            <a:spAutoFit/>
-          </a:bodyPr>
-          <a:lstStyle/>
-          <a:p>
-            <a:r>
-              <a:rPr lang="es-PE" dirty="0" smtClean="0">
-                <a:solidFill>
-                  <a:schemeClr val="accent6"/>
-                </a:solidFill>
-              </a:rPr>
-              <a:t>Intentos de Re-Encantamiento</a:t>
-            </a:r>
-            <a:endParaRPr lang="es-PE" dirty="0">
-              <a:solidFill>
-                <a:schemeClr val="accent6"/>
-              </a:solidFill>
-            </a:endParaRPr>
+              <a:rPr lang="es-PE" dirty="0" smtClean="0"/>
+              <a:t>Idealismo vs materialismo: falsa dicotomía</a:t>
+            </a:r>
+            <a:endParaRPr lang="es-PE" dirty="0"/>
           </a:p>
         </p:txBody>
       </p:sp>
     </p:spTree>
     <p:extLst>
       <p:ext uri="{BB962C8B-B14F-4D97-AF65-F5344CB8AC3E}">
-        <p14:creationId xmlns:p14="http://schemas.microsoft.com/office/powerpoint/2010/main" val="432960705"/>
+        <p14:creationId xmlns:p14="http://schemas.microsoft.com/office/powerpoint/2010/main" val="2622022177"/>
       </p:ext>
     </p:extLst>
   </p:cSld>
   <p:clrMapOvr>
     <a:masterClrMapping/>
   </p:clrMapOvr>
-  <p:timing>
-    <p:tnLst>
-      <p:par>
-        <p:cTn id="1" dur="indefinite" restart="never" nodeType="tmRoot"/>
-      </p:par>
-    </p:tnLst>
-  </p:timing>
 </p:sld>
 </file>
 
@@ -13039,9 +12418,39 @@
           <a:chExt cx="0" cy="0"/>
         </a:xfrm>
       </p:grpSpPr>
+      <p:sp>
+        <p:nvSpPr>
+          <p:cNvPr id="5" name="CuadroTexto 4"/>
+          <p:cNvSpPr txBox="1"/>
+          <p:nvPr/>
+        </p:nvSpPr>
+        <p:spPr>
+          <a:xfrm>
+            <a:off x="11415880" y="6467302"/>
+            <a:ext cx="776120" cy="369332"/>
+          </a:xfrm>
+          <a:prstGeom prst="rect">
+            <a:avLst/>
+          </a:prstGeom>
+          <a:noFill/>
+        </p:spPr>
+        <p:txBody>
+          <a:bodyPr wrap="square" rtlCol="0">
+            <a:spAutoFit/>
+          </a:bodyPr>
+          <a:lstStyle/>
+          <a:p>
+            <a:r>
+              <a:rPr lang="es-PE" dirty="0" smtClean="0"/>
+              <a:t>p. 269</a:t>
+            </a:r>
+            <a:endParaRPr lang="es-PE" dirty="0"/>
+          </a:p>
+        </p:txBody>
+      </p:sp>
       <p:pic>
         <p:nvPicPr>
-          <p:cNvPr id="4" name="Imagen 3"/>
+          <p:cNvPr id="2" name="Imagen 1"/>
           <p:cNvPicPr>
             <a:picLocks noChangeAspect="1"/>
           </p:cNvPicPr>
@@ -13055,173 +12464,264 @@
         </p:blipFill>
         <p:spPr>
           <a:xfrm>
-            <a:off x="422289" y="0"/>
-            <a:ext cx="6272492" cy="3677756"/>
+            <a:off x="275099" y="838979"/>
+            <a:ext cx="11385352" cy="4464541"/>
           </a:xfrm>
           <a:prstGeom prst="rect">
             <a:avLst/>
           </a:prstGeom>
         </p:spPr>
       </p:pic>
-      <p:pic>
-        <p:nvPicPr>
-          <p:cNvPr id="5" name="Imagen 4"/>
-          <p:cNvPicPr>
-            <a:picLocks noChangeAspect="1"/>
-          </p:cNvPicPr>
-          <p:nvPr/>
-        </p:nvPicPr>
-        <p:blipFill>
-          <a:blip r:embed="rId3"/>
-          <a:stretch>
-            <a:fillRect/>
-          </a:stretch>
-        </p:blipFill>
-        <p:spPr>
-          <a:xfrm>
-            <a:off x="10181104" y="6287758"/>
-            <a:ext cx="1777813" cy="570242"/>
-          </a:xfrm>
-          <a:prstGeom prst="rect">
-            <a:avLst/>
-          </a:prstGeom>
-        </p:spPr>
-      </p:pic>
-      <p:sp>
-        <p:nvSpPr>
-          <p:cNvPr id="2" name="Rectángulo 1"/>
-          <p:cNvSpPr/>
-          <p:nvPr/>
-        </p:nvSpPr>
-        <p:spPr>
-          <a:xfrm>
-            <a:off x="2805340" y="4556973"/>
-            <a:ext cx="6855371" cy="1730785"/>
+      <p:cxnSp>
+        <p:nvCxnSpPr>
+          <p:cNvPr id="4" name="Conector recto 3"/>
+          <p:cNvCxnSpPr/>
+          <p:nvPr/>
+        </p:nvCxnSpPr>
+        <p:spPr>
+          <a:xfrm>
+            <a:off x="535577" y="1554480"/>
+            <a:ext cx="10880303" cy="0"/>
+          </a:xfrm>
+          <a:prstGeom prst="line">
+            <a:avLst/>
+          </a:prstGeom>
+          <a:ln w="38100">
+            <a:solidFill>
+              <a:srgbClr val="FF0000"/>
+            </a:solidFill>
+          </a:ln>
+        </p:spPr>
+        <p:style>
+          <a:lnRef idx="1">
+            <a:schemeClr val="accent1"/>
+          </a:lnRef>
+          <a:fillRef idx="0">
+            <a:schemeClr val="accent1"/>
+          </a:fillRef>
+          <a:effectRef idx="0">
+            <a:schemeClr val="accent1"/>
+          </a:effectRef>
+          <a:fontRef idx="minor">
+            <a:schemeClr val="tx1"/>
+          </a:fontRef>
+        </p:style>
+      </p:cxnSp>
+      <p:cxnSp>
+        <p:nvCxnSpPr>
+          <p:cNvPr id="7" name="Conector recto 6"/>
+          <p:cNvCxnSpPr/>
+          <p:nvPr/>
+        </p:nvCxnSpPr>
+        <p:spPr>
+          <a:xfrm>
+            <a:off x="8647611" y="1175657"/>
+            <a:ext cx="1920240" cy="0"/>
+          </a:xfrm>
+          <a:prstGeom prst="line">
+            <a:avLst/>
+          </a:prstGeom>
+          <a:ln w="38100">
+            <a:solidFill>
+              <a:srgbClr val="FF0000"/>
+            </a:solidFill>
+          </a:ln>
+        </p:spPr>
+        <p:style>
+          <a:lnRef idx="1">
+            <a:schemeClr val="accent1"/>
+          </a:lnRef>
+          <a:fillRef idx="0">
+            <a:schemeClr val="accent1"/>
+          </a:fillRef>
+          <a:effectRef idx="0">
+            <a:schemeClr val="accent1"/>
+          </a:effectRef>
+          <a:fontRef idx="minor">
+            <a:schemeClr val="tx1"/>
+          </a:fontRef>
+        </p:style>
+      </p:cxnSp>
+      <p:cxnSp>
+        <p:nvCxnSpPr>
+          <p:cNvPr id="9" name="Conector recto 8"/>
+          <p:cNvCxnSpPr/>
+          <p:nvPr/>
+        </p:nvCxnSpPr>
+        <p:spPr>
+          <a:xfrm>
+            <a:off x="8242663" y="3213463"/>
+            <a:ext cx="2821577" cy="0"/>
+          </a:xfrm>
+          <a:prstGeom prst="line">
+            <a:avLst/>
+          </a:prstGeom>
+          <a:ln w="38100">
+            <a:solidFill>
+              <a:srgbClr val="FF0000"/>
+            </a:solidFill>
+          </a:ln>
+        </p:spPr>
+        <p:style>
+          <a:lnRef idx="1">
+            <a:schemeClr val="accent1"/>
+          </a:lnRef>
+          <a:fillRef idx="0">
+            <a:schemeClr val="accent1"/>
+          </a:fillRef>
+          <a:effectRef idx="0">
+            <a:schemeClr val="accent1"/>
+          </a:effectRef>
+          <a:fontRef idx="minor">
+            <a:schemeClr val="tx1"/>
+          </a:fontRef>
+        </p:style>
+      </p:cxnSp>
+      <p:cxnSp>
+        <p:nvCxnSpPr>
+          <p:cNvPr id="11" name="Conector recto 10"/>
+          <p:cNvCxnSpPr/>
+          <p:nvPr/>
+        </p:nvCxnSpPr>
+        <p:spPr>
+          <a:xfrm>
+            <a:off x="7067006" y="4415246"/>
+            <a:ext cx="4454434" cy="0"/>
+          </a:xfrm>
+          <a:prstGeom prst="line">
+            <a:avLst/>
+          </a:prstGeom>
+          <a:ln w="38100">
+            <a:solidFill>
+              <a:srgbClr val="FF0000"/>
+            </a:solidFill>
+          </a:ln>
+        </p:spPr>
+        <p:style>
+          <a:lnRef idx="1">
+            <a:schemeClr val="accent1"/>
+          </a:lnRef>
+          <a:fillRef idx="0">
+            <a:schemeClr val="accent1"/>
+          </a:fillRef>
+          <a:effectRef idx="0">
+            <a:schemeClr val="accent1"/>
+          </a:effectRef>
+          <a:fontRef idx="minor">
+            <a:schemeClr val="tx1"/>
+          </a:fontRef>
+        </p:style>
+      </p:cxnSp>
+      <p:cxnSp>
+        <p:nvCxnSpPr>
+          <p:cNvPr id="13" name="Conector recto 12"/>
+          <p:cNvCxnSpPr/>
+          <p:nvPr/>
+        </p:nvCxnSpPr>
+        <p:spPr>
+          <a:xfrm flipH="1" flipV="1">
+            <a:off x="535577" y="4859383"/>
+            <a:ext cx="10880304" cy="39188"/>
+          </a:xfrm>
+          <a:prstGeom prst="line">
+            <a:avLst/>
+          </a:prstGeom>
+          <a:ln w="38100">
+            <a:solidFill>
+              <a:srgbClr val="FF0000"/>
+            </a:solidFill>
+          </a:ln>
+        </p:spPr>
+        <p:style>
+          <a:lnRef idx="1">
+            <a:schemeClr val="accent1"/>
+          </a:lnRef>
+          <a:fillRef idx="0">
+            <a:schemeClr val="accent1"/>
+          </a:fillRef>
+          <a:effectRef idx="0">
+            <a:schemeClr val="accent1"/>
+          </a:effectRef>
+          <a:fontRef idx="minor">
+            <a:schemeClr val="tx1"/>
+          </a:fontRef>
+        </p:style>
+      </p:cxnSp>
+      <p:cxnSp>
+        <p:nvCxnSpPr>
+          <p:cNvPr id="17" name="Conector recto 16"/>
+          <p:cNvCxnSpPr/>
+          <p:nvPr/>
+        </p:nvCxnSpPr>
+        <p:spPr>
+          <a:xfrm>
+            <a:off x="535577" y="5303520"/>
+            <a:ext cx="6897189" cy="0"/>
+          </a:xfrm>
+          <a:prstGeom prst="line">
+            <a:avLst/>
+          </a:prstGeom>
+          <a:ln w="38100">
+            <a:solidFill>
+              <a:srgbClr val="FF0000"/>
+            </a:solidFill>
+          </a:ln>
+        </p:spPr>
+        <p:style>
+          <a:lnRef idx="1">
+            <a:schemeClr val="accent1"/>
+          </a:lnRef>
+          <a:fillRef idx="0">
+            <a:schemeClr val="accent1"/>
+          </a:fillRef>
+          <a:effectRef idx="0">
+            <a:schemeClr val="accent1"/>
+          </a:effectRef>
+          <a:fontRef idx="minor">
+            <a:schemeClr val="tx1"/>
+          </a:fontRef>
+        </p:style>
+      </p:cxnSp>
+      <p:sp>
+        <p:nvSpPr>
+          <p:cNvPr id="18" name="CuadroTexto 17"/>
+          <p:cNvSpPr txBox="1"/>
+          <p:nvPr/>
+        </p:nvSpPr>
+        <p:spPr>
+          <a:xfrm>
+            <a:off x="3814355" y="6097970"/>
+            <a:ext cx="6570616" cy="369332"/>
           </a:xfrm>
           <a:prstGeom prst="rect">
             <a:avLst/>
           </a:prstGeom>
           <a:noFill/>
-          <a:ln w="57150">
-            <a:solidFill>
-              <a:srgbClr val="FF0000"/>
-            </a:solidFill>
-          </a:ln>
-        </p:spPr>
-        <p:style>
-          <a:lnRef idx="2">
-            <a:schemeClr val="accent1">
-              <a:shade val="50000"/>
-            </a:schemeClr>
-          </a:lnRef>
-          <a:fillRef idx="1">
-            <a:schemeClr val="accent1"/>
-          </a:fillRef>
-          <a:effectRef idx="0">
-            <a:schemeClr val="accent1"/>
-          </a:effectRef>
-          <a:fontRef idx="minor">
-            <a:schemeClr val="lt1"/>
-          </a:fontRef>
-        </p:style>
-        <p:txBody>
-          <a:bodyPr rtlCol="0" anchor="ctr"/>
+        </p:spPr>
+        <p:txBody>
+          <a:bodyPr wrap="square" rtlCol="0">
+            <a:spAutoFit/>
+          </a:bodyPr>
           <a:lstStyle/>
           <a:p>
-            <a:pPr algn="ctr"/>
-            <a:endParaRPr lang="es-PE"/>
-          </a:p>
-        </p:txBody>
-      </p:sp>
-      <p:pic>
-        <p:nvPicPr>
-          <p:cNvPr id="7" name="Imagen 6"/>
-          <p:cNvPicPr>
-            <a:picLocks noChangeAspect="1"/>
-          </p:cNvPicPr>
-          <p:nvPr/>
-        </p:nvPicPr>
-        <p:blipFill>
-          <a:blip r:embed="rId4"/>
-          <a:stretch>
-            <a:fillRect/>
-          </a:stretch>
-        </p:blipFill>
-        <p:spPr>
-          <a:xfrm>
-            <a:off x="1424065" y="2982431"/>
-            <a:ext cx="4000500" cy="1390650"/>
-          </a:xfrm>
-          <a:prstGeom prst="rect">
-            <a:avLst/>
-          </a:prstGeom>
-        </p:spPr>
-      </p:pic>
-      <p:pic>
-        <p:nvPicPr>
-          <p:cNvPr id="8" name="Imagen 7"/>
-          <p:cNvPicPr>
-            <a:picLocks noChangeAspect="1"/>
-          </p:cNvPicPr>
-          <p:nvPr/>
-        </p:nvPicPr>
-        <p:blipFill>
-          <a:blip r:embed="rId5"/>
-          <a:stretch>
-            <a:fillRect/>
-          </a:stretch>
-        </p:blipFill>
-        <p:spPr>
-          <a:xfrm>
-            <a:off x="2916620" y="4647055"/>
-            <a:ext cx="6589987" cy="1550620"/>
-          </a:xfrm>
-          <a:prstGeom prst="rect">
-            <a:avLst/>
-          </a:prstGeom>
-        </p:spPr>
-      </p:pic>
-      <p:pic>
-        <p:nvPicPr>
-          <p:cNvPr id="9" name="Imagen 8"/>
-          <p:cNvPicPr>
-            <a:picLocks noChangeAspect="1"/>
-          </p:cNvPicPr>
-          <p:nvPr/>
-        </p:nvPicPr>
-        <p:blipFill>
-          <a:blip r:embed="rId6"/>
-          <a:stretch>
-            <a:fillRect/>
-          </a:stretch>
-        </p:blipFill>
-        <p:spPr>
-          <a:xfrm>
-            <a:off x="7372698" y="310857"/>
-            <a:ext cx="2965930" cy="3954573"/>
-          </a:xfrm>
-          <a:prstGeom prst="rect">
-            <a:avLst/>
-          </a:prstGeom>
-        </p:spPr>
-      </p:pic>
+            <a:r>
+              <a:rPr lang="es-PE" dirty="0" smtClean="0"/>
+              <a:t>Idealismo vs materialismo: simultáneos, inseparables, simbióticos</a:t>
+            </a:r>
+            <a:endParaRPr lang="es-PE" dirty="0"/>
+          </a:p>
+        </p:txBody>
+      </p:sp>
     </p:spTree>
     <p:extLst>
       <p:ext uri="{BB962C8B-B14F-4D97-AF65-F5344CB8AC3E}">
-        <p14:creationId xmlns:p14="http://schemas.microsoft.com/office/powerpoint/2010/main" val="718779837"/>
+        <p14:creationId xmlns:p14="http://schemas.microsoft.com/office/powerpoint/2010/main" val="2080611182"/>
       </p:ext>
     </p:extLst>
   </p:cSld>
   <p:clrMapOvr>
     <a:masterClrMapping/>
   </p:clrMapOvr>
-  <p:timing>
-    <p:tnLst>
-      <p:par>
-        <p:cTn id="1" dur="indefinite" restart="never" nodeType="tmRoot"/>
-      </p:par>
-    </p:tnLst>
-  </p:timing>
 </p:sld>
 </file>
 
@@ -13461,9 +12961,39 @@
           <a:chExt cx="0" cy="0"/>
         </a:xfrm>
       </p:grpSpPr>
+      <p:sp>
+        <p:nvSpPr>
+          <p:cNvPr id="5" name="CuadroTexto 4"/>
+          <p:cNvSpPr txBox="1"/>
+          <p:nvPr/>
+        </p:nvSpPr>
+        <p:spPr>
+          <a:xfrm>
+            <a:off x="10939549" y="6467302"/>
+            <a:ext cx="1252451" cy="369332"/>
+          </a:xfrm>
+          <a:prstGeom prst="rect">
+            <a:avLst/>
+          </a:prstGeom>
+          <a:noFill/>
+        </p:spPr>
+        <p:txBody>
+          <a:bodyPr wrap="square" rtlCol="0">
+            <a:spAutoFit/>
+          </a:bodyPr>
+          <a:lstStyle/>
+          <a:p>
+            <a:r>
+              <a:rPr lang="es-PE" dirty="0" smtClean="0"/>
+              <a:t>p. 269-270</a:t>
+            </a:r>
+            <a:endParaRPr lang="es-PE" dirty="0"/>
+          </a:p>
+        </p:txBody>
+      </p:sp>
       <p:pic>
         <p:nvPicPr>
-          <p:cNvPr id="4" name="Imagen 3"/>
+          <p:cNvPr id="3" name="Imagen 2"/>
           <p:cNvPicPr>
             <a:picLocks noChangeAspect="1"/>
           </p:cNvPicPr>
@@ -13477,54 +13007,48 @@
         </p:blipFill>
         <p:spPr>
           <a:xfrm>
-            <a:off x="650469" y="825210"/>
-            <a:ext cx="10765411" cy="3696913"/>
+            <a:off x="308523" y="363768"/>
+            <a:ext cx="11075586" cy="1731039"/>
           </a:xfrm>
           <a:prstGeom prst="rect">
             <a:avLst/>
           </a:prstGeom>
         </p:spPr>
       </p:pic>
-      <p:sp>
-        <p:nvSpPr>
-          <p:cNvPr id="5" name="CuadroTexto 4"/>
-          <p:cNvSpPr txBox="1"/>
-          <p:nvPr/>
-        </p:nvSpPr>
-        <p:spPr>
-          <a:xfrm>
-            <a:off x="11415880" y="6467302"/>
-            <a:ext cx="776120" cy="369332"/>
-          </a:xfrm>
-          <a:prstGeom prst="rect">
-            <a:avLst/>
-          </a:prstGeom>
-          <a:noFill/>
-        </p:spPr>
-        <p:txBody>
-          <a:bodyPr wrap="square" rtlCol="0">
-            <a:spAutoFit/>
-          </a:bodyPr>
-          <a:lstStyle/>
-          <a:p>
-            <a:r>
-              <a:rPr lang="es-PE" dirty="0" smtClean="0"/>
-              <a:t>p. 269</a:t>
-            </a:r>
-            <a:endParaRPr lang="es-PE" dirty="0"/>
-          </a:p>
-        </p:txBody>
-      </p:sp>
+      <p:pic>
+        <p:nvPicPr>
+          <p:cNvPr id="4" name="Imagen 3"/>
+          <p:cNvPicPr>
+            <a:picLocks noChangeAspect="1"/>
+          </p:cNvPicPr>
+          <p:nvPr/>
+        </p:nvPicPr>
+        <p:blipFill>
+          <a:blip r:embed="rId3"/>
+          <a:stretch>
+            <a:fillRect/>
+          </a:stretch>
+        </p:blipFill>
+        <p:spPr>
+          <a:xfrm>
+            <a:off x="308523" y="2094806"/>
+            <a:ext cx="11172308" cy="2793077"/>
+          </a:xfrm>
+          <a:prstGeom prst="rect">
+            <a:avLst/>
+          </a:prstGeom>
+        </p:spPr>
+      </p:pic>
       <p:cxnSp>
         <p:nvCxnSpPr>
-          <p:cNvPr id="3" name="Conector recto 2"/>
+          <p:cNvPr id="6" name="Conector recto 5"/>
           <p:cNvCxnSpPr/>
           <p:nvPr/>
         </p:nvCxnSpPr>
         <p:spPr>
           <a:xfrm>
-            <a:off x="10842171" y="1371600"/>
-            <a:ext cx="573709" cy="0"/>
+            <a:off x="627017" y="692331"/>
+            <a:ext cx="10757092" cy="13063"/>
           </a:xfrm>
           <a:prstGeom prst="line">
             <a:avLst/>
@@ -13550,20 +13074,21 @@
           </a:fontRef>
         </p:style>
       </p:cxnSp>
-      <p:cxnSp>
-        <p:nvCxnSpPr>
-          <p:cNvPr id="7" name="Conector recto 6"/>
-          <p:cNvCxnSpPr/>
-          <p:nvPr/>
-        </p:nvCxnSpPr>
-        <p:spPr>
-          <a:xfrm>
-            <a:off x="836023" y="1750423"/>
-            <a:ext cx="10579857" cy="0"/>
-          </a:xfrm>
-          <a:prstGeom prst="line">
-            <a:avLst/>
-          </a:prstGeom>
+      <p:sp>
+        <p:nvSpPr>
+          <p:cNvPr id="7" name="Rectángulo 6"/>
+          <p:cNvSpPr/>
+          <p:nvPr/>
+        </p:nvSpPr>
+        <p:spPr>
+          <a:xfrm>
+            <a:off x="2181497" y="757646"/>
+            <a:ext cx="1672046" cy="431074"/>
+          </a:xfrm>
+          <a:prstGeom prst="rect">
+            <a:avLst/>
+          </a:prstGeom>
+          <a:noFill/>
           <a:ln w="38100">
             <a:solidFill>
               <a:srgbClr val="FF0000"/>
@@ -13571,20 +13096,30 @@
           </a:ln>
         </p:spPr>
         <p:style>
-          <a:lnRef idx="1">
-            <a:schemeClr val="accent1"/>
-          </a:lnRef>
-          <a:fillRef idx="0">
-            <a:schemeClr val="accent1"/>
-          </a:fillRef>
-          <a:effectRef idx="0">
-            <a:schemeClr val="accent1"/>
-          </a:effectRef>
-          <a:fontRef idx="minor">
-            <a:schemeClr val="tx1"/>
-          </a:fontRef>
-        </p:style>
-      </p:cxnSp>
+          <a:lnRef idx="2">
+            <a:schemeClr val="accent1">
+              <a:shade val="50000"/>
+            </a:schemeClr>
+          </a:lnRef>
+          <a:fillRef idx="1">
+            <a:schemeClr val="accent1"/>
+          </a:fillRef>
+          <a:effectRef idx="0">
+            <a:schemeClr val="accent1"/>
+          </a:effectRef>
+          <a:fontRef idx="minor">
+            <a:schemeClr val="lt1"/>
+          </a:fontRef>
+        </p:style>
+        <p:txBody>
+          <a:bodyPr rtlCol="0" anchor="ctr"/>
+          <a:lstStyle/>
+          <a:p>
+            <a:pPr algn="ctr"/>
+            <a:endParaRPr lang="es-PE"/>
+          </a:p>
+        </p:txBody>
+      </p:sp>
       <p:cxnSp>
         <p:nvCxnSpPr>
           <p:cNvPr id="9" name="Conector recto 8"/>
@@ -13593,8 +13128,8 @@
         </p:nvCxnSpPr>
         <p:spPr>
           <a:xfrm>
-            <a:off x="770709" y="2194560"/>
-            <a:ext cx="2455817" cy="0"/>
+            <a:off x="4532811" y="1580606"/>
+            <a:ext cx="6948020" cy="26125"/>
           </a:xfrm>
           <a:prstGeom prst="line">
             <a:avLst/>
@@ -13628,8 +13163,8 @@
         </p:nvCxnSpPr>
         <p:spPr>
           <a:xfrm>
-            <a:off x="7942217" y="2142309"/>
-            <a:ext cx="1397726" cy="0"/>
+            <a:off x="483326" y="1996241"/>
+            <a:ext cx="5362990" cy="1"/>
           </a:xfrm>
           <a:prstGeom prst="line">
             <a:avLst/>
@@ -13663,8 +13198,8 @@
         </p:nvCxnSpPr>
         <p:spPr>
           <a:xfrm>
-            <a:off x="3579223" y="2886891"/>
-            <a:ext cx="2416628" cy="0"/>
+            <a:off x="3164821" y="3213463"/>
+            <a:ext cx="8056173" cy="0"/>
           </a:xfrm>
           <a:prstGeom prst="line">
             <a:avLst/>
@@ -13697,9 +13232,9 @@
           <p:nvPr/>
         </p:nvCxnSpPr>
         <p:spPr>
-          <a:xfrm>
-            <a:off x="3344091" y="4522123"/>
-            <a:ext cx="1580606" cy="0"/>
+          <a:xfrm flipH="1">
+            <a:off x="483326" y="3628715"/>
+            <a:ext cx="2991394" cy="0"/>
           </a:xfrm>
           <a:prstGeom prst="line">
             <a:avLst/>
@@ -13727,14 +13262,14 @@
       </p:cxnSp>
       <p:sp>
         <p:nvSpPr>
-          <p:cNvPr id="16" name="CuadroTexto 15"/>
+          <p:cNvPr id="18" name="CuadroTexto 17"/>
           <p:cNvSpPr txBox="1"/>
           <p:nvPr/>
         </p:nvSpPr>
         <p:spPr>
           <a:xfrm>
-            <a:off x="3814355" y="6097970"/>
-            <a:ext cx="5029200" cy="369332"/>
+            <a:off x="744583" y="5577840"/>
+            <a:ext cx="11116491" cy="369332"/>
           </a:xfrm>
           <a:prstGeom prst="rect">
             <a:avLst/>
@@ -13749,7 +13284,7 @@
           <a:p>
             <a:r>
               <a:rPr lang="es-PE" dirty="0" smtClean="0"/>
-              <a:t>Idealismo vs materialismo: falsa dicotomía</a:t>
+              <a:t>Cohen: Materialismo como primacía de lo material sin negar lo ideal, jurídico, horizonte del imaginario o consenso</a:t>
             </a:r>
             <a:endParaRPr lang="es-PE" dirty="0"/>
           </a:p>
@@ -13758,7 +13293,7 @@
     </p:spTree>
     <p:extLst>
       <p:ext uri="{BB962C8B-B14F-4D97-AF65-F5344CB8AC3E}">
-        <p14:creationId xmlns:p14="http://schemas.microsoft.com/office/powerpoint/2010/main" val="2622022177"/>
+        <p14:creationId xmlns:p14="http://schemas.microsoft.com/office/powerpoint/2010/main" val="3236113242"/>
       </p:ext>
     </p:extLst>
   </p:cSld>
@@ -13793,8 +13328,8 @@
         </p:nvSpPr>
         <p:spPr>
           <a:xfrm>
-            <a:off x="11415880" y="6467302"/>
-            <a:ext cx="776120" cy="369332"/>
+            <a:off x="10939549" y="6467302"/>
+            <a:ext cx="1252451" cy="369332"/>
           </a:xfrm>
           <a:prstGeom prst="rect">
             <a:avLst/>
@@ -13809,7 +13344,7 @@
           <a:p>
             <a:r>
               <a:rPr lang="es-PE" dirty="0" smtClean="0"/>
-              <a:t>p. 269</a:t>
+              <a:t>p. 270</a:t>
             </a:r>
             <a:endParaRPr lang="es-PE" dirty="0"/>
           </a:p>
@@ -13831,8 +13366,8 @@
         </p:blipFill>
         <p:spPr>
           <a:xfrm>
-            <a:off x="275099" y="838979"/>
-            <a:ext cx="11385352" cy="4464541"/>
+            <a:off x="296400" y="610985"/>
+            <a:ext cx="11548498" cy="4476403"/>
           </a:xfrm>
           <a:prstGeom prst="rect">
             <a:avLst/>
@@ -13846,9 +13381,9 @@
           <p:nvPr/>
         </p:nvCxnSpPr>
         <p:spPr>
-          <a:xfrm>
-            <a:off x="535577" y="1554480"/>
-            <a:ext cx="10880303" cy="0"/>
+          <a:xfrm flipV="1">
+            <a:off x="561703" y="1345474"/>
+            <a:ext cx="4781006" cy="13063"/>
           </a:xfrm>
           <a:prstGeom prst="line">
             <a:avLst/>
@@ -13881,9 +13416,9 @@
           <p:nvPr/>
         </p:nvCxnSpPr>
         <p:spPr>
-          <a:xfrm>
-            <a:off x="8647611" y="1175657"/>
-            <a:ext cx="1920240" cy="0"/>
+          <a:xfrm flipV="1">
+            <a:off x="6635931" y="1345474"/>
+            <a:ext cx="4872446" cy="26126"/>
           </a:xfrm>
           <a:prstGeom prst="line">
             <a:avLst/>
@@ -13917,8 +13452,8 @@
         </p:nvCxnSpPr>
         <p:spPr>
           <a:xfrm>
-            <a:off x="8242663" y="3213463"/>
-            <a:ext cx="2821577" cy="0"/>
+            <a:off x="5055326" y="2573383"/>
+            <a:ext cx="3213463" cy="13063"/>
           </a:xfrm>
           <a:prstGeom prst="line">
             <a:avLst/>
@@ -13951,9 +13486,9 @@
           <p:nvPr/>
         </p:nvCxnSpPr>
         <p:spPr>
-          <a:xfrm>
-            <a:off x="7067006" y="4415246"/>
-            <a:ext cx="4454434" cy="0"/>
+          <a:xfrm flipH="1">
+            <a:off x="4663440" y="4598126"/>
+            <a:ext cx="4493624" cy="26125"/>
           </a:xfrm>
           <a:prstGeom prst="line">
             <a:avLst/>
@@ -13979,86 +13514,16 @@
           </a:fontRef>
         </p:style>
       </p:cxnSp>
-      <p:cxnSp>
-        <p:nvCxnSpPr>
-          <p:cNvPr id="13" name="Conector recto 12"/>
-          <p:cNvCxnSpPr/>
-          <p:nvPr/>
-        </p:nvCxnSpPr>
-        <p:spPr>
-          <a:xfrm flipH="1" flipV="1">
-            <a:off x="535577" y="4859383"/>
-            <a:ext cx="10880304" cy="39188"/>
-          </a:xfrm>
-          <a:prstGeom prst="line">
-            <a:avLst/>
-          </a:prstGeom>
-          <a:ln w="38100">
-            <a:solidFill>
-              <a:srgbClr val="FF0000"/>
-            </a:solidFill>
-          </a:ln>
-        </p:spPr>
-        <p:style>
-          <a:lnRef idx="1">
-            <a:schemeClr val="accent1"/>
-          </a:lnRef>
-          <a:fillRef idx="0">
-            <a:schemeClr val="accent1"/>
-          </a:fillRef>
-          <a:effectRef idx="0">
-            <a:schemeClr val="accent1"/>
-          </a:effectRef>
-          <a:fontRef idx="minor">
-            <a:schemeClr val="tx1"/>
-          </a:fontRef>
-        </p:style>
-      </p:cxnSp>
-      <p:cxnSp>
-        <p:nvCxnSpPr>
-          <p:cNvPr id="17" name="Conector recto 16"/>
-          <p:cNvCxnSpPr/>
-          <p:nvPr/>
-        </p:nvCxnSpPr>
-        <p:spPr>
-          <a:xfrm>
-            <a:off x="535577" y="5303520"/>
-            <a:ext cx="6897189" cy="0"/>
-          </a:xfrm>
-          <a:prstGeom prst="line">
-            <a:avLst/>
-          </a:prstGeom>
-          <a:ln w="38100">
-            <a:solidFill>
-              <a:srgbClr val="FF0000"/>
-            </a:solidFill>
-          </a:ln>
-        </p:spPr>
-        <p:style>
-          <a:lnRef idx="1">
-            <a:schemeClr val="accent1"/>
-          </a:lnRef>
-          <a:fillRef idx="0">
-            <a:schemeClr val="accent1"/>
-          </a:fillRef>
-          <a:effectRef idx="0">
-            <a:schemeClr val="accent1"/>
-          </a:effectRef>
-          <a:fontRef idx="minor">
-            <a:schemeClr val="tx1"/>
-          </a:fontRef>
-        </p:style>
-      </p:cxnSp>
-      <p:sp>
-        <p:nvSpPr>
-          <p:cNvPr id="18" name="CuadroTexto 17"/>
+      <p:sp>
+        <p:nvSpPr>
+          <p:cNvPr id="14" name="CuadroTexto 13"/>
           <p:cNvSpPr txBox="1"/>
           <p:nvPr/>
         </p:nvSpPr>
         <p:spPr>
           <a:xfrm>
-            <a:off x="3814355" y="6097970"/>
-            <a:ext cx="6570616" cy="369332"/>
+            <a:off x="754532" y="5723896"/>
+            <a:ext cx="11090366" cy="369332"/>
           </a:xfrm>
           <a:prstGeom prst="rect">
             <a:avLst/>
@@ -14073,7 +13538,7 @@
           <a:p>
             <a:r>
               <a:rPr lang="es-PE" dirty="0" smtClean="0"/>
-              <a:t>Idealismo vs materialismo: simultáneos, inseparables, simbióticos</a:t>
+              <a:t>Cohen: Materialismo: modos de producción como factor explicativo, imaginario de ideas como una teleología.</a:t>
             </a:r>
             <a:endParaRPr lang="es-PE" dirty="0"/>
           </a:p>
@@ -14082,7 +13547,7 @@
     </p:spTree>
     <p:extLst>
       <p:ext uri="{BB962C8B-B14F-4D97-AF65-F5344CB8AC3E}">
-        <p14:creationId xmlns:p14="http://schemas.microsoft.com/office/powerpoint/2010/main" val="2080611182"/>
+        <p14:creationId xmlns:p14="http://schemas.microsoft.com/office/powerpoint/2010/main" val="3880239648"/>
       </p:ext>
     </p:extLst>
   </p:cSld>
@@ -14133,7 +13598,7 @@
           <a:p>
             <a:r>
               <a:rPr lang="es-PE" dirty="0" smtClean="0"/>
-              <a:t>p. 269-270</a:t>
+              <a:t>p. 270</a:t>
             </a:r>
             <a:endParaRPr lang="es-PE" dirty="0"/>
           </a:p>
@@ -14155,32 +13620,8 @@
         </p:blipFill>
         <p:spPr>
           <a:xfrm>
-            <a:off x="308523" y="363768"/>
-            <a:ext cx="11075586" cy="1731039"/>
-          </a:xfrm>
-          <a:prstGeom prst="rect">
-            <a:avLst/>
-          </a:prstGeom>
-        </p:spPr>
-      </p:pic>
-      <p:pic>
-        <p:nvPicPr>
-          <p:cNvPr id="4" name="Imagen 3"/>
-          <p:cNvPicPr>
-            <a:picLocks noChangeAspect="1"/>
-          </p:cNvPicPr>
-          <p:nvPr/>
-        </p:nvPicPr>
-        <p:blipFill>
-          <a:blip r:embed="rId3"/>
-          <a:stretch>
-            <a:fillRect/>
-          </a:stretch>
-        </p:blipFill>
-        <p:spPr>
-          <a:xfrm>
-            <a:off x="308523" y="2094806"/>
-            <a:ext cx="11172308" cy="2793077"/>
+            <a:off x="449038" y="797676"/>
+            <a:ext cx="10490511" cy="5071110"/>
           </a:xfrm>
           <a:prstGeom prst="rect">
             <a:avLst/>
@@ -14195,89 +13636,8 @@
         </p:nvCxnSpPr>
         <p:spPr>
           <a:xfrm>
-            <a:off x="627017" y="692331"/>
-            <a:ext cx="10757092" cy="13063"/>
-          </a:xfrm>
-          <a:prstGeom prst="line">
-            <a:avLst/>
-          </a:prstGeom>
-          <a:ln w="38100">
-            <a:solidFill>
-              <a:srgbClr val="FF0000"/>
-            </a:solidFill>
-          </a:ln>
-        </p:spPr>
-        <p:style>
-          <a:lnRef idx="1">
-            <a:schemeClr val="accent1"/>
-          </a:lnRef>
-          <a:fillRef idx="0">
-            <a:schemeClr val="accent1"/>
-          </a:fillRef>
-          <a:effectRef idx="0">
-            <a:schemeClr val="accent1"/>
-          </a:effectRef>
-          <a:fontRef idx="minor">
-            <a:schemeClr val="tx1"/>
-          </a:fontRef>
-        </p:style>
-      </p:cxnSp>
-      <p:sp>
-        <p:nvSpPr>
-          <p:cNvPr id="7" name="Rectángulo 6"/>
-          <p:cNvSpPr/>
-          <p:nvPr/>
-        </p:nvSpPr>
-        <p:spPr>
-          <a:xfrm>
-            <a:off x="2181497" y="757646"/>
-            <a:ext cx="1672046" cy="431074"/>
-          </a:xfrm>
-          <a:prstGeom prst="rect">
-            <a:avLst/>
-          </a:prstGeom>
-          <a:noFill/>
-          <a:ln w="38100">
-            <a:solidFill>
-              <a:srgbClr val="FF0000"/>
-            </a:solidFill>
-          </a:ln>
-        </p:spPr>
-        <p:style>
-          <a:lnRef idx="2">
-            <a:schemeClr val="accent1">
-              <a:shade val="50000"/>
-            </a:schemeClr>
-          </a:lnRef>
-          <a:fillRef idx="1">
-            <a:schemeClr val="accent1"/>
-          </a:fillRef>
-          <a:effectRef idx="0">
-            <a:schemeClr val="accent1"/>
-          </a:effectRef>
-          <a:fontRef idx="minor">
-            <a:schemeClr val="lt1"/>
-          </a:fontRef>
-        </p:style>
-        <p:txBody>
-          <a:bodyPr rtlCol="0" anchor="ctr"/>
-          <a:lstStyle/>
-          <a:p>
-            <a:pPr algn="ctr"/>
-            <a:endParaRPr lang="es-PE"/>
-          </a:p>
-        </p:txBody>
-      </p:sp>
-      <p:cxnSp>
-        <p:nvCxnSpPr>
-          <p:cNvPr id="9" name="Conector recto 8"/>
-          <p:cNvCxnSpPr/>
-          <p:nvPr/>
-        </p:nvCxnSpPr>
-        <p:spPr>
-          <a:xfrm>
-            <a:off x="4532811" y="1580606"/>
-            <a:ext cx="6948020" cy="26125"/>
+            <a:off x="7707086" y="1058091"/>
+            <a:ext cx="2991394" cy="0"/>
           </a:xfrm>
           <a:prstGeom prst="line">
             <a:avLst/>
@@ -14305,14 +13665,14 @@
       </p:cxnSp>
       <p:cxnSp>
         <p:nvCxnSpPr>
-          <p:cNvPr id="11" name="Conector recto 10"/>
+          <p:cNvPr id="8" name="Conector recto 7"/>
           <p:cNvCxnSpPr/>
           <p:nvPr/>
         </p:nvCxnSpPr>
         <p:spPr>
           <a:xfrm>
-            <a:off x="483326" y="1996241"/>
-            <a:ext cx="5362990" cy="1"/>
+            <a:off x="849086" y="1397726"/>
+            <a:ext cx="5421085" cy="0"/>
           </a:xfrm>
           <a:prstGeom prst="line">
             <a:avLst/>
@@ -14340,22 +13700,23 @@
       </p:cxnSp>
       <p:cxnSp>
         <p:nvCxnSpPr>
-          <p:cNvPr id="13" name="Conector recto 12"/>
+          <p:cNvPr id="10" name="Conector recto de flecha 9"/>
           <p:cNvCxnSpPr/>
           <p:nvPr/>
         </p:nvCxnSpPr>
         <p:spPr>
           <a:xfrm>
-            <a:off x="3164821" y="3213463"/>
-            <a:ext cx="8056173" cy="0"/>
-          </a:xfrm>
-          <a:prstGeom prst="line">
+            <a:off x="1685109" y="1058091"/>
+            <a:ext cx="3148148" cy="0"/>
+          </a:xfrm>
+          <a:prstGeom prst="straightConnector1">
             <a:avLst/>
           </a:prstGeom>
           <a:ln w="38100">
             <a:solidFill>
               <a:srgbClr val="FF0000"/>
             </a:solidFill>
+            <a:tailEnd type="triangle"/>
           </a:ln>
         </p:spPr>
         <p:style>
@@ -14375,14 +13736,14 @@
       </p:cxnSp>
       <p:cxnSp>
         <p:nvCxnSpPr>
-          <p:cNvPr id="15" name="Conector recto 14"/>
+          <p:cNvPr id="12" name="Conector recto 11"/>
           <p:cNvCxnSpPr/>
           <p:nvPr/>
         </p:nvCxnSpPr>
         <p:spPr>
-          <a:xfrm flipH="1">
-            <a:off x="483326" y="3628715"/>
-            <a:ext cx="2991394" cy="0"/>
+          <a:xfrm>
+            <a:off x="9757954" y="3304903"/>
+            <a:ext cx="940526" cy="0"/>
           </a:xfrm>
           <a:prstGeom prst="line">
             <a:avLst/>
@@ -14408,16 +13769,156 @@
           </a:fontRef>
         </p:style>
       </p:cxnSp>
-      <p:sp>
-        <p:nvSpPr>
-          <p:cNvPr id="18" name="CuadroTexto 17"/>
+      <p:cxnSp>
+        <p:nvCxnSpPr>
+          <p:cNvPr id="14" name="Conector recto 13"/>
+          <p:cNvCxnSpPr/>
+          <p:nvPr/>
+        </p:nvCxnSpPr>
+        <p:spPr>
+          <a:xfrm>
+            <a:off x="849086" y="3631474"/>
+            <a:ext cx="9849394" cy="0"/>
+          </a:xfrm>
+          <a:prstGeom prst="line">
+            <a:avLst/>
+          </a:prstGeom>
+          <a:ln w="38100">
+            <a:solidFill>
+              <a:srgbClr val="FF0000"/>
+            </a:solidFill>
+          </a:ln>
+        </p:spPr>
+        <p:style>
+          <a:lnRef idx="1">
+            <a:schemeClr val="accent1"/>
+          </a:lnRef>
+          <a:fillRef idx="0">
+            <a:schemeClr val="accent1"/>
+          </a:fillRef>
+          <a:effectRef idx="0">
+            <a:schemeClr val="accent1"/>
+          </a:effectRef>
+          <a:fontRef idx="minor">
+            <a:schemeClr val="tx1"/>
+          </a:fontRef>
+        </p:style>
+      </p:cxnSp>
+      <p:cxnSp>
+        <p:nvCxnSpPr>
+          <p:cNvPr id="16" name="Conector recto 15"/>
+          <p:cNvCxnSpPr/>
+          <p:nvPr/>
+        </p:nvCxnSpPr>
+        <p:spPr>
+          <a:xfrm>
+            <a:off x="849086" y="3997234"/>
+            <a:ext cx="4558937" cy="0"/>
+          </a:xfrm>
+          <a:prstGeom prst="line">
+            <a:avLst/>
+          </a:prstGeom>
+          <a:ln w="38100">
+            <a:solidFill>
+              <a:srgbClr val="FF0000"/>
+            </a:solidFill>
+          </a:ln>
+        </p:spPr>
+        <p:style>
+          <a:lnRef idx="1">
+            <a:schemeClr val="accent1"/>
+          </a:lnRef>
+          <a:fillRef idx="0">
+            <a:schemeClr val="accent1"/>
+          </a:fillRef>
+          <a:effectRef idx="0">
+            <a:schemeClr val="accent1"/>
+          </a:effectRef>
+          <a:fontRef idx="minor">
+            <a:schemeClr val="tx1"/>
+          </a:fontRef>
+        </p:style>
+      </p:cxnSp>
+      <p:cxnSp>
+        <p:nvCxnSpPr>
+          <p:cNvPr id="18" name="Conector recto 17"/>
+          <p:cNvCxnSpPr/>
+          <p:nvPr/>
+        </p:nvCxnSpPr>
+        <p:spPr>
+          <a:xfrm>
+            <a:off x="5786846" y="3997234"/>
+            <a:ext cx="5152703" cy="0"/>
+          </a:xfrm>
+          <a:prstGeom prst="line">
+            <a:avLst/>
+          </a:prstGeom>
+          <a:ln w="38100">
+            <a:solidFill>
+              <a:srgbClr val="FF0000"/>
+            </a:solidFill>
+          </a:ln>
+        </p:spPr>
+        <p:style>
+          <a:lnRef idx="1">
+            <a:schemeClr val="accent1"/>
+          </a:lnRef>
+          <a:fillRef idx="0">
+            <a:schemeClr val="accent1"/>
+          </a:fillRef>
+          <a:effectRef idx="0">
+            <a:schemeClr val="accent1"/>
+          </a:effectRef>
+          <a:fontRef idx="minor">
+            <a:schemeClr val="tx1"/>
+          </a:fontRef>
+        </p:style>
+      </p:cxnSp>
+      <p:cxnSp>
+        <p:nvCxnSpPr>
+          <p:cNvPr id="20" name="Conector recto 19"/>
+          <p:cNvCxnSpPr/>
+          <p:nvPr/>
+        </p:nvCxnSpPr>
+        <p:spPr>
+          <a:xfrm>
+            <a:off x="849086" y="4402183"/>
+            <a:ext cx="3239588" cy="0"/>
+          </a:xfrm>
+          <a:prstGeom prst="line">
+            <a:avLst/>
+          </a:prstGeom>
+          <a:ln w="38100">
+            <a:solidFill>
+              <a:srgbClr val="FF0000"/>
+            </a:solidFill>
+          </a:ln>
+        </p:spPr>
+        <p:style>
+          <a:lnRef idx="1">
+            <a:schemeClr val="accent1"/>
+          </a:lnRef>
+          <a:fillRef idx="0">
+            <a:schemeClr val="accent1"/>
+          </a:fillRef>
+          <a:effectRef idx="0">
+            <a:schemeClr val="accent1"/>
+          </a:effectRef>
+          <a:fontRef idx="minor">
+            <a:schemeClr val="tx1"/>
+          </a:fontRef>
+        </p:style>
+      </p:cxnSp>
+      <p:sp>
+        <p:nvSpPr>
+          <p:cNvPr id="21" name="CuadroTexto 20"/>
           <p:cNvSpPr txBox="1"/>
           <p:nvPr/>
         </p:nvSpPr>
         <p:spPr>
           <a:xfrm>
-            <a:off x="744583" y="5577840"/>
-            <a:ext cx="11116491" cy="369332"/>
+            <a:off x="2704011" y="6182640"/>
+            <a:ext cx="7132320" cy="369332"/>
           </a:xfrm>
           <a:prstGeom prst="rect">
             <a:avLst/>
@@ -14432,7 +13933,7 @@
           <a:p>
             <a:r>
               <a:rPr lang="es-PE" dirty="0" smtClean="0"/>
-              <a:t>Cohen: Materialismo como primacía de lo material sin negar lo ideal, jurídico, horizonte del imaginario o consenso</a:t>
+              <a:t>Vs Cohen: materialismo inverosímil. Taylor: no hay explicaciones absolutas.</a:t>
             </a:r>
             <a:endParaRPr lang="es-PE" dirty="0"/>
           </a:p>
@@ -14441,7 +13942,7 @@
     </p:spTree>
     <p:extLst>
       <p:ext uri="{BB962C8B-B14F-4D97-AF65-F5344CB8AC3E}">
-        <p14:creationId xmlns:p14="http://schemas.microsoft.com/office/powerpoint/2010/main" val="3236113242"/>
+        <p14:creationId xmlns:p14="http://schemas.microsoft.com/office/powerpoint/2010/main" val="2779693551"/>
       </p:ext>
     </p:extLst>
   </p:cSld>
@@ -14500,7 +14001,7 @@
       </p:sp>
       <p:pic>
         <p:nvPicPr>
-          <p:cNvPr id="2" name="Imagen 1"/>
+          <p:cNvPr id="3" name="Imagen 2"/>
           <p:cNvPicPr>
             <a:picLocks noChangeAspect="1"/>
           </p:cNvPicPr>
@@ -14514,8 +14015,32 @@
         </p:blipFill>
         <p:spPr>
           <a:xfrm>
-            <a:off x="296400" y="610985"/>
-            <a:ext cx="11548498" cy="4476403"/>
+            <a:off x="810762" y="562802"/>
+            <a:ext cx="10877173" cy="2011532"/>
+          </a:xfrm>
+          <a:prstGeom prst="rect">
+            <a:avLst/>
+          </a:prstGeom>
+        </p:spPr>
+      </p:pic>
+      <p:pic>
+        <p:nvPicPr>
+          <p:cNvPr id="4" name="Imagen 3"/>
+          <p:cNvPicPr>
+            <a:picLocks noChangeAspect="1"/>
+          </p:cNvPicPr>
+          <p:nvPr/>
+        </p:nvPicPr>
+        <p:blipFill>
+          <a:blip r:embed="rId3"/>
+          <a:stretch>
+            <a:fillRect/>
+          </a:stretch>
+        </p:blipFill>
+        <p:spPr>
+          <a:xfrm>
+            <a:off x="908981" y="2574334"/>
+            <a:ext cx="10921876" cy="2428739"/>
           </a:xfrm>
           <a:prstGeom prst="rect">
             <a:avLst/>
@@ -14524,14 +14049,14 @@
       </p:pic>
       <p:cxnSp>
         <p:nvCxnSpPr>
-          <p:cNvPr id="4" name="Conector recto 3"/>
+          <p:cNvPr id="6" name="Conector recto 5"/>
           <p:cNvCxnSpPr/>
           <p:nvPr/>
         </p:nvCxnSpPr>
         <p:spPr>
-          <a:xfrm flipV="1">
-            <a:off x="561703" y="1345474"/>
-            <a:ext cx="4781006" cy="13063"/>
+          <a:xfrm flipH="1" flipV="1">
+            <a:off x="6688183" y="940526"/>
+            <a:ext cx="4877592" cy="26125"/>
           </a:xfrm>
           <a:prstGeom prst="line">
             <a:avLst/>
@@ -14559,14 +14084,14 @@
       </p:cxnSp>
       <p:cxnSp>
         <p:nvCxnSpPr>
-          <p:cNvPr id="7" name="Conector recto 6"/>
+          <p:cNvPr id="10" name="Conector recto 9"/>
           <p:cNvCxnSpPr/>
           <p:nvPr/>
         </p:nvCxnSpPr>
         <p:spPr>
-          <a:xfrm flipV="1">
-            <a:off x="6635931" y="1345474"/>
-            <a:ext cx="4872446" cy="26126"/>
+          <a:xfrm>
+            <a:off x="908981" y="1280160"/>
+            <a:ext cx="5460938" cy="26126"/>
           </a:xfrm>
           <a:prstGeom prst="line">
             <a:avLst/>
@@ -14594,14 +14119,14 @@
       </p:cxnSp>
       <p:cxnSp>
         <p:nvCxnSpPr>
-          <p:cNvPr id="9" name="Conector recto 8"/>
+          <p:cNvPr id="12" name="Conector recto 11"/>
           <p:cNvCxnSpPr/>
           <p:nvPr/>
         </p:nvCxnSpPr>
         <p:spPr>
           <a:xfrm>
-            <a:off x="5055326" y="2573383"/>
-            <a:ext cx="3213463" cy="13063"/>
+            <a:off x="10541726" y="2063931"/>
+            <a:ext cx="1024048" cy="0"/>
           </a:xfrm>
           <a:prstGeom prst="line">
             <a:avLst/>
@@ -14629,14 +14154,14 @@
       </p:cxnSp>
       <p:cxnSp>
         <p:nvCxnSpPr>
-          <p:cNvPr id="11" name="Conector recto 10"/>
+          <p:cNvPr id="14" name="Conector recto 13"/>
           <p:cNvCxnSpPr/>
           <p:nvPr/>
         </p:nvCxnSpPr>
         <p:spPr>
-          <a:xfrm flipH="1">
-            <a:off x="4663440" y="4598126"/>
-            <a:ext cx="4493624" cy="26125"/>
+          <a:xfrm flipV="1">
+            <a:off x="908981" y="2442754"/>
+            <a:ext cx="5460938" cy="13063"/>
           </a:xfrm>
           <a:prstGeom prst="line">
             <a:avLst/>
@@ -14664,14 +14189,14 @@
       </p:cxnSp>
       <p:sp>
         <p:nvSpPr>
-          <p:cNvPr id="14" name="CuadroTexto 13"/>
+          <p:cNvPr id="15" name="CuadroTexto 14"/>
           <p:cNvSpPr txBox="1"/>
           <p:nvPr/>
         </p:nvSpPr>
         <p:spPr>
           <a:xfrm>
-            <a:off x="754532" y="5723896"/>
-            <a:ext cx="11090366" cy="369332"/>
+            <a:off x="3277549" y="5624790"/>
+            <a:ext cx="6596742" cy="369332"/>
           </a:xfrm>
           <a:prstGeom prst="rect">
             <a:avLst/>
@@ -14686,16 +14211,15 @@
           <a:p>
             <a:r>
               <a:rPr lang="es-PE" dirty="0" smtClean="0"/>
-              <a:t>Cohen: Materialismo: modos de producción como factor explicativo, imaginario de ideas como una teleología.</a:t>
-            </a:r>
-            <a:endParaRPr lang="es-PE" dirty="0"/>
+              <a:t>Practicas sociales &gt; condiciones materiales &gt; condiciones ideales</a:t>
+            </a:r>
           </a:p>
         </p:txBody>
       </p:sp>
     </p:spTree>
     <p:extLst>
       <p:ext uri="{BB962C8B-B14F-4D97-AF65-F5344CB8AC3E}">
-        <p14:creationId xmlns:p14="http://schemas.microsoft.com/office/powerpoint/2010/main" val="3880239648"/>
+        <p14:creationId xmlns:p14="http://schemas.microsoft.com/office/powerpoint/2010/main" val="1250397596"/>
       </p:ext>
     </p:extLst>
   </p:cSld>
@@ -14746,7 +14270,7 @@
           <a:p>
             <a:r>
               <a:rPr lang="es-PE" dirty="0" smtClean="0"/>
-              <a:t>p. 270</a:t>
+              <a:t>p. 270-271</a:t>
             </a:r>
             <a:endParaRPr lang="es-PE" dirty="0"/>
           </a:p>
@@ -14754,7 +14278,7 @@
       </p:sp>
       <p:pic>
         <p:nvPicPr>
-          <p:cNvPr id="3" name="Imagen 2"/>
+          <p:cNvPr id="2" name="Imagen 1"/>
           <p:cNvPicPr>
             <a:picLocks noChangeAspect="1"/>
           </p:cNvPicPr>
@@ -14768,8 +14292,8 @@
         </p:blipFill>
         <p:spPr>
           <a:xfrm>
-            <a:off x="449038" y="797676"/>
-            <a:ext cx="10490511" cy="5071110"/>
+            <a:off x="530270" y="762544"/>
+            <a:ext cx="10409279" cy="4502812"/>
           </a:xfrm>
           <a:prstGeom prst="rect">
             <a:avLst/>
@@ -14778,14 +14302,14 @@
       </p:pic>
       <p:cxnSp>
         <p:nvCxnSpPr>
-          <p:cNvPr id="6" name="Conector recto 5"/>
+          <p:cNvPr id="4" name="Conector recto 3"/>
           <p:cNvCxnSpPr/>
           <p:nvPr/>
         </p:nvCxnSpPr>
         <p:spPr>
           <a:xfrm>
-            <a:off x="7707086" y="1058091"/>
-            <a:ext cx="2991394" cy="0"/>
+            <a:off x="1084217" y="3013950"/>
+            <a:ext cx="9692640" cy="0"/>
           </a:xfrm>
           <a:prstGeom prst="line">
             <a:avLst/>
@@ -14813,14 +14337,14 @@
       </p:cxnSp>
       <p:cxnSp>
         <p:nvCxnSpPr>
-          <p:cNvPr id="8" name="Conector recto 7"/>
+          <p:cNvPr id="7" name="Conector recto 6"/>
           <p:cNvCxnSpPr/>
           <p:nvPr/>
         </p:nvCxnSpPr>
         <p:spPr>
           <a:xfrm>
-            <a:off x="849086" y="1397726"/>
-            <a:ext cx="5421085" cy="0"/>
+            <a:off x="862149" y="3357154"/>
+            <a:ext cx="10077400" cy="0"/>
           </a:xfrm>
           <a:prstGeom prst="line">
             <a:avLst/>
@@ -14848,23 +14372,22 @@
       </p:cxnSp>
       <p:cxnSp>
         <p:nvCxnSpPr>
-          <p:cNvPr id="10" name="Conector recto de flecha 9"/>
+          <p:cNvPr id="9" name="Conector recto 8"/>
           <p:cNvCxnSpPr/>
           <p:nvPr/>
         </p:nvCxnSpPr>
         <p:spPr>
           <a:xfrm>
-            <a:off x="1685109" y="1058091"/>
-            <a:ext cx="3148148" cy="0"/>
-          </a:xfrm>
-          <a:prstGeom prst="straightConnector1">
+            <a:off x="822960" y="3749040"/>
+            <a:ext cx="9953897" cy="0"/>
+          </a:xfrm>
+          <a:prstGeom prst="line">
             <a:avLst/>
           </a:prstGeom>
           <a:ln w="38100">
             <a:solidFill>
               <a:srgbClr val="FF0000"/>
             </a:solidFill>
-            <a:tailEnd type="triangle"/>
           </a:ln>
         </p:spPr>
         <p:style>
@@ -14884,14 +14407,14 @@
       </p:cxnSp>
       <p:cxnSp>
         <p:nvCxnSpPr>
-          <p:cNvPr id="12" name="Conector recto 11"/>
+          <p:cNvPr id="11" name="Conector recto 10"/>
           <p:cNvCxnSpPr/>
           <p:nvPr/>
         </p:nvCxnSpPr>
         <p:spPr>
           <a:xfrm>
-            <a:off x="9757954" y="3304903"/>
-            <a:ext cx="940526" cy="0"/>
+            <a:off x="862149" y="4088674"/>
+            <a:ext cx="9914708" cy="0"/>
           </a:xfrm>
           <a:prstGeom prst="line">
             <a:avLst/>
@@ -14919,14 +14442,14 @@
       </p:cxnSp>
       <p:cxnSp>
         <p:nvCxnSpPr>
-          <p:cNvPr id="14" name="Conector recto 13"/>
+          <p:cNvPr id="13" name="Conector recto 12"/>
           <p:cNvCxnSpPr/>
           <p:nvPr/>
         </p:nvCxnSpPr>
         <p:spPr>
           <a:xfrm>
-            <a:off x="849086" y="3631474"/>
-            <a:ext cx="9849394" cy="0"/>
+            <a:off x="822960" y="4506686"/>
+            <a:ext cx="9953897" cy="0"/>
           </a:xfrm>
           <a:prstGeom prst="line">
             <a:avLst/>
@@ -14954,14 +14477,14 @@
       </p:cxnSp>
       <p:cxnSp>
         <p:nvCxnSpPr>
-          <p:cNvPr id="16" name="Conector recto 15"/>
+          <p:cNvPr id="15" name="Conector recto 14"/>
           <p:cNvCxnSpPr/>
           <p:nvPr/>
         </p:nvCxnSpPr>
         <p:spPr>
           <a:xfrm>
-            <a:off x="849086" y="3997234"/>
-            <a:ext cx="4558937" cy="0"/>
+            <a:off x="822960" y="4872446"/>
+            <a:ext cx="4976948" cy="0"/>
           </a:xfrm>
           <a:prstGeom prst="line">
             <a:avLst/>
@@ -14987,86 +14510,16 @@
           </a:fontRef>
         </p:style>
       </p:cxnSp>
-      <p:cxnSp>
-        <p:nvCxnSpPr>
-          <p:cNvPr id="18" name="Conector recto 17"/>
-          <p:cNvCxnSpPr/>
-          <p:nvPr/>
-        </p:nvCxnSpPr>
-        <p:spPr>
-          <a:xfrm>
-            <a:off x="5786846" y="3997234"/>
-            <a:ext cx="5152703" cy="0"/>
-          </a:xfrm>
-          <a:prstGeom prst="line">
-            <a:avLst/>
-          </a:prstGeom>
-          <a:ln w="38100">
-            <a:solidFill>
-              <a:srgbClr val="FF0000"/>
-            </a:solidFill>
-          </a:ln>
-        </p:spPr>
-        <p:style>
-          <a:lnRef idx="1">
-            <a:schemeClr val="accent1"/>
-          </a:lnRef>
-          <a:fillRef idx="0">
-            <a:schemeClr val="accent1"/>
-          </a:fillRef>
-          <a:effectRef idx="0">
-            <a:schemeClr val="accent1"/>
-          </a:effectRef>
-          <a:fontRef idx="minor">
-            <a:schemeClr val="tx1"/>
-          </a:fontRef>
-        </p:style>
-      </p:cxnSp>
-      <p:cxnSp>
-        <p:nvCxnSpPr>
-          <p:cNvPr id="20" name="Conector recto 19"/>
-          <p:cNvCxnSpPr/>
-          <p:nvPr/>
-        </p:nvCxnSpPr>
-        <p:spPr>
-          <a:xfrm>
-            <a:off x="849086" y="4402183"/>
-            <a:ext cx="3239588" cy="0"/>
-          </a:xfrm>
-          <a:prstGeom prst="line">
-            <a:avLst/>
-          </a:prstGeom>
-          <a:ln w="38100">
-            <a:solidFill>
-              <a:srgbClr val="FF0000"/>
-            </a:solidFill>
-          </a:ln>
-        </p:spPr>
-        <p:style>
-          <a:lnRef idx="1">
-            <a:schemeClr val="accent1"/>
-          </a:lnRef>
-          <a:fillRef idx="0">
-            <a:schemeClr val="accent1"/>
-          </a:fillRef>
-          <a:effectRef idx="0">
-            <a:schemeClr val="accent1"/>
-          </a:effectRef>
-          <a:fontRef idx="minor">
-            <a:schemeClr val="tx1"/>
-          </a:fontRef>
-        </p:style>
-      </p:cxnSp>
-      <p:sp>
-        <p:nvSpPr>
-          <p:cNvPr id="21" name="CuadroTexto 20"/>
+      <p:sp>
+        <p:nvSpPr>
+          <p:cNvPr id="16" name="CuadroTexto 15"/>
           <p:cNvSpPr txBox="1"/>
           <p:nvPr/>
         </p:nvSpPr>
         <p:spPr>
           <a:xfrm>
-            <a:off x="2704011" y="6182640"/>
-            <a:ext cx="7132320" cy="369332"/>
+            <a:off x="2950977" y="5624790"/>
+            <a:ext cx="6596742" cy="369332"/>
           </a:xfrm>
           <a:prstGeom prst="rect">
             <a:avLst/>
@@ -15081,16 +14534,27 @@
           <a:p>
             <a:r>
               <a:rPr lang="es-PE" dirty="0" smtClean="0"/>
-              <a:t>Vs Cohen: materialismo inverosímil. Taylor: no hay explicaciones absolutas.</a:t>
-            </a:r>
-            <a:endParaRPr lang="es-PE" dirty="0"/>
+              <a:t>Practicas </a:t>
+            </a:r>
+            <a:r>
+              <a:rPr lang="es-PE" dirty="0"/>
+              <a:t>sociales &gt; </a:t>
+            </a:r>
+            <a:r>
+              <a:rPr lang="es-PE" dirty="0" smtClean="0"/>
+              <a:t>condiciones ideales &gt; </a:t>
+            </a:r>
+            <a:r>
+              <a:rPr lang="es-PE" dirty="0"/>
+              <a:t>condiciones materiales</a:t>
+            </a:r>
           </a:p>
         </p:txBody>
       </p:sp>
     </p:spTree>
     <p:extLst>
       <p:ext uri="{BB962C8B-B14F-4D97-AF65-F5344CB8AC3E}">
-        <p14:creationId xmlns:p14="http://schemas.microsoft.com/office/powerpoint/2010/main" val="2779693551"/>
+        <p14:creationId xmlns:p14="http://schemas.microsoft.com/office/powerpoint/2010/main" val="3969832122"/>
       </p:ext>
     </p:extLst>
   </p:cSld>
@@ -15141,7 +14605,7 @@
           <a:p>
             <a:r>
               <a:rPr lang="es-PE" dirty="0" smtClean="0"/>
-              <a:t>p. 270</a:t>
+              <a:t>p. 271</a:t>
             </a:r>
             <a:endParaRPr lang="es-PE" dirty="0"/>
           </a:p>
@@ -15163,32 +14627,8 @@
         </p:blipFill>
         <p:spPr>
           <a:xfrm>
-            <a:off x="810762" y="562802"/>
-            <a:ext cx="10877173" cy="2011532"/>
-          </a:xfrm>
-          <a:prstGeom prst="rect">
-            <a:avLst/>
-          </a:prstGeom>
-        </p:spPr>
-      </p:pic>
-      <p:pic>
-        <p:nvPicPr>
-          <p:cNvPr id="4" name="Imagen 3"/>
-          <p:cNvPicPr>
-            <a:picLocks noChangeAspect="1"/>
-          </p:cNvPicPr>
-          <p:nvPr/>
-        </p:nvPicPr>
-        <p:blipFill>
-          <a:blip r:embed="rId3"/>
-          <a:stretch>
-            <a:fillRect/>
-          </a:stretch>
-        </p:blipFill>
-        <p:spPr>
-          <a:xfrm>
-            <a:off x="908981" y="2574334"/>
-            <a:ext cx="10921876" cy="2428739"/>
+            <a:off x="870016" y="659799"/>
+            <a:ext cx="9899716" cy="5003370"/>
           </a:xfrm>
           <a:prstGeom prst="rect">
             <a:avLst/>
@@ -15197,14 +14637,14 @@
       </p:pic>
       <p:cxnSp>
         <p:nvCxnSpPr>
-          <p:cNvPr id="6" name="Conector recto 5"/>
+          <p:cNvPr id="4" name="Conector recto 3"/>
           <p:cNvCxnSpPr/>
           <p:nvPr/>
         </p:nvCxnSpPr>
         <p:spPr>
-          <a:xfrm flipH="1" flipV="1">
-            <a:off x="6688183" y="940526"/>
-            <a:ext cx="4877592" cy="26125"/>
+          <a:xfrm flipV="1">
+            <a:off x="1371600" y="979714"/>
+            <a:ext cx="9130937" cy="13063"/>
           </a:xfrm>
           <a:prstGeom prst="line">
             <a:avLst/>
@@ -15232,14 +14672,14 @@
       </p:cxnSp>
       <p:cxnSp>
         <p:nvCxnSpPr>
-          <p:cNvPr id="10" name="Conector recto 9"/>
+          <p:cNvPr id="7" name="Conector recto 6"/>
           <p:cNvCxnSpPr/>
           <p:nvPr/>
         </p:nvCxnSpPr>
         <p:spPr>
-          <a:xfrm>
-            <a:off x="908981" y="1280160"/>
-            <a:ext cx="5460938" cy="26126"/>
+          <a:xfrm flipV="1">
+            <a:off x="1162594" y="1306286"/>
+            <a:ext cx="8255726" cy="13063"/>
           </a:xfrm>
           <a:prstGeom prst="line">
             <a:avLst/>
@@ -15267,14 +14707,14 @@
       </p:cxnSp>
       <p:cxnSp>
         <p:nvCxnSpPr>
-          <p:cNvPr id="12" name="Conector recto 11"/>
+          <p:cNvPr id="9" name="Conector recto 8"/>
           <p:cNvCxnSpPr/>
           <p:nvPr/>
         </p:nvCxnSpPr>
         <p:spPr>
           <a:xfrm>
-            <a:off x="10541726" y="2063931"/>
-            <a:ext cx="1024048" cy="0"/>
+            <a:off x="2168434" y="5199017"/>
+            <a:ext cx="8334103" cy="39189"/>
           </a:xfrm>
           <a:prstGeom prst="line">
             <a:avLst/>
@@ -15302,14 +14742,14 @@
       </p:cxnSp>
       <p:cxnSp>
         <p:nvCxnSpPr>
-          <p:cNvPr id="14" name="Conector recto 13"/>
+          <p:cNvPr id="11" name="Conector recto 10"/>
           <p:cNvCxnSpPr/>
           <p:nvPr/>
         </p:nvCxnSpPr>
         <p:spPr>
-          <a:xfrm flipV="1">
-            <a:off x="908981" y="2442754"/>
-            <a:ext cx="5460938" cy="13063"/>
+          <a:xfrm>
+            <a:off x="1071154" y="5571729"/>
+            <a:ext cx="2403566" cy="0"/>
           </a:xfrm>
           <a:prstGeom prst="line">
             <a:avLst/>
@@ -15337,14 +14777,14 @@
       </p:cxnSp>
       <p:sp>
         <p:nvSpPr>
-          <p:cNvPr id="15" name="CuadroTexto 14"/>
+          <p:cNvPr id="12" name="CuadroTexto 11"/>
           <p:cNvSpPr txBox="1"/>
           <p:nvPr/>
         </p:nvSpPr>
         <p:spPr>
           <a:xfrm>
-            <a:off x="3277549" y="5624790"/>
-            <a:ext cx="6596742" cy="369332"/>
+            <a:off x="870016" y="5913304"/>
+            <a:ext cx="9737024" cy="646331"/>
           </a:xfrm>
           <a:prstGeom prst="rect">
             <a:avLst/>
@@ -15359,15 +14799,16 @@
           <a:p>
             <a:r>
               <a:rPr lang="es-PE" dirty="0" smtClean="0"/>
-              <a:t>Practicas sociales &gt; condiciones materiales &gt; condiciones ideales</a:t>
-            </a:r>
+              <a:t>Prácticas = condiciones materiales + ideales. No hay forma pura, antes de la experiencia, para tomar exclusivamente una, como norma total.</a:t>
+            </a:r>
+            <a:endParaRPr lang="es-PE" dirty="0"/>
           </a:p>
         </p:txBody>
       </p:sp>
     </p:spTree>
     <p:extLst>
       <p:ext uri="{BB962C8B-B14F-4D97-AF65-F5344CB8AC3E}">
-        <p14:creationId xmlns:p14="http://schemas.microsoft.com/office/powerpoint/2010/main" val="1250397596"/>
+        <p14:creationId xmlns:p14="http://schemas.microsoft.com/office/powerpoint/2010/main" val="2238402498"/>
       </p:ext>
     </p:extLst>
   </p:cSld>
@@ -15402,8 +14843,8 @@
         </p:nvSpPr>
         <p:spPr>
           <a:xfrm>
-            <a:off x="10939549" y="6467302"/>
-            <a:ext cx="1252451" cy="369332"/>
+            <a:off x="2327564" y="5536276"/>
+            <a:ext cx="1330036" cy="646331"/>
           </a:xfrm>
           <a:prstGeom prst="rect">
             <a:avLst/>
@@ -15418,7 +14859,21 @@
           <a:p>
             <a:r>
               <a:rPr lang="es-PE" dirty="0" smtClean="0"/>
-              <a:t>p. 270-271</a:t>
+              <a:t>“</a:t>
+            </a:r>
+            <a:r>
+              <a:rPr lang="es-PE" dirty="0" err="1" smtClean="0"/>
+              <a:t>chivalry</a:t>
+            </a:r>
+            <a:r>
+              <a:rPr lang="es-PE" dirty="0" smtClean="0"/>
+              <a:t>”</a:t>
+            </a:r>
+          </a:p>
+          <a:p>
+            <a:r>
+              <a:rPr lang="es-PE" dirty="0" smtClean="0"/>
+              <a:t>“hidalguía”</a:t>
             </a:r>
             <a:endParaRPr lang="es-PE" dirty="0"/>
           </a:p>
@@ -15426,7 +14881,7 @@
       </p:sp>
       <p:pic>
         <p:nvPicPr>
-          <p:cNvPr id="2" name="Imagen 1"/>
+          <p:cNvPr id="6" name="Imagen 5"/>
           <p:cNvPicPr>
             <a:picLocks noChangeAspect="1"/>
           </p:cNvPicPr>
@@ -15440,234 +14895,24 @@
         </p:blipFill>
         <p:spPr>
           <a:xfrm>
-            <a:off x="530270" y="762544"/>
-            <a:ext cx="10409279" cy="4502812"/>
+            <a:off x="7123227" y="319366"/>
+            <a:ext cx="4007514" cy="5056601"/>
           </a:xfrm>
           <a:prstGeom prst="rect">
             <a:avLst/>
           </a:prstGeom>
         </p:spPr>
       </p:pic>
-      <p:cxnSp>
-        <p:nvCxnSpPr>
-          <p:cNvPr id="4" name="Conector recto 3"/>
-          <p:cNvCxnSpPr/>
-          <p:nvPr/>
-        </p:nvCxnSpPr>
-        <p:spPr>
-          <a:xfrm>
-            <a:off x="1084217" y="3013950"/>
-            <a:ext cx="9692640" cy="0"/>
-          </a:xfrm>
-          <a:prstGeom prst="line">
-            <a:avLst/>
-          </a:prstGeom>
-          <a:ln w="38100">
-            <a:solidFill>
-              <a:srgbClr val="FF0000"/>
-            </a:solidFill>
-          </a:ln>
-        </p:spPr>
-        <p:style>
-          <a:lnRef idx="1">
-            <a:schemeClr val="accent1"/>
-          </a:lnRef>
-          <a:fillRef idx="0">
-            <a:schemeClr val="accent1"/>
-          </a:fillRef>
-          <a:effectRef idx="0">
-            <a:schemeClr val="accent1"/>
-          </a:effectRef>
-          <a:fontRef idx="minor">
-            <a:schemeClr val="tx1"/>
-          </a:fontRef>
-        </p:style>
-      </p:cxnSp>
-      <p:cxnSp>
-        <p:nvCxnSpPr>
-          <p:cNvPr id="7" name="Conector recto 6"/>
-          <p:cNvCxnSpPr/>
-          <p:nvPr/>
-        </p:nvCxnSpPr>
-        <p:spPr>
-          <a:xfrm>
-            <a:off x="862149" y="3357154"/>
-            <a:ext cx="10077400" cy="0"/>
-          </a:xfrm>
-          <a:prstGeom prst="line">
-            <a:avLst/>
-          </a:prstGeom>
-          <a:ln w="38100">
-            <a:solidFill>
-              <a:srgbClr val="FF0000"/>
-            </a:solidFill>
-          </a:ln>
-        </p:spPr>
-        <p:style>
-          <a:lnRef idx="1">
-            <a:schemeClr val="accent1"/>
-          </a:lnRef>
-          <a:fillRef idx="0">
-            <a:schemeClr val="accent1"/>
-          </a:fillRef>
-          <a:effectRef idx="0">
-            <a:schemeClr val="accent1"/>
-          </a:effectRef>
-          <a:fontRef idx="minor">
-            <a:schemeClr val="tx1"/>
-          </a:fontRef>
-        </p:style>
-      </p:cxnSp>
-      <p:cxnSp>
-        <p:nvCxnSpPr>
-          <p:cNvPr id="9" name="Conector recto 8"/>
-          <p:cNvCxnSpPr/>
-          <p:nvPr/>
-        </p:nvCxnSpPr>
-        <p:spPr>
-          <a:xfrm>
-            <a:off x="822960" y="3749040"/>
-            <a:ext cx="9953897" cy="0"/>
-          </a:xfrm>
-          <a:prstGeom prst="line">
-            <a:avLst/>
-          </a:prstGeom>
-          <a:ln w="38100">
-            <a:solidFill>
-              <a:srgbClr val="FF0000"/>
-            </a:solidFill>
-          </a:ln>
-        </p:spPr>
-        <p:style>
-          <a:lnRef idx="1">
-            <a:schemeClr val="accent1"/>
-          </a:lnRef>
-          <a:fillRef idx="0">
-            <a:schemeClr val="accent1"/>
-          </a:fillRef>
-          <a:effectRef idx="0">
-            <a:schemeClr val="accent1"/>
-          </a:effectRef>
-          <a:fontRef idx="minor">
-            <a:schemeClr val="tx1"/>
-          </a:fontRef>
-        </p:style>
-      </p:cxnSp>
-      <p:cxnSp>
-        <p:nvCxnSpPr>
-          <p:cNvPr id="11" name="Conector recto 10"/>
-          <p:cNvCxnSpPr/>
-          <p:nvPr/>
-        </p:nvCxnSpPr>
-        <p:spPr>
-          <a:xfrm>
-            <a:off x="862149" y="4088674"/>
-            <a:ext cx="9914708" cy="0"/>
-          </a:xfrm>
-          <a:prstGeom prst="line">
-            <a:avLst/>
-          </a:prstGeom>
-          <a:ln w="38100">
-            <a:solidFill>
-              <a:srgbClr val="FF0000"/>
-            </a:solidFill>
-          </a:ln>
-        </p:spPr>
-        <p:style>
-          <a:lnRef idx="1">
-            <a:schemeClr val="accent1"/>
-          </a:lnRef>
-          <a:fillRef idx="0">
-            <a:schemeClr val="accent1"/>
-          </a:fillRef>
-          <a:effectRef idx="0">
-            <a:schemeClr val="accent1"/>
-          </a:effectRef>
-          <a:fontRef idx="minor">
-            <a:schemeClr val="tx1"/>
-          </a:fontRef>
-        </p:style>
-      </p:cxnSp>
-      <p:cxnSp>
-        <p:nvCxnSpPr>
-          <p:cNvPr id="13" name="Conector recto 12"/>
-          <p:cNvCxnSpPr/>
-          <p:nvPr/>
-        </p:nvCxnSpPr>
-        <p:spPr>
-          <a:xfrm>
-            <a:off x="822960" y="4506686"/>
-            <a:ext cx="9953897" cy="0"/>
-          </a:xfrm>
-          <a:prstGeom prst="line">
-            <a:avLst/>
-          </a:prstGeom>
-          <a:ln w="38100">
-            <a:solidFill>
-              <a:srgbClr val="FF0000"/>
-            </a:solidFill>
-          </a:ln>
-        </p:spPr>
-        <p:style>
-          <a:lnRef idx="1">
-            <a:schemeClr val="accent1"/>
-          </a:lnRef>
-          <a:fillRef idx="0">
-            <a:schemeClr val="accent1"/>
-          </a:fillRef>
-          <a:effectRef idx="0">
-            <a:schemeClr val="accent1"/>
-          </a:effectRef>
-          <a:fontRef idx="minor">
-            <a:schemeClr val="tx1"/>
-          </a:fontRef>
-        </p:style>
-      </p:cxnSp>
-      <p:cxnSp>
-        <p:nvCxnSpPr>
-          <p:cNvPr id="15" name="Conector recto 14"/>
-          <p:cNvCxnSpPr/>
-          <p:nvPr/>
-        </p:nvCxnSpPr>
-        <p:spPr>
-          <a:xfrm>
-            <a:off x="822960" y="4872446"/>
-            <a:ext cx="4976948" cy="0"/>
-          </a:xfrm>
-          <a:prstGeom prst="line">
-            <a:avLst/>
-          </a:prstGeom>
-          <a:ln w="38100">
-            <a:solidFill>
-              <a:srgbClr val="FF0000"/>
-            </a:solidFill>
-          </a:ln>
-        </p:spPr>
-        <p:style>
-          <a:lnRef idx="1">
-            <a:schemeClr val="accent1"/>
-          </a:lnRef>
-          <a:fillRef idx="0">
-            <a:schemeClr val="accent1"/>
-          </a:fillRef>
-          <a:effectRef idx="0">
-            <a:schemeClr val="accent1"/>
-          </a:effectRef>
-          <a:fontRef idx="minor">
-            <a:schemeClr val="tx1"/>
-          </a:fontRef>
-        </p:style>
-      </p:cxnSp>
-      <p:sp>
-        <p:nvSpPr>
-          <p:cNvPr id="16" name="CuadroTexto 15"/>
+      <p:sp>
+        <p:nvSpPr>
+          <p:cNvPr id="7" name="CuadroTexto 6"/>
           <p:cNvSpPr txBox="1"/>
           <p:nvPr/>
         </p:nvSpPr>
         <p:spPr>
           <a:xfrm>
-            <a:off x="2950977" y="5624790"/>
-            <a:ext cx="6596742" cy="369332"/>
+            <a:off x="8461966" y="5536276"/>
+            <a:ext cx="1330036" cy="369332"/>
           </a:xfrm>
           <a:prstGeom prst="rect">
             <a:avLst/>
@@ -15682,27 +14927,182 @@
           <a:p>
             <a:r>
               <a:rPr lang="es-PE" dirty="0" smtClean="0"/>
-              <a:t>Practicas </a:t>
-            </a:r>
-            <a:r>
-              <a:rPr lang="es-PE" dirty="0"/>
-              <a:t>sociales &gt; </a:t>
-            </a:r>
-            <a:r>
-              <a:rPr lang="es-PE" dirty="0" smtClean="0"/>
-              <a:t>condiciones ideales &gt; </a:t>
-            </a:r>
-            <a:r>
-              <a:rPr lang="es-PE" dirty="0"/>
-              <a:t>condiciones materiales</a:t>
-            </a:r>
-          </a:p>
-        </p:txBody>
-      </p:sp>
+              <a:t>“cortesano”</a:t>
+            </a:r>
+            <a:endParaRPr lang="es-PE" dirty="0"/>
+          </a:p>
+        </p:txBody>
+      </p:sp>
+      <p:sp>
+        <p:nvSpPr>
+          <p:cNvPr id="8" name="Flecha derecha 7"/>
+          <p:cNvSpPr/>
+          <p:nvPr/>
+        </p:nvSpPr>
+        <p:spPr>
+          <a:xfrm>
+            <a:off x="5735782" y="2560320"/>
+            <a:ext cx="648393" cy="1113905"/>
+          </a:xfrm>
+          <a:prstGeom prst="rightArrow">
+            <a:avLst/>
+          </a:prstGeom>
+          <a:noFill/>
+          <a:ln w="38100">
+            <a:solidFill>
+              <a:srgbClr val="FF0000"/>
+            </a:solidFill>
+          </a:ln>
+        </p:spPr>
+        <p:style>
+          <a:lnRef idx="2">
+            <a:schemeClr val="accent1">
+              <a:shade val="50000"/>
+            </a:schemeClr>
+          </a:lnRef>
+          <a:fillRef idx="1">
+            <a:schemeClr val="accent1"/>
+          </a:fillRef>
+          <a:effectRef idx="0">
+            <a:schemeClr val="accent1"/>
+          </a:effectRef>
+          <a:fontRef idx="minor">
+            <a:schemeClr val="lt1"/>
+          </a:fontRef>
+        </p:style>
+        <p:txBody>
+          <a:bodyPr rtlCol="0" anchor="ctr"/>
+          <a:lstStyle/>
+          <a:p>
+            <a:pPr algn="ctr"/>
+            <a:endParaRPr lang="es-PE"/>
+          </a:p>
+        </p:txBody>
+      </p:sp>
+      <p:pic>
+        <p:nvPicPr>
+          <p:cNvPr id="9" name="Imagen 8"/>
+          <p:cNvPicPr>
+            <a:picLocks noChangeAspect="1"/>
+          </p:cNvPicPr>
+          <p:nvPr/>
+        </p:nvPicPr>
+        <p:blipFill>
+          <a:blip r:embed="rId3"/>
+          <a:stretch>
+            <a:fillRect/>
+          </a:stretch>
+        </p:blipFill>
+        <p:spPr>
+          <a:xfrm>
+            <a:off x="5650400" y="4031326"/>
+            <a:ext cx="695325" cy="1504950"/>
+          </a:xfrm>
+          <a:prstGeom prst="rect">
+            <a:avLst/>
+          </a:prstGeom>
+        </p:spPr>
+      </p:pic>
+      <p:pic>
+        <p:nvPicPr>
+          <p:cNvPr id="10" name="Imagen 9"/>
+          <p:cNvPicPr>
+            <a:picLocks noChangeAspect="1"/>
+          </p:cNvPicPr>
+          <p:nvPr/>
+        </p:nvPicPr>
+        <p:blipFill>
+          <a:blip r:embed="rId4"/>
+          <a:stretch>
+            <a:fillRect/>
+          </a:stretch>
+        </p:blipFill>
+        <p:spPr>
+          <a:xfrm>
+            <a:off x="5693351" y="1139190"/>
+            <a:ext cx="504825" cy="1104900"/>
+          </a:xfrm>
+          <a:prstGeom prst="rect">
+            <a:avLst/>
+          </a:prstGeom>
+        </p:spPr>
+      </p:pic>
+      <p:pic>
+        <p:nvPicPr>
+          <p:cNvPr id="11" name="Imagen 10"/>
+          <p:cNvPicPr>
+            <a:picLocks noChangeAspect="1"/>
+          </p:cNvPicPr>
+          <p:nvPr/>
+        </p:nvPicPr>
+        <p:blipFill>
+          <a:blip r:embed="rId5"/>
+          <a:stretch>
+            <a:fillRect/>
+          </a:stretch>
+        </p:blipFill>
+        <p:spPr>
+          <a:xfrm>
+            <a:off x="985231" y="91785"/>
+            <a:ext cx="1485900" cy="1171575"/>
+          </a:xfrm>
+          <a:prstGeom prst="rect">
+            <a:avLst/>
+          </a:prstGeom>
+        </p:spPr>
+      </p:pic>
+      <p:pic>
+        <p:nvPicPr>
+          <p:cNvPr id="12" name="Imagen 11"/>
+          <p:cNvPicPr>
+            <a:picLocks noChangeAspect="1"/>
+          </p:cNvPicPr>
+          <p:nvPr/>
+        </p:nvPicPr>
+        <p:blipFill>
+          <a:blip r:embed="rId6"/>
+          <a:stretch>
+            <a:fillRect/>
+          </a:stretch>
+        </p:blipFill>
+        <p:spPr>
+          <a:xfrm>
+            <a:off x="2523345" y="515647"/>
+            <a:ext cx="2352675" cy="323850"/>
+          </a:xfrm>
+          <a:prstGeom prst="rect">
+            <a:avLst/>
+          </a:prstGeom>
+        </p:spPr>
+      </p:pic>
+      <p:pic>
+        <p:nvPicPr>
+          <p:cNvPr id="13" name="Imagen 12"/>
+          <p:cNvPicPr>
+            <a:picLocks noChangeAspect="1"/>
+          </p:cNvPicPr>
+          <p:nvPr/>
+        </p:nvPicPr>
+        <p:blipFill>
+          <a:blip r:embed="rId7"/>
+          <a:stretch>
+            <a:fillRect/>
+          </a:stretch>
+        </p:blipFill>
+        <p:spPr>
+          <a:xfrm>
+            <a:off x="433646" y="1610834"/>
+            <a:ext cx="5053534" cy="3765133"/>
+          </a:xfrm>
+          <a:prstGeom prst="rect">
+            <a:avLst/>
+          </a:prstGeom>
+        </p:spPr>
+      </p:pic>
     </p:spTree>
     <p:extLst>
       <p:ext uri="{BB962C8B-B14F-4D97-AF65-F5344CB8AC3E}">
-        <p14:creationId xmlns:p14="http://schemas.microsoft.com/office/powerpoint/2010/main" val="3969832122"/>
+        <p14:creationId xmlns:p14="http://schemas.microsoft.com/office/powerpoint/2010/main" val="511410269"/>
       </p:ext>
     </p:extLst>
   </p:cSld>
@@ -15753,7 +15153,7 @@
           <a:p>
             <a:r>
               <a:rPr lang="es-PE" dirty="0" smtClean="0"/>
-              <a:t>p. 271</a:t>
+              <a:t>p. 272</a:t>
             </a:r>
             <a:endParaRPr lang="es-PE" dirty="0"/>
           </a:p>
@@ -15775,8 +15175,8 @@
         </p:blipFill>
         <p:spPr>
           <a:xfrm>
-            <a:off x="870016" y="659799"/>
-            <a:ext cx="9899716" cy="5003370"/>
+            <a:off x="499876" y="376694"/>
+            <a:ext cx="10928619" cy="4717819"/>
           </a:xfrm>
           <a:prstGeom prst="rect">
             <a:avLst/>
@@ -15791,8 +15191,8 @@
         </p:nvCxnSpPr>
         <p:spPr>
           <a:xfrm flipV="1">
-            <a:off x="1371600" y="979714"/>
-            <a:ext cx="9130937" cy="13063"/>
+            <a:off x="7563394" y="679269"/>
+            <a:ext cx="3865101" cy="39188"/>
           </a:xfrm>
           <a:prstGeom prst="line">
             <a:avLst/>
@@ -15825,9 +15225,9 @@
           <p:nvPr/>
         </p:nvCxnSpPr>
         <p:spPr>
-          <a:xfrm flipV="1">
-            <a:off x="1162594" y="1306286"/>
-            <a:ext cx="8255726" cy="13063"/>
+          <a:xfrm>
+            <a:off x="705394" y="1071154"/>
+            <a:ext cx="2272937" cy="13063"/>
           </a:xfrm>
           <a:prstGeom prst="line">
             <a:avLst/>
@@ -15861,8 +15261,8 @@
         </p:nvCxnSpPr>
         <p:spPr>
           <a:xfrm>
-            <a:off x="2168434" y="5199017"/>
-            <a:ext cx="8334103" cy="39189"/>
+            <a:off x="3370217" y="1123406"/>
+            <a:ext cx="7916092" cy="0"/>
           </a:xfrm>
           <a:prstGeom prst="line">
             <a:avLst/>
@@ -15895,9 +15295,9 @@
           <p:nvPr/>
         </p:nvCxnSpPr>
         <p:spPr>
-          <a:xfrm>
-            <a:off x="1071154" y="5571729"/>
-            <a:ext cx="2403566" cy="0"/>
+          <a:xfrm flipV="1">
+            <a:off x="705394" y="1489166"/>
+            <a:ext cx="10580915" cy="39188"/>
           </a:xfrm>
           <a:prstGeom prst="line">
             <a:avLst/>
@@ -15923,16 +15323,398 @@
           </a:fontRef>
         </p:style>
       </p:cxnSp>
-      <p:sp>
-        <p:nvSpPr>
-          <p:cNvPr id="12" name="CuadroTexto 11"/>
+      <p:cxnSp>
+        <p:nvCxnSpPr>
+          <p:cNvPr id="13" name="Conector recto 12"/>
+          <p:cNvCxnSpPr/>
+          <p:nvPr/>
+        </p:nvCxnSpPr>
+        <p:spPr>
+          <a:xfrm>
+            <a:off x="705394" y="1870119"/>
+            <a:ext cx="7432766" cy="0"/>
+          </a:xfrm>
+          <a:prstGeom prst="line">
+            <a:avLst/>
+          </a:prstGeom>
+          <a:ln w="38100">
+            <a:solidFill>
+              <a:srgbClr val="FF0000"/>
+            </a:solidFill>
+          </a:ln>
+        </p:spPr>
+        <p:style>
+          <a:lnRef idx="1">
+            <a:schemeClr val="accent1"/>
+          </a:lnRef>
+          <a:fillRef idx="0">
+            <a:schemeClr val="accent1"/>
+          </a:fillRef>
+          <a:effectRef idx="0">
+            <a:schemeClr val="accent1"/>
+          </a:effectRef>
+          <a:fontRef idx="minor">
+            <a:schemeClr val="tx1"/>
+          </a:fontRef>
+        </p:style>
+      </p:cxnSp>
+      <p:cxnSp>
+        <p:nvCxnSpPr>
+          <p:cNvPr id="15" name="Conector recto 14"/>
+          <p:cNvCxnSpPr/>
+          <p:nvPr/>
+        </p:nvCxnSpPr>
+        <p:spPr>
+          <a:xfrm>
+            <a:off x="2677886" y="2272937"/>
+            <a:ext cx="8608423" cy="39189"/>
+          </a:xfrm>
+          <a:prstGeom prst="line">
+            <a:avLst/>
+          </a:prstGeom>
+          <a:ln w="38100">
+            <a:solidFill>
+              <a:srgbClr val="FF0000"/>
+            </a:solidFill>
+          </a:ln>
+        </p:spPr>
+        <p:style>
+          <a:lnRef idx="1">
+            <a:schemeClr val="accent1"/>
+          </a:lnRef>
+          <a:fillRef idx="0">
+            <a:schemeClr val="accent1"/>
+          </a:fillRef>
+          <a:effectRef idx="0">
+            <a:schemeClr val="accent1"/>
+          </a:effectRef>
+          <a:fontRef idx="minor">
+            <a:schemeClr val="tx1"/>
+          </a:fontRef>
+        </p:style>
+      </p:cxnSp>
+      <p:cxnSp>
+        <p:nvCxnSpPr>
+          <p:cNvPr id="17" name="Conector recto 16"/>
+          <p:cNvCxnSpPr/>
+          <p:nvPr/>
+        </p:nvCxnSpPr>
+        <p:spPr>
+          <a:xfrm>
+            <a:off x="705394" y="2640826"/>
+            <a:ext cx="2390503" cy="0"/>
+          </a:xfrm>
+          <a:prstGeom prst="line">
+            <a:avLst/>
+          </a:prstGeom>
+          <a:ln w="38100">
+            <a:solidFill>
+              <a:srgbClr val="FF0000"/>
+            </a:solidFill>
+          </a:ln>
+        </p:spPr>
+        <p:style>
+          <a:lnRef idx="1">
+            <a:schemeClr val="accent1"/>
+          </a:lnRef>
+          <a:fillRef idx="0">
+            <a:schemeClr val="accent1"/>
+          </a:fillRef>
+          <a:effectRef idx="0">
+            <a:schemeClr val="accent1"/>
+          </a:effectRef>
+          <a:fontRef idx="minor">
+            <a:schemeClr val="tx1"/>
+          </a:fontRef>
+        </p:style>
+      </p:cxnSp>
+      <p:cxnSp>
+        <p:nvCxnSpPr>
+          <p:cNvPr id="19" name="Conector recto 18"/>
+          <p:cNvCxnSpPr/>
+          <p:nvPr/>
+        </p:nvCxnSpPr>
+        <p:spPr>
+          <a:xfrm>
+            <a:off x="1528354" y="3082834"/>
+            <a:ext cx="4297680" cy="0"/>
+          </a:xfrm>
+          <a:prstGeom prst="line">
+            <a:avLst/>
+          </a:prstGeom>
+          <a:ln w="38100">
+            <a:solidFill>
+              <a:srgbClr val="FF0000"/>
+            </a:solidFill>
+          </a:ln>
+        </p:spPr>
+        <p:style>
+          <a:lnRef idx="1">
+            <a:schemeClr val="accent1"/>
+          </a:lnRef>
+          <a:fillRef idx="0">
+            <a:schemeClr val="accent1"/>
+          </a:fillRef>
+          <a:effectRef idx="0">
+            <a:schemeClr val="accent1"/>
+          </a:effectRef>
+          <a:fontRef idx="minor">
+            <a:schemeClr val="tx1"/>
+          </a:fontRef>
+        </p:style>
+      </p:cxnSp>
+      <p:cxnSp>
+        <p:nvCxnSpPr>
+          <p:cNvPr id="21" name="Conector recto 20"/>
+          <p:cNvCxnSpPr/>
+          <p:nvPr/>
+        </p:nvCxnSpPr>
+        <p:spPr>
+          <a:xfrm>
+            <a:off x="9326880" y="3082834"/>
+            <a:ext cx="2101615" cy="0"/>
+          </a:xfrm>
+          <a:prstGeom prst="line">
+            <a:avLst/>
+          </a:prstGeom>
+          <a:ln w="38100">
+            <a:solidFill>
+              <a:srgbClr val="FF0000"/>
+            </a:solidFill>
+          </a:ln>
+        </p:spPr>
+        <p:style>
+          <a:lnRef idx="1">
+            <a:schemeClr val="accent1"/>
+          </a:lnRef>
+          <a:fillRef idx="0">
+            <a:schemeClr val="accent1"/>
+          </a:fillRef>
+          <a:effectRef idx="0">
+            <a:schemeClr val="accent1"/>
+          </a:effectRef>
+          <a:fontRef idx="minor">
+            <a:schemeClr val="tx1"/>
+          </a:fontRef>
+        </p:style>
+      </p:cxnSp>
+      <p:cxnSp>
+        <p:nvCxnSpPr>
+          <p:cNvPr id="23" name="Conector recto 22"/>
+          <p:cNvCxnSpPr/>
+          <p:nvPr/>
+        </p:nvCxnSpPr>
+        <p:spPr>
+          <a:xfrm>
+            <a:off x="7380514" y="4232367"/>
+            <a:ext cx="3905795" cy="2130"/>
+          </a:xfrm>
+          <a:prstGeom prst="line">
+            <a:avLst/>
+          </a:prstGeom>
+          <a:ln w="38100">
+            <a:solidFill>
+              <a:srgbClr val="FF0000"/>
+            </a:solidFill>
+          </a:ln>
+        </p:spPr>
+        <p:style>
+          <a:lnRef idx="1">
+            <a:schemeClr val="accent1"/>
+          </a:lnRef>
+          <a:fillRef idx="0">
+            <a:schemeClr val="accent1"/>
+          </a:fillRef>
+          <a:effectRef idx="0">
+            <a:schemeClr val="accent1"/>
+          </a:effectRef>
+          <a:fontRef idx="minor">
+            <a:schemeClr val="tx1"/>
+          </a:fontRef>
+        </p:style>
+      </p:cxnSp>
+      <p:cxnSp>
+        <p:nvCxnSpPr>
+          <p:cNvPr id="27" name="Conector recto 26"/>
+          <p:cNvCxnSpPr/>
+          <p:nvPr/>
+        </p:nvCxnSpPr>
+        <p:spPr>
+          <a:xfrm>
+            <a:off x="705394" y="4663440"/>
+            <a:ext cx="3788229" cy="13063"/>
+          </a:xfrm>
+          <a:prstGeom prst="line">
+            <a:avLst/>
+          </a:prstGeom>
+          <a:ln w="38100">
+            <a:solidFill>
+              <a:srgbClr val="FF0000"/>
+            </a:solidFill>
+          </a:ln>
+        </p:spPr>
+        <p:style>
+          <a:lnRef idx="1">
+            <a:schemeClr val="accent1"/>
+          </a:lnRef>
+          <a:fillRef idx="0">
+            <a:schemeClr val="accent1"/>
+          </a:fillRef>
+          <a:effectRef idx="0">
+            <a:schemeClr val="accent1"/>
+          </a:effectRef>
+          <a:fontRef idx="minor">
+            <a:schemeClr val="tx1"/>
+          </a:fontRef>
+        </p:style>
+      </p:cxnSp>
+      <p:cxnSp>
+        <p:nvCxnSpPr>
+          <p:cNvPr id="29" name="Conector recto 28"/>
+          <p:cNvCxnSpPr/>
+          <p:nvPr/>
+        </p:nvCxnSpPr>
+        <p:spPr>
+          <a:xfrm>
+            <a:off x="1894114" y="5094513"/>
+            <a:ext cx="5839097" cy="0"/>
+          </a:xfrm>
+          <a:prstGeom prst="line">
+            <a:avLst/>
+          </a:prstGeom>
+          <a:ln w="38100">
+            <a:solidFill>
+              <a:srgbClr val="FF0000"/>
+            </a:solidFill>
+          </a:ln>
+        </p:spPr>
+        <p:style>
+          <a:lnRef idx="1">
+            <a:schemeClr val="accent1"/>
+          </a:lnRef>
+          <a:fillRef idx="0">
+            <a:schemeClr val="accent1"/>
+          </a:fillRef>
+          <a:effectRef idx="0">
+            <a:schemeClr val="accent1"/>
+          </a:effectRef>
+          <a:fontRef idx="minor">
+            <a:schemeClr val="tx1"/>
+          </a:fontRef>
+        </p:style>
+      </p:cxnSp>
+      <p:sp>
+        <p:nvSpPr>
+          <p:cNvPr id="30" name="Rectángulo 29"/>
+          <p:cNvSpPr/>
+          <p:nvPr/>
+        </p:nvSpPr>
+        <p:spPr>
+          <a:xfrm>
+            <a:off x="576271" y="3170014"/>
+            <a:ext cx="2519626" cy="280711"/>
+          </a:xfrm>
+          <a:prstGeom prst="rect">
+            <a:avLst/>
+          </a:prstGeom>
+          <a:noFill/>
+          <a:ln w="38100">
+            <a:solidFill>
+              <a:srgbClr val="00B050"/>
+            </a:solidFill>
+          </a:ln>
+        </p:spPr>
+        <p:style>
+          <a:lnRef idx="2">
+            <a:schemeClr val="accent1">
+              <a:shade val="50000"/>
+            </a:schemeClr>
+          </a:lnRef>
+          <a:fillRef idx="1">
+            <a:schemeClr val="accent1"/>
+          </a:fillRef>
+          <a:effectRef idx="0">
+            <a:schemeClr val="accent1"/>
+          </a:effectRef>
+          <a:fontRef idx="minor">
+            <a:schemeClr val="lt1"/>
+          </a:fontRef>
+        </p:style>
+        <p:txBody>
+          <a:bodyPr rot="0" spcFirstLastPara="0" vertOverflow="overflow" horzOverflow="overflow" vert="horz" wrap="square" lIns="91440" tIns="45720" rIns="91440" bIns="45720" numCol="1" spcCol="0" rtlCol="0" fromWordArt="0" anchor="ctr" anchorCtr="0" forceAA="0" compatLnSpc="1">
+            <a:prstTxWarp prst="textNoShape">
+              <a:avLst/>
+            </a:prstTxWarp>
+            <a:noAutofit/>
+          </a:bodyPr>
+          <a:lstStyle/>
+          <a:p>
+            <a:pPr algn="ctr"/>
+            <a:endParaRPr lang="es-PE"/>
+          </a:p>
+        </p:txBody>
+      </p:sp>
+      <p:sp>
+        <p:nvSpPr>
+          <p:cNvPr id="31" name="Rectángulo 30"/>
+          <p:cNvSpPr/>
+          <p:nvPr/>
+        </p:nvSpPr>
+        <p:spPr>
+          <a:xfrm>
+            <a:off x="1763486" y="4794069"/>
+            <a:ext cx="5969725" cy="300444"/>
+          </a:xfrm>
+          <a:prstGeom prst="rect">
+            <a:avLst/>
+          </a:prstGeom>
+          <a:noFill/>
+          <a:ln w="38100">
+            <a:solidFill>
+              <a:srgbClr val="00B050"/>
+            </a:solidFill>
+          </a:ln>
+        </p:spPr>
+        <p:style>
+          <a:lnRef idx="2">
+            <a:schemeClr val="accent1">
+              <a:shade val="50000"/>
+            </a:schemeClr>
+          </a:lnRef>
+          <a:fillRef idx="1">
+            <a:schemeClr val="accent1"/>
+          </a:fillRef>
+          <a:effectRef idx="0">
+            <a:schemeClr val="accent1"/>
+          </a:effectRef>
+          <a:fontRef idx="minor">
+            <a:schemeClr val="lt1"/>
+          </a:fontRef>
+        </p:style>
+        <p:txBody>
+          <a:bodyPr rot="0" spcFirstLastPara="0" vertOverflow="overflow" horzOverflow="overflow" vert="horz" wrap="square" lIns="91440" tIns="45720" rIns="91440" bIns="45720" numCol="1" spcCol="0" rtlCol="0" fromWordArt="0" anchor="ctr" anchorCtr="0" forceAA="0" compatLnSpc="1">
+            <a:prstTxWarp prst="textNoShape">
+              <a:avLst/>
+            </a:prstTxWarp>
+            <a:noAutofit/>
+          </a:bodyPr>
+          <a:lstStyle/>
+          <a:p>
+            <a:pPr algn="ctr"/>
+            <a:endParaRPr lang="es-PE"/>
+          </a:p>
+        </p:txBody>
+      </p:sp>
+      <p:sp>
+        <p:nvSpPr>
+          <p:cNvPr id="32" name="CuadroTexto 31"/>
           <p:cNvSpPr txBox="1"/>
           <p:nvPr/>
         </p:nvSpPr>
         <p:spPr>
           <a:xfrm>
-            <a:off x="870016" y="5913304"/>
-            <a:ext cx="9737024" cy="646331"/>
+            <a:off x="2795450" y="5773783"/>
+            <a:ext cx="7511143" cy="369332"/>
           </a:xfrm>
           <a:prstGeom prst="rect">
             <a:avLst/>
@@ -15947,7 +15729,7 @@
           <a:p>
             <a:r>
               <a:rPr lang="es-PE" dirty="0" smtClean="0"/>
-              <a:t>Prácticas = condiciones materiales + ideales. No hay forma pura, antes de la experiencia, para tomar exclusivamente una, como norma total.</a:t>
+              <a:t>Transformación feudal post guerras religiosas: de caballeros a cortesanos</a:t>
             </a:r>
             <a:endParaRPr lang="es-PE" dirty="0"/>
           </a:p>
@@ -15956,7 +15738,7 @@
     </p:spTree>
     <p:extLst>
       <p:ext uri="{BB962C8B-B14F-4D97-AF65-F5344CB8AC3E}">
-        <p14:creationId xmlns:p14="http://schemas.microsoft.com/office/powerpoint/2010/main" val="2238402498"/>
+        <p14:creationId xmlns:p14="http://schemas.microsoft.com/office/powerpoint/2010/main" val="2592694613"/>
       </p:ext>
     </p:extLst>
   </p:cSld>
@@ -16029,8 +15811,8 @@
         </p:blipFill>
         <p:spPr>
           <a:xfrm>
-            <a:off x="499876" y="376694"/>
-            <a:ext cx="10928619" cy="4717819"/>
+            <a:off x="1359216" y="442640"/>
+            <a:ext cx="9051881" cy="5552630"/>
           </a:xfrm>
           <a:prstGeom prst="rect">
             <a:avLst/>
@@ -16044,9 +15826,9 @@
           <p:nvPr/>
         </p:nvCxnSpPr>
         <p:spPr>
-          <a:xfrm flipV="1">
-            <a:off x="7563394" y="679269"/>
-            <a:ext cx="3865101" cy="39188"/>
+          <a:xfrm>
+            <a:off x="2312126" y="783771"/>
+            <a:ext cx="7837714" cy="0"/>
           </a:xfrm>
           <a:prstGeom prst="line">
             <a:avLst/>
@@ -16079,9 +15861,9 @@
           <p:nvPr/>
         </p:nvCxnSpPr>
         <p:spPr>
-          <a:xfrm>
-            <a:off x="705394" y="1071154"/>
-            <a:ext cx="2272937" cy="13063"/>
+          <a:xfrm flipV="1">
+            <a:off x="1567543" y="1084217"/>
+            <a:ext cx="5917474" cy="13063"/>
           </a:xfrm>
           <a:prstGeom prst="line">
             <a:avLst/>
@@ -16115,8 +15897,8 @@
         </p:nvCxnSpPr>
         <p:spPr>
           <a:xfrm>
-            <a:off x="3370217" y="1123406"/>
-            <a:ext cx="7916092" cy="0"/>
+            <a:off x="4323806" y="1371600"/>
+            <a:ext cx="4741817" cy="0"/>
           </a:xfrm>
           <a:prstGeom prst="line">
             <a:avLst/>
@@ -16149,9 +15931,9 @@
           <p:nvPr/>
         </p:nvCxnSpPr>
         <p:spPr>
-          <a:xfrm flipV="1">
-            <a:off x="705394" y="1489166"/>
-            <a:ext cx="10580915" cy="39188"/>
+          <a:xfrm>
+            <a:off x="5133703" y="2651760"/>
+            <a:ext cx="5159828" cy="13063"/>
           </a:xfrm>
           <a:prstGeom prst="line">
             <a:avLst/>
@@ -16185,8 +15967,8 @@
         </p:nvCxnSpPr>
         <p:spPr>
           <a:xfrm>
-            <a:off x="705394" y="1870119"/>
-            <a:ext cx="7432766" cy="0"/>
+            <a:off x="1567543" y="3089075"/>
+            <a:ext cx="8712926" cy="0"/>
           </a:xfrm>
           <a:prstGeom prst="line">
             <a:avLst/>
@@ -16219,9 +16001,9 @@
           <p:nvPr/>
         </p:nvCxnSpPr>
         <p:spPr>
-          <a:xfrm>
-            <a:off x="2677886" y="2272937"/>
-            <a:ext cx="8608423" cy="39189"/>
+          <a:xfrm flipV="1">
+            <a:off x="1567543" y="3357154"/>
+            <a:ext cx="1894114" cy="13063"/>
           </a:xfrm>
           <a:prstGeom prst="line">
             <a:avLst/>
@@ -16247,328 +16029,16 @@
           </a:fontRef>
         </p:style>
       </p:cxnSp>
-      <p:cxnSp>
-        <p:nvCxnSpPr>
-          <p:cNvPr id="17" name="Conector recto 16"/>
-          <p:cNvCxnSpPr/>
-          <p:nvPr/>
-        </p:nvCxnSpPr>
-        <p:spPr>
-          <a:xfrm>
-            <a:off x="705394" y="2640826"/>
-            <a:ext cx="2390503" cy="0"/>
-          </a:xfrm>
-          <a:prstGeom prst="line">
-            <a:avLst/>
-          </a:prstGeom>
-          <a:ln w="38100">
-            <a:solidFill>
-              <a:srgbClr val="FF0000"/>
-            </a:solidFill>
-          </a:ln>
-        </p:spPr>
-        <p:style>
-          <a:lnRef idx="1">
-            <a:schemeClr val="accent1"/>
-          </a:lnRef>
-          <a:fillRef idx="0">
-            <a:schemeClr val="accent1"/>
-          </a:fillRef>
-          <a:effectRef idx="0">
-            <a:schemeClr val="accent1"/>
-          </a:effectRef>
-          <a:fontRef idx="minor">
-            <a:schemeClr val="tx1"/>
-          </a:fontRef>
-        </p:style>
-      </p:cxnSp>
-      <p:cxnSp>
-        <p:nvCxnSpPr>
-          <p:cNvPr id="19" name="Conector recto 18"/>
-          <p:cNvCxnSpPr/>
-          <p:nvPr/>
-        </p:nvCxnSpPr>
-        <p:spPr>
-          <a:xfrm>
-            <a:off x="1528354" y="3082834"/>
-            <a:ext cx="4297680" cy="0"/>
-          </a:xfrm>
-          <a:prstGeom prst="line">
-            <a:avLst/>
-          </a:prstGeom>
-          <a:ln w="38100">
-            <a:solidFill>
-              <a:srgbClr val="FF0000"/>
-            </a:solidFill>
-          </a:ln>
-        </p:spPr>
-        <p:style>
-          <a:lnRef idx="1">
-            <a:schemeClr val="accent1"/>
-          </a:lnRef>
-          <a:fillRef idx="0">
-            <a:schemeClr val="accent1"/>
-          </a:fillRef>
-          <a:effectRef idx="0">
-            <a:schemeClr val="accent1"/>
-          </a:effectRef>
-          <a:fontRef idx="minor">
-            <a:schemeClr val="tx1"/>
-          </a:fontRef>
-        </p:style>
-      </p:cxnSp>
-      <p:cxnSp>
-        <p:nvCxnSpPr>
-          <p:cNvPr id="21" name="Conector recto 20"/>
-          <p:cNvCxnSpPr/>
-          <p:nvPr/>
-        </p:nvCxnSpPr>
-        <p:spPr>
-          <a:xfrm>
-            <a:off x="9326880" y="3082834"/>
-            <a:ext cx="2101615" cy="0"/>
-          </a:xfrm>
-          <a:prstGeom prst="line">
-            <a:avLst/>
-          </a:prstGeom>
-          <a:ln w="38100">
-            <a:solidFill>
-              <a:srgbClr val="FF0000"/>
-            </a:solidFill>
-          </a:ln>
-        </p:spPr>
-        <p:style>
-          <a:lnRef idx="1">
-            <a:schemeClr val="accent1"/>
-          </a:lnRef>
-          <a:fillRef idx="0">
-            <a:schemeClr val="accent1"/>
-          </a:fillRef>
-          <a:effectRef idx="0">
-            <a:schemeClr val="accent1"/>
-          </a:effectRef>
-          <a:fontRef idx="minor">
-            <a:schemeClr val="tx1"/>
-          </a:fontRef>
-        </p:style>
-      </p:cxnSp>
-      <p:cxnSp>
-        <p:nvCxnSpPr>
-          <p:cNvPr id="23" name="Conector recto 22"/>
-          <p:cNvCxnSpPr/>
-          <p:nvPr/>
-        </p:nvCxnSpPr>
-        <p:spPr>
-          <a:xfrm>
-            <a:off x="7380514" y="4232367"/>
-            <a:ext cx="3905795" cy="2130"/>
-          </a:xfrm>
-          <a:prstGeom prst="line">
-            <a:avLst/>
-          </a:prstGeom>
-          <a:ln w="38100">
-            <a:solidFill>
-              <a:srgbClr val="FF0000"/>
-            </a:solidFill>
-          </a:ln>
-        </p:spPr>
-        <p:style>
-          <a:lnRef idx="1">
-            <a:schemeClr val="accent1"/>
-          </a:lnRef>
-          <a:fillRef idx="0">
-            <a:schemeClr val="accent1"/>
-          </a:fillRef>
-          <a:effectRef idx="0">
-            <a:schemeClr val="accent1"/>
-          </a:effectRef>
-          <a:fontRef idx="minor">
-            <a:schemeClr val="tx1"/>
-          </a:fontRef>
-        </p:style>
-      </p:cxnSp>
-      <p:cxnSp>
-        <p:nvCxnSpPr>
-          <p:cNvPr id="27" name="Conector recto 26"/>
-          <p:cNvCxnSpPr/>
-          <p:nvPr/>
-        </p:nvCxnSpPr>
-        <p:spPr>
-          <a:xfrm>
-            <a:off x="705394" y="4663440"/>
-            <a:ext cx="3788229" cy="13063"/>
-          </a:xfrm>
-          <a:prstGeom prst="line">
-            <a:avLst/>
-          </a:prstGeom>
-          <a:ln w="38100">
-            <a:solidFill>
-              <a:srgbClr val="FF0000"/>
-            </a:solidFill>
-          </a:ln>
-        </p:spPr>
-        <p:style>
-          <a:lnRef idx="1">
-            <a:schemeClr val="accent1"/>
-          </a:lnRef>
-          <a:fillRef idx="0">
-            <a:schemeClr val="accent1"/>
-          </a:fillRef>
-          <a:effectRef idx="0">
-            <a:schemeClr val="accent1"/>
-          </a:effectRef>
-          <a:fontRef idx="minor">
-            <a:schemeClr val="tx1"/>
-          </a:fontRef>
-        </p:style>
-      </p:cxnSp>
-      <p:cxnSp>
-        <p:nvCxnSpPr>
-          <p:cNvPr id="29" name="Conector recto 28"/>
-          <p:cNvCxnSpPr/>
-          <p:nvPr/>
-        </p:nvCxnSpPr>
-        <p:spPr>
-          <a:xfrm>
-            <a:off x="1894114" y="5094513"/>
-            <a:ext cx="5839097" cy="0"/>
-          </a:xfrm>
-          <a:prstGeom prst="line">
-            <a:avLst/>
-          </a:prstGeom>
-          <a:ln w="38100">
-            <a:solidFill>
-              <a:srgbClr val="FF0000"/>
-            </a:solidFill>
-          </a:ln>
-        </p:spPr>
-        <p:style>
-          <a:lnRef idx="1">
-            <a:schemeClr val="accent1"/>
-          </a:lnRef>
-          <a:fillRef idx="0">
-            <a:schemeClr val="accent1"/>
-          </a:fillRef>
-          <a:effectRef idx="0">
-            <a:schemeClr val="accent1"/>
-          </a:effectRef>
-          <a:fontRef idx="minor">
-            <a:schemeClr val="tx1"/>
-          </a:fontRef>
-        </p:style>
-      </p:cxnSp>
-      <p:sp>
-        <p:nvSpPr>
-          <p:cNvPr id="30" name="Rectángulo 29"/>
-          <p:cNvSpPr/>
-          <p:nvPr/>
-        </p:nvSpPr>
-        <p:spPr>
-          <a:xfrm>
-            <a:off x="576271" y="3170014"/>
-            <a:ext cx="2519626" cy="280711"/>
-          </a:xfrm>
-          <a:prstGeom prst="rect">
-            <a:avLst/>
-          </a:prstGeom>
-          <a:noFill/>
-          <a:ln w="38100">
-            <a:solidFill>
-              <a:srgbClr val="00B050"/>
-            </a:solidFill>
-          </a:ln>
-        </p:spPr>
-        <p:style>
-          <a:lnRef idx="2">
-            <a:schemeClr val="accent1">
-              <a:shade val="50000"/>
-            </a:schemeClr>
-          </a:lnRef>
-          <a:fillRef idx="1">
-            <a:schemeClr val="accent1"/>
-          </a:fillRef>
-          <a:effectRef idx="0">
-            <a:schemeClr val="accent1"/>
-          </a:effectRef>
-          <a:fontRef idx="minor">
-            <a:schemeClr val="lt1"/>
-          </a:fontRef>
-        </p:style>
-        <p:txBody>
-          <a:bodyPr rot="0" spcFirstLastPara="0" vertOverflow="overflow" horzOverflow="overflow" vert="horz" wrap="square" lIns="91440" tIns="45720" rIns="91440" bIns="45720" numCol="1" spcCol="0" rtlCol="0" fromWordArt="0" anchor="ctr" anchorCtr="0" forceAA="0" compatLnSpc="1">
-            <a:prstTxWarp prst="textNoShape">
-              <a:avLst/>
-            </a:prstTxWarp>
-            <a:noAutofit/>
-          </a:bodyPr>
-          <a:lstStyle/>
-          <a:p>
-            <a:pPr algn="ctr"/>
-            <a:endParaRPr lang="es-PE"/>
-          </a:p>
-        </p:txBody>
-      </p:sp>
-      <p:sp>
-        <p:nvSpPr>
-          <p:cNvPr id="31" name="Rectángulo 30"/>
-          <p:cNvSpPr/>
-          <p:nvPr/>
-        </p:nvSpPr>
-        <p:spPr>
-          <a:xfrm>
-            <a:off x="1763486" y="4794069"/>
-            <a:ext cx="5969725" cy="300444"/>
-          </a:xfrm>
-          <a:prstGeom prst="rect">
-            <a:avLst/>
-          </a:prstGeom>
-          <a:noFill/>
-          <a:ln w="38100">
-            <a:solidFill>
-              <a:srgbClr val="00B050"/>
-            </a:solidFill>
-          </a:ln>
-        </p:spPr>
-        <p:style>
-          <a:lnRef idx="2">
-            <a:schemeClr val="accent1">
-              <a:shade val="50000"/>
-            </a:schemeClr>
-          </a:lnRef>
-          <a:fillRef idx="1">
-            <a:schemeClr val="accent1"/>
-          </a:fillRef>
-          <a:effectRef idx="0">
-            <a:schemeClr val="accent1"/>
-          </a:effectRef>
-          <a:fontRef idx="minor">
-            <a:schemeClr val="lt1"/>
-          </a:fontRef>
-        </p:style>
-        <p:txBody>
-          <a:bodyPr rot="0" spcFirstLastPara="0" vertOverflow="overflow" horzOverflow="overflow" vert="horz" wrap="square" lIns="91440" tIns="45720" rIns="91440" bIns="45720" numCol="1" spcCol="0" rtlCol="0" fromWordArt="0" anchor="ctr" anchorCtr="0" forceAA="0" compatLnSpc="1">
-            <a:prstTxWarp prst="textNoShape">
-              <a:avLst/>
-            </a:prstTxWarp>
-            <a:noAutofit/>
-          </a:bodyPr>
-          <a:lstStyle/>
-          <a:p>
-            <a:pPr algn="ctr"/>
-            <a:endParaRPr lang="es-PE"/>
-          </a:p>
-        </p:txBody>
-      </p:sp>
-      <p:sp>
-        <p:nvSpPr>
-          <p:cNvPr id="32" name="CuadroTexto 31"/>
+      <p:sp>
+        <p:nvSpPr>
+          <p:cNvPr id="17" name="CuadroTexto 16"/>
           <p:cNvSpPr txBox="1"/>
           <p:nvPr/>
         </p:nvSpPr>
         <p:spPr>
           <a:xfrm>
-            <a:off x="2795450" y="5773783"/>
-            <a:ext cx="7511143" cy="369332"/>
+            <a:off x="1933302" y="6283234"/>
+            <a:ext cx="7733211" cy="369332"/>
           </a:xfrm>
           <a:prstGeom prst="rect">
             <a:avLst/>
@@ -16583,7 +16053,7 @@
           <a:p>
             <a:r>
               <a:rPr lang="es-PE" dirty="0" smtClean="0"/>
-              <a:t>Transformación feudal post guerras religiosas: de caballeros a cortesanos</a:t>
+              <a:t>Autopercepción e identidad: del código de honor a un sentido civil y humanista</a:t>
             </a:r>
             <a:endParaRPr lang="es-PE" dirty="0"/>
           </a:p>
@@ -16592,7 +16062,7 @@
     </p:spTree>
     <p:extLst>
       <p:ext uri="{BB962C8B-B14F-4D97-AF65-F5344CB8AC3E}">
-        <p14:creationId xmlns:p14="http://schemas.microsoft.com/office/powerpoint/2010/main" val="2592694613"/>
+        <p14:creationId xmlns:p14="http://schemas.microsoft.com/office/powerpoint/2010/main" val="148239015"/>
       </p:ext>
     </p:extLst>
   </p:cSld>
@@ -16643,7 +16113,7 @@
           <a:p>
             <a:r>
               <a:rPr lang="es-PE" dirty="0" smtClean="0"/>
-              <a:t>p. 272</a:t>
+              <a:t>p. 272-273</a:t>
             </a:r>
             <a:endParaRPr lang="es-PE" dirty="0"/>
           </a:p>
@@ -16651,7 +16121,7 @@
       </p:sp>
       <p:pic>
         <p:nvPicPr>
-          <p:cNvPr id="3" name="Imagen 2"/>
+          <p:cNvPr id="4" name="Imagen 3"/>
           <p:cNvPicPr>
             <a:picLocks noChangeAspect="1"/>
           </p:cNvPicPr>
@@ -16665,8 +16135,32 @@
         </p:blipFill>
         <p:spPr>
           <a:xfrm>
-            <a:off x="1359216" y="442640"/>
-            <a:ext cx="9051881" cy="5552630"/>
+            <a:off x="1963856" y="473223"/>
+            <a:ext cx="8380635" cy="642898"/>
+          </a:xfrm>
+          <a:prstGeom prst="rect">
+            <a:avLst/>
+          </a:prstGeom>
+        </p:spPr>
+      </p:pic>
+      <p:pic>
+        <p:nvPicPr>
+          <p:cNvPr id="2" name="Imagen 1"/>
+          <p:cNvPicPr>
+            <a:picLocks noChangeAspect="1"/>
+          </p:cNvPicPr>
+          <p:nvPr/>
+        </p:nvPicPr>
+        <p:blipFill>
+          <a:blip r:embed="rId3"/>
+          <a:stretch>
+            <a:fillRect/>
+          </a:stretch>
+        </p:blipFill>
+        <p:spPr>
+          <a:xfrm>
+            <a:off x="2067179" y="1116121"/>
+            <a:ext cx="8277312" cy="4259199"/>
           </a:xfrm>
           <a:prstGeom prst="rect">
             <a:avLst/>
@@ -16675,14 +16169,14 @@
       </p:pic>
       <p:cxnSp>
         <p:nvCxnSpPr>
-          <p:cNvPr id="4" name="Conector recto 3"/>
+          <p:cNvPr id="6" name="Conector recto 5"/>
           <p:cNvCxnSpPr/>
           <p:nvPr/>
         </p:nvCxnSpPr>
         <p:spPr>
           <a:xfrm>
-            <a:off x="2312126" y="783771"/>
-            <a:ext cx="7837714" cy="0"/>
+            <a:off x="2913017" y="731520"/>
+            <a:ext cx="6413863" cy="0"/>
           </a:xfrm>
           <a:prstGeom prst="line">
             <a:avLst/>
@@ -16710,14 +16204,14 @@
       </p:cxnSp>
       <p:cxnSp>
         <p:nvCxnSpPr>
-          <p:cNvPr id="7" name="Conector recto 6"/>
+          <p:cNvPr id="8" name="Conector recto 7"/>
           <p:cNvCxnSpPr/>
           <p:nvPr/>
         </p:nvCxnSpPr>
         <p:spPr>
-          <a:xfrm flipV="1">
-            <a:off x="1567543" y="1084217"/>
-            <a:ext cx="5917474" cy="13063"/>
+          <a:xfrm>
+            <a:off x="8869680" y="1685109"/>
+            <a:ext cx="1371600" cy="13062"/>
           </a:xfrm>
           <a:prstGeom prst="line">
             <a:avLst/>
@@ -16745,14 +16239,14 @@
       </p:cxnSp>
       <p:cxnSp>
         <p:nvCxnSpPr>
-          <p:cNvPr id="9" name="Conector recto 8"/>
+          <p:cNvPr id="10" name="Conector recto 9"/>
           <p:cNvCxnSpPr/>
           <p:nvPr/>
         </p:nvCxnSpPr>
         <p:spPr>
-          <a:xfrm>
-            <a:off x="4323806" y="1371600"/>
-            <a:ext cx="4741817" cy="0"/>
+          <a:xfrm flipV="1">
+            <a:off x="2067179" y="2011680"/>
+            <a:ext cx="4411998" cy="13063"/>
           </a:xfrm>
           <a:prstGeom prst="line">
             <a:avLst/>
@@ -16780,14 +16274,14 @@
       </p:cxnSp>
       <p:cxnSp>
         <p:nvCxnSpPr>
-          <p:cNvPr id="11" name="Conector recto 10"/>
+          <p:cNvPr id="12" name="Conector recto 11"/>
           <p:cNvCxnSpPr/>
           <p:nvPr/>
         </p:nvCxnSpPr>
         <p:spPr>
           <a:xfrm>
-            <a:off x="5133703" y="2651760"/>
-            <a:ext cx="5159828" cy="13063"/>
+            <a:off x="4754880" y="2625634"/>
+            <a:ext cx="5394960" cy="13063"/>
           </a:xfrm>
           <a:prstGeom prst="line">
             <a:avLst/>
@@ -16815,14 +16309,14 @@
       </p:cxnSp>
       <p:cxnSp>
         <p:nvCxnSpPr>
-          <p:cNvPr id="13" name="Conector recto 12"/>
+          <p:cNvPr id="14" name="Conector recto 13"/>
           <p:cNvCxnSpPr/>
           <p:nvPr/>
         </p:nvCxnSpPr>
         <p:spPr>
           <a:xfrm>
-            <a:off x="1567543" y="3089075"/>
-            <a:ext cx="8712926" cy="0"/>
+            <a:off x="8582297" y="2272937"/>
+            <a:ext cx="1254034" cy="13063"/>
           </a:xfrm>
           <a:prstGeom prst="line">
             <a:avLst/>
@@ -16850,14 +16344,14 @@
       </p:cxnSp>
       <p:cxnSp>
         <p:nvCxnSpPr>
-          <p:cNvPr id="15" name="Conector recto 14"/>
+          <p:cNvPr id="16" name="Conector recto 15"/>
           <p:cNvCxnSpPr/>
           <p:nvPr/>
         </p:nvCxnSpPr>
         <p:spPr>
-          <a:xfrm flipV="1">
-            <a:off x="1567543" y="3357154"/>
-            <a:ext cx="1894114" cy="13063"/>
+          <a:xfrm>
+            <a:off x="4741817" y="2926080"/>
+            <a:ext cx="4585063" cy="0"/>
           </a:xfrm>
           <a:prstGeom prst="line">
             <a:avLst/>
@@ -16883,16 +16377,156 @@
           </a:fontRef>
         </p:style>
       </p:cxnSp>
-      <p:sp>
-        <p:nvSpPr>
-          <p:cNvPr id="17" name="CuadroTexto 16"/>
+      <p:cxnSp>
+        <p:nvCxnSpPr>
+          <p:cNvPr id="18" name="Conector recto 17"/>
+          <p:cNvCxnSpPr/>
+          <p:nvPr/>
+        </p:nvCxnSpPr>
+        <p:spPr>
+          <a:xfrm>
+            <a:off x="4754880" y="3239589"/>
+            <a:ext cx="1907177" cy="13062"/>
+          </a:xfrm>
+          <a:prstGeom prst="line">
+            <a:avLst/>
+          </a:prstGeom>
+          <a:ln w="38100">
+            <a:solidFill>
+              <a:srgbClr val="FF0000"/>
+            </a:solidFill>
+          </a:ln>
+        </p:spPr>
+        <p:style>
+          <a:lnRef idx="1">
+            <a:schemeClr val="accent1"/>
+          </a:lnRef>
+          <a:fillRef idx="0">
+            <a:schemeClr val="accent1"/>
+          </a:fillRef>
+          <a:effectRef idx="0">
+            <a:schemeClr val="accent1"/>
+          </a:effectRef>
+          <a:fontRef idx="minor">
+            <a:schemeClr val="tx1"/>
+          </a:fontRef>
+        </p:style>
+      </p:cxnSp>
+      <p:cxnSp>
+        <p:nvCxnSpPr>
+          <p:cNvPr id="22" name="Conector recto 21"/>
+          <p:cNvCxnSpPr/>
+          <p:nvPr/>
+        </p:nvCxnSpPr>
+        <p:spPr>
+          <a:xfrm>
+            <a:off x="5956663" y="4754880"/>
+            <a:ext cx="4284617" cy="0"/>
+          </a:xfrm>
+          <a:prstGeom prst="line">
+            <a:avLst/>
+          </a:prstGeom>
+          <a:ln w="38100">
+            <a:solidFill>
+              <a:srgbClr val="FF0000"/>
+            </a:solidFill>
+          </a:ln>
+        </p:spPr>
+        <p:style>
+          <a:lnRef idx="1">
+            <a:schemeClr val="accent1"/>
+          </a:lnRef>
+          <a:fillRef idx="0">
+            <a:schemeClr val="accent1"/>
+          </a:fillRef>
+          <a:effectRef idx="0">
+            <a:schemeClr val="accent1"/>
+          </a:effectRef>
+          <a:fontRef idx="minor">
+            <a:schemeClr val="tx1"/>
+          </a:fontRef>
+        </p:style>
+      </p:cxnSp>
+      <p:cxnSp>
+        <p:nvCxnSpPr>
+          <p:cNvPr id="24" name="Conector recto 23"/>
+          <p:cNvCxnSpPr/>
+          <p:nvPr/>
+        </p:nvCxnSpPr>
+        <p:spPr>
+          <a:xfrm>
+            <a:off x="2067179" y="5055326"/>
+            <a:ext cx="8174101" cy="26125"/>
+          </a:xfrm>
+          <a:prstGeom prst="line">
+            <a:avLst/>
+          </a:prstGeom>
+          <a:ln w="38100">
+            <a:solidFill>
+              <a:srgbClr val="FF0000"/>
+            </a:solidFill>
+          </a:ln>
+        </p:spPr>
+        <p:style>
+          <a:lnRef idx="1">
+            <a:schemeClr val="accent1"/>
+          </a:lnRef>
+          <a:fillRef idx="0">
+            <a:schemeClr val="accent1"/>
+          </a:fillRef>
+          <a:effectRef idx="0">
+            <a:schemeClr val="accent1"/>
+          </a:effectRef>
+          <a:fontRef idx="minor">
+            <a:schemeClr val="tx1"/>
+          </a:fontRef>
+        </p:style>
+      </p:cxnSp>
+      <p:cxnSp>
+        <p:nvCxnSpPr>
+          <p:cNvPr id="26" name="Conector recto 25"/>
+          <p:cNvCxnSpPr/>
+          <p:nvPr/>
+        </p:nvCxnSpPr>
+        <p:spPr>
+          <a:xfrm>
+            <a:off x="2067179" y="5375320"/>
+            <a:ext cx="5914227" cy="0"/>
+          </a:xfrm>
+          <a:prstGeom prst="line">
+            <a:avLst/>
+          </a:prstGeom>
+          <a:ln w="38100">
+            <a:solidFill>
+              <a:srgbClr val="FF0000"/>
+            </a:solidFill>
+          </a:ln>
+        </p:spPr>
+        <p:style>
+          <a:lnRef idx="1">
+            <a:schemeClr val="accent1"/>
+          </a:lnRef>
+          <a:fillRef idx="0">
+            <a:schemeClr val="accent1"/>
+          </a:fillRef>
+          <a:effectRef idx="0">
+            <a:schemeClr val="accent1"/>
+          </a:effectRef>
+          <a:fontRef idx="minor">
+            <a:schemeClr val="tx1"/>
+          </a:fontRef>
+        </p:style>
+      </p:cxnSp>
+      <p:sp>
+        <p:nvSpPr>
+          <p:cNvPr id="27" name="CuadroTexto 26"/>
           <p:cNvSpPr txBox="1"/>
           <p:nvPr/>
         </p:nvSpPr>
         <p:spPr>
           <a:xfrm>
-            <a:off x="1933302" y="6283234"/>
-            <a:ext cx="7733211" cy="369332"/>
+            <a:off x="3931920" y="5885805"/>
+            <a:ext cx="4650377" cy="646331"/>
           </a:xfrm>
           <a:prstGeom prst="rect">
             <a:avLst/>
@@ -16907,7 +16541,13 @@
           <a:p>
             <a:r>
               <a:rPr lang="es-PE" dirty="0" smtClean="0"/>
-              <a:t>Autopercepción e identidad: del código de honor a un sentido civil y humanista</a:t>
+              <a:t>Nuevo contexto: de las armas a la persuasión. </a:t>
+            </a:r>
+          </a:p>
+          <a:p>
+            <a:r>
+              <a:rPr lang="es-PE" dirty="0" smtClean="0"/>
+              <a:t>Kant: Razón pública y republicanismo</a:t>
             </a:r>
             <a:endParaRPr lang="es-PE" dirty="0"/>
           </a:p>
@@ -16916,7 +16556,7 @@
     </p:spTree>
     <p:extLst>
       <p:ext uri="{BB962C8B-B14F-4D97-AF65-F5344CB8AC3E}">
-        <p14:creationId xmlns:p14="http://schemas.microsoft.com/office/powerpoint/2010/main" val="148239015"/>
+        <p14:creationId xmlns:p14="http://schemas.microsoft.com/office/powerpoint/2010/main" val="2727336076"/>
       </p:ext>
     </p:extLst>
   </p:cSld>
@@ -18118,7 +17758,7 @@
           <a:p>
             <a:r>
               <a:rPr lang="es-PE" dirty="0" smtClean="0"/>
-              <a:t>p. 272-273</a:t>
+              <a:t>p. 273</a:t>
             </a:r>
             <a:endParaRPr lang="es-PE" dirty="0"/>
           </a:p>
@@ -18126,7 +17766,7 @@
       </p:sp>
       <p:pic>
         <p:nvPicPr>
-          <p:cNvPr id="4" name="Imagen 3"/>
+          <p:cNvPr id="3" name="Imagen 2"/>
           <p:cNvPicPr>
             <a:picLocks noChangeAspect="1"/>
           </p:cNvPicPr>
@@ -18140,32 +17780,8 @@
         </p:blipFill>
         <p:spPr>
           <a:xfrm>
-            <a:off x="1963856" y="473223"/>
-            <a:ext cx="8380635" cy="642898"/>
-          </a:xfrm>
-          <a:prstGeom prst="rect">
-            <a:avLst/>
-          </a:prstGeom>
-        </p:spPr>
-      </p:pic>
-      <p:pic>
-        <p:nvPicPr>
-          <p:cNvPr id="2" name="Imagen 1"/>
-          <p:cNvPicPr>
-            <a:picLocks noChangeAspect="1"/>
-          </p:cNvPicPr>
-          <p:nvPr/>
-        </p:nvPicPr>
-        <p:blipFill>
-          <a:blip r:embed="rId3"/>
-          <a:stretch>
-            <a:fillRect/>
-          </a:stretch>
-        </p:blipFill>
-        <p:spPr>
-          <a:xfrm>
-            <a:off x="2067179" y="1116121"/>
-            <a:ext cx="8277312" cy="4259199"/>
+            <a:off x="712061" y="1178105"/>
+            <a:ext cx="10623233" cy="3354705"/>
           </a:xfrm>
           <a:prstGeom prst="rect">
             <a:avLst/>
@@ -18174,14 +17790,14 @@
       </p:pic>
       <p:cxnSp>
         <p:nvCxnSpPr>
-          <p:cNvPr id="6" name="Conector recto 5"/>
+          <p:cNvPr id="4" name="Conector recto 3"/>
           <p:cNvCxnSpPr/>
           <p:nvPr/>
         </p:nvCxnSpPr>
         <p:spPr>
           <a:xfrm>
-            <a:off x="2913017" y="731520"/>
-            <a:ext cx="6413863" cy="0"/>
+            <a:off x="1293223" y="1489166"/>
+            <a:ext cx="9091748" cy="0"/>
           </a:xfrm>
           <a:prstGeom prst="line">
             <a:avLst/>
@@ -18209,14 +17825,14 @@
       </p:cxnSp>
       <p:cxnSp>
         <p:nvCxnSpPr>
-          <p:cNvPr id="8" name="Conector recto 7"/>
+          <p:cNvPr id="7" name="Conector recto 6"/>
           <p:cNvCxnSpPr/>
           <p:nvPr/>
         </p:nvCxnSpPr>
         <p:spPr>
           <a:xfrm>
-            <a:off x="8869680" y="1685109"/>
-            <a:ext cx="1371600" cy="13062"/>
+            <a:off x="1502229" y="2599509"/>
+            <a:ext cx="3017520" cy="0"/>
           </a:xfrm>
           <a:prstGeom prst="line">
             <a:avLst/>
@@ -18242,296 +17858,16 @@
           </a:fontRef>
         </p:style>
       </p:cxnSp>
-      <p:cxnSp>
-        <p:nvCxnSpPr>
-          <p:cNvPr id="10" name="Conector recto 9"/>
-          <p:cNvCxnSpPr/>
-          <p:nvPr/>
-        </p:nvCxnSpPr>
-        <p:spPr>
-          <a:xfrm flipV="1">
-            <a:off x="2067179" y="2011680"/>
-            <a:ext cx="4411998" cy="13063"/>
-          </a:xfrm>
-          <a:prstGeom prst="line">
-            <a:avLst/>
-          </a:prstGeom>
-          <a:ln w="38100">
-            <a:solidFill>
-              <a:srgbClr val="FF0000"/>
-            </a:solidFill>
-          </a:ln>
-        </p:spPr>
-        <p:style>
-          <a:lnRef idx="1">
-            <a:schemeClr val="accent1"/>
-          </a:lnRef>
-          <a:fillRef idx="0">
-            <a:schemeClr val="accent1"/>
-          </a:fillRef>
-          <a:effectRef idx="0">
-            <a:schemeClr val="accent1"/>
-          </a:effectRef>
-          <a:fontRef idx="minor">
-            <a:schemeClr val="tx1"/>
-          </a:fontRef>
-        </p:style>
-      </p:cxnSp>
-      <p:cxnSp>
-        <p:nvCxnSpPr>
-          <p:cNvPr id="12" name="Conector recto 11"/>
-          <p:cNvCxnSpPr/>
-          <p:nvPr/>
-        </p:nvCxnSpPr>
-        <p:spPr>
-          <a:xfrm>
-            <a:off x="4754880" y="2625634"/>
-            <a:ext cx="5394960" cy="13063"/>
-          </a:xfrm>
-          <a:prstGeom prst="line">
-            <a:avLst/>
-          </a:prstGeom>
-          <a:ln w="38100">
-            <a:solidFill>
-              <a:srgbClr val="FF0000"/>
-            </a:solidFill>
-          </a:ln>
-        </p:spPr>
-        <p:style>
-          <a:lnRef idx="1">
-            <a:schemeClr val="accent1"/>
-          </a:lnRef>
-          <a:fillRef idx="0">
-            <a:schemeClr val="accent1"/>
-          </a:fillRef>
-          <a:effectRef idx="0">
-            <a:schemeClr val="accent1"/>
-          </a:effectRef>
-          <a:fontRef idx="minor">
-            <a:schemeClr val="tx1"/>
-          </a:fontRef>
-        </p:style>
-      </p:cxnSp>
-      <p:cxnSp>
-        <p:nvCxnSpPr>
-          <p:cNvPr id="14" name="Conector recto 13"/>
-          <p:cNvCxnSpPr/>
-          <p:nvPr/>
-        </p:nvCxnSpPr>
-        <p:spPr>
-          <a:xfrm>
-            <a:off x="8582297" y="2272937"/>
-            <a:ext cx="1254034" cy="13063"/>
-          </a:xfrm>
-          <a:prstGeom prst="line">
-            <a:avLst/>
-          </a:prstGeom>
-          <a:ln w="38100">
-            <a:solidFill>
-              <a:srgbClr val="FF0000"/>
-            </a:solidFill>
-          </a:ln>
-        </p:spPr>
-        <p:style>
-          <a:lnRef idx="1">
-            <a:schemeClr val="accent1"/>
-          </a:lnRef>
-          <a:fillRef idx="0">
-            <a:schemeClr val="accent1"/>
-          </a:fillRef>
-          <a:effectRef idx="0">
-            <a:schemeClr val="accent1"/>
-          </a:effectRef>
-          <a:fontRef idx="minor">
-            <a:schemeClr val="tx1"/>
-          </a:fontRef>
-        </p:style>
-      </p:cxnSp>
-      <p:cxnSp>
-        <p:nvCxnSpPr>
-          <p:cNvPr id="16" name="Conector recto 15"/>
-          <p:cNvCxnSpPr/>
-          <p:nvPr/>
-        </p:nvCxnSpPr>
-        <p:spPr>
-          <a:xfrm>
-            <a:off x="4741817" y="2926080"/>
-            <a:ext cx="4585063" cy="0"/>
-          </a:xfrm>
-          <a:prstGeom prst="line">
-            <a:avLst/>
-          </a:prstGeom>
-          <a:ln w="38100">
-            <a:solidFill>
-              <a:srgbClr val="FF0000"/>
-            </a:solidFill>
-          </a:ln>
-        </p:spPr>
-        <p:style>
-          <a:lnRef idx="1">
-            <a:schemeClr val="accent1"/>
-          </a:lnRef>
-          <a:fillRef idx="0">
-            <a:schemeClr val="accent1"/>
-          </a:fillRef>
-          <a:effectRef idx="0">
-            <a:schemeClr val="accent1"/>
-          </a:effectRef>
-          <a:fontRef idx="minor">
-            <a:schemeClr val="tx1"/>
-          </a:fontRef>
-        </p:style>
-      </p:cxnSp>
-      <p:cxnSp>
-        <p:nvCxnSpPr>
-          <p:cNvPr id="18" name="Conector recto 17"/>
-          <p:cNvCxnSpPr/>
-          <p:nvPr/>
-        </p:nvCxnSpPr>
-        <p:spPr>
-          <a:xfrm>
-            <a:off x="4754880" y="3239589"/>
-            <a:ext cx="1907177" cy="13062"/>
-          </a:xfrm>
-          <a:prstGeom prst="line">
-            <a:avLst/>
-          </a:prstGeom>
-          <a:ln w="38100">
-            <a:solidFill>
-              <a:srgbClr val="FF0000"/>
-            </a:solidFill>
-          </a:ln>
-        </p:spPr>
-        <p:style>
-          <a:lnRef idx="1">
-            <a:schemeClr val="accent1"/>
-          </a:lnRef>
-          <a:fillRef idx="0">
-            <a:schemeClr val="accent1"/>
-          </a:fillRef>
-          <a:effectRef idx="0">
-            <a:schemeClr val="accent1"/>
-          </a:effectRef>
-          <a:fontRef idx="minor">
-            <a:schemeClr val="tx1"/>
-          </a:fontRef>
-        </p:style>
-      </p:cxnSp>
-      <p:cxnSp>
-        <p:nvCxnSpPr>
-          <p:cNvPr id="22" name="Conector recto 21"/>
-          <p:cNvCxnSpPr/>
-          <p:nvPr/>
-        </p:nvCxnSpPr>
-        <p:spPr>
-          <a:xfrm>
-            <a:off x="5956663" y="4754880"/>
-            <a:ext cx="4284617" cy="0"/>
-          </a:xfrm>
-          <a:prstGeom prst="line">
-            <a:avLst/>
-          </a:prstGeom>
-          <a:ln w="38100">
-            <a:solidFill>
-              <a:srgbClr val="FF0000"/>
-            </a:solidFill>
-          </a:ln>
-        </p:spPr>
-        <p:style>
-          <a:lnRef idx="1">
-            <a:schemeClr val="accent1"/>
-          </a:lnRef>
-          <a:fillRef idx="0">
-            <a:schemeClr val="accent1"/>
-          </a:fillRef>
-          <a:effectRef idx="0">
-            <a:schemeClr val="accent1"/>
-          </a:effectRef>
-          <a:fontRef idx="minor">
-            <a:schemeClr val="tx1"/>
-          </a:fontRef>
-        </p:style>
-      </p:cxnSp>
-      <p:cxnSp>
-        <p:nvCxnSpPr>
-          <p:cNvPr id="24" name="Conector recto 23"/>
-          <p:cNvCxnSpPr/>
-          <p:nvPr/>
-        </p:nvCxnSpPr>
-        <p:spPr>
-          <a:xfrm>
-            <a:off x="2067179" y="5055326"/>
-            <a:ext cx="8174101" cy="26125"/>
-          </a:xfrm>
-          <a:prstGeom prst="line">
-            <a:avLst/>
-          </a:prstGeom>
-          <a:ln w="38100">
-            <a:solidFill>
-              <a:srgbClr val="FF0000"/>
-            </a:solidFill>
-          </a:ln>
-        </p:spPr>
-        <p:style>
-          <a:lnRef idx="1">
-            <a:schemeClr val="accent1"/>
-          </a:lnRef>
-          <a:fillRef idx="0">
-            <a:schemeClr val="accent1"/>
-          </a:fillRef>
-          <a:effectRef idx="0">
-            <a:schemeClr val="accent1"/>
-          </a:effectRef>
-          <a:fontRef idx="minor">
-            <a:schemeClr val="tx1"/>
-          </a:fontRef>
-        </p:style>
-      </p:cxnSp>
-      <p:cxnSp>
-        <p:nvCxnSpPr>
-          <p:cNvPr id="26" name="Conector recto 25"/>
-          <p:cNvCxnSpPr/>
-          <p:nvPr/>
-        </p:nvCxnSpPr>
-        <p:spPr>
-          <a:xfrm>
-            <a:off x="2067179" y="5375320"/>
-            <a:ext cx="5914227" cy="0"/>
-          </a:xfrm>
-          <a:prstGeom prst="line">
-            <a:avLst/>
-          </a:prstGeom>
-          <a:ln w="38100">
-            <a:solidFill>
-              <a:srgbClr val="FF0000"/>
-            </a:solidFill>
-          </a:ln>
-        </p:spPr>
-        <p:style>
-          <a:lnRef idx="1">
-            <a:schemeClr val="accent1"/>
-          </a:lnRef>
-          <a:fillRef idx="0">
-            <a:schemeClr val="accent1"/>
-          </a:fillRef>
-          <a:effectRef idx="0">
-            <a:schemeClr val="accent1"/>
-          </a:effectRef>
-          <a:fontRef idx="minor">
-            <a:schemeClr val="tx1"/>
-          </a:fontRef>
-        </p:style>
-      </p:cxnSp>
-      <p:sp>
-        <p:nvSpPr>
-          <p:cNvPr id="27" name="CuadroTexto 26"/>
+      <p:sp>
+        <p:nvSpPr>
+          <p:cNvPr id="8" name="CuadroTexto 7"/>
           <p:cNvSpPr txBox="1"/>
           <p:nvPr/>
         </p:nvSpPr>
         <p:spPr>
           <a:xfrm>
-            <a:off x="3931920" y="5885805"/>
-            <a:ext cx="4650377" cy="646331"/>
+            <a:off x="3344092" y="5869965"/>
+            <a:ext cx="5682342" cy="369332"/>
           </a:xfrm>
           <a:prstGeom prst="rect">
             <a:avLst/>
@@ -18546,13 +17882,15 @@
           <a:p>
             <a:r>
               <a:rPr lang="es-PE" dirty="0" smtClean="0"/>
-              <a:t>Nuevo contexto: de las armas a la persuasión. </a:t>
-            </a:r>
-          </a:p>
-          <a:p>
+              <a:t>Cortesano: ciudadano de razones; </a:t>
+            </a:r>
+            <a:r>
+              <a:rPr lang="es-PE" dirty="0" err="1" smtClean="0"/>
+              <a:t>co</a:t>
+            </a:r>
             <a:r>
               <a:rPr lang="es-PE" dirty="0" smtClean="0"/>
-              <a:t>Kant: Razón pública y republicanismo</a:t>
+              <a:t>-legislador</a:t>
             </a:r>
             <a:endParaRPr lang="es-PE" dirty="0"/>
           </a:p>
@@ -18561,7 +17899,7 @@
     </p:spTree>
     <p:extLst>
       <p:ext uri="{BB962C8B-B14F-4D97-AF65-F5344CB8AC3E}">
-        <p14:creationId xmlns:p14="http://schemas.microsoft.com/office/powerpoint/2010/main" val="2727336076"/>
+        <p14:creationId xmlns:p14="http://schemas.microsoft.com/office/powerpoint/2010/main" val="3161204201"/>
       </p:ext>
     </p:extLst>
   </p:cSld>
@@ -18620,7 +17958,7 @@
       </p:sp>
       <p:pic>
         <p:nvPicPr>
-          <p:cNvPr id="3" name="Imagen 2"/>
+          <p:cNvPr id="2" name="Imagen 1"/>
           <p:cNvPicPr>
             <a:picLocks noChangeAspect="1"/>
           </p:cNvPicPr>
@@ -18634,8 +17972,32 @@
         </p:blipFill>
         <p:spPr>
           <a:xfrm>
-            <a:off x="712061" y="1178105"/>
-            <a:ext cx="10623233" cy="3354705"/>
+            <a:off x="1545560" y="701632"/>
+            <a:ext cx="8598170" cy="4145967"/>
+          </a:xfrm>
+          <a:prstGeom prst="rect">
+            <a:avLst/>
+          </a:prstGeom>
+        </p:spPr>
+      </p:pic>
+      <p:pic>
+        <p:nvPicPr>
+          <p:cNvPr id="4" name="Imagen 3"/>
+          <p:cNvPicPr>
+            <a:picLocks noChangeAspect="1"/>
+          </p:cNvPicPr>
+          <p:nvPr/>
+        </p:nvPicPr>
+        <p:blipFill>
+          <a:blip r:embed="rId3"/>
+          <a:stretch>
+            <a:fillRect/>
+          </a:stretch>
+        </p:blipFill>
+        <p:spPr>
+          <a:xfrm>
+            <a:off x="1545560" y="4847599"/>
+            <a:ext cx="5936271" cy="447576"/>
           </a:xfrm>
           <a:prstGeom prst="rect">
             <a:avLst/>
@@ -18644,14 +18006,14 @@
       </p:pic>
       <p:cxnSp>
         <p:nvCxnSpPr>
-          <p:cNvPr id="4" name="Conector recto 3"/>
+          <p:cNvPr id="6" name="Conector recto 5"/>
           <p:cNvCxnSpPr/>
           <p:nvPr/>
         </p:nvCxnSpPr>
         <p:spPr>
           <a:xfrm>
-            <a:off x="1293223" y="1489166"/>
-            <a:ext cx="9091748" cy="0"/>
+            <a:off x="4245429" y="992777"/>
+            <a:ext cx="4349931" cy="0"/>
           </a:xfrm>
           <a:prstGeom prst="line">
             <a:avLst/>
@@ -18679,14 +18041,14 @@
       </p:cxnSp>
       <p:cxnSp>
         <p:nvCxnSpPr>
-          <p:cNvPr id="7" name="Conector recto 6"/>
+          <p:cNvPr id="8" name="Conector recto 7"/>
           <p:cNvCxnSpPr/>
           <p:nvPr/>
         </p:nvCxnSpPr>
         <p:spPr>
           <a:xfrm>
-            <a:off x="1502229" y="2599509"/>
-            <a:ext cx="3017520" cy="0"/>
+            <a:off x="1685109" y="3553097"/>
+            <a:ext cx="8458621" cy="0"/>
           </a:xfrm>
           <a:prstGeom prst="line">
             <a:avLst/>
@@ -18712,16 +18074,226 @@
           </a:fontRef>
         </p:style>
       </p:cxnSp>
-      <p:sp>
-        <p:nvSpPr>
-          <p:cNvPr id="8" name="CuadroTexto 7"/>
+      <p:cxnSp>
+        <p:nvCxnSpPr>
+          <p:cNvPr id="10" name="Conector recto 9"/>
+          <p:cNvCxnSpPr/>
+          <p:nvPr/>
+        </p:nvCxnSpPr>
+        <p:spPr>
+          <a:xfrm>
+            <a:off x="1685109" y="3892731"/>
+            <a:ext cx="8360228" cy="0"/>
+          </a:xfrm>
+          <a:prstGeom prst="line">
+            <a:avLst/>
+          </a:prstGeom>
+          <a:ln w="38100">
+            <a:solidFill>
+              <a:srgbClr val="FF0000"/>
+            </a:solidFill>
+          </a:ln>
+        </p:spPr>
+        <p:style>
+          <a:lnRef idx="1">
+            <a:schemeClr val="accent1"/>
+          </a:lnRef>
+          <a:fillRef idx="0">
+            <a:schemeClr val="accent1"/>
+          </a:fillRef>
+          <a:effectRef idx="0">
+            <a:schemeClr val="accent1"/>
+          </a:effectRef>
+          <a:fontRef idx="minor">
+            <a:schemeClr val="tx1"/>
+          </a:fontRef>
+        </p:style>
+      </p:cxnSp>
+      <p:cxnSp>
+        <p:nvCxnSpPr>
+          <p:cNvPr id="12" name="Conector recto 11"/>
+          <p:cNvCxnSpPr/>
+          <p:nvPr/>
+        </p:nvCxnSpPr>
+        <p:spPr>
+          <a:xfrm>
+            <a:off x="1685109" y="4232366"/>
+            <a:ext cx="3918857" cy="0"/>
+          </a:xfrm>
+          <a:prstGeom prst="line">
+            <a:avLst/>
+          </a:prstGeom>
+          <a:ln w="38100">
+            <a:solidFill>
+              <a:srgbClr val="FF0000"/>
+            </a:solidFill>
+          </a:ln>
+        </p:spPr>
+        <p:style>
+          <a:lnRef idx="1">
+            <a:schemeClr val="accent1"/>
+          </a:lnRef>
+          <a:fillRef idx="0">
+            <a:schemeClr val="accent1"/>
+          </a:fillRef>
+          <a:effectRef idx="0">
+            <a:schemeClr val="accent1"/>
+          </a:effectRef>
+          <a:fontRef idx="minor">
+            <a:schemeClr val="tx1"/>
+          </a:fontRef>
+        </p:style>
+      </p:cxnSp>
+      <p:cxnSp>
+        <p:nvCxnSpPr>
+          <p:cNvPr id="14" name="Conector recto 13"/>
+          <p:cNvCxnSpPr/>
+          <p:nvPr/>
+        </p:nvCxnSpPr>
+        <p:spPr>
+          <a:xfrm>
+            <a:off x="6204857" y="4232366"/>
+            <a:ext cx="3840480" cy="0"/>
+          </a:xfrm>
+          <a:prstGeom prst="line">
+            <a:avLst/>
+          </a:prstGeom>
+          <a:ln w="38100">
+            <a:solidFill>
+              <a:srgbClr val="FF0000"/>
+            </a:solidFill>
+          </a:ln>
+        </p:spPr>
+        <p:style>
+          <a:lnRef idx="1">
+            <a:schemeClr val="accent1"/>
+          </a:lnRef>
+          <a:fillRef idx="0">
+            <a:schemeClr val="accent1"/>
+          </a:fillRef>
+          <a:effectRef idx="0">
+            <a:schemeClr val="accent1"/>
+          </a:effectRef>
+          <a:fontRef idx="minor">
+            <a:schemeClr val="tx1"/>
+          </a:fontRef>
+        </p:style>
+      </p:cxnSp>
+      <p:cxnSp>
+        <p:nvCxnSpPr>
+          <p:cNvPr id="16" name="Conector recto 15"/>
+          <p:cNvCxnSpPr/>
+          <p:nvPr/>
+        </p:nvCxnSpPr>
+        <p:spPr>
+          <a:xfrm>
+            <a:off x="1685109" y="4480560"/>
+            <a:ext cx="8360228" cy="13063"/>
+          </a:xfrm>
+          <a:prstGeom prst="line">
+            <a:avLst/>
+          </a:prstGeom>
+          <a:ln w="38100">
+            <a:solidFill>
+              <a:srgbClr val="FF0000"/>
+            </a:solidFill>
+          </a:ln>
+        </p:spPr>
+        <p:style>
+          <a:lnRef idx="1">
+            <a:schemeClr val="accent1"/>
+          </a:lnRef>
+          <a:fillRef idx="0">
+            <a:schemeClr val="accent1"/>
+          </a:fillRef>
+          <a:effectRef idx="0">
+            <a:schemeClr val="accent1"/>
+          </a:effectRef>
+          <a:fontRef idx="minor">
+            <a:schemeClr val="tx1"/>
+          </a:fontRef>
+        </p:style>
+      </p:cxnSp>
+      <p:cxnSp>
+        <p:nvCxnSpPr>
+          <p:cNvPr id="18" name="Conector recto 17"/>
+          <p:cNvCxnSpPr/>
+          <p:nvPr/>
+        </p:nvCxnSpPr>
+        <p:spPr>
+          <a:xfrm>
+            <a:off x="1685109" y="4847599"/>
+            <a:ext cx="8360228" cy="0"/>
+          </a:xfrm>
+          <a:prstGeom prst="line">
+            <a:avLst/>
+          </a:prstGeom>
+          <a:ln w="38100">
+            <a:solidFill>
+              <a:srgbClr val="FF0000"/>
+            </a:solidFill>
+          </a:ln>
+        </p:spPr>
+        <p:style>
+          <a:lnRef idx="1">
+            <a:schemeClr val="accent1"/>
+          </a:lnRef>
+          <a:fillRef idx="0">
+            <a:schemeClr val="accent1"/>
+          </a:fillRef>
+          <a:effectRef idx="0">
+            <a:schemeClr val="accent1"/>
+          </a:effectRef>
+          <a:fontRef idx="minor">
+            <a:schemeClr val="tx1"/>
+          </a:fontRef>
+        </p:style>
+      </p:cxnSp>
+      <p:cxnSp>
+        <p:nvCxnSpPr>
+          <p:cNvPr id="20" name="Conector recto 19"/>
+          <p:cNvCxnSpPr/>
+          <p:nvPr/>
+        </p:nvCxnSpPr>
+        <p:spPr>
+          <a:xfrm>
+            <a:off x="1685109" y="5295175"/>
+            <a:ext cx="5473337" cy="0"/>
+          </a:xfrm>
+          <a:prstGeom prst="line">
+            <a:avLst/>
+          </a:prstGeom>
+          <a:ln w="38100">
+            <a:solidFill>
+              <a:srgbClr val="FF0000"/>
+            </a:solidFill>
+          </a:ln>
+        </p:spPr>
+        <p:style>
+          <a:lnRef idx="1">
+            <a:schemeClr val="accent1"/>
+          </a:lnRef>
+          <a:fillRef idx="0">
+            <a:schemeClr val="accent1"/>
+          </a:fillRef>
+          <a:effectRef idx="0">
+            <a:schemeClr val="accent1"/>
+          </a:effectRef>
+          <a:fontRef idx="minor">
+            <a:schemeClr val="tx1"/>
+          </a:fontRef>
+        </p:style>
+      </p:cxnSp>
+      <p:sp>
+        <p:nvSpPr>
+          <p:cNvPr id="21" name="CuadroTexto 20"/>
           <p:cNvSpPr txBox="1"/>
           <p:nvPr/>
         </p:nvSpPr>
         <p:spPr>
           <a:xfrm>
-            <a:off x="3344092" y="5869965"/>
-            <a:ext cx="5682342" cy="369332"/>
+            <a:off x="2704012" y="6035231"/>
+            <a:ext cx="6675120" cy="369332"/>
           </a:xfrm>
           <a:prstGeom prst="rect">
             <a:avLst/>
@@ -18736,15 +18308,7 @@
           <a:p>
             <a:r>
               <a:rPr lang="es-PE" dirty="0" smtClean="0"/>
-              <a:t>Cortesano: ciudadano de razones; </a:t>
-            </a:r>
-            <a:r>
-              <a:rPr lang="es-PE" dirty="0" err="1" smtClean="0"/>
-              <a:t>co</a:t>
-            </a:r>
-            <a:r>
-              <a:rPr lang="es-PE" dirty="0" smtClean="0"/>
-              <a:t>-legislador</a:t>
+              <a:t>Cortesía, civilidad y humanidad: promueven armonía y paz general</a:t>
             </a:r>
             <a:endParaRPr lang="es-PE" dirty="0"/>
           </a:p>
@@ -18753,7 +18317,7 @@
     </p:spTree>
     <p:extLst>
       <p:ext uri="{BB962C8B-B14F-4D97-AF65-F5344CB8AC3E}">
-        <p14:creationId xmlns:p14="http://schemas.microsoft.com/office/powerpoint/2010/main" val="3161204201"/>
+        <p14:creationId xmlns:p14="http://schemas.microsoft.com/office/powerpoint/2010/main" val="2740624032"/>
       </p:ext>
     </p:extLst>
   </p:cSld>
@@ -18804,7 +18368,7 @@
           <a:p>
             <a:r>
               <a:rPr lang="es-PE" dirty="0" smtClean="0"/>
-              <a:t>p. 273</a:t>
+              <a:t>p. 274</a:t>
             </a:r>
             <a:endParaRPr lang="es-PE" dirty="0"/>
           </a:p>
@@ -18812,7 +18376,7 @@
       </p:sp>
       <p:pic>
         <p:nvPicPr>
-          <p:cNvPr id="2" name="Imagen 1"/>
+          <p:cNvPr id="3" name="Imagen 2"/>
           <p:cNvPicPr>
             <a:picLocks noChangeAspect="1"/>
           </p:cNvPicPr>
@@ -18826,32 +18390,8 @@
         </p:blipFill>
         <p:spPr>
           <a:xfrm>
-            <a:off x="1545560" y="701632"/>
-            <a:ext cx="8598170" cy="4145967"/>
-          </a:xfrm>
-          <a:prstGeom prst="rect">
-            <a:avLst/>
-          </a:prstGeom>
-        </p:spPr>
-      </p:pic>
-      <p:pic>
-        <p:nvPicPr>
-          <p:cNvPr id="4" name="Imagen 3"/>
-          <p:cNvPicPr>
-            <a:picLocks noChangeAspect="1"/>
-          </p:cNvPicPr>
-          <p:nvPr/>
-        </p:nvPicPr>
-        <p:blipFill>
-          <a:blip r:embed="rId3"/>
-          <a:stretch>
-            <a:fillRect/>
-          </a:stretch>
-        </p:blipFill>
-        <p:spPr>
-          <a:xfrm>
-            <a:off x="1545560" y="4847599"/>
-            <a:ext cx="5936271" cy="447576"/>
+            <a:off x="1716677" y="608920"/>
+            <a:ext cx="8602980" cy="5261231"/>
           </a:xfrm>
           <a:prstGeom prst="rect">
             <a:avLst/>
@@ -18860,14 +18400,14 @@
       </p:pic>
       <p:cxnSp>
         <p:nvCxnSpPr>
-          <p:cNvPr id="6" name="Conector recto 5"/>
+          <p:cNvPr id="4" name="Conector recto 3"/>
           <p:cNvCxnSpPr/>
           <p:nvPr/>
         </p:nvCxnSpPr>
         <p:spPr>
           <a:xfrm>
-            <a:off x="4245429" y="992777"/>
-            <a:ext cx="4349931" cy="0"/>
+            <a:off x="4127863" y="849086"/>
+            <a:ext cx="822960" cy="0"/>
           </a:xfrm>
           <a:prstGeom prst="line">
             <a:avLst/>
@@ -18895,14 +18435,14 @@
       </p:cxnSp>
       <p:cxnSp>
         <p:nvCxnSpPr>
-          <p:cNvPr id="8" name="Conector recto 7"/>
+          <p:cNvPr id="7" name="Conector recto 6"/>
           <p:cNvCxnSpPr/>
           <p:nvPr/>
         </p:nvCxnSpPr>
         <p:spPr>
           <a:xfrm>
-            <a:off x="1685109" y="3553097"/>
-            <a:ext cx="8458621" cy="0"/>
+            <a:off x="8242663" y="849086"/>
+            <a:ext cx="1959428" cy="0"/>
           </a:xfrm>
           <a:prstGeom prst="line">
             <a:avLst/>
@@ -18930,14 +18470,14 @@
       </p:cxnSp>
       <p:cxnSp>
         <p:nvCxnSpPr>
-          <p:cNvPr id="10" name="Conector recto 9"/>
+          <p:cNvPr id="9" name="Conector recto 8"/>
           <p:cNvCxnSpPr/>
           <p:nvPr/>
         </p:nvCxnSpPr>
         <p:spPr>
           <a:xfrm>
-            <a:off x="1685109" y="3892731"/>
-            <a:ext cx="8360228" cy="0"/>
+            <a:off x="1959429" y="1149531"/>
+            <a:ext cx="940525" cy="0"/>
           </a:xfrm>
           <a:prstGeom prst="line">
             <a:avLst/>
@@ -18971,8 +18511,8 @@
         </p:nvCxnSpPr>
         <p:spPr>
           <a:xfrm>
-            <a:off x="1685109" y="4232366"/>
-            <a:ext cx="3918857" cy="0"/>
+            <a:off x="3122023" y="1149531"/>
+            <a:ext cx="5760720" cy="0"/>
           </a:xfrm>
           <a:prstGeom prst="line">
             <a:avLst/>
@@ -19006,8 +18546,8 @@
         </p:nvCxnSpPr>
         <p:spPr>
           <a:xfrm>
-            <a:off x="6204857" y="4232366"/>
-            <a:ext cx="3840480" cy="0"/>
+            <a:off x="4010297" y="1449977"/>
+            <a:ext cx="3931920" cy="0"/>
           </a:xfrm>
           <a:prstGeom prst="line">
             <a:avLst/>
@@ -19041,8 +18581,8 @@
         </p:nvCxnSpPr>
         <p:spPr>
           <a:xfrm>
-            <a:off x="1685109" y="4480560"/>
-            <a:ext cx="8360228" cy="13063"/>
+            <a:off x="8098971" y="1449977"/>
+            <a:ext cx="2103120" cy="0"/>
           </a:xfrm>
           <a:prstGeom prst="line">
             <a:avLst/>
@@ -19075,9 +18615,9 @@
           <p:nvPr/>
         </p:nvCxnSpPr>
         <p:spPr>
-          <a:xfrm>
-            <a:off x="1685109" y="4847599"/>
-            <a:ext cx="8360228" cy="0"/>
+          <a:xfrm flipV="1">
+            <a:off x="1867989" y="1750423"/>
+            <a:ext cx="1854925" cy="13063"/>
           </a:xfrm>
           <a:prstGeom prst="line">
             <a:avLst/>
@@ -19111,8 +18651,8 @@
         </p:nvCxnSpPr>
         <p:spPr>
           <a:xfrm>
-            <a:off x="1685109" y="5295175"/>
-            <a:ext cx="5473337" cy="0"/>
+            <a:off x="4010297" y="1750423"/>
+            <a:ext cx="6191794" cy="0"/>
           </a:xfrm>
           <a:prstGeom prst="line">
             <a:avLst/>
@@ -19138,16 +18678,366 @@
           </a:fontRef>
         </p:style>
       </p:cxnSp>
-      <p:sp>
-        <p:nvSpPr>
-          <p:cNvPr id="21" name="CuadroTexto 20"/>
+      <p:cxnSp>
+        <p:nvCxnSpPr>
+          <p:cNvPr id="22" name="Conector recto 21"/>
+          <p:cNvCxnSpPr/>
+          <p:nvPr/>
+        </p:nvCxnSpPr>
+        <p:spPr>
+          <a:xfrm>
+            <a:off x="1959429" y="2129246"/>
+            <a:ext cx="1449977" cy="0"/>
+          </a:xfrm>
+          <a:prstGeom prst="line">
+            <a:avLst/>
+          </a:prstGeom>
+          <a:ln w="38100">
+            <a:solidFill>
+              <a:srgbClr val="FF0000"/>
+            </a:solidFill>
+          </a:ln>
+        </p:spPr>
+        <p:style>
+          <a:lnRef idx="1">
+            <a:schemeClr val="accent1"/>
+          </a:lnRef>
+          <a:fillRef idx="0">
+            <a:schemeClr val="accent1"/>
+          </a:fillRef>
+          <a:effectRef idx="0">
+            <a:schemeClr val="accent1"/>
+          </a:effectRef>
+          <a:fontRef idx="minor">
+            <a:schemeClr val="tx1"/>
+          </a:fontRef>
+        </p:style>
+      </p:cxnSp>
+      <p:cxnSp>
+        <p:nvCxnSpPr>
+          <p:cNvPr id="25" name="Conector recto 24"/>
+          <p:cNvCxnSpPr/>
+          <p:nvPr/>
+        </p:nvCxnSpPr>
+        <p:spPr>
+          <a:xfrm>
+            <a:off x="5643154" y="2481943"/>
+            <a:ext cx="1881052" cy="13063"/>
+          </a:xfrm>
+          <a:prstGeom prst="line">
+            <a:avLst/>
+          </a:prstGeom>
+          <a:ln w="38100">
+            <a:solidFill>
+              <a:srgbClr val="FF0000"/>
+            </a:solidFill>
+          </a:ln>
+        </p:spPr>
+        <p:style>
+          <a:lnRef idx="1">
+            <a:schemeClr val="accent1"/>
+          </a:lnRef>
+          <a:fillRef idx="0">
+            <a:schemeClr val="accent1"/>
+          </a:fillRef>
+          <a:effectRef idx="0">
+            <a:schemeClr val="accent1"/>
+          </a:effectRef>
+          <a:fontRef idx="minor">
+            <a:schemeClr val="tx1"/>
+          </a:fontRef>
+        </p:style>
+      </p:cxnSp>
+      <p:cxnSp>
+        <p:nvCxnSpPr>
+          <p:cNvPr id="27" name="Conector recto 26"/>
+          <p:cNvCxnSpPr/>
+          <p:nvPr/>
+        </p:nvCxnSpPr>
+        <p:spPr>
+          <a:xfrm>
+            <a:off x="7942217" y="2756263"/>
+            <a:ext cx="2168434" cy="13063"/>
+          </a:xfrm>
+          <a:prstGeom prst="line">
+            <a:avLst/>
+          </a:prstGeom>
+          <a:ln w="38100">
+            <a:solidFill>
+              <a:srgbClr val="FF0000"/>
+            </a:solidFill>
+          </a:ln>
+        </p:spPr>
+        <p:style>
+          <a:lnRef idx="1">
+            <a:schemeClr val="accent1"/>
+          </a:lnRef>
+          <a:fillRef idx="0">
+            <a:schemeClr val="accent1"/>
+          </a:fillRef>
+          <a:effectRef idx="0">
+            <a:schemeClr val="accent1"/>
+          </a:effectRef>
+          <a:fontRef idx="minor">
+            <a:schemeClr val="tx1"/>
+          </a:fontRef>
+        </p:style>
+      </p:cxnSp>
+      <p:cxnSp>
+        <p:nvCxnSpPr>
+          <p:cNvPr id="29" name="Conector recto 28"/>
+          <p:cNvCxnSpPr/>
+          <p:nvPr/>
+        </p:nvCxnSpPr>
+        <p:spPr>
+          <a:xfrm>
+            <a:off x="1959429" y="3082834"/>
+            <a:ext cx="8242662" cy="0"/>
+          </a:xfrm>
+          <a:prstGeom prst="line">
+            <a:avLst/>
+          </a:prstGeom>
+          <a:ln w="38100">
+            <a:solidFill>
+              <a:srgbClr val="FF0000"/>
+            </a:solidFill>
+          </a:ln>
+        </p:spPr>
+        <p:style>
+          <a:lnRef idx="1">
+            <a:schemeClr val="accent1"/>
+          </a:lnRef>
+          <a:fillRef idx="0">
+            <a:schemeClr val="accent1"/>
+          </a:fillRef>
+          <a:effectRef idx="0">
+            <a:schemeClr val="accent1"/>
+          </a:effectRef>
+          <a:fontRef idx="minor">
+            <a:schemeClr val="tx1"/>
+          </a:fontRef>
+        </p:style>
+      </p:cxnSp>
+      <p:cxnSp>
+        <p:nvCxnSpPr>
+          <p:cNvPr id="31" name="Conector recto 30"/>
+          <p:cNvCxnSpPr/>
+          <p:nvPr/>
+        </p:nvCxnSpPr>
+        <p:spPr>
+          <a:xfrm>
+            <a:off x="1959429" y="3383280"/>
+            <a:ext cx="4506685" cy="0"/>
+          </a:xfrm>
+          <a:prstGeom prst="line">
+            <a:avLst/>
+          </a:prstGeom>
+          <a:ln w="38100">
+            <a:solidFill>
+              <a:srgbClr val="FF0000"/>
+            </a:solidFill>
+          </a:ln>
+        </p:spPr>
+        <p:style>
+          <a:lnRef idx="1">
+            <a:schemeClr val="accent1"/>
+          </a:lnRef>
+          <a:fillRef idx="0">
+            <a:schemeClr val="accent1"/>
+          </a:fillRef>
+          <a:effectRef idx="0">
+            <a:schemeClr val="accent1"/>
+          </a:effectRef>
+          <a:fontRef idx="minor">
+            <a:schemeClr val="tx1"/>
+          </a:fontRef>
+        </p:style>
+      </p:cxnSp>
+      <p:cxnSp>
+        <p:nvCxnSpPr>
+          <p:cNvPr id="33" name="Conector recto 32"/>
+          <p:cNvCxnSpPr/>
+          <p:nvPr/>
+        </p:nvCxnSpPr>
+        <p:spPr>
+          <a:xfrm flipV="1">
+            <a:off x="7106194" y="3683726"/>
+            <a:ext cx="914400" cy="13063"/>
+          </a:xfrm>
+          <a:prstGeom prst="line">
+            <a:avLst/>
+          </a:prstGeom>
+          <a:ln w="38100">
+            <a:solidFill>
+              <a:srgbClr val="FF0000"/>
+            </a:solidFill>
+          </a:ln>
+        </p:spPr>
+        <p:style>
+          <a:lnRef idx="1">
+            <a:schemeClr val="accent1"/>
+          </a:lnRef>
+          <a:fillRef idx="0">
+            <a:schemeClr val="accent1"/>
+          </a:fillRef>
+          <a:effectRef idx="0">
+            <a:schemeClr val="accent1"/>
+          </a:effectRef>
+          <a:fontRef idx="minor">
+            <a:schemeClr val="tx1"/>
+          </a:fontRef>
+        </p:style>
+      </p:cxnSp>
+      <p:cxnSp>
+        <p:nvCxnSpPr>
+          <p:cNvPr id="35" name="Conector recto 34"/>
+          <p:cNvCxnSpPr/>
+          <p:nvPr/>
+        </p:nvCxnSpPr>
+        <p:spPr>
+          <a:xfrm>
+            <a:off x="8647611" y="3683726"/>
+            <a:ext cx="235132" cy="0"/>
+          </a:xfrm>
+          <a:prstGeom prst="line">
+            <a:avLst/>
+          </a:prstGeom>
+          <a:ln w="38100">
+            <a:solidFill>
+              <a:srgbClr val="FF0000"/>
+            </a:solidFill>
+          </a:ln>
+        </p:spPr>
+        <p:style>
+          <a:lnRef idx="1">
+            <a:schemeClr val="accent1"/>
+          </a:lnRef>
+          <a:fillRef idx="0">
+            <a:schemeClr val="accent1"/>
+          </a:fillRef>
+          <a:effectRef idx="0">
+            <a:schemeClr val="accent1"/>
+          </a:effectRef>
+          <a:fontRef idx="minor">
+            <a:schemeClr val="tx1"/>
+          </a:fontRef>
+        </p:style>
+      </p:cxnSp>
+      <p:cxnSp>
+        <p:nvCxnSpPr>
+          <p:cNvPr id="37" name="Conector recto 36"/>
+          <p:cNvCxnSpPr/>
+          <p:nvPr/>
+        </p:nvCxnSpPr>
+        <p:spPr>
+          <a:xfrm>
+            <a:off x="2194560" y="3997234"/>
+            <a:ext cx="1933303" cy="13063"/>
+          </a:xfrm>
+          <a:prstGeom prst="line">
+            <a:avLst/>
+          </a:prstGeom>
+          <a:ln w="38100">
+            <a:solidFill>
+              <a:srgbClr val="FF0000"/>
+            </a:solidFill>
+          </a:ln>
+        </p:spPr>
+        <p:style>
+          <a:lnRef idx="1">
+            <a:schemeClr val="accent1"/>
+          </a:lnRef>
+          <a:fillRef idx="0">
+            <a:schemeClr val="accent1"/>
+          </a:fillRef>
+          <a:effectRef idx="0">
+            <a:schemeClr val="accent1"/>
+          </a:effectRef>
+          <a:fontRef idx="minor">
+            <a:schemeClr val="tx1"/>
+          </a:fontRef>
+        </p:style>
+      </p:cxnSp>
+      <p:cxnSp>
+        <p:nvCxnSpPr>
+          <p:cNvPr id="39" name="Conector recto 38"/>
+          <p:cNvCxnSpPr/>
+          <p:nvPr/>
+        </p:nvCxnSpPr>
+        <p:spPr>
+          <a:xfrm>
+            <a:off x="1959429" y="4271554"/>
+            <a:ext cx="4820194" cy="0"/>
+          </a:xfrm>
+          <a:prstGeom prst="line">
+            <a:avLst/>
+          </a:prstGeom>
+          <a:ln w="38100">
+            <a:solidFill>
+              <a:srgbClr val="FF0000"/>
+            </a:solidFill>
+          </a:ln>
+        </p:spPr>
+        <p:style>
+          <a:lnRef idx="1">
+            <a:schemeClr val="accent1"/>
+          </a:lnRef>
+          <a:fillRef idx="0">
+            <a:schemeClr val="accent1"/>
+          </a:fillRef>
+          <a:effectRef idx="0">
+            <a:schemeClr val="accent1"/>
+          </a:effectRef>
+          <a:fontRef idx="minor">
+            <a:schemeClr val="tx1"/>
+          </a:fontRef>
+        </p:style>
+      </p:cxnSp>
+      <p:cxnSp>
+        <p:nvCxnSpPr>
+          <p:cNvPr id="41" name="Conector recto 40"/>
+          <p:cNvCxnSpPr/>
+          <p:nvPr/>
+        </p:nvCxnSpPr>
+        <p:spPr>
+          <a:xfrm>
+            <a:off x="3017520" y="4585063"/>
+            <a:ext cx="2756263" cy="0"/>
+          </a:xfrm>
+          <a:prstGeom prst="line">
+            <a:avLst/>
+          </a:prstGeom>
+          <a:ln w="38100">
+            <a:solidFill>
+              <a:srgbClr val="FF0000"/>
+            </a:solidFill>
+          </a:ln>
+        </p:spPr>
+        <p:style>
+          <a:lnRef idx="1">
+            <a:schemeClr val="accent1"/>
+          </a:lnRef>
+          <a:fillRef idx="0">
+            <a:schemeClr val="accent1"/>
+          </a:fillRef>
+          <a:effectRef idx="0">
+            <a:schemeClr val="accent1"/>
+          </a:effectRef>
+          <a:fontRef idx="minor">
+            <a:schemeClr val="tx1"/>
+          </a:fontRef>
+        </p:style>
+      </p:cxnSp>
+      <p:sp>
+        <p:nvSpPr>
+          <p:cNvPr id="42" name="CuadroTexto 41"/>
           <p:cNvSpPr txBox="1"/>
           <p:nvPr/>
         </p:nvSpPr>
         <p:spPr>
           <a:xfrm>
-            <a:off x="2704012" y="6035231"/>
-            <a:ext cx="6675120" cy="369332"/>
+            <a:off x="3657600" y="6131408"/>
+            <a:ext cx="5225143" cy="646331"/>
           </a:xfrm>
           <a:prstGeom prst="rect">
             <a:avLst/>
@@ -19162,7 +19052,7 @@
           <a:p>
             <a:r>
               <a:rPr lang="es-PE" dirty="0" smtClean="0"/>
-              <a:t>Cortesía, civilidad y humanidad: promueven armonía y paz general</a:t>
+              <a:t>Nueva civilidad moderna: nueva disciplina social. Reforma y afán de poder económico/militar</a:t>
             </a:r>
             <a:endParaRPr lang="es-PE" dirty="0"/>
           </a:p>
@@ -19171,7 +19061,7 @@
     </p:spTree>
     <p:extLst>
       <p:ext uri="{BB962C8B-B14F-4D97-AF65-F5344CB8AC3E}">
-        <p14:creationId xmlns:p14="http://schemas.microsoft.com/office/powerpoint/2010/main" val="2740624032"/>
+        <p14:creationId xmlns:p14="http://schemas.microsoft.com/office/powerpoint/2010/main" val="1836900919"/>
       </p:ext>
     </p:extLst>
   </p:cSld>
@@ -19230,7 +19120,7 @@
       </p:sp>
       <p:pic>
         <p:nvPicPr>
-          <p:cNvPr id="3" name="Imagen 2"/>
+          <p:cNvPr id="2" name="Imagen 1"/>
           <p:cNvPicPr>
             <a:picLocks noChangeAspect="1"/>
           </p:cNvPicPr>
@@ -19244,8 +19134,8 @@
         </p:blipFill>
         <p:spPr>
           <a:xfrm>
-            <a:off x="1716677" y="608920"/>
-            <a:ext cx="8602980" cy="5261231"/>
+            <a:off x="1627452" y="546820"/>
+            <a:ext cx="8522389" cy="5437667"/>
           </a:xfrm>
           <a:prstGeom prst="rect">
             <a:avLst/>
@@ -19260,8 +19150,8 @@
         </p:nvCxnSpPr>
         <p:spPr>
           <a:xfrm>
-            <a:off x="4127863" y="849086"/>
-            <a:ext cx="822960" cy="0"/>
+            <a:off x="8595360" y="901337"/>
+            <a:ext cx="888274" cy="0"/>
           </a:xfrm>
           <a:prstGeom prst="line">
             <a:avLst/>
@@ -19295,8 +19185,8 @@
         </p:nvCxnSpPr>
         <p:spPr>
           <a:xfrm>
-            <a:off x="8242663" y="849086"/>
-            <a:ext cx="1959428" cy="0"/>
+            <a:off x="1789611" y="1149531"/>
+            <a:ext cx="2194560" cy="13063"/>
           </a:xfrm>
           <a:prstGeom prst="line">
             <a:avLst/>
@@ -19330,8 +19220,8 @@
         </p:nvCxnSpPr>
         <p:spPr>
           <a:xfrm>
-            <a:off x="1959429" y="1149531"/>
-            <a:ext cx="940525" cy="0"/>
+            <a:off x="7746274" y="1162594"/>
+            <a:ext cx="2168435" cy="0"/>
           </a:xfrm>
           <a:prstGeom prst="line">
             <a:avLst/>
@@ -19359,14 +19249,14 @@
       </p:cxnSp>
       <p:cxnSp>
         <p:nvCxnSpPr>
-          <p:cNvPr id="12" name="Conector recto 11"/>
+          <p:cNvPr id="11" name="Conector recto 10"/>
           <p:cNvCxnSpPr/>
           <p:nvPr/>
         </p:nvCxnSpPr>
         <p:spPr>
-          <a:xfrm>
-            <a:off x="3122023" y="1149531"/>
-            <a:ext cx="5760720" cy="0"/>
+          <a:xfrm flipV="1">
+            <a:off x="1972491" y="2664823"/>
+            <a:ext cx="1815738" cy="13063"/>
           </a:xfrm>
           <a:prstGeom prst="line">
             <a:avLst/>
@@ -19394,14 +19284,14 @@
       </p:cxnSp>
       <p:cxnSp>
         <p:nvCxnSpPr>
-          <p:cNvPr id="14" name="Conector recto 13"/>
+          <p:cNvPr id="13" name="Conector recto 12"/>
           <p:cNvCxnSpPr/>
           <p:nvPr/>
         </p:nvCxnSpPr>
         <p:spPr>
           <a:xfrm>
-            <a:off x="4010297" y="1449977"/>
-            <a:ext cx="3931920" cy="0"/>
+            <a:off x="2377440" y="2952206"/>
+            <a:ext cx="5486400" cy="13063"/>
           </a:xfrm>
           <a:prstGeom prst="line">
             <a:avLst/>
@@ -19429,22 +19319,23 @@
       </p:cxnSp>
       <p:cxnSp>
         <p:nvCxnSpPr>
-          <p:cNvPr id="16" name="Conector recto 15"/>
+          <p:cNvPr id="15" name="Conector recto de flecha 14"/>
           <p:cNvCxnSpPr/>
           <p:nvPr/>
         </p:nvCxnSpPr>
         <p:spPr>
-          <a:xfrm>
-            <a:off x="8098971" y="1449977"/>
-            <a:ext cx="2103120" cy="0"/>
-          </a:xfrm>
-          <a:prstGeom prst="line">
+          <a:xfrm flipH="1">
+            <a:off x="7903029" y="2664823"/>
+            <a:ext cx="1358537" cy="0"/>
+          </a:xfrm>
+          <a:prstGeom prst="straightConnector1">
             <a:avLst/>
           </a:prstGeom>
           <a:ln w="38100">
             <a:solidFill>
               <a:srgbClr val="FF0000"/>
             </a:solidFill>
+            <a:tailEnd type="triangle"/>
           </a:ln>
         </p:spPr>
         <p:style>
@@ -19464,14 +19355,14 @@
       </p:cxnSp>
       <p:cxnSp>
         <p:nvCxnSpPr>
-          <p:cNvPr id="18" name="Conector recto 17"/>
+          <p:cNvPr id="17" name="Conector recto 16"/>
           <p:cNvCxnSpPr/>
           <p:nvPr/>
         </p:nvCxnSpPr>
         <p:spPr>
-          <a:xfrm flipV="1">
-            <a:off x="1867989" y="1750423"/>
-            <a:ext cx="1854925" cy="13063"/>
+          <a:xfrm>
+            <a:off x="1789611" y="3566160"/>
+            <a:ext cx="7955280" cy="13063"/>
           </a:xfrm>
           <a:prstGeom prst="line">
             <a:avLst/>
@@ -19497,401 +19388,16 @@
           </a:fontRef>
         </p:style>
       </p:cxnSp>
-      <p:cxnSp>
-        <p:nvCxnSpPr>
-          <p:cNvPr id="20" name="Conector recto 19"/>
-          <p:cNvCxnSpPr/>
-          <p:nvPr/>
-        </p:nvCxnSpPr>
-        <p:spPr>
-          <a:xfrm>
-            <a:off x="4010297" y="1750423"/>
-            <a:ext cx="6191794" cy="0"/>
-          </a:xfrm>
-          <a:prstGeom prst="line">
-            <a:avLst/>
-          </a:prstGeom>
-          <a:ln w="38100">
-            <a:solidFill>
-              <a:srgbClr val="FF0000"/>
-            </a:solidFill>
-          </a:ln>
-        </p:spPr>
-        <p:style>
-          <a:lnRef idx="1">
-            <a:schemeClr val="accent1"/>
-          </a:lnRef>
-          <a:fillRef idx="0">
-            <a:schemeClr val="accent1"/>
-          </a:fillRef>
-          <a:effectRef idx="0">
-            <a:schemeClr val="accent1"/>
-          </a:effectRef>
-          <a:fontRef idx="minor">
-            <a:schemeClr val="tx1"/>
-          </a:fontRef>
-        </p:style>
-      </p:cxnSp>
-      <p:cxnSp>
-        <p:nvCxnSpPr>
-          <p:cNvPr id="22" name="Conector recto 21"/>
-          <p:cNvCxnSpPr/>
-          <p:nvPr/>
-        </p:nvCxnSpPr>
-        <p:spPr>
-          <a:xfrm>
-            <a:off x="1959429" y="2129246"/>
-            <a:ext cx="1449977" cy="0"/>
-          </a:xfrm>
-          <a:prstGeom prst="line">
-            <a:avLst/>
-          </a:prstGeom>
-          <a:ln w="38100">
-            <a:solidFill>
-              <a:srgbClr val="FF0000"/>
-            </a:solidFill>
-          </a:ln>
-        </p:spPr>
-        <p:style>
-          <a:lnRef idx="1">
-            <a:schemeClr val="accent1"/>
-          </a:lnRef>
-          <a:fillRef idx="0">
-            <a:schemeClr val="accent1"/>
-          </a:fillRef>
-          <a:effectRef idx="0">
-            <a:schemeClr val="accent1"/>
-          </a:effectRef>
-          <a:fontRef idx="minor">
-            <a:schemeClr val="tx1"/>
-          </a:fontRef>
-        </p:style>
-      </p:cxnSp>
-      <p:cxnSp>
-        <p:nvCxnSpPr>
-          <p:cNvPr id="25" name="Conector recto 24"/>
-          <p:cNvCxnSpPr/>
-          <p:nvPr/>
-        </p:nvCxnSpPr>
-        <p:spPr>
-          <a:xfrm>
-            <a:off x="5643154" y="2481943"/>
-            <a:ext cx="1881052" cy="13063"/>
-          </a:xfrm>
-          <a:prstGeom prst="line">
-            <a:avLst/>
-          </a:prstGeom>
-          <a:ln w="38100">
-            <a:solidFill>
-              <a:srgbClr val="FF0000"/>
-            </a:solidFill>
-          </a:ln>
-        </p:spPr>
-        <p:style>
-          <a:lnRef idx="1">
-            <a:schemeClr val="accent1"/>
-          </a:lnRef>
-          <a:fillRef idx="0">
-            <a:schemeClr val="accent1"/>
-          </a:fillRef>
-          <a:effectRef idx="0">
-            <a:schemeClr val="accent1"/>
-          </a:effectRef>
-          <a:fontRef idx="minor">
-            <a:schemeClr val="tx1"/>
-          </a:fontRef>
-        </p:style>
-      </p:cxnSp>
-      <p:cxnSp>
-        <p:nvCxnSpPr>
-          <p:cNvPr id="27" name="Conector recto 26"/>
-          <p:cNvCxnSpPr/>
-          <p:nvPr/>
-        </p:nvCxnSpPr>
-        <p:spPr>
-          <a:xfrm>
-            <a:off x="7942217" y="2756263"/>
-            <a:ext cx="2168434" cy="13063"/>
-          </a:xfrm>
-          <a:prstGeom prst="line">
-            <a:avLst/>
-          </a:prstGeom>
-          <a:ln w="38100">
-            <a:solidFill>
-              <a:srgbClr val="FF0000"/>
-            </a:solidFill>
-          </a:ln>
-        </p:spPr>
-        <p:style>
-          <a:lnRef idx="1">
-            <a:schemeClr val="accent1"/>
-          </a:lnRef>
-          <a:fillRef idx="0">
-            <a:schemeClr val="accent1"/>
-          </a:fillRef>
-          <a:effectRef idx="0">
-            <a:schemeClr val="accent1"/>
-          </a:effectRef>
-          <a:fontRef idx="minor">
-            <a:schemeClr val="tx1"/>
-          </a:fontRef>
-        </p:style>
-      </p:cxnSp>
-      <p:cxnSp>
-        <p:nvCxnSpPr>
-          <p:cNvPr id="29" name="Conector recto 28"/>
-          <p:cNvCxnSpPr/>
-          <p:nvPr/>
-        </p:nvCxnSpPr>
-        <p:spPr>
-          <a:xfrm>
-            <a:off x="1959429" y="3082834"/>
-            <a:ext cx="8242662" cy="0"/>
-          </a:xfrm>
-          <a:prstGeom prst="line">
-            <a:avLst/>
-          </a:prstGeom>
-          <a:ln w="38100">
-            <a:solidFill>
-              <a:srgbClr val="FF0000"/>
-            </a:solidFill>
-          </a:ln>
-        </p:spPr>
-        <p:style>
-          <a:lnRef idx="1">
-            <a:schemeClr val="accent1"/>
-          </a:lnRef>
-          <a:fillRef idx="0">
-            <a:schemeClr val="accent1"/>
-          </a:fillRef>
-          <a:effectRef idx="0">
-            <a:schemeClr val="accent1"/>
-          </a:effectRef>
-          <a:fontRef idx="minor">
-            <a:schemeClr val="tx1"/>
-          </a:fontRef>
-        </p:style>
-      </p:cxnSp>
-      <p:cxnSp>
-        <p:nvCxnSpPr>
-          <p:cNvPr id="31" name="Conector recto 30"/>
-          <p:cNvCxnSpPr/>
-          <p:nvPr/>
-        </p:nvCxnSpPr>
-        <p:spPr>
-          <a:xfrm>
-            <a:off x="1959429" y="3383280"/>
-            <a:ext cx="4506685" cy="0"/>
-          </a:xfrm>
-          <a:prstGeom prst="line">
-            <a:avLst/>
-          </a:prstGeom>
-          <a:ln w="38100">
-            <a:solidFill>
-              <a:srgbClr val="FF0000"/>
-            </a:solidFill>
-          </a:ln>
-        </p:spPr>
-        <p:style>
-          <a:lnRef idx="1">
-            <a:schemeClr val="accent1"/>
-          </a:lnRef>
-          <a:fillRef idx="0">
-            <a:schemeClr val="accent1"/>
-          </a:fillRef>
-          <a:effectRef idx="0">
-            <a:schemeClr val="accent1"/>
-          </a:effectRef>
-          <a:fontRef idx="minor">
-            <a:schemeClr val="tx1"/>
-          </a:fontRef>
-        </p:style>
-      </p:cxnSp>
-      <p:cxnSp>
-        <p:nvCxnSpPr>
-          <p:cNvPr id="33" name="Conector recto 32"/>
-          <p:cNvCxnSpPr/>
-          <p:nvPr/>
-        </p:nvCxnSpPr>
-        <p:spPr>
-          <a:xfrm flipV="1">
-            <a:off x="7106194" y="3683726"/>
-            <a:ext cx="914400" cy="13063"/>
-          </a:xfrm>
-          <a:prstGeom prst="line">
-            <a:avLst/>
-          </a:prstGeom>
-          <a:ln w="38100">
-            <a:solidFill>
-              <a:srgbClr val="FF0000"/>
-            </a:solidFill>
-          </a:ln>
-        </p:spPr>
-        <p:style>
-          <a:lnRef idx="1">
-            <a:schemeClr val="accent1"/>
-          </a:lnRef>
-          <a:fillRef idx="0">
-            <a:schemeClr val="accent1"/>
-          </a:fillRef>
-          <a:effectRef idx="0">
-            <a:schemeClr val="accent1"/>
-          </a:effectRef>
-          <a:fontRef idx="minor">
-            <a:schemeClr val="tx1"/>
-          </a:fontRef>
-        </p:style>
-      </p:cxnSp>
-      <p:cxnSp>
-        <p:nvCxnSpPr>
-          <p:cNvPr id="35" name="Conector recto 34"/>
-          <p:cNvCxnSpPr/>
-          <p:nvPr/>
-        </p:nvCxnSpPr>
-        <p:spPr>
-          <a:xfrm>
-            <a:off x="8647611" y="3683726"/>
-            <a:ext cx="235132" cy="0"/>
-          </a:xfrm>
-          <a:prstGeom prst="line">
-            <a:avLst/>
-          </a:prstGeom>
-          <a:ln w="38100">
-            <a:solidFill>
-              <a:srgbClr val="FF0000"/>
-            </a:solidFill>
-          </a:ln>
-        </p:spPr>
-        <p:style>
-          <a:lnRef idx="1">
-            <a:schemeClr val="accent1"/>
-          </a:lnRef>
-          <a:fillRef idx="0">
-            <a:schemeClr val="accent1"/>
-          </a:fillRef>
-          <a:effectRef idx="0">
-            <a:schemeClr val="accent1"/>
-          </a:effectRef>
-          <a:fontRef idx="minor">
-            <a:schemeClr val="tx1"/>
-          </a:fontRef>
-        </p:style>
-      </p:cxnSp>
-      <p:cxnSp>
-        <p:nvCxnSpPr>
-          <p:cNvPr id="37" name="Conector recto 36"/>
-          <p:cNvCxnSpPr/>
-          <p:nvPr/>
-        </p:nvCxnSpPr>
-        <p:spPr>
-          <a:xfrm>
-            <a:off x="2194560" y="3997234"/>
-            <a:ext cx="1933303" cy="13063"/>
-          </a:xfrm>
-          <a:prstGeom prst="line">
-            <a:avLst/>
-          </a:prstGeom>
-          <a:ln w="38100">
-            <a:solidFill>
-              <a:srgbClr val="FF0000"/>
-            </a:solidFill>
-          </a:ln>
-        </p:spPr>
-        <p:style>
-          <a:lnRef idx="1">
-            <a:schemeClr val="accent1"/>
-          </a:lnRef>
-          <a:fillRef idx="0">
-            <a:schemeClr val="accent1"/>
-          </a:fillRef>
-          <a:effectRef idx="0">
-            <a:schemeClr val="accent1"/>
-          </a:effectRef>
-          <a:fontRef idx="minor">
-            <a:schemeClr val="tx1"/>
-          </a:fontRef>
-        </p:style>
-      </p:cxnSp>
-      <p:cxnSp>
-        <p:nvCxnSpPr>
-          <p:cNvPr id="39" name="Conector recto 38"/>
-          <p:cNvCxnSpPr/>
-          <p:nvPr/>
-        </p:nvCxnSpPr>
-        <p:spPr>
-          <a:xfrm>
-            <a:off x="1959429" y="4271554"/>
-            <a:ext cx="4820194" cy="0"/>
-          </a:xfrm>
-          <a:prstGeom prst="line">
-            <a:avLst/>
-          </a:prstGeom>
-          <a:ln w="38100">
-            <a:solidFill>
-              <a:srgbClr val="FF0000"/>
-            </a:solidFill>
-          </a:ln>
-        </p:spPr>
-        <p:style>
-          <a:lnRef idx="1">
-            <a:schemeClr val="accent1"/>
-          </a:lnRef>
-          <a:fillRef idx="0">
-            <a:schemeClr val="accent1"/>
-          </a:fillRef>
-          <a:effectRef idx="0">
-            <a:schemeClr val="accent1"/>
-          </a:effectRef>
-          <a:fontRef idx="minor">
-            <a:schemeClr val="tx1"/>
-          </a:fontRef>
-        </p:style>
-      </p:cxnSp>
-      <p:cxnSp>
-        <p:nvCxnSpPr>
-          <p:cNvPr id="41" name="Conector recto 40"/>
-          <p:cNvCxnSpPr/>
-          <p:nvPr/>
-        </p:nvCxnSpPr>
-        <p:spPr>
-          <a:xfrm>
-            <a:off x="3017520" y="4585063"/>
-            <a:ext cx="2756263" cy="0"/>
-          </a:xfrm>
-          <a:prstGeom prst="line">
-            <a:avLst/>
-          </a:prstGeom>
-          <a:ln w="38100">
-            <a:solidFill>
-              <a:srgbClr val="FF0000"/>
-            </a:solidFill>
-          </a:ln>
-        </p:spPr>
-        <p:style>
-          <a:lnRef idx="1">
-            <a:schemeClr val="accent1"/>
-          </a:lnRef>
-          <a:fillRef idx="0">
-            <a:schemeClr val="accent1"/>
-          </a:fillRef>
-          <a:effectRef idx="0">
-            <a:schemeClr val="accent1"/>
-          </a:effectRef>
-          <a:fontRef idx="minor">
-            <a:schemeClr val="tx1"/>
-          </a:fontRef>
-        </p:style>
-      </p:cxnSp>
-      <p:sp>
-        <p:nvSpPr>
-          <p:cNvPr id="42" name="CuadroTexto 41"/>
+      <p:sp>
+        <p:nvSpPr>
+          <p:cNvPr id="18" name="CuadroTexto 17"/>
           <p:cNvSpPr txBox="1"/>
           <p:nvPr/>
         </p:nvSpPr>
         <p:spPr>
           <a:xfrm>
-            <a:off x="3657600" y="6131408"/>
-            <a:ext cx="5225143" cy="646331"/>
+            <a:off x="3158509" y="6211669"/>
+            <a:ext cx="5460274" cy="646331"/>
           </a:xfrm>
           <a:prstGeom prst="rect">
             <a:avLst/>
@@ -19906,8 +19412,10 @@
           <a:p>
             <a:r>
               <a:rPr lang="es-PE" dirty="0" smtClean="0"/>
-              <a:t>Nueva civilidad moderna: nueva disciplina social. Reforma y afán de poder económico/militar</a:t>
-            </a:r>
+              <a:t>Cortesía, civilidad y reforma no sólo como idealismo</a:t>
+            </a:r>
+          </a:p>
+          <a:p>
             <a:endParaRPr lang="es-PE" dirty="0"/>
           </a:p>
         </p:txBody>
@@ -19915,7 +19423,7 @@
     </p:spTree>
     <p:extLst>
       <p:ext uri="{BB962C8B-B14F-4D97-AF65-F5344CB8AC3E}">
-        <p14:creationId xmlns:p14="http://schemas.microsoft.com/office/powerpoint/2010/main" val="1836900919"/>
+        <p14:creationId xmlns:p14="http://schemas.microsoft.com/office/powerpoint/2010/main" val="1063202972"/>
       </p:ext>
     </p:extLst>
   </p:cSld>
@@ -19966,7 +19474,7 @@
           <a:p>
             <a:r>
               <a:rPr lang="es-PE" dirty="0" smtClean="0"/>
-              <a:t>p. 274</a:t>
+              <a:t>p. 275</a:t>
             </a:r>
             <a:endParaRPr lang="es-PE" dirty="0"/>
           </a:p>
@@ -19974,7 +19482,7 @@
       </p:sp>
       <p:pic>
         <p:nvPicPr>
-          <p:cNvPr id="2" name="Imagen 1"/>
+          <p:cNvPr id="3" name="Imagen 2"/>
           <p:cNvPicPr>
             <a:picLocks noChangeAspect="1"/>
           </p:cNvPicPr>
@@ -19988,8 +19496,8 @@
         </p:blipFill>
         <p:spPr>
           <a:xfrm>
-            <a:off x="1627452" y="546820"/>
-            <a:ext cx="8522389" cy="5437667"/>
+            <a:off x="1700213" y="241662"/>
+            <a:ext cx="8919890" cy="5857110"/>
           </a:xfrm>
           <a:prstGeom prst="rect">
             <a:avLst/>
@@ -20004,8 +19512,8 @@
         </p:nvCxnSpPr>
         <p:spPr>
           <a:xfrm>
-            <a:off x="8595360" y="901337"/>
-            <a:ext cx="888274" cy="0"/>
+            <a:off x="4493623" y="574766"/>
+            <a:ext cx="6126480" cy="0"/>
           </a:xfrm>
           <a:prstGeom prst="line">
             <a:avLst/>
@@ -20033,14 +19541,14 @@
       </p:cxnSp>
       <p:cxnSp>
         <p:nvCxnSpPr>
-          <p:cNvPr id="7" name="Conector recto 6"/>
+          <p:cNvPr id="8" name="Conector recto 7"/>
           <p:cNvCxnSpPr/>
           <p:nvPr/>
         </p:nvCxnSpPr>
         <p:spPr>
           <a:xfrm>
-            <a:off x="1789611" y="1149531"/>
-            <a:ext cx="2194560" cy="13063"/>
+            <a:off x="1802674" y="862149"/>
+            <a:ext cx="1567543" cy="0"/>
           </a:xfrm>
           <a:prstGeom prst="line">
             <a:avLst/>
@@ -20068,14 +19576,14 @@
       </p:cxnSp>
       <p:cxnSp>
         <p:nvCxnSpPr>
-          <p:cNvPr id="9" name="Conector recto 8"/>
+          <p:cNvPr id="10" name="Conector recto 9"/>
           <p:cNvCxnSpPr/>
           <p:nvPr/>
         </p:nvCxnSpPr>
         <p:spPr>
           <a:xfrm>
-            <a:off x="7746274" y="1162594"/>
-            <a:ext cx="2168435" cy="0"/>
+            <a:off x="2534194" y="2481943"/>
+            <a:ext cx="3122023" cy="13063"/>
           </a:xfrm>
           <a:prstGeom prst="line">
             <a:avLst/>
@@ -20103,14 +19611,14 @@
       </p:cxnSp>
       <p:cxnSp>
         <p:nvCxnSpPr>
-          <p:cNvPr id="11" name="Conector recto 10"/>
+          <p:cNvPr id="12" name="Conector recto 11"/>
           <p:cNvCxnSpPr/>
           <p:nvPr/>
         </p:nvCxnSpPr>
         <p:spPr>
-          <a:xfrm flipV="1">
-            <a:off x="1972491" y="2664823"/>
-            <a:ext cx="1815738" cy="13063"/>
+          <a:xfrm>
+            <a:off x="6688183" y="1802674"/>
+            <a:ext cx="2103120" cy="13063"/>
           </a:xfrm>
           <a:prstGeom prst="line">
             <a:avLst/>
@@ -20138,14 +19646,14 @@
       </p:cxnSp>
       <p:cxnSp>
         <p:nvCxnSpPr>
-          <p:cNvPr id="13" name="Conector recto 12"/>
+          <p:cNvPr id="14" name="Conector recto 13"/>
           <p:cNvCxnSpPr/>
           <p:nvPr/>
         </p:nvCxnSpPr>
         <p:spPr>
-          <a:xfrm>
-            <a:off x="2377440" y="2952206"/>
-            <a:ext cx="5486400" cy="13063"/>
+          <a:xfrm flipV="1">
+            <a:off x="1802674" y="2834640"/>
+            <a:ext cx="7707086" cy="13063"/>
           </a:xfrm>
           <a:prstGeom prst="line">
             <a:avLst/>
@@ -20173,23 +19681,22 @@
       </p:cxnSp>
       <p:cxnSp>
         <p:nvCxnSpPr>
-          <p:cNvPr id="15" name="Conector recto de flecha 14"/>
+          <p:cNvPr id="16" name="Conector recto 15"/>
           <p:cNvCxnSpPr/>
           <p:nvPr/>
         </p:nvCxnSpPr>
         <p:spPr>
-          <a:xfrm flipH="1">
-            <a:off x="7903029" y="2664823"/>
-            <a:ext cx="1358537" cy="0"/>
-          </a:xfrm>
-          <a:prstGeom prst="straightConnector1">
+          <a:xfrm>
+            <a:off x="3030583" y="5760720"/>
+            <a:ext cx="7145383" cy="13063"/>
+          </a:xfrm>
+          <a:prstGeom prst="line">
             <a:avLst/>
           </a:prstGeom>
           <a:ln w="38100">
             <a:solidFill>
               <a:srgbClr val="FF0000"/>
             </a:solidFill>
-            <a:tailEnd type="triangle"/>
           </a:ln>
         </p:spPr>
         <p:style>
@@ -20207,51 +19714,16 @@
           </a:fontRef>
         </p:style>
       </p:cxnSp>
-      <p:cxnSp>
-        <p:nvCxnSpPr>
-          <p:cNvPr id="17" name="Conector recto 16"/>
-          <p:cNvCxnSpPr/>
-          <p:nvPr/>
-        </p:nvCxnSpPr>
-        <p:spPr>
-          <a:xfrm>
-            <a:off x="1789611" y="3566160"/>
-            <a:ext cx="7955280" cy="13063"/>
-          </a:xfrm>
-          <a:prstGeom prst="line">
-            <a:avLst/>
-          </a:prstGeom>
-          <a:ln w="38100">
-            <a:solidFill>
-              <a:srgbClr val="FF0000"/>
-            </a:solidFill>
-          </a:ln>
-        </p:spPr>
-        <p:style>
-          <a:lnRef idx="1">
-            <a:schemeClr val="accent1"/>
-          </a:lnRef>
-          <a:fillRef idx="0">
-            <a:schemeClr val="accent1"/>
-          </a:fillRef>
-          <a:effectRef idx="0">
-            <a:schemeClr val="accent1"/>
-          </a:effectRef>
-          <a:fontRef idx="minor">
-            <a:schemeClr val="tx1"/>
-          </a:fontRef>
-        </p:style>
-      </p:cxnSp>
-      <p:sp>
-        <p:nvSpPr>
-          <p:cNvPr id="18" name="CuadroTexto 17"/>
+      <p:sp>
+        <p:nvSpPr>
+          <p:cNvPr id="19" name="CuadroTexto 18"/>
           <p:cNvSpPr txBox="1"/>
           <p:nvPr/>
         </p:nvSpPr>
         <p:spPr>
           <a:xfrm>
-            <a:off x="3158509" y="6211669"/>
-            <a:ext cx="5460274" cy="646331"/>
+            <a:off x="2071484" y="6234274"/>
+            <a:ext cx="9063580" cy="646331"/>
           </a:xfrm>
           <a:prstGeom prst="rect">
             <a:avLst/>
@@ -20266,10 +19738,8 @@
           <a:p>
             <a:r>
               <a:rPr lang="es-PE" dirty="0" smtClean="0"/>
-              <a:t>Cortesía, civilidad y reforma no sólo como idealismo</a:t>
-            </a:r>
-          </a:p>
-          <a:p>
+              <a:t>Ideal moderno: razón privada y pública. (Kant) Legitimidad social en el intercambio e interdependencia de justificaciones. (Contrato social moderno)</a:t>
+            </a:r>
             <a:endParaRPr lang="es-PE" dirty="0"/>
           </a:p>
         </p:txBody>
@@ -20277,7 +19747,7 @@
     </p:spTree>
     <p:extLst>
       <p:ext uri="{BB962C8B-B14F-4D97-AF65-F5344CB8AC3E}">
-        <p14:creationId xmlns:p14="http://schemas.microsoft.com/office/powerpoint/2010/main" val="1063202972"/>
+        <p14:creationId xmlns:p14="http://schemas.microsoft.com/office/powerpoint/2010/main" val="1503701812"/>
       </p:ext>
     </p:extLst>
   </p:cSld>
@@ -20328,7 +19798,7 @@
           <a:p>
             <a:r>
               <a:rPr lang="es-PE" dirty="0" smtClean="0"/>
-              <a:t>p. 275</a:t>
+              <a:t>p. 275-276</a:t>
             </a:r>
             <a:endParaRPr lang="es-PE" dirty="0"/>
           </a:p>
@@ -20350,8 +19820,32 @@
         </p:blipFill>
         <p:spPr>
           <a:xfrm>
-            <a:off x="1700213" y="241662"/>
-            <a:ext cx="8919890" cy="5857110"/>
+            <a:off x="1013966" y="306890"/>
+            <a:ext cx="9803139" cy="1404344"/>
+          </a:xfrm>
+          <a:prstGeom prst="rect">
+            <a:avLst/>
+          </a:prstGeom>
+        </p:spPr>
+      </p:pic>
+      <p:pic>
+        <p:nvPicPr>
+          <p:cNvPr id="4" name="Imagen 3"/>
+          <p:cNvPicPr>
+            <a:picLocks noChangeAspect="1"/>
+          </p:cNvPicPr>
+          <p:nvPr/>
+        </p:nvPicPr>
+        <p:blipFill>
+          <a:blip r:embed="rId3"/>
+          <a:stretch>
+            <a:fillRect/>
+          </a:stretch>
+        </p:blipFill>
+        <p:spPr>
+          <a:xfrm>
+            <a:off x="918526" y="1711234"/>
+            <a:ext cx="9898579" cy="3722193"/>
           </a:xfrm>
           <a:prstGeom prst="rect">
             <a:avLst/>
@@ -20360,14 +19854,14 @@
       </p:pic>
       <p:cxnSp>
         <p:nvCxnSpPr>
-          <p:cNvPr id="4" name="Conector recto 3"/>
+          <p:cNvPr id="6" name="Conector recto 5"/>
           <p:cNvCxnSpPr/>
           <p:nvPr/>
         </p:nvCxnSpPr>
         <p:spPr>
           <a:xfrm>
-            <a:off x="4493623" y="574766"/>
-            <a:ext cx="6126480" cy="0"/>
+            <a:off x="2612571" y="1009062"/>
+            <a:ext cx="6191795" cy="0"/>
           </a:xfrm>
           <a:prstGeom prst="line">
             <a:avLst/>
@@ -20401,8 +19895,8 @@
         </p:nvCxnSpPr>
         <p:spPr>
           <a:xfrm>
-            <a:off x="1802674" y="862149"/>
-            <a:ext cx="1567543" cy="0"/>
+            <a:off x="1013966" y="1319349"/>
+            <a:ext cx="7333200" cy="26125"/>
           </a:xfrm>
           <a:prstGeom prst="line">
             <a:avLst/>
@@ -20436,8 +19930,8 @@
         </p:nvCxnSpPr>
         <p:spPr>
           <a:xfrm>
-            <a:off x="2534194" y="2481943"/>
-            <a:ext cx="3122023" cy="13063"/>
+            <a:off x="2573382" y="2099897"/>
+            <a:ext cx="3918858" cy="0"/>
           </a:xfrm>
           <a:prstGeom prst="line">
             <a:avLst/>
@@ -20470,44 +19964,9 @@
           <p:nvPr/>
         </p:nvCxnSpPr>
         <p:spPr>
-          <a:xfrm>
-            <a:off x="6688183" y="1802674"/>
-            <a:ext cx="2103120" cy="13063"/>
-          </a:xfrm>
-          <a:prstGeom prst="line">
-            <a:avLst/>
-          </a:prstGeom>
-          <a:ln w="38100">
-            <a:solidFill>
-              <a:srgbClr val="FF0000"/>
-            </a:solidFill>
-          </a:ln>
-        </p:spPr>
-        <p:style>
-          <a:lnRef idx="1">
-            <a:schemeClr val="accent1"/>
-          </a:lnRef>
-          <a:fillRef idx="0">
-            <a:schemeClr val="accent1"/>
-          </a:fillRef>
-          <a:effectRef idx="0">
-            <a:schemeClr val="accent1"/>
-          </a:effectRef>
-          <a:fontRef idx="minor">
-            <a:schemeClr val="tx1"/>
-          </a:fontRef>
-        </p:style>
-      </p:cxnSp>
-      <p:cxnSp>
-        <p:nvCxnSpPr>
-          <p:cNvPr id="14" name="Conector recto 13"/>
-          <p:cNvCxnSpPr/>
-          <p:nvPr/>
-        </p:nvCxnSpPr>
-        <p:spPr>
-          <a:xfrm flipV="1">
-            <a:off x="1802674" y="2834640"/>
-            <a:ext cx="7707086" cy="13063"/>
+          <a:xfrm flipH="1">
+            <a:off x="2403566" y="2465658"/>
+            <a:ext cx="5643155" cy="0"/>
           </a:xfrm>
           <a:prstGeom prst="line">
             <a:avLst/>
@@ -20540,9 +19999,9 @@
           <p:nvPr/>
         </p:nvCxnSpPr>
         <p:spPr>
-          <a:xfrm>
-            <a:off x="3030583" y="5760720"/>
-            <a:ext cx="7145383" cy="13063"/>
+          <a:xfrm flipV="1">
+            <a:off x="4049486" y="2808514"/>
+            <a:ext cx="5512525" cy="26126"/>
           </a:xfrm>
           <a:prstGeom prst="line">
             <a:avLst/>
@@ -20568,16 +20027,86 @@
           </a:fontRef>
         </p:style>
       </p:cxnSp>
-      <p:sp>
-        <p:nvSpPr>
-          <p:cNvPr id="19" name="CuadroTexto 18"/>
+      <p:cxnSp>
+        <p:nvCxnSpPr>
+          <p:cNvPr id="18" name="Conector recto 17"/>
+          <p:cNvCxnSpPr/>
+          <p:nvPr/>
+        </p:nvCxnSpPr>
+        <p:spPr>
+          <a:xfrm>
+            <a:off x="7458891" y="4040983"/>
+            <a:ext cx="3148149" cy="0"/>
+          </a:xfrm>
+          <a:prstGeom prst="line">
+            <a:avLst/>
+          </a:prstGeom>
+          <a:ln w="38100">
+            <a:solidFill>
+              <a:srgbClr val="FF0000"/>
+            </a:solidFill>
+          </a:ln>
+        </p:spPr>
+        <p:style>
+          <a:lnRef idx="1">
+            <a:schemeClr val="accent1"/>
+          </a:lnRef>
+          <a:fillRef idx="0">
+            <a:schemeClr val="accent1"/>
+          </a:fillRef>
+          <a:effectRef idx="0">
+            <a:schemeClr val="accent1"/>
+          </a:effectRef>
+          <a:fontRef idx="minor">
+            <a:schemeClr val="tx1"/>
+          </a:fontRef>
+        </p:style>
+      </p:cxnSp>
+      <p:cxnSp>
+        <p:nvCxnSpPr>
+          <p:cNvPr id="20" name="Conector recto 19"/>
+          <p:cNvCxnSpPr/>
+          <p:nvPr/>
+        </p:nvCxnSpPr>
+        <p:spPr>
+          <a:xfrm flipH="1">
+            <a:off x="1013966" y="4349931"/>
+            <a:ext cx="2134184" cy="26126"/>
+          </a:xfrm>
+          <a:prstGeom prst="line">
+            <a:avLst/>
+          </a:prstGeom>
+          <a:ln w="38100">
+            <a:solidFill>
+              <a:srgbClr val="FF0000"/>
+            </a:solidFill>
+          </a:ln>
+        </p:spPr>
+        <p:style>
+          <a:lnRef idx="1">
+            <a:schemeClr val="accent1"/>
+          </a:lnRef>
+          <a:fillRef idx="0">
+            <a:schemeClr val="accent1"/>
+          </a:fillRef>
+          <a:effectRef idx="0">
+            <a:schemeClr val="accent1"/>
+          </a:effectRef>
+          <a:fontRef idx="minor">
+            <a:schemeClr val="tx1"/>
+          </a:fontRef>
+        </p:style>
+      </p:cxnSp>
+      <p:sp>
+        <p:nvSpPr>
+          <p:cNvPr id="23" name="CuadroTexto 22"/>
           <p:cNvSpPr txBox="1"/>
           <p:nvPr/>
         </p:nvSpPr>
         <p:spPr>
           <a:xfrm>
-            <a:off x="2071484" y="6234274"/>
-            <a:ext cx="9063580" cy="646331"/>
+            <a:off x="3722915" y="5776282"/>
+            <a:ext cx="4754880" cy="923330"/>
           </a:xfrm>
           <a:prstGeom prst="rect">
             <a:avLst/>
@@ -20590,9 +20119,28 @@
           </a:bodyPr>
           <a:lstStyle/>
           <a:p>
+            <a:pPr algn="ctr"/>
             <a:r>
               <a:rPr lang="es-PE" dirty="0" smtClean="0"/>
-              <a:t>Ideal moderno: razón privada y pública. (Kant) Legitimidad social en el intercambio e interdependencia de justificaciones. (Contrato social moderno)</a:t>
+              <a:t>Criterio para inclusión ampliado para la armonía </a:t>
+            </a:r>
+          </a:p>
+          <a:p>
+            <a:pPr algn="ctr"/>
+            <a:r>
+              <a:rPr lang="es-PE" dirty="0" smtClean="0"/>
+              <a:t>Nuevas clases </a:t>
+            </a:r>
+            <a:r>
+              <a:rPr lang="es-PE" dirty="0" smtClean="0"/>
+              <a:t>sociales</a:t>
+            </a:r>
+          </a:p>
+          <a:p>
+            <a:pPr algn="ctr"/>
+            <a:r>
+              <a:rPr lang="es-PE" dirty="0" smtClean="0"/>
+              <a:t>Razón pública</a:t>
             </a:r>
             <a:endParaRPr lang="es-PE" dirty="0"/>
           </a:p>
@@ -20601,7 +20149,7 @@
     </p:spTree>
     <p:extLst>
       <p:ext uri="{BB962C8B-B14F-4D97-AF65-F5344CB8AC3E}">
-        <p14:creationId xmlns:p14="http://schemas.microsoft.com/office/powerpoint/2010/main" val="1503701812"/>
+        <p14:creationId xmlns:p14="http://schemas.microsoft.com/office/powerpoint/2010/main" val="622320601"/>
       </p:ext>
     </p:extLst>
   </p:cSld>
@@ -20652,7 +20200,7 @@
           <a:p>
             <a:r>
               <a:rPr lang="es-PE" dirty="0" smtClean="0"/>
-              <a:t>p. 275-276</a:t>
+              <a:t>p. 276</a:t>
             </a:r>
             <a:endParaRPr lang="es-PE" dirty="0"/>
           </a:p>
@@ -20674,32 +20222,8 @@
         </p:blipFill>
         <p:spPr>
           <a:xfrm>
-            <a:off x="1013966" y="306890"/>
-            <a:ext cx="9803139" cy="1404344"/>
-          </a:xfrm>
-          <a:prstGeom prst="rect">
-            <a:avLst/>
-          </a:prstGeom>
-        </p:spPr>
-      </p:pic>
-      <p:pic>
-        <p:nvPicPr>
-          <p:cNvPr id="4" name="Imagen 3"/>
-          <p:cNvPicPr>
-            <a:picLocks noChangeAspect="1"/>
-          </p:cNvPicPr>
-          <p:nvPr/>
-        </p:nvPicPr>
-        <p:blipFill>
-          <a:blip r:embed="rId3"/>
-          <a:stretch>
-            <a:fillRect/>
-          </a:stretch>
-        </p:blipFill>
-        <p:spPr>
-          <a:xfrm>
-            <a:off x="918526" y="1711234"/>
-            <a:ext cx="9898579" cy="3722193"/>
+            <a:off x="1613534" y="413928"/>
+            <a:ext cx="8693059" cy="5644534"/>
           </a:xfrm>
           <a:prstGeom prst="rect">
             <a:avLst/>
@@ -20708,14 +20232,14 @@
       </p:pic>
       <p:cxnSp>
         <p:nvCxnSpPr>
-          <p:cNvPr id="6" name="Conector recto 5"/>
+          <p:cNvPr id="4" name="Conector recto 3"/>
           <p:cNvCxnSpPr/>
           <p:nvPr/>
         </p:nvCxnSpPr>
         <p:spPr>
           <a:xfrm>
-            <a:off x="2612571" y="1009062"/>
-            <a:ext cx="6191795" cy="0"/>
+            <a:off x="4140926" y="1005840"/>
+            <a:ext cx="5982788" cy="39189"/>
           </a:xfrm>
           <a:prstGeom prst="line">
             <a:avLst/>
@@ -20743,14 +20267,14 @@
       </p:cxnSp>
       <p:cxnSp>
         <p:nvCxnSpPr>
-          <p:cNvPr id="8" name="Conector recto 7"/>
+          <p:cNvPr id="7" name="Conector recto 6"/>
           <p:cNvCxnSpPr/>
           <p:nvPr/>
         </p:nvCxnSpPr>
         <p:spPr>
           <a:xfrm>
-            <a:off x="1013966" y="1319349"/>
-            <a:ext cx="7333200" cy="26125"/>
+            <a:off x="1789611" y="1332411"/>
+            <a:ext cx="5486400" cy="13063"/>
           </a:xfrm>
           <a:prstGeom prst="line">
             <a:avLst/>
@@ -20778,14 +20302,14 @@
       </p:cxnSp>
       <p:cxnSp>
         <p:nvCxnSpPr>
-          <p:cNvPr id="10" name="Conector recto 9"/>
+          <p:cNvPr id="9" name="Conector recto 8"/>
           <p:cNvCxnSpPr/>
           <p:nvPr/>
         </p:nvCxnSpPr>
         <p:spPr>
-          <a:xfrm>
-            <a:off x="2573382" y="2099897"/>
-            <a:ext cx="3918858" cy="0"/>
+          <a:xfrm flipV="1">
+            <a:off x="1789611" y="1972491"/>
+            <a:ext cx="3971109" cy="13063"/>
           </a:xfrm>
           <a:prstGeom prst="line">
             <a:avLst/>
@@ -20813,14 +20337,14 @@
       </p:cxnSp>
       <p:cxnSp>
         <p:nvCxnSpPr>
-          <p:cNvPr id="12" name="Conector recto 11"/>
+          <p:cNvPr id="11" name="Conector recto 10"/>
           <p:cNvCxnSpPr/>
           <p:nvPr/>
         </p:nvCxnSpPr>
         <p:spPr>
-          <a:xfrm flipH="1">
-            <a:off x="2403566" y="2465658"/>
-            <a:ext cx="5643155" cy="0"/>
+          <a:xfrm>
+            <a:off x="5852160" y="4219303"/>
+            <a:ext cx="1162594" cy="13063"/>
           </a:xfrm>
           <a:prstGeom prst="line">
             <a:avLst/>
@@ -20848,14 +20372,14 @@
       </p:cxnSp>
       <p:cxnSp>
         <p:nvCxnSpPr>
-          <p:cNvPr id="16" name="Conector recto 15"/>
+          <p:cNvPr id="13" name="Conector recto 12"/>
           <p:cNvCxnSpPr/>
           <p:nvPr/>
         </p:nvCxnSpPr>
         <p:spPr>
-          <a:xfrm flipV="1">
-            <a:off x="4049486" y="2808514"/>
-            <a:ext cx="5512525" cy="26126"/>
+          <a:xfrm>
+            <a:off x="2743200" y="4532811"/>
+            <a:ext cx="4389120" cy="13063"/>
           </a:xfrm>
           <a:prstGeom prst="line">
             <a:avLst/>
@@ -20883,14 +20407,14 @@
       </p:cxnSp>
       <p:cxnSp>
         <p:nvCxnSpPr>
-          <p:cNvPr id="18" name="Conector recto 17"/>
+          <p:cNvPr id="15" name="Conector recto 14"/>
           <p:cNvCxnSpPr/>
           <p:nvPr/>
         </p:nvCxnSpPr>
         <p:spPr>
           <a:xfrm>
-            <a:off x="7458891" y="4040983"/>
-            <a:ext cx="3148149" cy="0"/>
+            <a:off x="1789611" y="6058462"/>
+            <a:ext cx="4323806" cy="0"/>
           </a:xfrm>
           <a:prstGeom prst="line">
             <a:avLst/>
@@ -20916,51 +20440,16 @@
           </a:fontRef>
         </p:style>
       </p:cxnSp>
-      <p:cxnSp>
-        <p:nvCxnSpPr>
-          <p:cNvPr id="20" name="Conector recto 19"/>
-          <p:cNvCxnSpPr/>
-          <p:nvPr/>
-        </p:nvCxnSpPr>
-        <p:spPr>
-          <a:xfrm flipH="1">
-            <a:off x="1013966" y="4349931"/>
-            <a:ext cx="2134184" cy="26126"/>
-          </a:xfrm>
-          <a:prstGeom prst="line">
-            <a:avLst/>
-          </a:prstGeom>
-          <a:ln w="38100">
-            <a:solidFill>
-              <a:srgbClr val="FF0000"/>
-            </a:solidFill>
-          </a:ln>
-        </p:spPr>
-        <p:style>
-          <a:lnRef idx="1">
-            <a:schemeClr val="accent1"/>
-          </a:lnRef>
-          <a:fillRef idx="0">
-            <a:schemeClr val="accent1"/>
-          </a:fillRef>
-          <a:effectRef idx="0">
-            <a:schemeClr val="accent1"/>
-          </a:effectRef>
-          <a:fontRef idx="minor">
-            <a:schemeClr val="tx1"/>
-          </a:fontRef>
-        </p:style>
-      </p:cxnSp>
-      <p:sp>
-        <p:nvSpPr>
-          <p:cNvPr id="23" name="CuadroTexto 22"/>
+      <p:sp>
+        <p:nvSpPr>
+          <p:cNvPr id="16" name="CuadroTexto 15"/>
           <p:cNvSpPr txBox="1"/>
           <p:nvPr/>
         </p:nvSpPr>
         <p:spPr>
           <a:xfrm>
-            <a:off x="3722915" y="5776282"/>
-            <a:ext cx="4754880" cy="923330"/>
+            <a:off x="2103122" y="6340323"/>
+            <a:ext cx="8294914" cy="369332"/>
           </a:xfrm>
           <a:prstGeom prst="rect">
             <a:avLst/>
@@ -20973,24 +20462,9 @@
           </a:bodyPr>
           <a:lstStyle/>
           <a:p>
-            <a:pPr algn="ctr"/>
             <a:r>
               <a:rPr lang="es-PE" dirty="0" smtClean="0"/>
-              <a:t>Criterio para inclusión ampliado para la armonía </a:t>
-            </a:r>
-          </a:p>
-          <a:p>
-            <a:pPr algn="ctr"/>
-            <a:r>
-              <a:rPr lang="es-PE" dirty="0" smtClean="0"/>
-              <a:t>Nuevas clases sociales</a:t>
-            </a:r>
-          </a:p>
-          <a:p>
-            <a:pPr algn="ctr"/>
-            <a:r>
-              <a:rPr lang="es-PE" dirty="0" smtClean="0"/>
-              <a:t>Razón pública</a:t>
+              <a:t>Sociedad de la cortesía: nueva identidad y autopercepción; de la guerra al comercio.</a:t>
             </a:r>
             <a:endParaRPr lang="es-PE" dirty="0"/>
           </a:p>
@@ -20999,7 +20473,7 @@
     </p:spTree>
     <p:extLst>
       <p:ext uri="{BB962C8B-B14F-4D97-AF65-F5344CB8AC3E}">
-        <p14:creationId xmlns:p14="http://schemas.microsoft.com/office/powerpoint/2010/main" val="622320601"/>
+        <p14:creationId xmlns:p14="http://schemas.microsoft.com/office/powerpoint/2010/main" val="3842103043"/>
       </p:ext>
     </p:extLst>
   </p:cSld>
@@ -21026,39 +20500,9 @@
           <a:chExt cx="0" cy="0"/>
         </a:xfrm>
       </p:grpSpPr>
-      <p:sp>
-        <p:nvSpPr>
-          <p:cNvPr id="5" name="CuadroTexto 4"/>
-          <p:cNvSpPr txBox="1"/>
-          <p:nvPr/>
-        </p:nvSpPr>
-        <p:spPr>
-          <a:xfrm>
-            <a:off x="10939549" y="6467302"/>
-            <a:ext cx="1252451" cy="369332"/>
-          </a:xfrm>
-          <a:prstGeom prst="rect">
-            <a:avLst/>
-          </a:prstGeom>
-          <a:noFill/>
-        </p:spPr>
-        <p:txBody>
-          <a:bodyPr wrap="square" rtlCol="0">
-            <a:spAutoFit/>
-          </a:bodyPr>
-          <a:lstStyle/>
-          <a:p>
-            <a:r>
-              <a:rPr lang="es-PE" dirty="0" smtClean="0"/>
-              <a:t>p. 276</a:t>
-            </a:r>
-            <a:endParaRPr lang="es-PE" dirty="0"/>
-          </a:p>
-        </p:txBody>
-      </p:sp>
       <p:pic>
         <p:nvPicPr>
-          <p:cNvPr id="3" name="Imagen 2"/>
+          <p:cNvPr id="4" name="Imagen 3"/>
           <p:cNvPicPr>
             <a:picLocks noChangeAspect="1"/>
           </p:cNvPicPr>
@@ -21072,258 +20516,18 @@
         </p:blipFill>
         <p:spPr>
           <a:xfrm>
-            <a:off x="1613534" y="413928"/>
-            <a:ext cx="8693059" cy="5644534"/>
+            <a:off x="0" y="-1"/>
+            <a:ext cx="12192000" cy="6816401"/>
           </a:xfrm>
           <a:prstGeom prst="rect">
             <a:avLst/>
           </a:prstGeom>
         </p:spPr>
       </p:pic>
-      <p:cxnSp>
-        <p:nvCxnSpPr>
-          <p:cNvPr id="4" name="Conector recto 3"/>
-          <p:cNvCxnSpPr/>
-          <p:nvPr/>
-        </p:nvCxnSpPr>
-        <p:spPr>
-          <a:xfrm>
-            <a:off x="4140926" y="1005840"/>
-            <a:ext cx="5982788" cy="39189"/>
-          </a:xfrm>
-          <a:prstGeom prst="line">
-            <a:avLst/>
-          </a:prstGeom>
-          <a:ln w="38100">
-            <a:solidFill>
-              <a:srgbClr val="FF0000"/>
-            </a:solidFill>
-          </a:ln>
-        </p:spPr>
-        <p:style>
-          <a:lnRef idx="1">
-            <a:schemeClr val="accent1"/>
-          </a:lnRef>
-          <a:fillRef idx="0">
-            <a:schemeClr val="accent1"/>
-          </a:fillRef>
-          <a:effectRef idx="0">
-            <a:schemeClr val="accent1"/>
-          </a:effectRef>
-          <a:fontRef idx="minor">
-            <a:schemeClr val="tx1"/>
-          </a:fontRef>
-        </p:style>
-      </p:cxnSp>
-      <p:cxnSp>
-        <p:nvCxnSpPr>
-          <p:cNvPr id="7" name="Conector recto 6"/>
-          <p:cNvCxnSpPr/>
-          <p:nvPr/>
-        </p:nvCxnSpPr>
-        <p:spPr>
-          <a:xfrm>
-            <a:off x="1789611" y="1332411"/>
-            <a:ext cx="5486400" cy="13063"/>
-          </a:xfrm>
-          <a:prstGeom prst="line">
-            <a:avLst/>
-          </a:prstGeom>
-          <a:ln w="38100">
-            <a:solidFill>
-              <a:srgbClr val="FF0000"/>
-            </a:solidFill>
-          </a:ln>
-        </p:spPr>
-        <p:style>
-          <a:lnRef idx="1">
-            <a:schemeClr val="accent1"/>
-          </a:lnRef>
-          <a:fillRef idx="0">
-            <a:schemeClr val="accent1"/>
-          </a:fillRef>
-          <a:effectRef idx="0">
-            <a:schemeClr val="accent1"/>
-          </a:effectRef>
-          <a:fontRef idx="minor">
-            <a:schemeClr val="tx1"/>
-          </a:fontRef>
-        </p:style>
-      </p:cxnSp>
-      <p:cxnSp>
-        <p:nvCxnSpPr>
-          <p:cNvPr id="9" name="Conector recto 8"/>
-          <p:cNvCxnSpPr/>
-          <p:nvPr/>
-        </p:nvCxnSpPr>
-        <p:spPr>
-          <a:xfrm flipV="1">
-            <a:off x="1789611" y="1972491"/>
-            <a:ext cx="3971109" cy="13063"/>
-          </a:xfrm>
-          <a:prstGeom prst="line">
-            <a:avLst/>
-          </a:prstGeom>
-          <a:ln w="38100">
-            <a:solidFill>
-              <a:srgbClr val="FF0000"/>
-            </a:solidFill>
-          </a:ln>
-        </p:spPr>
-        <p:style>
-          <a:lnRef idx="1">
-            <a:schemeClr val="accent1"/>
-          </a:lnRef>
-          <a:fillRef idx="0">
-            <a:schemeClr val="accent1"/>
-          </a:fillRef>
-          <a:effectRef idx="0">
-            <a:schemeClr val="accent1"/>
-          </a:effectRef>
-          <a:fontRef idx="minor">
-            <a:schemeClr val="tx1"/>
-          </a:fontRef>
-        </p:style>
-      </p:cxnSp>
-      <p:cxnSp>
-        <p:nvCxnSpPr>
-          <p:cNvPr id="11" name="Conector recto 10"/>
-          <p:cNvCxnSpPr/>
-          <p:nvPr/>
-        </p:nvCxnSpPr>
-        <p:spPr>
-          <a:xfrm>
-            <a:off x="5852160" y="4219303"/>
-            <a:ext cx="1162594" cy="13063"/>
-          </a:xfrm>
-          <a:prstGeom prst="line">
-            <a:avLst/>
-          </a:prstGeom>
-          <a:ln w="38100">
-            <a:solidFill>
-              <a:srgbClr val="FF0000"/>
-            </a:solidFill>
-          </a:ln>
-        </p:spPr>
-        <p:style>
-          <a:lnRef idx="1">
-            <a:schemeClr val="accent1"/>
-          </a:lnRef>
-          <a:fillRef idx="0">
-            <a:schemeClr val="accent1"/>
-          </a:fillRef>
-          <a:effectRef idx="0">
-            <a:schemeClr val="accent1"/>
-          </a:effectRef>
-          <a:fontRef idx="minor">
-            <a:schemeClr val="tx1"/>
-          </a:fontRef>
-        </p:style>
-      </p:cxnSp>
-      <p:cxnSp>
-        <p:nvCxnSpPr>
-          <p:cNvPr id="13" name="Conector recto 12"/>
-          <p:cNvCxnSpPr/>
-          <p:nvPr/>
-        </p:nvCxnSpPr>
-        <p:spPr>
-          <a:xfrm>
-            <a:off x="2743200" y="4532811"/>
-            <a:ext cx="4389120" cy="13063"/>
-          </a:xfrm>
-          <a:prstGeom prst="line">
-            <a:avLst/>
-          </a:prstGeom>
-          <a:ln w="38100">
-            <a:solidFill>
-              <a:srgbClr val="FF0000"/>
-            </a:solidFill>
-          </a:ln>
-        </p:spPr>
-        <p:style>
-          <a:lnRef idx="1">
-            <a:schemeClr val="accent1"/>
-          </a:lnRef>
-          <a:fillRef idx="0">
-            <a:schemeClr val="accent1"/>
-          </a:fillRef>
-          <a:effectRef idx="0">
-            <a:schemeClr val="accent1"/>
-          </a:effectRef>
-          <a:fontRef idx="minor">
-            <a:schemeClr val="tx1"/>
-          </a:fontRef>
-        </p:style>
-      </p:cxnSp>
-      <p:cxnSp>
-        <p:nvCxnSpPr>
-          <p:cNvPr id="15" name="Conector recto 14"/>
-          <p:cNvCxnSpPr/>
-          <p:nvPr/>
-        </p:nvCxnSpPr>
-        <p:spPr>
-          <a:xfrm>
-            <a:off x="1789611" y="6058462"/>
-            <a:ext cx="4323806" cy="0"/>
-          </a:xfrm>
-          <a:prstGeom prst="line">
-            <a:avLst/>
-          </a:prstGeom>
-          <a:ln w="38100">
-            <a:solidFill>
-              <a:srgbClr val="FF0000"/>
-            </a:solidFill>
-          </a:ln>
-        </p:spPr>
-        <p:style>
-          <a:lnRef idx="1">
-            <a:schemeClr val="accent1"/>
-          </a:lnRef>
-          <a:fillRef idx="0">
-            <a:schemeClr val="accent1"/>
-          </a:fillRef>
-          <a:effectRef idx="0">
-            <a:schemeClr val="accent1"/>
-          </a:effectRef>
-          <a:fontRef idx="minor">
-            <a:schemeClr val="tx1"/>
-          </a:fontRef>
-        </p:style>
-      </p:cxnSp>
-      <p:sp>
-        <p:nvSpPr>
-          <p:cNvPr id="16" name="CuadroTexto 15"/>
-          <p:cNvSpPr txBox="1"/>
-          <p:nvPr/>
-        </p:nvSpPr>
-        <p:spPr>
-          <a:xfrm>
-            <a:off x="2103122" y="6340323"/>
-            <a:ext cx="8294914" cy="369332"/>
-          </a:xfrm>
-          <a:prstGeom prst="rect">
-            <a:avLst/>
-          </a:prstGeom>
-          <a:noFill/>
-        </p:spPr>
-        <p:txBody>
-          <a:bodyPr wrap="square" rtlCol="0">
-            <a:spAutoFit/>
-          </a:bodyPr>
-          <a:lstStyle/>
-          <a:p>
-            <a:r>
-              <a:rPr lang="es-PE" dirty="0" smtClean="0"/>
-              <a:t>Sociedad de la cortesía: nueva identidad y autopercepción; de la guerra al comercio.</a:t>
-            </a:r>
-            <a:endParaRPr lang="es-PE" dirty="0"/>
-          </a:p>
-        </p:txBody>
-      </p:sp>
     </p:spTree>
     <p:extLst>
       <p:ext uri="{BB962C8B-B14F-4D97-AF65-F5344CB8AC3E}">
-        <p14:creationId xmlns:p14="http://schemas.microsoft.com/office/powerpoint/2010/main" val="3842103043"/>
+        <p14:creationId xmlns:p14="http://schemas.microsoft.com/office/powerpoint/2010/main" val="2792029221"/>
       </p:ext>
     </p:extLst>
   </p:cSld>
